--- a/group3/Grupo 3 - Proyecto.pptx
+++ b/group3/Grupo 3 - Proyecto.pptx
@@ -3,22 +3,17 @@
 <p:presentation xmlns:a="http://schemas.openxmlformats.org/drawingml/2006/main" xmlns:r="http://schemas.openxmlformats.org/officeDocument/2006/relationships" xmlns:p="http://schemas.openxmlformats.org/presentationml/2006/main" showSpecialPlsOnTitleSld="0" strictFirstAndLastChars="0" saveSubsetFonts="1" autoCompressPictures="0">
   <p:sldMasterIdLst>
     <p:sldMasterId id="2147483657" r:id="rId1"/>
-    <p:sldMasterId id="2147483658" r:id="rId2"/>
-    <p:sldMasterId id="2147483670" r:id="rId3"/>
+    <p:sldMasterId id="2147483670" r:id="rId2"/>
   </p:sldMasterIdLst>
   <p:notesMasterIdLst>
-    <p:notesMasterId r:id="rId13"/>
+    <p:notesMasterId r:id="rId8"/>
   </p:notesMasterIdLst>
   <p:sldIdLst>
-    <p:sldId id="256" r:id="rId4"/>
-    <p:sldId id="294" r:id="rId5"/>
-    <p:sldId id="296" r:id="rId6"/>
-    <p:sldId id="297" r:id="rId7"/>
-    <p:sldId id="303" r:id="rId8"/>
-    <p:sldId id="300" r:id="rId9"/>
-    <p:sldId id="301" r:id="rId10"/>
-    <p:sldId id="302" r:id="rId11"/>
-    <p:sldId id="289" r:id="rId12"/>
+    <p:sldId id="256" r:id="rId3"/>
+    <p:sldId id="294" r:id="rId4"/>
+    <p:sldId id="296" r:id="rId5"/>
+    <p:sldId id="297" r:id="rId6"/>
+    <p:sldId id="303" r:id="rId7"/>
   </p:sldIdLst>
   <p:sldSz cx="9144000" cy="5143500" type="screen16x9"/>
   <p:notesSz cx="6858000" cy="9144000"/>
@@ -1256,437 +1251,6 @@
 </p:notes>
 </file>
 
-<file path=ppt/notesSlides/notesSlide6.xml><?xml version="1.0" encoding="utf-8"?>
-<p:notes xmlns:a="http://schemas.openxmlformats.org/drawingml/2006/main" xmlns:r="http://schemas.openxmlformats.org/officeDocument/2006/relationships" xmlns:p="http://schemas.openxmlformats.org/presentationml/2006/main" showMasterSp="0" showMasterPhAnim="0">
-  <p:cSld>
-    <p:spTree>
-      <p:nvGrpSpPr>
-        <p:cNvPr id="1" name="Shape 321"/>
-        <p:cNvGrpSpPr/>
-        <p:nvPr/>
-      </p:nvGrpSpPr>
-      <p:grpSpPr>
-        <a:xfrm>
-          <a:off x="0" y="0"/>
-          <a:ext cx="0" cy="0"/>
-          <a:chOff x="0" y="0"/>
-          <a:chExt cx="0" cy="0"/>
-        </a:xfrm>
-      </p:grpSpPr>
-      <p:sp>
-        <p:nvSpPr>
-          <p:cNvPr id="322" name="Google Shape;322;g35ed75ccf_0113:notes"/>
-          <p:cNvSpPr>
-            <a:spLocks noGrp="1" noRot="1" noChangeAspect="1"/>
-          </p:cNvSpPr>
-          <p:nvPr>
-            <p:ph type="sldImg" idx="2"/>
-          </p:nvPr>
-        </p:nvSpPr>
-        <p:spPr>
-          <a:xfrm>
-            <a:off x="381000" y="685800"/>
-            <a:ext cx="6096000" cy="3429000"/>
-          </a:xfrm>
-          <a:custGeom>
-            <a:avLst/>
-            <a:gdLst/>
-            <a:ahLst/>
-            <a:cxnLst/>
-            <a:rect l="l" t="t" r="r" b="b"/>
-            <a:pathLst>
-              <a:path w="120000" h="120000" extrusionOk="0">
-                <a:moveTo>
-                  <a:pt x="0" y="0"/>
-                </a:moveTo>
-                <a:lnTo>
-                  <a:pt x="120000" y="0"/>
-                </a:lnTo>
-                <a:lnTo>
-                  <a:pt x="120000" y="120000"/>
-                </a:lnTo>
-                <a:lnTo>
-                  <a:pt x="0" y="120000"/>
-                </a:lnTo>
-                <a:close/>
-              </a:path>
-            </a:pathLst>
-          </a:custGeom>
-        </p:spPr>
-      </p:sp>
-      <p:sp>
-        <p:nvSpPr>
-          <p:cNvPr id="323" name="Google Shape;323;g35ed75ccf_0113:notes"/>
-          <p:cNvSpPr txBox="1">
-            <a:spLocks noGrp="1"/>
-          </p:cNvSpPr>
-          <p:nvPr>
-            <p:ph type="body" idx="1"/>
-          </p:nvPr>
-        </p:nvSpPr>
-        <p:spPr>
-          <a:xfrm>
-            <a:off x="685800" y="4343400"/>
-            <a:ext cx="5486400" cy="4114800"/>
-          </a:xfrm>
-          <a:prstGeom prst="rect">
-            <a:avLst/>
-          </a:prstGeom>
-        </p:spPr>
-        <p:txBody>
-          <a:bodyPr spcFirstLastPara="1" wrap="square" lIns="91425" tIns="91425" rIns="91425" bIns="91425" anchor="t" anchorCtr="0">
-            <a:noAutofit/>
-          </a:bodyPr>
-          <a:lstStyle/>
-          <a:p>
-            <a:pPr marL="0" lvl="0" indent="0" algn="l" rtl="0">
-              <a:spcBef>
-                <a:spcPts val="0"/>
-              </a:spcBef>
-              <a:spcAft>
-                <a:spcPts val="0"/>
-              </a:spcAft>
-              <a:buNone/>
-            </a:pPr>
-            <a:endParaRPr/>
-          </a:p>
-        </p:txBody>
-      </p:sp>
-    </p:spTree>
-    <p:extLst>
-      <p:ext uri="{BB962C8B-B14F-4D97-AF65-F5344CB8AC3E}">
-        <p14:creationId xmlns:p14="http://schemas.microsoft.com/office/powerpoint/2010/main" val="3590768451"/>
-      </p:ext>
-    </p:extLst>
-  </p:cSld>
-  <p:clrMapOvr>
-    <a:masterClrMapping/>
-  </p:clrMapOvr>
-</p:notes>
-</file>
-
-<file path=ppt/notesSlides/notesSlide7.xml><?xml version="1.0" encoding="utf-8"?>
-<p:notes xmlns:a="http://schemas.openxmlformats.org/drawingml/2006/main" xmlns:r="http://schemas.openxmlformats.org/officeDocument/2006/relationships" xmlns:p="http://schemas.openxmlformats.org/presentationml/2006/main" showMasterSp="0" showMasterPhAnim="0">
-  <p:cSld>
-    <p:spTree>
-      <p:nvGrpSpPr>
-        <p:cNvPr id="1" name="Shape 321"/>
-        <p:cNvGrpSpPr/>
-        <p:nvPr/>
-      </p:nvGrpSpPr>
-      <p:grpSpPr>
-        <a:xfrm>
-          <a:off x="0" y="0"/>
-          <a:ext cx="0" cy="0"/>
-          <a:chOff x="0" y="0"/>
-          <a:chExt cx="0" cy="0"/>
-        </a:xfrm>
-      </p:grpSpPr>
-      <p:sp>
-        <p:nvSpPr>
-          <p:cNvPr id="322" name="Google Shape;322;g35ed75ccf_0113:notes"/>
-          <p:cNvSpPr>
-            <a:spLocks noGrp="1" noRot="1" noChangeAspect="1"/>
-          </p:cNvSpPr>
-          <p:nvPr>
-            <p:ph type="sldImg" idx="2"/>
-          </p:nvPr>
-        </p:nvSpPr>
-        <p:spPr>
-          <a:xfrm>
-            <a:off x="381000" y="685800"/>
-            <a:ext cx="6096000" cy="3429000"/>
-          </a:xfrm>
-          <a:custGeom>
-            <a:avLst/>
-            <a:gdLst/>
-            <a:ahLst/>
-            <a:cxnLst/>
-            <a:rect l="l" t="t" r="r" b="b"/>
-            <a:pathLst>
-              <a:path w="120000" h="120000" extrusionOk="0">
-                <a:moveTo>
-                  <a:pt x="0" y="0"/>
-                </a:moveTo>
-                <a:lnTo>
-                  <a:pt x="120000" y="0"/>
-                </a:lnTo>
-                <a:lnTo>
-                  <a:pt x="120000" y="120000"/>
-                </a:lnTo>
-                <a:lnTo>
-                  <a:pt x="0" y="120000"/>
-                </a:lnTo>
-                <a:close/>
-              </a:path>
-            </a:pathLst>
-          </a:custGeom>
-        </p:spPr>
-      </p:sp>
-      <p:sp>
-        <p:nvSpPr>
-          <p:cNvPr id="323" name="Google Shape;323;g35ed75ccf_0113:notes"/>
-          <p:cNvSpPr txBox="1">
-            <a:spLocks noGrp="1"/>
-          </p:cNvSpPr>
-          <p:nvPr>
-            <p:ph type="body" idx="1"/>
-          </p:nvPr>
-        </p:nvSpPr>
-        <p:spPr>
-          <a:xfrm>
-            <a:off x="685800" y="4343400"/>
-            <a:ext cx="5486400" cy="4114800"/>
-          </a:xfrm>
-          <a:prstGeom prst="rect">
-            <a:avLst/>
-          </a:prstGeom>
-        </p:spPr>
-        <p:txBody>
-          <a:bodyPr spcFirstLastPara="1" wrap="square" lIns="91425" tIns="91425" rIns="91425" bIns="91425" anchor="t" anchorCtr="0">
-            <a:noAutofit/>
-          </a:bodyPr>
-          <a:lstStyle/>
-          <a:p>
-            <a:pPr marL="0" lvl="0" indent="0" algn="l" rtl="0">
-              <a:spcBef>
-                <a:spcPts val="0"/>
-              </a:spcBef>
-              <a:spcAft>
-                <a:spcPts val="0"/>
-              </a:spcAft>
-              <a:buNone/>
-            </a:pPr>
-            <a:endParaRPr/>
-          </a:p>
-        </p:txBody>
-      </p:sp>
-    </p:spTree>
-    <p:extLst>
-      <p:ext uri="{BB962C8B-B14F-4D97-AF65-F5344CB8AC3E}">
-        <p14:creationId xmlns:p14="http://schemas.microsoft.com/office/powerpoint/2010/main" val="2247197421"/>
-      </p:ext>
-    </p:extLst>
-  </p:cSld>
-  <p:clrMapOvr>
-    <a:masterClrMapping/>
-  </p:clrMapOvr>
-</p:notes>
-</file>
-
-<file path=ppt/notesSlides/notesSlide8.xml><?xml version="1.0" encoding="utf-8"?>
-<p:notes xmlns:a="http://schemas.openxmlformats.org/drawingml/2006/main" xmlns:r="http://schemas.openxmlformats.org/officeDocument/2006/relationships" xmlns:p="http://schemas.openxmlformats.org/presentationml/2006/main" showMasterSp="0" showMasterPhAnim="0">
-  <p:cSld>
-    <p:spTree>
-      <p:nvGrpSpPr>
-        <p:cNvPr id="1" name="Shape 321"/>
-        <p:cNvGrpSpPr/>
-        <p:nvPr/>
-      </p:nvGrpSpPr>
-      <p:grpSpPr>
-        <a:xfrm>
-          <a:off x="0" y="0"/>
-          <a:ext cx="0" cy="0"/>
-          <a:chOff x="0" y="0"/>
-          <a:chExt cx="0" cy="0"/>
-        </a:xfrm>
-      </p:grpSpPr>
-      <p:sp>
-        <p:nvSpPr>
-          <p:cNvPr id="322" name="Google Shape;322;g35ed75ccf_0113:notes"/>
-          <p:cNvSpPr>
-            <a:spLocks noGrp="1" noRot="1" noChangeAspect="1"/>
-          </p:cNvSpPr>
-          <p:nvPr>
-            <p:ph type="sldImg" idx="2"/>
-          </p:nvPr>
-        </p:nvSpPr>
-        <p:spPr>
-          <a:xfrm>
-            <a:off x="381000" y="685800"/>
-            <a:ext cx="6096000" cy="3429000"/>
-          </a:xfrm>
-          <a:custGeom>
-            <a:avLst/>
-            <a:gdLst/>
-            <a:ahLst/>
-            <a:cxnLst/>
-            <a:rect l="l" t="t" r="r" b="b"/>
-            <a:pathLst>
-              <a:path w="120000" h="120000" extrusionOk="0">
-                <a:moveTo>
-                  <a:pt x="0" y="0"/>
-                </a:moveTo>
-                <a:lnTo>
-                  <a:pt x="120000" y="0"/>
-                </a:lnTo>
-                <a:lnTo>
-                  <a:pt x="120000" y="120000"/>
-                </a:lnTo>
-                <a:lnTo>
-                  <a:pt x="0" y="120000"/>
-                </a:lnTo>
-                <a:close/>
-              </a:path>
-            </a:pathLst>
-          </a:custGeom>
-        </p:spPr>
-      </p:sp>
-      <p:sp>
-        <p:nvSpPr>
-          <p:cNvPr id="323" name="Google Shape;323;g35ed75ccf_0113:notes"/>
-          <p:cNvSpPr txBox="1">
-            <a:spLocks noGrp="1"/>
-          </p:cNvSpPr>
-          <p:nvPr>
-            <p:ph type="body" idx="1"/>
-          </p:nvPr>
-        </p:nvSpPr>
-        <p:spPr>
-          <a:xfrm>
-            <a:off x="685800" y="4343400"/>
-            <a:ext cx="5486400" cy="4114800"/>
-          </a:xfrm>
-          <a:prstGeom prst="rect">
-            <a:avLst/>
-          </a:prstGeom>
-        </p:spPr>
-        <p:txBody>
-          <a:bodyPr spcFirstLastPara="1" wrap="square" lIns="91425" tIns="91425" rIns="91425" bIns="91425" anchor="t" anchorCtr="0">
-            <a:noAutofit/>
-          </a:bodyPr>
-          <a:lstStyle/>
-          <a:p>
-            <a:pPr marL="0" lvl="0" indent="0" algn="l" rtl="0">
-              <a:spcBef>
-                <a:spcPts val="0"/>
-              </a:spcBef>
-              <a:spcAft>
-                <a:spcPts val="0"/>
-              </a:spcAft>
-              <a:buNone/>
-            </a:pPr>
-            <a:endParaRPr/>
-          </a:p>
-        </p:txBody>
-      </p:sp>
-    </p:spTree>
-    <p:extLst>
-      <p:ext uri="{BB962C8B-B14F-4D97-AF65-F5344CB8AC3E}">
-        <p14:creationId xmlns:p14="http://schemas.microsoft.com/office/powerpoint/2010/main" val="3031375747"/>
-      </p:ext>
-    </p:extLst>
-  </p:cSld>
-  <p:clrMapOvr>
-    <a:masterClrMapping/>
-  </p:clrMapOvr>
-</p:notes>
-</file>
-
-<file path=ppt/notesSlides/notesSlide9.xml><?xml version="1.0" encoding="utf-8"?>
-<p:notes xmlns:a="http://schemas.openxmlformats.org/drawingml/2006/main" xmlns:r="http://schemas.openxmlformats.org/officeDocument/2006/relationships" xmlns:p="http://schemas.openxmlformats.org/presentationml/2006/main" showMasterSp="0" showMasterPhAnim="0">
-  <p:cSld>
-    <p:spTree>
-      <p:nvGrpSpPr>
-        <p:cNvPr id="1" name="Shape 96"/>
-        <p:cNvGrpSpPr/>
-        <p:nvPr/>
-      </p:nvGrpSpPr>
-      <p:grpSpPr>
-        <a:xfrm>
-          <a:off x="0" y="0"/>
-          <a:ext cx="0" cy="0"/>
-          <a:chOff x="0" y="0"/>
-          <a:chExt cx="0" cy="0"/>
-        </a:xfrm>
-      </p:grpSpPr>
-      <p:sp>
-        <p:nvSpPr>
-          <p:cNvPr id="97" name="Google Shape;97;g35ed75ccf_015:notes"/>
-          <p:cNvSpPr>
-            <a:spLocks noGrp="1" noRot="1" noChangeAspect="1"/>
-          </p:cNvSpPr>
-          <p:nvPr>
-            <p:ph type="sldImg" idx="2"/>
-          </p:nvPr>
-        </p:nvSpPr>
-        <p:spPr>
-          <a:xfrm>
-            <a:off x="381000" y="685800"/>
-            <a:ext cx="6096000" cy="3429000"/>
-          </a:xfrm>
-          <a:custGeom>
-            <a:avLst/>
-            <a:gdLst/>
-            <a:ahLst/>
-            <a:cxnLst/>
-            <a:rect l="l" t="t" r="r" b="b"/>
-            <a:pathLst>
-              <a:path w="120000" h="120000" extrusionOk="0">
-                <a:moveTo>
-                  <a:pt x="0" y="0"/>
-                </a:moveTo>
-                <a:lnTo>
-                  <a:pt x="120000" y="0"/>
-                </a:lnTo>
-                <a:lnTo>
-                  <a:pt x="120000" y="120000"/>
-                </a:lnTo>
-                <a:lnTo>
-                  <a:pt x="0" y="120000"/>
-                </a:lnTo>
-                <a:close/>
-              </a:path>
-            </a:pathLst>
-          </a:custGeom>
-        </p:spPr>
-      </p:sp>
-      <p:sp>
-        <p:nvSpPr>
-          <p:cNvPr id="98" name="Google Shape;98;g35ed75ccf_015:notes"/>
-          <p:cNvSpPr txBox="1">
-            <a:spLocks noGrp="1"/>
-          </p:cNvSpPr>
-          <p:nvPr>
-            <p:ph type="body" idx="1"/>
-          </p:nvPr>
-        </p:nvSpPr>
-        <p:spPr>
-          <a:xfrm>
-            <a:off x="685800" y="4343400"/>
-            <a:ext cx="5486400" cy="4114800"/>
-          </a:xfrm>
-          <a:prstGeom prst="rect">
-            <a:avLst/>
-          </a:prstGeom>
-        </p:spPr>
-        <p:txBody>
-          <a:bodyPr spcFirstLastPara="1" wrap="square" lIns="91425" tIns="91425" rIns="91425" bIns="91425" anchor="t" anchorCtr="0">
-            <a:noAutofit/>
-          </a:bodyPr>
-          <a:lstStyle/>
-          <a:p>
-            <a:pPr marL="0" lvl="0" indent="0" algn="l" rtl="0">
-              <a:spcBef>
-                <a:spcPts val="0"/>
-              </a:spcBef>
-              <a:spcAft>
-                <a:spcPts val="0"/>
-              </a:spcAft>
-              <a:buNone/>
-            </a:pPr>
-            <a:endParaRPr/>
-          </a:p>
-        </p:txBody>
-      </p:sp>
-    </p:spTree>
-  </p:cSld>
-  <p:clrMapOvr>
-    <a:masterClrMapping/>
-  </p:clrMapOvr>
-</p:notes>
-</file>
-
 <file path=ppt/slideLayouts/slideLayout1.xml><?xml version="1.0" encoding="utf-8"?>
 <p:sldLayout xmlns:a="http://schemas.openxmlformats.org/drawingml/2006/main" xmlns:r="http://schemas.openxmlformats.org/officeDocument/2006/relationships" xmlns:p="http://schemas.openxmlformats.org/presentationml/2006/main" matchingName="Title" type="title">
   <p:cSld name="TITLE">
@@ -1939,2854 +1503,6 @@
 </file>
 
 <file path=ppt/slideLayouts/slideLayout10.xml><?xml version="1.0" encoding="utf-8"?>
-<p:sldLayout xmlns:a="http://schemas.openxmlformats.org/drawingml/2006/main" xmlns:r="http://schemas.openxmlformats.org/officeDocument/2006/relationships" xmlns:p="http://schemas.openxmlformats.org/presentationml/2006/main" matchingName="Blank" type="blank">
-  <p:cSld name="Blank">
-    <p:spTree>
-      <p:nvGrpSpPr>
-        <p:cNvPr id="1" name="Shape 52"/>
-        <p:cNvGrpSpPr/>
-        <p:nvPr/>
-      </p:nvGrpSpPr>
-      <p:grpSpPr>
-        <a:xfrm>
-          <a:off x="0" y="0"/>
-          <a:ext cx="0" cy="0"/>
-          <a:chOff x="0" y="0"/>
-          <a:chExt cx="0" cy="0"/>
-        </a:xfrm>
-      </p:grpSpPr>
-      <p:sp>
-        <p:nvSpPr>
-          <p:cNvPr id="53" name="Google Shape;53;p10"/>
-          <p:cNvSpPr txBox="1">
-            <a:spLocks noGrp="1"/>
-          </p:cNvSpPr>
-          <p:nvPr>
-            <p:ph type="sldNum" idx="12"/>
-          </p:nvPr>
-        </p:nvSpPr>
-        <p:spPr>
-          <a:xfrm>
-            <a:off x="4297650" y="4749851"/>
-            <a:ext cx="548700" cy="393600"/>
-          </a:xfrm>
-          <a:prstGeom prst="rect">
-            <a:avLst/>
-          </a:prstGeom>
-        </p:spPr>
-        <p:txBody>
-          <a:bodyPr spcFirstLastPara="1" wrap="square" lIns="91425" tIns="91425" rIns="91425" bIns="91425" anchor="t" anchorCtr="0">
-            <a:noAutofit/>
-          </a:bodyPr>
-          <a:lstStyle>
-            <a:lvl1pPr lvl="0">
-              <a:buNone/>
-              <a:defRPr/>
-            </a:lvl1pPr>
-            <a:lvl2pPr lvl="1">
-              <a:buNone/>
-              <a:defRPr/>
-            </a:lvl2pPr>
-            <a:lvl3pPr lvl="2">
-              <a:buNone/>
-              <a:defRPr/>
-            </a:lvl3pPr>
-            <a:lvl4pPr lvl="3">
-              <a:buNone/>
-              <a:defRPr/>
-            </a:lvl4pPr>
-            <a:lvl5pPr lvl="4">
-              <a:buNone/>
-              <a:defRPr/>
-            </a:lvl5pPr>
-            <a:lvl6pPr lvl="5">
-              <a:buNone/>
-              <a:defRPr/>
-            </a:lvl6pPr>
-            <a:lvl7pPr lvl="6">
-              <a:buNone/>
-              <a:defRPr/>
-            </a:lvl7pPr>
-            <a:lvl8pPr lvl="7">
-              <a:buNone/>
-              <a:defRPr/>
-            </a:lvl8pPr>
-            <a:lvl9pPr lvl="8">
-              <a:buNone/>
-              <a:defRPr/>
-            </a:lvl9pPr>
-          </a:lstStyle>
-          <a:p>
-            <a:fld id="{00000000-1234-1234-1234-123412341234}" type="slidenum">
-              <a:rPr lang="en">
-                <a:solidFill>
-                  <a:srgbClr val="8F7B87"/>
-                </a:solidFill>
-              </a:rPr>
-              <a:pPr/>
-              <a:t>‹Nº›</a:t>
-            </a:fld>
-            <a:endParaRPr>
-              <a:solidFill>
-                <a:srgbClr val="8F7B87"/>
-              </a:solidFill>
-            </a:endParaRPr>
-          </a:p>
-        </p:txBody>
-      </p:sp>
-    </p:spTree>
-    <p:extLst>
-      <p:ext uri="{BB962C8B-B14F-4D97-AF65-F5344CB8AC3E}">
-        <p14:creationId xmlns:p14="http://schemas.microsoft.com/office/powerpoint/2010/main" val="3136236420"/>
-      </p:ext>
-    </p:extLst>
-  </p:cSld>
-  <p:clrMapOvr>
-    <a:masterClrMapping/>
-  </p:clrMapOvr>
-</p:sldLayout>
-</file>
-
-<file path=ppt/slideLayouts/slideLayout11.xml><?xml version="1.0" encoding="utf-8"?>
-<p:sldLayout xmlns:a="http://schemas.openxmlformats.org/drawingml/2006/main" xmlns:r="http://schemas.openxmlformats.org/officeDocument/2006/relationships" xmlns:p="http://schemas.openxmlformats.org/presentationml/2006/main" matchingName="Title" type="title">
-  <p:cSld name="Title">
-    <p:bg>
-      <p:bgPr>
-        <a:solidFill>
-          <a:srgbClr val="000000"/>
-        </a:solidFill>
-        <a:effectLst/>
-      </p:bgPr>
-    </p:bg>
-    <p:spTree>
-      <p:nvGrpSpPr>
-        <p:cNvPr id="1" name="Shape 9"/>
-        <p:cNvGrpSpPr/>
-        <p:nvPr/>
-      </p:nvGrpSpPr>
-      <p:grpSpPr>
-        <a:xfrm>
-          <a:off x="0" y="0"/>
-          <a:ext cx="0" cy="0"/>
-          <a:chOff x="0" y="0"/>
-          <a:chExt cx="0" cy="0"/>
-        </a:xfrm>
-      </p:grpSpPr>
-      <p:sp>
-        <p:nvSpPr>
-          <p:cNvPr id="10" name="Google Shape;10;p2"/>
-          <p:cNvSpPr txBox="1">
-            <a:spLocks noGrp="1"/>
-          </p:cNvSpPr>
-          <p:nvPr>
-            <p:ph type="ctrTitle"/>
-          </p:nvPr>
-        </p:nvSpPr>
-        <p:spPr>
-          <a:xfrm>
-            <a:off x="634275" y="1839413"/>
-            <a:ext cx="7888800" cy="1159800"/>
-          </a:xfrm>
-          <a:prstGeom prst="rect">
-            <a:avLst/>
-          </a:prstGeom>
-        </p:spPr>
-        <p:txBody>
-          <a:bodyPr spcFirstLastPara="1" wrap="square" lIns="91425" tIns="91425" rIns="91425" bIns="91425" anchor="ctr" anchorCtr="0">
-            <a:noAutofit/>
-          </a:bodyPr>
-          <a:lstStyle>
-            <a:lvl1pPr lvl="0" algn="ctr">
-              <a:spcBef>
-                <a:spcPts val="0"/>
-              </a:spcBef>
-              <a:spcAft>
-                <a:spcPts val="0"/>
-              </a:spcAft>
-              <a:buClr>
-                <a:schemeClr val="lt1"/>
-              </a:buClr>
-              <a:buSzPts val="3600"/>
-              <a:buNone/>
-              <a:defRPr sz="3600">
-                <a:solidFill>
-                  <a:schemeClr val="lt1"/>
-                </a:solidFill>
-              </a:defRPr>
-            </a:lvl1pPr>
-            <a:lvl2pPr lvl="1" algn="ctr">
-              <a:spcBef>
-                <a:spcPts val="0"/>
-              </a:spcBef>
-              <a:spcAft>
-                <a:spcPts val="0"/>
-              </a:spcAft>
-              <a:buClr>
-                <a:schemeClr val="lt1"/>
-              </a:buClr>
-              <a:buSzPts val="3600"/>
-              <a:buNone/>
-              <a:defRPr sz="3600">
-                <a:solidFill>
-                  <a:schemeClr val="lt1"/>
-                </a:solidFill>
-              </a:defRPr>
-            </a:lvl2pPr>
-            <a:lvl3pPr lvl="2" algn="ctr">
-              <a:spcBef>
-                <a:spcPts val="0"/>
-              </a:spcBef>
-              <a:spcAft>
-                <a:spcPts val="0"/>
-              </a:spcAft>
-              <a:buClr>
-                <a:schemeClr val="lt1"/>
-              </a:buClr>
-              <a:buSzPts val="3600"/>
-              <a:buNone/>
-              <a:defRPr sz="3600">
-                <a:solidFill>
-                  <a:schemeClr val="lt1"/>
-                </a:solidFill>
-              </a:defRPr>
-            </a:lvl3pPr>
-            <a:lvl4pPr lvl="3" algn="ctr">
-              <a:spcBef>
-                <a:spcPts val="0"/>
-              </a:spcBef>
-              <a:spcAft>
-                <a:spcPts val="0"/>
-              </a:spcAft>
-              <a:buClr>
-                <a:schemeClr val="lt1"/>
-              </a:buClr>
-              <a:buSzPts val="3600"/>
-              <a:buNone/>
-              <a:defRPr sz="3600">
-                <a:solidFill>
-                  <a:schemeClr val="lt1"/>
-                </a:solidFill>
-              </a:defRPr>
-            </a:lvl4pPr>
-            <a:lvl5pPr lvl="4" algn="ctr">
-              <a:spcBef>
-                <a:spcPts val="0"/>
-              </a:spcBef>
-              <a:spcAft>
-                <a:spcPts val="0"/>
-              </a:spcAft>
-              <a:buClr>
-                <a:schemeClr val="lt1"/>
-              </a:buClr>
-              <a:buSzPts val="3600"/>
-              <a:buNone/>
-              <a:defRPr sz="3600">
-                <a:solidFill>
-                  <a:schemeClr val="lt1"/>
-                </a:solidFill>
-              </a:defRPr>
-            </a:lvl5pPr>
-            <a:lvl6pPr lvl="5" algn="ctr">
-              <a:spcBef>
-                <a:spcPts val="0"/>
-              </a:spcBef>
-              <a:spcAft>
-                <a:spcPts val="0"/>
-              </a:spcAft>
-              <a:buClr>
-                <a:schemeClr val="lt1"/>
-              </a:buClr>
-              <a:buSzPts val="3600"/>
-              <a:buNone/>
-              <a:defRPr sz="3600">
-                <a:solidFill>
-                  <a:schemeClr val="lt1"/>
-                </a:solidFill>
-              </a:defRPr>
-            </a:lvl6pPr>
-            <a:lvl7pPr lvl="6" algn="ctr">
-              <a:spcBef>
-                <a:spcPts val="0"/>
-              </a:spcBef>
-              <a:spcAft>
-                <a:spcPts val="0"/>
-              </a:spcAft>
-              <a:buClr>
-                <a:schemeClr val="lt1"/>
-              </a:buClr>
-              <a:buSzPts val="3600"/>
-              <a:buNone/>
-              <a:defRPr sz="3600">
-                <a:solidFill>
-                  <a:schemeClr val="lt1"/>
-                </a:solidFill>
-              </a:defRPr>
-            </a:lvl7pPr>
-            <a:lvl8pPr lvl="7" algn="ctr">
-              <a:spcBef>
-                <a:spcPts val="0"/>
-              </a:spcBef>
-              <a:spcAft>
-                <a:spcPts val="0"/>
-              </a:spcAft>
-              <a:buClr>
-                <a:schemeClr val="lt1"/>
-              </a:buClr>
-              <a:buSzPts val="3600"/>
-              <a:buNone/>
-              <a:defRPr sz="3600">
-                <a:solidFill>
-                  <a:schemeClr val="lt1"/>
-                </a:solidFill>
-              </a:defRPr>
-            </a:lvl8pPr>
-            <a:lvl9pPr lvl="8" algn="ctr">
-              <a:spcBef>
-                <a:spcPts val="0"/>
-              </a:spcBef>
-              <a:spcAft>
-                <a:spcPts val="0"/>
-              </a:spcAft>
-              <a:buClr>
-                <a:schemeClr val="lt1"/>
-              </a:buClr>
-              <a:buSzPts val="3600"/>
-              <a:buNone/>
-              <a:defRPr sz="3600">
-                <a:solidFill>
-                  <a:schemeClr val="lt1"/>
-                </a:solidFill>
-              </a:defRPr>
-            </a:lvl9pPr>
-          </a:lstStyle>
-          <a:p>
-            <a:endParaRPr/>
-          </a:p>
-        </p:txBody>
-      </p:sp>
-      <p:cxnSp>
-        <p:nvCxnSpPr>
-          <p:cNvPr id="11" name="Google Shape;11;p2"/>
-          <p:cNvCxnSpPr/>
-          <p:nvPr/>
-        </p:nvCxnSpPr>
-        <p:spPr>
-          <a:xfrm rot="10800000">
-            <a:off x="2588100" y="3488719"/>
-            <a:ext cx="3967800" cy="0"/>
-          </a:xfrm>
-          <a:prstGeom prst="straightConnector1">
-            <a:avLst/>
-          </a:prstGeom>
-          <a:noFill/>
-          <a:ln w="9525" cap="flat" cmpd="sng">
-            <a:solidFill>
-              <a:schemeClr val="lt1"/>
-            </a:solidFill>
-            <a:prstDash val="solid"/>
-            <a:round/>
-            <a:headEnd type="oval" w="med" len="med"/>
-            <a:tailEnd type="oval" w="med" len="med"/>
-          </a:ln>
-        </p:spPr>
-      </p:cxnSp>
-    </p:spTree>
-    <p:extLst>
-      <p:ext uri="{BB962C8B-B14F-4D97-AF65-F5344CB8AC3E}">
-        <p14:creationId xmlns:p14="http://schemas.microsoft.com/office/powerpoint/2010/main" val="4086691038"/>
-      </p:ext>
-    </p:extLst>
-  </p:cSld>
-  <p:clrMapOvr>
-    <a:masterClrMapping/>
-  </p:clrMapOvr>
-</p:sldLayout>
-</file>
-
-<file path=ppt/slideLayouts/slideLayout12.xml><?xml version="1.0" encoding="utf-8"?>
-<p:sldLayout xmlns:a="http://schemas.openxmlformats.org/drawingml/2006/main" xmlns:r="http://schemas.openxmlformats.org/officeDocument/2006/relationships" xmlns:p="http://schemas.openxmlformats.org/presentationml/2006/main" matchingName="Subtitle">
-  <p:cSld name="Subtitle">
-    <p:spTree>
-      <p:nvGrpSpPr>
-        <p:cNvPr id="1" name="Shape 12"/>
-        <p:cNvGrpSpPr/>
-        <p:nvPr/>
-      </p:nvGrpSpPr>
-      <p:grpSpPr>
-        <a:xfrm>
-          <a:off x="0" y="0"/>
-          <a:ext cx="0" cy="0"/>
-          <a:chOff x="0" y="0"/>
-          <a:chExt cx="0" cy="0"/>
-        </a:xfrm>
-      </p:grpSpPr>
-      <p:sp>
-        <p:nvSpPr>
-          <p:cNvPr id="13" name="Google Shape;13;p3"/>
-          <p:cNvSpPr txBox="1">
-            <a:spLocks noGrp="1"/>
-          </p:cNvSpPr>
-          <p:nvPr>
-            <p:ph type="ctrTitle"/>
-          </p:nvPr>
-        </p:nvSpPr>
-        <p:spPr>
-          <a:xfrm>
-            <a:off x="2600500" y="2040544"/>
-            <a:ext cx="5857800" cy="1159800"/>
-          </a:xfrm>
-          <a:prstGeom prst="rect">
-            <a:avLst/>
-          </a:prstGeom>
-        </p:spPr>
-        <p:txBody>
-          <a:bodyPr spcFirstLastPara="1" wrap="square" lIns="91425" tIns="91425" rIns="91425" bIns="91425" anchor="b" anchorCtr="0">
-            <a:noAutofit/>
-          </a:bodyPr>
-          <a:lstStyle>
-            <a:lvl1pPr lvl="0" algn="l" rtl="0">
-              <a:spcBef>
-                <a:spcPts val="0"/>
-              </a:spcBef>
-              <a:spcAft>
-                <a:spcPts val="0"/>
-              </a:spcAft>
-              <a:buSzPts val="3600"/>
-              <a:buNone/>
-              <a:defRPr sz="3600"/>
-            </a:lvl1pPr>
-            <a:lvl2pPr lvl="1" algn="l" rtl="0">
-              <a:spcBef>
-                <a:spcPts val="0"/>
-              </a:spcBef>
-              <a:spcAft>
-                <a:spcPts val="0"/>
-              </a:spcAft>
-              <a:buSzPts val="3600"/>
-              <a:buNone/>
-              <a:defRPr sz="3600"/>
-            </a:lvl2pPr>
-            <a:lvl3pPr lvl="2" algn="l" rtl="0">
-              <a:spcBef>
-                <a:spcPts val="0"/>
-              </a:spcBef>
-              <a:spcAft>
-                <a:spcPts val="0"/>
-              </a:spcAft>
-              <a:buSzPts val="3600"/>
-              <a:buNone/>
-              <a:defRPr sz="3600"/>
-            </a:lvl3pPr>
-            <a:lvl4pPr lvl="3" algn="l" rtl="0">
-              <a:spcBef>
-                <a:spcPts val="0"/>
-              </a:spcBef>
-              <a:spcAft>
-                <a:spcPts val="0"/>
-              </a:spcAft>
-              <a:buSzPts val="3600"/>
-              <a:buNone/>
-              <a:defRPr sz="3600"/>
-            </a:lvl4pPr>
-            <a:lvl5pPr lvl="4" algn="l" rtl="0">
-              <a:spcBef>
-                <a:spcPts val="0"/>
-              </a:spcBef>
-              <a:spcAft>
-                <a:spcPts val="0"/>
-              </a:spcAft>
-              <a:buSzPts val="3600"/>
-              <a:buNone/>
-              <a:defRPr sz="3600"/>
-            </a:lvl5pPr>
-            <a:lvl6pPr lvl="5" algn="l" rtl="0">
-              <a:spcBef>
-                <a:spcPts val="0"/>
-              </a:spcBef>
-              <a:spcAft>
-                <a:spcPts val="0"/>
-              </a:spcAft>
-              <a:buSzPts val="3600"/>
-              <a:buNone/>
-              <a:defRPr sz="3600"/>
-            </a:lvl6pPr>
-            <a:lvl7pPr lvl="6" algn="l" rtl="0">
-              <a:spcBef>
-                <a:spcPts val="0"/>
-              </a:spcBef>
-              <a:spcAft>
-                <a:spcPts val="0"/>
-              </a:spcAft>
-              <a:buSzPts val="3600"/>
-              <a:buNone/>
-              <a:defRPr sz="3600"/>
-            </a:lvl7pPr>
-            <a:lvl8pPr lvl="7" algn="l" rtl="0">
-              <a:spcBef>
-                <a:spcPts val="0"/>
-              </a:spcBef>
-              <a:spcAft>
-                <a:spcPts val="0"/>
-              </a:spcAft>
-              <a:buSzPts val="3600"/>
-              <a:buNone/>
-              <a:defRPr sz="3600"/>
-            </a:lvl8pPr>
-            <a:lvl9pPr lvl="8" algn="l" rtl="0">
-              <a:spcBef>
-                <a:spcPts val="0"/>
-              </a:spcBef>
-              <a:spcAft>
-                <a:spcPts val="0"/>
-              </a:spcAft>
-              <a:buSzPts val="3600"/>
-              <a:buNone/>
-              <a:defRPr sz="3600"/>
-            </a:lvl9pPr>
-          </a:lstStyle>
-          <a:p>
-            <a:endParaRPr/>
-          </a:p>
-        </p:txBody>
-      </p:sp>
-      <p:sp>
-        <p:nvSpPr>
-          <p:cNvPr id="14" name="Google Shape;14;p3"/>
-          <p:cNvSpPr txBox="1">
-            <a:spLocks noGrp="1"/>
-          </p:cNvSpPr>
-          <p:nvPr>
-            <p:ph type="subTitle" idx="1"/>
-          </p:nvPr>
-        </p:nvSpPr>
-        <p:spPr>
-          <a:xfrm>
-            <a:off x="2600400" y="3182963"/>
-            <a:ext cx="5857800" cy="784800"/>
-          </a:xfrm>
-          <a:prstGeom prst="rect">
-            <a:avLst/>
-          </a:prstGeom>
-        </p:spPr>
-        <p:txBody>
-          <a:bodyPr spcFirstLastPara="1" wrap="square" lIns="91425" tIns="91425" rIns="91425" bIns="91425" anchor="t" anchorCtr="0">
-            <a:noAutofit/>
-          </a:bodyPr>
-          <a:lstStyle>
-            <a:lvl1pPr lvl="0" rtl="0">
-              <a:spcBef>
-                <a:spcPts val="0"/>
-              </a:spcBef>
-              <a:spcAft>
-                <a:spcPts val="0"/>
-              </a:spcAft>
-              <a:buClr>
-                <a:schemeClr val="accent1"/>
-              </a:buClr>
-              <a:buSzPts val="2400"/>
-              <a:buNone/>
-              <a:defRPr sz="2400" i="1">
-                <a:solidFill>
-                  <a:schemeClr val="accent1"/>
-                </a:solidFill>
-              </a:defRPr>
-            </a:lvl1pPr>
-            <a:lvl2pPr lvl="1" rtl="0">
-              <a:spcBef>
-                <a:spcPts val="0"/>
-              </a:spcBef>
-              <a:spcAft>
-                <a:spcPts val="0"/>
-              </a:spcAft>
-              <a:buClr>
-                <a:schemeClr val="accent1"/>
-              </a:buClr>
-              <a:buSzPts val="2400"/>
-              <a:buNone/>
-              <a:defRPr i="1">
-                <a:solidFill>
-                  <a:schemeClr val="accent1"/>
-                </a:solidFill>
-              </a:defRPr>
-            </a:lvl2pPr>
-            <a:lvl3pPr lvl="2" rtl="0">
-              <a:spcBef>
-                <a:spcPts val="0"/>
-              </a:spcBef>
-              <a:spcAft>
-                <a:spcPts val="0"/>
-              </a:spcAft>
-              <a:buClr>
-                <a:schemeClr val="accent1"/>
-              </a:buClr>
-              <a:buSzPts val="2400"/>
-              <a:buNone/>
-              <a:defRPr i="1">
-                <a:solidFill>
-                  <a:schemeClr val="accent1"/>
-                </a:solidFill>
-              </a:defRPr>
-            </a:lvl3pPr>
-            <a:lvl4pPr lvl="3" rtl="0">
-              <a:spcBef>
-                <a:spcPts val="0"/>
-              </a:spcBef>
-              <a:spcAft>
-                <a:spcPts val="0"/>
-              </a:spcAft>
-              <a:buClr>
-                <a:schemeClr val="accent1"/>
-              </a:buClr>
-              <a:buSzPts val="2400"/>
-              <a:buNone/>
-              <a:defRPr sz="2400" i="1">
-                <a:solidFill>
-                  <a:schemeClr val="accent1"/>
-                </a:solidFill>
-              </a:defRPr>
-            </a:lvl4pPr>
-            <a:lvl5pPr lvl="4" rtl="0">
-              <a:spcBef>
-                <a:spcPts val="0"/>
-              </a:spcBef>
-              <a:spcAft>
-                <a:spcPts val="0"/>
-              </a:spcAft>
-              <a:buClr>
-                <a:schemeClr val="accent1"/>
-              </a:buClr>
-              <a:buSzPts val="2400"/>
-              <a:buNone/>
-              <a:defRPr sz="2400" i="1">
-                <a:solidFill>
-                  <a:schemeClr val="accent1"/>
-                </a:solidFill>
-              </a:defRPr>
-            </a:lvl5pPr>
-            <a:lvl6pPr lvl="5" rtl="0">
-              <a:spcBef>
-                <a:spcPts val="0"/>
-              </a:spcBef>
-              <a:spcAft>
-                <a:spcPts val="0"/>
-              </a:spcAft>
-              <a:buClr>
-                <a:schemeClr val="accent1"/>
-              </a:buClr>
-              <a:buSzPts val="2400"/>
-              <a:buNone/>
-              <a:defRPr sz="2400" i="1">
-                <a:solidFill>
-                  <a:schemeClr val="accent1"/>
-                </a:solidFill>
-              </a:defRPr>
-            </a:lvl6pPr>
-            <a:lvl7pPr lvl="6" rtl="0">
-              <a:spcBef>
-                <a:spcPts val="0"/>
-              </a:spcBef>
-              <a:spcAft>
-                <a:spcPts val="0"/>
-              </a:spcAft>
-              <a:buClr>
-                <a:schemeClr val="accent1"/>
-              </a:buClr>
-              <a:buSzPts val="2400"/>
-              <a:buNone/>
-              <a:defRPr sz="2400" i="1">
-                <a:solidFill>
-                  <a:schemeClr val="accent1"/>
-                </a:solidFill>
-              </a:defRPr>
-            </a:lvl7pPr>
-            <a:lvl8pPr lvl="7" rtl="0">
-              <a:spcBef>
-                <a:spcPts val="0"/>
-              </a:spcBef>
-              <a:spcAft>
-                <a:spcPts val="0"/>
-              </a:spcAft>
-              <a:buClr>
-                <a:schemeClr val="accent1"/>
-              </a:buClr>
-              <a:buSzPts val="2400"/>
-              <a:buNone/>
-              <a:defRPr sz="2400" i="1">
-                <a:solidFill>
-                  <a:schemeClr val="accent1"/>
-                </a:solidFill>
-              </a:defRPr>
-            </a:lvl8pPr>
-            <a:lvl9pPr lvl="8" rtl="0">
-              <a:spcBef>
-                <a:spcPts val="0"/>
-              </a:spcBef>
-              <a:spcAft>
-                <a:spcPts val="0"/>
-              </a:spcAft>
-              <a:buClr>
-                <a:schemeClr val="accent1"/>
-              </a:buClr>
-              <a:buSzPts val="2400"/>
-              <a:buNone/>
-              <a:defRPr sz="2400" i="1">
-                <a:solidFill>
-                  <a:schemeClr val="accent1"/>
-                </a:solidFill>
-              </a:defRPr>
-            </a:lvl9pPr>
-          </a:lstStyle>
-          <a:p>
-            <a:endParaRPr/>
-          </a:p>
-        </p:txBody>
-      </p:sp>
-      <p:cxnSp>
-        <p:nvCxnSpPr>
-          <p:cNvPr id="15" name="Google Shape;15;p3"/>
-          <p:cNvCxnSpPr/>
-          <p:nvPr/>
-        </p:nvCxnSpPr>
-        <p:spPr>
-          <a:xfrm rot="10800000">
-            <a:off x="-15990" y="2933511"/>
-            <a:ext cx="2476800" cy="0"/>
-          </a:xfrm>
-          <a:prstGeom prst="straightConnector1">
-            <a:avLst/>
-          </a:prstGeom>
-          <a:noFill/>
-          <a:ln w="9525" cap="flat" cmpd="sng">
-            <a:solidFill>
-              <a:schemeClr val="dk2"/>
-            </a:solidFill>
-            <a:prstDash val="solid"/>
-            <a:round/>
-            <a:headEnd type="oval" w="med" len="med"/>
-            <a:tailEnd type="none" w="med" len="med"/>
-          </a:ln>
-        </p:spPr>
-      </p:cxnSp>
-    </p:spTree>
-    <p:extLst>
-      <p:ext uri="{BB962C8B-B14F-4D97-AF65-F5344CB8AC3E}">
-        <p14:creationId xmlns:p14="http://schemas.microsoft.com/office/powerpoint/2010/main" val="1901509239"/>
-      </p:ext>
-    </p:extLst>
-  </p:cSld>
-  <p:clrMapOvr>
-    <a:masterClrMapping/>
-  </p:clrMapOvr>
-</p:sldLayout>
-</file>
-
-<file path=ppt/slideLayouts/slideLayout13.xml><?xml version="1.0" encoding="utf-8"?>
-<p:sldLayout xmlns:a="http://schemas.openxmlformats.org/drawingml/2006/main" xmlns:r="http://schemas.openxmlformats.org/officeDocument/2006/relationships" xmlns:p="http://schemas.openxmlformats.org/presentationml/2006/main" matchingName="Quote">
-  <p:cSld name="Quote">
-    <p:spTree>
-      <p:nvGrpSpPr>
-        <p:cNvPr id="1" name="Shape 16"/>
-        <p:cNvGrpSpPr/>
-        <p:nvPr/>
-      </p:nvGrpSpPr>
-      <p:grpSpPr>
-        <a:xfrm>
-          <a:off x="0" y="0"/>
-          <a:ext cx="0" cy="0"/>
-          <a:chOff x="0" y="0"/>
-          <a:chExt cx="0" cy="0"/>
-        </a:xfrm>
-      </p:grpSpPr>
-      <p:sp>
-        <p:nvSpPr>
-          <p:cNvPr id="17" name="Google Shape;17;p4"/>
-          <p:cNvSpPr/>
-          <p:nvPr/>
-        </p:nvSpPr>
-        <p:spPr>
-          <a:xfrm>
-            <a:off x="4229046" y="1045786"/>
-            <a:ext cx="685800" cy="653700"/>
-          </a:xfrm>
-          <a:prstGeom prst="ellipse">
-            <a:avLst/>
-          </a:prstGeom>
-          <a:solidFill>
-            <a:schemeClr val="accent1"/>
-          </a:solidFill>
-          <a:ln>
-            <a:noFill/>
-          </a:ln>
-        </p:spPr>
-        <p:txBody>
-          <a:bodyPr spcFirstLastPara="1" wrap="square" lIns="91425" tIns="91425" rIns="91425" bIns="91425" anchor="ctr" anchorCtr="0">
-            <a:noAutofit/>
-          </a:bodyPr>
-          <a:lstStyle/>
-          <a:p>
-            <a:pPr marL="0" lvl="0" indent="0" algn="l" rtl="0">
-              <a:spcBef>
-                <a:spcPts val="0"/>
-              </a:spcBef>
-              <a:spcAft>
-                <a:spcPts val="0"/>
-              </a:spcAft>
-              <a:buNone/>
-            </a:pPr>
-            <a:endParaRPr/>
-          </a:p>
-        </p:txBody>
-      </p:sp>
-      <p:sp>
-        <p:nvSpPr>
-          <p:cNvPr id="18" name="Google Shape;18;p4"/>
-          <p:cNvSpPr txBox="1">
-            <a:spLocks noGrp="1"/>
-          </p:cNvSpPr>
-          <p:nvPr>
-            <p:ph type="body" idx="1"/>
-          </p:nvPr>
-        </p:nvSpPr>
-        <p:spPr>
-          <a:xfrm>
-            <a:off x="1555350" y="1818900"/>
-            <a:ext cx="6033300" cy="819900"/>
-          </a:xfrm>
-          <a:prstGeom prst="rect">
-            <a:avLst/>
-          </a:prstGeom>
-        </p:spPr>
-        <p:txBody>
-          <a:bodyPr spcFirstLastPara="1" wrap="square" lIns="91425" tIns="91425" rIns="91425" bIns="91425" anchor="t" anchorCtr="0">
-            <a:noAutofit/>
-          </a:bodyPr>
-          <a:lstStyle>
-            <a:lvl1pPr marL="457200" lvl="0" indent="-419100" algn="ctr" rtl="0">
-              <a:lnSpc>
-                <a:spcPct val="100000"/>
-              </a:lnSpc>
-              <a:spcBef>
-                <a:spcPts val="600"/>
-              </a:spcBef>
-              <a:spcAft>
-                <a:spcPts val="0"/>
-              </a:spcAft>
-              <a:buClr>
-                <a:schemeClr val="accent1"/>
-              </a:buClr>
-              <a:buSzPts val="3000"/>
-              <a:buChar char="○"/>
-              <a:defRPr sz="3000" i="1">
-                <a:solidFill>
-                  <a:schemeClr val="accent1"/>
-                </a:solidFill>
-              </a:defRPr>
-            </a:lvl1pPr>
-            <a:lvl2pPr marL="914400" lvl="1" indent="-419100" algn="ctr" rtl="0">
-              <a:lnSpc>
-                <a:spcPct val="100000"/>
-              </a:lnSpc>
-              <a:spcBef>
-                <a:spcPts val="0"/>
-              </a:spcBef>
-              <a:spcAft>
-                <a:spcPts val="0"/>
-              </a:spcAft>
-              <a:buClr>
-                <a:schemeClr val="accent1"/>
-              </a:buClr>
-              <a:buSzPts val="3000"/>
-              <a:buChar char="□"/>
-              <a:defRPr sz="3000" i="1">
-                <a:solidFill>
-                  <a:schemeClr val="accent1"/>
-                </a:solidFill>
-              </a:defRPr>
-            </a:lvl2pPr>
-            <a:lvl3pPr marL="1371600" lvl="2" indent="-419100" algn="ctr" rtl="0">
-              <a:lnSpc>
-                <a:spcPct val="100000"/>
-              </a:lnSpc>
-              <a:spcBef>
-                <a:spcPts val="0"/>
-              </a:spcBef>
-              <a:spcAft>
-                <a:spcPts val="0"/>
-              </a:spcAft>
-              <a:buClr>
-                <a:schemeClr val="accent1"/>
-              </a:buClr>
-              <a:buSzPts val="3000"/>
-              <a:buChar char="○"/>
-              <a:defRPr sz="3000" i="1">
-                <a:solidFill>
-                  <a:schemeClr val="accent1"/>
-                </a:solidFill>
-              </a:defRPr>
-            </a:lvl3pPr>
-            <a:lvl4pPr marL="1828800" lvl="3" indent="-419100" algn="ctr" rtl="0">
-              <a:lnSpc>
-                <a:spcPct val="100000"/>
-              </a:lnSpc>
-              <a:spcBef>
-                <a:spcPts val="0"/>
-              </a:spcBef>
-              <a:spcAft>
-                <a:spcPts val="0"/>
-              </a:spcAft>
-              <a:buClr>
-                <a:schemeClr val="accent1"/>
-              </a:buClr>
-              <a:buSzPts val="3000"/>
-              <a:buChar char="□"/>
-              <a:defRPr sz="3000" i="1">
-                <a:solidFill>
-                  <a:schemeClr val="accent1"/>
-                </a:solidFill>
-              </a:defRPr>
-            </a:lvl4pPr>
-            <a:lvl5pPr marL="2286000" lvl="4" indent="-419100" algn="ctr" rtl="0">
-              <a:lnSpc>
-                <a:spcPct val="100000"/>
-              </a:lnSpc>
-              <a:spcBef>
-                <a:spcPts val="0"/>
-              </a:spcBef>
-              <a:spcAft>
-                <a:spcPts val="0"/>
-              </a:spcAft>
-              <a:buClr>
-                <a:schemeClr val="accent1"/>
-              </a:buClr>
-              <a:buSzPts val="3000"/>
-              <a:buChar char="○"/>
-              <a:defRPr sz="3000" i="1">
-                <a:solidFill>
-                  <a:schemeClr val="accent1"/>
-                </a:solidFill>
-              </a:defRPr>
-            </a:lvl5pPr>
-            <a:lvl6pPr marL="2743200" lvl="5" indent="-419100" algn="ctr" rtl="0">
-              <a:lnSpc>
-                <a:spcPct val="100000"/>
-              </a:lnSpc>
-              <a:spcBef>
-                <a:spcPts val="0"/>
-              </a:spcBef>
-              <a:spcAft>
-                <a:spcPts val="0"/>
-              </a:spcAft>
-              <a:buClr>
-                <a:schemeClr val="accent1"/>
-              </a:buClr>
-              <a:buSzPts val="3000"/>
-              <a:buChar char="■"/>
-              <a:defRPr sz="3000" i="1">
-                <a:solidFill>
-                  <a:schemeClr val="accent1"/>
-                </a:solidFill>
-              </a:defRPr>
-            </a:lvl6pPr>
-            <a:lvl7pPr marL="3200400" lvl="6" indent="-419100" algn="ctr" rtl="0">
-              <a:lnSpc>
-                <a:spcPct val="100000"/>
-              </a:lnSpc>
-              <a:spcBef>
-                <a:spcPts val="0"/>
-              </a:spcBef>
-              <a:spcAft>
-                <a:spcPts val="0"/>
-              </a:spcAft>
-              <a:buClr>
-                <a:schemeClr val="accent1"/>
-              </a:buClr>
-              <a:buSzPts val="3000"/>
-              <a:buChar char="●"/>
-              <a:defRPr sz="3000" i="1">
-                <a:solidFill>
-                  <a:schemeClr val="accent1"/>
-                </a:solidFill>
-              </a:defRPr>
-            </a:lvl7pPr>
-            <a:lvl8pPr marL="3657600" lvl="7" indent="-419100" algn="ctr" rtl="0">
-              <a:lnSpc>
-                <a:spcPct val="100000"/>
-              </a:lnSpc>
-              <a:spcBef>
-                <a:spcPts val="0"/>
-              </a:spcBef>
-              <a:spcAft>
-                <a:spcPts val="0"/>
-              </a:spcAft>
-              <a:buClr>
-                <a:schemeClr val="accent1"/>
-              </a:buClr>
-              <a:buSzPts val="3000"/>
-              <a:buChar char="○"/>
-              <a:defRPr sz="3000" i="1">
-                <a:solidFill>
-                  <a:schemeClr val="accent1"/>
-                </a:solidFill>
-              </a:defRPr>
-            </a:lvl8pPr>
-            <a:lvl9pPr marL="4114800" lvl="8" indent="-419100" algn="ctr">
-              <a:lnSpc>
-                <a:spcPct val="100000"/>
-              </a:lnSpc>
-              <a:spcBef>
-                <a:spcPts val="0"/>
-              </a:spcBef>
-              <a:spcAft>
-                <a:spcPts val="0"/>
-              </a:spcAft>
-              <a:buClr>
-                <a:schemeClr val="accent1"/>
-              </a:buClr>
-              <a:buSzPts val="3000"/>
-              <a:buChar char="■"/>
-              <a:defRPr sz="3000" i="1">
-                <a:solidFill>
-                  <a:schemeClr val="accent1"/>
-                </a:solidFill>
-              </a:defRPr>
-            </a:lvl9pPr>
-          </a:lstStyle>
-          <a:p>
-            <a:endParaRPr/>
-          </a:p>
-        </p:txBody>
-      </p:sp>
-      <p:sp>
-        <p:nvSpPr>
-          <p:cNvPr id="19" name="Google Shape;19;p4"/>
-          <p:cNvSpPr txBox="1"/>
-          <p:nvPr/>
-        </p:nvSpPr>
-        <p:spPr>
-          <a:xfrm>
-            <a:off x="3801800" y="854771"/>
-            <a:ext cx="1540500" cy="653700"/>
-          </a:xfrm>
-          <a:prstGeom prst="rect">
-            <a:avLst/>
-          </a:prstGeom>
-          <a:noFill/>
-          <a:ln>
-            <a:noFill/>
-          </a:ln>
-        </p:spPr>
-        <p:txBody>
-          <a:bodyPr spcFirstLastPara="1" wrap="square" lIns="91425" tIns="91425" rIns="91425" bIns="91425" anchor="t" anchorCtr="0">
-            <a:noAutofit/>
-          </a:bodyPr>
-          <a:lstStyle/>
-          <a:p>
-            <a:pPr marL="0" lvl="0" indent="0" algn="ctr" rtl="0">
-              <a:spcBef>
-                <a:spcPts val="0"/>
-              </a:spcBef>
-              <a:spcAft>
-                <a:spcPts val="0"/>
-              </a:spcAft>
-              <a:buNone/>
-            </a:pPr>
-            <a:r>
-              <a:rPr lang="en" sz="9600">
-                <a:solidFill>
-                  <a:schemeClr val="lt2"/>
-                </a:solidFill>
-                <a:latin typeface="Montserrat"/>
-                <a:ea typeface="Montserrat"/>
-                <a:cs typeface="Montserrat"/>
-                <a:sym typeface="Montserrat"/>
-              </a:rPr>
-              <a:t>“</a:t>
-            </a:r>
-            <a:endParaRPr sz="9600">
-              <a:solidFill>
-                <a:schemeClr val="lt2"/>
-              </a:solidFill>
-              <a:latin typeface="Montserrat"/>
-              <a:ea typeface="Montserrat"/>
-              <a:cs typeface="Montserrat"/>
-              <a:sym typeface="Montserrat"/>
-            </a:endParaRPr>
-          </a:p>
-        </p:txBody>
-      </p:sp>
-      <p:sp>
-        <p:nvSpPr>
-          <p:cNvPr id="20" name="Google Shape;20;p4"/>
-          <p:cNvSpPr txBox="1">
-            <a:spLocks noGrp="1"/>
-          </p:cNvSpPr>
-          <p:nvPr>
-            <p:ph type="sldNum" idx="12"/>
-          </p:nvPr>
-        </p:nvSpPr>
-        <p:spPr>
-          <a:xfrm>
-            <a:off x="4297650" y="4749851"/>
-            <a:ext cx="548700" cy="393600"/>
-          </a:xfrm>
-          <a:prstGeom prst="rect">
-            <a:avLst/>
-          </a:prstGeom>
-        </p:spPr>
-        <p:txBody>
-          <a:bodyPr spcFirstLastPara="1" wrap="square" lIns="91425" tIns="91425" rIns="91425" bIns="91425" anchor="t" anchorCtr="0">
-            <a:noAutofit/>
-          </a:bodyPr>
-          <a:lstStyle>
-            <a:lvl1pPr lvl="0">
-              <a:buNone/>
-              <a:defRPr>
-                <a:solidFill>
-                  <a:srgbClr val="8F7B87"/>
-                </a:solidFill>
-              </a:defRPr>
-            </a:lvl1pPr>
-            <a:lvl2pPr lvl="1">
-              <a:buNone/>
-              <a:defRPr>
-                <a:solidFill>
-                  <a:srgbClr val="8F7B87"/>
-                </a:solidFill>
-              </a:defRPr>
-            </a:lvl2pPr>
-            <a:lvl3pPr lvl="2">
-              <a:buNone/>
-              <a:defRPr>
-                <a:solidFill>
-                  <a:srgbClr val="8F7B87"/>
-                </a:solidFill>
-              </a:defRPr>
-            </a:lvl3pPr>
-            <a:lvl4pPr lvl="3">
-              <a:buNone/>
-              <a:defRPr>
-                <a:solidFill>
-                  <a:srgbClr val="8F7B87"/>
-                </a:solidFill>
-              </a:defRPr>
-            </a:lvl4pPr>
-            <a:lvl5pPr lvl="4">
-              <a:buNone/>
-              <a:defRPr>
-                <a:solidFill>
-                  <a:srgbClr val="8F7B87"/>
-                </a:solidFill>
-              </a:defRPr>
-            </a:lvl5pPr>
-            <a:lvl6pPr lvl="5">
-              <a:buNone/>
-              <a:defRPr>
-                <a:solidFill>
-                  <a:srgbClr val="8F7B87"/>
-                </a:solidFill>
-              </a:defRPr>
-            </a:lvl6pPr>
-            <a:lvl7pPr lvl="6">
-              <a:buNone/>
-              <a:defRPr>
-                <a:solidFill>
-                  <a:srgbClr val="8F7B87"/>
-                </a:solidFill>
-              </a:defRPr>
-            </a:lvl7pPr>
-            <a:lvl8pPr lvl="7">
-              <a:buNone/>
-              <a:defRPr>
-                <a:solidFill>
-                  <a:srgbClr val="8F7B87"/>
-                </a:solidFill>
-              </a:defRPr>
-            </a:lvl8pPr>
-            <a:lvl9pPr lvl="8">
-              <a:buNone/>
-              <a:defRPr>
-                <a:solidFill>
-                  <a:srgbClr val="8F7B87"/>
-                </a:solidFill>
-              </a:defRPr>
-            </a:lvl9pPr>
-          </a:lstStyle>
-          <a:p>
-            <a:pPr marL="0" lvl="0" indent="0" algn="ctr" rtl="0">
-              <a:spcBef>
-                <a:spcPts val="0"/>
-              </a:spcBef>
-              <a:spcAft>
-                <a:spcPts val="0"/>
-              </a:spcAft>
-              <a:buNone/>
-            </a:pPr>
-            <a:fld id="{00000000-1234-1234-1234-123412341234}" type="slidenum">
-              <a:rPr lang="en"/>
-              <a:t>‹Nº›</a:t>
-            </a:fld>
-            <a:endParaRPr/>
-          </a:p>
-        </p:txBody>
-      </p:sp>
-    </p:spTree>
-    <p:extLst>
-      <p:ext uri="{BB962C8B-B14F-4D97-AF65-F5344CB8AC3E}">
-        <p14:creationId xmlns:p14="http://schemas.microsoft.com/office/powerpoint/2010/main" val="3265195077"/>
-      </p:ext>
-    </p:extLst>
-  </p:cSld>
-  <p:clrMapOvr>
-    <a:masterClrMapping/>
-  </p:clrMapOvr>
-</p:sldLayout>
-</file>
-
-<file path=ppt/slideLayouts/slideLayout14.xml><?xml version="1.0" encoding="utf-8"?>
-<p:sldLayout xmlns:a="http://schemas.openxmlformats.org/drawingml/2006/main" xmlns:r="http://schemas.openxmlformats.org/officeDocument/2006/relationships" xmlns:p="http://schemas.openxmlformats.org/presentationml/2006/main" matchingName="Title + 1 column" type="tx">
-  <p:cSld name="Title + 1 column">
-    <p:spTree>
-      <p:nvGrpSpPr>
-        <p:cNvPr id="1" name="Shape 21"/>
-        <p:cNvGrpSpPr/>
-        <p:nvPr/>
-      </p:nvGrpSpPr>
-      <p:grpSpPr>
-        <a:xfrm>
-          <a:off x="0" y="0"/>
-          <a:ext cx="0" cy="0"/>
-          <a:chOff x="0" y="0"/>
-          <a:chExt cx="0" cy="0"/>
-        </a:xfrm>
-      </p:grpSpPr>
-      <p:sp>
-        <p:nvSpPr>
-          <p:cNvPr id="22" name="Google Shape;22;p5"/>
-          <p:cNvSpPr txBox="1">
-            <a:spLocks noGrp="1"/>
-          </p:cNvSpPr>
-          <p:nvPr>
-            <p:ph type="title"/>
-          </p:nvPr>
-        </p:nvSpPr>
-        <p:spPr>
-          <a:xfrm>
-            <a:off x="2318100" y="113175"/>
-            <a:ext cx="4507800" cy="857400"/>
-          </a:xfrm>
-          <a:prstGeom prst="rect">
-            <a:avLst/>
-          </a:prstGeom>
-        </p:spPr>
-        <p:txBody>
-          <a:bodyPr spcFirstLastPara="1" wrap="square" lIns="91425" tIns="91425" rIns="91425" bIns="91425" anchor="ctr" anchorCtr="0">
-            <a:noAutofit/>
-          </a:bodyPr>
-          <a:lstStyle>
-            <a:lvl1pPr lvl="0">
-              <a:spcBef>
-                <a:spcPts val="0"/>
-              </a:spcBef>
-              <a:spcAft>
-                <a:spcPts val="0"/>
-              </a:spcAft>
-              <a:buSzPts val="1600"/>
-              <a:buNone/>
-              <a:defRPr/>
-            </a:lvl1pPr>
-            <a:lvl2pPr lvl="1">
-              <a:spcBef>
-                <a:spcPts val="0"/>
-              </a:spcBef>
-              <a:spcAft>
-                <a:spcPts val="0"/>
-              </a:spcAft>
-              <a:buSzPts val="1600"/>
-              <a:buNone/>
-              <a:defRPr/>
-            </a:lvl2pPr>
-            <a:lvl3pPr lvl="2">
-              <a:spcBef>
-                <a:spcPts val="0"/>
-              </a:spcBef>
-              <a:spcAft>
-                <a:spcPts val="0"/>
-              </a:spcAft>
-              <a:buSzPts val="1600"/>
-              <a:buNone/>
-              <a:defRPr/>
-            </a:lvl3pPr>
-            <a:lvl4pPr lvl="3">
-              <a:spcBef>
-                <a:spcPts val="0"/>
-              </a:spcBef>
-              <a:spcAft>
-                <a:spcPts val="0"/>
-              </a:spcAft>
-              <a:buSzPts val="1600"/>
-              <a:buNone/>
-              <a:defRPr/>
-            </a:lvl4pPr>
-            <a:lvl5pPr lvl="4">
-              <a:spcBef>
-                <a:spcPts val="0"/>
-              </a:spcBef>
-              <a:spcAft>
-                <a:spcPts val="0"/>
-              </a:spcAft>
-              <a:buSzPts val="1600"/>
-              <a:buNone/>
-              <a:defRPr/>
-            </a:lvl5pPr>
-            <a:lvl6pPr lvl="5">
-              <a:spcBef>
-                <a:spcPts val="0"/>
-              </a:spcBef>
-              <a:spcAft>
-                <a:spcPts val="0"/>
-              </a:spcAft>
-              <a:buSzPts val="1600"/>
-              <a:buNone/>
-              <a:defRPr/>
-            </a:lvl6pPr>
-            <a:lvl7pPr lvl="6">
-              <a:spcBef>
-                <a:spcPts val="0"/>
-              </a:spcBef>
-              <a:spcAft>
-                <a:spcPts val="0"/>
-              </a:spcAft>
-              <a:buSzPts val="1600"/>
-              <a:buNone/>
-              <a:defRPr/>
-            </a:lvl7pPr>
-            <a:lvl8pPr lvl="7">
-              <a:spcBef>
-                <a:spcPts val="0"/>
-              </a:spcBef>
-              <a:spcAft>
-                <a:spcPts val="0"/>
-              </a:spcAft>
-              <a:buSzPts val="1600"/>
-              <a:buNone/>
-              <a:defRPr/>
-            </a:lvl8pPr>
-            <a:lvl9pPr lvl="8">
-              <a:spcBef>
-                <a:spcPts val="0"/>
-              </a:spcBef>
-              <a:spcAft>
-                <a:spcPts val="0"/>
-              </a:spcAft>
-              <a:buSzPts val="1600"/>
-              <a:buNone/>
-              <a:defRPr/>
-            </a:lvl9pPr>
-          </a:lstStyle>
-          <a:p>
-            <a:endParaRPr/>
-          </a:p>
-        </p:txBody>
-      </p:sp>
-      <p:sp>
-        <p:nvSpPr>
-          <p:cNvPr id="23" name="Google Shape;23;p5"/>
-          <p:cNvSpPr txBox="1">
-            <a:spLocks noGrp="1"/>
-          </p:cNvSpPr>
-          <p:nvPr>
-            <p:ph type="body" idx="1"/>
-          </p:nvPr>
-        </p:nvSpPr>
-        <p:spPr>
-          <a:xfrm>
-            <a:off x="617100" y="1269863"/>
-            <a:ext cx="7909800" cy="3215400"/>
-          </a:xfrm>
-          <a:prstGeom prst="rect">
-            <a:avLst/>
-          </a:prstGeom>
-        </p:spPr>
-        <p:txBody>
-          <a:bodyPr spcFirstLastPara="1" wrap="square" lIns="91425" tIns="91425" rIns="91425" bIns="91425" anchor="t" anchorCtr="0">
-            <a:noAutofit/>
-          </a:bodyPr>
-          <a:lstStyle>
-            <a:lvl1pPr marL="457200" lvl="0" indent="-381000">
-              <a:spcBef>
-                <a:spcPts val="600"/>
-              </a:spcBef>
-              <a:spcAft>
-                <a:spcPts val="0"/>
-              </a:spcAft>
-              <a:buSzPts val="2400"/>
-              <a:buChar char="○"/>
-              <a:defRPr/>
-            </a:lvl1pPr>
-            <a:lvl2pPr marL="914400" lvl="1" indent="-381000">
-              <a:spcBef>
-                <a:spcPts val="0"/>
-              </a:spcBef>
-              <a:spcAft>
-                <a:spcPts val="0"/>
-              </a:spcAft>
-              <a:buSzPts val="2400"/>
-              <a:buChar char="□"/>
-              <a:defRPr/>
-            </a:lvl2pPr>
-            <a:lvl3pPr marL="1371600" lvl="2" indent="-381000">
-              <a:spcBef>
-                <a:spcPts val="0"/>
-              </a:spcBef>
-              <a:spcAft>
-                <a:spcPts val="0"/>
-              </a:spcAft>
-              <a:buSzPts val="2400"/>
-              <a:buChar char="○"/>
-              <a:defRPr/>
-            </a:lvl3pPr>
-            <a:lvl4pPr marL="1828800" lvl="3" indent="-381000">
-              <a:spcBef>
-                <a:spcPts val="0"/>
-              </a:spcBef>
-              <a:spcAft>
-                <a:spcPts val="0"/>
-              </a:spcAft>
-              <a:buSzPts val="2400"/>
-              <a:buChar char="□"/>
-              <a:defRPr/>
-            </a:lvl4pPr>
-            <a:lvl5pPr marL="2286000" lvl="4" indent="-381000">
-              <a:spcBef>
-                <a:spcPts val="0"/>
-              </a:spcBef>
-              <a:spcAft>
-                <a:spcPts val="0"/>
-              </a:spcAft>
-              <a:buSzPts val="2400"/>
-              <a:buChar char="○"/>
-              <a:defRPr/>
-            </a:lvl5pPr>
-            <a:lvl6pPr marL="2743200" lvl="5" indent="-381000">
-              <a:spcBef>
-                <a:spcPts val="0"/>
-              </a:spcBef>
-              <a:spcAft>
-                <a:spcPts val="0"/>
-              </a:spcAft>
-              <a:buSzPts val="2400"/>
-              <a:buChar char="■"/>
-              <a:defRPr/>
-            </a:lvl6pPr>
-            <a:lvl7pPr marL="3200400" lvl="6" indent="-381000">
-              <a:spcBef>
-                <a:spcPts val="0"/>
-              </a:spcBef>
-              <a:spcAft>
-                <a:spcPts val="0"/>
-              </a:spcAft>
-              <a:buSzPts val="2400"/>
-              <a:buChar char="●"/>
-              <a:defRPr/>
-            </a:lvl7pPr>
-            <a:lvl8pPr marL="3657600" lvl="7" indent="-381000">
-              <a:spcBef>
-                <a:spcPts val="0"/>
-              </a:spcBef>
-              <a:spcAft>
-                <a:spcPts val="0"/>
-              </a:spcAft>
-              <a:buSzPts val="2400"/>
-              <a:buChar char="○"/>
-              <a:defRPr/>
-            </a:lvl8pPr>
-            <a:lvl9pPr marL="4114800" lvl="8" indent="-381000">
-              <a:spcBef>
-                <a:spcPts val="0"/>
-              </a:spcBef>
-              <a:spcAft>
-                <a:spcPts val="0"/>
-              </a:spcAft>
-              <a:buSzPts val="2400"/>
-              <a:buChar char="■"/>
-              <a:defRPr/>
-            </a:lvl9pPr>
-          </a:lstStyle>
-          <a:p>
-            <a:endParaRPr/>
-          </a:p>
-        </p:txBody>
-      </p:sp>
-      <p:cxnSp>
-        <p:nvCxnSpPr>
-          <p:cNvPr id="24" name="Google Shape;24;p5"/>
-          <p:cNvCxnSpPr/>
-          <p:nvPr/>
-        </p:nvCxnSpPr>
-        <p:spPr>
-          <a:xfrm rot="10800000">
-            <a:off x="-23700" y="541800"/>
-            <a:ext cx="2341800" cy="0"/>
-          </a:xfrm>
-          <a:prstGeom prst="straightConnector1">
-            <a:avLst/>
-          </a:prstGeom>
-          <a:noFill/>
-          <a:ln w="9525" cap="flat" cmpd="sng">
-            <a:solidFill>
-              <a:schemeClr val="dk2"/>
-            </a:solidFill>
-            <a:prstDash val="solid"/>
-            <a:round/>
-            <a:headEnd type="oval" w="med" len="med"/>
-            <a:tailEnd type="none" w="med" len="med"/>
-          </a:ln>
-        </p:spPr>
-      </p:cxnSp>
-      <p:cxnSp>
-        <p:nvCxnSpPr>
-          <p:cNvPr id="25" name="Google Shape;25;p5"/>
-          <p:cNvCxnSpPr/>
-          <p:nvPr/>
-        </p:nvCxnSpPr>
-        <p:spPr>
-          <a:xfrm>
-            <a:off x="6825900" y="541800"/>
-            <a:ext cx="2331300" cy="0"/>
-          </a:xfrm>
-          <a:prstGeom prst="straightConnector1">
-            <a:avLst/>
-          </a:prstGeom>
-          <a:noFill/>
-          <a:ln w="9525" cap="flat" cmpd="sng">
-            <a:solidFill>
-              <a:schemeClr val="dk2"/>
-            </a:solidFill>
-            <a:prstDash val="solid"/>
-            <a:round/>
-            <a:headEnd type="oval" w="med" len="med"/>
-            <a:tailEnd type="none" w="med" len="med"/>
-          </a:ln>
-        </p:spPr>
-      </p:cxnSp>
-      <p:sp>
-        <p:nvSpPr>
-          <p:cNvPr id="26" name="Google Shape;26;p5"/>
-          <p:cNvSpPr txBox="1">
-            <a:spLocks noGrp="1"/>
-          </p:cNvSpPr>
-          <p:nvPr>
-            <p:ph type="sldNum" idx="12"/>
-          </p:nvPr>
-        </p:nvSpPr>
-        <p:spPr>
-          <a:xfrm>
-            <a:off x="4297650" y="4749851"/>
-            <a:ext cx="548700" cy="393600"/>
-          </a:xfrm>
-          <a:prstGeom prst="rect">
-            <a:avLst/>
-          </a:prstGeom>
-        </p:spPr>
-        <p:txBody>
-          <a:bodyPr spcFirstLastPara="1" wrap="square" lIns="91425" tIns="91425" rIns="91425" bIns="91425" anchor="t" anchorCtr="0">
-            <a:noAutofit/>
-          </a:bodyPr>
-          <a:lstStyle>
-            <a:lvl1pPr lvl="0">
-              <a:buNone/>
-              <a:defRPr/>
-            </a:lvl1pPr>
-            <a:lvl2pPr lvl="1">
-              <a:buNone/>
-              <a:defRPr/>
-            </a:lvl2pPr>
-            <a:lvl3pPr lvl="2">
-              <a:buNone/>
-              <a:defRPr/>
-            </a:lvl3pPr>
-            <a:lvl4pPr lvl="3">
-              <a:buNone/>
-              <a:defRPr/>
-            </a:lvl4pPr>
-            <a:lvl5pPr lvl="4">
-              <a:buNone/>
-              <a:defRPr/>
-            </a:lvl5pPr>
-            <a:lvl6pPr lvl="5">
-              <a:buNone/>
-              <a:defRPr/>
-            </a:lvl6pPr>
-            <a:lvl7pPr lvl="6">
-              <a:buNone/>
-              <a:defRPr/>
-            </a:lvl7pPr>
-            <a:lvl8pPr lvl="7">
-              <a:buNone/>
-              <a:defRPr/>
-            </a:lvl8pPr>
-            <a:lvl9pPr lvl="8">
-              <a:buNone/>
-              <a:defRPr/>
-            </a:lvl9pPr>
-          </a:lstStyle>
-          <a:p>
-            <a:pPr marL="0" lvl="0" indent="0" algn="ctr" rtl="0">
-              <a:spcBef>
-                <a:spcPts val="0"/>
-              </a:spcBef>
-              <a:spcAft>
-                <a:spcPts val="0"/>
-              </a:spcAft>
-              <a:buNone/>
-            </a:pPr>
-            <a:fld id="{00000000-1234-1234-1234-123412341234}" type="slidenum">
-              <a:rPr lang="en"/>
-              <a:t>‹Nº›</a:t>
-            </a:fld>
-            <a:endParaRPr/>
-          </a:p>
-        </p:txBody>
-      </p:sp>
-    </p:spTree>
-    <p:extLst>
-      <p:ext uri="{BB962C8B-B14F-4D97-AF65-F5344CB8AC3E}">
-        <p14:creationId xmlns:p14="http://schemas.microsoft.com/office/powerpoint/2010/main" val="2823085983"/>
-      </p:ext>
-    </p:extLst>
-  </p:cSld>
-  <p:clrMapOvr>
-    <a:masterClrMapping/>
-  </p:clrMapOvr>
-</p:sldLayout>
-</file>
-
-<file path=ppt/slideLayouts/slideLayout15.xml><?xml version="1.0" encoding="utf-8"?>
-<p:sldLayout xmlns:a="http://schemas.openxmlformats.org/drawingml/2006/main" xmlns:r="http://schemas.openxmlformats.org/officeDocument/2006/relationships" xmlns:p="http://schemas.openxmlformats.org/presentationml/2006/main" matchingName="Title + 2 columns" type="twoColTx">
-  <p:cSld name="Title + 2 columns">
-    <p:spTree>
-      <p:nvGrpSpPr>
-        <p:cNvPr id="1" name="Shape 27"/>
-        <p:cNvGrpSpPr/>
-        <p:nvPr/>
-      </p:nvGrpSpPr>
-      <p:grpSpPr>
-        <a:xfrm>
-          <a:off x="0" y="0"/>
-          <a:ext cx="0" cy="0"/>
-          <a:chOff x="0" y="0"/>
-          <a:chExt cx="0" cy="0"/>
-        </a:xfrm>
-      </p:grpSpPr>
-      <p:sp>
-        <p:nvSpPr>
-          <p:cNvPr id="28" name="Google Shape;28;p6"/>
-          <p:cNvSpPr txBox="1">
-            <a:spLocks noGrp="1"/>
-          </p:cNvSpPr>
-          <p:nvPr>
-            <p:ph type="body" idx="1"/>
-          </p:nvPr>
-        </p:nvSpPr>
-        <p:spPr>
-          <a:xfrm>
-            <a:off x="626350" y="1346063"/>
-            <a:ext cx="3644400" cy="3204900"/>
-          </a:xfrm>
-          <a:prstGeom prst="rect">
-            <a:avLst/>
-          </a:prstGeom>
-        </p:spPr>
-        <p:txBody>
-          <a:bodyPr spcFirstLastPara="1" wrap="square" lIns="91425" tIns="91425" rIns="91425" bIns="91425" anchor="t" anchorCtr="0">
-            <a:noAutofit/>
-          </a:bodyPr>
-          <a:lstStyle>
-            <a:lvl1pPr marL="457200" lvl="0" indent="-355600">
-              <a:spcBef>
-                <a:spcPts val="600"/>
-              </a:spcBef>
-              <a:spcAft>
-                <a:spcPts val="0"/>
-              </a:spcAft>
-              <a:buSzPts val="2000"/>
-              <a:buChar char="○"/>
-              <a:defRPr sz="2000"/>
-            </a:lvl1pPr>
-            <a:lvl2pPr marL="914400" lvl="1" indent="-355600">
-              <a:spcBef>
-                <a:spcPts val="0"/>
-              </a:spcBef>
-              <a:spcAft>
-                <a:spcPts val="0"/>
-              </a:spcAft>
-              <a:buSzPts val="2000"/>
-              <a:buChar char="□"/>
-              <a:defRPr sz="2000"/>
-            </a:lvl2pPr>
-            <a:lvl3pPr marL="1371600" lvl="2" indent="-355600">
-              <a:spcBef>
-                <a:spcPts val="0"/>
-              </a:spcBef>
-              <a:spcAft>
-                <a:spcPts val="0"/>
-              </a:spcAft>
-              <a:buSzPts val="2000"/>
-              <a:buChar char="○"/>
-              <a:defRPr sz="2000"/>
-            </a:lvl3pPr>
-            <a:lvl4pPr marL="1828800" lvl="3" indent="-355600">
-              <a:spcBef>
-                <a:spcPts val="0"/>
-              </a:spcBef>
-              <a:spcAft>
-                <a:spcPts val="0"/>
-              </a:spcAft>
-              <a:buSzPts val="2000"/>
-              <a:buChar char="□"/>
-              <a:defRPr sz="2000"/>
-            </a:lvl4pPr>
-            <a:lvl5pPr marL="2286000" lvl="4" indent="-355600">
-              <a:spcBef>
-                <a:spcPts val="0"/>
-              </a:spcBef>
-              <a:spcAft>
-                <a:spcPts val="0"/>
-              </a:spcAft>
-              <a:buSzPts val="2000"/>
-              <a:buChar char="○"/>
-              <a:defRPr sz="2000"/>
-            </a:lvl5pPr>
-            <a:lvl6pPr marL="2743200" lvl="5" indent="-355600">
-              <a:spcBef>
-                <a:spcPts val="0"/>
-              </a:spcBef>
-              <a:spcAft>
-                <a:spcPts val="0"/>
-              </a:spcAft>
-              <a:buSzPts val="2000"/>
-              <a:buChar char="■"/>
-              <a:defRPr sz="2000"/>
-            </a:lvl6pPr>
-            <a:lvl7pPr marL="3200400" lvl="6" indent="-355600">
-              <a:spcBef>
-                <a:spcPts val="0"/>
-              </a:spcBef>
-              <a:spcAft>
-                <a:spcPts val="0"/>
-              </a:spcAft>
-              <a:buSzPts val="2000"/>
-              <a:buChar char="●"/>
-              <a:defRPr sz="2000"/>
-            </a:lvl7pPr>
-            <a:lvl8pPr marL="3657600" lvl="7" indent="-355600">
-              <a:spcBef>
-                <a:spcPts val="0"/>
-              </a:spcBef>
-              <a:spcAft>
-                <a:spcPts val="0"/>
-              </a:spcAft>
-              <a:buSzPts val="2000"/>
-              <a:buChar char="○"/>
-              <a:defRPr sz="2000"/>
-            </a:lvl8pPr>
-            <a:lvl9pPr marL="4114800" lvl="8" indent="-355600">
-              <a:spcBef>
-                <a:spcPts val="0"/>
-              </a:spcBef>
-              <a:spcAft>
-                <a:spcPts val="0"/>
-              </a:spcAft>
-              <a:buSzPts val="2000"/>
-              <a:buChar char="■"/>
-              <a:defRPr sz="2000"/>
-            </a:lvl9pPr>
-          </a:lstStyle>
-          <a:p>
-            <a:endParaRPr/>
-          </a:p>
-        </p:txBody>
-      </p:sp>
-      <p:sp>
-        <p:nvSpPr>
-          <p:cNvPr id="29" name="Google Shape;29;p6"/>
-          <p:cNvSpPr txBox="1">
-            <a:spLocks noGrp="1"/>
-          </p:cNvSpPr>
-          <p:nvPr>
-            <p:ph type="body" idx="2"/>
-          </p:nvPr>
-        </p:nvSpPr>
-        <p:spPr>
-          <a:xfrm>
-            <a:off x="4870698" y="1346063"/>
-            <a:ext cx="3644400" cy="3204900"/>
-          </a:xfrm>
-          <a:prstGeom prst="rect">
-            <a:avLst/>
-          </a:prstGeom>
-        </p:spPr>
-        <p:txBody>
-          <a:bodyPr spcFirstLastPara="1" wrap="square" lIns="91425" tIns="91425" rIns="91425" bIns="91425" anchor="t" anchorCtr="0">
-            <a:noAutofit/>
-          </a:bodyPr>
-          <a:lstStyle>
-            <a:lvl1pPr marL="457200" lvl="0" indent="-355600">
-              <a:spcBef>
-                <a:spcPts val="600"/>
-              </a:spcBef>
-              <a:spcAft>
-                <a:spcPts val="0"/>
-              </a:spcAft>
-              <a:buSzPts val="2000"/>
-              <a:buChar char="○"/>
-              <a:defRPr sz="2000"/>
-            </a:lvl1pPr>
-            <a:lvl2pPr marL="914400" lvl="1" indent="-355600">
-              <a:spcBef>
-                <a:spcPts val="0"/>
-              </a:spcBef>
-              <a:spcAft>
-                <a:spcPts val="0"/>
-              </a:spcAft>
-              <a:buSzPts val="2000"/>
-              <a:buChar char="□"/>
-              <a:defRPr sz="2000"/>
-            </a:lvl2pPr>
-            <a:lvl3pPr marL="1371600" lvl="2" indent="-355600">
-              <a:spcBef>
-                <a:spcPts val="0"/>
-              </a:spcBef>
-              <a:spcAft>
-                <a:spcPts val="0"/>
-              </a:spcAft>
-              <a:buSzPts val="2000"/>
-              <a:buChar char="○"/>
-              <a:defRPr sz="2000"/>
-            </a:lvl3pPr>
-            <a:lvl4pPr marL="1828800" lvl="3" indent="-355600">
-              <a:spcBef>
-                <a:spcPts val="0"/>
-              </a:spcBef>
-              <a:spcAft>
-                <a:spcPts val="0"/>
-              </a:spcAft>
-              <a:buSzPts val="2000"/>
-              <a:buChar char="□"/>
-              <a:defRPr sz="2000"/>
-            </a:lvl4pPr>
-            <a:lvl5pPr marL="2286000" lvl="4" indent="-355600">
-              <a:spcBef>
-                <a:spcPts val="0"/>
-              </a:spcBef>
-              <a:spcAft>
-                <a:spcPts val="0"/>
-              </a:spcAft>
-              <a:buSzPts val="2000"/>
-              <a:buChar char="○"/>
-              <a:defRPr sz="2000"/>
-            </a:lvl5pPr>
-            <a:lvl6pPr marL="2743200" lvl="5" indent="-355600">
-              <a:spcBef>
-                <a:spcPts val="0"/>
-              </a:spcBef>
-              <a:spcAft>
-                <a:spcPts val="0"/>
-              </a:spcAft>
-              <a:buSzPts val="2000"/>
-              <a:buChar char="■"/>
-              <a:defRPr sz="2000"/>
-            </a:lvl6pPr>
-            <a:lvl7pPr marL="3200400" lvl="6" indent="-355600">
-              <a:spcBef>
-                <a:spcPts val="0"/>
-              </a:spcBef>
-              <a:spcAft>
-                <a:spcPts val="0"/>
-              </a:spcAft>
-              <a:buSzPts val="2000"/>
-              <a:buChar char="●"/>
-              <a:defRPr sz="2000"/>
-            </a:lvl7pPr>
-            <a:lvl8pPr marL="3657600" lvl="7" indent="-355600">
-              <a:spcBef>
-                <a:spcPts val="0"/>
-              </a:spcBef>
-              <a:spcAft>
-                <a:spcPts val="0"/>
-              </a:spcAft>
-              <a:buSzPts val="2000"/>
-              <a:buChar char="○"/>
-              <a:defRPr sz="2000"/>
-            </a:lvl8pPr>
-            <a:lvl9pPr marL="4114800" lvl="8" indent="-355600">
-              <a:spcBef>
-                <a:spcPts val="0"/>
-              </a:spcBef>
-              <a:spcAft>
-                <a:spcPts val="0"/>
-              </a:spcAft>
-              <a:buSzPts val="2000"/>
-              <a:buChar char="■"/>
-              <a:defRPr sz="2000"/>
-            </a:lvl9pPr>
-          </a:lstStyle>
-          <a:p>
-            <a:endParaRPr/>
-          </a:p>
-        </p:txBody>
-      </p:sp>
-      <p:sp>
-        <p:nvSpPr>
-          <p:cNvPr id="30" name="Google Shape;30;p6"/>
-          <p:cNvSpPr txBox="1">
-            <a:spLocks noGrp="1"/>
-          </p:cNvSpPr>
-          <p:nvPr>
-            <p:ph type="title"/>
-          </p:nvPr>
-        </p:nvSpPr>
-        <p:spPr>
-          <a:xfrm>
-            <a:off x="2318100" y="113175"/>
-            <a:ext cx="4507800" cy="857400"/>
-          </a:xfrm>
-          <a:prstGeom prst="rect">
-            <a:avLst/>
-          </a:prstGeom>
-        </p:spPr>
-        <p:txBody>
-          <a:bodyPr spcFirstLastPara="1" wrap="square" lIns="91425" tIns="91425" rIns="91425" bIns="91425" anchor="ctr" anchorCtr="0">
-            <a:noAutofit/>
-          </a:bodyPr>
-          <a:lstStyle>
-            <a:lvl1pPr lvl="0" rtl="0">
-              <a:spcBef>
-                <a:spcPts val="0"/>
-              </a:spcBef>
-              <a:spcAft>
-                <a:spcPts val="0"/>
-              </a:spcAft>
-              <a:buSzPts val="1600"/>
-              <a:buNone/>
-              <a:defRPr/>
-            </a:lvl1pPr>
-            <a:lvl2pPr lvl="1" rtl="0">
-              <a:spcBef>
-                <a:spcPts val="0"/>
-              </a:spcBef>
-              <a:spcAft>
-                <a:spcPts val="0"/>
-              </a:spcAft>
-              <a:buSzPts val="1600"/>
-              <a:buNone/>
-              <a:defRPr/>
-            </a:lvl2pPr>
-            <a:lvl3pPr lvl="2" rtl="0">
-              <a:spcBef>
-                <a:spcPts val="0"/>
-              </a:spcBef>
-              <a:spcAft>
-                <a:spcPts val="0"/>
-              </a:spcAft>
-              <a:buSzPts val="1600"/>
-              <a:buNone/>
-              <a:defRPr/>
-            </a:lvl3pPr>
-            <a:lvl4pPr lvl="3" rtl="0">
-              <a:spcBef>
-                <a:spcPts val="0"/>
-              </a:spcBef>
-              <a:spcAft>
-                <a:spcPts val="0"/>
-              </a:spcAft>
-              <a:buSzPts val="1600"/>
-              <a:buNone/>
-              <a:defRPr/>
-            </a:lvl4pPr>
-            <a:lvl5pPr lvl="4" rtl="0">
-              <a:spcBef>
-                <a:spcPts val="0"/>
-              </a:spcBef>
-              <a:spcAft>
-                <a:spcPts val="0"/>
-              </a:spcAft>
-              <a:buSzPts val="1600"/>
-              <a:buNone/>
-              <a:defRPr/>
-            </a:lvl5pPr>
-            <a:lvl6pPr lvl="5" rtl="0">
-              <a:spcBef>
-                <a:spcPts val="0"/>
-              </a:spcBef>
-              <a:spcAft>
-                <a:spcPts val="0"/>
-              </a:spcAft>
-              <a:buSzPts val="1600"/>
-              <a:buNone/>
-              <a:defRPr/>
-            </a:lvl6pPr>
-            <a:lvl7pPr lvl="6" rtl="0">
-              <a:spcBef>
-                <a:spcPts val="0"/>
-              </a:spcBef>
-              <a:spcAft>
-                <a:spcPts val="0"/>
-              </a:spcAft>
-              <a:buSzPts val="1600"/>
-              <a:buNone/>
-              <a:defRPr/>
-            </a:lvl7pPr>
-            <a:lvl8pPr lvl="7" rtl="0">
-              <a:spcBef>
-                <a:spcPts val="0"/>
-              </a:spcBef>
-              <a:spcAft>
-                <a:spcPts val="0"/>
-              </a:spcAft>
-              <a:buSzPts val="1600"/>
-              <a:buNone/>
-              <a:defRPr/>
-            </a:lvl8pPr>
-            <a:lvl9pPr lvl="8" rtl="0">
-              <a:spcBef>
-                <a:spcPts val="0"/>
-              </a:spcBef>
-              <a:spcAft>
-                <a:spcPts val="0"/>
-              </a:spcAft>
-              <a:buSzPts val="1600"/>
-              <a:buNone/>
-              <a:defRPr/>
-            </a:lvl9pPr>
-          </a:lstStyle>
-          <a:p>
-            <a:endParaRPr/>
-          </a:p>
-        </p:txBody>
-      </p:sp>
-      <p:cxnSp>
-        <p:nvCxnSpPr>
-          <p:cNvPr id="31" name="Google Shape;31;p6"/>
-          <p:cNvCxnSpPr/>
-          <p:nvPr/>
-        </p:nvCxnSpPr>
-        <p:spPr>
-          <a:xfrm rot="10800000">
-            <a:off x="-23700" y="541800"/>
-            <a:ext cx="2341800" cy="0"/>
-          </a:xfrm>
-          <a:prstGeom prst="straightConnector1">
-            <a:avLst/>
-          </a:prstGeom>
-          <a:noFill/>
-          <a:ln w="9525" cap="flat" cmpd="sng">
-            <a:solidFill>
-              <a:schemeClr val="dk2"/>
-            </a:solidFill>
-            <a:prstDash val="solid"/>
-            <a:round/>
-            <a:headEnd type="oval" w="med" len="med"/>
-            <a:tailEnd type="none" w="med" len="med"/>
-          </a:ln>
-        </p:spPr>
-      </p:cxnSp>
-      <p:cxnSp>
-        <p:nvCxnSpPr>
-          <p:cNvPr id="32" name="Google Shape;32;p6"/>
-          <p:cNvCxnSpPr/>
-          <p:nvPr/>
-        </p:nvCxnSpPr>
-        <p:spPr>
-          <a:xfrm>
-            <a:off x="6825900" y="541800"/>
-            <a:ext cx="2331300" cy="0"/>
-          </a:xfrm>
-          <a:prstGeom prst="straightConnector1">
-            <a:avLst/>
-          </a:prstGeom>
-          <a:noFill/>
-          <a:ln w="9525" cap="flat" cmpd="sng">
-            <a:solidFill>
-              <a:schemeClr val="dk2"/>
-            </a:solidFill>
-            <a:prstDash val="solid"/>
-            <a:round/>
-            <a:headEnd type="oval" w="med" len="med"/>
-            <a:tailEnd type="none" w="med" len="med"/>
-          </a:ln>
-        </p:spPr>
-      </p:cxnSp>
-      <p:sp>
-        <p:nvSpPr>
-          <p:cNvPr id="33" name="Google Shape;33;p6"/>
-          <p:cNvSpPr txBox="1">
-            <a:spLocks noGrp="1"/>
-          </p:cNvSpPr>
-          <p:nvPr>
-            <p:ph type="sldNum" idx="12"/>
-          </p:nvPr>
-        </p:nvSpPr>
-        <p:spPr>
-          <a:xfrm>
-            <a:off x="4297650" y="4749851"/>
-            <a:ext cx="548700" cy="393600"/>
-          </a:xfrm>
-          <a:prstGeom prst="rect">
-            <a:avLst/>
-          </a:prstGeom>
-        </p:spPr>
-        <p:txBody>
-          <a:bodyPr spcFirstLastPara="1" wrap="square" lIns="91425" tIns="91425" rIns="91425" bIns="91425" anchor="t" anchorCtr="0">
-            <a:noAutofit/>
-          </a:bodyPr>
-          <a:lstStyle>
-            <a:lvl1pPr lvl="0">
-              <a:buNone/>
-              <a:defRPr/>
-            </a:lvl1pPr>
-            <a:lvl2pPr lvl="1">
-              <a:buNone/>
-              <a:defRPr/>
-            </a:lvl2pPr>
-            <a:lvl3pPr lvl="2">
-              <a:buNone/>
-              <a:defRPr/>
-            </a:lvl3pPr>
-            <a:lvl4pPr lvl="3">
-              <a:buNone/>
-              <a:defRPr/>
-            </a:lvl4pPr>
-            <a:lvl5pPr lvl="4">
-              <a:buNone/>
-              <a:defRPr/>
-            </a:lvl5pPr>
-            <a:lvl6pPr lvl="5">
-              <a:buNone/>
-              <a:defRPr/>
-            </a:lvl6pPr>
-            <a:lvl7pPr lvl="6">
-              <a:buNone/>
-              <a:defRPr/>
-            </a:lvl7pPr>
-            <a:lvl8pPr lvl="7">
-              <a:buNone/>
-              <a:defRPr/>
-            </a:lvl8pPr>
-            <a:lvl9pPr lvl="8">
-              <a:buNone/>
-              <a:defRPr/>
-            </a:lvl9pPr>
-          </a:lstStyle>
-          <a:p>
-            <a:pPr marL="0" lvl="0" indent="0" algn="ctr" rtl="0">
-              <a:spcBef>
-                <a:spcPts val="0"/>
-              </a:spcBef>
-              <a:spcAft>
-                <a:spcPts val="0"/>
-              </a:spcAft>
-              <a:buNone/>
-            </a:pPr>
-            <a:fld id="{00000000-1234-1234-1234-123412341234}" type="slidenum">
-              <a:rPr lang="en"/>
-              <a:t>‹Nº›</a:t>
-            </a:fld>
-            <a:endParaRPr/>
-          </a:p>
-        </p:txBody>
-      </p:sp>
-    </p:spTree>
-    <p:extLst>
-      <p:ext uri="{BB962C8B-B14F-4D97-AF65-F5344CB8AC3E}">
-        <p14:creationId xmlns:p14="http://schemas.microsoft.com/office/powerpoint/2010/main" val="3523835011"/>
-      </p:ext>
-    </p:extLst>
-  </p:cSld>
-  <p:clrMapOvr>
-    <a:masterClrMapping/>
-  </p:clrMapOvr>
-</p:sldLayout>
-</file>
-
-<file path=ppt/slideLayouts/slideLayout16.xml><?xml version="1.0" encoding="utf-8"?>
-<p:sldLayout xmlns:a="http://schemas.openxmlformats.org/drawingml/2006/main" xmlns:r="http://schemas.openxmlformats.org/officeDocument/2006/relationships" xmlns:p="http://schemas.openxmlformats.org/presentationml/2006/main" matchingName="Title + 3 columns">
-  <p:cSld name="Title + 3 columns">
-    <p:spTree>
-      <p:nvGrpSpPr>
-        <p:cNvPr id="1" name="Shape 34"/>
-        <p:cNvGrpSpPr/>
-        <p:nvPr/>
-      </p:nvGrpSpPr>
-      <p:grpSpPr>
-        <a:xfrm>
-          <a:off x="0" y="0"/>
-          <a:ext cx="0" cy="0"/>
-          <a:chOff x="0" y="0"/>
-          <a:chExt cx="0" cy="0"/>
-        </a:xfrm>
-      </p:grpSpPr>
-      <p:sp>
-        <p:nvSpPr>
-          <p:cNvPr id="35" name="Google Shape;35;p7"/>
-          <p:cNvSpPr txBox="1">
-            <a:spLocks noGrp="1"/>
-          </p:cNvSpPr>
-          <p:nvPr>
-            <p:ph type="body" idx="1"/>
-          </p:nvPr>
-        </p:nvSpPr>
-        <p:spPr>
-          <a:xfrm>
-            <a:off x="626350" y="1281750"/>
-            <a:ext cx="2547900" cy="3193200"/>
-          </a:xfrm>
-          <a:prstGeom prst="rect">
-            <a:avLst/>
-          </a:prstGeom>
-        </p:spPr>
-        <p:txBody>
-          <a:bodyPr spcFirstLastPara="1" wrap="square" lIns="91425" tIns="91425" rIns="91425" bIns="91425" anchor="t" anchorCtr="0">
-            <a:noAutofit/>
-          </a:bodyPr>
-          <a:lstStyle>
-            <a:lvl1pPr marL="457200" lvl="0" indent="-342900" rtl="0">
-              <a:spcBef>
-                <a:spcPts val="600"/>
-              </a:spcBef>
-              <a:spcAft>
-                <a:spcPts val="0"/>
-              </a:spcAft>
-              <a:buSzPts val="1800"/>
-              <a:buChar char="○"/>
-              <a:defRPr sz="1800"/>
-            </a:lvl1pPr>
-            <a:lvl2pPr marL="914400" lvl="1" indent="-342900" rtl="0">
-              <a:spcBef>
-                <a:spcPts val="0"/>
-              </a:spcBef>
-              <a:spcAft>
-                <a:spcPts val="0"/>
-              </a:spcAft>
-              <a:buSzPts val="1800"/>
-              <a:buChar char="□"/>
-              <a:defRPr sz="1800"/>
-            </a:lvl2pPr>
-            <a:lvl3pPr marL="1371600" lvl="2" indent="-342900" rtl="0">
-              <a:spcBef>
-                <a:spcPts val="0"/>
-              </a:spcBef>
-              <a:spcAft>
-                <a:spcPts val="0"/>
-              </a:spcAft>
-              <a:buSzPts val="1800"/>
-              <a:buChar char="○"/>
-              <a:defRPr sz="1800"/>
-            </a:lvl3pPr>
-            <a:lvl4pPr marL="1828800" lvl="3" indent="-342900" rtl="0">
-              <a:spcBef>
-                <a:spcPts val="0"/>
-              </a:spcBef>
-              <a:spcAft>
-                <a:spcPts val="0"/>
-              </a:spcAft>
-              <a:buSzPts val="1800"/>
-              <a:buChar char="□"/>
-              <a:defRPr sz="1800"/>
-            </a:lvl4pPr>
-            <a:lvl5pPr marL="2286000" lvl="4" indent="-342900" rtl="0">
-              <a:spcBef>
-                <a:spcPts val="0"/>
-              </a:spcBef>
-              <a:spcAft>
-                <a:spcPts val="0"/>
-              </a:spcAft>
-              <a:buSzPts val="1800"/>
-              <a:buChar char="○"/>
-              <a:defRPr sz="1800"/>
-            </a:lvl5pPr>
-            <a:lvl6pPr marL="2743200" lvl="5" indent="-342900" rtl="0">
-              <a:spcBef>
-                <a:spcPts val="0"/>
-              </a:spcBef>
-              <a:spcAft>
-                <a:spcPts val="0"/>
-              </a:spcAft>
-              <a:buSzPts val="1800"/>
-              <a:buChar char="■"/>
-              <a:defRPr sz="1800"/>
-            </a:lvl6pPr>
-            <a:lvl7pPr marL="3200400" lvl="6" indent="-342900" rtl="0">
-              <a:spcBef>
-                <a:spcPts val="0"/>
-              </a:spcBef>
-              <a:spcAft>
-                <a:spcPts val="0"/>
-              </a:spcAft>
-              <a:buSzPts val="1800"/>
-              <a:buChar char="●"/>
-              <a:defRPr sz="1800"/>
-            </a:lvl7pPr>
-            <a:lvl8pPr marL="3657600" lvl="7" indent="-342900" rtl="0">
-              <a:spcBef>
-                <a:spcPts val="0"/>
-              </a:spcBef>
-              <a:spcAft>
-                <a:spcPts val="0"/>
-              </a:spcAft>
-              <a:buSzPts val="1800"/>
-              <a:buChar char="○"/>
-              <a:defRPr sz="1800"/>
-            </a:lvl8pPr>
-            <a:lvl9pPr marL="4114800" lvl="8" indent="-342900" rtl="0">
-              <a:spcBef>
-                <a:spcPts val="0"/>
-              </a:spcBef>
-              <a:spcAft>
-                <a:spcPts val="0"/>
-              </a:spcAft>
-              <a:buSzPts val="1800"/>
-              <a:buChar char="■"/>
-              <a:defRPr sz="1800"/>
-            </a:lvl9pPr>
-          </a:lstStyle>
-          <a:p>
-            <a:endParaRPr/>
-          </a:p>
-        </p:txBody>
-      </p:sp>
-      <p:sp>
-        <p:nvSpPr>
-          <p:cNvPr id="36" name="Google Shape;36;p7"/>
-          <p:cNvSpPr txBox="1">
-            <a:spLocks noGrp="1"/>
-          </p:cNvSpPr>
-          <p:nvPr>
-            <p:ph type="body" idx="2"/>
-          </p:nvPr>
-        </p:nvSpPr>
-        <p:spPr>
-          <a:xfrm>
-            <a:off x="3304738" y="1281750"/>
-            <a:ext cx="2547900" cy="3193200"/>
-          </a:xfrm>
-          <a:prstGeom prst="rect">
-            <a:avLst/>
-          </a:prstGeom>
-        </p:spPr>
-        <p:txBody>
-          <a:bodyPr spcFirstLastPara="1" wrap="square" lIns="91425" tIns="91425" rIns="91425" bIns="91425" anchor="t" anchorCtr="0">
-            <a:noAutofit/>
-          </a:bodyPr>
-          <a:lstStyle>
-            <a:lvl1pPr marL="457200" lvl="0" indent="-342900" rtl="0">
-              <a:spcBef>
-                <a:spcPts val="600"/>
-              </a:spcBef>
-              <a:spcAft>
-                <a:spcPts val="0"/>
-              </a:spcAft>
-              <a:buSzPts val="1800"/>
-              <a:buChar char="○"/>
-              <a:defRPr sz="1800"/>
-            </a:lvl1pPr>
-            <a:lvl2pPr marL="914400" lvl="1" indent="-342900" rtl="0">
-              <a:spcBef>
-                <a:spcPts val="0"/>
-              </a:spcBef>
-              <a:spcAft>
-                <a:spcPts val="0"/>
-              </a:spcAft>
-              <a:buSzPts val="1800"/>
-              <a:buChar char="□"/>
-              <a:defRPr sz="1800"/>
-            </a:lvl2pPr>
-            <a:lvl3pPr marL="1371600" lvl="2" indent="-342900" rtl="0">
-              <a:spcBef>
-                <a:spcPts val="0"/>
-              </a:spcBef>
-              <a:spcAft>
-                <a:spcPts val="0"/>
-              </a:spcAft>
-              <a:buSzPts val="1800"/>
-              <a:buChar char="○"/>
-              <a:defRPr sz="1800"/>
-            </a:lvl3pPr>
-            <a:lvl4pPr marL="1828800" lvl="3" indent="-342900" rtl="0">
-              <a:spcBef>
-                <a:spcPts val="0"/>
-              </a:spcBef>
-              <a:spcAft>
-                <a:spcPts val="0"/>
-              </a:spcAft>
-              <a:buSzPts val="1800"/>
-              <a:buChar char="□"/>
-              <a:defRPr sz="1800"/>
-            </a:lvl4pPr>
-            <a:lvl5pPr marL="2286000" lvl="4" indent="-342900" rtl="0">
-              <a:spcBef>
-                <a:spcPts val="0"/>
-              </a:spcBef>
-              <a:spcAft>
-                <a:spcPts val="0"/>
-              </a:spcAft>
-              <a:buSzPts val="1800"/>
-              <a:buChar char="○"/>
-              <a:defRPr sz="1800"/>
-            </a:lvl5pPr>
-            <a:lvl6pPr marL="2743200" lvl="5" indent="-342900" rtl="0">
-              <a:spcBef>
-                <a:spcPts val="0"/>
-              </a:spcBef>
-              <a:spcAft>
-                <a:spcPts val="0"/>
-              </a:spcAft>
-              <a:buSzPts val="1800"/>
-              <a:buChar char="■"/>
-              <a:defRPr sz="1800"/>
-            </a:lvl6pPr>
-            <a:lvl7pPr marL="3200400" lvl="6" indent="-342900" rtl="0">
-              <a:spcBef>
-                <a:spcPts val="0"/>
-              </a:spcBef>
-              <a:spcAft>
-                <a:spcPts val="0"/>
-              </a:spcAft>
-              <a:buSzPts val="1800"/>
-              <a:buChar char="●"/>
-              <a:defRPr sz="1800"/>
-            </a:lvl7pPr>
-            <a:lvl8pPr marL="3657600" lvl="7" indent="-342900" rtl="0">
-              <a:spcBef>
-                <a:spcPts val="0"/>
-              </a:spcBef>
-              <a:spcAft>
-                <a:spcPts val="0"/>
-              </a:spcAft>
-              <a:buSzPts val="1800"/>
-              <a:buChar char="○"/>
-              <a:defRPr sz="1800"/>
-            </a:lvl8pPr>
-            <a:lvl9pPr marL="4114800" lvl="8" indent="-342900" rtl="0">
-              <a:spcBef>
-                <a:spcPts val="0"/>
-              </a:spcBef>
-              <a:spcAft>
-                <a:spcPts val="0"/>
-              </a:spcAft>
-              <a:buSzPts val="1800"/>
-              <a:buChar char="■"/>
-              <a:defRPr sz="1800"/>
-            </a:lvl9pPr>
-          </a:lstStyle>
-          <a:p>
-            <a:endParaRPr/>
-          </a:p>
-        </p:txBody>
-      </p:sp>
-      <p:sp>
-        <p:nvSpPr>
-          <p:cNvPr id="37" name="Google Shape;37;p7"/>
-          <p:cNvSpPr txBox="1">
-            <a:spLocks noGrp="1"/>
-          </p:cNvSpPr>
-          <p:nvPr>
-            <p:ph type="body" idx="3"/>
-          </p:nvPr>
-        </p:nvSpPr>
-        <p:spPr>
-          <a:xfrm>
-            <a:off x="5983125" y="1281750"/>
-            <a:ext cx="2547900" cy="3193200"/>
-          </a:xfrm>
-          <a:prstGeom prst="rect">
-            <a:avLst/>
-          </a:prstGeom>
-        </p:spPr>
-        <p:txBody>
-          <a:bodyPr spcFirstLastPara="1" wrap="square" lIns="91425" tIns="91425" rIns="91425" bIns="91425" anchor="t" anchorCtr="0">
-            <a:noAutofit/>
-          </a:bodyPr>
-          <a:lstStyle>
-            <a:lvl1pPr marL="457200" lvl="0" indent="-342900" rtl="0">
-              <a:spcBef>
-                <a:spcPts val="600"/>
-              </a:spcBef>
-              <a:spcAft>
-                <a:spcPts val="0"/>
-              </a:spcAft>
-              <a:buSzPts val="1800"/>
-              <a:buChar char="○"/>
-              <a:defRPr sz="1800"/>
-            </a:lvl1pPr>
-            <a:lvl2pPr marL="914400" lvl="1" indent="-342900" rtl="0">
-              <a:spcBef>
-                <a:spcPts val="0"/>
-              </a:spcBef>
-              <a:spcAft>
-                <a:spcPts val="0"/>
-              </a:spcAft>
-              <a:buSzPts val="1800"/>
-              <a:buChar char="□"/>
-              <a:defRPr sz="1800"/>
-            </a:lvl2pPr>
-            <a:lvl3pPr marL="1371600" lvl="2" indent="-342900" rtl="0">
-              <a:spcBef>
-                <a:spcPts val="0"/>
-              </a:spcBef>
-              <a:spcAft>
-                <a:spcPts val="0"/>
-              </a:spcAft>
-              <a:buSzPts val="1800"/>
-              <a:buChar char="○"/>
-              <a:defRPr sz="1800"/>
-            </a:lvl3pPr>
-            <a:lvl4pPr marL="1828800" lvl="3" indent="-342900" rtl="0">
-              <a:spcBef>
-                <a:spcPts val="0"/>
-              </a:spcBef>
-              <a:spcAft>
-                <a:spcPts val="0"/>
-              </a:spcAft>
-              <a:buSzPts val="1800"/>
-              <a:buChar char="□"/>
-              <a:defRPr sz="1800"/>
-            </a:lvl4pPr>
-            <a:lvl5pPr marL="2286000" lvl="4" indent="-342900" rtl="0">
-              <a:spcBef>
-                <a:spcPts val="0"/>
-              </a:spcBef>
-              <a:spcAft>
-                <a:spcPts val="0"/>
-              </a:spcAft>
-              <a:buSzPts val="1800"/>
-              <a:buChar char="○"/>
-              <a:defRPr sz="1800"/>
-            </a:lvl5pPr>
-            <a:lvl6pPr marL="2743200" lvl="5" indent="-342900" rtl="0">
-              <a:spcBef>
-                <a:spcPts val="0"/>
-              </a:spcBef>
-              <a:spcAft>
-                <a:spcPts val="0"/>
-              </a:spcAft>
-              <a:buSzPts val="1800"/>
-              <a:buChar char="■"/>
-              <a:defRPr sz="1800"/>
-            </a:lvl6pPr>
-            <a:lvl7pPr marL="3200400" lvl="6" indent="-342900" rtl="0">
-              <a:spcBef>
-                <a:spcPts val="0"/>
-              </a:spcBef>
-              <a:spcAft>
-                <a:spcPts val="0"/>
-              </a:spcAft>
-              <a:buSzPts val="1800"/>
-              <a:buChar char="●"/>
-              <a:defRPr sz="1800"/>
-            </a:lvl7pPr>
-            <a:lvl8pPr marL="3657600" lvl="7" indent="-342900" rtl="0">
-              <a:spcBef>
-                <a:spcPts val="0"/>
-              </a:spcBef>
-              <a:spcAft>
-                <a:spcPts val="0"/>
-              </a:spcAft>
-              <a:buSzPts val="1800"/>
-              <a:buChar char="○"/>
-              <a:defRPr sz="1800"/>
-            </a:lvl8pPr>
-            <a:lvl9pPr marL="4114800" lvl="8" indent="-342900" rtl="0">
-              <a:spcBef>
-                <a:spcPts val="0"/>
-              </a:spcBef>
-              <a:spcAft>
-                <a:spcPts val="0"/>
-              </a:spcAft>
-              <a:buSzPts val="1800"/>
-              <a:buChar char="■"/>
-              <a:defRPr sz="1800"/>
-            </a:lvl9pPr>
-          </a:lstStyle>
-          <a:p>
-            <a:endParaRPr/>
-          </a:p>
-        </p:txBody>
-      </p:sp>
-      <p:sp>
-        <p:nvSpPr>
-          <p:cNvPr id="38" name="Google Shape;38;p7"/>
-          <p:cNvSpPr txBox="1">
-            <a:spLocks noGrp="1"/>
-          </p:cNvSpPr>
-          <p:nvPr>
-            <p:ph type="title"/>
-          </p:nvPr>
-        </p:nvSpPr>
-        <p:spPr>
-          <a:xfrm>
-            <a:off x="2318100" y="113175"/>
-            <a:ext cx="4507800" cy="857400"/>
-          </a:xfrm>
-          <a:prstGeom prst="rect">
-            <a:avLst/>
-          </a:prstGeom>
-        </p:spPr>
-        <p:txBody>
-          <a:bodyPr spcFirstLastPara="1" wrap="square" lIns="91425" tIns="91425" rIns="91425" bIns="91425" anchor="ctr" anchorCtr="0">
-            <a:noAutofit/>
-          </a:bodyPr>
-          <a:lstStyle>
-            <a:lvl1pPr lvl="0" rtl="0">
-              <a:spcBef>
-                <a:spcPts val="0"/>
-              </a:spcBef>
-              <a:spcAft>
-                <a:spcPts val="0"/>
-              </a:spcAft>
-              <a:buSzPts val="1600"/>
-              <a:buNone/>
-              <a:defRPr/>
-            </a:lvl1pPr>
-            <a:lvl2pPr lvl="1" rtl="0">
-              <a:spcBef>
-                <a:spcPts val="0"/>
-              </a:spcBef>
-              <a:spcAft>
-                <a:spcPts val="0"/>
-              </a:spcAft>
-              <a:buSzPts val="1600"/>
-              <a:buNone/>
-              <a:defRPr/>
-            </a:lvl2pPr>
-            <a:lvl3pPr lvl="2" rtl="0">
-              <a:spcBef>
-                <a:spcPts val="0"/>
-              </a:spcBef>
-              <a:spcAft>
-                <a:spcPts val="0"/>
-              </a:spcAft>
-              <a:buSzPts val="1600"/>
-              <a:buNone/>
-              <a:defRPr/>
-            </a:lvl3pPr>
-            <a:lvl4pPr lvl="3" rtl="0">
-              <a:spcBef>
-                <a:spcPts val="0"/>
-              </a:spcBef>
-              <a:spcAft>
-                <a:spcPts val="0"/>
-              </a:spcAft>
-              <a:buSzPts val="1600"/>
-              <a:buNone/>
-              <a:defRPr/>
-            </a:lvl4pPr>
-            <a:lvl5pPr lvl="4" rtl="0">
-              <a:spcBef>
-                <a:spcPts val="0"/>
-              </a:spcBef>
-              <a:spcAft>
-                <a:spcPts val="0"/>
-              </a:spcAft>
-              <a:buSzPts val="1600"/>
-              <a:buNone/>
-              <a:defRPr/>
-            </a:lvl5pPr>
-            <a:lvl6pPr lvl="5" rtl="0">
-              <a:spcBef>
-                <a:spcPts val="0"/>
-              </a:spcBef>
-              <a:spcAft>
-                <a:spcPts val="0"/>
-              </a:spcAft>
-              <a:buSzPts val="1600"/>
-              <a:buNone/>
-              <a:defRPr/>
-            </a:lvl6pPr>
-            <a:lvl7pPr lvl="6" rtl="0">
-              <a:spcBef>
-                <a:spcPts val="0"/>
-              </a:spcBef>
-              <a:spcAft>
-                <a:spcPts val="0"/>
-              </a:spcAft>
-              <a:buSzPts val="1600"/>
-              <a:buNone/>
-              <a:defRPr/>
-            </a:lvl7pPr>
-            <a:lvl8pPr lvl="7" rtl="0">
-              <a:spcBef>
-                <a:spcPts val="0"/>
-              </a:spcBef>
-              <a:spcAft>
-                <a:spcPts val="0"/>
-              </a:spcAft>
-              <a:buSzPts val="1600"/>
-              <a:buNone/>
-              <a:defRPr/>
-            </a:lvl8pPr>
-            <a:lvl9pPr lvl="8" rtl="0">
-              <a:spcBef>
-                <a:spcPts val="0"/>
-              </a:spcBef>
-              <a:spcAft>
-                <a:spcPts val="0"/>
-              </a:spcAft>
-              <a:buSzPts val="1600"/>
-              <a:buNone/>
-              <a:defRPr/>
-            </a:lvl9pPr>
-          </a:lstStyle>
-          <a:p>
-            <a:endParaRPr/>
-          </a:p>
-        </p:txBody>
-      </p:sp>
-      <p:cxnSp>
-        <p:nvCxnSpPr>
-          <p:cNvPr id="39" name="Google Shape;39;p7"/>
-          <p:cNvCxnSpPr/>
-          <p:nvPr/>
-        </p:nvCxnSpPr>
-        <p:spPr>
-          <a:xfrm rot="10800000">
-            <a:off x="-23700" y="541800"/>
-            <a:ext cx="2341800" cy="0"/>
-          </a:xfrm>
-          <a:prstGeom prst="straightConnector1">
-            <a:avLst/>
-          </a:prstGeom>
-          <a:noFill/>
-          <a:ln w="9525" cap="flat" cmpd="sng">
-            <a:solidFill>
-              <a:schemeClr val="dk2"/>
-            </a:solidFill>
-            <a:prstDash val="solid"/>
-            <a:round/>
-            <a:headEnd type="oval" w="med" len="med"/>
-            <a:tailEnd type="none" w="med" len="med"/>
-          </a:ln>
-        </p:spPr>
-      </p:cxnSp>
-      <p:cxnSp>
-        <p:nvCxnSpPr>
-          <p:cNvPr id="40" name="Google Shape;40;p7"/>
-          <p:cNvCxnSpPr/>
-          <p:nvPr/>
-        </p:nvCxnSpPr>
-        <p:spPr>
-          <a:xfrm>
-            <a:off x="6825900" y="541800"/>
-            <a:ext cx="2331300" cy="0"/>
-          </a:xfrm>
-          <a:prstGeom prst="straightConnector1">
-            <a:avLst/>
-          </a:prstGeom>
-          <a:noFill/>
-          <a:ln w="9525" cap="flat" cmpd="sng">
-            <a:solidFill>
-              <a:schemeClr val="dk2"/>
-            </a:solidFill>
-            <a:prstDash val="solid"/>
-            <a:round/>
-            <a:headEnd type="oval" w="med" len="med"/>
-            <a:tailEnd type="none" w="med" len="med"/>
-          </a:ln>
-        </p:spPr>
-      </p:cxnSp>
-      <p:sp>
-        <p:nvSpPr>
-          <p:cNvPr id="41" name="Google Shape;41;p7"/>
-          <p:cNvSpPr txBox="1">
-            <a:spLocks noGrp="1"/>
-          </p:cNvSpPr>
-          <p:nvPr>
-            <p:ph type="sldNum" idx="12"/>
-          </p:nvPr>
-        </p:nvSpPr>
-        <p:spPr>
-          <a:xfrm>
-            <a:off x="4297650" y="4749851"/>
-            <a:ext cx="548700" cy="393600"/>
-          </a:xfrm>
-          <a:prstGeom prst="rect">
-            <a:avLst/>
-          </a:prstGeom>
-        </p:spPr>
-        <p:txBody>
-          <a:bodyPr spcFirstLastPara="1" wrap="square" lIns="91425" tIns="91425" rIns="91425" bIns="91425" anchor="t" anchorCtr="0">
-            <a:noAutofit/>
-          </a:bodyPr>
-          <a:lstStyle>
-            <a:lvl1pPr lvl="0">
-              <a:buNone/>
-              <a:defRPr/>
-            </a:lvl1pPr>
-            <a:lvl2pPr lvl="1">
-              <a:buNone/>
-              <a:defRPr/>
-            </a:lvl2pPr>
-            <a:lvl3pPr lvl="2">
-              <a:buNone/>
-              <a:defRPr/>
-            </a:lvl3pPr>
-            <a:lvl4pPr lvl="3">
-              <a:buNone/>
-              <a:defRPr/>
-            </a:lvl4pPr>
-            <a:lvl5pPr lvl="4">
-              <a:buNone/>
-              <a:defRPr/>
-            </a:lvl5pPr>
-            <a:lvl6pPr lvl="5">
-              <a:buNone/>
-              <a:defRPr/>
-            </a:lvl6pPr>
-            <a:lvl7pPr lvl="6">
-              <a:buNone/>
-              <a:defRPr/>
-            </a:lvl7pPr>
-            <a:lvl8pPr lvl="7">
-              <a:buNone/>
-              <a:defRPr/>
-            </a:lvl8pPr>
-            <a:lvl9pPr lvl="8">
-              <a:buNone/>
-              <a:defRPr/>
-            </a:lvl9pPr>
-          </a:lstStyle>
-          <a:p>
-            <a:pPr marL="0" lvl="0" indent="0" algn="ctr" rtl="0">
-              <a:spcBef>
-                <a:spcPts val="0"/>
-              </a:spcBef>
-              <a:spcAft>
-                <a:spcPts val="0"/>
-              </a:spcAft>
-              <a:buNone/>
-            </a:pPr>
-            <a:fld id="{00000000-1234-1234-1234-123412341234}" type="slidenum">
-              <a:rPr lang="en"/>
-              <a:t>‹Nº›</a:t>
-            </a:fld>
-            <a:endParaRPr/>
-          </a:p>
-        </p:txBody>
-      </p:sp>
-    </p:spTree>
-    <p:extLst>
-      <p:ext uri="{BB962C8B-B14F-4D97-AF65-F5344CB8AC3E}">
-        <p14:creationId xmlns:p14="http://schemas.microsoft.com/office/powerpoint/2010/main" val="2201637872"/>
-      </p:ext>
-    </p:extLst>
-  </p:cSld>
-  <p:clrMapOvr>
-    <a:masterClrMapping/>
-  </p:clrMapOvr>
-</p:sldLayout>
-</file>
-
-<file path=ppt/slideLayouts/slideLayout17.xml><?xml version="1.0" encoding="utf-8"?>
 <p:sldLayout xmlns:a="http://schemas.openxmlformats.org/drawingml/2006/main" xmlns:r="http://schemas.openxmlformats.org/officeDocument/2006/relationships" xmlns:p="http://schemas.openxmlformats.org/presentationml/2006/main" matchingName="Title only" type="titleOnly">
   <p:cSld name="Title only">
     <p:spTree>
@@ -5076,7 +1792,7 @@
 </p:sldLayout>
 </file>
 
-<file path=ppt/slideLayouts/slideLayout18.xml><?xml version="1.0" encoding="utf-8"?>
+<file path=ppt/slideLayouts/slideLayout11.xml><?xml version="1.0" encoding="utf-8"?>
 <p:sldLayout xmlns:a="http://schemas.openxmlformats.org/drawingml/2006/main" xmlns:r="http://schemas.openxmlformats.org/officeDocument/2006/relationships" xmlns:p="http://schemas.openxmlformats.org/presentationml/2006/main" matchingName="Blank" type="blank">
   <p:cSld name="Blank">
     <p:spTree>
@@ -6356,7 +3072,7 @@
     </p:spTree>
     <p:extLst>
       <p:ext uri="{BB962C8B-B14F-4D97-AF65-F5344CB8AC3E}">
-        <p14:creationId xmlns:p14="http://schemas.microsoft.com/office/powerpoint/2010/main" val="2054192169"/>
+        <p14:creationId xmlns:p14="http://schemas.microsoft.com/office/powerpoint/2010/main" val="4086691038"/>
       </p:ext>
     </p:extLst>
   </p:cSld>
@@ -6733,7 +3449,7 @@
     </p:spTree>
     <p:extLst>
       <p:ext uri="{BB962C8B-B14F-4D97-AF65-F5344CB8AC3E}">
-        <p14:creationId xmlns:p14="http://schemas.microsoft.com/office/powerpoint/2010/main" val="2667269446"/>
+        <p14:creationId xmlns:p14="http://schemas.microsoft.com/office/powerpoint/2010/main" val="1901509239"/>
       </p:ext>
     </p:extLst>
   </p:cSld>
@@ -6744,6 +3460,468 @@
 </file>
 
 <file path=ppt/slideLayouts/slideLayout6.xml><?xml version="1.0" encoding="utf-8"?>
+<p:sldLayout xmlns:a="http://schemas.openxmlformats.org/drawingml/2006/main" xmlns:r="http://schemas.openxmlformats.org/officeDocument/2006/relationships" xmlns:p="http://schemas.openxmlformats.org/presentationml/2006/main" matchingName="Quote">
+  <p:cSld name="Quote">
+    <p:spTree>
+      <p:nvGrpSpPr>
+        <p:cNvPr id="1" name="Shape 16"/>
+        <p:cNvGrpSpPr/>
+        <p:nvPr/>
+      </p:nvGrpSpPr>
+      <p:grpSpPr>
+        <a:xfrm>
+          <a:off x="0" y="0"/>
+          <a:ext cx="0" cy="0"/>
+          <a:chOff x="0" y="0"/>
+          <a:chExt cx="0" cy="0"/>
+        </a:xfrm>
+      </p:grpSpPr>
+      <p:sp>
+        <p:nvSpPr>
+          <p:cNvPr id="17" name="Google Shape;17;p4"/>
+          <p:cNvSpPr/>
+          <p:nvPr/>
+        </p:nvSpPr>
+        <p:spPr>
+          <a:xfrm>
+            <a:off x="4229046" y="1045786"/>
+            <a:ext cx="685800" cy="653700"/>
+          </a:xfrm>
+          <a:prstGeom prst="ellipse">
+            <a:avLst/>
+          </a:prstGeom>
+          <a:solidFill>
+            <a:schemeClr val="accent1"/>
+          </a:solidFill>
+          <a:ln>
+            <a:noFill/>
+          </a:ln>
+        </p:spPr>
+        <p:txBody>
+          <a:bodyPr spcFirstLastPara="1" wrap="square" lIns="91425" tIns="91425" rIns="91425" bIns="91425" anchor="ctr" anchorCtr="0">
+            <a:noAutofit/>
+          </a:bodyPr>
+          <a:lstStyle/>
+          <a:p>
+            <a:pPr marL="0" lvl="0" indent="0" algn="l" rtl="0">
+              <a:spcBef>
+                <a:spcPts val="0"/>
+              </a:spcBef>
+              <a:spcAft>
+                <a:spcPts val="0"/>
+              </a:spcAft>
+              <a:buNone/>
+            </a:pPr>
+            <a:endParaRPr/>
+          </a:p>
+        </p:txBody>
+      </p:sp>
+      <p:sp>
+        <p:nvSpPr>
+          <p:cNvPr id="18" name="Google Shape;18;p4"/>
+          <p:cNvSpPr txBox="1">
+            <a:spLocks noGrp="1"/>
+          </p:cNvSpPr>
+          <p:nvPr>
+            <p:ph type="body" idx="1"/>
+          </p:nvPr>
+        </p:nvSpPr>
+        <p:spPr>
+          <a:xfrm>
+            <a:off x="1555350" y="1818900"/>
+            <a:ext cx="6033300" cy="819900"/>
+          </a:xfrm>
+          <a:prstGeom prst="rect">
+            <a:avLst/>
+          </a:prstGeom>
+        </p:spPr>
+        <p:txBody>
+          <a:bodyPr spcFirstLastPara="1" wrap="square" lIns="91425" tIns="91425" rIns="91425" bIns="91425" anchor="t" anchorCtr="0">
+            <a:noAutofit/>
+          </a:bodyPr>
+          <a:lstStyle>
+            <a:lvl1pPr marL="457200" lvl="0" indent="-419100" algn="ctr" rtl="0">
+              <a:lnSpc>
+                <a:spcPct val="100000"/>
+              </a:lnSpc>
+              <a:spcBef>
+                <a:spcPts val="600"/>
+              </a:spcBef>
+              <a:spcAft>
+                <a:spcPts val="0"/>
+              </a:spcAft>
+              <a:buClr>
+                <a:schemeClr val="accent1"/>
+              </a:buClr>
+              <a:buSzPts val="3000"/>
+              <a:buChar char="○"/>
+              <a:defRPr sz="3000" i="1">
+                <a:solidFill>
+                  <a:schemeClr val="accent1"/>
+                </a:solidFill>
+              </a:defRPr>
+            </a:lvl1pPr>
+            <a:lvl2pPr marL="914400" lvl="1" indent="-419100" algn="ctr" rtl="0">
+              <a:lnSpc>
+                <a:spcPct val="100000"/>
+              </a:lnSpc>
+              <a:spcBef>
+                <a:spcPts val="0"/>
+              </a:spcBef>
+              <a:spcAft>
+                <a:spcPts val="0"/>
+              </a:spcAft>
+              <a:buClr>
+                <a:schemeClr val="accent1"/>
+              </a:buClr>
+              <a:buSzPts val="3000"/>
+              <a:buChar char="□"/>
+              <a:defRPr sz="3000" i="1">
+                <a:solidFill>
+                  <a:schemeClr val="accent1"/>
+                </a:solidFill>
+              </a:defRPr>
+            </a:lvl2pPr>
+            <a:lvl3pPr marL="1371600" lvl="2" indent="-419100" algn="ctr" rtl="0">
+              <a:lnSpc>
+                <a:spcPct val="100000"/>
+              </a:lnSpc>
+              <a:spcBef>
+                <a:spcPts val="0"/>
+              </a:spcBef>
+              <a:spcAft>
+                <a:spcPts val="0"/>
+              </a:spcAft>
+              <a:buClr>
+                <a:schemeClr val="accent1"/>
+              </a:buClr>
+              <a:buSzPts val="3000"/>
+              <a:buChar char="○"/>
+              <a:defRPr sz="3000" i="1">
+                <a:solidFill>
+                  <a:schemeClr val="accent1"/>
+                </a:solidFill>
+              </a:defRPr>
+            </a:lvl3pPr>
+            <a:lvl4pPr marL="1828800" lvl="3" indent="-419100" algn="ctr" rtl="0">
+              <a:lnSpc>
+                <a:spcPct val="100000"/>
+              </a:lnSpc>
+              <a:spcBef>
+                <a:spcPts val="0"/>
+              </a:spcBef>
+              <a:spcAft>
+                <a:spcPts val="0"/>
+              </a:spcAft>
+              <a:buClr>
+                <a:schemeClr val="accent1"/>
+              </a:buClr>
+              <a:buSzPts val="3000"/>
+              <a:buChar char="□"/>
+              <a:defRPr sz="3000" i="1">
+                <a:solidFill>
+                  <a:schemeClr val="accent1"/>
+                </a:solidFill>
+              </a:defRPr>
+            </a:lvl4pPr>
+            <a:lvl5pPr marL="2286000" lvl="4" indent="-419100" algn="ctr" rtl="0">
+              <a:lnSpc>
+                <a:spcPct val="100000"/>
+              </a:lnSpc>
+              <a:spcBef>
+                <a:spcPts val="0"/>
+              </a:spcBef>
+              <a:spcAft>
+                <a:spcPts val="0"/>
+              </a:spcAft>
+              <a:buClr>
+                <a:schemeClr val="accent1"/>
+              </a:buClr>
+              <a:buSzPts val="3000"/>
+              <a:buChar char="○"/>
+              <a:defRPr sz="3000" i="1">
+                <a:solidFill>
+                  <a:schemeClr val="accent1"/>
+                </a:solidFill>
+              </a:defRPr>
+            </a:lvl5pPr>
+            <a:lvl6pPr marL="2743200" lvl="5" indent="-419100" algn="ctr" rtl="0">
+              <a:lnSpc>
+                <a:spcPct val="100000"/>
+              </a:lnSpc>
+              <a:spcBef>
+                <a:spcPts val="0"/>
+              </a:spcBef>
+              <a:spcAft>
+                <a:spcPts val="0"/>
+              </a:spcAft>
+              <a:buClr>
+                <a:schemeClr val="accent1"/>
+              </a:buClr>
+              <a:buSzPts val="3000"/>
+              <a:buChar char="■"/>
+              <a:defRPr sz="3000" i="1">
+                <a:solidFill>
+                  <a:schemeClr val="accent1"/>
+                </a:solidFill>
+              </a:defRPr>
+            </a:lvl6pPr>
+            <a:lvl7pPr marL="3200400" lvl="6" indent="-419100" algn="ctr" rtl="0">
+              <a:lnSpc>
+                <a:spcPct val="100000"/>
+              </a:lnSpc>
+              <a:spcBef>
+                <a:spcPts val="0"/>
+              </a:spcBef>
+              <a:spcAft>
+                <a:spcPts val="0"/>
+              </a:spcAft>
+              <a:buClr>
+                <a:schemeClr val="accent1"/>
+              </a:buClr>
+              <a:buSzPts val="3000"/>
+              <a:buChar char="●"/>
+              <a:defRPr sz="3000" i="1">
+                <a:solidFill>
+                  <a:schemeClr val="accent1"/>
+                </a:solidFill>
+              </a:defRPr>
+            </a:lvl7pPr>
+            <a:lvl8pPr marL="3657600" lvl="7" indent="-419100" algn="ctr" rtl="0">
+              <a:lnSpc>
+                <a:spcPct val="100000"/>
+              </a:lnSpc>
+              <a:spcBef>
+                <a:spcPts val="0"/>
+              </a:spcBef>
+              <a:spcAft>
+                <a:spcPts val="0"/>
+              </a:spcAft>
+              <a:buClr>
+                <a:schemeClr val="accent1"/>
+              </a:buClr>
+              <a:buSzPts val="3000"/>
+              <a:buChar char="○"/>
+              <a:defRPr sz="3000" i="1">
+                <a:solidFill>
+                  <a:schemeClr val="accent1"/>
+                </a:solidFill>
+              </a:defRPr>
+            </a:lvl8pPr>
+            <a:lvl9pPr marL="4114800" lvl="8" indent="-419100" algn="ctr">
+              <a:lnSpc>
+                <a:spcPct val="100000"/>
+              </a:lnSpc>
+              <a:spcBef>
+                <a:spcPts val="0"/>
+              </a:spcBef>
+              <a:spcAft>
+                <a:spcPts val="0"/>
+              </a:spcAft>
+              <a:buClr>
+                <a:schemeClr val="accent1"/>
+              </a:buClr>
+              <a:buSzPts val="3000"/>
+              <a:buChar char="■"/>
+              <a:defRPr sz="3000" i="1">
+                <a:solidFill>
+                  <a:schemeClr val="accent1"/>
+                </a:solidFill>
+              </a:defRPr>
+            </a:lvl9pPr>
+          </a:lstStyle>
+          <a:p>
+            <a:endParaRPr/>
+          </a:p>
+        </p:txBody>
+      </p:sp>
+      <p:sp>
+        <p:nvSpPr>
+          <p:cNvPr id="19" name="Google Shape;19;p4"/>
+          <p:cNvSpPr txBox="1"/>
+          <p:nvPr/>
+        </p:nvSpPr>
+        <p:spPr>
+          <a:xfrm>
+            <a:off x="3801800" y="854771"/>
+            <a:ext cx="1540500" cy="653700"/>
+          </a:xfrm>
+          <a:prstGeom prst="rect">
+            <a:avLst/>
+          </a:prstGeom>
+          <a:noFill/>
+          <a:ln>
+            <a:noFill/>
+          </a:ln>
+        </p:spPr>
+        <p:txBody>
+          <a:bodyPr spcFirstLastPara="1" wrap="square" lIns="91425" tIns="91425" rIns="91425" bIns="91425" anchor="t" anchorCtr="0">
+            <a:noAutofit/>
+          </a:bodyPr>
+          <a:lstStyle/>
+          <a:p>
+            <a:pPr marL="0" lvl="0" indent="0" algn="ctr" rtl="0">
+              <a:spcBef>
+                <a:spcPts val="0"/>
+              </a:spcBef>
+              <a:spcAft>
+                <a:spcPts val="0"/>
+              </a:spcAft>
+              <a:buNone/>
+            </a:pPr>
+            <a:r>
+              <a:rPr lang="en" sz="9600">
+                <a:solidFill>
+                  <a:schemeClr val="lt2"/>
+                </a:solidFill>
+                <a:latin typeface="Montserrat"/>
+                <a:ea typeface="Montserrat"/>
+                <a:cs typeface="Montserrat"/>
+                <a:sym typeface="Montserrat"/>
+              </a:rPr>
+              <a:t>“</a:t>
+            </a:r>
+            <a:endParaRPr sz="9600">
+              <a:solidFill>
+                <a:schemeClr val="lt2"/>
+              </a:solidFill>
+              <a:latin typeface="Montserrat"/>
+              <a:ea typeface="Montserrat"/>
+              <a:cs typeface="Montserrat"/>
+              <a:sym typeface="Montserrat"/>
+            </a:endParaRPr>
+          </a:p>
+        </p:txBody>
+      </p:sp>
+      <p:sp>
+        <p:nvSpPr>
+          <p:cNvPr id="20" name="Google Shape;20;p4"/>
+          <p:cNvSpPr txBox="1">
+            <a:spLocks noGrp="1"/>
+          </p:cNvSpPr>
+          <p:nvPr>
+            <p:ph type="sldNum" idx="12"/>
+          </p:nvPr>
+        </p:nvSpPr>
+        <p:spPr>
+          <a:xfrm>
+            <a:off x="4297650" y="4749851"/>
+            <a:ext cx="548700" cy="393600"/>
+          </a:xfrm>
+          <a:prstGeom prst="rect">
+            <a:avLst/>
+          </a:prstGeom>
+        </p:spPr>
+        <p:txBody>
+          <a:bodyPr spcFirstLastPara="1" wrap="square" lIns="91425" tIns="91425" rIns="91425" bIns="91425" anchor="t" anchorCtr="0">
+            <a:noAutofit/>
+          </a:bodyPr>
+          <a:lstStyle>
+            <a:lvl1pPr lvl="0">
+              <a:buNone/>
+              <a:defRPr>
+                <a:solidFill>
+                  <a:srgbClr val="8F7B87"/>
+                </a:solidFill>
+              </a:defRPr>
+            </a:lvl1pPr>
+            <a:lvl2pPr lvl="1">
+              <a:buNone/>
+              <a:defRPr>
+                <a:solidFill>
+                  <a:srgbClr val="8F7B87"/>
+                </a:solidFill>
+              </a:defRPr>
+            </a:lvl2pPr>
+            <a:lvl3pPr lvl="2">
+              <a:buNone/>
+              <a:defRPr>
+                <a:solidFill>
+                  <a:srgbClr val="8F7B87"/>
+                </a:solidFill>
+              </a:defRPr>
+            </a:lvl3pPr>
+            <a:lvl4pPr lvl="3">
+              <a:buNone/>
+              <a:defRPr>
+                <a:solidFill>
+                  <a:srgbClr val="8F7B87"/>
+                </a:solidFill>
+              </a:defRPr>
+            </a:lvl4pPr>
+            <a:lvl5pPr lvl="4">
+              <a:buNone/>
+              <a:defRPr>
+                <a:solidFill>
+                  <a:srgbClr val="8F7B87"/>
+                </a:solidFill>
+              </a:defRPr>
+            </a:lvl5pPr>
+            <a:lvl6pPr lvl="5">
+              <a:buNone/>
+              <a:defRPr>
+                <a:solidFill>
+                  <a:srgbClr val="8F7B87"/>
+                </a:solidFill>
+              </a:defRPr>
+            </a:lvl6pPr>
+            <a:lvl7pPr lvl="6">
+              <a:buNone/>
+              <a:defRPr>
+                <a:solidFill>
+                  <a:srgbClr val="8F7B87"/>
+                </a:solidFill>
+              </a:defRPr>
+            </a:lvl7pPr>
+            <a:lvl8pPr lvl="7">
+              <a:buNone/>
+              <a:defRPr>
+                <a:solidFill>
+                  <a:srgbClr val="8F7B87"/>
+                </a:solidFill>
+              </a:defRPr>
+            </a:lvl8pPr>
+            <a:lvl9pPr lvl="8">
+              <a:buNone/>
+              <a:defRPr>
+                <a:solidFill>
+                  <a:srgbClr val="8F7B87"/>
+                </a:solidFill>
+              </a:defRPr>
+            </a:lvl9pPr>
+          </a:lstStyle>
+          <a:p>
+            <a:pPr marL="0" lvl="0" indent="0" algn="ctr" rtl="0">
+              <a:spcBef>
+                <a:spcPts val="0"/>
+              </a:spcBef>
+              <a:spcAft>
+                <a:spcPts val="0"/>
+              </a:spcAft>
+              <a:buNone/>
+            </a:pPr>
+            <a:fld id="{00000000-1234-1234-1234-123412341234}" type="slidenum">
+              <a:rPr lang="en"/>
+              <a:t>‹Nº›</a:t>
+            </a:fld>
+            <a:endParaRPr/>
+          </a:p>
+        </p:txBody>
+      </p:sp>
+    </p:spTree>
+    <p:extLst>
+      <p:ext uri="{BB962C8B-B14F-4D97-AF65-F5344CB8AC3E}">
+        <p14:creationId xmlns:p14="http://schemas.microsoft.com/office/powerpoint/2010/main" val="3265195077"/>
+      </p:ext>
+    </p:extLst>
+  </p:cSld>
+  <p:clrMapOvr>
+    <a:masterClrMapping/>
+  </p:clrMapOvr>
+</p:sldLayout>
+</file>
+
+<file path=ppt/slideLayouts/slideLayout7.xml><?xml version="1.0" encoding="utf-8"?>
 <p:sldLayout xmlns:a="http://schemas.openxmlformats.org/drawingml/2006/main" xmlns:r="http://schemas.openxmlformats.org/officeDocument/2006/relationships" xmlns:p="http://schemas.openxmlformats.org/presentationml/2006/main" matchingName="Title + 1 column" type="tx">
   <p:cSld name="Title + 1 column">
     <p:spTree>
@@ -7132,27 +4310,27 @@
             </a:lvl9pPr>
           </a:lstStyle>
           <a:p>
+            <a:pPr marL="0" lvl="0" indent="0" algn="ctr" rtl="0">
+              <a:spcBef>
+                <a:spcPts val="0"/>
+              </a:spcBef>
+              <a:spcAft>
+                <a:spcPts val="0"/>
+              </a:spcAft>
+              <a:buNone/>
+            </a:pPr>
             <a:fld id="{00000000-1234-1234-1234-123412341234}" type="slidenum">
-              <a:rPr lang="en">
-                <a:solidFill>
-                  <a:srgbClr val="8F7B87"/>
-                </a:solidFill>
-              </a:rPr>
-              <a:pPr/>
+              <a:rPr lang="en"/>
               <a:t>‹Nº›</a:t>
             </a:fld>
-            <a:endParaRPr>
-              <a:solidFill>
-                <a:srgbClr val="8F7B87"/>
-              </a:solidFill>
-            </a:endParaRPr>
+            <a:endParaRPr/>
           </a:p>
         </p:txBody>
       </p:sp>
     </p:spTree>
     <p:extLst>
       <p:ext uri="{BB962C8B-B14F-4D97-AF65-F5344CB8AC3E}">
-        <p14:creationId xmlns:p14="http://schemas.microsoft.com/office/powerpoint/2010/main" val="916612945"/>
+        <p14:creationId xmlns:p14="http://schemas.microsoft.com/office/powerpoint/2010/main" val="2823085983"/>
       </p:ext>
     </p:extLst>
   </p:cSld>
@@ -7162,7 +4340,7 @@
 </p:sldLayout>
 </file>
 
-<file path=ppt/slideLayouts/slideLayout7.xml><?xml version="1.0" encoding="utf-8"?>
+<file path=ppt/slideLayouts/slideLayout8.xml><?xml version="1.0" encoding="utf-8"?>
 <p:sldLayout xmlns:a="http://schemas.openxmlformats.org/drawingml/2006/main" xmlns:r="http://schemas.openxmlformats.org/officeDocument/2006/relationships" xmlns:p="http://schemas.openxmlformats.org/presentationml/2006/main" matchingName="Title + 2 columns" type="twoColTx">
   <p:cSld name="Title + 2 columns">
     <p:spTree>
@@ -7680,27 +4858,27 @@
             </a:lvl9pPr>
           </a:lstStyle>
           <a:p>
+            <a:pPr marL="0" lvl="0" indent="0" algn="ctr" rtl="0">
+              <a:spcBef>
+                <a:spcPts val="0"/>
+              </a:spcBef>
+              <a:spcAft>
+                <a:spcPts val="0"/>
+              </a:spcAft>
+              <a:buNone/>
+            </a:pPr>
             <a:fld id="{00000000-1234-1234-1234-123412341234}" type="slidenum">
-              <a:rPr lang="en">
-                <a:solidFill>
-                  <a:srgbClr val="8F7B87"/>
-                </a:solidFill>
-              </a:rPr>
-              <a:pPr/>
+              <a:rPr lang="en"/>
               <a:t>‹Nº›</a:t>
             </a:fld>
-            <a:endParaRPr>
-              <a:solidFill>
-                <a:srgbClr val="8F7B87"/>
-              </a:solidFill>
-            </a:endParaRPr>
+            <a:endParaRPr/>
           </a:p>
         </p:txBody>
       </p:sp>
     </p:spTree>
     <p:extLst>
       <p:ext uri="{BB962C8B-B14F-4D97-AF65-F5344CB8AC3E}">
-        <p14:creationId xmlns:p14="http://schemas.microsoft.com/office/powerpoint/2010/main" val="2202145844"/>
+        <p14:creationId xmlns:p14="http://schemas.microsoft.com/office/powerpoint/2010/main" val="3523835011"/>
       </p:ext>
     </p:extLst>
   </p:cSld>
@@ -7710,12 +4888,12 @@
 </p:sldLayout>
 </file>
 
-<file path=ppt/slideLayouts/slideLayout8.xml><?xml version="1.0" encoding="utf-8"?>
-<p:sldLayout xmlns:a="http://schemas.openxmlformats.org/drawingml/2006/main" xmlns:r="http://schemas.openxmlformats.org/officeDocument/2006/relationships" xmlns:p="http://schemas.openxmlformats.org/presentationml/2006/main" matchingName="Title only" type="titleOnly">
-  <p:cSld name="Title only">
+<file path=ppt/slideLayouts/slideLayout9.xml><?xml version="1.0" encoding="utf-8"?>
+<p:sldLayout xmlns:a="http://schemas.openxmlformats.org/drawingml/2006/main" xmlns:r="http://schemas.openxmlformats.org/officeDocument/2006/relationships" xmlns:p="http://schemas.openxmlformats.org/presentationml/2006/main" matchingName="Title + 3 columns">
+  <p:cSld name="Title + 3 columns">
     <p:spTree>
       <p:nvGrpSpPr>
-        <p:cNvPr id="1" name="Shape 42"/>
+        <p:cNvPr id="1" name="Shape 34"/>
         <p:cNvGrpSpPr/>
         <p:nvPr/>
       </p:nvGrpSpPr>
@@ -7729,7 +4907,394 @@
       </p:grpSpPr>
       <p:sp>
         <p:nvSpPr>
-          <p:cNvPr id="43" name="Google Shape;43;p8"/>
+          <p:cNvPr id="35" name="Google Shape;35;p7"/>
+          <p:cNvSpPr txBox="1">
+            <a:spLocks noGrp="1"/>
+          </p:cNvSpPr>
+          <p:nvPr>
+            <p:ph type="body" idx="1"/>
+          </p:nvPr>
+        </p:nvSpPr>
+        <p:spPr>
+          <a:xfrm>
+            <a:off x="626350" y="1281750"/>
+            <a:ext cx="2547900" cy="3193200"/>
+          </a:xfrm>
+          <a:prstGeom prst="rect">
+            <a:avLst/>
+          </a:prstGeom>
+        </p:spPr>
+        <p:txBody>
+          <a:bodyPr spcFirstLastPara="1" wrap="square" lIns="91425" tIns="91425" rIns="91425" bIns="91425" anchor="t" anchorCtr="0">
+            <a:noAutofit/>
+          </a:bodyPr>
+          <a:lstStyle>
+            <a:lvl1pPr marL="457200" lvl="0" indent="-342900" rtl="0">
+              <a:spcBef>
+                <a:spcPts val="600"/>
+              </a:spcBef>
+              <a:spcAft>
+                <a:spcPts val="0"/>
+              </a:spcAft>
+              <a:buSzPts val="1800"/>
+              <a:buChar char="○"/>
+              <a:defRPr sz="1800"/>
+            </a:lvl1pPr>
+            <a:lvl2pPr marL="914400" lvl="1" indent="-342900" rtl="0">
+              <a:spcBef>
+                <a:spcPts val="0"/>
+              </a:spcBef>
+              <a:spcAft>
+                <a:spcPts val="0"/>
+              </a:spcAft>
+              <a:buSzPts val="1800"/>
+              <a:buChar char="□"/>
+              <a:defRPr sz="1800"/>
+            </a:lvl2pPr>
+            <a:lvl3pPr marL="1371600" lvl="2" indent="-342900" rtl="0">
+              <a:spcBef>
+                <a:spcPts val="0"/>
+              </a:spcBef>
+              <a:spcAft>
+                <a:spcPts val="0"/>
+              </a:spcAft>
+              <a:buSzPts val="1800"/>
+              <a:buChar char="○"/>
+              <a:defRPr sz="1800"/>
+            </a:lvl3pPr>
+            <a:lvl4pPr marL="1828800" lvl="3" indent="-342900" rtl="0">
+              <a:spcBef>
+                <a:spcPts val="0"/>
+              </a:spcBef>
+              <a:spcAft>
+                <a:spcPts val="0"/>
+              </a:spcAft>
+              <a:buSzPts val="1800"/>
+              <a:buChar char="□"/>
+              <a:defRPr sz="1800"/>
+            </a:lvl4pPr>
+            <a:lvl5pPr marL="2286000" lvl="4" indent="-342900" rtl="0">
+              <a:spcBef>
+                <a:spcPts val="0"/>
+              </a:spcBef>
+              <a:spcAft>
+                <a:spcPts val="0"/>
+              </a:spcAft>
+              <a:buSzPts val="1800"/>
+              <a:buChar char="○"/>
+              <a:defRPr sz="1800"/>
+            </a:lvl5pPr>
+            <a:lvl6pPr marL="2743200" lvl="5" indent="-342900" rtl="0">
+              <a:spcBef>
+                <a:spcPts val="0"/>
+              </a:spcBef>
+              <a:spcAft>
+                <a:spcPts val="0"/>
+              </a:spcAft>
+              <a:buSzPts val="1800"/>
+              <a:buChar char="■"/>
+              <a:defRPr sz="1800"/>
+            </a:lvl6pPr>
+            <a:lvl7pPr marL="3200400" lvl="6" indent="-342900" rtl="0">
+              <a:spcBef>
+                <a:spcPts val="0"/>
+              </a:spcBef>
+              <a:spcAft>
+                <a:spcPts val="0"/>
+              </a:spcAft>
+              <a:buSzPts val="1800"/>
+              <a:buChar char="●"/>
+              <a:defRPr sz="1800"/>
+            </a:lvl7pPr>
+            <a:lvl8pPr marL="3657600" lvl="7" indent="-342900" rtl="0">
+              <a:spcBef>
+                <a:spcPts val="0"/>
+              </a:spcBef>
+              <a:spcAft>
+                <a:spcPts val="0"/>
+              </a:spcAft>
+              <a:buSzPts val="1800"/>
+              <a:buChar char="○"/>
+              <a:defRPr sz="1800"/>
+            </a:lvl8pPr>
+            <a:lvl9pPr marL="4114800" lvl="8" indent="-342900" rtl="0">
+              <a:spcBef>
+                <a:spcPts val="0"/>
+              </a:spcBef>
+              <a:spcAft>
+                <a:spcPts val="0"/>
+              </a:spcAft>
+              <a:buSzPts val="1800"/>
+              <a:buChar char="■"/>
+              <a:defRPr sz="1800"/>
+            </a:lvl9pPr>
+          </a:lstStyle>
+          <a:p>
+            <a:endParaRPr/>
+          </a:p>
+        </p:txBody>
+      </p:sp>
+      <p:sp>
+        <p:nvSpPr>
+          <p:cNvPr id="36" name="Google Shape;36;p7"/>
+          <p:cNvSpPr txBox="1">
+            <a:spLocks noGrp="1"/>
+          </p:cNvSpPr>
+          <p:nvPr>
+            <p:ph type="body" idx="2"/>
+          </p:nvPr>
+        </p:nvSpPr>
+        <p:spPr>
+          <a:xfrm>
+            <a:off x="3304738" y="1281750"/>
+            <a:ext cx="2547900" cy="3193200"/>
+          </a:xfrm>
+          <a:prstGeom prst="rect">
+            <a:avLst/>
+          </a:prstGeom>
+        </p:spPr>
+        <p:txBody>
+          <a:bodyPr spcFirstLastPara="1" wrap="square" lIns="91425" tIns="91425" rIns="91425" bIns="91425" anchor="t" anchorCtr="0">
+            <a:noAutofit/>
+          </a:bodyPr>
+          <a:lstStyle>
+            <a:lvl1pPr marL="457200" lvl="0" indent="-342900" rtl="0">
+              <a:spcBef>
+                <a:spcPts val="600"/>
+              </a:spcBef>
+              <a:spcAft>
+                <a:spcPts val="0"/>
+              </a:spcAft>
+              <a:buSzPts val="1800"/>
+              <a:buChar char="○"/>
+              <a:defRPr sz="1800"/>
+            </a:lvl1pPr>
+            <a:lvl2pPr marL="914400" lvl="1" indent="-342900" rtl="0">
+              <a:spcBef>
+                <a:spcPts val="0"/>
+              </a:spcBef>
+              <a:spcAft>
+                <a:spcPts val="0"/>
+              </a:spcAft>
+              <a:buSzPts val="1800"/>
+              <a:buChar char="□"/>
+              <a:defRPr sz="1800"/>
+            </a:lvl2pPr>
+            <a:lvl3pPr marL="1371600" lvl="2" indent="-342900" rtl="0">
+              <a:spcBef>
+                <a:spcPts val="0"/>
+              </a:spcBef>
+              <a:spcAft>
+                <a:spcPts val="0"/>
+              </a:spcAft>
+              <a:buSzPts val="1800"/>
+              <a:buChar char="○"/>
+              <a:defRPr sz="1800"/>
+            </a:lvl3pPr>
+            <a:lvl4pPr marL="1828800" lvl="3" indent="-342900" rtl="0">
+              <a:spcBef>
+                <a:spcPts val="0"/>
+              </a:spcBef>
+              <a:spcAft>
+                <a:spcPts val="0"/>
+              </a:spcAft>
+              <a:buSzPts val="1800"/>
+              <a:buChar char="□"/>
+              <a:defRPr sz="1800"/>
+            </a:lvl4pPr>
+            <a:lvl5pPr marL="2286000" lvl="4" indent="-342900" rtl="0">
+              <a:spcBef>
+                <a:spcPts val="0"/>
+              </a:spcBef>
+              <a:spcAft>
+                <a:spcPts val="0"/>
+              </a:spcAft>
+              <a:buSzPts val="1800"/>
+              <a:buChar char="○"/>
+              <a:defRPr sz="1800"/>
+            </a:lvl5pPr>
+            <a:lvl6pPr marL="2743200" lvl="5" indent="-342900" rtl="0">
+              <a:spcBef>
+                <a:spcPts val="0"/>
+              </a:spcBef>
+              <a:spcAft>
+                <a:spcPts val="0"/>
+              </a:spcAft>
+              <a:buSzPts val="1800"/>
+              <a:buChar char="■"/>
+              <a:defRPr sz="1800"/>
+            </a:lvl6pPr>
+            <a:lvl7pPr marL="3200400" lvl="6" indent="-342900" rtl="0">
+              <a:spcBef>
+                <a:spcPts val="0"/>
+              </a:spcBef>
+              <a:spcAft>
+                <a:spcPts val="0"/>
+              </a:spcAft>
+              <a:buSzPts val="1800"/>
+              <a:buChar char="●"/>
+              <a:defRPr sz="1800"/>
+            </a:lvl7pPr>
+            <a:lvl8pPr marL="3657600" lvl="7" indent="-342900" rtl="0">
+              <a:spcBef>
+                <a:spcPts val="0"/>
+              </a:spcBef>
+              <a:spcAft>
+                <a:spcPts val="0"/>
+              </a:spcAft>
+              <a:buSzPts val="1800"/>
+              <a:buChar char="○"/>
+              <a:defRPr sz="1800"/>
+            </a:lvl8pPr>
+            <a:lvl9pPr marL="4114800" lvl="8" indent="-342900" rtl="0">
+              <a:spcBef>
+                <a:spcPts val="0"/>
+              </a:spcBef>
+              <a:spcAft>
+                <a:spcPts val="0"/>
+              </a:spcAft>
+              <a:buSzPts val="1800"/>
+              <a:buChar char="■"/>
+              <a:defRPr sz="1800"/>
+            </a:lvl9pPr>
+          </a:lstStyle>
+          <a:p>
+            <a:endParaRPr/>
+          </a:p>
+        </p:txBody>
+      </p:sp>
+      <p:sp>
+        <p:nvSpPr>
+          <p:cNvPr id="37" name="Google Shape;37;p7"/>
+          <p:cNvSpPr txBox="1">
+            <a:spLocks noGrp="1"/>
+          </p:cNvSpPr>
+          <p:nvPr>
+            <p:ph type="body" idx="3"/>
+          </p:nvPr>
+        </p:nvSpPr>
+        <p:spPr>
+          <a:xfrm>
+            <a:off x="5983125" y="1281750"/>
+            <a:ext cx="2547900" cy="3193200"/>
+          </a:xfrm>
+          <a:prstGeom prst="rect">
+            <a:avLst/>
+          </a:prstGeom>
+        </p:spPr>
+        <p:txBody>
+          <a:bodyPr spcFirstLastPara="1" wrap="square" lIns="91425" tIns="91425" rIns="91425" bIns="91425" anchor="t" anchorCtr="0">
+            <a:noAutofit/>
+          </a:bodyPr>
+          <a:lstStyle>
+            <a:lvl1pPr marL="457200" lvl="0" indent="-342900" rtl="0">
+              <a:spcBef>
+                <a:spcPts val="600"/>
+              </a:spcBef>
+              <a:spcAft>
+                <a:spcPts val="0"/>
+              </a:spcAft>
+              <a:buSzPts val="1800"/>
+              <a:buChar char="○"/>
+              <a:defRPr sz="1800"/>
+            </a:lvl1pPr>
+            <a:lvl2pPr marL="914400" lvl="1" indent="-342900" rtl="0">
+              <a:spcBef>
+                <a:spcPts val="0"/>
+              </a:spcBef>
+              <a:spcAft>
+                <a:spcPts val="0"/>
+              </a:spcAft>
+              <a:buSzPts val="1800"/>
+              <a:buChar char="□"/>
+              <a:defRPr sz="1800"/>
+            </a:lvl2pPr>
+            <a:lvl3pPr marL="1371600" lvl="2" indent="-342900" rtl="0">
+              <a:spcBef>
+                <a:spcPts val="0"/>
+              </a:spcBef>
+              <a:spcAft>
+                <a:spcPts val="0"/>
+              </a:spcAft>
+              <a:buSzPts val="1800"/>
+              <a:buChar char="○"/>
+              <a:defRPr sz="1800"/>
+            </a:lvl3pPr>
+            <a:lvl4pPr marL="1828800" lvl="3" indent="-342900" rtl="0">
+              <a:spcBef>
+                <a:spcPts val="0"/>
+              </a:spcBef>
+              <a:spcAft>
+                <a:spcPts val="0"/>
+              </a:spcAft>
+              <a:buSzPts val="1800"/>
+              <a:buChar char="□"/>
+              <a:defRPr sz="1800"/>
+            </a:lvl4pPr>
+            <a:lvl5pPr marL="2286000" lvl="4" indent="-342900" rtl="0">
+              <a:spcBef>
+                <a:spcPts val="0"/>
+              </a:spcBef>
+              <a:spcAft>
+                <a:spcPts val="0"/>
+              </a:spcAft>
+              <a:buSzPts val="1800"/>
+              <a:buChar char="○"/>
+              <a:defRPr sz="1800"/>
+            </a:lvl5pPr>
+            <a:lvl6pPr marL="2743200" lvl="5" indent="-342900" rtl="0">
+              <a:spcBef>
+                <a:spcPts val="0"/>
+              </a:spcBef>
+              <a:spcAft>
+                <a:spcPts val="0"/>
+              </a:spcAft>
+              <a:buSzPts val="1800"/>
+              <a:buChar char="■"/>
+              <a:defRPr sz="1800"/>
+            </a:lvl6pPr>
+            <a:lvl7pPr marL="3200400" lvl="6" indent="-342900" rtl="0">
+              <a:spcBef>
+                <a:spcPts val="0"/>
+              </a:spcBef>
+              <a:spcAft>
+                <a:spcPts val="0"/>
+              </a:spcAft>
+              <a:buSzPts val="1800"/>
+              <a:buChar char="●"/>
+              <a:defRPr sz="1800"/>
+            </a:lvl7pPr>
+            <a:lvl8pPr marL="3657600" lvl="7" indent="-342900" rtl="0">
+              <a:spcBef>
+                <a:spcPts val="0"/>
+              </a:spcBef>
+              <a:spcAft>
+                <a:spcPts val="0"/>
+              </a:spcAft>
+              <a:buSzPts val="1800"/>
+              <a:buChar char="○"/>
+              <a:defRPr sz="1800"/>
+            </a:lvl8pPr>
+            <a:lvl9pPr marL="4114800" lvl="8" indent="-342900" rtl="0">
+              <a:spcBef>
+                <a:spcPts val="0"/>
+              </a:spcBef>
+              <a:spcAft>
+                <a:spcPts val="0"/>
+              </a:spcAft>
+              <a:buSzPts val="1800"/>
+              <a:buChar char="■"/>
+              <a:defRPr sz="1800"/>
+            </a:lvl9pPr>
+          </a:lstStyle>
+          <a:p>
+            <a:endParaRPr/>
+          </a:p>
+        </p:txBody>
+      </p:sp>
+      <p:sp>
+        <p:nvSpPr>
+          <p:cNvPr id="38" name="Google Shape;38;p7"/>
           <p:cNvSpPr txBox="1">
             <a:spLocks noGrp="1"/>
           </p:cNvSpPr>
@@ -7858,7 +5423,7 @@
       </p:sp>
       <p:cxnSp>
         <p:nvCxnSpPr>
-          <p:cNvPr id="44" name="Google Shape;44;p8"/>
+          <p:cNvPr id="39" name="Google Shape;39;p7"/>
           <p:cNvCxnSpPr/>
           <p:nvPr/>
         </p:nvCxnSpPr>
@@ -7884,7 +5449,7 @@
       </p:cxnSp>
       <p:cxnSp>
         <p:nvCxnSpPr>
-          <p:cNvPr id="45" name="Google Shape;45;p8"/>
+          <p:cNvPr id="40" name="Google Shape;40;p7"/>
           <p:cNvCxnSpPr/>
           <p:nvPr/>
         </p:nvCxnSpPr>
@@ -7910,7 +5475,7 @@
       </p:cxnSp>
       <p:sp>
         <p:nvSpPr>
-          <p:cNvPr id="46" name="Google Shape;46;p8"/>
+          <p:cNvPr id="41" name="Google Shape;41;p7"/>
           <p:cNvSpPr txBox="1">
             <a:spLocks noGrp="1"/>
           </p:cNvSpPr>
@@ -7970,229 +5535,27 @@
             </a:lvl9pPr>
           </a:lstStyle>
           <a:p>
+            <a:pPr marL="0" lvl="0" indent="0" algn="ctr" rtl="0">
+              <a:spcBef>
+                <a:spcPts val="0"/>
+              </a:spcBef>
+              <a:spcAft>
+                <a:spcPts val="0"/>
+              </a:spcAft>
+              <a:buNone/>
+            </a:pPr>
             <a:fld id="{00000000-1234-1234-1234-123412341234}" type="slidenum">
-              <a:rPr lang="en">
-                <a:solidFill>
-                  <a:srgbClr val="8F7B87"/>
-                </a:solidFill>
-              </a:rPr>
-              <a:pPr/>
+              <a:rPr lang="en"/>
               <a:t>‹Nº›</a:t>
             </a:fld>
-            <a:endParaRPr>
-              <a:solidFill>
-                <a:srgbClr val="8F7B87"/>
-              </a:solidFill>
-            </a:endParaRPr>
+            <a:endParaRPr/>
           </a:p>
         </p:txBody>
       </p:sp>
     </p:spTree>
     <p:extLst>
       <p:ext uri="{BB962C8B-B14F-4D97-AF65-F5344CB8AC3E}">
-        <p14:creationId xmlns:p14="http://schemas.microsoft.com/office/powerpoint/2010/main" val="2935391576"/>
-      </p:ext>
-    </p:extLst>
-  </p:cSld>
-  <p:clrMapOvr>
-    <a:masterClrMapping/>
-  </p:clrMapOvr>
-</p:sldLayout>
-</file>
-
-<file path=ppt/slideLayouts/slideLayout9.xml><?xml version="1.0" encoding="utf-8"?>
-<p:sldLayout xmlns:a="http://schemas.openxmlformats.org/drawingml/2006/main" xmlns:r="http://schemas.openxmlformats.org/officeDocument/2006/relationships" xmlns:p="http://schemas.openxmlformats.org/presentationml/2006/main" matchingName="Caption">
-  <p:cSld name="Caption">
-    <p:spTree>
-      <p:nvGrpSpPr>
-        <p:cNvPr id="1" name="Shape 47"/>
-        <p:cNvGrpSpPr/>
-        <p:nvPr/>
-      </p:nvGrpSpPr>
-      <p:grpSpPr>
-        <a:xfrm>
-          <a:off x="0" y="0"/>
-          <a:ext cx="0" cy="0"/>
-          <a:chOff x="0" y="0"/>
-          <a:chExt cx="0" cy="0"/>
-        </a:xfrm>
-      </p:grpSpPr>
-      <p:sp>
-        <p:nvSpPr>
-          <p:cNvPr id="48" name="Google Shape;48;p9"/>
-          <p:cNvSpPr txBox="1">
-            <a:spLocks noGrp="1"/>
-          </p:cNvSpPr>
-          <p:nvPr>
-            <p:ph type="body" idx="1"/>
-          </p:nvPr>
-        </p:nvSpPr>
-        <p:spPr>
-          <a:xfrm>
-            <a:off x="2600500" y="4396706"/>
-            <a:ext cx="3957600" cy="519600"/>
-          </a:xfrm>
-          <a:prstGeom prst="rect">
-            <a:avLst/>
-          </a:prstGeom>
-        </p:spPr>
-        <p:txBody>
-          <a:bodyPr spcFirstLastPara="1" wrap="square" lIns="91425" tIns="91425" rIns="91425" bIns="91425" anchor="ctr" anchorCtr="0">
-            <a:noAutofit/>
-          </a:bodyPr>
-          <a:lstStyle>
-            <a:lvl1pPr marL="457200" lvl="0" indent="-228600" algn="ctr">
-              <a:spcBef>
-                <a:spcPts val="360"/>
-              </a:spcBef>
-              <a:spcAft>
-                <a:spcPts val="0"/>
-              </a:spcAft>
-              <a:buSzPts val="1800"/>
-              <a:buNone/>
-              <a:defRPr sz="1800" i="1"/>
-            </a:lvl1pPr>
-          </a:lstStyle>
-          <a:p>
-            <a:endParaRPr/>
-          </a:p>
-        </p:txBody>
-      </p:sp>
-      <p:cxnSp>
-        <p:nvCxnSpPr>
-          <p:cNvPr id="49" name="Google Shape;49;p9"/>
-          <p:cNvCxnSpPr/>
-          <p:nvPr/>
-        </p:nvCxnSpPr>
-        <p:spPr>
-          <a:xfrm rot="10800000">
-            <a:off x="-15900" y="4689847"/>
-            <a:ext cx="2334000" cy="0"/>
-          </a:xfrm>
-          <a:prstGeom prst="straightConnector1">
-            <a:avLst/>
-          </a:prstGeom>
-          <a:noFill/>
-          <a:ln w="9525" cap="flat" cmpd="sng">
-            <a:solidFill>
-              <a:schemeClr val="dk2"/>
-            </a:solidFill>
-            <a:prstDash val="solid"/>
-            <a:round/>
-            <a:headEnd type="oval" w="med" len="med"/>
-            <a:tailEnd type="none" w="med" len="med"/>
-          </a:ln>
-        </p:spPr>
-      </p:cxnSp>
-      <p:cxnSp>
-        <p:nvCxnSpPr>
-          <p:cNvPr id="50" name="Google Shape;50;p9"/>
-          <p:cNvCxnSpPr/>
-          <p:nvPr/>
-        </p:nvCxnSpPr>
-        <p:spPr>
-          <a:xfrm>
-            <a:off x="6825900" y="4689847"/>
-            <a:ext cx="2339400" cy="0"/>
-          </a:xfrm>
-          <a:prstGeom prst="straightConnector1">
-            <a:avLst/>
-          </a:prstGeom>
-          <a:noFill/>
-          <a:ln w="9525" cap="flat" cmpd="sng">
-            <a:solidFill>
-              <a:schemeClr val="dk2"/>
-            </a:solidFill>
-            <a:prstDash val="solid"/>
-            <a:round/>
-            <a:headEnd type="oval" w="med" len="med"/>
-            <a:tailEnd type="none" w="med" len="med"/>
-          </a:ln>
-        </p:spPr>
-      </p:cxnSp>
-      <p:sp>
-        <p:nvSpPr>
-          <p:cNvPr id="51" name="Google Shape;51;p9"/>
-          <p:cNvSpPr txBox="1">
-            <a:spLocks noGrp="1"/>
-          </p:cNvSpPr>
-          <p:nvPr>
-            <p:ph type="sldNum" idx="12"/>
-          </p:nvPr>
-        </p:nvSpPr>
-        <p:spPr>
-          <a:xfrm>
-            <a:off x="4297650" y="4749851"/>
-            <a:ext cx="548700" cy="393600"/>
-          </a:xfrm>
-          <a:prstGeom prst="rect">
-            <a:avLst/>
-          </a:prstGeom>
-        </p:spPr>
-        <p:txBody>
-          <a:bodyPr spcFirstLastPara="1" wrap="square" lIns="91425" tIns="91425" rIns="91425" bIns="91425" anchor="t" anchorCtr="0">
-            <a:noAutofit/>
-          </a:bodyPr>
-          <a:lstStyle>
-            <a:lvl1pPr lvl="0">
-              <a:buNone/>
-              <a:defRPr/>
-            </a:lvl1pPr>
-            <a:lvl2pPr lvl="1">
-              <a:buNone/>
-              <a:defRPr/>
-            </a:lvl2pPr>
-            <a:lvl3pPr lvl="2">
-              <a:buNone/>
-              <a:defRPr/>
-            </a:lvl3pPr>
-            <a:lvl4pPr lvl="3">
-              <a:buNone/>
-              <a:defRPr/>
-            </a:lvl4pPr>
-            <a:lvl5pPr lvl="4">
-              <a:buNone/>
-              <a:defRPr/>
-            </a:lvl5pPr>
-            <a:lvl6pPr lvl="5">
-              <a:buNone/>
-              <a:defRPr/>
-            </a:lvl6pPr>
-            <a:lvl7pPr lvl="6">
-              <a:buNone/>
-              <a:defRPr/>
-            </a:lvl7pPr>
-            <a:lvl8pPr lvl="7">
-              <a:buNone/>
-              <a:defRPr/>
-            </a:lvl8pPr>
-            <a:lvl9pPr lvl="8">
-              <a:buNone/>
-              <a:defRPr/>
-            </a:lvl9pPr>
-          </a:lstStyle>
-          <a:p>
-            <a:fld id="{00000000-1234-1234-1234-123412341234}" type="slidenum">
-              <a:rPr lang="en">
-                <a:solidFill>
-                  <a:srgbClr val="8F7B87"/>
-                </a:solidFill>
-              </a:rPr>
-              <a:pPr/>
-              <a:t>‹Nº›</a:t>
-            </a:fld>
-            <a:endParaRPr>
-              <a:solidFill>
-                <a:srgbClr val="8F7B87"/>
-              </a:solidFill>
-            </a:endParaRPr>
-          </a:p>
-        </p:txBody>
-      </p:sp>
-    </p:spTree>
-    <p:extLst>
-      <p:ext uri="{BB962C8B-B14F-4D97-AF65-F5344CB8AC3E}">
-        <p14:creationId xmlns:p14="http://schemas.microsoft.com/office/powerpoint/2010/main" val="2750404321"/>
+        <p14:creationId xmlns:p14="http://schemas.microsoft.com/office/powerpoint/2010/main" val="2201637872"/>
       </p:ext>
     </p:extLst>
   </p:cSld>
@@ -9601,1413 +6964,6 @@
 </file>
 
 <file path=ppt/slideMasters/slideMaster2.xml><?xml version="1.0" encoding="utf-8"?>
-<p:sldMaster xmlns:a="http://schemas.openxmlformats.org/drawingml/2006/main" xmlns:r="http://schemas.openxmlformats.org/officeDocument/2006/relationships" xmlns:p="http://schemas.openxmlformats.org/presentationml/2006/main">
-  <p:cSld>
-    <p:bg>
-      <p:bgPr>
-        <a:blipFill>
-          <a:blip r:embed="rId9">
-            <a:alphaModFix/>
-          </a:blip>
-          <a:stretch>
-            <a:fillRect/>
-          </a:stretch>
-        </a:blipFill>
-        <a:effectLst/>
-      </p:bgPr>
-    </p:bg>
-    <p:spTree>
-      <p:nvGrpSpPr>
-        <p:cNvPr id="1" name="Shape 5"/>
-        <p:cNvGrpSpPr/>
-        <p:nvPr/>
-      </p:nvGrpSpPr>
-      <p:grpSpPr>
-        <a:xfrm>
-          <a:off x="0" y="0"/>
-          <a:ext cx="0" cy="0"/>
-          <a:chOff x="0" y="0"/>
-          <a:chExt cx="0" cy="0"/>
-        </a:xfrm>
-      </p:grpSpPr>
-      <p:sp>
-        <p:nvSpPr>
-          <p:cNvPr id="6" name="Google Shape;6;p1"/>
-          <p:cNvSpPr txBox="1">
-            <a:spLocks noGrp="1"/>
-          </p:cNvSpPr>
-          <p:nvPr>
-            <p:ph type="title"/>
-          </p:nvPr>
-        </p:nvSpPr>
-        <p:spPr>
-          <a:xfrm>
-            <a:off x="2430350" y="206000"/>
-            <a:ext cx="4283400" cy="857400"/>
-          </a:xfrm>
-          <a:prstGeom prst="rect">
-            <a:avLst/>
-          </a:prstGeom>
-          <a:noFill/>
-          <a:ln>
-            <a:noFill/>
-          </a:ln>
-        </p:spPr>
-        <p:txBody>
-          <a:bodyPr spcFirstLastPara="1" wrap="square" lIns="91425" tIns="91425" rIns="91425" bIns="91425" anchor="ctr" anchorCtr="0">
-            <a:noAutofit/>
-          </a:bodyPr>
-          <a:lstStyle>
-            <a:lvl1pPr lvl="0" algn="ctr">
-              <a:spcBef>
-                <a:spcPts val="0"/>
-              </a:spcBef>
-              <a:spcAft>
-                <a:spcPts val="0"/>
-              </a:spcAft>
-              <a:buClr>
-                <a:schemeClr val="dk1"/>
-              </a:buClr>
-              <a:buSzPts val="1600"/>
-              <a:buFont typeface="Montserrat"/>
-              <a:buNone/>
-              <a:defRPr sz="1600" b="1">
-                <a:solidFill>
-                  <a:schemeClr val="dk1"/>
-                </a:solidFill>
-                <a:latin typeface="Montserrat"/>
-                <a:ea typeface="Montserrat"/>
-                <a:cs typeface="Montserrat"/>
-                <a:sym typeface="Montserrat"/>
-              </a:defRPr>
-            </a:lvl1pPr>
-            <a:lvl2pPr lvl="1" algn="ctr">
-              <a:spcBef>
-                <a:spcPts val="0"/>
-              </a:spcBef>
-              <a:spcAft>
-                <a:spcPts val="0"/>
-              </a:spcAft>
-              <a:buClr>
-                <a:schemeClr val="dk1"/>
-              </a:buClr>
-              <a:buSzPts val="1600"/>
-              <a:buFont typeface="Montserrat"/>
-              <a:buNone/>
-              <a:defRPr sz="1600" b="1">
-                <a:solidFill>
-                  <a:schemeClr val="dk1"/>
-                </a:solidFill>
-                <a:latin typeface="Montserrat"/>
-                <a:ea typeface="Montserrat"/>
-                <a:cs typeface="Montserrat"/>
-                <a:sym typeface="Montserrat"/>
-              </a:defRPr>
-            </a:lvl2pPr>
-            <a:lvl3pPr lvl="2" algn="ctr">
-              <a:spcBef>
-                <a:spcPts val="0"/>
-              </a:spcBef>
-              <a:spcAft>
-                <a:spcPts val="0"/>
-              </a:spcAft>
-              <a:buClr>
-                <a:schemeClr val="dk1"/>
-              </a:buClr>
-              <a:buSzPts val="1600"/>
-              <a:buFont typeface="Montserrat"/>
-              <a:buNone/>
-              <a:defRPr sz="1600" b="1">
-                <a:solidFill>
-                  <a:schemeClr val="dk1"/>
-                </a:solidFill>
-                <a:latin typeface="Montserrat"/>
-                <a:ea typeface="Montserrat"/>
-                <a:cs typeface="Montserrat"/>
-                <a:sym typeface="Montserrat"/>
-              </a:defRPr>
-            </a:lvl3pPr>
-            <a:lvl4pPr lvl="3" algn="ctr">
-              <a:spcBef>
-                <a:spcPts val="0"/>
-              </a:spcBef>
-              <a:spcAft>
-                <a:spcPts val="0"/>
-              </a:spcAft>
-              <a:buClr>
-                <a:schemeClr val="dk1"/>
-              </a:buClr>
-              <a:buSzPts val="1600"/>
-              <a:buFont typeface="Montserrat"/>
-              <a:buNone/>
-              <a:defRPr sz="1600" b="1">
-                <a:solidFill>
-                  <a:schemeClr val="dk1"/>
-                </a:solidFill>
-                <a:latin typeface="Montserrat"/>
-                <a:ea typeface="Montserrat"/>
-                <a:cs typeface="Montserrat"/>
-                <a:sym typeface="Montserrat"/>
-              </a:defRPr>
-            </a:lvl4pPr>
-            <a:lvl5pPr lvl="4" algn="ctr">
-              <a:spcBef>
-                <a:spcPts val="0"/>
-              </a:spcBef>
-              <a:spcAft>
-                <a:spcPts val="0"/>
-              </a:spcAft>
-              <a:buClr>
-                <a:schemeClr val="dk1"/>
-              </a:buClr>
-              <a:buSzPts val="1600"/>
-              <a:buFont typeface="Montserrat"/>
-              <a:buNone/>
-              <a:defRPr sz="1600" b="1">
-                <a:solidFill>
-                  <a:schemeClr val="dk1"/>
-                </a:solidFill>
-                <a:latin typeface="Montserrat"/>
-                <a:ea typeface="Montserrat"/>
-                <a:cs typeface="Montserrat"/>
-                <a:sym typeface="Montserrat"/>
-              </a:defRPr>
-            </a:lvl5pPr>
-            <a:lvl6pPr lvl="5" algn="ctr">
-              <a:spcBef>
-                <a:spcPts val="0"/>
-              </a:spcBef>
-              <a:spcAft>
-                <a:spcPts val="0"/>
-              </a:spcAft>
-              <a:buClr>
-                <a:schemeClr val="dk1"/>
-              </a:buClr>
-              <a:buSzPts val="1600"/>
-              <a:buFont typeface="Montserrat"/>
-              <a:buNone/>
-              <a:defRPr sz="1600" b="1">
-                <a:solidFill>
-                  <a:schemeClr val="dk1"/>
-                </a:solidFill>
-                <a:latin typeface="Montserrat"/>
-                <a:ea typeface="Montserrat"/>
-                <a:cs typeface="Montserrat"/>
-                <a:sym typeface="Montserrat"/>
-              </a:defRPr>
-            </a:lvl6pPr>
-            <a:lvl7pPr lvl="6" algn="ctr">
-              <a:spcBef>
-                <a:spcPts val="0"/>
-              </a:spcBef>
-              <a:spcAft>
-                <a:spcPts val="0"/>
-              </a:spcAft>
-              <a:buClr>
-                <a:schemeClr val="dk1"/>
-              </a:buClr>
-              <a:buSzPts val="1600"/>
-              <a:buFont typeface="Montserrat"/>
-              <a:buNone/>
-              <a:defRPr sz="1600" b="1">
-                <a:solidFill>
-                  <a:schemeClr val="dk1"/>
-                </a:solidFill>
-                <a:latin typeface="Montserrat"/>
-                <a:ea typeface="Montserrat"/>
-                <a:cs typeface="Montserrat"/>
-                <a:sym typeface="Montserrat"/>
-              </a:defRPr>
-            </a:lvl7pPr>
-            <a:lvl8pPr lvl="7" algn="ctr">
-              <a:spcBef>
-                <a:spcPts val="0"/>
-              </a:spcBef>
-              <a:spcAft>
-                <a:spcPts val="0"/>
-              </a:spcAft>
-              <a:buClr>
-                <a:schemeClr val="dk1"/>
-              </a:buClr>
-              <a:buSzPts val="1600"/>
-              <a:buFont typeface="Montserrat"/>
-              <a:buNone/>
-              <a:defRPr sz="1600" b="1">
-                <a:solidFill>
-                  <a:schemeClr val="dk1"/>
-                </a:solidFill>
-                <a:latin typeface="Montserrat"/>
-                <a:ea typeface="Montserrat"/>
-                <a:cs typeface="Montserrat"/>
-                <a:sym typeface="Montserrat"/>
-              </a:defRPr>
-            </a:lvl8pPr>
-            <a:lvl9pPr lvl="8" algn="ctr">
-              <a:spcBef>
-                <a:spcPts val="0"/>
-              </a:spcBef>
-              <a:spcAft>
-                <a:spcPts val="0"/>
-              </a:spcAft>
-              <a:buClr>
-                <a:schemeClr val="dk1"/>
-              </a:buClr>
-              <a:buSzPts val="1600"/>
-              <a:buFont typeface="Montserrat"/>
-              <a:buNone/>
-              <a:defRPr sz="1600" b="1">
-                <a:solidFill>
-                  <a:schemeClr val="dk1"/>
-                </a:solidFill>
-                <a:latin typeface="Montserrat"/>
-                <a:ea typeface="Montserrat"/>
-                <a:cs typeface="Montserrat"/>
-                <a:sym typeface="Montserrat"/>
-              </a:defRPr>
-            </a:lvl9pPr>
-          </a:lstStyle>
-          <a:p>
-            <a:endParaRPr/>
-          </a:p>
-        </p:txBody>
-      </p:sp>
-      <p:sp>
-        <p:nvSpPr>
-          <p:cNvPr id="7" name="Google Shape;7;p1"/>
-          <p:cNvSpPr txBox="1">
-            <a:spLocks noGrp="1"/>
-          </p:cNvSpPr>
-          <p:nvPr>
-            <p:ph type="body" idx="1"/>
-          </p:nvPr>
-        </p:nvSpPr>
-        <p:spPr>
-          <a:xfrm>
-            <a:off x="617100" y="1269863"/>
-            <a:ext cx="7909800" cy="3215400"/>
-          </a:xfrm>
-          <a:prstGeom prst="rect">
-            <a:avLst/>
-          </a:prstGeom>
-          <a:noFill/>
-          <a:ln>
-            <a:noFill/>
-          </a:ln>
-        </p:spPr>
-        <p:txBody>
-          <a:bodyPr spcFirstLastPara="1" wrap="square" lIns="91425" tIns="91425" rIns="91425" bIns="91425" anchor="t" anchorCtr="0">
-            <a:noAutofit/>
-          </a:bodyPr>
-          <a:lstStyle>
-            <a:lvl1pPr marL="457200" lvl="0" indent="-381000">
-              <a:lnSpc>
-                <a:spcPct val="115000"/>
-              </a:lnSpc>
-              <a:spcBef>
-                <a:spcPts val="600"/>
-              </a:spcBef>
-              <a:spcAft>
-                <a:spcPts val="0"/>
-              </a:spcAft>
-              <a:buClr>
-                <a:schemeClr val="accent3"/>
-              </a:buClr>
-              <a:buSzPts val="2400"/>
-              <a:buFont typeface="PT Serif"/>
-              <a:buChar char="○"/>
-              <a:defRPr sz="2400">
-                <a:solidFill>
-                  <a:schemeClr val="dk1"/>
-                </a:solidFill>
-                <a:latin typeface="PT Serif"/>
-                <a:ea typeface="PT Serif"/>
-                <a:cs typeface="PT Serif"/>
-                <a:sym typeface="PT Serif"/>
-              </a:defRPr>
-            </a:lvl1pPr>
-            <a:lvl2pPr marL="914400" lvl="1" indent="-381000">
-              <a:lnSpc>
-                <a:spcPct val="115000"/>
-              </a:lnSpc>
-              <a:spcBef>
-                <a:spcPts val="0"/>
-              </a:spcBef>
-              <a:spcAft>
-                <a:spcPts val="0"/>
-              </a:spcAft>
-              <a:buClr>
-                <a:schemeClr val="accent3"/>
-              </a:buClr>
-              <a:buSzPts val="2400"/>
-              <a:buFont typeface="PT Serif"/>
-              <a:buChar char="□"/>
-              <a:defRPr sz="2400">
-                <a:solidFill>
-                  <a:schemeClr val="dk1"/>
-                </a:solidFill>
-                <a:latin typeface="PT Serif"/>
-                <a:ea typeface="PT Serif"/>
-                <a:cs typeface="PT Serif"/>
-                <a:sym typeface="PT Serif"/>
-              </a:defRPr>
-            </a:lvl2pPr>
-            <a:lvl3pPr marL="1371600" lvl="2" indent="-381000">
-              <a:lnSpc>
-                <a:spcPct val="115000"/>
-              </a:lnSpc>
-              <a:spcBef>
-                <a:spcPts val="0"/>
-              </a:spcBef>
-              <a:spcAft>
-                <a:spcPts val="0"/>
-              </a:spcAft>
-              <a:buClr>
-                <a:schemeClr val="accent3"/>
-              </a:buClr>
-              <a:buSzPts val="2400"/>
-              <a:buFont typeface="PT Serif"/>
-              <a:buChar char="○"/>
-              <a:defRPr sz="2400">
-                <a:solidFill>
-                  <a:schemeClr val="dk1"/>
-                </a:solidFill>
-                <a:latin typeface="PT Serif"/>
-                <a:ea typeface="PT Serif"/>
-                <a:cs typeface="PT Serif"/>
-                <a:sym typeface="PT Serif"/>
-              </a:defRPr>
-            </a:lvl3pPr>
-            <a:lvl4pPr marL="1828800" lvl="3" indent="-381000">
-              <a:lnSpc>
-                <a:spcPct val="115000"/>
-              </a:lnSpc>
-              <a:spcBef>
-                <a:spcPts val="0"/>
-              </a:spcBef>
-              <a:spcAft>
-                <a:spcPts val="0"/>
-              </a:spcAft>
-              <a:buClr>
-                <a:schemeClr val="dk1"/>
-              </a:buClr>
-              <a:buSzPts val="2400"/>
-              <a:buFont typeface="PT Serif"/>
-              <a:buChar char="□"/>
-              <a:defRPr sz="2400">
-                <a:solidFill>
-                  <a:schemeClr val="dk1"/>
-                </a:solidFill>
-                <a:latin typeface="PT Serif"/>
-                <a:ea typeface="PT Serif"/>
-                <a:cs typeface="PT Serif"/>
-                <a:sym typeface="PT Serif"/>
-              </a:defRPr>
-            </a:lvl4pPr>
-            <a:lvl5pPr marL="2286000" lvl="4" indent="-381000">
-              <a:lnSpc>
-                <a:spcPct val="115000"/>
-              </a:lnSpc>
-              <a:spcBef>
-                <a:spcPts val="0"/>
-              </a:spcBef>
-              <a:spcAft>
-                <a:spcPts val="0"/>
-              </a:spcAft>
-              <a:buClr>
-                <a:schemeClr val="dk1"/>
-              </a:buClr>
-              <a:buSzPts val="2400"/>
-              <a:buFont typeface="PT Serif"/>
-              <a:buChar char="○"/>
-              <a:defRPr sz="2400">
-                <a:solidFill>
-                  <a:schemeClr val="dk1"/>
-                </a:solidFill>
-                <a:latin typeface="PT Serif"/>
-                <a:ea typeface="PT Serif"/>
-                <a:cs typeface="PT Serif"/>
-                <a:sym typeface="PT Serif"/>
-              </a:defRPr>
-            </a:lvl5pPr>
-            <a:lvl6pPr marL="2743200" lvl="5" indent="-381000">
-              <a:lnSpc>
-                <a:spcPct val="115000"/>
-              </a:lnSpc>
-              <a:spcBef>
-                <a:spcPts val="0"/>
-              </a:spcBef>
-              <a:spcAft>
-                <a:spcPts val="0"/>
-              </a:spcAft>
-              <a:buClr>
-                <a:schemeClr val="dk1"/>
-              </a:buClr>
-              <a:buSzPts val="2400"/>
-              <a:buFont typeface="PT Serif"/>
-              <a:buChar char="■"/>
-              <a:defRPr sz="2400">
-                <a:solidFill>
-                  <a:schemeClr val="dk1"/>
-                </a:solidFill>
-                <a:latin typeface="PT Serif"/>
-                <a:ea typeface="PT Serif"/>
-                <a:cs typeface="PT Serif"/>
-                <a:sym typeface="PT Serif"/>
-              </a:defRPr>
-            </a:lvl6pPr>
-            <a:lvl7pPr marL="3200400" lvl="6" indent="-381000">
-              <a:lnSpc>
-                <a:spcPct val="115000"/>
-              </a:lnSpc>
-              <a:spcBef>
-                <a:spcPts val="0"/>
-              </a:spcBef>
-              <a:spcAft>
-                <a:spcPts val="0"/>
-              </a:spcAft>
-              <a:buClr>
-                <a:schemeClr val="dk1"/>
-              </a:buClr>
-              <a:buSzPts val="2400"/>
-              <a:buFont typeface="PT Serif"/>
-              <a:buChar char="●"/>
-              <a:defRPr sz="2400">
-                <a:solidFill>
-                  <a:schemeClr val="dk1"/>
-                </a:solidFill>
-                <a:latin typeface="PT Serif"/>
-                <a:ea typeface="PT Serif"/>
-                <a:cs typeface="PT Serif"/>
-                <a:sym typeface="PT Serif"/>
-              </a:defRPr>
-            </a:lvl7pPr>
-            <a:lvl8pPr marL="3657600" lvl="7" indent="-381000">
-              <a:lnSpc>
-                <a:spcPct val="115000"/>
-              </a:lnSpc>
-              <a:spcBef>
-                <a:spcPts val="0"/>
-              </a:spcBef>
-              <a:spcAft>
-                <a:spcPts val="0"/>
-              </a:spcAft>
-              <a:buClr>
-                <a:schemeClr val="dk1"/>
-              </a:buClr>
-              <a:buSzPts val="2400"/>
-              <a:buFont typeface="PT Serif"/>
-              <a:buChar char="○"/>
-              <a:defRPr sz="2400">
-                <a:solidFill>
-                  <a:schemeClr val="dk1"/>
-                </a:solidFill>
-                <a:latin typeface="PT Serif"/>
-                <a:ea typeface="PT Serif"/>
-                <a:cs typeface="PT Serif"/>
-                <a:sym typeface="PT Serif"/>
-              </a:defRPr>
-            </a:lvl8pPr>
-            <a:lvl9pPr marL="4114800" lvl="8" indent="-381000">
-              <a:lnSpc>
-                <a:spcPct val="115000"/>
-              </a:lnSpc>
-              <a:spcBef>
-                <a:spcPts val="0"/>
-              </a:spcBef>
-              <a:spcAft>
-                <a:spcPts val="0"/>
-              </a:spcAft>
-              <a:buClr>
-                <a:schemeClr val="dk1"/>
-              </a:buClr>
-              <a:buSzPts val="2400"/>
-              <a:buFont typeface="PT Serif"/>
-              <a:buChar char="■"/>
-              <a:defRPr sz="2400">
-                <a:solidFill>
-                  <a:schemeClr val="dk1"/>
-                </a:solidFill>
-                <a:latin typeface="PT Serif"/>
-                <a:ea typeface="PT Serif"/>
-                <a:cs typeface="PT Serif"/>
-                <a:sym typeface="PT Serif"/>
-              </a:defRPr>
-            </a:lvl9pPr>
-          </a:lstStyle>
-          <a:p>
-            <a:endParaRPr/>
-          </a:p>
-        </p:txBody>
-      </p:sp>
-      <p:sp>
-        <p:nvSpPr>
-          <p:cNvPr id="8" name="Google Shape;8;p1"/>
-          <p:cNvSpPr txBox="1">
-            <a:spLocks noGrp="1"/>
-          </p:cNvSpPr>
-          <p:nvPr>
-            <p:ph type="sldNum" idx="12"/>
-          </p:nvPr>
-        </p:nvSpPr>
-        <p:spPr>
-          <a:xfrm>
-            <a:off x="4297650" y="4749851"/>
-            <a:ext cx="548700" cy="393600"/>
-          </a:xfrm>
-          <a:prstGeom prst="rect">
-            <a:avLst/>
-          </a:prstGeom>
-          <a:noFill/>
-          <a:ln>
-            <a:noFill/>
-          </a:ln>
-        </p:spPr>
-        <p:txBody>
-          <a:bodyPr spcFirstLastPara="1" wrap="square" lIns="91425" tIns="91425" rIns="91425" bIns="91425" anchor="t" anchorCtr="0">
-            <a:noAutofit/>
-          </a:bodyPr>
-          <a:lstStyle>
-            <a:lvl1pPr lvl="0" algn="ctr">
-              <a:buNone/>
-              <a:defRPr sz="1300">
-                <a:solidFill>
-                  <a:schemeClr val="accent1"/>
-                </a:solidFill>
-                <a:latin typeface="PT Serif"/>
-                <a:ea typeface="PT Serif"/>
-                <a:cs typeface="PT Serif"/>
-                <a:sym typeface="PT Serif"/>
-              </a:defRPr>
-            </a:lvl1pPr>
-            <a:lvl2pPr lvl="1" algn="ctr">
-              <a:buNone/>
-              <a:defRPr sz="1300">
-                <a:solidFill>
-                  <a:schemeClr val="accent1"/>
-                </a:solidFill>
-                <a:latin typeface="PT Serif"/>
-                <a:ea typeface="PT Serif"/>
-                <a:cs typeface="PT Serif"/>
-                <a:sym typeface="PT Serif"/>
-              </a:defRPr>
-            </a:lvl2pPr>
-            <a:lvl3pPr lvl="2" algn="ctr">
-              <a:buNone/>
-              <a:defRPr sz="1300">
-                <a:solidFill>
-                  <a:schemeClr val="accent1"/>
-                </a:solidFill>
-                <a:latin typeface="PT Serif"/>
-                <a:ea typeface="PT Serif"/>
-                <a:cs typeface="PT Serif"/>
-                <a:sym typeface="PT Serif"/>
-              </a:defRPr>
-            </a:lvl3pPr>
-            <a:lvl4pPr lvl="3" algn="ctr">
-              <a:buNone/>
-              <a:defRPr sz="1300">
-                <a:solidFill>
-                  <a:schemeClr val="accent1"/>
-                </a:solidFill>
-                <a:latin typeface="PT Serif"/>
-                <a:ea typeface="PT Serif"/>
-                <a:cs typeface="PT Serif"/>
-                <a:sym typeface="PT Serif"/>
-              </a:defRPr>
-            </a:lvl4pPr>
-            <a:lvl5pPr lvl="4" algn="ctr">
-              <a:buNone/>
-              <a:defRPr sz="1300">
-                <a:solidFill>
-                  <a:schemeClr val="accent1"/>
-                </a:solidFill>
-                <a:latin typeface="PT Serif"/>
-                <a:ea typeface="PT Serif"/>
-                <a:cs typeface="PT Serif"/>
-                <a:sym typeface="PT Serif"/>
-              </a:defRPr>
-            </a:lvl5pPr>
-            <a:lvl6pPr lvl="5" algn="ctr">
-              <a:buNone/>
-              <a:defRPr sz="1300">
-                <a:solidFill>
-                  <a:schemeClr val="accent1"/>
-                </a:solidFill>
-                <a:latin typeface="PT Serif"/>
-                <a:ea typeface="PT Serif"/>
-                <a:cs typeface="PT Serif"/>
-                <a:sym typeface="PT Serif"/>
-              </a:defRPr>
-            </a:lvl6pPr>
-            <a:lvl7pPr lvl="6" algn="ctr">
-              <a:buNone/>
-              <a:defRPr sz="1300">
-                <a:solidFill>
-                  <a:schemeClr val="accent1"/>
-                </a:solidFill>
-                <a:latin typeface="PT Serif"/>
-                <a:ea typeface="PT Serif"/>
-                <a:cs typeface="PT Serif"/>
-                <a:sym typeface="PT Serif"/>
-              </a:defRPr>
-            </a:lvl7pPr>
-            <a:lvl8pPr lvl="7" algn="ctr">
-              <a:buNone/>
-              <a:defRPr sz="1300">
-                <a:solidFill>
-                  <a:schemeClr val="accent1"/>
-                </a:solidFill>
-                <a:latin typeface="PT Serif"/>
-                <a:ea typeface="PT Serif"/>
-                <a:cs typeface="PT Serif"/>
-                <a:sym typeface="PT Serif"/>
-              </a:defRPr>
-            </a:lvl8pPr>
-            <a:lvl9pPr lvl="8" algn="ctr">
-              <a:buNone/>
-              <a:defRPr sz="1300">
-                <a:solidFill>
-                  <a:schemeClr val="accent1"/>
-                </a:solidFill>
-                <a:latin typeface="PT Serif"/>
-                <a:ea typeface="PT Serif"/>
-                <a:cs typeface="PT Serif"/>
-                <a:sym typeface="PT Serif"/>
-              </a:defRPr>
-            </a:lvl9pPr>
-          </a:lstStyle>
-          <a:p>
-            <a:fld id="{00000000-1234-1234-1234-123412341234}" type="slidenum">
-              <a:rPr lang="en">
-                <a:solidFill>
-                  <a:srgbClr val="8F7B87"/>
-                </a:solidFill>
-              </a:rPr>
-              <a:pPr/>
-              <a:t>‹Nº›</a:t>
-            </a:fld>
-            <a:endParaRPr>
-              <a:solidFill>
-                <a:srgbClr val="8F7B87"/>
-              </a:solidFill>
-            </a:endParaRPr>
-          </a:p>
-        </p:txBody>
-      </p:sp>
-    </p:spTree>
-    <p:extLst>
-      <p:ext uri="{BB962C8B-B14F-4D97-AF65-F5344CB8AC3E}">
-        <p14:creationId xmlns:p14="http://schemas.microsoft.com/office/powerpoint/2010/main" val="3055716976"/>
-      </p:ext>
-    </p:extLst>
-  </p:cSld>
-  <p:clrMap bg1="lt1" tx1="dk1" bg2="dk2" tx2="lt2" accent1="accent1" accent2="accent2" accent3="accent3" accent4="accent4" accent5="accent5" accent6="accent6" hlink="hlink" folHlink="folHlink"/>
-  <p:sldLayoutIdLst>
-    <p:sldLayoutId id="2147483659" r:id="rId1"/>
-    <p:sldLayoutId id="2147483660" r:id="rId2"/>
-    <p:sldLayoutId id="2147483662" r:id="rId3"/>
-    <p:sldLayoutId id="2147483663" r:id="rId4"/>
-    <p:sldLayoutId id="2147483665" r:id="rId5"/>
-    <p:sldLayoutId id="2147483666" r:id="rId6"/>
-    <p:sldLayoutId id="2147483667" r:id="rId7"/>
-  </p:sldLayoutIdLst>
-  <p:transition>
-    <p:fade thruBlk="1"/>
-  </p:transition>
-  <p:hf hdr="0" ftr="0" dt="0"/>
-  <p:txStyles>
-    <p:titleStyle>
-      <a:defPPr marR="0" lvl="0" algn="l" rtl="0">
-        <a:lnSpc>
-          <a:spcPct val="100000"/>
-        </a:lnSpc>
-        <a:spcBef>
-          <a:spcPts val="0"/>
-        </a:spcBef>
-        <a:spcAft>
-          <a:spcPts val="0"/>
-        </a:spcAft>
-      </a:defPPr>
-      <a:lvl1pPr marR="0" lvl="0" algn="l" rtl="0">
-        <a:lnSpc>
-          <a:spcPct val="100000"/>
-        </a:lnSpc>
-        <a:spcBef>
-          <a:spcPts val="0"/>
-        </a:spcBef>
-        <a:spcAft>
-          <a:spcPts val="0"/>
-        </a:spcAft>
-        <a:buClr>
-          <a:srgbClr val="000000"/>
-        </a:buClr>
-        <a:buFont typeface="Arial"/>
-        <a:defRPr sz="1400" b="0" i="0" u="none" strike="noStrike" cap="none">
-          <a:solidFill>
-            <a:srgbClr val="000000"/>
-          </a:solidFill>
-          <a:latin typeface="Arial"/>
-          <a:ea typeface="Arial"/>
-          <a:cs typeface="Arial"/>
-          <a:sym typeface="Arial"/>
-        </a:defRPr>
-      </a:lvl1pPr>
-      <a:lvl2pPr marR="0" lvl="1" algn="l" rtl="0">
-        <a:lnSpc>
-          <a:spcPct val="100000"/>
-        </a:lnSpc>
-        <a:spcBef>
-          <a:spcPts val="0"/>
-        </a:spcBef>
-        <a:spcAft>
-          <a:spcPts val="0"/>
-        </a:spcAft>
-        <a:buClr>
-          <a:srgbClr val="000000"/>
-        </a:buClr>
-        <a:buFont typeface="Arial"/>
-        <a:defRPr sz="1400" b="0" i="0" u="none" strike="noStrike" cap="none">
-          <a:solidFill>
-            <a:srgbClr val="000000"/>
-          </a:solidFill>
-          <a:latin typeface="Arial"/>
-          <a:ea typeface="Arial"/>
-          <a:cs typeface="Arial"/>
-          <a:sym typeface="Arial"/>
-        </a:defRPr>
-      </a:lvl2pPr>
-      <a:lvl3pPr marR="0" lvl="2" algn="l" rtl="0">
-        <a:lnSpc>
-          <a:spcPct val="100000"/>
-        </a:lnSpc>
-        <a:spcBef>
-          <a:spcPts val="0"/>
-        </a:spcBef>
-        <a:spcAft>
-          <a:spcPts val="0"/>
-        </a:spcAft>
-        <a:buClr>
-          <a:srgbClr val="000000"/>
-        </a:buClr>
-        <a:buFont typeface="Arial"/>
-        <a:defRPr sz="1400" b="0" i="0" u="none" strike="noStrike" cap="none">
-          <a:solidFill>
-            <a:srgbClr val="000000"/>
-          </a:solidFill>
-          <a:latin typeface="Arial"/>
-          <a:ea typeface="Arial"/>
-          <a:cs typeface="Arial"/>
-          <a:sym typeface="Arial"/>
-        </a:defRPr>
-      </a:lvl3pPr>
-      <a:lvl4pPr marR="0" lvl="3" algn="l" rtl="0">
-        <a:lnSpc>
-          <a:spcPct val="100000"/>
-        </a:lnSpc>
-        <a:spcBef>
-          <a:spcPts val="0"/>
-        </a:spcBef>
-        <a:spcAft>
-          <a:spcPts val="0"/>
-        </a:spcAft>
-        <a:buClr>
-          <a:srgbClr val="000000"/>
-        </a:buClr>
-        <a:buFont typeface="Arial"/>
-        <a:defRPr sz="1400" b="0" i="0" u="none" strike="noStrike" cap="none">
-          <a:solidFill>
-            <a:srgbClr val="000000"/>
-          </a:solidFill>
-          <a:latin typeface="Arial"/>
-          <a:ea typeface="Arial"/>
-          <a:cs typeface="Arial"/>
-          <a:sym typeface="Arial"/>
-        </a:defRPr>
-      </a:lvl4pPr>
-      <a:lvl5pPr marR="0" lvl="4" algn="l" rtl="0">
-        <a:lnSpc>
-          <a:spcPct val="100000"/>
-        </a:lnSpc>
-        <a:spcBef>
-          <a:spcPts val="0"/>
-        </a:spcBef>
-        <a:spcAft>
-          <a:spcPts val="0"/>
-        </a:spcAft>
-        <a:buClr>
-          <a:srgbClr val="000000"/>
-        </a:buClr>
-        <a:buFont typeface="Arial"/>
-        <a:defRPr sz="1400" b="0" i="0" u="none" strike="noStrike" cap="none">
-          <a:solidFill>
-            <a:srgbClr val="000000"/>
-          </a:solidFill>
-          <a:latin typeface="Arial"/>
-          <a:ea typeface="Arial"/>
-          <a:cs typeface="Arial"/>
-          <a:sym typeface="Arial"/>
-        </a:defRPr>
-      </a:lvl5pPr>
-      <a:lvl6pPr marR="0" lvl="5" algn="l" rtl="0">
-        <a:lnSpc>
-          <a:spcPct val="100000"/>
-        </a:lnSpc>
-        <a:spcBef>
-          <a:spcPts val="0"/>
-        </a:spcBef>
-        <a:spcAft>
-          <a:spcPts val="0"/>
-        </a:spcAft>
-        <a:buClr>
-          <a:srgbClr val="000000"/>
-        </a:buClr>
-        <a:buFont typeface="Arial"/>
-        <a:defRPr sz="1400" b="0" i="0" u="none" strike="noStrike" cap="none">
-          <a:solidFill>
-            <a:srgbClr val="000000"/>
-          </a:solidFill>
-          <a:latin typeface="Arial"/>
-          <a:ea typeface="Arial"/>
-          <a:cs typeface="Arial"/>
-          <a:sym typeface="Arial"/>
-        </a:defRPr>
-      </a:lvl6pPr>
-      <a:lvl7pPr marR="0" lvl="6" algn="l" rtl="0">
-        <a:lnSpc>
-          <a:spcPct val="100000"/>
-        </a:lnSpc>
-        <a:spcBef>
-          <a:spcPts val="0"/>
-        </a:spcBef>
-        <a:spcAft>
-          <a:spcPts val="0"/>
-        </a:spcAft>
-        <a:buClr>
-          <a:srgbClr val="000000"/>
-        </a:buClr>
-        <a:buFont typeface="Arial"/>
-        <a:defRPr sz="1400" b="0" i="0" u="none" strike="noStrike" cap="none">
-          <a:solidFill>
-            <a:srgbClr val="000000"/>
-          </a:solidFill>
-          <a:latin typeface="Arial"/>
-          <a:ea typeface="Arial"/>
-          <a:cs typeface="Arial"/>
-          <a:sym typeface="Arial"/>
-        </a:defRPr>
-      </a:lvl7pPr>
-      <a:lvl8pPr marR="0" lvl="7" algn="l" rtl="0">
-        <a:lnSpc>
-          <a:spcPct val="100000"/>
-        </a:lnSpc>
-        <a:spcBef>
-          <a:spcPts val="0"/>
-        </a:spcBef>
-        <a:spcAft>
-          <a:spcPts val="0"/>
-        </a:spcAft>
-        <a:buClr>
-          <a:srgbClr val="000000"/>
-        </a:buClr>
-        <a:buFont typeface="Arial"/>
-        <a:defRPr sz="1400" b="0" i="0" u="none" strike="noStrike" cap="none">
-          <a:solidFill>
-            <a:srgbClr val="000000"/>
-          </a:solidFill>
-          <a:latin typeface="Arial"/>
-          <a:ea typeface="Arial"/>
-          <a:cs typeface="Arial"/>
-          <a:sym typeface="Arial"/>
-        </a:defRPr>
-      </a:lvl8pPr>
-      <a:lvl9pPr marR="0" lvl="8" algn="l" rtl="0">
-        <a:lnSpc>
-          <a:spcPct val="100000"/>
-        </a:lnSpc>
-        <a:spcBef>
-          <a:spcPts val="0"/>
-        </a:spcBef>
-        <a:spcAft>
-          <a:spcPts val="0"/>
-        </a:spcAft>
-        <a:buClr>
-          <a:srgbClr val="000000"/>
-        </a:buClr>
-        <a:buFont typeface="Arial"/>
-        <a:defRPr sz="1400" b="0" i="0" u="none" strike="noStrike" cap="none">
-          <a:solidFill>
-            <a:srgbClr val="000000"/>
-          </a:solidFill>
-          <a:latin typeface="Arial"/>
-          <a:ea typeface="Arial"/>
-          <a:cs typeface="Arial"/>
-          <a:sym typeface="Arial"/>
-        </a:defRPr>
-      </a:lvl9pPr>
-    </p:titleStyle>
-    <p:bodyStyle>
-      <a:defPPr marR="0" lvl="0" algn="l" rtl="0">
-        <a:lnSpc>
-          <a:spcPct val="100000"/>
-        </a:lnSpc>
-        <a:spcBef>
-          <a:spcPts val="0"/>
-        </a:spcBef>
-        <a:spcAft>
-          <a:spcPts val="0"/>
-        </a:spcAft>
-      </a:defPPr>
-      <a:lvl1pPr marR="0" lvl="0" algn="l" rtl="0">
-        <a:lnSpc>
-          <a:spcPct val="100000"/>
-        </a:lnSpc>
-        <a:spcBef>
-          <a:spcPts val="0"/>
-        </a:spcBef>
-        <a:spcAft>
-          <a:spcPts val="0"/>
-        </a:spcAft>
-        <a:buClr>
-          <a:srgbClr val="000000"/>
-        </a:buClr>
-        <a:buFont typeface="Arial"/>
-        <a:defRPr sz="1400" b="0" i="0" u="none" strike="noStrike" cap="none">
-          <a:solidFill>
-            <a:srgbClr val="000000"/>
-          </a:solidFill>
-          <a:latin typeface="Arial"/>
-          <a:ea typeface="Arial"/>
-          <a:cs typeface="Arial"/>
-          <a:sym typeface="Arial"/>
-        </a:defRPr>
-      </a:lvl1pPr>
-      <a:lvl2pPr marR="0" lvl="1" algn="l" rtl="0">
-        <a:lnSpc>
-          <a:spcPct val="100000"/>
-        </a:lnSpc>
-        <a:spcBef>
-          <a:spcPts val="0"/>
-        </a:spcBef>
-        <a:spcAft>
-          <a:spcPts val="0"/>
-        </a:spcAft>
-        <a:buClr>
-          <a:srgbClr val="000000"/>
-        </a:buClr>
-        <a:buFont typeface="Arial"/>
-        <a:defRPr sz="1400" b="0" i="0" u="none" strike="noStrike" cap="none">
-          <a:solidFill>
-            <a:srgbClr val="000000"/>
-          </a:solidFill>
-          <a:latin typeface="Arial"/>
-          <a:ea typeface="Arial"/>
-          <a:cs typeface="Arial"/>
-          <a:sym typeface="Arial"/>
-        </a:defRPr>
-      </a:lvl2pPr>
-      <a:lvl3pPr marR="0" lvl="2" algn="l" rtl="0">
-        <a:lnSpc>
-          <a:spcPct val="100000"/>
-        </a:lnSpc>
-        <a:spcBef>
-          <a:spcPts val="0"/>
-        </a:spcBef>
-        <a:spcAft>
-          <a:spcPts val="0"/>
-        </a:spcAft>
-        <a:buClr>
-          <a:srgbClr val="000000"/>
-        </a:buClr>
-        <a:buFont typeface="Arial"/>
-        <a:defRPr sz="1400" b="0" i="0" u="none" strike="noStrike" cap="none">
-          <a:solidFill>
-            <a:srgbClr val="000000"/>
-          </a:solidFill>
-          <a:latin typeface="Arial"/>
-          <a:ea typeface="Arial"/>
-          <a:cs typeface="Arial"/>
-          <a:sym typeface="Arial"/>
-        </a:defRPr>
-      </a:lvl3pPr>
-      <a:lvl4pPr marR="0" lvl="3" algn="l" rtl="0">
-        <a:lnSpc>
-          <a:spcPct val="100000"/>
-        </a:lnSpc>
-        <a:spcBef>
-          <a:spcPts val="0"/>
-        </a:spcBef>
-        <a:spcAft>
-          <a:spcPts val="0"/>
-        </a:spcAft>
-        <a:buClr>
-          <a:srgbClr val="000000"/>
-        </a:buClr>
-        <a:buFont typeface="Arial"/>
-        <a:defRPr sz="1400" b="0" i="0" u="none" strike="noStrike" cap="none">
-          <a:solidFill>
-            <a:srgbClr val="000000"/>
-          </a:solidFill>
-          <a:latin typeface="Arial"/>
-          <a:ea typeface="Arial"/>
-          <a:cs typeface="Arial"/>
-          <a:sym typeface="Arial"/>
-        </a:defRPr>
-      </a:lvl4pPr>
-      <a:lvl5pPr marR="0" lvl="4" algn="l" rtl="0">
-        <a:lnSpc>
-          <a:spcPct val="100000"/>
-        </a:lnSpc>
-        <a:spcBef>
-          <a:spcPts val="0"/>
-        </a:spcBef>
-        <a:spcAft>
-          <a:spcPts val="0"/>
-        </a:spcAft>
-        <a:buClr>
-          <a:srgbClr val="000000"/>
-        </a:buClr>
-        <a:buFont typeface="Arial"/>
-        <a:defRPr sz="1400" b="0" i="0" u="none" strike="noStrike" cap="none">
-          <a:solidFill>
-            <a:srgbClr val="000000"/>
-          </a:solidFill>
-          <a:latin typeface="Arial"/>
-          <a:ea typeface="Arial"/>
-          <a:cs typeface="Arial"/>
-          <a:sym typeface="Arial"/>
-        </a:defRPr>
-      </a:lvl5pPr>
-      <a:lvl6pPr marR="0" lvl="5" algn="l" rtl="0">
-        <a:lnSpc>
-          <a:spcPct val="100000"/>
-        </a:lnSpc>
-        <a:spcBef>
-          <a:spcPts val="0"/>
-        </a:spcBef>
-        <a:spcAft>
-          <a:spcPts val="0"/>
-        </a:spcAft>
-        <a:buClr>
-          <a:srgbClr val="000000"/>
-        </a:buClr>
-        <a:buFont typeface="Arial"/>
-        <a:defRPr sz="1400" b="0" i="0" u="none" strike="noStrike" cap="none">
-          <a:solidFill>
-            <a:srgbClr val="000000"/>
-          </a:solidFill>
-          <a:latin typeface="Arial"/>
-          <a:ea typeface="Arial"/>
-          <a:cs typeface="Arial"/>
-          <a:sym typeface="Arial"/>
-        </a:defRPr>
-      </a:lvl6pPr>
-      <a:lvl7pPr marR="0" lvl="6" algn="l" rtl="0">
-        <a:lnSpc>
-          <a:spcPct val="100000"/>
-        </a:lnSpc>
-        <a:spcBef>
-          <a:spcPts val="0"/>
-        </a:spcBef>
-        <a:spcAft>
-          <a:spcPts val="0"/>
-        </a:spcAft>
-        <a:buClr>
-          <a:srgbClr val="000000"/>
-        </a:buClr>
-        <a:buFont typeface="Arial"/>
-        <a:defRPr sz="1400" b="0" i="0" u="none" strike="noStrike" cap="none">
-          <a:solidFill>
-            <a:srgbClr val="000000"/>
-          </a:solidFill>
-          <a:latin typeface="Arial"/>
-          <a:ea typeface="Arial"/>
-          <a:cs typeface="Arial"/>
-          <a:sym typeface="Arial"/>
-        </a:defRPr>
-      </a:lvl7pPr>
-      <a:lvl8pPr marR="0" lvl="7" algn="l" rtl="0">
-        <a:lnSpc>
-          <a:spcPct val="100000"/>
-        </a:lnSpc>
-        <a:spcBef>
-          <a:spcPts val="0"/>
-        </a:spcBef>
-        <a:spcAft>
-          <a:spcPts val="0"/>
-        </a:spcAft>
-        <a:buClr>
-          <a:srgbClr val="000000"/>
-        </a:buClr>
-        <a:buFont typeface="Arial"/>
-        <a:defRPr sz="1400" b="0" i="0" u="none" strike="noStrike" cap="none">
-          <a:solidFill>
-            <a:srgbClr val="000000"/>
-          </a:solidFill>
-          <a:latin typeface="Arial"/>
-          <a:ea typeface="Arial"/>
-          <a:cs typeface="Arial"/>
-          <a:sym typeface="Arial"/>
-        </a:defRPr>
-      </a:lvl8pPr>
-      <a:lvl9pPr marR="0" lvl="8" algn="l" rtl="0">
-        <a:lnSpc>
-          <a:spcPct val="100000"/>
-        </a:lnSpc>
-        <a:spcBef>
-          <a:spcPts val="0"/>
-        </a:spcBef>
-        <a:spcAft>
-          <a:spcPts val="0"/>
-        </a:spcAft>
-        <a:buClr>
-          <a:srgbClr val="000000"/>
-        </a:buClr>
-        <a:buFont typeface="Arial"/>
-        <a:defRPr sz="1400" b="0" i="0" u="none" strike="noStrike" cap="none">
-          <a:solidFill>
-            <a:srgbClr val="000000"/>
-          </a:solidFill>
-          <a:latin typeface="Arial"/>
-          <a:ea typeface="Arial"/>
-          <a:cs typeface="Arial"/>
-          <a:sym typeface="Arial"/>
-        </a:defRPr>
-      </a:lvl9pPr>
-    </p:bodyStyle>
-    <p:otherStyle>
-      <a:defPPr marR="0" lvl="0" algn="l" rtl="0">
-        <a:lnSpc>
-          <a:spcPct val="100000"/>
-        </a:lnSpc>
-        <a:spcBef>
-          <a:spcPts val="0"/>
-        </a:spcBef>
-        <a:spcAft>
-          <a:spcPts val="0"/>
-        </a:spcAft>
-      </a:defPPr>
-      <a:lvl1pPr marR="0" lvl="0" algn="l" rtl="0">
-        <a:lnSpc>
-          <a:spcPct val="100000"/>
-        </a:lnSpc>
-        <a:spcBef>
-          <a:spcPts val="0"/>
-        </a:spcBef>
-        <a:spcAft>
-          <a:spcPts val="0"/>
-        </a:spcAft>
-        <a:buClr>
-          <a:srgbClr val="000000"/>
-        </a:buClr>
-        <a:buFont typeface="Arial"/>
-        <a:defRPr sz="1400" b="0" i="0" u="none" strike="noStrike" cap="none">
-          <a:solidFill>
-            <a:srgbClr val="000000"/>
-          </a:solidFill>
-          <a:latin typeface="Arial"/>
-          <a:ea typeface="Arial"/>
-          <a:cs typeface="Arial"/>
-          <a:sym typeface="Arial"/>
-        </a:defRPr>
-      </a:lvl1pPr>
-      <a:lvl2pPr marR="0" lvl="1" algn="l" rtl="0">
-        <a:lnSpc>
-          <a:spcPct val="100000"/>
-        </a:lnSpc>
-        <a:spcBef>
-          <a:spcPts val="0"/>
-        </a:spcBef>
-        <a:spcAft>
-          <a:spcPts val="0"/>
-        </a:spcAft>
-        <a:buClr>
-          <a:srgbClr val="000000"/>
-        </a:buClr>
-        <a:buFont typeface="Arial"/>
-        <a:defRPr sz="1400" b="0" i="0" u="none" strike="noStrike" cap="none">
-          <a:solidFill>
-            <a:srgbClr val="000000"/>
-          </a:solidFill>
-          <a:latin typeface="Arial"/>
-          <a:ea typeface="Arial"/>
-          <a:cs typeface="Arial"/>
-          <a:sym typeface="Arial"/>
-        </a:defRPr>
-      </a:lvl2pPr>
-      <a:lvl3pPr marR="0" lvl="2" algn="l" rtl="0">
-        <a:lnSpc>
-          <a:spcPct val="100000"/>
-        </a:lnSpc>
-        <a:spcBef>
-          <a:spcPts val="0"/>
-        </a:spcBef>
-        <a:spcAft>
-          <a:spcPts val="0"/>
-        </a:spcAft>
-        <a:buClr>
-          <a:srgbClr val="000000"/>
-        </a:buClr>
-        <a:buFont typeface="Arial"/>
-        <a:defRPr sz="1400" b="0" i="0" u="none" strike="noStrike" cap="none">
-          <a:solidFill>
-            <a:srgbClr val="000000"/>
-          </a:solidFill>
-          <a:latin typeface="Arial"/>
-          <a:ea typeface="Arial"/>
-          <a:cs typeface="Arial"/>
-          <a:sym typeface="Arial"/>
-        </a:defRPr>
-      </a:lvl3pPr>
-      <a:lvl4pPr marR="0" lvl="3" algn="l" rtl="0">
-        <a:lnSpc>
-          <a:spcPct val="100000"/>
-        </a:lnSpc>
-        <a:spcBef>
-          <a:spcPts val="0"/>
-        </a:spcBef>
-        <a:spcAft>
-          <a:spcPts val="0"/>
-        </a:spcAft>
-        <a:buClr>
-          <a:srgbClr val="000000"/>
-        </a:buClr>
-        <a:buFont typeface="Arial"/>
-        <a:defRPr sz="1400" b="0" i="0" u="none" strike="noStrike" cap="none">
-          <a:solidFill>
-            <a:srgbClr val="000000"/>
-          </a:solidFill>
-          <a:latin typeface="Arial"/>
-          <a:ea typeface="Arial"/>
-          <a:cs typeface="Arial"/>
-          <a:sym typeface="Arial"/>
-        </a:defRPr>
-      </a:lvl4pPr>
-      <a:lvl5pPr marR="0" lvl="4" algn="l" rtl="0">
-        <a:lnSpc>
-          <a:spcPct val="100000"/>
-        </a:lnSpc>
-        <a:spcBef>
-          <a:spcPts val="0"/>
-        </a:spcBef>
-        <a:spcAft>
-          <a:spcPts val="0"/>
-        </a:spcAft>
-        <a:buClr>
-          <a:srgbClr val="000000"/>
-        </a:buClr>
-        <a:buFont typeface="Arial"/>
-        <a:defRPr sz="1400" b="0" i="0" u="none" strike="noStrike" cap="none">
-          <a:solidFill>
-            <a:srgbClr val="000000"/>
-          </a:solidFill>
-          <a:latin typeface="Arial"/>
-          <a:ea typeface="Arial"/>
-          <a:cs typeface="Arial"/>
-          <a:sym typeface="Arial"/>
-        </a:defRPr>
-      </a:lvl5pPr>
-      <a:lvl6pPr marR="0" lvl="5" algn="l" rtl="0">
-        <a:lnSpc>
-          <a:spcPct val="100000"/>
-        </a:lnSpc>
-        <a:spcBef>
-          <a:spcPts val="0"/>
-        </a:spcBef>
-        <a:spcAft>
-          <a:spcPts val="0"/>
-        </a:spcAft>
-        <a:buClr>
-          <a:srgbClr val="000000"/>
-        </a:buClr>
-        <a:buFont typeface="Arial"/>
-        <a:defRPr sz="1400" b="0" i="0" u="none" strike="noStrike" cap="none">
-          <a:solidFill>
-            <a:srgbClr val="000000"/>
-          </a:solidFill>
-          <a:latin typeface="Arial"/>
-          <a:ea typeface="Arial"/>
-          <a:cs typeface="Arial"/>
-          <a:sym typeface="Arial"/>
-        </a:defRPr>
-      </a:lvl6pPr>
-      <a:lvl7pPr marR="0" lvl="6" algn="l" rtl="0">
-        <a:lnSpc>
-          <a:spcPct val="100000"/>
-        </a:lnSpc>
-        <a:spcBef>
-          <a:spcPts val="0"/>
-        </a:spcBef>
-        <a:spcAft>
-          <a:spcPts val="0"/>
-        </a:spcAft>
-        <a:buClr>
-          <a:srgbClr val="000000"/>
-        </a:buClr>
-        <a:buFont typeface="Arial"/>
-        <a:defRPr sz="1400" b="0" i="0" u="none" strike="noStrike" cap="none">
-          <a:solidFill>
-            <a:srgbClr val="000000"/>
-          </a:solidFill>
-          <a:latin typeface="Arial"/>
-          <a:ea typeface="Arial"/>
-          <a:cs typeface="Arial"/>
-          <a:sym typeface="Arial"/>
-        </a:defRPr>
-      </a:lvl7pPr>
-      <a:lvl8pPr marR="0" lvl="7" algn="l" rtl="0">
-        <a:lnSpc>
-          <a:spcPct val="100000"/>
-        </a:lnSpc>
-        <a:spcBef>
-          <a:spcPts val="0"/>
-        </a:spcBef>
-        <a:spcAft>
-          <a:spcPts val="0"/>
-        </a:spcAft>
-        <a:buClr>
-          <a:srgbClr val="000000"/>
-        </a:buClr>
-        <a:buFont typeface="Arial"/>
-        <a:defRPr sz="1400" b="0" i="0" u="none" strike="noStrike" cap="none">
-          <a:solidFill>
-            <a:srgbClr val="000000"/>
-          </a:solidFill>
-          <a:latin typeface="Arial"/>
-          <a:ea typeface="Arial"/>
-          <a:cs typeface="Arial"/>
-          <a:sym typeface="Arial"/>
-        </a:defRPr>
-      </a:lvl8pPr>
-      <a:lvl9pPr marR="0" lvl="8" algn="l" rtl="0">
-        <a:lnSpc>
-          <a:spcPct val="100000"/>
-        </a:lnSpc>
-        <a:spcBef>
-          <a:spcPts val="0"/>
-        </a:spcBef>
-        <a:spcAft>
-          <a:spcPts val="0"/>
-        </a:spcAft>
-        <a:buClr>
-          <a:srgbClr val="000000"/>
-        </a:buClr>
-        <a:buFont typeface="Arial"/>
-        <a:defRPr sz="1400" b="0" i="0" u="none" strike="noStrike" cap="none">
-          <a:solidFill>
-            <a:srgbClr val="000000"/>
-          </a:solidFill>
-          <a:latin typeface="Arial"/>
-          <a:ea typeface="Arial"/>
-          <a:cs typeface="Arial"/>
-          <a:sym typeface="Arial"/>
-        </a:defRPr>
-      </a:lvl9pPr>
-    </p:otherStyle>
-  </p:txStyles>
-</p:sldMaster>
-</file>
-
-<file path=ppt/slideMasters/slideMaster3.xml><?xml version="1.0" encoding="utf-8"?>
 <p:sldMaster xmlns:a="http://schemas.openxmlformats.org/drawingml/2006/main" xmlns:r="http://schemas.openxmlformats.org/officeDocument/2006/relationships" xmlns:p="http://schemas.openxmlformats.org/presentationml/2006/main">
   <p:cSld>
     <p:bg>
@@ -13548,7 +9504,7 @@
         </p:blipFill>
         <p:spPr bwMode="auto">
           <a:xfrm>
-            <a:off x="249254" y="1606484"/>
+            <a:off x="249254" y="1635646"/>
             <a:ext cx="2430656" cy="2430656"/>
           </a:xfrm>
           <a:prstGeom prst="rect">
@@ -13954,2712 +9910,6 @@
     <p:extLst>
       <p:ext uri="{BB962C8B-B14F-4D97-AF65-F5344CB8AC3E}">
         <p14:creationId xmlns:p14="http://schemas.microsoft.com/office/powerpoint/2010/main" val="2322580483"/>
-      </p:ext>
-    </p:extLst>
-  </p:cSld>
-  <p:clrMapOvr>
-    <a:masterClrMapping/>
-  </p:clrMapOvr>
-</p:sld>
-</file>
-
-<file path=ppt/slides/slide6.xml><?xml version="1.0" encoding="utf-8"?>
-<p:sld xmlns:a="http://schemas.openxmlformats.org/drawingml/2006/main" xmlns:r="http://schemas.openxmlformats.org/officeDocument/2006/relationships" xmlns:p="http://schemas.openxmlformats.org/presentationml/2006/main">
-  <p:cSld>
-    <p:bg>
-      <p:bgPr>
-        <a:solidFill>
-          <a:schemeClr val="accent1"/>
-        </a:solidFill>
-        <a:effectLst/>
-      </p:bgPr>
-    </p:bg>
-    <p:spTree>
-      <p:nvGrpSpPr>
-        <p:cNvPr id="1" name="Shape 324"/>
-        <p:cNvGrpSpPr/>
-        <p:nvPr/>
-      </p:nvGrpSpPr>
-      <p:grpSpPr>
-        <a:xfrm>
-          <a:off x="0" y="0"/>
-          <a:ext cx="0" cy="0"/>
-          <a:chOff x="0" y="0"/>
-          <a:chExt cx="0" cy="0"/>
-        </a:xfrm>
-      </p:grpSpPr>
-      <p:sp>
-        <p:nvSpPr>
-          <p:cNvPr id="327" name="Google Shape;327;p32"/>
-          <p:cNvSpPr txBox="1">
-            <a:spLocks noGrp="1"/>
-          </p:cNvSpPr>
-          <p:nvPr>
-            <p:ph type="body" idx="4294967295"/>
-          </p:nvPr>
-        </p:nvSpPr>
-        <p:spPr>
-          <a:xfrm>
-            <a:off x="119183" y="4299941"/>
-            <a:ext cx="8856984" cy="581061"/>
-          </a:xfrm>
-          <a:prstGeom prst="rect">
-            <a:avLst/>
-          </a:prstGeom>
-        </p:spPr>
-        <p:txBody>
-          <a:bodyPr spcFirstLastPara="1" wrap="square" lIns="91425" tIns="91425" rIns="91425" bIns="91425" anchor="t" anchorCtr="0">
-            <a:noAutofit/>
-          </a:bodyPr>
-          <a:lstStyle/>
-          <a:p>
-            <a:pPr marL="0" lvl="0" indent="0" algn="ctr" rtl="0">
-              <a:spcBef>
-                <a:spcPts val="600"/>
-              </a:spcBef>
-              <a:spcAft>
-                <a:spcPts val="0"/>
-              </a:spcAft>
-              <a:buNone/>
-            </a:pPr>
-            <a:r>
-              <a:rPr lang="es-EC" sz="1800" b="1" dirty="0">
-                <a:solidFill>
-                  <a:srgbClr val="FFFFFF"/>
-                </a:solidFill>
-                <a:latin typeface="Montserrat"/>
-                <a:ea typeface="Montserrat"/>
-                <a:cs typeface="Montserrat"/>
-                <a:sym typeface="Montserrat"/>
-              </a:rPr>
-              <a:t>Registro de Usuario</a:t>
-            </a:r>
-            <a:endParaRPr sz="1200" dirty="0">
-              <a:solidFill>
-                <a:srgbClr val="FFFFFF"/>
-              </a:solidFill>
-            </a:endParaRPr>
-          </a:p>
-        </p:txBody>
-      </p:sp>
-      <p:cxnSp>
-        <p:nvCxnSpPr>
-          <p:cNvPr id="328" name="Google Shape;328;p32"/>
-          <p:cNvCxnSpPr/>
-          <p:nvPr/>
-        </p:nvCxnSpPr>
-        <p:spPr>
-          <a:xfrm rot="10800000">
-            <a:off x="-25" y="4371950"/>
-            <a:ext cx="4547700" cy="0"/>
-          </a:xfrm>
-          <a:prstGeom prst="straightConnector1">
-            <a:avLst/>
-          </a:prstGeom>
-          <a:noFill/>
-          <a:ln w="9525" cap="flat" cmpd="sng">
-            <a:solidFill>
-              <a:schemeClr val="accent6"/>
-            </a:solidFill>
-            <a:prstDash val="solid"/>
-            <a:round/>
-            <a:headEnd type="oval" w="med" len="med"/>
-            <a:tailEnd type="none" w="med" len="med"/>
-          </a:ln>
-        </p:spPr>
-      </p:cxnSp>
-      <p:sp>
-        <p:nvSpPr>
-          <p:cNvPr id="329" name="Google Shape;329;p32"/>
-          <p:cNvSpPr txBox="1">
-            <a:spLocks noGrp="1"/>
-          </p:cNvSpPr>
-          <p:nvPr>
-            <p:ph type="sldNum" idx="12"/>
-          </p:nvPr>
-        </p:nvSpPr>
-        <p:spPr>
-          <a:xfrm>
-            <a:off x="4297650" y="4749851"/>
-            <a:ext cx="548700" cy="393600"/>
-          </a:xfrm>
-          <a:prstGeom prst="rect">
-            <a:avLst/>
-          </a:prstGeom>
-        </p:spPr>
-        <p:txBody>
-          <a:bodyPr spcFirstLastPara="1" wrap="square" lIns="91425" tIns="91425" rIns="91425" bIns="91425" anchor="t" anchorCtr="0">
-            <a:noAutofit/>
-          </a:bodyPr>
-          <a:lstStyle/>
-          <a:p>
-            <a:pPr marL="0" marR="0" lvl="0" indent="0" algn="ctr" defTabSz="914400" rtl="0" eaLnBrk="1" fontAlgn="auto" latinLnBrk="0" hangingPunct="1">
-              <a:lnSpc>
-                <a:spcPct val="100000"/>
-              </a:lnSpc>
-              <a:spcBef>
-                <a:spcPts val="0"/>
-              </a:spcBef>
-              <a:spcAft>
-                <a:spcPts val="0"/>
-              </a:spcAft>
-              <a:buClr>
-                <a:srgbClr val="000000"/>
-              </a:buClr>
-              <a:buSzTx/>
-              <a:buFont typeface="Arial"/>
-              <a:buNone/>
-              <a:tabLst/>
-              <a:defRPr/>
-            </a:pPr>
-            <a:fld id="{00000000-1234-1234-1234-123412341234}" type="slidenum">
-              <a:rPr kumimoji="0" lang="en" sz="1300" b="0" i="0" u="none" strike="noStrike" kern="0" cap="none" spc="0" normalizeH="0" baseline="0" noProof="0">
-                <a:ln>
-                  <a:noFill/>
-                </a:ln>
-                <a:solidFill>
-                  <a:srgbClr val="F3EFEA"/>
-                </a:solidFill>
-                <a:effectLst/>
-                <a:uLnTx/>
-                <a:uFillTx/>
-                <a:latin typeface="PT Serif"/>
-                <a:sym typeface="PT Serif"/>
-              </a:rPr>
-              <a:pPr marL="0" marR="0" lvl="0" indent="0" algn="ctr" defTabSz="914400" rtl="0" eaLnBrk="1" fontAlgn="auto" latinLnBrk="0" hangingPunct="1">
-                <a:lnSpc>
-                  <a:spcPct val="100000"/>
-                </a:lnSpc>
-                <a:spcBef>
-                  <a:spcPts val="0"/>
-                </a:spcBef>
-                <a:spcAft>
-                  <a:spcPts val="0"/>
-                </a:spcAft>
-                <a:buClr>
-                  <a:srgbClr val="000000"/>
-                </a:buClr>
-                <a:buSzTx/>
-                <a:buFont typeface="Arial"/>
-                <a:buNone/>
-                <a:tabLst/>
-                <a:defRPr/>
-              </a:pPr>
-              <a:t>6</a:t>
-            </a:fld>
-            <a:endParaRPr kumimoji="0" sz="1300" b="0" i="0" u="none" strike="noStrike" kern="0" cap="none" spc="0" normalizeH="0" baseline="0" noProof="0">
-              <a:ln>
-                <a:noFill/>
-              </a:ln>
-              <a:solidFill>
-                <a:srgbClr val="F3EFEA"/>
-              </a:solidFill>
-              <a:effectLst/>
-              <a:uLnTx/>
-              <a:uFillTx/>
-              <a:latin typeface="PT Serif"/>
-              <a:sym typeface="PT Serif"/>
-            </a:endParaRPr>
-          </a:p>
-        </p:txBody>
-      </p:sp>
-      <p:pic>
-        <p:nvPicPr>
-          <p:cNvPr id="3" name="Imagen 2"/>
-          <p:cNvPicPr>
-            <a:picLocks noChangeAspect="1"/>
-          </p:cNvPicPr>
-          <p:nvPr/>
-        </p:nvPicPr>
-        <p:blipFill rotWithShape="1">
-          <a:blip r:embed="rId3"/>
-          <a:srcRect l="35611" t="31297" r="35691" b="7594"/>
-          <a:stretch/>
-        </p:blipFill>
-        <p:spPr>
-          <a:xfrm>
-            <a:off x="119183" y="99832"/>
-            <a:ext cx="3516713" cy="4210179"/>
-          </a:xfrm>
-          <a:prstGeom prst="rect">
-            <a:avLst/>
-          </a:prstGeom>
-        </p:spPr>
-      </p:pic>
-      <p:pic>
-        <p:nvPicPr>
-          <p:cNvPr id="4" name="Imagen 3"/>
-          <p:cNvPicPr>
-            <a:picLocks noChangeAspect="1"/>
-          </p:cNvPicPr>
-          <p:nvPr/>
-        </p:nvPicPr>
-        <p:blipFill rotWithShape="1">
-          <a:blip r:embed="rId4"/>
-          <a:srcRect l="5172" t="10626" r="40591" b="4721"/>
-          <a:stretch/>
-        </p:blipFill>
-        <p:spPr>
-          <a:xfrm>
-            <a:off x="4189996" y="99832"/>
-            <a:ext cx="4786171" cy="4200109"/>
-          </a:xfrm>
-          <a:prstGeom prst="rect">
-            <a:avLst/>
-          </a:prstGeom>
-        </p:spPr>
-      </p:pic>
-    </p:spTree>
-    <p:extLst>
-      <p:ext uri="{BB962C8B-B14F-4D97-AF65-F5344CB8AC3E}">
-        <p14:creationId xmlns:p14="http://schemas.microsoft.com/office/powerpoint/2010/main" val="433364773"/>
-      </p:ext>
-    </p:extLst>
-  </p:cSld>
-  <p:clrMapOvr>
-    <a:masterClrMapping/>
-  </p:clrMapOvr>
-</p:sld>
-</file>
-
-<file path=ppt/slides/slide7.xml><?xml version="1.0" encoding="utf-8"?>
-<p:sld xmlns:a="http://schemas.openxmlformats.org/drawingml/2006/main" xmlns:r="http://schemas.openxmlformats.org/officeDocument/2006/relationships" xmlns:p="http://schemas.openxmlformats.org/presentationml/2006/main">
-  <p:cSld>
-    <p:bg>
-      <p:bgPr>
-        <a:solidFill>
-          <a:schemeClr val="accent1"/>
-        </a:solidFill>
-        <a:effectLst/>
-      </p:bgPr>
-    </p:bg>
-    <p:spTree>
-      <p:nvGrpSpPr>
-        <p:cNvPr id="1" name="Shape 324"/>
-        <p:cNvGrpSpPr/>
-        <p:nvPr/>
-      </p:nvGrpSpPr>
-      <p:grpSpPr>
-        <a:xfrm>
-          <a:off x="0" y="0"/>
-          <a:ext cx="0" cy="0"/>
-          <a:chOff x="0" y="0"/>
-          <a:chExt cx="0" cy="0"/>
-        </a:xfrm>
-      </p:grpSpPr>
-      <p:sp>
-        <p:nvSpPr>
-          <p:cNvPr id="327" name="Google Shape;327;p32"/>
-          <p:cNvSpPr txBox="1">
-            <a:spLocks noGrp="1"/>
-          </p:cNvSpPr>
-          <p:nvPr>
-            <p:ph type="body" idx="4294967295"/>
-          </p:nvPr>
-        </p:nvSpPr>
-        <p:spPr>
-          <a:xfrm>
-            <a:off x="119183" y="4299941"/>
-            <a:ext cx="8856984" cy="581061"/>
-          </a:xfrm>
-          <a:prstGeom prst="rect">
-            <a:avLst/>
-          </a:prstGeom>
-        </p:spPr>
-        <p:txBody>
-          <a:bodyPr spcFirstLastPara="1" wrap="square" lIns="91425" tIns="91425" rIns="91425" bIns="91425" anchor="t" anchorCtr="0">
-            <a:noAutofit/>
-          </a:bodyPr>
-          <a:lstStyle/>
-          <a:p>
-            <a:pPr marL="0" lvl="0" indent="0" algn="ctr" rtl="0">
-              <a:spcBef>
-                <a:spcPts val="600"/>
-              </a:spcBef>
-              <a:spcAft>
-                <a:spcPts val="0"/>
-              </a:spcAft>
-              <a:buNone/>
-            </a:pPr>
-            <a:r>
-              <a:rPr lang="es-EC" sz="1800" b="1" dirty="0">
-                <a:solidFill>
-                  <a:srgbClr val="FFFFFF"/>
-                </a:solidFill>
-                <a:latin typeface="Montserrat"/>
-                <a:sym typeface="Montserrat"/>
-              </a:rPr>
-              <a:t>Inicio de Sesión</a:t>
-            </a:r>
-            <a:endParaRPr sz="1200" dirty="0">
-              <a:solidFill>
-                <a:srgbClr val="FFFFFF"/>
-              </a:solidFill>
-            </a:endParaRPr>
-          </a:p>
-        </p:txBody>
-      </p:sp>
-      <p:cxnSp>
-        <p:nvCxnSpPr>
-          <p:cNvPr id="328" name="Google Shape;328;p32"/>
-          <p:cNvCxnSpPr/>
-          <p:nvPr/>
-        </p:nvCxnSpPr>
-        <p:spPr>
-          <a:xfrm rot="10800000">
-            <a:off x="-25" y="4371950"/>
-            <a:ext cx="4547700" cy="0"/>
-          </a:xfrm>
-          <a:prstGeom prst="straightConnector1">
-            <a:avLst/>
-          </a:prstGeom>
-          <a:noFill/>
-          <a:ln w="9525" cap="flat" cmpd="sng">
-            <a:solidFill>
-              <a:schemeClr val="accent6"/>
-            </a:solidFill>
-            <a:prstDash val="solid"/>
-            <a:round/>
-            <a:headEnd type="oval" w="med" len="med"/>
-            <a:tailEnd type="none" w="med" len="med"/>
-          </a:ln>
-        </p:spPr>
-      </p:cxnSp>
-      <p:sp>
-        <p:nvSpPr>
-          <p:cNvPr id="329" name="Google Shape;329;p32"/>
-          <p:cNvSpPr txBox="1">
-            <a:spLocks noGrp="1"/>
-          </p:cNvSpPr>
-          <p:nvPr>
-            <p:ph type="sldNum" idx="12"/>
-          </p:nvPr>
-        </p:nvSpPr>
-        <p:spPr>
-          <a:xfrm>
-            <a:off x="4297650" y="4749851"/>
-            <a:ext cx="548700" cy="393600"/>
-          </a:xfrm>
-          <a:prstGeom prst="rect">
-            <a:avLst/>
-          </a:prstGeom>
-        </p:spPr>
-        <p:txBody>
-          <a:bodyPr spcFirstLastPara="1" wrap="square" lIns="91425" tIns="91425" rIns="91425" bIns="91425" anchor="t" anchorCtr="0">
-            <a:noAutofit/>
-          </a:bodyPr>
-          <a:lstStyle/>
-          <a:p>
-            <a:pPr marL="0" marR="0" lvl="0" indent="0" algn="ctr" defTabSz="914400" rtl="0" eaLnBrk="1" fontAlgn="auto" latinLnBrk="0" hangingPunct="1">
-              <a:lnSpc>
-                <a:spcPct val="100000"/>
-              </a:lnSpc>
-              <a:spcBef>
-                <a:spcPts val="0"/>
-              </a:spcBef>
-              <a:spcAft>
-                <a:spcPts val="0"/>
-              </a:spcAft>
-              <a:buClr>
-                <a:srgbClr val="000000"/>
-              </a:buClr>
-              <a:buSzTx/>
-              <a:buFont typeface="Arial"/>
-              <a:buNone/>
-              <a:tabLst/>
-              <a:defRPr/>
-            </a:pPr>
-            <a:fld id="{00000000-1234-1234-1234-123412341234}" type="slidenum">
-              <a:rPr kumimoji="0" lang="en" sz="1300" b="0" i="0" u="none" strike="noStrike" kern="0" cap="none" spc="0" normalizeH="0" baseline="0" noProof="0">
-                <a:ln>
-                  <a:noFill/>
-                </a:ln>
-                <a:solidFill>
-                  <a:srgbClr val="F3EFEA"/>
-                </a:solidFill>
-                <a:effectLst/>
-                <a:uLnTx/>
-                <a:uFillTx/>
-                <a:latin typeface="PT Serif"/>
-                <a:sym typeface="PT Serif"/>
-              </a:rPr>
-              <a:pPr marL="0" marR="0" lvl="0" indent="0" algn="ctr" defTabSz="914400" rtl="0" eaLnBrk="1" fontAlgn="auto" latinLnBrk="0" hangingPunct="1">
-                <a:lnSpc>
-                  <a:spcPct val="100000"/>
-                </a:lnSpc>
-                <a:spcBef>
-                  <a:spcPts val="0"/>
-                </a:spcBef>
-                <a:spcAft>
-                  <a:spcPts val="0"/>
-                </a:spcAft>
-                <a:buClr>
-                  <a:srgbClr val="000000"/>
-                </a:buClr>
-                <a:buSzTx/>
-                <a:buFont typeface="Arial"/>
-                <a:buNone/>
-                <a:tabLst/>
-                <a:defRPr/>
-              </a:pPr>
-              <a:t>7</a:t>
-            </a:fld>
-            <a:endParaRPr kumimoji="0" sz="1300" b="0" i="0" u="none" strike="noStrike" kern="0" cap="none" spc="0" normalizeH="0" baseline="0" noProof="0" dirty="0">
-              <a:ln>
-                <a:noFill/>
-              </a:ln>
-              <a:solidFill>
-                <a:srgbClr val="F3EFEA"/>
-              </a:solidFill>
-              <a:effectLst/>
-              <a:uLnTx/>
-              <a:uFillTx/>
-              <a:latin typeface="PT Serif"/>
-              <a:sym typeface="PT Serif"/>
-            </a:endParaRPr>
-          </a:p>
-        </p:txBody>
-      </p:sp>
-      <p:pic>
-        <p:nvPicPr>
-          <p:cNvPr id="2" name="Imagen 1"/>
-          <p:cNvPicPr>
-            <a:picLocks noChangeAspect="1"/>
-          </p:cNvPicPr>
-          <p:nvPr/>
-        </p:nvPicPr>
-        <p:blipFill rotWithShape="1">
-          <a:blip r:embed="rId3"/>
-          <a:srcRect l="35611" t="31297" r="35611" b="23422"/>
-          <a:stretch/>
-        </p:blipFill>
-        <p:spPr>
-          <a:xfrm>
-            <a:off x="184590" y="120327"/>
-            <a:ext cx="4178468" cy="4143610"/>
-          </a:xfrm>
-          <a:prstGeom prst="rect">
-            <a:avLst/>
-          </a:prstGeom>
-        </p:spPr>
-      </p:pic>
-      <p:pic>
-        <p:nvPicPr>
-          <p:cNvPr id="5" name="Imagen 4"/>
-          <p:cNvPicPr>
-            <a:picLocks noChangeAspect="1"/>
-          </p:cNvPicPr>
-          <p:nvPr/>
-        </p:nvPicPr>
-        <p:blipFill rotWithShape="1">
-          <a:blip r:embed="rId4"/>
-          <a:srcRect l="5171" t="10625" r="42252" b="2751"/>
-          <a:stretch/>
-        </p:blipFill>
-        <p:spPr>
-          <a:xfrm>
-            <a:off x="4502952" y="120327"/>
-            <a:ext cx="4473215" cy="4143610"/>
-          </a:xfrm>
-          <a:prstGeom prst="rect">
-            <a:avLst/>
-          </a:prstGeom>
-        </p:spPr>
-      </p:pic>
-    </p:spTree>
-    <p:extLst>
-      <p:ext uri="{BB962C8B-B14F-4D97-AF65-F5344CB8AC3E}">
-        <p14:creationId xmlns:p14="http://schemas.microsoft.com/office/powerpoint/2010/main" val="3822557201"/>
-      </p:ext>
-    </p:extLst>
-  </p:cSld>
-  <p:clrMapOvr>
-    <a:masterClrMapping/>
-  </p:clrMapOvr>
-</p:sld>
-</file>
-
-<file path=ppt/slides/slide8.xml><?xml version="1.0" encoding="utf-8"?>
-<p:sld xmlns:a="http://schemas.openxmlformats.org/drawingml/2006/main" xmlns:r="http://schemas.openxmlformats.org/officeDocument/2006/relationships" xmlns:p="http://schemas.openxmlformats.org/presentationml/2006/main">
-  <p:cSld>
-    <p:bg>
-      <p:bgPr>
-        <a:solidFill>
-          <a:schemeClr val="accent1"/>
-        </a:solidFill>
-        <a:effectLst/>
-      </p:bgPr>
-    </p:bg>
-    <p:spTree>
-      <p:nvGrpSpPr>
-        <p:cNvPr id="1" name="Shape 324"/>
-        <p:cNvGrpSpPr/>
-        <p:nvPr/>
-      </p:nvGrpSpPr>
-      <p:grpSpPr>
-        <a:xfrm>
-          <a:off x="0" y="0"/>
-          <a:ext cx="0" cy="0"/>
-          <a:chOff x="0" y="0"/>
-          <a:chExt cx="0" cy="0"/>
-        </a:xfrm>
-      </p:grpSpPr>
-      <p:sp>
-        <p:nvSpPr>
-          <p:cNvPr id="327" name="Google Shape;327;p32"/>
-          <p:cNvSpPr txBox="1">
-            <a:spLocks noGrp="1"/>
-          </p:cNvSpPr>
-          <p:nvPr>
-            <p:ph type="body" idx="4294967295"/>
-          </p:nvPr>
-        </p:nvSpPr>
-        <p:spPr>
-          <a:xfrm>
-            <a:off x="119183" y="4299941"/>
-            <a:ext cx="8856984" cy="581061"/>
-          </a:xfrm>
-          <a:prstGeom prst="rect">
-            <a:avLst/>
-          </a:prstGeom>
-        </p:spPr>
-        <p:txBody>
-          <a:bodyPr spcFirstLastPara="1" wrap="square" lIns="91425" tIns="91425" rIns="91425" bIns="91425" anchor="t" anchorCtr="0">
-            <a:noAutofit/>
-          </a:bodyPr>
-          <a:lstStyle/>
-          <a:p>
-            <a:pPr marL="0" lvl="0" indent="0" algn="ctr" rtl="0">
-              <a:spcBef>
-                <a:spcPts val="600"/>
-              </a:spcBef>
-              <a:spcAft>
-                <a:spcPts val="0"/>
-              </a:spcAft>
-              <a:buNone/>
-            </a:pPr>
-            <a:r>
-              <a:rPr lang="es-EC" sz="1800" b="1" dirty="0">
-                <a:solidFill>
-                  <a:srgbClr val="FFFFFF"/>
-                </a:solidFill>
-                <a:latin typeface="Montserrat"/>
-                <a:sym typeface="Montserrat"/>
-              </a:rPr>
-              <a:t>Consultar Agenda Telefónica</a:t>
-            </a:r>
-            <a:endParaRPr sz="1200" dirty="0">
-              <a:solidFill>
-                <a:srgbClr val="FFFFFF"/>
-              </a:solidFill>
-            </a:endParaRPr>
-          </a:p>
-        </p:txBody>
-      </p:sp>
-      <p:cxnSp>
-        <p:nvCxnSpPr>
-          <p:cNvPr id="328" name="Google Shape;328;p32"/>
-          <p:cNvCxnSpPr/>
-          <p:nvPr/>
-        </p:nvCxnSpPr>
-        <p:spPr>
-          <a:xfrm rot="10800000">
-            <a:off x="-25" y="4371950"/>
-            <a:ext cx="4547700" cy="0"/>
-          </a:xfrm>
-          <a:prstGeom prst="straightConnector1">
-            <a:avLst/>
-          </a:prstGeom>
-          <a:noFill/>
-          <a:ln w="9525" cap="flat" cmpd="sng">
-            <a:solidFill>
-              <a:schemeClr val="accent6"/>
-            </a:solidFill>
-            <a:prstDash val="solid"/>
-            <a:round/>
-            <a:headEnd type="oval" w="med" len="med"/>
-            <a:tailEnd type="none" w="med" len="med"/>
-          </a:ln>
-        </p:spPr>
-      </p:cxnSp>
-      <p:sp>
-        <p:nvSpPr>
-          <p:cNvPr id="329" name="Google Shape;329;p32"/>
-          <p:cNvSpPr txBox="1">
-            <a:spLocks noGrp="1"/>
-          </p:cNvSpPr>
-          <p:nvPr>
-            <p:ph type="sldNum" idx="12"/>
-          </p:nvPr>
-        </p:nvSpPr>
-        <p:spPr>
-          <a:xfrm>
-            <a:off x="4297650" y="4749851"/>
-            <a:ext cx="548700" cy="393600"/>
-          </a:xfrm>
-          <a:prstGeom prst="rect">
-            <a:avLst/>
-          </a:prstGeom>
-        </p:spPr>
-        <p:txBody>
-          <a:bodyPr spcFirstLastPara="1" wrap="square" lIns="91425" tIns="91425" rIns="91425" bIns="91425" anchor="t" anchorCtr="0">
-            <a:noAutofit/>
-          </a:bodyPr>
-          <a:lstStyle/>
-          <a:p>
-            <a:pPr marL="0" marR="0" lvl="0" indent="0" algn="ctr" defTabSz="914400" rtl="0" eaLnBrk="1" fontAlgn="auto" latinLnBrk="0" hangingPunct="1">
-              <a:lnSpc>
-                <a:spcPct val="100000"/>
-              </a:lnSpc>
-              <a:spcBef>
-                <a:spcPts val="0"/>
-              </a:spcBef>
-              <a:spcAft>
-                <a:spcPts val="0"/>
-              </a:spcAft>
-              <a:buClr>
-                <a:srgbClr val="000000"/>
-              </a:buClr>
-              <a:buSzTx/>
-              <a:buFont typeface="Arial"/>
-              <a:buNone/>
-              <a:tabLst/>
-              <a:defRPr/>
-            </a:pPr>
-            <a:fld id="{00000000-1234-1234-1234-123412341234}" type="slidenum">
-              <a:rPr kumimoji="0" lang="en" sz="1300" b="0" i="0" u="none" strike="noStrike" kern="0" cap="none" spc="0" normalizeH="0" baseline="0" noProof="0">
-                <a:ln>
-                  <a:noFill/>
-                </a:ln>
-                <a:solidFill>
-                  <a:srgbClr val="F3EFEA"/>
-                </a:solidFill>
-                <a:effectLst/>
-                <a:uLnTx/>
-                <a:uFillTx/>
-                <a:latin typeface="PT Serif"/>
-                <a:sym typeface="PT Serif"/>
-              </a:rPr>
-              <a:pPr marL="0" marR="0" lvl="0" indent="0" algn="ctr" defTabSz="914400" rtl="0" eaLnBrk="1" fontAlgn="auto" latinLnBrk="0" hangingPunct="1">
-                <a:lnSpc>
-                  <a:spcPct val="100000"/>
-                </a:lnSpc>
-                <a:spcBef>
-                  <a:spcPts val="0"/>
-                </a:spcBef>
-                <a:spcAft>
-                  <a:spcPts val="0"/>
-                </a:spcAft>
-                <a:buClr>
-                  <a:srgbClr val="000000"/>
-                </a:buClr>
-                <a:buSzTx/>
-                <a:buFont typeface="Arial"/>
-                <a:buNone/>
-                <a:tabLst/>
-                <a:defRPr/>
-              </a:pPr>
-              <a:t>8</a:t>
-            </a:fld>
-            <a:endParaRPr kumimoji="0" sz="1300" b="0" i="0" u="none" strike="noStrike" kern="0" cap="none" spc="0" normalizeH="0" baseline="0" noProof="0" dirty="0">
-              <a:ln>
-                <a:noFill/>
-              </a:ln>
-              <a:solidFill>
-                <a:srgbClr val="F3EFEA"/>
-              </a:solidFill>
-              <a:effectLst/>
-              <a:uLnTx/>
-              <a:uFillTx/>
-              <a:latin typeface="PT Serif"/>
-              <a:sym typeface="PT Serif"/>
-            </a:endParaRPr>
-          </a:p>
-        </p:txBody>
-      </p:sp>
-      <p:pic>
-        <p:nvPicPr>
-          <p:cNvPr id="3" name="Imagen 2"/>
-          <p:cNvPicPr>
-            <a:picLocks noChangeAspect="1"/>
-          </p:cNvPicPr>
-          <p:nvPr/>
-        </p:nvPicPr>
-        <p:blipFill rotWithShape="1">
-          <a:blip r:embed="rId3"/>
-          <a:srcRect t="13579" r="1297"/>
-          <a:stretch/>
-        </p:blipFill>
-        <p:spPr>
-          <a:xfrm>
-            <a:off x="376484" y="157215"/>
-            <a:ext cx="8342381" cy="4106722"/>
-          </a:xfrm>
-          <a:prstGeom prst="rect">
-            <a:avLst/>
-          </a:prstGeom>
-        </p:spPr>
-      </p:pic>
-    </p:spTree>
-    <p:extLst>
-      <p:ext uri="{BB962C8B-B14F-4D97-AF65-F5344CB8AC3E}">
-        <p14:creationId xmlns:p14="http://schemas.microsoft.com/office/powerpoint/2010/main" val="3353054059"/>
-      </p:ext>
-    </p:extLst>
-  </p:cSld>
-  <p:clrMapOvr>
-    <a:masterClrMapping/>
-  </p:clrMapOvr>
-</p:sld>
-</file>
-
-<file path=ppt/slides/slide9.xml><?xml version="1.0" encoding="utf-8"?>
-<p:sld xmlns:a="http://schemas.openxmlformats.org/drawingml/2006/main" xmlns:r="http://schemas.openxmlformats.org/officeDocument/2006/relationships" xmlns:p="http://schemas.openxmlformats.org/presentationml/2006/main">
-  <p:cSld>
-    <p:spTree>
-      <p:nvGrpSpPr>
-        <p:cNvPr id="1" name="Shape 99"/>
-        <p:cNvGrpSpPr/>
-        <p:nvPr/>
-      </p:nvGrpSpPr>
-      <p:grpSpPr>
-        <a:xfrm>
-          <a:off x="0" y="0"/>
-          <a:ext cx="0" cy="0"/>
-          <a:chOff x="0" y="0"/>
-          <a:chExt cx="0" cy="0"/>
-        </a:xfrm>
-      </p:grpSpPr>
-      <p:sp>
-        <p:nvSpPr>
-          <p:cNvPr id="100" name="Google Shape;100;p17"/>
-          <p:cNvSpPr txBox="1">
-            <a:spLocks noGrp="1"/>
-          </p:cNvSpPr>
-          <p:nvPr>
-            <p:ph type="ctrTitle"/>
-          </p:nvPr>
-        </p:nvSpPr>
-        <p:spPr>
-          <a:xfrm>
-            <a:off x="2594050" y="2449744"/>
-            <a:ext cx="5864100" cy="1058110"/>
-          </a:xfrm>
-          <a:prstGeom prst="rect">
-            <a:avLst/>
-          </a:prstGeom>
-        </p:spPr>
-        <p:txBody>
-          <a:bodyPr spcFirstLastPara="1" wrap="square" lIns="91425" tIns="91425" rIns="91425" bIns="91425" anchor="b" anchorCtr="0">
-            <a:noAutofit/>
-          </a:bodyPr>
-          <a:lstStyle/>
-          <a:p>
-            <a:pPr marL="0" lvl="0" indent="0" algn="l" rtl="0">
-              <a:spcBef>
-                <a:spcPts val="0"/>
-              </a:spcBef>
-              <a:spcAft>
-                <a:spcPts val="0"/>
-              </a:spcAft>
-              <a:buNone/>
-            </a:pPr>
-            <a:r>
-              <a:rPr lang="en" dirty="0"/>
-              <a:t>Demo Agenda Telefonica con Amazon DynamoDB</a:t>
-            </a:r>
-            <a:endParaRPr dirty="0"/>
-          </a:p>
-        </p:txBody>
-      </p:sp>
-      <p:grpSp>
-        <p:nvGrpSpPr>
-          <p:cNvPr id="103" name="Google Shape;103;p17"/>
-          <p:cNvGrpSpPr/>
-          <p:nvPr/>
-        </p:nvGrpSpPr>
-        <p:grpSpPr>
-          <a:xfrm>
-            <a:off x="2909454" y="1111064"/>
-            <a:ext cx="888022" cy="770150"/>
-            <a:chOff x="3927500" y="301425"/>
-            <a:chExt cx="461550" cy="411625"/>
-          </a:xfrm>
-        </p:grpSpPr>
-        <p:sp>
-          <p:nvSpPr>
-            <p:cNvPr id="104" name="Google Shape;104;p17"/>
-            <p:cNvSpPr/>
-            <p:nvPr/>
-          </p:nvSpPr>
-          <p:spPr>
-            <a:xfrm>
-              <a:off x="4080925" y="302050"/>
-              <a:ext cx="154075" cy="411000"/>
-            </a:xfrm>
-            <a:custGeom>
-              <a:avLst/>
-              <a:gdLst/>
-              <a:ahLst/>
-              <a:cxnLst/>
-              <a:rect l="l" t="t" r="r" b="b"/>
-              <a:pathLst>
-                <a:path w="6163" h="16440" fill="none" extrusionOk="0">
-                  <a:moveTo>
-                    <a:pt x="6162" y="3118"/>
-                  </a:moveTo>
-                  <a:lnTo>
-                    <a:pt x="0" y="0"/>
-                  </a:lnTo>
-                  <a:lnTo>
-                    <a:pt x="0" y="13322"/>
-                  </a:lnTo>
-                  <a:lnTo>
-                    <a:pt x="6162" y="16440"/>
-                  </a:lnTo>
-                  <a:lnTo>
-                    <a:pt x="6162" y="3118"/>
-                  </a:lnTo>
-                  <a:close/>
-                </a:path>
-              </a:pathLst>
-            </a:custGeom>
-            <a:noFill/>
-            <a:ln w="12175" cap="rnd" cmpd="sng">
-              <a:solidFill>
-                <a:schemeClr val="accent6"/>
-              </a:solidFill>
-              <a:prstDash val="solid"/>
-              <a:round/>
-              <a:headEnd type="none" w="sm" len="sm"/>
-              <a:tailEnd type="none" w="sm" len="sm"/>
-            </a:ln>
-          </p:spPr>
-          <p:txBody>
-            <a:bodyPr spcFirstLastPara="1" wrap="square" lIns="91425" tIns="91425" rIns="91425" bIns="91425" anchor="ctr" anchorCtr="0">
-              <a:noAutofit/>
-            </a:bodyPr>
-            <a:lstStyle/>
-            <a:p>
-              <a:pPr marL="0" lvl="0" indent="0" algn="l" rtl="0">
-                <a:spcBef>
-                  <a:spcPts val="0"/>
-                </a:spcBef>
-                <a:spcAft>
-                  <a:spcPts val="0"/>
-                </a:spcAft>
-                <a:buNone/>
-              </a:pPr>
-              <a:endParaRPr/>
-            </a:p>
-          </p:txBody>
-        </p:sp>
-        <p:sp>
-          <p:nvSpPr>
-            <p:cNvPr id="105" name="Google Shape;105;p17"/>
-            <p:cNvSpPr/>
-            <p:nvPr/>
-          </p:nvSpPr>
-          <p:spPr>
-            <a:xfrm>
-              <a:off x="3927500" y="301425"/>
-              <a:ext cx="153450" cy="406150"/>
-            </a:xfrm>
-            <a:custGeom>
-              <a:avLst/>
-              <a:gdLst/>
-              <a:ahLst/>
-              <a:cxnLst/>
-              <a:rect l="l" t="t" r="r" b="b"/>
-              <a:pathLst>
-                <a:path w="6138" h="16246" fill="none" extrusionOk="0">
-                  <a:moveTo>
-                    <a:pt x="6137" y="1"/>
-                  </a:moveTo>
-                  <a:lnTo>
-                    <a:pt x="536" y="2850"/>
-                  </a:lnTo>
-                  <a:lnTo>
-                    <a:pt x="536" y="2850"/>
-                  </a:lnTo>
-                  <a:lnTo>
-                    <a:pt x="414" y="2899"/>
-                  </a:lnTo>
-                  <a:lnTo>
-                    <a:pt x="317" y="2997"/>
-                  </a:lnTo>
-                  <a:lnTo>
-                    <a:pt x="219" y="3094"/>
-                  </a:lnTo>
-                  <a:lnTo>
-                    <a:pt x="146" y="3216"/>
-                  </a:lnTo>
-                  <a:lnTo>
-                    <a:pt x="73" y="3313"/>
-                  </a:lnTo>
-                  <a:lnTo>
-                    <a:pt x="24" y="3435"/>
-                  </a:lnTo>
-                  <a:lnTo>
-                    <a:pt x="0" y="3557"/>
-                  </a:lnTo>
-                  <a:lnTo>
-                    <a:pt x="0" y="3679"/>
-                  </a:lnTo>
-                  <a:lnTo>
-                    <a:pt x="0" y="15880"/>
-                  </a:lnTo>
-                  <a:lnTo>
-                    <a:pt x="0" y="15880"/>
-                  </a:lnTo>
-                  <a:lnTo>
-                    <a:pt x="0" y="16002"/>
-                  </a:lnTo>
-                  <a:lnTo>
-                    <a:pt x="49" y="16075"/>
-                  </a:lnTo>
-                  <a:lnTo>
-                    <a:pt x="97" y="16148"/>
-                  </a:lnTo>
-                  <a:lnTo>
-                    <a:pt x="170" y="16197"/>
-                  </a:lnTo>
-                  <a:lnTo>
-                    <a:pt x="244" y="16221"/>
-                  </a:lnTo>
-                  <a:lnTo>
-                    <a:pt x="341" y="16246"/>
-                  </a:lnTo>
-                  <a:lnTo>
-                    <a:pt x="463" y="16221"/>
-                  </a:lnTo>
-                  <a:lnTo>
-                    <a:pt x="560" y="16173"/>
-                  </a:lnTo>
-                  <a:lnTo>
-                    <a:pt x="6137" y="13323"/>
-                  </a:lnTo>
-                  <a:lnTo>
-                    <a:pt x="6137" y="1"/>
-                  </a:lnTo>
-                  <a:close/>
-                </a:path>
-              </a:pathLst>
-            </a:custGeom>
-            <a:noFill/>
-            <a:ln w="12175" cap="rnd" cmpd="sng">
-              <a:solidFill>
-                <a:schemeClr val="accent6"/>
-              </a:solidFill>
-              <a:prstDash val="solid"/>
-              <a:round/>
-              <a:headEnd type="none" w="sm" len="sm"/>
-              <a:tailEnd type="none" w="sm" len="sm"/>
-            </a:ln>
-          </p:spPr>
-          <p:txBody>
-            <a:bodyPr spcFirstLastPara="1" wrap="square" lIns="91425" tIns="91425" rIns="91425" bIns="91425" anchor="ctr" anchorCtr="0">
-              <a:noAutofit/>
-            </a:bodyPr>
-            <a:lstStyle/>
-            <a:p>
-              <a:pPr marL="0" lvl="0" indent="0" algn="l" rtl="0">
-                <a:spcBef>
-                  <a:spcPts val="0"/>
-                </a:spcBef>
-                <a:spcAft>
-                  <a:spcPts val="0"/>
-                </a:spcAft>
-                <a:buNone/>
-              </a:pPr>
-              <a:endParaRPr/>
-            </a:p>
-          </p:txBody>
-        </p:sp>
-        <p:sp>
-          <p:nvSpPr>
-            <p:cNvPr id="106" name="Google Shape;106;p17"/>
-            <p:cNvSpPr/>
-            <p:nvPr/>
-          </p:nvSpPr>
-          <p:spPr>
-            <a:xfrm>
-              <a:off x="4234975" y="306925"/>
-              <a:ext cx="154075" cy="405525"/>
-            </a:xfrm>
-            <a:custGeom>
-              <a:avLst/>
-              <a:gdLst/>
-              <a:ahLst/>
-              <a:cxnLst/>
-              <a:rect l="l" t="t" r="r" b="b"/>
-              <a:pathLst>
-                <a:path w="6163" h="16221" fill="none" extrusionOk="0">
-                  <a:moveTo>
-                    <a:pt x="5578" y="49"/>
-                  </a:moveTo>
-                  <a:lnTo>
-                    <a:pt x="0" y="2898"/>
-                  </a:lnTo>
-                  <a:lnTo>
-                    <a:pt x="0" y="16221"/>
-                  </a:lnTo>
-                  <a:lnTo>
-                    <a:pt x="5626" y="13371"/>
-                  </a:lnTo>
-                  <a:lnTo>
-                    <a:pt x="5626" y="13371"/>
-                  </a:lnTo>
-                  <a:lnTo>
-                    <a:pt x="5724" y="13322"/>
-                  </a:lnTo>
-                  <a:lnTo>
-                    <a:pt x="5845" y="13225"/>
-                  </a:lnTo>
-                  <a:lnTo>
-                    <a:pt x="5918" y="13127"/>
-                  </a:lnTo>
-                  <a:lnTo>
-                    <a:pt x="6016" y="13030"/>
-                  </a:lnTo>
-                  <a:lnTo>
-                    <a:pt x="6065" y="12908"/>
-                  </a:lnTo>
-                  <a:lnTo>
-                    <a:pt x="6113" y="12786"/>
-                  </a:lnTo>
-                  <a:lnTo>
-                    <a:pt x="6138" y="12665"/>
-                  </a:lnTo>
-                  <a:lnTo>
-                    <a:pt x="6162" y="12543"/>
-                  </a:lnTo>
-                  <a:lnTo>
-                    <a:pt x="6162" y="341"/>
-                  </a:lnTo>
-                  <a:lnTo>
-                    <a:pt x="6162" y="341"/>
-                  </a:lnTo>
-                  <a:lnTo>
-                    <a:pt x="6138" y="219"/>
-                  </a:lnTo>
-                  <a:lnTo>
-                    <a:pt x="6113" y="146"/>
-                  </a:lnTo>
-                  <a:lnTo>
-                    <a:pt x="6065" y="73"/>
-                  </a:lnTo>
-                  <a:lnTo>
-                    <a:pt x="5992" y="24"/>
-                  </a:lnTo>
-                  <a:lnTo>
-                    <a:pt x="5894" y="0"/>
-                  </a:lnTo>
-                  <a:lnTo>
-                    <a:pt x="5797" y="0"/>
-                  </a:lnTo>
-                  <a:lnTo>
-                    <a:pt x="5699" y="0"/>
-                  </a:lnTo>
-                  <a:lnTo>
-                    <a:pt x="5578" y="49"/>
-                  </a:lnTo>
-                  <a:lnTo>
-                    <a:pt x="5578" y="49"/>
-                  </a:lnTo>
-                  <a:close/>
-                </a:path>
-              </a:pathLst>
-            </a:custGeom>
-            <a:noFill/>
-            <a:ln w="12175" cap="rnd" cmpd="sng">
-              <a:solidFill>
-                <a:schemeClr val="accent6"/>
-              </a:solidFill>
-              <a:prstDash val="solid"/>
-              <a:round/>
-              <a:headEnd type="none" w="sm" len="sm"/>
-              <a:tailEnd type="none" w="sm" len="sm"/>
-            </a:ln>
-          </p:spPr>
-          <p:txBody>
-            <a:bodyPr spcFirstLastPara="1" wrap="square" lIns="91425" tIns="91425" rIns="91425" bIns="91425" anchor="ctr" anchorCtr="0">
-              <a:noAutofit/>
-            </a:bodyPr>
-            <a:lstStyle/>
-            <a:p>
-              <a:pPr marL="0" lvl="0" indent="0" algn="l" rtl="0">
-                <a:spcBef>
-                  <a:spcPts val="0"/>
-                </a:spcBef>
-                <a:spcAft>
-                  <a:spcPts val="0"/>
-                </a:spcAft>
-                <a:buNone/>
-              </a:pPr>
-              <a:endParaRPr/>
-            </a:p>
-          </p:txBody>
-        </p:sp>
-        <p:sp>
-          <p:nvSpPr>
-            <p:cNvPr id="107" name="Google Shape;107;p17"/>
-            <p:cNvSpPr/>
-            <p:nvPr/>
-          </p:nvSpPr>
-          <p:spPr>
-            <a:xfrm>
-              <a:off x="4295850" y="442075"/>
-              <a:ext cx="46300" cy="26225"/>
-            </a:xfrm>
-            <a:custGeom>
-              <a:avLst/>
-              <a:gdLst/>
-              <a:ahLst/>
-              <a:cxnLst/>
-              <a:rect l="l" t="t" r="r" b="b"/>
-              <a:pathLst>
-                <a:path w="1852" h="1049" fill="none" extrusionOk="0">
-                  <a:moveTo>
-                    <a:pt x="1" y="1"/>
-                  </a:moveTo>
-                  <a:lnTo>
-                    <a:pt x="1852" y="1048"/>
-                  </a:lnTo>
-                </a:path>
-              </a:pathLst>
-            </a:custGeom>
-            <a:noFill/>
-            <a:ln w="12175" cap="rnd" cmpd="sng">
-              <a:solidFill>
-                <a:schemeClr val="accent6"/>
-              </a:solidFill>
-              <a:prstDash val="solid"/>
-              <a:round/>
-              <a:headEnd type="none" w="sm" len="sm"/>
-              <a:tailEnd type="none" w="sm" len="sm"/>
-            </a:ln>
-          </p:spPr>
-          <p:txBody>
-            <a:bodyPr spcFirstLastPara="1" wrap="square" lIns="91425" tIns="91425" rIns="91425" bIns="91425" anchor="ctr" anchorCtr="0">
-              <a:noAutofit/>
-            </a:bodyPr>
-            <a:lstStyle/>
-            <a:p>
-              <a:pPr marL="0" lvl="0" indent="0" algn="l" rtl="0">
-                <a:spcBef>
-                  <a:spcPts val="0"/>
-                </a:spcBef>
-                <a:spcAft>
-                  <a:spcPts val="0"/>
-                </a:spcAft>
-                <a:buNone/>
-              </a:pPr>
-              <a:endParaRPr/>
-            </a:p>
-          </p:txBody>
-        </p:sp>
-        <p:sp>
-          <p:nvSpPr>
-            <p:cNvPr id="108" name="Google Shape;108;p17"/>
-            <p:cNvSpPr/>
-            <p:nvPr/>
-          </p:nvSpPr>
-          <p:spPr>
-            <a:xfrm>
-              <a:off x="4296475" y="415900"/>
-              <a:ext cx="45075" cy="78575"/>
-            </a:xfrm>
-            <a:custGeom>
-              <a:avLst/>
-              <a:gdLst/>
-              <a:ahLst/>
-              <a:cxnLst/>
-              <a:rect l="l" t="t" r="r" b="b"/>
-              <a:pathLst>
-                <a:path w="1803" h="3143" fill="none" extrusionOk="0">
-                  <a:moveTo>
-                    <a:pt x="1802" y="1"/>
-                  </a:moveTo>
-                  <a:lnTo>
-                    <a:pt x="0" y="3142"/>
-                  </a:lnTo>
-                </a:path>
-              </a:pathLst>
-            </a:custGeom>
-            <a:noFill/>
-            <a:ln w="12175" cap="rnd" cmpd="sng">
-              <a:solidFill>
-                <a:schemeClr val="accent6"/>
-              </a:solidFill>
-              <a:prstDash val="solid"/>
-              <a:round/>
-              <a:headEnd type="none" w="sm" len="sm"/>
-              <a:tailEnd type="none" w="sm" len="sm"/>
-            </a:ln>
-          </p:spPr>
-          <p:txBody>
-            <a:bodyPr spcFirstLastPara="1" wrap="square" lIns="91425" tIns="91425" rIns="91425" bIns="91425" anchor="ctr" anchorCtr="0">
-              <a:noAutofit/>
-            </a:bodyPr>
-            <a:lstStyle/>
-            <a:p>
-              <a:pPr marL="0" lvl="0" indent="0" algn="l" rtl="0">
-                <a:spcBef>
-                  <a:spcPts val="0"/>
-                </a:spcBef>
-                <a:spcAft>
-                  <a:spcPts val="0"/>
-                </a:spcAft>
-                <a:buNone/>
-              </a:pPr>
-              <a:endParaRPr/>
-            </a:p>
-          </p:txBody>
-        </p:sp>
-        <p:sp>
-          <p:nvSpPr>
-            <p:cNvPr id="109" name="Google Shape;109;p17"/>
-            <p:cNvSpPr/>
-            <p:nvPr/>
-          </p:nvSpPr>
-          <p:spPr>
-            <a:xfrm>
-              <a:off x="3968275" y="590050"/>
-              <a:ext cx="25" cy="6100"/>
-            </a:xfrm>
-            <a:custGeom>
-              <a:avLst/>
-              <a:gdLst/>
-              <a:ahLst/>
-              <a:cxnLst/>
-              <a:rect l="l" t="t" r="r" b="b"/>
-              <a:pathLst>
-                <a:path w="1" h="244" fill="none" extrusionOk="0">
-                  <a:moveTo>
-                    <a:pt x="1" y="244"/>
-                  </a:moveTo>
-                  <a:lnTo>
-                    <a:pt x="1" y="244"/>
-                  </a:lnTo>
-                  <a:lnTo>
-                    <a:pt x="1" y="0"/>
-                  </a:lnTo>
-                </a:path>
-              </a:pathLst>
-            </a:custGeom>
-            <a:noFill/>
-            <a:ln w="12175" cap="rnd" cmpd="sng">
-              <a:solidFill>
-                <a:schemeClr val="accent6"/>
-              </a:solidFill>
-              <a:prstDash val="solid"/>
-              <a:round/>
-              <a:headEnd type="none" w="sm" len="sm"/>
-              <a:tailEnd type="none" w="sm" len="sm"/>
-            </a:ln>
-          </p:spPr>
-          <p:txBody>
-            <a:bodyPr spcFirstLastPara="1" wrap="square" lIns="91425" tIns="91425" rIns="91425" bIns="91425" anchor="ctr" anchorCtr="0">
-              <a:noAutofit/>
-            </a:bodyPr>
-            <a:lstStyle/>
-            <a:p>
-              <a:pPr marL="0" lvl="0" indent="0" algn="l" rtl="0">
-                <a:spcBef>
-                  <a:spcPts val="0"/>
-                </a:spcBef>
-                <a:spcAft>
-                  <a:spcPts val="0"/>
-                </a:spcAft>
-                <a:buNone/>
-              </a:pPr>
-              <a:endParaRPr/>
-            </a:p>
-          </p:txBody>
-        </p:sp>
-        <p:sp>
-          <p:nvSpPr>
-            <p:cNvPr id="110" name="Google Shape;110;p17"/>
-            <p:cNvSpPr/>
-            <p:nvPr/>
-          </p:nvSpPr>
-          <p:spPr>
-            <a:xfrm>
-              <a:off x="3970725" y="558375"/>
-              <a:ext cx="1850" cy="12200"/>
-            </a:xfrm>
-            <a:custGeom>
-              <a:avLst/>
-              <a:gdLst/>
-              <a:ahLst/>
-              <a:cxnLst/>
-              <a:rect l="l" t="t" r="r" b="b"/>
-              <a:pathLst>
-                <a:path w="74" h="488" fill="none" extrusionOk="0">
-                  <a:moveTo>
-                    <a:pt x="0" y="488"/>
-                  </a:moveTo>
-                  <a:lnTo>
-                    <a:pt x="73" y="1"/>
-                  </a:lnTo>
-                </a:path>
-              </a:pathLst>
-            </a:custGeom>
-            <a:noFill/>
-            <a:ln w="12175" cap="rnd" cmpd="sng">
-              <a:solidFill>
-                <a:schemeClr val="accent6"/>
-              </a:solidFill>
-              <a:prstDash val="solid"/>
-              <a:round/>
-              <a:headEnd type="none" w="sm" len="sm"/>
-              <a:tailEnd type="none" w="sm" len="sm"/>
-            </a:ln>
-          </p:spPr>
-          <p:txBody>
-            <a:bodyPr spcFirstLastPara="1" wrap="square" lIns="91425" tIns="91425" rIns="91425" bIns="91425" anchor="ctr" anchorCtr="0">
-              <a:noAutofit/>
-            </a:bodyPr>
-            <a:lstStyle/>
-            <a:p>
-              <a:pPr marL="0" lvl="0" indent="0" algn="l" rtl="0">
-                <a:spcBef>
-                  <a:spcPts val="0"/>
-                </a:spcBef>
-                <a:spcAft>
-                  <a:spcPts val="0"/>
-                </a:spcAft>
-                <a:buNone/>
-              </a:pPr>
-              <a:endParaRPr/>
-            </a:p>
-          </p:txBody>
-        </p:sp>
-        <p:sp>
-          <p:nvSpPr>
-            <p:cNvPr id="111" name="Google Shape;111;p17"/>
-            <p:cNvSpPr/>
-            <p:nvPr/>
-          </p:nvSpPr>
-          <p:spPr>
-            <a:xfrm>
-              <a:off x="3976200" y="527325"/>
-              <a:ext cx="3675" cy="12200"/>
-            </a:xfrm>
-            <a:custGeom>
-              <a:avLst/>
-              <a:gdLst/>
-              <a:ahLst/>
-              <a:cxnLst/>
-              <a:rect l="l" t="t" r="r" b="b"/>
-              <a:pathLst>
-                <a:path w="147" h="488" fill="none" extrusionOk="0">
-                  <a:moveTo>
-                    <a:pt x="0" y="488"/>
-                  </a:moveTo>
-                  <a:lnTo>
-                    <a:pt x="98" y="147"/>
-                  </a:lnTo>
-                  <a:lnTo>
-                    <a:pt x="147" y="1"/>
-                  </a:lnTo>
-                </a:path>
-              </a:pathLst>
-            </a:custGeom>
-            <a:noFill/>
-            <a:ln w="12175" cap="rnd" cmpd="sng">
-              <a:solidFill>
-                <a:schemeClr val="accent6"/>
-              </a:solidFill>
-              <a:prstDash val="solid"/>
-              <a:round/>
-              <a:headEnd type="none" w="sm" len="sm"/>
-              <a:tailEnd type="none" w="sm" len="sm"/>
-            </a:ln>
-          </p:spPr>
-          <p:txBody>
-            <a:bodyPr spcFirstLastPara="1" wrap="square" lIns="91425" tIns="91425" rIns="91425" bIns="91425" anchor="ctr" anchorCtr="0">
-              <a:noAutofit/>
-            </a:bodyPr>
-            <a:lstStyle/>
-            <a:p>
-              <a:pPr marL="0" lvl="0" indent="0" algn="l" rtl="0">
-                <a:spcBef>
-                  <a:spcPts val="0"/>
-                </a:spcBef>
-                <a:spcAft>
-                  <a:spcPts val="0"/>
-                </a:spcAft>
-                <a:buNone/>
-              </a:pPr>
-              <a:endParaRPr/>
-            </a:p>
-          </p:txBody>
-        </p:sp>
-        <p:sp>
-          <p:nvSpPr>
-            <p:cNvPr id="112" name="Google Shape;112;p17"/>
-            <p:cNvSpPr/>
-            <p:nvPr/>
-          </p:nvSpPr>
-          <p:spPr>
-            <a:xfrm>
-              <a:off x="3985950" y="498100"/>
-              <a:ext cx="4875" cy="10975"/>
-            </a:xfrm>
-            <a:custGeom>
-              <a:avLst/>
-              <a:gdLst/>
-              <a:ahLst/>
-              <a:cxnLst/>
-              <a:rect l="l" t="t" r="r" b="b"/>
-              <a:pathLst>
-                <a:path w="195" h="439" fill="none" extrusionOk="0">
-                  <a:moveTo>
-                    <a:pt x="0" y="439"/>
-                  </a:moveTo>
-                  <a:lnTo>
-                    <a:pt x="195" y="25"/>
-                  </a:lnTo>
-                  <a:lnTo>
-                    <a:pt x="195" y="1"/>
-                  </a:lnTo>
-                </a:path>
-              </a:pathLst>
-            </a:custGeom>
-            <a:noFill/>
-            <a:ln w="12175" cap="rnd" cmpd="sng">
-              <a:solidFill>
-                <a:schemeClr val="accent6"/>
-              </a:solidFill>
-              <a:prstDash val="solid"/>
-              <a:round/>
-              <a:headEnd type="none" w="sm" len="sm"/>
-              <a:tailEnd type="none" w="sm" len="sm"/>
-            </a:ln>
-          </p:spPr>
-          <p:txBody>
-            <a:bodyPr spcFirstLastPara="1" wrap="square" lIns="91425" tIns="91425" rIns="91425" bIns="91425" anchor="ctr" anchorCtr="0">
-              <a:noAutofit/>
-            </a:bodyPr>
-            <a:lstStyle/>
-            <a:p>
-              <a:pPr marL="0" lvl="0" indent="0" algn="l" rtl="0">
-                <a:spcBef>
-                  <a:spcPts val="0"/>
-                </a:spcBef>
-                <a:spcAft>
-                  <a:spcPts val="0"/>
-                </a:spcAft>
-                <a:buNone/>
-              </a:pPr>
-              <a:endParaRPr/>
-            </a:p>
-          </p:txBody>
-        </p:sp>
-        <p:sp>
-          <p:nvSpPr>
-            <p:cNvPr id="113" name="Google Shape;113;p17"/>
-            <p:cNvSpPr/>
-            <p:nvPr/>
-          </p:nvSpPr>
-          <p:spPr>
-            <a:xfrm>
-              <a:off x="4000550" y="471300"/>
-              <a:ext cx="7325" cy="9775"/>
-            </a:xfrm>
-            <a:custGeom>
-              <a:avLst/>
-              <a:gdLst/>
-              <a:ahLst/>
-              <a:cxnLst/>
-              <a:rect l="l" t="t" r="r" b="b"/>
-              <a:pathLst>
-                <a:path w="293" h="391" fill="none" extrusionOk="0">
-                  <a:moveTo>
-                    <a:pt x="1" y="391"/>
-                  </a:moveTo>
-                  <a:lnTo>
-                    <a:pt x="74" y="269"/>
-                  </a:lnTo>
-                  <a:lnTo>
-                    <a:pt x="293" y="1"/>
-                  </a:lnTo>
-                </a:path>
-              </a:pathLst>
-            </a:custGeom>
-            <a:noFill/>
-            <a:ln w="12175" cap="rnd" cmpd="sng">
-              <a:solidFill>
-                <a:schemeClr val="accent6"/>
-              </a:solidFill>
-              <a:prstDash val="solid"/>
-              <a:round/>
-              <a:headEnd type="none" w="sm" len="sm"/>
-              <a:tailEnd type="none" w="sm" len="sm"/>
-            </a:ln>
-          </p:spPr>
-          <p:txBody>
-            <a:bodyPr spcFirstLastPara="1" wrap="square" lIns="91425" tIns="91425" rIns="91425" bIns="91425" anchor="ctr" anchorCtr="0">
-              <a:noAutofit/>
-            </a:bodyPr>
-            <a:lstStyle/>
-            <a:p>
-              <a:pPr marL="0" lvl="0" indent="0" algn="l" rtl="0">
-                <a:spcBef>
-                  <a:spcPts val="0"/>
-                </a:spcBef>
-                <a:spcAft>
-                  <a:spcPts val="0"/>
-                </a:spcAft>
-                <a:buNone/>
-              </a:pPr>
-              <a:endParaRPr/>
-            </a:p>
-          </p:txBody>
-        </p:sp>
-        <p:sp>
-          <p:nvSpPr>
-            <p:cNvPr id="114" name="Google Shape;114;p17"/>
-            <p:cNvSpPr/>
-            <p:nvPr/>
-          </p:nvSpPr>
-          <p:spPr>
-            <a:xfrm>
-              <a:off x="4021250" y="450600"/>
-              <a:ext cx="10375" cy="6725"/>
-            </a:xfrm>
-            <a:custGeom>
-              <a:avLst/>
-              <a:gdLst/>
-              <a:ahLst/>
-              <a:cxnLst/>
-              <a:rect l="l" t="t" r="r" b="b"/>
-              <a:pathLst>
-                <a:path w="415" h="269" fill="none" extrusionOk="0">
-                  <a:moveTo>
-                    <a:pt x="1" y="269"/>
-                  </a:moveTo>
-                  <a:lnTo>
-                    <a:pt x="25" y="244"/>
-                  </a:lnTo>
-                  <a:lnTo>
-                    <a:pt x="220" y="123"/>
-                  </a:lnTo>
-                  <a:lnTo>
-                    <a:pt x="415" y="1"/>
-                  </a:lnTo>
-                </a:path>
-              </a:pathLst>
-            </a:custGeom>
-            <a:noFill/>
-            <a:ln w="12175" cap="rnd" cmpd="sng">
-              <a:solidFill>
-                <a:schemeClr val="accent6"/>
-              </a:solidFill>
-              <a:prstDash val="solid"/>
-              <a:round/>
-              <a:headEnd type="none" w="sm" len="sm"/>
-              <a:tailEnd type="none" w="sm" len="sm"/>
-            </a:ln>
-          </p:spPr>
-          <p:txBody>
-            <a:bodyPr spcFirstLastPara="1" wrap="square" lIns="91425" tIns="91425" rIns="91425" bIns="91425" anchor="ctr" anchorCtr="0">
-              <a:noAutofit/>
-            </a:bodyPr>
-            <a:lstStyle/>
-            <a:p>
-              <a:pPr marL="0" lvl="0" indent="0" algn="l" rtl="0">
-                <a:spcBef>
-                  <a:spcPts val="0"/>
-                </a:spcBef>
-                <a:spcAft>
-                  <a:spcPts val="0"/>
-                </a:spcAft>
-                <a:buNone/>
-              </a:pPr>
-              <a:endParaRPr/>
-            </a:p>
-          </p:txBody>
-        </p:sp>
-        <p:sp>
-          <p:nvSpPr>
-            <p:cNvPr id="115" name="Google Shape;115;p17"/>
-            <p:cNvSpPr/>
-            <p:nvPr/>
-          </p:nvSpPr>
-          <p:spPr>
-            <a:xfrm>
-              <a:off x="4049250" y="440250"/>
-              <a:ext cx="11600" cy="2475"/>
-            </a:xfrm>
-            <a:custGeom>
-              <a:avLst/>
-              <a:gdLst/>
-              <a:ahLst/>
-              <a:cxnLst/>
-              <a:rect l="l" t="t" r="r" b="b"/>
-              <a:pathLst>
-                <a:path w="464" h="99" fill="none" extrusionOk="0">
-                  <a:moveTo>
-                    <a:pt x="1" y="98"/>
-                  </a:moveTo>
-                  <a:lnTo>
-                    <a:pt x="220" y="50"/>
-                  </a:lnTo>
-                  <a:lnTo>
-                    <a:pt x="464" y="1"/>
-                  </a:lnTo>
-                  <a:lnTo>
-                    <a:pt x="464" y="1"/>
-                  </a:lnTo>
-                </a:path>
-              </a:pathLst>
-            </a:custGeom>
-            <a:noFill/>
-            <a:ln w="12175" cap="rnd" cmpd="sng">
-              <a:solidFill>
-                <a:schemeClr val="accent6"/>
-              </a:solidFill>
-              <a:prstDash val="solid"/>
-              <a:round/>
-              <a:headEnd type="none" w="sm" len="sm"/>
-              <a:tailEnd type="none" w="sm" len="sm"/>
-            </a:ln>
-          </p:spPr>
-          <p:txBody>
-            <a:bodyPr spcFirstLastPara="1" wrap="square" lIns="91425" tIns="91425" rIns="91425" bIns="91425" anchor="ctr" anchorCtr="0">
-              <a:noAutofit/>
-            </a:bodyPr>
-            <a:lstStyle/>
-            <a:p>
-              <a:pPr marL="0" lvl="0" indent="0" algn="l" rtl="0">
-                <a:spcBef>
-                  <a:spcPts val="0"/>
-                </a:spcBef>
-                <a:spcAft>
-                  <a:spcPts val="0"/>
-                </a:spcAft>
-                <a:buNone/>
-              </a:pPr>
-              <a:endParaRPr/>
-            </a:p>
-          </p:txBody>
-        </p:sp>
-        <p:sp>
-          <p:nvSpPr>
-            <p:cNvPr id="116" name="Google Shape;116;p17"/>
-            <p:cNvSpPr/>
-            <p:nvPr/>
-          </p:nvSpPr>
-          <p:spPr>
-            <a:xfrm>
-              <a:off x="4080325" y="439650"/>
-              <a:ext cx="12200" cy="1850"/>
-            </a:xfrm>
-            <a:custGeom>
-              <a:avLst/>
-              <a:gdLst/>
-              <a:ahLst/>
-              <a:cxnLst/>
-              <a:rect l="l" t="t" r="r" b="b"/>
-              <a:pathLst>
-                <a:path w="488" h="74" fill="none" extrusionOk="0">
-                  <a:moveTo>
-                    <a:pt x="0" y="0"/>
-                  </a:moveTo>
-                  <a:lnTo>
-                    <a:pt x="146" y="0"/>
-                  </a:lnTo>
-                  <a:lnTo>
-                    <a:pt x="463" y="74"/>
-                  </a:lnTo>
-                  <a:lnTo>
-                    <a:pt x="487" y="74"/>
-                  </a:lnTo>
-                </a:path>
-              </a:pathLst>
-            </a:custGeom>
-            <a:noFill/>
-            <a:ln w="12175" cap="rnd" cmpd="sng">
-              <a:solidFill>
-                <a:schemeClr val="accent6"/>
-              </a:solidFill>
-              <a:prstDash val="solid"/>
-              <a:round/>
-              <a:headEnd type="none" w="sm" len="sm"/>
-              <a:tailEnd type="none" w="sm" len="sm"/>
-            </a:ln>
-          </p:spPr>
-          <p:txBody>
-            <a:bodyPr spcFirstLastPara="1" wrap="square" lIns="91425" tIns="91425" rIns="91425" bIns="91425" anchor="ctr" anchorCtr="0">
-              <a:noAutofit/>
-            </a:bodyPr>
-            <a:lstStyle/>
-            <a:p>
-              <a:pPr marL="0" lvl="0" indent="0" algn="l" rtl="0">
-                <a:spcBef>
-                  <a:spcPts val="0"/>
-                </a:spcBef>
-                <a:spcAft>
-                  <a:spcPts val="0"/>
-                </a:spcAft>
-                <a:buNone/>
-              </a:pPr>
-              <a:endParaRPr/>
-            </a:p>
-          </p:txBody>
-        </p:sp>
-        <p:sp>
-          <p:nvSpPr>
-            <p:cNvPr id="117" name="Google Shape;117;p17"/>
-            <p:cNvSpPr/>
-            <p:nvPr/>
-          </p:nvSpPr>
-          <p:spPr>
-            <a:xfrm>
-              <a:off x="4110150" y="450000"/>
-              <a:ext cx="9150" cy="7950"/>
-            </a:xfrm>
-            <a:custGeom>
-              <a:avLst/>
-              <a:gdLst/>
-              <a:ahLst/>
-              <a:cxnLst/>
-              <a:rect l="l" t="t" r="r" b="b"/>
-              <a:pathLst>
-                <a:path w="366" h="318" fill="none" extrusionOk="0">
-                  <a:moveTo>
-                    <a:pt x="0" y="1"/>
-                  </a:moveTo>
-                  <a:lnTo>
-                    <a:pt x="98" y="74"/>
-                  </a:lnTo>
-                  <a:lnTo>
-                    <a:pt x="317" y="268"/>
-                  </a:lnTo>
-                  <a:lnTo>
-                    <a:pt x="366" y="317"/>
-                  </a:lnTo>
-                </a:path>
-              </a:pathLst>
-            </a:custGeom>
-            <a:noFill/>
-            <a:ln w="12175" cap="rnd" cmpd="sng">
-              <a:solidFill>
-                <a:schemeClr val="accent6"/>
-              </a:solidFill>
-              <a:prstDash val="solid"/>
-              <a:round/>
-              <a:headEnd type="none" w="sm" len="sm"/>
-              <a:tailEnd type="none" w="sm" len="sm"/>
-            </a:ln>
-          </p:spPr>
-          <p:txBody>
-            <a:bodyPr spcFirstLastPara="1" wrap="square" lIns="91425" tIns="91425" rIns="91425" bIns="91425" anchor="ctr" anchorCtr="0">
-              <a:noAutofit/>
-            </a:bodyPr>
-            <a:lstStyle/>
-            <a:p>
-              <a:pPr marL="0" lvl="0" indent="0" algn="l" rtl="0">
-                <a:spcBef>
-                  <a:spcPts val="0"/>
-                </a:spcBef>
-                <a:spcAft>
-                  <a:spcPts val="0"/>
-                </a:spcAft>
-                <a:buNone/>
-              </a:pPr>
-              <a:endParaRPr/>
-            </a:p>
-          </p:txBody>
-        </p:sp>
-        <p:sp>
-          <p:nvSpPr>
-            <p:cNvPr id="118" name="Google Shape;118;p17"/>
-            <p:cNvSpPr/>
-            <p:nvPr/>
-          </p:nvSpPr>
-          <p:spPr>
-            <a:xfrm>
-              <a:off x="4130250" y="473750"/>
-              <a:ext cx="4900" cy="10975"/>
-            </a:xfrm>
-            <a:custGeom>
-              <a:avLst/>
-              <a:gdLst/>
-              <a:ahLst/>
-              <a:cxnLst/>
-              <a:rect l="l" t="t" r="r" b="b"/>
-              <a:pathLst>
-                <a:path w="196" h="439" fill="none" extrusionOk="0">
-                  <a:moveTo>
-                    <a:pt x="0" y="0"/>
-                  </a:moveTo>
-                  <a:lnTo>
-                    <a:pt x="25" y="73"/>
-                  </a:lnTo>
-                  <a:lnTo>
-                    <a:pt x="171" y="366"/>
-                  </a:lnTo>
-                  <a:lnTo>
-                    <a:pt x="195" y="439"/>
-                  </a:lnTo>
-                </a:path>
-              </a:pathLst>
-            </a:custGeom>
-            <a:noFill/>
-            <a:ln w="12175" cap="rnd" cmpd="sng">
-              <a:solidFill>
-                <a:schemeClr val="accent6"/>
-              </a:solidFill>
-              <a:prstDash val="solid"/>
-              <a:round/>
-              <a:headEnd type="none" w="sm" len="sm"/>
-              <a:tailEnd type="none" w="sm" len="sm"/>
-            </a:ln>
-          </p:spPr>
-          <p:txBody>
-            <a:bodyPr spcFirstLastPara="1" wrap="square" lIns="91425" tIns="91425" rIns="91425" bIns="91425" anchor="ctr" anchorCtr="0">
-              <a:noAutofit/>
-            </a:bodyPr>
-            <a:lstStyle/>
-            <a:p>
-              <a:pPr marL="0" lvl="0" indent="0" algn="l" rtl="0">
-                <a:spcBef>
-                  <a:spcPts val="0"/>
-                </a:spcBef>
-                <a:spcAft>
-                  <a:spcPts val="0"/>
-                </a:spcAft>
-                <a:buNone/>
-              </a:pPr>
-              <a:endParaRPr/>
-            </a:p>
-          </p:txBody>
-        </p:sp>
-        <p:sp>
-          <p:nvSpPr>
-            <p:cNvPr id="119" name="Google Shape;119;p17"/>
-            <p:cNvSpPr/>
-            <p:nvPr/>
-          </p:nvSpPr>
-          <p:spPr>
-            <a:xfrm>
-              <a:off x="4141800" y="502975"/>
-              <a:ext cx="3700" cy="11600"/>
-            </a:xfrm>
-            <a:custGeom>
-              <a:avLst/>
-              <a:gdLst/>
-              <a:ahLst/>
-              <a:cxnLst/>
-              <a:rect l="l" t="t" r="r" b="b"/>
-              <a:pathLst>
-                <a:path w="148" h="464" fill="none" extrusionOk="0">
-                  <a:moveTo>
-                    <a:pt x="1" y="0"/>
-                  </a:moveTo>
-                  <a:lnTo>
-                    <a:pt x="147" y="463"/>
-                  </a:lnTo>
-                </a:path>
-              </a:pathLst>
-            </a:custGeom>
-            <a:noFill/>
-            <a:ln w="12175" cap="rnd" cmpd="sng">
-              <a:solidFill>
-                <a:schemeClr val="accent6"/>
-              </a:solidFill>
-              <a:prstDash val="solid"/>
-              <a:round/>
-              <a:headEnd type="none" w="sm" len="sm"/>
-              <a:tailEnd type="none" w="sm" len="sm"/>
-            </a:ln>
-          </p:spPr>
-          <p:txBody>
-            <a:bodyPr spcFirstLastPara="1" wrap="square" lIns="91425" tIns="91425" rIns="91425" bIns="91425" anchor="ctr" anchorCtr="0">
-              <a:noAutofit/>
-            </a:bodyPr>
-            <a:lstStyle/>
-            <a:p>
-              <a:pPr marL="0" lvl="0" indent="0" algn="l" rtl="0">
-                <a:spcBef>
-                  <a:spcPts val="0"/>
-                </a:spcBef>
-                <a:spcAft>
-                  <a:spcPts val="0"/>
-                </a:spcAft>
-                <a:buNone/>
-              </a:pPr>
-              <a:endParaRPr/>
-            </a:p>
-          </p:txBody>
-        </p:sp>
-        <p:sp>
-          <p:nvSpPr>
-            <p:cNvPr id="120" name="Google Shape;120;p17"/>
-            <p:cNvSpPr/>
-            <p:nvPr/>
-          </p:nvSpPr>
-          <p:spPr>
-            <a:xfrm>
-              <a:off x="4150950" y="533425"/>
-              <a:ext cx="3675" cy="11575"/>
-            </a:xfrm>
-            <a:custGeom>
-              <a:avLst/>
-              <a:gdLst/>
-              <a:ahLst/>
-              <a:cxnLst/>
-              <a:rect l="l" t="t" r="r" b="b"/>
-              <a:pathLst>
-                <a:path w="147" h="463" fill="none" extrusionOk="0">
-                  <a:moveTo>
-                    <a:pt x="0" y="0"/>
-                  </a:moveTo>
-                  <a:lnTo>
-                    <a:pt x="146" y="463"/>
-                  </a:lnTo>
-                </a:path>
-              </a:pathLst>
-            </a:custGeom>
-            <a:noFill/>
-            <a:ln w="12175" cap="rnd" cmpd="sng">
-              <a:solidFill>
-                <a:schemeClr val="accent6"/>
-              </a:solidFill>
-              <a:prstDash val="solid"/>
-              <a:round/>
-              <a:headEnd type="none" w="sm" len="sm"/>
-              <a:tailEnd type="none" w="sm" len="sm"/>
-            </a:ln>
-          </p:spPr>
-          <p:txBody>
-            <a:bodyPr spcFirstLastPara="1" wrap="square" lIns="91425" tIns="91425" rIns="91425" bIns="91425" anchor="ctr" anchorCtr="0">
-              <a:noAutofit/>
-            </a:bodyPr>
-            <a:lstStyle/>
-            <a:p>
-              <a:pPr marL="0" lvl="0" indent="0" algn="l" rtl="0">
-                <a:spcBef>
-                  <a:spcPts val="0"/>
-                </a:spcBef>
-                <a:spcAft>
-                  <a:spcPts val="0"/>
-                </a:spcAft>
-                <a:buNone/>
-              </a:pPr>
-              <a:endParaRPr/>
-            </a:p>
-          </p:txBody>
-        </p:sp>
-        <p:sp>
-          <p:nvSpPr>
-            <p:cNvPr id="121" name="Google Shape;121;p17"/>
-            <p:cNvSpPr/>
-            <p:nvPr/>
-          </p:nvSpPr>
-          <p:spPr>
-            <a:xfrm>
-              <a:off x="4160675" y="563850"/>
-              <a:ext cx="4900" cy="11000"/>
-            </a:xfrm>
-            <a:custGeom>
-              <a:avLst/>
-              <a:gdLst/>
-              <a:ahLst/>
-              <a:cxnLst/>
-              <a:rect l="l" t="t" r="r" b="b"/>
-              <a:pathLst>
-                <a:path w="196" h="440" fill="none" extrusionOk="0">
-                  <a:moveTo>
-                    <a:pt x="1" y="1"/>
-                  </a:moveTo>
-                  <a:lnTo>
-                    <a:pt x="50" y="123"/>
-                  </a:lnTo>
-                  <a:lnTo>
-                    <a:pt x="196" y="415"/>
-                  </a:lnTo>
-                  <a:lnTo>
-                    <a:pt x="196" y="439"/>
-                  </a:lnTo>
-                </a:path>
-              </a:pathLst>
-            </a:custGeom>
-            <a:noFill/>
-            <a:ln w="12175" cap="rnd" cmpd="sng">
-              <a:solidFill>
-                <a:schemeClr val="accent6"/>
-              </a:solidFill>
-              <a:prstDash val="solid"/>
-              <a:round/>
-              <a:headEnd type="none" w="sm" len="sm"/>
-              <a:tailEnd type="none" w="sm" len="sm"/>
-            </a:ln>
-          </p:spPr>
-          <p:txBody>
-            <a:bodyPr spcFirstLastPara="1" wrap="square" lIns="91425" tIns="91425" rIns="91425" bIns="91425" anchor="ctr" anchorCtr="0">
-              <a:noAutofit/>
-            </a:bodyPr>
-            <a:lstStyle/>
-            <a:p>
-              <a:pPr marL="0" lvl="0" indent="0" algn="l" rtl="0">
-                <a:spcBef>
-                  <a:spcPts val="0"/>
-                </a:spcBef>
-                <a:spcAft>
-                  <a:spcPts val="0"/>
-                </a:spcAft>
-                <a:buNone/>
-              </a:pPr>
-              <a:endParaRPr/>
-            </a:p>
-          </p:txBody>
-        </p:sp>
-        <p:sp>
-          <p:nvSpPr>
-            <p:cNvPr id="122" name="Google Shape;122;p17"/>
-            <p:cNvSpPr/>
-            <p:nvPr/>
-          </p:nvSpPr>
-          <p:spPr>
-            <a:xfrm>
-              <a:off x="4175300" y="591875"/>
-              <a:ext cx="7325" cy="9150"/>
-            </a:xfrm>
-            <a:custGeom>
-              <a:avLst/>
-              <a:gdLst/>
-              <a:ahLst/>
-              <a:cxnLst/>
-              <a:rect l="l" t="t" r="r" b="b"/>
-              <a:pathLst>
-                <a:path w="293" h="366" fill="none" extrusionOk="0">
-                  <a:moveTo>
-                    <a:pt x="0" y="0"/>
-                  </a:moveTo>
-                  <a:lnTo>
-                    <a:pt x="98" y="146"/>
-                  </a:lnTo>
-                  <a:lnTo>
-                    <a:pt x="293" y="366"/>
-                  </a:lnTo>
-                </a:path>
-              </a:pathLst>
-            </a:custGeom>
-            <a:noFill/>
-            <a:ln w="12175" cap="rnd" cmpd="sng">
-              <a:solidFill>
-                <a:schemeClr val="accent6"/>
-              </a:solidFill>
-              <a:prstDash val="solid"/>
-              <a:round/>
-              <a:headEnd type="none" w="sm" len="sm"/>
-              <a:tailEnd type="none" w="sm" len="sm"/>
-            </a:ln>
-          </p:spPr>
-          <p:txBody>
-            <a:bodyPr spcFirstLastPara="1" wrap="square" lIns="91425" tIns="91425" rIns="91425" bIns="91425" anchor="ctr" anchorCtr="0">
-              <a:noAutofit/>
-            </a:bodyPr>
-            <a:lstStyle/>
-            <a:p>
-              <a:pPr marL="0" lvl="0" indent="0" algn="l" rtl="0">
-                <a:spcBef>
-                  <a:spcPts val="0"/>
-                </a:spcBef>
-                <a:spcAft>
-                  <a:spcPts val="0"/>
-                </a:spcAft>
-                <a:buNone/>
-              </a:pPr>
-              <a:endParaRPr/>
-            </a:p>
-          </p:txBody>
-        </p:sp>
-        <p:sp>
-          <p:nvSpPr>
-            <p:cNvPr id="123" name="Google Shape;123;p17"/>
-            <p:cNvSpPr/>
-            <p:nvPr/>
-          </p:nvSpPr>
-          <p:spPr>
-            <a:xfrm>
-              <a:off x="4198425" y="613175"/>
-              <a:ext cx="11000" cy="4900"/>
-            </a:xfrm>
-            <a:custGeom>
-              <a:avLst/>
-              <a:gdLst/>
-              <a:ahLst/>
-              <a:cxnLst/>
-              <a:rect l="l" t="t" r="r" b="b"/>
-              <a:pathLst>
-                <a:path w="440" h="196" fill="none" extrusionOk="0">
-                  <a:moveTo>
-                    <a:pt x="1" y="1"/>
-                  </a:moveTo>
-                  <a:lnTo>
-                    <a:pt x="171" y="98"/>
-                  </a:lnTo>
-                  <a:lnTo>
-                    <a:pt x="439" y="195"/>
-                  </a:lnTo>
-                </a:path>
-              </a:pathLst>
-            </a:custGeom>
-            <a:noFill/>
-            <a:ln w="12175" cap="rnd" cmpd="sng">
-              <a:solidFill>
-                <a:schemeClr val="accent6"/>
-              </a:solidFill>
-              <a:prstDash val="solid"/>
-              <a:round/>
-              <a:headEnd type="none" w="sm" len="sm"/>
-              <a:tailEnd type="none" w="sm" len="sm"/>
-            </a:ln>
-          </p:spPr>
-          <p:txBody>
-            <a:bodyPr spcFirstLastPara="1" wrap="square" lIns="91425" tIns="91425" rIns="91425" bIns="91425" anchor="ctr" anchorCtr="0">
-              <a:noAutofit/>
-            </a:bodyPr>
-            <a:lstStyle/>
-            <a:p>
-              <a:pPr marL="0" lvl="0" indent="0" algn="l" rtl="0">
-                <a:spcBef>
-                  <a:spcPts val="0"/>
-                </a:spcBef>
-                <a:spcAft>
-                  <a:spcPts val="0"/>
-                </a:spcAft>
-                <a:buNone/>
-              </a:pPr>
-              <a:endParaRPr/>
-            </a:p>
-          </p:txBody>
-        </p:sp>
-        <p:sp>
-          <p:nvSpPr>
-            <p:cNvPr id="124" name="Google Shape;124;p17"/>
-            <p:cNvSpPr/>
-            <p:nvPr/>
-          </p:nvSpPr>
-          <p:spPr>
-            <a:xfrm>
-              <a:off x="4228275" y="621100"/>
-              <a:ext cx="12200" cy="625"/>
-            </a:xfrm>
-            <a:custGeom>
-              <a:avLst/>
-              <a:gdLst/>
-              <a:ahLst/>
-              <a:cxnLst/>
-              <a:rect l="l" t="t" r="r" b="b"/>
-              <a:pathLst>
-                <a:path w="488" h="25" fill="none" extrusionOk="0">
-                  <a:moveTo>
-                    <a:pt x="0" y="0"/>
-                  </a:moveTo>
-                  <a:lnTo>
-                    <a:pt x="49" y="25"/>
-                  </a:lnTo>
-                  <a:lnTo>
-                    <a:pt x="487" y="0"/>
-                  </a:lnTo>
-                  <a:lnTo>
-                    <a:pt x="487" y="0"/>
-                  </a:lnTo>
-                </a:path>
-              </a:pathLst>
-            </a:custGeom>
-            <a:noFill/>
-            <a:ln w="12175" cap="rnd" cmpd="sng">
-              <a:solidFill>
-                <a:schemeClr val="accent6"/>
-              </a:solidFill>
-              <a:prstDash val="solid"/>
-              <a:round/>
-              <a:headEnd type="none" w="sm" len="sm"/>
-              <a:tailEnd type="none" w="sm" len="sm"/>
-            </a:ln>
-          </p:spPr>
-          <p:txBody>
-            <a:bodyPr spcFirstLastPara="1" wrap="square" lIns="91425" tIns="91425" rIns="91425" bIns="91425" anchor="ctr" anchorCtr="0">
-              <a:noAutofit/>
-            </a:bodyPr>
-            <a:lstStyle/>
-            <a:p>
-              <a:pPr marL="0" lvl="0" indent="0" algn="l" rtl="0">
-                <a:spcBef>
-                  <a:spcPts val="0"/>
-                </a:spcBef>
-                <a:spcAft>
-                  <a:spcPts val="0"/>
-                </a:spcAft>
-                <a:buNone/>
-              </a:pPr>
-              <a:endParaRPr/>
-            </a:p>
-          </p:txBody>
-        </p:sp>
-        <p:sp>
-          <p:nvSpPr>
-            <p:cNvPr id="125" name="Google Shape;125;p17"/>
-            <p:cNvSpPr/>
-            <p:nvPr/>
-          </p:nvSpPr>
-          <p:spPr>
-            <a:xfrm>
-              <a:off x="4259925" y="616225"/>
-              <a:ext cx="11600" cy="3075"/>
-            </a:xfrm>
-            <a:custGeom>
-              <a:avLst/>
-              <a:gdLst/>
-              <a:ahLst/>
-              <a:cxnLst/>
-              <a:rect l="l" t="t" r="r" b="b"/>
-              <a:pathLst>
-                <a:path w="464" h="123" fill="none" extrusionOk="0">
-                  <a:moveTo>
-                    <a:pt x="1" y="122"/>
-                  </a:moveTo>
-                  <a:lnTo>
-                    <a:pt x="196" y="73"/>
-                  </a:lnTo>
-                  <a:lnTo>
-                    <a:pt x="464" y="0"/>
-                  </a:lnTo>
-                  <a:lnTo>
-                    <a:pt x="464" y="0"/>
-                  </a:lnTo>
-                </a:path>
-              </a:pathLst>
-            </a:custGeom>
-            <a:noFill/>
-            <a:ln w="12175" cap="rnd" cmpd="sng">
-              <a:solidFill>
-                <a:schemeClr val="accent6"/>
-              </a:solidFill>
-              <a:prstDash val="solid"/>
-              <a:round/>
-              <a:headEnd type="none" w="sm" len="sm"/>
-              <a:tailEnd type="none" w="sm" len="sm"/>
-            </a:ln>
-          </p:spPr>
-          <p:txBody>
-            <a:bodyPr spcFirstLastPara="1" wrap="square" lIns="91425" tIns="91425" rIns="91425" bIns="91425" anchor="ctr" anchorCtr="0">
-              <a:noAutofit/>
-            </a:bodyPr>
-            <a:lstStyle/>
-            <a:p>
-              <a:pPr marL="0" lvl="0" indent="0" algn="l" rtl="0">
-                <a:spcBef>
-                  <a:spcPts val="0"/>
-                </a:spcBef>
-                <a:spcAft>
-                  <a:spcPts val="0"/>
-                </a:spcAft>
-                <a:buNone/>
-              </a:pPr>
-              <a:endParaRPr/>
-            </a:p>
-          </p:txBody>
-        </p:sp>
-        <p:sp>
-          <p:nvSpPr>
-            <p:cNvPr id="126" name="Google Shape;126;p17"/>
-            <p:cNvSpPr/>
-            <p:nvPr/>
-          </p:nvSpPr>
-          <p:spPr>
-            <a:xfrm>
-              <a:off x="4289775" y="602225"/>
-              <a:ext cx="10375" cy="6725"/>
-            </a:xfrm>
-            <a:custGeom>
-              <a:avLst/>
-              <a:gdLst/>
-              <a:ahLst/>
-              <a:cxnLst/>
-              <a:rect l="l" t="t" r="r" b="b"/>
-              <a:pathLst>
-                <a:path w="415" h="269" fill="none" extrusionOk="0">
-                  <a:moveTo>
-                    <a:pt x="0" y="268"/>
-                  </a:moveTo>
-                  <a:lnTo>
-                    <a:pt x="195" y="146"/>
-                  </a:lnTo>
-                  <a:lnTo>
-                    <a:pt x="390" y="0"/>
-                  </a:lnTo>
-                  <a:lnTo>
-                    <a:pt x="414" y="0"/>
-                  </a:lnTo>
-                </a:path>
-              </a:pathLst>
-            </a:custGeom>
-            <a:noFill/>
-            <a:ln w="12175" cap="rnd" cmpd="sng">
-              <a:solidFill>
-                <a:schemeClr val="accent6"/>
-              </a:solidFill>
-              <a:prstDash val="solid"/>
-              <a:round/>
-              <a:headEnd type="none" w="sm" len="sm"/>
-              <a:tailEnd type="none" w="sm" len="sm"/>
-            </a:ln>
-          </p:spPr>
-          <p:txBody>
-            <a:bodyPr spcFirstLastPara="1" wrap="square" lIns="91425" tIns="91425" rIns="91425" bIns="91425" anchor="ctr" anchorCtr="0">
-              <a:noAutofit/>
-            </a:bodyPr>
-            <a:lstStyle/>
-            <a:p>
-              <a:pPr marL="0" lvl="0" indent="0" algn="l" rtl="0">
-                <a:spcBef>
-                  <a:spcPts val="0"/>
-                </a:spcBef>
-                <a:spcAft>
-                  <a:spcPts val="0"/>
-                </a:spcAft>
-                <a:buNone/>
-              </a:pPr>
-              <a:endParaRPr/>
-            </a:p>
-          </p:txBody>
-        </p:sp>
-        <p:sp>
-          <p:nvSpPr>
-            <p:cNvPr id="127" name="Google Shape;127;p17"/>
-            <p:cNvSpPr/>
-            <p:nvPr/>
-          </p:nvSpPr>
-          <p:spPr>
-            <a:xfrm>
-              <a:off x="4313525" y="577875"/>
-              <a:ext cx="6100" cy="10375"/>
-            </a:xfrm>
-            <a:custGeom>
-              <a:avLst/>
-              <a:gdLst/>
-              <a:ahLst/>
-              <a:cxnLst/>
-              <a:rect l="l" t="t" r="r" b="b"/>
-              <a:pathLst>
-                <a:path w="244" h="415" fill="none" extrusionOk="0">
-                  <a:moveTo>
-                    <a:pt x="0" y="414"/>
-                  </a:moveTo>
-                  <a:lnTo>
-                    <a:pt x="24" y="365"/>
-                  </a:lnTo>
-                  <a:lnTo>
-                    <a:pt x="146" y="195"/>
-                  </a:lnTo>
-                  <a:lnTo>
-                    <a:pt x="244" y="0"/>
-                  </a:lnTo>
-                </a:path>
-              </a:pathLst>
-            </a:custGeom>
-            <a:noFill/>
-            <a:ln w="12175" cap="rnd" cmpd="sng">
-              <a:solidFill>
-                <a:schemeClr val="accent6"/>
-              </a:solidFill>
-              <a:prstDash val="solid"/>
-              <a:round/>
-              <a:headEnd type="none" w="sm" len="sm"/>
-              <a:tailEnd type="none" w="sm" len="sm"/>
-            </a:ln>
-          </p:spPr>
-          <p:txBody>
-            <a:bodyPr spcFirstLastPara="1" wrap="square" lIns="91425" tIns="91425" rIns="91425" bIns="91425" anchor="ctr" anchorCtr="0">
-              <a:noAutofit/>
-            </a:bodyPr>
-            <a:lstStyle/>
-            <a:p>
-              <a:pPr marL="0" lvl="0" indent="0" algn="l" rtl="0">
-                <a:spcBef>
-                  <a:spcPts val="0"/>
-                </a:spcBef>
-                <a:spcAft>
-                  <a:spcPts val="0"/>
-                </a:spcAft>
-                <a:buNone/>
-              </a:pPr>
-              <a:endParaRPr/>
-            </a:p>
-          </p:txBody>
-        </p:sp>
-        <p:sp>
-          <p:nvSpPr>
-            <p:cNvPr id="128" name="Google Shape;128;p17"/>
-            <p:cNvSpPr/>
-            <p:nvPr/>
-          </p:nvSpPr>
-          <p:spPr>
-            <a:xfrm>
-              <a:off x="4326300" y="547425"/>
-              <a:ext cx="2450" cy="12200"/>
-            </a:xfrm>
-            <a:custGeom>
-              <a:avLst/>
-              <a:gdLst/>
-              <a:ahLst/>
-              <a:cxnLst/>
-              <a:rect l="l" t="t" r="r" b="b"/>
-              <a:pathLst>
-                <a:path w="98" h="488" fill="none" extrusionOk="0">
-                  <a:moveTo>
-                    <a:pt x="0" y="487"/>
-                  </a:moveTo>
-                  <a:lnTo>
-                    <a:pt x="49" y="293"/>
-                  </a:lnTo>
-                  <a:lnTo>
-                    <a:pt x="98" y="0"/>
-                  </a:lnTo>
-                </a:path>
-              </a:pathLst>
-            </a:custGeom>
-            <a:noFill/>
-            <a:ln w="12175" cap="rnd" cmpd="sng">
-              <a:solidFill>
-                <a:schemeClr val="accent6"/>
-              </a:solidFill>
-              <a:prstDash val="solid"/>
-              <a:round/>
-              <a:headEnd type="none" w="sm" len="sm"/>
-              <a:tailEnd type="none" w="sm" len="sm"/>
-            </a:ln>
-          </p:spPr>
-          <p:txBody>
-            <a:bodyPr spcFirstLastPara="1" wrap="square" lIns="91425" tIns="91425" rIns="91425" bIns="91425" anchor="ctr" anchorCtr="0">
-              <a:noAutofit/>
-            </a:bodyPr>
-            <a:lstStyle/>
-            <a:p>
-              <a:pPr marL="0" lvl="0" indent="0" algn="l" rtl="0">
-                <a:spcBef>
-                  <a:spcPts val="0"/>
-                </a:spcBef>
-                <a:spcAft>
-                  <a:spcPts val="0"/>
-                </a:spcAft>
-                <a:buNone/>
-              </a:pPr>
-              <a:endParaRPr/>
-            </a:p>
-          </p:txBody>
-        </p:sp>
-        <p:sp>
-          <p:nvSpPr>
-            <p:cNvPr id="129" name="Google Shape;129;p17"/>
-            <p:cNvSpPr/>
-            <p:nvPr/>
-          </p:nvSpPr>
-          <p:spPr>
-            <a:xfrm>
-              <a:off x="4329350" y="515750"/>
-              <a:ext cx="625" cy="12200"/>
-            </a:xfrm>
-            <a:custGeom>
-              <a:avLst/>
-              <a:gdLst/>
-              <a:ahLst/>
-              <a:cxnLst/>
-              <a:rect l="l" t="t" r="r" b="b"/>
-              <a:pathLst>
-                <a:path w="25" h="488" fill="none" extrusionOk="0">
-                  <a:moveTo>
-                    <a:pt x="25" y="488"/>
-                  </a:moveTo>
-                  <a:lnTo>
-                    <a:pt x="25" y="464"/>
-                  </a:lnTo>
-                  <a:lnTo>
-                    <a:pt x="25" y="123"/>
-                  </a:lnTo>
-                  <a:lnTo>
-                    <a:pt x="0" y="1"/>
-                  </a:lnTo>
-                </a:path>
-              </a:pathLst>
-            </a:custGeom>
-            <a:noFill/>
-            <a:ln w="12175" cap="rnd" cmpd="sng">
-              <a:solidFill>
-                <a:schemeClr val="accent6"/>
-              </a:solidFill>
-              <a:prstDash val="solid"/>
-              <a:round/>
-              <a:headEnd type="none" w="sm" len="sm"/>
-              <a:tailEnd type="none" w="sm" len="sm"/>
-            </a:ln>
-          </p:spPr>
-          <p:txBody>
-            <a:bodyPr spcFirstLastPara="1" wrap="square" lIns="91425" tIns="91425" rIns="91425" bIns="91425" anchor="ctr" anchorCtr="0">
-              <a:noAutofit/>
-            </a:bodyPr>
-            <a:lstStyle/>
-            <a:p>
-              <a:pPr marL="0" lvl="0" indent="0" algn="l" rtl="0">
-                <a:spcBef>
-                  <a:spcPts val="0"/>
-                </a:spcBef>
-                <a:spcAft>
-                  <a:spcPts val="0"/>
-                </a:spcAft>
-                <a:buNone/>
-              </a:pPr>
-              <a:endParaRPr/>
-            </a:p>
-          </p:txBody>
-        </p:sp>
-        <p:sp>
-          <p:nvSpPr>
-            <p:cNvPr id="130" name="Google Shape;130;p17"/>
-            <p:cNvSpPr/>
-            <p:nvPr/>
-          </p:nvSpPr>
-          <p:spPr>
-            <a:xfrm>
-              <a:off x="4325075" y="488975"/>
-              <a:ext cx="1250" cy="6100"/>
-            </a:xfrm>
-            <a:custGeom>
-              <a:avLst/>
-              <a:gdLst/>
-              <a:ahLst/>
-              <a:cxnLst/>
-              <a:rect l="l" t="t" r="r" b="b"/>
-              <a:pathLst>
-                <a:path w="50" h="244" fill="none" extrusionOk="0">
-                  <a:moveTo>
-                    <a:pt x="49" y="244"/>
-                  </a:moveTo>
-                  <a:lnTo>
-                    <a:pt x="49" y="244"/>
-                  </a:lnTo>
-                  <a:lnTo>
-                    <a:pt x="1" y="0"/>
-                  </a:lnTo>
-                </a:path>
-              </a:pathLst>
-            </a:custGeom>
-            <a:noFill/>
-            <a:ln w="12175" cap="rnd" cmpd="sng">
-              <a:solidFill>
-                <a:schemeClr val="accent6"/>
-              </a:solidFill>
-              <a:prstDash val="solid"/>
-              <a:round/>
-              <a:headEnd type="none" w="sm" len="sm"/>
-              <a:tailEnd type="none" w="sm" len="sm"/>
-            </a:ln>
-          </p:spPr>
-          <p:txBody>
-            <a:bodyPr spcFirstLastPara="1" wrap="square" lIns="91425" tIns="91425" rIns="91425" bIns="91425" anchor="ctr" anchorCtr="0">
-              <a:noAutofit/>
-            </a:bodyPr>
-            <a:lstStyle/>
-            <a:p>
-              <a:pPr marL="0" lvl="0" indent="0" algn="l" rtl="0">
-                <a:spcBef>
-                  <a:spcPts val="0"/>
-                </a:spcBef>
-                <a:spcAft>
-                  <a:spcPts val="0"/>
-                </a:spcAft>
-                <a:buNone/>
-              </a:pPr>
-              <a:endParaRPr/>
-            </a:p>
-          </p:txBody>
-        </p:sp>
-      </p:grpSp>
-      <p:sp>
-        <p:nvSpPr>
-          <p:cNvPr id="131" name="Google Shape;131;p17"/>
-          <p:cNvSpPr txBox="1">
-            <a:spLocks noGrp="1"/>
-          </p:cNvSpPr>
-          <p:nvPr>
-            <p:ph type="sldNum" idx="4294967295"/>
-          </p:nvPr>
-        </p:nvSpPr>
-        <p:spPr>
-          <a:xfrm>
-            <a:off x="4297650" y="4749851"/>
-            <a:ext cx="548700" cy="393600"/>
-          </a:xfrm>
-          <a:prstGeom prst="rect">
-            <a:avLst/>
-          </a:prstGeom>
-        </p:spPr>
-        <p:txBody>
-          <a:bodyPr spcFirstLastPara="1" wrap="square" lIns="91425" tIns="91425" rIns="91425" bIns="91425" anchor="t" anchorCtr="0">
-            <a:noAutofit/>
-          </a:bodyPr>
-          <a:lstStyle/>
-          <a:p>
-            <a:pPr marL="0" lvl="0" indent="0" algn="ctr" rtl="0">
-              <a:spcBef>
-                <a:spcPts val="0"/>
-              </a:spcBef>
-              <a:spcAft>
-                <a:spcPts val="0"/>
-              </a:spcAft>
-              <a:buNone/>
-            </a:pPr>
-            <a:fld id="{00000000-1234-1234-1234-123412341234}" type="slidenum">
-              <a:rPr lang="en"/>
-              <a:t>9</a:t>
-            </a:fld>
-            <a:endParaRPr/>
-          </a:p>
-        </p:txBody>
-      </p:sp>
-      <p:pic>
-        <p:nvPicPr>
-          <p:cNvPr id="34" name="33 Imagen"/>
-          <p:cNvPicPr>
-            <a:picLocks noChangeAspect="1"/>
-          </p:cNvPicPr>
-          <p:nvPr/>
-        </p:nvPicPr>
-        <p:blipFill>
-          <a:blip r:embed="rId3">
-            <a:extLst>
-              <a:ext uri="{28A0092B-C50C-407E-A947-70E740481C1C}">
-                <a14:useLocalDpi xmlns:a14="http://schemas.microsoft.com/office/drawing/2010/main" val="0"/>
-              </a:ext>
-            </a:extLst>
-          </a:blip>
-          <a:stretch>
-            <a:fillRect/>
-          </a:stretch>
-        </p:blipFill>
-        <p:spPr>
-          <a:xfrm>
-            <a:off x="2614884" y="874945"/>
-            <a:ext cx="1477831" cy="1336765"/>
-          </a:xfrm>
-          <a:prstGeom prst="rect">
-            <a:avLst/>
-          </a:prstGeom>
-        </p:spPr>
-      </p:pic>
-    </p:spTree>
-    <p:extLst>
-      <p:ext uri="{BB962C8B-B14F-4D97-AF65-F5344CB8AC3E}">
-        <p14:creationId xmlns:p14="http://schemas.microsoft.com/office/powerpoint/2010/main" val="1872670808"/>
       </p:ext>
     </p:extLst>
   </p:cSld>
@@ -16951,7 +10201,7 @@
 </file>
 
 <file path=ppt/theme/theme2.xml><?xml version="1.0" encoding="utf-8"?>
-<a:theme xmlns:a="http://schemas.openxmlformats.org/drawingml/2006/main" name="1_Beatrice template">
+<a:theme xmlns:a="http://schemas.openxmlformats.org/drawingml/2006/main" name="2_Beatrice template">
   <a:themeElements>
     <a:clrScheme name="Custom 347">
       <a:dk1>
@@ -17232,287 +10482,6 @@
 </file>
 
 <file path=ppt/theme/theme3.xml><?xml version="1.0" encoding="utf-8"?>
-<a:theme xmlns:a="http://schemas.openxmlformats.org/drawingml/2006/main" name="2_Beatrice template">
-  <a:themeElements>
-    <a:clrScheme name="Custom 347">
-      <a:dk1>
-        <a:srgbClr val="1D1D1B"/>
-      </a:dk1>
-      <a:lt1>
-        <a:srgbClr val="F3EFEA"/>
-      </a:lt1>
-      <a:dk2>
-        <a:srgbClr val="434343"/>
-      </a:dk2>
-      <a:lt2>
-        <a:srgbClr val="FFFFFF"/>
-      </a:lt2>
-      <a:accent1>
-        <a:srgbClr val="8F7B87"/>
-      </a:accent1>
-      <a:accent2>
-        <a:srgbClr val="A797A1"/>
-      </a:accent2>
-      <a:accent3>
-        <a:srgbClr val="C0B5BC"/>
-      </a:accent3>
-      <a:accent4>
-        <a:srgbClr val="E4DDE1"/>
-      </a:accent4>
-      <a:accent5>
-        <a:srgbClr val="EFECED"/>
-      </a:accent5>
-      <a:accent6>
-        <a:srgbClr val="F3EFEA"/>
-      </a:accent6>
-      <a:hlink>
-        <a:srgbClr val="1D1D1B"/>
-      </a:hlink>
-      <a:folHlink>
-        <a:srgbClr val="6611CC"/>
-      </a:folHlink>
-    </a:clrScheme>
-    <a:fontScheme name="Office">
-      <a:majorFont>
-        <a:latin typeface="Arial"/>
-        <a:ea typeface=""/>
-        <a:cs typeface=""/>
-        <a:font script="Jpan" typeface="ＭＳ Ｐゴシック"/>
-        <a:font script="Hang" typeface="맑은 고딕"/>
-        <a:font script="Hans" typeface="宋体"/>
-        <a:font script="Hant" typeface="新細明體"/>
-        <a:font script="Arab" typeface="Times New Roman"/>
-        <a:font script="Hebr" typeface="Times New Roman"/>
-        <a:font script="Thai" typeface="Angsana New"/>
-        <a:font script="Ethi" typeface="Nyala"/>
-        <a:font script="Beng" typeface="Vrinda"/>
-        <a:font script="Gujr" typeface="Shruti"/>
-        <a:font script="Khmr" typeface="MoolBoran"/>
-        <a:font script="Knda" typeface="Tunga"/>
-        <a:font script="Guru" typeface="Raavi"/>
-        <a:font script="Cans" typeface="Euphemia"/>
-        <a:font script="Cher" typeface="Plantagenet Cherokee"/>
-        <a:font script="Yiii" typeface="Microsoft Yi Baiti"/>
-        <a:font script="Tibt" typeface="Microsoft Himalaya"/>
-        <a:font script="Thaa" typeface="MV Boli"/>
-        <a:font script="Deva" typeface="Mangal"/>
-        <a:font script="Telu" typeface="Gautami"/>
-        <a:font script="Taml" typeface="Latha"/>
-        <a:font script="Syrc" typeface="Estrangelo Edessa"/>
-        <a:font script="Orya" typeface="Kalinga"/>
-        <a:font script="Mlym" typeface="Kartika"/>
-        <a:font script="Laoo" typeface="DokChampa"/>
-        <a:font script="Sinh" typeface="Iskoola Pota"/>
-        <a:font script="Mong" typeface="Mongolian Baiti"/>
-        <a:font script="Viet" typeface="Times New Roman"/>
-        <a:font script="Uigh" typeface="Microsoft Uighur"/>
-        <a:font script="Geor" typeface="Sylfaen"/>
-      </a:majorFont>
-      <a:minorFont>
-        <a:latin typeface="Arial"/>
-        <a:ea typeface=""/>
-        <a:cs typeface=""/>
-        <a:font script="Jpan" typeface="ＭＳ Ｐゴシック"/>
-        <a:font script="Hang" typeface="맑은 고딕"/>
-        <a:font script="Hans" typeface="宋体"/>
-        <a:font script="Hant" typeface="新細明體"/>
-        <a:font script="Arab" typeface="Arial"/>
-        <a:font script="Hebr" typeface="Arial"/>
-        <a:font script="Thai" typeface="Cordia New"/>
-        <a:font script="Ethi" typeface="Nyala"/>
-        <a:font script="Beng" typeface="Vrinda"/>
-        <a:font script="Gujr" typeface="Shruti"/>
-        <a:font script="Khmr" typeface="DaunPenh"/>
-        <a:font script="Knda" typeface="Tunga"/>
-        <a:font script="Guru" typeface="Raavi"/>
-        <a:font script="Cans" typeface="Euphemia"/>
-        <a:font script="Cher" typeface="Plantagenet Cherokee"/>
-        <a:font script="Yiii" typeface="Microsoft Yi Baiti"/>
-        <a:font script="Tibt" typeface="Microsoft Himalaya"/>
-        <a:font script="Thaa" typeface="MV Boli"/>
-        <a:font script="Deva" typeface="Mangal"/>
-        <a:font script="Telu" typeface="Gautami"/>
-        <a:font script="Taml" typeface="Latha"/>
-        <a:font script="Syrc" typeface="Estrangelo Edessa"/>
-        <a:font script="Orya" typeface="Kalinga"/>
-        <a:font script="Mlym" typeface="Kartika"/>
-        <a:font script="Laoo" typeface="DokChampa"/>
-        <a:font script="Sinh" typeface="Iskoola Pota"/>
-        <a:font script="Mong" typeface="Mongolian Baiti"/>
-        <a:font script="Viet" typeface="Arial"/>
-        <a:font script="Uigh" typeface="Microsoft Uighur"/>
-        <a:font script="Geor" typeface="Sylfaen"/>
-      </a:minorFont>
-    </a:fontScheme>
-    <a:fmtScheme name="Office">
-      <a:fillStyleLst>
-        <a:solidFill>
-          <a:schemeClr val="phClr"/>
-        </a:solidFill>
-        <a:gradFill rotWithShape="1">
-          <a:gsLst>
-            <a:gs pos="0">
-              <a:schemeClr val="phClr">
-                <a:tint val="50000"/>
-                <a:satMod val="300000"/>
-              </a:schemeClr>
-            </a:gs>
-            <a:gs pos="35000">
-              <a:schemeClr val="phClr">
-                <a:tint val="37000"/>
-                <a:satMod val="300000"/>
-              </a:schemeClr>
-            </a:gs>
-            <a:gs pos="100000">
-              <a:schemeClr val="phClr">
-                <a:tint val="15000"/>
-                <a:satMod val="350000"/>
-              </a:schemeClr>
-            </a:gs>
-          </a:gsLst>
-          <a:lin ang="16200000" scaled="1"/>
-        </a:gradFill>
-        <a:gradFill rotWithShape="1">
-          <a:gsLst>
-            <a:gs pos="0">
-              <a:schemeClr val="phClr">
-                <a:tint val="100000"/>
-                <a:shade val="100000"/>
-                <a:satMod val="130000"/>
-              </a:schemeClr>
-            </a:gs>
-            <a:gs pos="100000">
-              <a:schemeClr val="phClr">
-                <a:tint val="50000"/>
-                <a:shade val="100000"/>
-                <a:satMod val="350000"/>
-              </a:schemeClr>
-            </a:gs>
-          </a:gsLst>
-          <a:lin ang="16200000" scaled="0"/>
-        </a:gradFill>
-      </a:fillStyleLst>
-      <a:lnStyleLst>
-        <a:ln w="9525" cap="flat" cmpd="sng" algn="ctr">
-          <a:solidFill>
-            <a:schemeClr val="phClr">
-              <a:shade val="95000"/>
-              <a:satMod val="105000"/>
-            </a:schemeClr>
-          </a:solidFill>
-          <a:prstDash val="solid"/>
-        </a:ln>
-        <a:ln w="25400" cap="flat" cmpd="sng" algn="ctr">
-          <a:solidFill>
-            <a:schemeClr val="phClr"/>
-          </a:solidFill>
-          <a:prstDash val="solid"/>
-        </a:ln>
-        <a:ln w="38100" cap="flat" cmpd="sng" algn="ctr">
-          <a:solidFill>
-            <a:schemeClr val="phClr"/>
-          </a:solidFill>
-          <a:prstDash val="solid"/>
-        </a:ln>
-      </a:lnStyleLst>
-      <a:effectStyleLst>
-        <a:effectStyle>
-          <a:effectLst>
-            <a:outerShdw blurRad="40000" dist="20000" dir="5400000" rotWithShape="0">
-              <a:srgbClr val="000000">
-                <a:alpha val="38000"/>
-              </a:srgbClr>
-            </a:outerShdw>
-          </a:effectLst>
-        </a:effectStyle>
-        <a:effectStyle>
-          <a:effectLst>
-            <a:outerShdw blurRad="40000" dist="23000" dir="5400000" rotWithShape="0">
-              <a:srgbClr val="000000">
-                <a:alpha val="35000"/>
-              </a:srgbClr>
-            </a:outerShdw>
-          </a:effectLst>
-        </a:effectStyle>
-        <a:effectStyle>
-          <a:effectLst>
-            <a:outerShdw blurRad="40000" dist="23000" dir="5400000" rotWithShape="0">
-              <a:srgbClr val="000000">
-                <a:alpha val="35000"/>
-              </a:srgbClr>
-            </a:outerShdw>
-          </a:effectLst>
-          <a:scene3d>
-            <a:camera prst="orthographicFront">
-              <a:rot lat="0" lon="0" rev="0"/>
-            </a:camera>
-            <a:lightRig rig="threePt" dir="t">
-              <a:rot lat="0" lon="0" rev="1200000"/>
-            </a:lightRig>
-          </a:scene3d>
-          <a:sp3d>
-            <a:bevelT w="63500" h="25400"/>
-          </a:sp3d>
-        </a:effectStyle>
-      </a:effectStyleLst>
-      <a:bgFillStyleLst>
-        <a:solidFill>
-          <a:schemeClr val="phClr"/>
-        </a:solidFill>
-        <a:gradFill rotWithShape="1">
-          <a:gsLst>
-            <a:gs pos="0">
-              <a:schemeClr val="phClr">
-                <a:tint val="40000"/>
-                <a:satMod val="350000"/>
-              </a:schemeClr>
-            </a:gs>
-            <a:gs pos="40000">
-              <a:schemeClr val="phClr">
-                <a:tint val="45000"/>
-                <a:shade val="99000"/>
-                <a:satMod val="350000"/>
-              </a:schemeClr>
-            </a:gs>
-            <a:gs pos="100000">
-              <a:schemeClr val="phClr">
-                <a:shade val="20000"/>
-                <a:satMod val="255000"/>
-              </a:schemeClr>
-            </a:gs>
-          </a:gsLst>
-          <a:path path="circle">
-            <a:fillToRect l="50000" t="-80000" r="50000" b="180000"/>
-          </a:path>
-        </a:gradFill>
-        <a:gradFill rotWithShape="1">
-          <a:gsLst>
-            <a:gs pos="0">
-              <a:schemeClr val="phClr">
-                <a:tint val="80000"/>
-                <a:satMod val="300000"/>
-              </a:schemeClr>
-            </a:gs>
-            <a:gs pos="100000">
-              <a:schemeClr val="phClr">
-                <a:shade val="30000"/>
-                <a:satMod val="200000"/>
-              </a:schemeClr>
-            </a:gs>
-          </a:gsLst>
-          <a:path path="circle">
-            <a:fillToRect l="50000" t="50000" r="50000" b="50000"/>
-          </a:path>
-        </a:gradFill>
-      </a:bgFillStyleLst>
-    </a:fmtScheme>
-  </a:themeElements>
-  <a:objectDefaults/>
-  <a:extraClrSchemeLst/>
-</a:theme>
-</file>
-
-<file path=ppt/theme/theme4.xml><?xml version="1.0" encoding="utf-8"?>
 <a:theme xmlns:a="http://schemas.openxmlformats.org/drawingml/2006/main">
   <a:themeElements>
     <a:clrScheme name="Default">

--- a/group3/Grupo 3 - Proyecto.pptx
+++ b/group3/Grupo 3 - Proyecto.pptx
@@ -6,14 +6,13 @@
     <p:sldMasterId id="2147483670" r:id="rId2"/>
   </p:sldMasterIdLst>
   <p:notesMasterIdLst>
-    <p:notesMasterId r:id="rId8"/>
+    <p:notesMasterId r:id="rId7"/>
   </p:notesMasterIdLst>
   <p:sldIdLst>
     <p:sldId id="256" r:id="rId3"/>
     <p:sldId id="294" r:id="rId4"/>
-    <p:sldId id="296" r:id="rId5"/>
-    <p:sldId id="297" r:id="rId6"/>
-    <p:sldId id="303" r:id="rId7"/>
+    <p:sldId id="297" r:id="rId5"/>
+    <p:sldId id="303" r:id="rId6"/>
   </p:sldIdLst>
   <p:sldSz cx="9144000" cy="5143500" type="screen16x9"/>
   <p:notesSz cx="6858000" cy="9144000"/>
@@ -929,7 +928,7 @@
   <p:cSld>
     <p:spTree>
       <p:nvGrpSpPr>
-        <p:cNvPr id="1" name="Shape 77"/>
+        <p:cNvPr id="1" name="Shape 345"/>
         <p:cNvGrpSpPr/>
         <p:nvPr/>
       </p:nvGrpSpPr>
@@ -943,7 +942,7 @@
       </p:grpSpPr>
       <p:sp>
         <p:nvSpPr>
-          <p:cNvPr id="78" name="Google Shape;78;g35f391192_029:notes"/>
+          <p:cNvPr id="346" name="Google Shape;346;g35ed75ccf_0141:notes"/>
           <p:cNvSpPr>
             <a:spLocks noGrp="1" noRot="1" noChangeAspect="1"/>
           </p:cNvSpPr>
@@ -984,7 +983,7 @@
       </p:sp>
       <p:sp>
         <p:nvSpPr>
-          <p:cNvPr id="79" name="Google Shape;79;g35f391192_029:notes"/>
+          <p:cNvPr id="347" name="Google Shape;347;g35ed75ccf_0141:notes"/>
           <p:cNvSpPr txBox="1">
             <a:spLocks noGrp="1"/>
           </p:cNvSpPr>
@@ -1023,7 +1022,7 @@
     </p:spTree>
     <p:extLst>
       <p:ext uri="{BB962C8B-B14F-4D97-AF65-F5344CB8AC3E}">
-        <p14:creationId xmlns:p14="http://schemas.microsoft.com/office/powerpoint/2010/main" val="1119250145"/>
+        <p14:creationId xmlns:p14="http://schemas.microsoft.com/office/powerpoint/2010/main" val="2363010845"/>
       </p:ext>
     </p:extLst>
   </p:cSld>
@@ -1132,115 +1131,6 @@
     </p:spTree>
     <p:extLst>
       <p:ext uri="{BB962C8B-B14F-4D97-AF65-F5344CB8AC3E}">
-        <p14:creationId xmlns:p14="http://schemas.microsoft.com/office/powerpoint/2010/main" val="2363010845"/>
-      </p:ext>
-    </p:extLst>
-  </p:cSld>
-  <p:clrMapOvr>
-    <a:masterClrMapping/>
-  </p:clrMapOvr>
-</p:notes>
-</file>
-
-<file path=ppt/notesSlides/notesSlide5.xml><?xml version="1.0" encoding="utf-8"?>
-<p:notes xmlns:a="http://schemas.openxmlformats.org/drawingml/2006/main" xmlns:r="http://schemas.openxmlformats.org/officeDocument/2006/relationships" xmlns:p="http://schemas.openxmlformats.org/presentationml/2006/main" showMasterSp="0" showMasterPhAnim="0">
-  <p:cSld>
-    <p:spTree>
-      <p:nvGrpSpPr>
-        <p:cNvPr id="1" name="Shape 345"/>
-        <p:cNvGrpSpPr/>
-        <p:nvPr/>
-      </p:nvGrpSpPr>
-      <p:grpSpPr>
-        <a:xfrm>
-          <a:off x="0" y="0"/>
-          <a:ext cx="0" cy="0"/>
-          <a:chOff x="0" y="0"/>
-          <a:chExt cx="0" cy="0"/>
-        </a:xfrm>
-      </p:grpSpPr>
-      <p:sp>
-        <p:nvSpPr>
-          <p:cNvPr id="346" name="Google Shape;346;g35ed75ccf_0141:notes"/>
-          <p:cNvSpPr>
-            <a:spLocks noGrp="1" noRot="1" noChangeAspect="1"/>
-          </p:cNvSpPr>
-          <p:nvPr>
-            <p:ph type="sldImg" idx="2"/>
-          </p:nvPr>
-        </p:nvSpPr>
-        <p:spPr>
-          <a:xfrm>
-            <a:off x="381000" y="685800"/>
-            <a:ext cx="6096000" cy="3429000"/>
-          </a:xfrm>
-          <a:custGeom>
-            <a:avLst/>
-            <a:gdLst/>
-            <a:ahLst/>
-            <a:cxnLst/>
-            <a:rect l="l" t="t" r="r" b="b"/>
-            <a:pathLst>
-              <a:path w="120000" h="120000" extrusionOk="0">
-                <a:moveTo>
-                  <a:pt x="0" y="0"/>
-                </a:moveTo>
-                <a:lnTo>
-                  <a:pt x="120000" y="0"/>
-                </a:lnTo>
-                <a:lnTo>
-                  <a:pt x="120000" y="120000"/>
-                </a:lnTo>
-                <a:lnTo>
-                  <a:pt x="0" y="120000"/>
-                </a:lnTo>
-                <a:close/>
-              </a:path>
-            </a:pathLst>
-          </a:custGeom>
-        </p:spPr>
-      </p:sp>
-      <p:sp>
-        <p:nvSpPr>
-          <p:cNvPr id="347" name="Google Shape;347;g35ed75ccf_0141:notes"/>
-          <p:cNvSpPr txBox="1">
-            <a:spLocks noGrp="1"/>
-          </p:cNvSpPr>
-          <p:nvPr>
-            <p:ph type="body" idx="1"/>
-          </p:nvPr>
-        </p:nvSpPr>
-        <p:spPr>
-          <a:xfrm>
-            <a:off x="685800" y="4343400"/>
-            <a:ext cx="5486400" cy="4114800"/>
-          </a:xfrm>
-          <a:prstGeom prst="rect">
-            <a:avLst/>
-          </a:prstGeom>
-        </p:spPr>
-        <p:txBody>
-          <a:bodyPr spcFirstLastPara="1" wrap="square" lIns="91425" tIns="91425" rIns="91425" bIns="91425" anchor="t" anchorCtr="0">
-            <a:noAutofit/>
-          </a:bodyPr>
-          <a:lstStyle/>
-          <a:p>
-            <a:pPr marL="0" lvl="0" indent="0" algn="l" rtl="0">
-              <a:spcBef>
-                <a:spcPts val="0"/>
-              </a:spcBef>
-              <a:spcAft>
-                <a:spcPts val="0"/>
-              </a:spcAft>
-              <a:buNone/>
-            </a:pPr>
-            <a:endParaRPr/>
-          </a:p>
-        </p:txBody>
-      </p:sp>
-    </p:spTree>
-    <p:extLst>
-      <p:ext uri="{BB962C8B-B14F-4D97-AF65-F5344CB8AC3E}">
         <p14:creationId xmlns:p14="http://schemas.microsoft.com/office/powerpoint/2010/main" val="549694653"/>
       </p:ext>
     </p:extLst>
@@ -1503,6 +1393,3402 @@
 </file>
 
 <file path=ppt/slideLayouts/slideLayout10.xml><?xml version="1.0" encoding="utf-8"?>
+<p:sldLayout xmlns:a="http://schemas.openxmlformats.org/drawingml/2006/main" xmlns:r="http://schemas.openxmlformats.org/officeDocument/2006/relationships" xmlns:p="http://schemas.openxmlformats.org/presentationml/2006/main" matchingName="Blank" type="blank">
+  <p:cSld name="Blank">
+    <p:spTree>
+      <p:nvGrpSpPr>
+        <p:cNvPr id="1" name="Shape 52"/>
+        <p:cNvGrpSpPr/>
+        <p:nvPr/>
+      </p:nvGrpSpPr>
+      <p:grpSpPr>
+        <a:xfrm>
+          <a:off x="0" y="0"/>
+          <a:ext cx="0" cy="0"/>
+          <a:chOff x="0" y="0"/>
+          <a:chExt cx="0" cy="0"/>
+        </a:xfrm>
+      </p:grpSpPr>
+      <p:sp>
+        <p:nvSpPr>
+          <p:cNvPr id="53" name="Google Shape;53;p10"/>
+          <p:cNvSpPr txBox="1">
+            <a:spLocks noGrp="1"/>
+          </p:cNvSpPr>
+          <p:nvPr>
+            <p:ph type="sldNum" idx="12"/>
+          </p:nvPr>
+        </p:nvSpPr>
+        <p:spPr>
+          <a:xfrm>
+            <a:off x="4297650" y="4749851"/>
+            <a:ext cx="548700" cy="393600"/>
+          </a:xfrm>
+          <a:prstGeom prst="rect">
+            <a:avLst/>
+          </a:prstGeom>
+        </p:spPr>
+        <p:txBody>
+          <a:bodyPr spcFirstLastPara="1" wrap="square" lIns="91425" tIns="91425" rIns="91425" bIns="91425" anchor="t" anchorCtr="0">
+            <a:noAutofit/>
+          </a:bodyPr>
+          <a:lstStyle>
+            <a:lvl1pPr lvl="0">
+              <a:buNone/>
+              <a:defRPr/>
+            </a:lvl1pPr>
+            <a:lvl2pPr lvl="1">
+              <a:buNone/>
+              <a:defRPr/>
+            </a:lvl2pPr>
+            <a:lvl3pPr lvl="2">
+              <a:buNone/>
+              <a:defRPr/>
+            </a:lvl3pPr>
+            <a:lvl4pPr lvl="3">
+              <a:buNone/>
+              <a:defRPr/>
+            </a:lvl4pPr>
+            <a:lvl5pPr lvl="4">
+              <a:buNone/>
+              <a:defRPr/>
+            </a:lvl5pPr>
+            <a:lvl6pPr lvl="5">
+              <a:buNone/>
+              <a:defRPr/>
+            </a:lvl6pPr>
+            <a:lvl7pPr lvl="6">
+              <a:buNone/>
+              <a:defRPr/>
+            </a:lvl7pPr>
+            <a:lvl8pPr lvl="7">
+              <a:buNone/>
+              <a:defRPr/>
+            </a:lvl8pPr>
+            <a:lvl9pPr lvl="8">
+              <a:buNone/>
+              <a:defRPr/>
+            </a:lvl9pPr>
+          </a:lstStyle>
+          <a:p>
+            <a:pPr marL="0" lvl="0" indent="0" algn="ctr" rtl="0">
+              <a:spcBef>
+                <a:spcPts val="0"/>
+              </a:spcBef>
+              <a:spcAft>
+                <a:spcPts val="0"/>
+              </a:spcAft>
+              <a:buNone/>
+            </a:pPr>
+            <a:fld id="{00000000-1234-1234-1234-123412341234}" type="slidenum">
+              <a:rPr lang="en"/>
+              <a:t>‹Nº›</a:t>
+            </a:fld>
+            <a:endParaRPr/>
+          </a:p>
+        </p:txBody>
+      </p:sp>
+    </p:spTree>
+    <p:extLst>
+      <p:ext uri="{BB962C8B-B14F-4D97-AF65-F5344CB8AC3E}">
+        <p14:creationId xmlns:p14="http://schemas.microsoft.com/office/powerpoint/2010/main" val="4139832263"/>
+      </p:ext>
+    </p:extLst>
+  </p:cSld>
+  <p:clrMapOvr>
+    <a:masterClrMapping/>
+  </p:clrMapOvr>
+</p:sldLayout>
+</file>
+
+<file path=ppt/slideLayouts/slideLayout2.xml><?xml version="1.0" encoding="utf-8"?>
+<p:sldLayout xmlns:a="http://schemas.openxmlformats.org/drawingml/2006/main" xmlns:r="http://schemas.openxmlformats.org/officeDocument/2006/relationships" xmlns:p="http://schemas.openxmlformats.org/presentationml/2006/main" matchingName="Title + 2 columns" type="twoColTx">
+  <p:cSld name="Title + 2 columns">
+    <p:spTree>
+      <p:nvGrpSpPr>
+        <p:cNvPr id="1" name="Shape 27"/>
+        <p:cNvGrpSpPr/>
+        <p:nvPr/>
+      </p:nvGrpSpPr>
+      <p:grpSpPr>
+        <a:xfrm>
+          <a:off x="0" y="0"/>
+          <a:ext cx="0" cy="0"/>
+          <a:chOff x="0" y="0"/>
+          <a:chExt cx="0" cy="0"/>
+        </a:xfrm>
+      </p:grpSpPr>
+      <p:sp>
+        <p:nvSpPr>
+          <p:cNvPr id="28" name="Google Shape;28;p6"/>
+          <p:cNvSpPr txBox="1">
+            <a:spLocks noGrp="1"/>
+          </p:cNvSpPr>
+          <p:nvPr>
+            <p:ph type="body" idx="1"/>
+          </p:nvPr>
+        </p:nvSpPr>
+        <p:spPr>
+          <a:xfrm>
+            <a:off x="626350" y="1346063"/>
+            <a:ext cx="3644400" cy="3204900"/>
+          </a:xfrm>
+          <a:prstGeom prst="rect">
+            <a:avLst/>
+          </a:prstGeom>
+        </p:spPr>
+        <p:txBody>
+          <a:bodyPr spcFirstLastPara="1" wrap="square" lIns="91425" tIns="91425" rIns="91425" bIns="91425" anchor="t" anchorCtr="0">
+            <a:noAutofit/>
+          </a:bodyPr>
+          <a:lstStyle>
+            <a:lvl1pPr marL="457200" lvl="0" indent="-355600">
+              <a:spcBef>
+                <a:spcPts val="600"/>
+              </a:spcBef>
+              <a:spcAft>
+                <a:spcPts val="0"/>
+              </a:spcAft>
+              <a:buSzPts val="2000"/>
+              <a:buChar char="○"/>
+              <a:defRPr sz="2000"/>
+            </a:lvl1pPr>
+            <a:lvl2pPr marL="914400" lvl="1" indent="-355600">
+              <a:spcBef>
+                <a:spcPts val="0"/>
+              </a:spcBef>
+              <a:spcAft>
+                <a:spcPts val="0"/>
+              </a:spcAft>
+              <a:buSzPts val="2000"/>
+              <a:buChar char="□"/>
+              <a:defRPr sz="2000"/>
+            </a:lvl2pPr>
+            <a:lvl3pPr marL="1371600" lvl="2" indent="-355600">
+              <a:spcBef>
+                <a:spcPts val="0"/>
+              </a:spcBef>
+              <a:spcAft>
+                <a:spcPts val="0"/>
+              </a:spcAft>
+              <a:buSzPts val="2000"/>
+              <a:buChar char="○"/>
+              <a:defRPr sz="2000"/>
+            </a:lvl3pPr>
+            <a:lvl4pPr marL="1828800" lvl="3" indent="-355600">
+              <a:spcBef>
+                <a:spcPts val="0"/>
+              </a:spcBef>
+              <a:spcAft>
+                <a:spcPts val="0"/>
+              </a:spcAft>
+              <a:buSzPts val="2000"/>
+              <a:buChar char="□"/>
+              <a:defRPr sz="2000"/>
+            </a:lvl4pPr>
+            <a:lvl5pPr marL="2286000" lvl="4" indent="-355600">
+              <a:spcBef>
+                <a:spcPts val="0"/>
+              </a:spcBef>
+              <a:spcAft>
+                <a:spcPts val="0"/>
+              </a:spcAft>
+              <a:buSzPts val="2000"/>
+              <a:buChar char="○"/>
+              <a:defRPr sz="2000"/>
+            </a:lvl5pPr>
+            <a:lvl6pPr marL="2743200" lvl="5" indent="-355600">
+              <a:spcBef>
+                <a:spcPts val="0"/>
+              </a:spcBef>
+              <a:spcAft>
+                <a:spcPts val="0"/>
+              </a:spcAft>
+              <a:buSzPts val="2000"/>
+              <a:buChar char="■"/>
+              <a:defRPr sz="2000"/>
+            </a:lvl6pPr>
+            <a:lvl7pPr marL="3200400" lvl="6" indent="-355600">
+              <a:spcBef>
+                <a:spcPts val="0"/>
+              </a:spcBef>
+              <a:spcAft>
+                <a:spcPts val="0"/>
+              </a:spcAft>
+              <a:buSzPts val="2000"/>
+              <a:buChar char="●"/>
+              <a:defRPr sz="2000"/>
+            </a:lvl7pPr>
+            <a:lvl8pPr marL="3657600" lvl="7" indent="-355600">
+              <a:spcBef>
+                <a:spcPts val="0"/>
+              </a:spcBef>
+              <a:spcAft>
+                <a:spcPts val="0"/>
+              </a:spcAft>
+              <a:buSzPts val="2000"/>
+              <a:buChar char="○"/>
+              <a:defRPr sz="2000"/>
+            </a:lvl8pPr>
+            <a:lvl9pPr marL="4114800" lvl="8" indent="-355600">
+              <a:spcBef>
+                <a:spcPts val="0"/>
+              </a:spcBef>
+              <a:spcAft>
+                <a:spcPts val="0"/>
+              </a:spcAft>
+              <a:buSzPts val="2000"/>
+              <a:buChar char="■"/>
+              <a:defRPr sz="2000"/>
+            </a:lvl9pPr>
+          </a:lstStyle>
+          <a:p>
+            <a:endParaRPr/>
+          </a:p>
+        </p:txBody>
+      </p:sp>
+      <p:sp>
+        <p:nvSpPr>
+          <p:cNvPr id="29" name="Google Shape;29;p6"/>
+          <p:cNvSpPr txBox="1">
+            <a:spLocks noGrp="1"/>
+          </p:cNvSpPr>
+          <p:nvPr>
+            <p:ph type="body" idx="2"/>
+          </p:nvPr>
+        </p:nvSpPr>
+        <p:spPr>
+          <a:xfrm>
+            <a:off x="4870698" y="1346063"/>
+            <a:ext cx="3644400" cy="3204900"/>
+          </a:xfrm>
+          <a:prstGeom prst="rect">
+            <a:avLst/>
+          </a:prstGeom>
+        </p:spPr>
+        <p:txBody>
+          <a:bodyPr spcFirstLastPara="1" wrap="square" lIns="91425" tIns="91425" rIns="91425" bIns="91425" anchor="t" anchorCtr="0">
+            <a:noAutofit/>
+          </a:bodyPr>
+          <a:lstStyle>
+            <a:lvl1pPr marL="457200" lvl="0" indent="-355600">
+              <a:spcBef>
+                <a:spcPts val="600"/>
+              </a:spcBef>
+              <a:spcAft>
+                <a:spcPts val="0"/>
+              </a:spcAft>
+              <a:buSzPts val="2000"/>
+              <a:buChar char="○"/>
+              <a:defRPr sz="2000"/>
+            </a:lvl1pPr>
+            <a:lvl2pPr marL="914400" lvl="1" indent="-355600">
+              <a:spcBef>
+                <a:spcPts val="0"/>
+              </a:spcBef>
+              <a:spcAft>
+                <a:spcPts val="0"/>
+              </a:spcAft>
+              <a:buSzPts val="2000"/>
+              <a:buChar char="□"/>
+              <a:defRPr sz="2000"/>
+            </a:lvl2pPr>
+            <a:lvl3pPr marL="1371600" lvl="2" indent="-355600">
+              <a:spcBef>
+                <a:spcPts val="0"/>
+              </a:spcBef>
+              <a:spcAft>
+                <a:spcPts val="0"/>
+              </a:spcAft>
+              <a:buSzPts val="2000"/>
+              <a:buChar char="○"/>
+              <a:defRPr sz="2000"/>
+            </a:lvl3pPr>
+            <a:lvl4pPr marL="1828800" lvl="3" indent="-355600">
+              <a:spcBef>
+                <a:spcPts val="0"/>
+              </a:spcBef>
+              <a:spcAft>
+                <a:spcPts val="0"/>
+              </a:spcAft>
+              <a:buSzPts val="2000"/>
+              <a:buChar char="□"/>
+              <a:defRPr sz="2000"/>
+            </a:lvl4pPr>
+            <a:lvl5pPr marL="2286000" lvl="4" indent="-355600">
+              <a:spcBef>
+                <a:spcPts val="0"/>
+              </a:spcBef>
+              <a:spcAft>
+                <a:spcPts val="0"/>
+              </a:spcAft>
+              <a:buSzPts val="2000"/>
+              <a:buChar char="○"/>
+              <a:defRPr sz="2000"/>
+            </a:lvl5pPr>
+            <a:lvl6pPr marL="2743200" lvl="5" indent="-355600">
+              <a:spcBef>
+                <a:spcPts val="0"/>
+              </a:spcBef>
+              <a:spcAft>
+                <a:spcPts val="0"/>
+              </a:spcAft>
+              <a:buSzPts val="2000"/>
+              <a:buChar char="■"/>
+              <a:defRPr sz="2000"/>
+            </a:lvl6pPr>
+            <a:lvl7pPr marL="3200400" lvl="6" indent="-355600">
+              <a:spcBef>
+                <a:spcPts val="0"/>
+              </a:spcBef>
+              <a:spcAft>
+                <a:spcPts val="0"/>
+              </a:spcAft>
+              <a:buSzPts val="2000"/>
+              <a:buChar char="●"/>
+              <a:defRPr sz="2000"/>
+            </a:lvl7pPr>
+            <a:lvl8pPr marL="3657600" lvl="7" indent="-355600">
+              <a:spcBef>
+                <a:spcPts val="0"/>
+              </a:spcBef>
+              <a:spcAft>
+                <a:spcPts val="0"/>
+              </a:spcAft>
+              <a:buSzPts val="2000"/>
+              <a:buChar char="○"/>
+              <a:defRPr sz="2000"/>
+            </a:lvl8pPr>
+            <a:lvl9pPr marL="4114800" lvl="8" indent="-355600">
+              <a:spcBef>
+                <a:spcPts val="0"/>
+              </a:spcBef>
+              <a:spcAft>
+                <a:spcPts val="0"/>
+              </a:spcAft>
+              <a:buSzPts val="2000"/>
+              <a:buChar char="■"/>
+              <a:defRPr sz="2000"/>
+            </a:lvl9pPr>
+          </a:lstStyle>
+          <a:p>
+            <a:endParaRPr/>
+          </a:p>
+        </p:txBody>
+      </p:sp>
+      <p:sp>
+        <p:nvSpPr>
+          <p:cNvPr id="30" name="Google Shape;30;p6"/>
+          <p:cNvSpPr txBox="1">
+            <a:spLocks noGrp="1"/>
+          </p:cNvSpPr>
+          <p:nvPr>
+            <p:ph type="title"/>
+          </p:nvPr>
+        </p:nvSpPr>
+        <p:spPr>
+          <a:xfrm>
+            <a:off x="2318100" y="113175"/>
+            <a:ext cx="4507800" cy="857400"/>
+          </a:xfrm>
+          <a:prstGeom prst="rect">
+            <a:avLst/>
+          </a:prstGeom>
+        </p:spPr>
+        <p:txBody>
+          <a:bodyPr spcFirstLastPara="1" wrap="square" lIns="91425" tIns="91425" rIns="91425" bIns="91425" anchor="ctr" anchorCtr="0">
+            <a:noAutofit/>
+          </a:bodyPr>
+          <a:lstStyle>
+            <a:lvl1pPr lvl="0" rtl="0">
+              <a:spcBef>
+                <a:spcPts val="0"/>
+              </a:spcBef>
+              <a:spcAft>
+                <a:spcPts val="0"/>
+              </a:spcAft>
+              <a:buSzPts val="1600"/>
+              <a:buNone/>
+              <a:defRPr/>
+            </a:lvl1pPr>
+            <a:lvl2pPr lvl="1" rtl="0">
+              <a:spcBef>
+                <a:spcPts val="0"/>
+              </a:spcBef>
+              <a:spcAft>
+                <a:spcPts val="0"/>
+              </a:spcAft>
+              <a:buSzPts val="1600"/>
+              <a:buNone/>
+              <a:defRPr/>
+            </a:lvl2pPr>
+            <a:lvl3pPr lvl="2" rtl="0">
+              <a:spcBef>
+                <a:spcPts val="0"/>
+              </a:spcBef>
+              <a:spcAft>
+                <a:spcPts val="0"/>
+              </a:spcAft>
+              <a:buSzPts val="1600"/>
+              <a:buNone/>
+              <a:defRPr/>
+            </a:lvl3pPr>
+            <a:lvl4pPr lvl="3" rtl="0">
+              <a:spcBef>
+                <a:spcPts val="0"/>
+              </a:spcBef>
+              <a:spcAft>
+                <a:spcPts val="0"/>
+              </a:spcAft>
+              <a:buSzPts val="1600"/>
+              <a:buNone/>
+              <a:defRPr/>
+            </a:lvl4pPr>
+            <a:lvl5pPr lvl="4" rtl="0">
+              <a:spcBef>
+                <a:spcPts val="0"/>
+              </a:spcBef>
+              <a:spcAft>
+                <a:spcPts val="0"/>
+              </a:spcAft>
+              <a:buSzPts val="1600"/>
+              <a:buNone/>
+              <a:defRPr/>
+            </a:lvl5pPr>
+            <a:lvl6pPr lvl="5" rtl="0">
+              <a:spcBef>
+                <a:spcPts val="0"/>
+              </a:spcBef>
+              <a:spcAft>
+                <a:spcPts val="0"/>
+              </a:spcAft>
+              <a:buSzPts val="1600"/>
+              <a:buNone/>
+              <a:defRPr/>
+            </a:lvl6pPr>
+            <a:lvl7pPr lvl="6" rtl="0">
+              <a:spcBef>
+                <a:spcPts val="0"/>
+              </a:spcBef>
+              <a:spcAft>
+                <a:spcPts val="0"/>
+              </a:spcAft>
+              <a:buSzPts val="1600"/>
+              <a:buNone/>
+              <a:defRPr/>
+            </a:lvl7pPr>
+            <a:lvl8pPr lvl="7" rtl="0">
+              <a:spcBef>
+                <a:spcPts val="0"/>
+              </a:spcBef>
+              <a:spcAft>
+                <a:spcPts val="0"/>
+              </a:spcAft>
+              <a:buSzPts val="1600"/>
+              <a:buNone/>
+              <a:defRPr/>
+            </a:lvl8pPr>
+            <a:lvl9pPr lvl="8" rtl="0">
+              <a:spcBef>
+                <a:spcPts val="0"/>
+              </a:spcBef>
+              <a:spcAft>
+                <a:spcPts val="0"/>
+              </a:spcAft>
+              <a:buSzPts val="1600"/>
+              <a:buNone/>
+              <a:defRPr/>
+            </a:lvl9pPr>
+          </a:lstStyle>
+          <a:p>
+            <a:endParaRPr/>
+          </a:p>
+        </p:txBody>
+      </p:sp>
+      <p:cxnSp>
+        <p:nvCxnSpPr>
+          <p:cNvPr id="31" name="Google Shape;31;p6"/>
+          <p:cNvCxnSpPr/>
+          <p:nvPr/>
+        </p:nvCxnSpPr>
+        <p:spPr>
+          <a:xfrm rot="10800000">
+            <a:off x="-23700" y="541800"/>
+            <a:ext cx="2341800" cy="0"/>
+          </a:xfrm>
+          <a:prstGeom prst="straightConnector1">
+            <a:avLst/>
+          </a:prstGeom>
+          <a:noFill/>
+          <a:ln w="9525" cap="flat" cmpd="sng">
+            <a:solidFill>
+              <a:schemeClr val="dk2"/>
+            </a:solidFill>
+            <a:prstDash val="solid"/>
+            <a:round/>
+            <a:headEnd type="oval" w="med" len="med"/>
+            <a:tailEnd type="none" w="med" len="med"/>
+          </a:ln>
+        </p:spPr>
+      </p:cxnSp>
+      <p:cxnSp>
+        <p:nvCxnSpPr>
+          <p:cNvPr id="32" name="Google Shape;32;p6"/>
+          <p:cNvCxnSpPr/>
+          <p:nvPr/>
+        </p:nvCxnSpPr>
+        <p:spPr>
+          <a:xfrm>
+            <a:off x="6825900" y="541800"/>
+            <a:ext cx="2331300" cy="0"/>
+          </a:xfrm>
+          <a:prstGeom prst="straightConnector1">
+            <a:avLst/>
+          </a:prstGeom>
+          <a:noFill/>
+          <a:ln w="9525" cap="flat" cmpd="sng">
+            <a:solidFill>
+              <a:schemeClr val="dk2"/>
+            </a:solidFill>
+            <a:prstDash val="solid"/>
+            <a:round/>
+            <a:headEnd type="oval" w="med" len="med"/>
+            <a:tailEnd type="none" w="med" len="med"/>
+          </a:ln>
+        </p:spPr>
+      </p:cxnSp>
+      <p:sp>
+        <p:nvSpPr>
+          <p:cNvPr id="33" name="Google Shape;33;p6"/>
+          <p:cNvSpPr txBox="1">
+            <a:spLocks noGrp="1"/>
+          </p:cNvSpPr>
+          <p:nvPr>
+            <p:ph type="sldNum" idx="12"/>
+          </p:nvPr>
+        </p:nvSpPr>
+        <p:spPr>
+          <a:xfrm>
+            <a:off x="4297650" y="4749851"/>
+            <a:ext cx="548700" cy="393600"/>
+          </a:xfrm>
+          <a:prstGeom prst="rect">
+            <a:avLst/>
+          </a:prstGeom>
+        </p:spPr>
+        <p:txBody>
+          <a:bodyPr spcFirstLastPara="1" wrap="square" lIns="91425" tIns="91425" rIns="91425" bIns="91425" anchor="t" anchorCtr="0">
+            <a:noAutofit/>
+          </a:bodyPr>
+          <a:lstStyle>
+            <a:lvl1pPr lvl="0">
+              <a:buNone/>
+              <a:defRPr/>
+            </a:lvl1pPr>
+            <a:lvl2pPr lvl="1">
+              <a:buNone/>
+              <a:defRPr/>
+            </a:lvl2pPr>
+            <a:lvl3pPr lvl="2">
+              <a:buNone/>
+              <a:defRPr/>
+            </a:lvl3pPr>
+            <a:lvl4pPr lvl="3">
+              <a:buNone/>
+              <a:defRPr/>
+            </a:lvl4pPr>
+            <a:lvl5pPr lvl="4">
+              <a:buNone/>
+              <a:defRPr/>
+            </a:lvl5pPr>
+            <a:lvl6pPr lvl="5">
+              <a:buNone/>
+              <a:defRPr/>
+            </a:lvl6pPr>
+            <a:lvl7pPr lvl="6">
+              <a:buNone/>
+              <a:defRPr/>
+            </a:lvl7pPr>
+            <a:lvl8pPr lvl="7">
+              <a:buNone/>
+              <a:defRPr/>
+            </a:lvl8pPr>
+            <a:lvl9pPr lvl="8">
+              <a:buNone/>
+              <a:defRPr/>
+            </a:lvl9pPr>
+          </a:lstStyle>
+          <a:p>
+            <a:pPr marL="0" lvl="0" indent="0" algn="ctr" rtl="0">
+              <a:spcBef>
+                <a:spcPts val="0"/>
+              </a:spcBef>
+              <a:spcAft>
+                <a:spcPts val="0"/>
+              </a:spcAft>
+              <a:buNone/>
+            </a:pPr>
+            <a:fld id="{00000000-1234-1234-1234-123412341234}" type="slidenum">
+              <a:rPr lang="en"/>
+              <a:t>‹Nº›</a:t>
+            </a:fld>
+            <a:endParaRPr/>
+          </a:p>
+        </p:txBody>
+      </p:sp>
+    </p:spTree>
+    <p:extLst>
+      <p:ext uri="{BB962C8B-B14F-4D97-AF65-F5344CB8AC3E}">
+        <p14:creationId xmlns:p14="http://schemas.microsoft.com/office/powerpoint/2010/main" val="4059865086"/>
+      </p:ext>
+    </p:extLst>
+  </p:cSld>
+  <p:clrMapOvr>
+    <a:masterClrMapping/>
+  </p:clrMapOvr>
+</p:sldLayout>
+</file>
+
+<file path=ppt/slideLayouts/slideLayout3.xml><?xml version="1.0" encoding="utf-8"?>
+<p:sldLayout xmlns:a="http://schemas.openxmlformats.org/drawingml/2006/main" xmlns:r="http://schemas.openxmlformats.org/officeDocument/2006/relationships" xmlns:p="http://schemas.openxmlformats.org/presentationml/2006/main" matchingName="Title" type="title">
+  <p:cSld name="Title">
+    <p:bg>
+      <p:bgPr>
+        <a:solidFill>
+          <a:srgbClr val="000000"/>
+        </a:solidFill>
+        <a:effectLst/>
+      </p:bgPr>
+    </p:bg>
+    <p:spTree>
+      <p:nvGrpSpPr>
+        <p:cNvPr id="1" name="Shape 9"/>
+        <p:cNvGrpSpPr/>
+        <p:nvPr/>
+      </p:nvGrpSpPr>
+      <p:grpSpPr>
+        <a:xfrm>
+          <a:off x="0" y="0"/>
+          <a:ext cx="0" cy="0"/>
+          <a:chOff x="0" y="0"/>
+          <a:chExt cx="0" cy="0"/>
+        </a:xfrm>
+      </p:grpSpPr>
+      <p:sp>
+        <p:nvSpPr>
+          <p:cNvPr id="10" name="Google Shape;10;p2"/>
+          <p:cNvSpPr txBox="1">
+            <a:spLocks noGrp="1"/>
+          </p:cNvSpPr>
+          <p:nvPr>
+            <p:ph type="ctrTitle"/>
+          </p:nvPr>
+        </p:nvSpPr>
+        <p:spPr>
+          <a:xfrm>
+            <a:off x="634275" y="1839413"/>
+            <a:ext cx="7888800" cy="1159800"/>
+          </a:xfrm>
+          <a:prstGeom prst="rect">
+            <a:avLst/>
+          </a:prstGeom>
+        </p:spPr>
+        <p:txBody>
+          <a:bodyPr spcFirstLastPara="1" wrap="square" lIns="91425" tIns="91425" rIns="91425" bIns="91425" anchor="ctr" anchorCtr="0">
+            <a:noAutofit/>
+          </a:bodyPr>
+          <a:lstStyle>
+            <a:lvl1pPr lvl="0" algn="ctr">
+              <a:spcBef>
+                <a:spcPts val="0"/>
+              </a:spcBef>
+              <a:spcAft>
+                <a:spcPts val="0"/>
+              </a:spcAft>
+              <a:buClr>
+                <a:schemeClr val="lt1"/>
+              </a:buClr>
+              <a:buSzPts val="3600"/>
+              <a:buNone/>
+              <a:defRPr sz="3600">
+                <a:solidFill>
+                  <a:schemeClr val="lt1"/>
+                </a:solidFill>
+              </a:defRPr>
+            </a:lvl1pPr>
+            <a:lvl2pPr lvl="1" algn="ctr">
+              <a:spcBef>
+                <a:spcPts val="0"/>
+              </a:spcBef>
+              <a:spcAft>
+                <a:spcPts val="0"/>
+              </a:spcAft>
+              <a:buClr>
+                <a:schemeClr val="lt1"/>
+              </a:buClr>
+              <a:buSzPts val="3600"/>
+              <a:buNone/>
+              <a:defRPr sz="3600">
+                <a:solidFill>
+                  <a:schemeClr val="lt1"/>
+                </a:solidFill>
+              </a:defRPr>
+            </a:lvl2pPr>
+            <a:lvl3pPr lvl="2" algn="ctr">
+              <a:spcBef>
+                <a:spcPts val="0"/>
+              </a:spcBef>
+              <a:spcAft>
+                <a:spcPts val="0"/>
+              </a:spcAft>
+              <a:buClr>
+                <a:schemeClr val="lt1"/>
+              </a:buClr>
+              <a:buSzPts val="3600"/>
+              <a:buNone/>
+              <a:defRPr sz="3600">
+                <a:solidFill>
+                  <a:schemeClr val="lt1"/>
+                </a:solidFill>
+              </a:defRPr>
+            </a:lvl3pPr>
+            <a:lvl4pPr lvl="3" algn="ctr">
+              <a:spcBef>
+                <a:spcPts val="0"/>
+              </a:spcBef>
+              <a:spcAft>
+                <a:spcPts val="0"/>
+              </a:spcAft>
+              <a:buClr>
+                <a:schemeClr val="lt1"/>
+              </a:buClr>
+              <a:buSzPts val="3600"/>
+              <a:buNone/>
+              <a:defRPr sz="3600">
+                <a:solidFill>
+                  <a:schemeClr val="lt1"/>
+                </a:solidFill>
+              </a:defRPr>
+            </a:lvl4pPr>
+            <a:lvl5pPr lvl="4" algn="ctr">
+              <a:spcBef>
+                <a:spcPts val="0"/>
+              </a:spcBef>
+              <a:spcAft>
+                <a:spcPts val="0"/>
+              </a:spcAft>
+              <a:buClr>
+                <a:schemeClr val="lt1"/>
+              </a:buClr>
+              <a:buSzPts val="3600"/>
+              <a:buNone/>
+              <a:defRPr sz="3600">
+                <a:solidFill>
+                  <a:schemeClr val="lt1"/>
+                </a:solidFill>
+              </a:defRPr>
+            </a:lvl5pPr>
+            <a:lvl6pPr lvl="5" algn="ctr">
+              <a:spcBef>
+                <a:spcPts val="0"/>
+              </a:spcBef>
+              <a:spcAft>
+                <a:spcPts val="0"/>
+              </a:spcAft>
+              <a:buClr>
+                <a:schemeClr val="lt1"/>
+              </a:buClr>
+              <a:buSzPts val="3600"/>
+              <a:buNone/>
+              <a:defRPr sz="3600">
+                <a:solidFill>
+                  <a:schemeClr val="lt1"/>
+                </a:solidFill>
+              </a:defRPr>
+            </a:lvl6pPr>
+            <a:lvl7pPr lvl="6" algn="ctr">
+              <a:spcBef>
+                <a:spcPts val="0"/>
+              </a:spcBef>
+              <a:spcAft>
+                <a:spcPts val="0"/>
+              </a:spcAft>
+              <a:buClr>
+                <a:schemeClr val="lt1"/>
+              </a:buClr>
+              <a:buSzPts val="3600"/>
+              <a:buNone/>
+              <a:defRPr sz="3600">
+                <a:solidFill>
+                  <a:schemeClr val="lt1"/>
+                </a:solidFill>
+              </a:defRPr>
+            </a:lvl7pPr>
+            <a:lvl8pPr lvl="7" algn="ctr">
+              <a:spcBef>
+                <a:spcPts val="0"/>
+              </a:spcBef>
+              <a:spcAft>
+                <a:spcPts val="0"/>
+              </a:spcAft>
+              <a:buClr>
+                <a:schemeClr val="lt1"/>
+              </a:buClr>
+              <a:buSzPts val="3600"/>
+              <a:buNone/>
+              <a:defRPr sz="3600">
+                <a:solidFill>
+                  <a:schemeClr val="lt1"/>
+                </a:solidFill>
+              </a:defRPr>
+            </a:lvl8pPr>
+            <a:lvl9pPr lvl="8" algn="ctr">
+              <a:spcBef>
+                <a:spcPts val="0"/>
+              </a:spcBef>
+              <a:spcAft>
+                <a:spcPts val="0"/>
+              </a:spcAft>
+              <a:buClr>
+                <a:schemeClr val="lt1"/>
+              </a:buClr>
+              <a:buSzPts val="3600"/>
+              <a:buNone/>
+              <a:defRPr sz="3600">
+                <a:solidFill>
+                  <a:schemeClr val="lt1"/>
+                </a:solidFill>
+              </a:defRPr>
+            </a:lvl9pPr>
+          </a:lstStyle>
+          <a:p>
+            <a:endParaRPr/>
+          </a:p>
+        </p:txBody>
+      </p:sp>
+      <p:cxnSp>
+        <p:nvCxnSpPr>
+          <p:cNvPr id="11" name="Google Shape;11;p2"/>
+          <p:cNvCxnSpPr/>
+          <p:nvPr/>
+        </p:nvCxnSpPr>
+        <p:spPr>
+          <a:xfrm rot="10800000">
+            <a:off x="2588100" y="3488719"/>
+            <a:ext cx="3967800" cy="0"/>
+          </a:xfrm>
+          <a:prstGeom prst="straightConnector1">
+            <a:avLst/>
+          </a:prstGeom>
+          <a:noFill/>
+          <a:ln w="9525" cap="flat" cmpd="sng">
+            <a:solidFill>
+              <a:schemeClr val="lt1"/>
+            </a:solidFill>
+            <a:prstDash val="solid"/>
+            <a:round/>
+            <a:headEnd type="oval" w="med" len="med"/>
+            <a:tailEnd type="oval" w="med" len="med"/>
+          </a:ln>
+        </p:spPr>
+      </p:cxnSp>
+    </p:spTree>
+    <p:extLst>
+      <p:ext uri="{BB962C8B-B14F-4D97-AF65-F5344CB8AC3E}">
+        <p14:creationId xmlns:p14="http://schemas.microsoft.com/office/powerpoint/2010/main" val="4086691038"/>
+      </p:ext>
+    </p:extLst>
+  </p:cSld>
+  <p:clrMapOvr>
+    <a:masterClrMapping/>
+  </p:clrMapOvr>
+</p:sldLayout>
+</file>
+
+<file path=ppt/slideLayouts/slideLayout4.xml><?xml version="1.0" encoding="utf-8"?>
+<p:sldLayout xmlns:a="http://schemas.openxmlformats.org/drawingml/2006/main" xmlns:r="http://schemas.openxmlformats.org/officeDocument/2006/relationships" xmlns:p="http://schemas.openxmlformats.org/presentationml/2006/main" matchingName="Subtitle">
+  <p:cSld name="Subtitle">
+    <p:spTree>
+      <p:nvGrpSpPr>
+        <p:cNvPr id="1" name="Shape 12"/>
+        <p:cNvGrpSpPr/>
+        <p:nvPr/>
+      </p:nvGrpSpPr>
+      <p:grpSpPr>
+        <a:xfrm>
+          <a:off x="0" y="0"/>
+          <a:ext cx="0" cy="0"/>
+          <a:chOff x="0" y="0"/>
+          <a:chExt cx="0" cy="0"/>
+        </a:xfrm>
+      </p:grpSpPr>
+      <p:sp>
+        <p:nvSpPr>
+          <p:cNvPr id="13" name="Google Shape;13;p3"/>
+          <p:cNvSpPr txBox="1">
+            <a:spLocks noGrp="1"/>
+          </p:cNvSpPr>
+          <p:nvPr>
+            <p:ph type="ctrTitle"/>
+          </p:nvPr>
+        </p:nvSpPr>
+        <p:spPr>
+          <a:xfrm>
+            <a:off x="2600500" y="2040544"/>
+            <a:ext cx="5857800" cy="1159800"/>
+          </a:xfrm>
+          <a:prstGeom prst="rect">
+            <a:avLst/>
+          </a:prstGeom>
+        </p:spPr>
+        <p:txBody>
+          <a:bodyPr spcFirstLastPara="1" wrap="square" lIns="91425" tIns="91425" rIns="91425" bIns="91425" anchor="b" anchorCtr="0">
+            <a:noAutofit/>
+          </a:bodyPr>
+          <a:lstStyle>
+            <a:lvl1pPr lvl="0" algn="l" rtl="0">
+              <a:spcBef>
+                <a:spcPts val="0"/>
+              </a:spcBef>
+              <a:spcAft>
+                <a:spcPts val="0"/>
+              </a:spcAft>
+              <a:buSzPts val="3600"/>
+              <a:buNone/>
+              <a:defRPr sz="3600"/>
+            </a:lvl1pPr>
+            <a:lvl2pPr lvl="1" algn="l" rtl="0">
+              <a:spcBef>
+                <a:spcPts val="0"/>
+              </a:spcBef>
+              <a:spcAft>
+                <a:spcPts val="0"/>
+              </a:spcAft>
+              <a:buSzPts val="3600"/>
+              <a:buNone/>
+              <a:defRPr sz="3600"/>
+            </a:lvl2pPr>
+            <a:lvl3pPr lvl="2" algn="l" rtl="0">
+              <a:spcBef>
+                <a:spcPts val="0"/>
+              </a:spcBef>
+              <a:spcAft>
+                <a:spcPts val="0"/>
+              </a:spcAft>
+              <a:buSzPts val="3600"/>
+              <a:buNone/>
+              <a:defRPr sz="3600"/>
+            </a:lvl3pPr>
+            <a:lvl4pPr lvl="3" algn="l" rtl="0">
+              <a:spcBef>
+                <a:spcPts val="0"/>
+              </a:spcBef>
+              <a:spcAft>
+                <a:spcPts val="0"/>
+              </a:spcAft>
+              <a:buSzPts val="3600"/>
+              <a:buNone/>
+              <a:defRPr sz="3600"/>
+            </a:lvl4pPr>
+            <a:lvl5pPr lvl="4" algn="l" rtl="0">
+              <a:spcBef>
+                <a:spcPts val="0"/>
+              </a:spcBef>
+              <a:spcAft>
+                <a:spcPts val="0"/>
+              </a:spcAft>
+              <a:buSzPts val="3600"/>
+              <a:buNone/>
+              <a:defRPr sz="3600"/>
+            </a:lvl5pPr>
+            <a:lvl6pPr lvl="5" algn="l" rtl="0">
+              <a:spcBef>
+                <a:spcPts val="0"/>
+              </a:spcBef>
+              <a:spcAft>
+                <a:spcPts val="0"/>
+              </a:spcAft>
+              <a:buSzPts val="3600"/>
+              <a:buNone/>
+              <a:defRPr sz="3600"/>
+            </a:lvl6pPr>
+            <a:lvl7pPr lvl="6" algn="l" rtl="0">
+              <a:spcBef>
+                <a:spcPts val="0"/>
+              </a:spcBef>
+              <a:spcAft>
+                <a:spcPts val="0"/>
+              </a:spcAft>
+              <a:buSzPts val="3600"/>
+              <a:buNone/>
+              <a:defRPr sz="3600"/>
+            </a:lvl7pPr>
+            <a:lvl8pPr lvl="7" algn="l" rtl="0">
+              <a:spcBef>
+                <a:spcPts val="0"/>
+              </a:spcBef>
+              <a:spcAft>
+                <a:spcPts val="0"/>
+              </a:spcAft>
+              <a:buSzPts val="3600"/>
+              <a:buNone/>
+              <a:defRPr sz="3600"/>
+            </a:lvl8pPr>
+            <a:lvl9pPr lvl="8" algn="l" rtl="0">
+              <a:spcBef>
+                <a:spcPts val="0"/>
+              </a:spcBef>
+              <a:spcAft>
+                <a:spcPts val="0"/>
+              </a:spcAft>
+              <a:buSzPts val="3600"/>
+              <a:buNone/>
+              <a:defRPr sz="3600"/>
+            </a:lvl9pPr>
+          </a:lstStyle>
+          <a:p>
+            <a:endParaRPr/>
+          </a:p>
+        </p:txBody>
+      </p:sp>
+      <p:sp>
+        <p:nvSpPr>
+          <p:cNvPr id="14" name="Google Shape;14;p3"/>
+          <p:cNvSpPr txBox="1">
+            <a:spLocks noGrp="1"/>
+          </p:cNvSpPr>
+          <p:nvPr>
+            <p:ph type="subTitle" idx="1"/>
+          </p:nvPr>
+        </p:nvSpPr>
+        <p:spPr>
+          <a:xfrm>
+            <a:off x="2600400" y="3182963"/>
+            <a:ext cx="5857800" cy="784800"/>
+          </a:xfrm>
+          <a:prstGeom prst="rect">
+            <a:avLst/>
+          </a:prstGeom>
+        </p:spPr>
+        <p:txBody>
+          <a:bodyPr spcFirstLastPara="1" wrap="square" lIns="91425" tIns="91425" rIns="91425" bIns="91425" anchor="t" anchorCtr="0">
+            <a:noAutofit/>
+          </a:bodyPr>
+          <a:lstStyle>
+            <a:lvl1pPr lvl="0" rtl="0">
+              <a:spcBef>
+                <a:spcPts val="0"/>
+              </a:spcBef>
+              <a:spcAft>
+                <a:spcPts val="0"/>
+              </a:spcAft>
+              <a:buClr>
+                <a:schemeClr val="accent1"/>
+              </a:buClr>
+              <a:buSzPts val="2400"/>
+              <a:buNone/>
+              <a:defRPr sz="2400" i="1">
+                <a:solidFill>
+                  <a:schemeClr val="accent1"/>
+                </a:solidFill>
+              </a:defRPr>
+            </a:lvl1pPr>
+            <a:lvl2pPr lvl="1" rtl="0">
+              <a:spcBef>
+                <a:spcPts val="0"/>
+              </a:spcBef>
+              <a:spcAft>
+                <a:spcPts val="0"/>
+              </a:spcAft>
+              <a:buClr>
+                <a:schemeClr val="accent1"/>
+              </a:buClr>
+              <a:buSzPts val="2400"/>
+              <a:buNone/>
+              <a:defRPr i="1">
+                <a:solidFill>
+                  <a:schemeClr val="accent1"/>
+                </a:solidFill>
+              </a:defRPr>
+            </a:lvl2pPr>
+            <a:lvl3pPr lvl="2" rtl="0">
+              <a:spcBef>
+                <a:spcPts val="0"/>
+              </a:spcBef>
+              <a:spcAft>
+                <a:spcPts val="0"/>
+              </a:spcAft>
+              <a:buClr>
+                <a:schemeClr val="accent1"/>
+              </a:buClr>
+              <a:buSzPts val="2400"/>
+              <a:buNone/>
+              <a:defRPr i="1">
+                <a:solidFill>
+                  <a:schemeClr val="accent1"/>
+                </a:solidFill>
+              </a:defRPr>
+            </a:lvl3pPr>
+            <a:lvl4pPr lvl="3" rtl="0">
+              <a:spcBef>
+                <a:spcPts val="0"/>
+              </a:spcBef>
+              <a:spcAft>
+                <a:spcPts val="0"/>
+              </a:spcAft>
+              <a:buClr>
+                <a:schemeClr val="accent1"/>
+              </a:buClr>
+              <a:buSzPts val="2400"/>
+              <a:buNone/>
+              <a:defRPr sz="2400" i="1">
+                <a:solidFill>
+                  <a:schemeClr val="accent1"/>
+                </a:solidFill>
+              </a:defRPr>
+            </a:lvl4pPr>
+            <a:lvl5pPr lvl="4" rtl="0">
+              <a:spcBef>
+                <a:spcPts val="0"/>
+              </a:spcBef>
+              <a:spcAft>
+                <a:spcPts val="0"/>
+              </a:spcAft>
+              <a:buClr>
+                <a:schemeClr val="accent1"/>
+              </a:buClr>
+              <a:buSzPts val="2400"/>
+              <a:buNone/>
+              <a:defRPr sz="2400" i="1">
+                <a:solidFill>
+                  <a:schemeClr val="accent1"/>
+                </a:solidFill>
+              </a:defRPr>
+            </a:lvl5pPr>
+            <a:lvl6pPr lvl="5" rtl="0">
+              <a:spcBef>
+                <a:spcPts val="0"/>
+              </a:spcBef>
+              <a:spcAft>
+                <a:spcPts val="0"/>
+              </a:spcAft>
+              <a:buClr>
+                <a:schemeClr val="accent1"/>
+              </a:buClr>
+              <a:buSzPts val="2400"/>
+              <a:buNone/>
+              <a:defRPr sz="2400" i="1">
+                <a:solidFill>
+                  <a:schemeClr val="accent1"/>
+                </a:solidFill>
+              </a:defRPr>
+            </a:lvl6pPr>
+            <a:lvl7pPr lvl="6" rtl="0">
+              <a:spcBef>
+                <a:spcPts val="0"/>
+              </a:spcBef>
+              <a:spcAft>
+                <a:spcPts val="0"/>
+              </a:spcAft>
+              <a:buClr>
+                <a:schemeClr val="accent1"/>
+              </a:buClr>
+              <a:buSzPts val="2400"/>
+              <a:buNone/>
+              <a:defRPr sz="2400" i="1">
+                <a:solidFill>
+                  <a:schemeClr val="accent1"/>
+                </a:solidFill>
+              </a:defRPr>
+            </a:lvl7pPr>
+            <a:lvl8pPr lvl="7" rtl="0">
+              <a:spcBef>
+                <a:spcPts val="0"/>
+              </a:spcBef>
+              <a:spcAft>
+                <a:spcPts val="0"/>
+              </a:spcAft>
+              <a:buClr>
+                <a:schemeClr val="accent1"/>
+              </a:buClr>
+              <a:buSzPts val="2400"/>
+              <a:buNone/>
+              <a:defRPr sz="2400" i="1">
+                <a:solidFill>
+                  <a:schemeClr val="accent1"/>
+                </a:solidFill>
+              </a:defRPr>
+            </a:lvl8pPr>
+            <a:lvl9pPr lvl="8" rtl="0">
+              <a:spcBef>
+                <a:spcPts val="0"/>
+              </a:spcBef>
+              <a:spcAft>
+                <a:spcPts val="0"/>
+              </a:spcAft>
+              <a:buClr>
+                <a:schemeClr val="accent1"/>
+              </a:buClr>
+              <a:buSzPts val="2400"/>
+              <a:buNone/>
+              <a:defRPr sz="2400" i="1">
+                <a:solidFill>
+                  <a:schemeClr val="accent1"/>
+                </a:solidFill>
+              </a:defRPr>
+            </a:lvl9pPr>
+          </a:lstStyle>
+          <a:p>
+            <a:endParaRPr/>
+          </a:p>
+        </p:txBody>
+      </p:sp>
+      <p:cxnSp>
+        <p:nvCxnSpPr>
+          <p:cNvPr id="15" name="Google Shape;15;p3"/>
+          <p:cNvCxnSpPr/>
+          <p:nvPr/>
+        </p:nvCxnSpPr>
+        <p:spPr>
+          <a:xfrm rot="10800000">
+            <a:off x="-15990" y="2933511"/>
+            <a:ext cx="2476800" cy="0"/>
+          </a:xfrm>
+          <a:prstGeom prst="straightConnector1">
+            <a:avLst/>
+          </a:prstGeom>
+          <a:noFill/>
+          <a:ln w="9525" cap="flat" cmpd="sng">
+            <a:solidFill>
+              <a:schemeClr val="dk2"/>
+            </a:solidFill>
+            <a:prstDash val="solid"/>
+            <a:round/>
+            <a:headEnd type="oval" w="med" len="med"/>
+            <a:tailEnd type="none" w="med" len="med"/>
+          </a:ln>
+        </p:spPr>
+      </p:cxnSp>
+    </p:spTree>
+    <p:extLst>
+      <p:ext uri="{BB962C8B-B14F-4D97-AF65-F5344CB8AC3E}">
+        <p14:creationId xmlns:p14="http://schemas.microsoft.com/office/powerpoint/2010/main" val="1901509239"/>
+      </p:ext>
+    </p:extLst>
+  </p:cSld>
+  <p:clrMapOvr>
+    <a:masterClrMapping/>
+  </p:clrMapOvr>
+</p:sldLayout>
+</file>
+
+<file path=ppt/slideLayouts/slideLayout5.xml><?xml version="1.0" encoding="utf-8"?>
+<p:sldLayout xmlns:a="http://schemas.openxmlformats.org/drawingml/2006/main" xmlns:r="http://schemas.openxmlformats.org/officeDocument/2006/relationships" xmlns:p="http://schemas.openxmlformats.org/presentationml/2006/main" matchingName="Quote">
+  <p:cSld name="Quote">
+    <p:spTree>
+      <p:nvGrpSpPr>
+        <p:cNvPr id="1" name="Shape 16"/>
+        <p:cNvGrpSpPr/>
+        <p:nvPr/>
+      </p:nvGrpSpPr>
+      <p:grpSpPr>
+        <a:xfrm>
+          <a:off x="0" y="0"/>
+          <a:ext cx="0" cy="0"/>
+          <a:chOff x="0" y="0"/>
+          <a:chExt cx="0" cy="0"/>
+        </a:xfrm>
+      </p:grpSpPr>
+      <p:sp>
+        <p:nvSpPr>
+          <p:cNvPr id="17" name="Google Shape;17;p4"/>
+          <p:cNvSpPr/>
+          <p:nvPr/>
+        </p:nvSpPr>
+        <p:spPr>
+          <a:xfrm>
+            <a:off x="4229046" y="1045786"/>
+            <a:ext cx="685800" cy="653700"/>
+          </a:xfrm>
+          <a:prstGeom prst="ellipse">
+            <a:avLst/>
+          </a:prstGeom>
+          <a:solidFill>
+            <a:schemeClr val="accent1"/>
+          </a:solidFill>
+          <a:ln>
+            <a:noFill/>
+          </a:ln>
+        </p:spPr>
+        <p:txBody>
+          <a:bodyPr spcFirstLastPara="1" wrap="square" lIns="91425" tIns="91425" rIns="91425" bIns="91425" anchor="ctr" anchorCtr="0">
+            <a:noAutofit/>
+          </a:bodyPr>
+          <a:lstStyle/>
+          <a:p>
+            <a:pPr marL="0" lvl="0" indent="0" algn="l" rtl="0">
+              <a:spcBef>
+                <a:spcPts val="0"/>
+              </a:spcBef>
+              <a:spcAft>
+                <a:spcPts val="0"/>
+              </a:spcAft>
+              <a:buNone/>
+            </a:pPr>
+            <a:endParaRPr/>
+          </a:p>
+        </p:txBody>
+      </p:sp>
+      <p:sp>
+        <p:nvSpPr>
+          <p:cNvPr id="18" name="Google Shape;18;p4"/>
+          <p:cNvSpPr txBox="1">
+            <a:spLocks noGrp="1"/>
+          </p:cNvSpPr>
+          <p:nvPr>
+            <p:ph type="body" idx="1"/>
+          </p:nvPr>
+        </p:nvSpPr>
+        <p:spPr>
+          <a:xfrm>
+            <a:off x="1555350" y="1818900"/>
+            <a:ext cx="6033300" cy="819900"/>
+          </a:xfrm>
+          <a:prstGeom prst="rect">
+            <a:avLst/>
+          </a:prstGeom>
+        </p:spPr>
+        <p:txBody>
+          <a:bodyPr spcFirstLastPara="1" wrap="square" lIns="91425" tIns="91425" rIns="91425" bIns="91425" anchor="t" anchorCtr="0">
+            <a:noAutofit/>
+          </a:bodyPr>
+          <a:lstStyle>
+            <a:lvl1pPr marL="457200" lvl="0" indent="-419100" algn="ctr" rtl="0">
+              <a:lnSpc>
+                <a:spcPct val="100000"/>
+              </a:lnSpc>
+              <a:spcBef>
+                <a:spcPts val="600"/>
+              </a:spcBef>
+              <a:spcAft>
+                <a:spcPts val="0"/>
+              </a:spcAft>
+              <a:buClr>
+                <a:schemeClr val="accent1"/>
+              </a:buClr>
+              <a:buSzPts val="3000"/>
+              <a:buChar char="○"/>
+              <a:defRPr sz="3000" i="1">
+                <a:solidFill>
+                  <a:schemeClr val="accent1"/>
+                </a:solidFill>
+              </a:defRPr>
+            </a:lvl1pPr>
+            <a:lvl2pPr marL="914400" lvl="1" indent="-419100" algn="ctr" rtl="0">
+              <a:lnSpc>
+                <a:spcPct val="100000"/>
+              </a:lnSpc>
+              <a:spcBef>
+                <a:spcPts val="0"/>
+              </a:spcBef>
+              <a:spcAft>
+                <a:spcPts val="0"/>
+              </a:spcAft>
+              <a:buClr>
+                <a:schemeClr val="accent1"/>
+              </a:buClr>
+              <a:buSzPts val="3000"/>
+              <a:buChar char="□"/>
+              <a:defRPr sz="3000" i="1">
+                <a:solidFill>
+                  <a:schemeClr val="accent1"/>
+                </a:solidFill>
+              </a:defRPr>
+            </a:lvl2pPr>
+            <a:lvl3pPr marL="1371600" lvl="2" indent="-419100" algn="ctr" rtl="0">
+              <a:lnSpc>
+                <a:spcPct val="100000"/>
+              </a:lnSpc>
+              <a:spcBef>
+                <a:spcPts val="0"/>
+              </a:spcBef>
+              <a:spcAft>
+                <a:spcPts val="0"/>
+              </a:spcAft>
+              <a:buClr>
+                <a:schemeClr val="accent1"/>
+              </a:buClr>
+              <a:buSzPts val="3000"/>
+              <a:buChar char="○"/>
+              <a:defRPr sz="3000" i="1">
+                <a:solidFill>
+                  <a:schemeClr val="accent1"/>
+                </a:solidFill>
+              </a:defRPr>
+            </a:lvl3pPr>
+            <a:lvl4pPr marL="1828800" lvl="3" indent="-419100" algn="ctr" rtl="0">
+              <a:lnSpc>
+                <a:spcPct val="100000"/>
+              </a:lnSpc>
+              <a:spcBef>
+                <a:spcPts val="0"/>
+              </a:spcBef>
+              <a:spcAft>
+                <a:spcPts val="0"/>
+              </a:spcAft>
+              <a:buClr>
+                <a:schemeClr val="accent1"/>
+              </a:buClr>
+              <a:buSzPts val="3000"/>
+              <a:buChar char="□"/>
+              <a:defRPr sz="3000" i="1">
+                <a:solidFill>
+                  <a:schemeClr val="accent1"/>
+                </a:solidFill>
+              </a:defRPr>
+            </a:lvl4pPr>
+            <a:lvl5pPr marL="2286000" lvl="4" indent="-419100" algn="ctr" rtl="0">
+              <a:lnSpc>
+                <a:spcPct val="100000"/>
+              </a:lnSpc>
+              <a:spcBef>
+                <a:spcPts val="0"/>
+              </a:spcBef>
+              <a:spcAft>
+                <a:spcPts val="0"/>
+              </a:spcAft>
+              <a:buClr>
+                <a:schemeClr val="accent1"/>
+              </a:buClr>
+              <a:buSzPts val="3000"/>
+              <a:buChar char="○"/>
+              <a:defRPr sz="3000" i="1">
+                <a:solidFill>
+                  <a:schemeClr val="accent1"/>
+                </a:solidFill>
+              </a:defRPr>
+            </a:lvl5pPr>
+            <a:lvl6pPr marL="2743200" lvl="5" indent="-419100" algn="ctr" rtl="0">
+              <a:lnSpc>
+                <a:spcPct val="100000"/>
+              </a:lnSpc>
+              <a:spcBef>
+                <a:spcPts val="0"/>
+              </a:spcBef>
+              <a:spcAft>
+                <a:spcPts val="0"/>
+              </a:spcAft>
+              <a:buClr>
+                <a:schemeClr val="accent1"/>
+              </a:buClr>
+              <a:buSzPts val="3000"/>
+              <a:buChar char="■"/>
+              <a:defRPr sz="3000" i="1">
+                <a:solidFill>
+                  <a:schemeClr val="accent1"/>
+                </a:solidFill>
+              </a:defRPr>
+            </a:lvl6pPr>
+            <a:lvl7pPr marL="3200400" lvl="6" indent="-419100" algn="ctr" rtl="0">
+              <a:lnSpc>
+                <a:spcPct val="100000"/>
+              </a:lnSpc>
+              <a:spcBef>
+                <a:spcPts val="0"/>
+              </a:spcBef>
+              <a:spcAft>
+                <a:spcPts val="0"/>
+              </a:spcAft>
+              <a:buClr>
+                <a:schemeClr val="accent1"/>
+              </a:buClr>
+              <a:buSzPts val="3000"/>
+              <a:buChar char="●"/>
+              <a:defRPr sz="3000" i="1">
+                <a:solidFill>
+                  <a:schemeClr val="accent1"/>
+                </a:solidFill>
+              </a:defRPr>
+            </a:lvl7pPr>
+            <a:lvl8pPr marL="3657600" lvl="7" indent="-419100" algn="ctr" rtl="0">
+              <a:lnSpc>
+                <a:spcPct val="100000"/>
+              </a:lnSpc>
+              <a:spcBef>
+                <a:spcPts val="0"/>
+              </a:spcBef>
+              <a:spcAft>
+                <a:spcPts val="0"/>
+              </a:spcAft>
+              <a:buClr>
+                <a:schemeClr val="accent1"/>
+              </a:buClr>
+              <a:buSzPts val="3000"/>
+              <a:buChar char="○"/>
+              <a:defRPr sz="3000" i="1">
+                <a:solidFill>
+                  <a:schemeClr val="accent1"/>
+                </a:solidFill>
+              </a:defRPr>
+            </a:lvl8pPr>
+            <a:lvl9pPr marL="4114800" lvl="8" indent="-419100" algn="ctr">
+              <a:lnSpc>
+                <a:spcPct val="100000"/>
+              </a:lnSpc>
+              <a:spcBef>
+                <a:spcPts val="0"/>
+              </a:spcBef>
+              <a:spcAft>
+                <a:spcPts val="0"/>
+              </a:spcAft>
+              <a:buClr>
+                <a:schemeClr val="accent1"/>
+              </a:buClr>
+              <a:buSzPts val="3000"/>
+              <a:buChar char="■"/>
+              <a:defRPr sz="3000" i="1">
+                <a:solidFill>
+                  <a:schemeClr val="accent1"/>
+                </a:solidFill>
+              </a:defRPr>
+            </a:lvl9pPr>
+          </a:lstStyle>
+          <a:p>
+            <a:endParaRPr/>
+          </a:p>
+        </p:txBody>
+      </p:sp>
+      <p:sp>
+        <p:nvSpPr>
+          <p:cNvPr id="19" name="Google Shape;19;p4"/>
+          <p:cNvSpPr txBox="1"/>
+          <p:nvPr/>
+        </p:nvSpPr>
+        <p:spPr>
+          <a:xfrm>
+            <a:off x="3801800" y="854771"/>
+            <a:ext cx="1540500" cy="653700"/>
+          </a:xfrm>
+          <a:prstGeom prst="rect">
+            <a:avLst/>
+          </a:prstGeom>
+          <a:noFill/>
+          <a:ln>
+            <a:noFill/>
+          </a:ln>
+        </p:spPr>
+        <p:txBody>
+          <a:bodyPr spcFirstLastPara="1" wrap="square" lIns="91425" tIns="91425" rIns="91425" bIns="91425" anchor="t" anchorCtr="0">
+            <a:noAutofit/>
+          </a:bodyPr>
+          <a:lstStyle/>
+          <a:p>
+            <a:pPr marL="0" lvl="0" indent="0" algn="ctr" rtl="0">
+              <a:spcBef>
+                <a:spcPts val="0"/>
+              </a:spcBef>
+              <a:spcAft>
+                <a:spcPts val="0"/>
+              </a:spcAft>
+              <a:buNone/>
+            </a:pPr>
+            <a:r>
+              <a:rPr lang="en" sz="9600">
+                <a:solidFill>
+                  <a:schemeClr val="lt2"/>
+                </a:solidFill>
+                <a:latin typeface="Montserrat"/>
+                <a:ea typeface="Montserrat"/>
+                <a:cs typeface="Montserrat"/>
+                <a:sym typeface="Montserrat"/>
+              </a:rPr>
+              <a:t>“</a:t>
+            </a:r>
+            <a:endParaRPr sz="9600">
+              <a:solidFill>
+                <a:schemeClr val="lt2"/>
+              </a:solidFill>
+              <a:latin typeface="Montserrat"/>
+              <a:ea typeface="Montserrat"/>
+              <a:cs typeface="Montserrat"/>
+              <a:sym typeface="Montserrat"/>
+            </a:endParaRPr>
+          </a:p>
+        </p:txBody>
+      </p:sp>
+      <p:sp>
+        <p:nvSpPr>
+          <p:cNvPr id="20" name="Google Shape;20;p4"/>
+          <p:cNvSpPr txBox="1">
+            <a:spLocks noGrp="1"/>
+          </p:cNvSpPr>
+          <p:nvPr>
+            <p:ph type="sldNum" idx="12"/>
+          </p:nvPr>
+        </p:nvSpPr>
+        <p:spPr>
+          <a:xfrm>
+            <a:off x="4297650" y="4749851"/>
+            <a:ext cx="548700" cy="393600"/>
+          </a:xfrm>
+          <a:prstGeom prst="rect">
+            <a:avLst/>
+          </a:prstGeom>
+        </p:spPr>
+        <p:txBody>
+          <a:bodyPr spcFirstLastPara="1" wrap="square" lIns="91425" tIns="91425" rIns="91425" bIns="91425" anchor="t" anchorCtr="0">
+            <a:noAutofit/>
+          </a:bodyPr>
+          <a:lstStyle>
+            <a:lvl1pPr lvl="0">
+              <a:buNone/>
+              <a:defRPr>
+                <a:solidFill>
+                  <a:srgbClr val="8F7B87"/>
+                </a:solidFill>
+              </a:defRPr>
+            </a:lvl1pPr>
+            <a:lvl2pPr lvl="1">
+              <a:buNone/>
+              <a:defRPr>
+                <a:solidFill>
+                  <a:srgbClr val="8F7B87"/>
+                </a:solidFill>
+              </a:defRPr>
+            </a:lvl2pPr>
+            <a:lvl3pPr lvl="2">
+              <a:buNone/>
+              <a:defRPr>
+                <a:solidFill>
+                  <a:srgbClr val="8F7B87"/>
+                </a:solidFill>
+              </a:defRPr>
+            </a:lvl3pPr>
+            <a:lvl4pPr lvl="3">
+              <a:buNone/>
+              <a:defRPr>
+                <a:solidFill>
+                  <a:srgbClr val="8F7B87"/>
+                </a:solidFill>
+              </a:defRPr>
+            </a:lvl4pPr>
+            <a:lvl5pPr lvl="4">
+              <a:buNone/>
+              <a:defRPr>
+                <a:solidFill>
+                  <a:srgbClr val="8F7B87"/>
+                </a:solidFill>
+              </a:defRPr>
+            </a:lvl5pPr>
+            <a:lvl6pPr lvl="5">
+              <a:buNone/>
+              <a:defRPr>
+                <a:solidFill>
+                  <a:srgbClr val="8F7B87"/>
+                </a:solidFill>
+              </a:defRPr>
+            </a:lvl6pPr>
+            <a:lvl7pPr lvl="6">
+              <a:buNone/>
+              <a:defRPr>
+                <a:solidFill>
+                  <a:srgbClr val="8F7B87"/>
+                </a:solidFill>
+              </a:defRPr>
+            </a:lvl7pPr>
+            <a:lvl8pPr lvl="7">
+              <a:buNone/>
+              <a:defRPr>
+                <a:solidFill>
+                  <a:srgbClr val="8F7B87"/>
+                </a:solidFill>
+              </a:defRPr>
+            </a:lvl8pPr>
+            <a:lvl9pPr lvl="8">
+              <a:buNone/>
+              <a:defRPr>
+                <a:solidFill>
+                  <a:srgbClr val="8F7B87"/>
+                </a:solidFill>
+              </a:defRPr>
+            </a:lvl9pPr>
+          </a:lstStyle>
+          <a:p>
+            <a:pPr marL="0" lvl="0" indent="0" algn="ctr" rtl="0">
+              <a:spcBef>
+                <a:spcPts val="0"/>
+              </a:spcBef>
+              <a:spcAft>
+                <a:spcPts val="0"/>
+              </a:spcAft>
+              <a:buNone/>
+            </a:pPr>
+            <a:fld id="{00000000-1234-1234-1234-123412341234}" type="slidenum">
+              <a:rPr lang="en"/>
+              <a:t>‹Nº›</a:t>
+            </a:fld>
+            <a:endParaRPr/>
+          </a:p>
+        </p:txBody>
+      </p:sp>
+    </p:spTree>
+    <p:extLst>
+      <p:ext uri="{BB962C8B-B14F-4D97-AF65-F5344CB8AC3E}">
+        <p14:creationId xmlns:p14="http://schemas.microsoft.com/office/powerpoint/2010/main" val="3265195077"/>
+      </p:ext>
+    </p:extLst>
+  </p:cSld>
+  <p:clrMapOvr>
+    <a:masterClrMapping/>
+  </p:clrMapOvr>
+</p:sldLayout>
+</file>
+
+<file path=ppt/slideLayouts/slideLayout6.xml><?xml version="1.0" encoding="utf-8"?>
+<p:sldLayout xmlns:a="http://schemas.openxmlformats.org/drawingml/2006/main" xmlns:r="http://schemas.openxmlformats.org/officeDocument/2006/relationships" xmlns:p="http://schemas.openxmlformats.org/presentationml/2006/main" matchingName="Title + 1 column" type="tx">
+  <p:cSld name="Title + 1 column">
+    <p:spTree>
+      <p:nvGrpSpPr>
+        <p:cNvPr id="1" name="Shape 21"/>
+        <p:cNvGrpSpPr/>
+        <p:nvPr/>
+      </p:nvGrpSpPr>
+      <p:grpSpPr>
+        <a:xfrm>
+          <a:off x="0" y="0"/>
+          <a:ext cx="0" cy="0"/>
+          <a:chOff x="0" y="0"/>
+          <a:chExt cx="0" cy="0"/>
+        </a:xfrm>
+      </p:grpSpPr>
+      <p:sp>
+        <p:nvSpPr>
+          <p:cNvPr id="22" name="Google Shape;22;p5"/>
+          <p:cNvSpPr txBox="1">
+            <a:spLocks noGrp="1"/>
+          </p:cNvSpPr>
+          <p:nvPr>
+            <p:ph type="title"/>
+          </p:nvPr>
+        </p:nvSpPr>
+        <p:spPr>
+          <a:xfrm>
+            <a:off x="2318100" y="113175"/>
+            <a:ext cx="4507800" cy="857400"/>
+          </a:xfrm>
+          <a:prstGeom prst="rect">
+            <a:avLst/>
+          </a:prstGeom>
+        </p:spPr>
+        <p:txBody>
+          <a:bodyPr spcFirstLastPara="1" wrap="square" lIns="91425" tIns="91425" rIns="91425" bIns="91425" anchor="ctr" anchorCtr="0">
+            <a:noAutofit/>
+          </a:bodyPr>
+          <a:lstStyle>
+            <a:lvl1pPr lvl="0">
+              <a:spcBef>
+                <a:spcPts val="0"/>
+              </a:spcBef>
+              <a:spcAft>
+                <a:spcPts val="0"/>
+              </a:spcAft>
+              <a:buSzPts val="1600"/>
+              <a:buNone/>
+              <a:defRPr/>
+            </a:lvl1pPr>
+            <a:lvl2pPr lvl="1">
+              <a:spcBef>
+                <a:spcPts val="0"/>
+              </a:spcBef>
+              <a:spcAft>
+                <a:spcPts val="0"/>
+              </a:spcAft>
+              <a:buSzPts val="1600"/>
+              <a:buNone/>
+              <a:defRPr/>
+            </a:lvl2pPr>
+            <a:lvl3pPr lvl="2">
+              <a:spcBef>
+                <a:spcPts val="0"/>
+              </a:spcBef>
+              <a:spcAft>
+                <a:spcPts val="0"/>
+              </a:spcAft>
+              <a:buSzPts val="1600"/>
+              <a:buNone/>
+              <a:defRPr/>
+            </a:lvl3pPr>
+            <a:lvl4pPr lvl="3">
+              <a:spcBef>
+                <a:spcPts val="0"/>
+              </a:spcBef>
+              <a:spcAft>
+                <a:spcPts val="0"/>
+              </a:spcAft>
+              <a:buSzPts val="1600"/>
+              <a:buNone/>
+              <a:defRPr/>
+            </a:lvl4pPr>
+            <a:lvl5pPr lvl="4">
+              <a:spcBef>
+                <a:spcPts val="0"/>
+              </a:spcBef>
+              <a:spcAft>
+                <a:spcPts val="0"/>
+              </a:spcAft>
+              <a:buSzPts val="1600"/>
+              <a:buNone/>
+              <a:defRPr/>
+            </a:lvl5pPr>
+            <a:lvl6pPr lvl="5">
+              <a:spcBef>
+                <a:spcPts val="0"/>
+              </a:spcBef>
+              <a:spcAft>
+                <a:spcPts val="0"/>
+              </a:spcAft>
+              <a:buSzPts val="1600"/>
+              <a:buNone/>
+              <a:defRPr/>
+            </a:lvl6pPr>
+            <a:lvl7pPr lvl="6">
+              <a:spcBef>
+                <a:spcPts val="0"/>
+              </a:spcBef>
+              <a:spcAft>
+                <a:spcPts val="0"/>
+              </a:spcAft>
+              <a:buSzPts val="1600"/>
+              <a:buNone/>
+              <a:defRPr/>
+            </a:lvl7pPr>
+            <a:lvl8pPr lvl="7">
+              <a:spcBef>
+                <a:spcPts val="0"/>
+              </a:spcBef>
+              <a:spcAft>
+                <a:spcPts val="0"/>
+              </a:spcAft>
+              <a:buSzPts val="1600"/>
+              <a:buNone/>
+              <a:defRPr/>
+            </a:lvl8pPr>
+            <a:lvl9pPr lvl="8">
+              <a:spcBef>
+                <a:spcPts val="0"/>
+              </a:spcBef>
+              <a:spcAft>
+                <a:spcPts val="0"/>
+              </a:spcAft>
+              <a:buSzPts val="1600"/>
+              <a:buNone/>
+              <a:defRPr/>
+            </a:lvl9pPr>
+          </a:lstStyle>
+          <a:p>
+            <a:endParaRPr/>
+          </a:p>
+        </p:txBody>
+      </p:sp>
+      <p:sp>
+        <p:nvSpPr>
+          <p:cNvPr id="23" name="Google Shape;23;p5"/>
+          <p:cNvSpPr txBox="1">
+            <a:spLocks noGrp="1"/>
+          </p:cNvSpPr>
+          <p:nvPr>
+            <p:ph type="body" idx="1"/>
+          </p:nvPr>
+        </p:nvSpPr>
+        <p:spPr>
+          <a:xfrm>
+            <a:off x="617100" y="1269863"/>
+            <a:ext cx="7909800" cy="3215400"/>
+          </a:xfrm>
+          <a:prstGeom prst="rect">
+            <a:avLst/>
+          </a:prstGeom>
+        </p:spPr>
+        <p:txBody>
+          <a:bodyPr spcFirstLastPara="1" wrap="square" lIns="91425" tIns="91425" rIns="91425" bIns="91425" anchor="t" anchorCtr="0">
+            <a:noAutofit/>
+          </a:bodyPr>
+          <a:lstStyle>
+            <a:lvl1pPr marL="457200" lvl="0" indent="-381000">
+              <a:spcBef>
+                <a:spcPts val="600"/>
+              </a:spcBef>
+              <a:spcAft>
+                <a:spcPts val="0"/>
+              </a:spcAft>
+              <a:buSzPts val="2400"/>
+              <a:buChar char="○"/>
+              <a:defRPr/>
+            </a:lvl1pPr>
+            <a:lvl2pPr marL="914400" lvl="1" indent="-381000">
+              <a:spcBef>
+                <a:spcPts val="0"/>
+              </a:spcBef>
+              <a:spcAft>
+                <a:spcPts val="0"/>
+              </a:spcAft>
+              <a:buSzPts val="2400"/>
+              <a:buChar char="□"/>
+              <a:defRPr/>
+            </a:lvl2pPr>
+            <a:lvl3pPr marL="1371600" lvl="2" indent="-381000">
+              <a:spcBef>
+                <a:spcPts val="0"/>
+              </a:spcBef>
+              <a:spcAft>
+                <a:spcPts val="0"/>
+              </a:spcAft>
+              <a:buSzPts val="2400"/>
+              <a:buChar char="○"/>
+              <a:defRPr/>
+            </a:lvl3pPr>
+            <a:lvl4pPr marL="1828800" lvl="3" indent="-381000">
+              <a:spcBef>
+                <a:spcPts val="0"/>
+              </a:spcBef>
+              <a:spcAft>
+                <a:spcPts val="0"/>
+              </a:spcAft>
+              <a:buSzPts val="2400"/>
+              <a:buChar char="□"/>
+              <a:defRPr/>
+            </a:lvl4pPr>
+            <a:lvl5pPr marL="2286000" lvl="4" indent="-381000">
+              <a:spcBef>
+                <a:spcPts val="0"/>
+              </a:spcBef>
+              <a:spcAft>
+                <a:spcPts val="0"/>
+              </a:spcAft>
+              <a:buSzPts val="2400"/>
+              <a:buChar char="○"/>
+              <a:defRPr/>
+            </a:lvl5pPr>
+            <a:lvl6pPr marL="2743200" lvl="5" indent="-381000">
+              <a:spcBef>
+                <a:spcPts val="0"/>
+              </a:spcBef>
+              <a:spcAft>
+                <a:spcPts val="0"/>
+              </a:spcAft>
+              <a:buSzPts val="2400"/>
+              <a:buChar char="■"/>
+              <a:defRPr/>
+            </a:lvl6pPr>
+            <a:lvl7pPr marL="3200400" lvl="6" indent="-381000">
+              <a:spcBef>
+                <a:spcPts val="0"/>
+              </a:spcBef>
+              <a:spcAft>
+                <a:spcPts val="0"/>
+              </a:spcAft>
+              <a:buSzPts val="2400"/>
+              <a:buChar char="●"/>
+              <a:defRPr/>
+            </a:lvl7pPr>
+            <a:lvl8pPr marL="3657600" lvl="7" indent="-381000">
+              <a:spcBef>
+                <a:spcPts val="0"/>
+              </a:spcBef>
+              <a:spcAft>
+                <a:spcPts val="0"/>
+              </a:spcAft>
+              <a:buSzPts val="2400"/>
+              <a:buChar char="○"/>
+              <a:defRPr/>
+            </a:lvl8pPr>
+            <a:lvl9pPr marL="4114800" lvl="8" indent="-381000">
+              <a:spcBef>
+                <a:spcPts val="0"/>
+              </a:spcBef>
+              <a:spcAft>
+                <a:spcPts val="0"/>
+              </a:spcAft>
+              <a:buSzPts val="2400"/>
+              <a:buChar char="■"/>
+              <a:defRPr/>
+            </a:lvl9pPr>
+          </a:lstStyle>
+          <a:p>
+            <a:endParaRPr/>
+          </a:p>
+        </p:txBody>
+      </p:sp>
+      <p:cxnSp>
+        <p:nvCxnSpPr>
+          <p:cNvPr id="24" name="Google Shape;24;p5"/>
+          <p:cNvCxnSpPr/>
+          <p:nvPr/>
+        </p:nvCxnSpPr>
+        <p:spPr>
+          <a:xfrm rot="10800000">
+            <a:off x="-23700" y="541800"/>
+            <a:ext cx="2341800" cy="0"/>
+          </a:xfrm>
+          <a:prstGeom prst="straightConnector1">
+            <a:avLst/>
+          </a:prstGeom>
+          <a:noFill/>
+          <a:ln w="9525" cap="flat" cmpd="sng">
+            <a:solidFill>
+              <a:schemeClr val="dk2"/>
+            </a:solidFill>
+            <a:prstDash val="solid"/>
+            <a:round/>
+            <a:headEnd type="oval" w="med" len="med"/>
+            <a:tailEnd type="none" w="med" len="med"/>
+          </a:ln>
+        </p:spPr>
+      </p:cxnSp>
+      <p:cxnSp>
+        <p:nvCxnSpPr>
+          <p:cNvPr id="25" name="Google Shape;25;p5"/>
+          <p:cNvCxnSpPr/>
+          <p:nvPr/>
+        </p:nvCxnSpPr>
+        <p:spPr>
+          <a:xfrm>
+            <a:off x="6825900" y="541800"/>
+            <a:ext cx="2331300" cy="0"/>
+          </a:xfrm>
+          <a:prstGeom prst="straightConnector1">
+            <a:avLst/>
+          </a:prstGeom>
+          <a:noFill/>
+          <a:ln w="9525" cap="flat" cmpd="sng">
+            <a:solidFill>
+              <a:schemeClr val="dk2"/>
+            </a:solidFill>
+            <a:prstDash val="solid"/>
+            <a:round/>
+            <a:headEnd type="oval" w="med" len="med"/>
+            <a:tailEnd type="none" w="med" len="med"/>
+          </a:ln>
+        </p:spPr>
+      </p:cxnSp>
+      <p:sp>
+        <p:nvSpPr>
+          <p:cNvPr id="26" name="Google Shape;26;p5"/>
+          <p:cNvSpPr txBox="1">
+            <a:spLocks noGrp="1"/>
+          </p:cNvSpPr>
+          <p:nvPr>
+            <p:ph type="sldNum" idx="12"/>
+          </p:nvPr>
+        </p:nvSpPr>
+        <p:spPr>
+          <a:xfrm>
+            <a:off x="4297650" y="4749851"/>
+            <a:ext cx="548700" cy="393600"/>
+          </a:xfrm>
+          <a:prstGeom prst="rect">
+            <a:avLst/>
+          </a:prstGeom>
+        </p:spPr>
+        <p:txBody>
+          <a:bodyPr spcFirstLastPara="1" wrap="square" lIns="91425" tIns="91425" rIns="91425" bIns="91425" anchor="t" anchorCtr="0">
+            <a:noAutofit/>
+          </a:bodyPr>
+          <a:lstStyle>
+            <a:lvl1pPr lvl="0">
+              <a:buNone/>
+              <a:defRPr/>
+            </a:lvl1pPr>
+            <a:lvl2pPr lvl="1">
+              <a:buNone/>
+              <a:defRPr/>
+            </a:lvl2pPr>
+            <a:lvl3pPr lvl="2">
+              <a:buNone/>
+              <a:defRPr/>
+            </a:lvl3pPr>
+            <a:lvl4pPr lvl="3">
+              <a:buNone/>
+              <a:defRPr/>
+            </a:lvl4pPr>
+            <a:lvl5pPr lvl="4">
+              <a:buNone/>
+              <a:defRPr/>
+            </a:lvl5pPr>
+            <a:lvl6pPr lvl="5">
+              <a:buNone/>
+              <a:defRPr/>
+            </a:lvl6pPr>
+            <a:lvl7pPr lvl="6">
+              <a:buNone/>
+              <a:defRPr/>
+            </a:lvl7pPr>
+            <a:lvl8pPr lvl="7">
+              <a:buNone/>
+              <a:defRPr/>
+            </a:lvl8pPr>
+            <a:lvl9pPr lvl="8">
+              <a:buNone/>
+              <a:defRPr/>
+            </a:lvl9pPr>
+          </a:lstStyle>
+          <a:p>
+            <a:pPr marL="0" lvl="0" indent="0" algn="ctr" rtl="0">
+              <a:spcBef>
+                <a:spcPts val="0"/>
+              </a:spcBef>
+              <a:spcAft>
+                <a:spcPts val="0"/>
+              </a:spcAft>
+              <a:buNone/>
+            </a:pPr>
+            <a:fld id="{00000000-1234-1234-1234-123412341234}" type="slidenum">
+              <a:rPr lang="en"/>
+              <a:t>‹Nº›</a:t>
+            </a:fld>
+            <a:endParaRPr/>
+          </a:p>
+        </p:txBody>
+      </p:sp>
+    </p:spTree>
+    <p:extLst>
+      <p:ext uri="{BB962C8B-B14F-4D97-AF65-F5344CB8AC3E}">
+        <p14:creationId xmlns:p14="http://schemas.microsoft.com/office/powerpoint/2010/main" val="2823085983"/>
+      </p:ext>
+    </p:extLst>
+  </p:cSld>
+  <p:clrMapOvr>
+    <a:masterClrMapping/>
+  </p:clrMapOvr>
+</p:sldLayout>
+</file>
+
+<file path=ppt/slideLayouts/slideLayout7.xml><?xml version="1.0" encoding="utf-8"?>
+<p:sldLayout xmlns:a="http://schemas.openxmlformats.org/drawingml/2006/main" xmlns:r="http://schemas.openxmlformats.org/officeDocument/2006/relationships" xmlns:p="http://schemas.openxmlformats.org/presentationml/2006/main" matchingName="Title + 2 columns" type="twoColTx">
+  <p:cSld name="Title + 2 columns">
+    <p:spTree>
+      <p:nvGrpSpPr>
+        <p:cNvPr id="1" name="Shape 27"/>
+        <p:cNvGrpSpPr/>
+        <p:nvPr/>
+      </p:nvGrpSpPr>
+      <p:grpSpPr>
+        <a:xfrm>
+          <a:off x="0" y="0"/>
+          <a:ext cx="0" cy="0"/>
+          <a:chOff x="0" y="0"/>
+          <a:chExt cx="0" cy="0"/>
+        </a:xfrm>
+      </p:grpSpPr>
+      <p:sp>
+        <p:nvSpPr>
+          <p:cNvPr id="28" name="Google Shape;28;p6"/>
+          <p:cNvSpPr txBox="1">
+            <a:spLocks noGrp="1"/>
+          </p:cNvSpPr>
+          <p:nvPr>
+            <p:ph type="body" idx="1"/>
+          </p:nvPr>
+        </p:nvSpPr>
+        <p:spPr>
+          <a:xfrm>
+            <a:off x="626350" y="1346063"/>
+            <a:ext cx="3644400" cy="3204900"/>
+          </a:xfrm>
+          <a:prstGeom prst="rect">
+            <a:avLst/>
+          </a:prstGeom>
+        </p:spPr>
+        <p:txBody>
+          <a:bodyPr spcFirstLastPara="1" wrap="square" lIns="91425" tIns="91425" rIns="91425" bIns="91425" anchor="t" anchorCtr="0">
+            <a:noAutofit/>
+          </a:bodyPr>
+          <a:lstStyle>
+            <a:lvl1pPr marL="457200" lvl="0" indent="-355600">
+              <a:spcBef>
+                <a:spcPts val="600"/>
+              </a:spcBef>
+              <a:spcAft>
+                <a:spcPts val="0"/>
+              </a:spcAft>
+              <a:buSzPts val="2000"/>
+              <a:buChar char="○"/>
+              <a:defRPr sz="2000"/>
+            </a:lvl1pPr>
+            <a:lvl2pPr marL="914400" lvl="1" indent="-355600">
+              <a:spcBef>
+                <a:spcPts val="0"/>
+              </a:spcBef>
+              <a:spcAft>
+                <a:spcPts val="0"/>
+              </a:spcAft>
+              <a:buSzPts val="2000"/>
+              <a:buChar char="□"/>
+              <a:defRPr sz="2000"/>
+            </a:lvl2pPr>
+            <a:lvl3pPr marL="1371600" lvl="2" indent="-355600">
+              <a:spcBef>
+                <a:spcPts val="0"/>
+              </a:spcBef>
+              <a:spcAft>
+                <a:spcPts val="0"/>
+              </a:spcAft>
+              <a:buSzPts val="2000"/>
+              <a:buChar char="○"/>
+              <a:defRPr sz="2000"/>
+            </a:lvl3pPr>
+            <a:lvl4pPr marL="1828800" lvl="3" indent="-355600">
+              <a:spcBef>
+                <a:spcPts val="0"/>
+              </a:spcBef>
+              <a:spcAft>
+                <a:spcPts val="0"/>
+              </a:spcAft>
+              <a:buSzPts val="2000"/>
+              <a:buChar char="□"/>
+              <a:defRPr sz="2000"/>
+            </a:lvl4pPr>
+            <a:lvl5pPr marL="2286000" lvl="4" indent="-355600">
+              <a:spcBef>
+                <a:spcPts val="0"/>
+              </a:spcBef>
+              <a:spcAft>
+                <a:spcPts val="0"/>
+              </a:spcAft>
+              <a:buSzPts val="2000"/>
+              <a:buChar char="○"/>
+              <a:defRPr sz="2000"/>
+            </a:lvl5pPr>
+            <a:lvl6pPr marL="2743200" lvl="5" indent="-355600">
+              <a:spcBef>
+                <a:spcPts val="0"/>
+              </a:spcBef>
+              <a:spcAft>
+                <a:spcPts val="0"/>
+              </a:spcAft>
+              <a:buSzPts val="2000"/>
+              <a:buChar char="■"/>
+              <a:defRPr sz="2000"/>
+            </a:lvl6pPr>
+            <a:lvl7pPr marL="3200400" lvl="6" indent="-355600">
+              <a:spcBef>
+                <a:spcPts val="0"/>
+              </a:spcBef>
+              <a:spcAft>
+                <a:spcPts val="0"/>
+              </a:spcAft>
+              <a:buSzPts val="2000"/>
+              <a:buChar char="●"/>
+              <a:defRPr sz="2000"/>
+            </a:lvl7pPr>
+            <a:lvl8pPr marL="3657600" lvl="7" indent="-355600">
+              <a:spcBef>
+                <a:spcPts val="0"/>
+              </a:spcBef>
+              <a:spcAft>
+                <a:spcPts val="0"/>
+              </a:spcAft>
+              <a:buSzPts val="2000"/>
+              <a:buChar char="○"/>
+              <a:defRPr sz="2000"/>
+            </a:lvl8pPr>
+            <a:lvl9pPr marL="4114800" lvl="8" indent="-355600">
+              <a:spcBef>
+                <a:spcPts val="0"/>
+              </a:spcBef>
+              <a:spcAft>
+                <a:spcPts val="0"/>
+              </a:spcAft>
+              <a:buSzPts val="2000"/>
+              <a:buChar char="■"/>
+              <a:defRPr sz="2000"/>
+            </a:lvl9pPr>
+          </a:lstStyle>
+          <a:p>
+            <a:endParaRPr/>
+          </a:p>
+        </p:txBody>
+      </p:sp>
+      <p:sp>
+        <p:nvSpPr>
+          <p:cNvPr id="29" name="Google Shape;29;p6"/>
+          <p:cNvSpPr txBox="1">
+            <a:spLocks noGrp="1"/>
+          </p:cNvSpPr>
+          <p:nvPr>
+            <p:ph type="body" idx="2"/>
+          </p:nvPr>
+        </p:nvSpPr>
+        <p:spPr>
+          <a:xfrm>
+            <a:off x="4870698" y="1346063"/>
+            <a:ext cx="3644400" cy="3204900"/>
+          </a:xfrm>
+          <a:prstGeom prst="rect">
+            <a:avLst/>
+          </a:prstGeom>
+        </p:spPr>
+        <p:txBody>
+          <a:bodyPr spcFirstLastPara="1" wrap="square" lIns="91425" tIns="91425" rIns="91425" bIns="91425" anchor="t" anchorCtr="0">
+            <a:noAutofit/>
+          </a:bodyPr>
+          <a:lstStyle>
+            <a:lvl1pPr marL="457200" lvl="0" indent="-355600">
+              <a:spcBef>
+                <a:spcPts val="600"/>
+              </a:spcBef>
+              <a:spcAft>
+                <a:spcPts val="0"/>
+              </a:spcAft>
+              <a:buSzPts val="2000"/>
+              <a:buChar char="○"/>
+              <a:defRPr sz="2000"/>
+            </a:lvl1pPr>
+            <a:lvl2pPr marL="914400" lvl="1" indent="-355600">
+              <a:spcBef>
+                <a:spcPts val="0"/>
+              </a:spcBef>
+              <a:spcAft>
+                <a:spcPts val="0"/>
+              </a:spcAft>
+              <a:buSzPts val="2000"/>
+              <a:buChar char="□"/>
+              <a:defRPr sz="2000"/>
+            </a:lvl2pPr>
+            <a:lvl3pPr marL="1371600" lvl="2" indent="-355600">
+              <a:spcBef>
+                <a:spcPts val="0"/>
+              </a:spcBef>
+              <a:spcAft>
+                <a:spcPts val="0"/>
+              </a:spcAft>
+              <a:buSzPts val="2000"/>
+              <a:buChar char="○"/>
+              <a:defRPr sz="2000"/>
+            </a:lvl3pPr>
+            <a:lvl4pPr marL="1828800" lvl="3" indent="-355600">
+              <a:spcBef>
+                <a:spcPts val="0"/>
+              </a:spcBef>
+              <a:spcAft>
+                <a:spcPts val="0"/>
+              </a:spcAft>
+              <a:buSzPts val="2000"/>
+              <a:buChar char="□"/>
+              <a:defRPr sz="2000"/>
+            </a:lvl4pPr>
+            <a:lvl5pPr marL="2286000" lvl="4" indent="-355600">
+              <a:spcBef>
+                <a:spcPts val="0"/>
+              </a:spcBef>
+              <a:spcAft>
+                <a:spcPts val="0"/>
+              </a:spcAft>
+              <a:buSzPts val="2000"/>
+              <a:buChar char="○"/>
+              <a:defRPr sz="2000"/>
+            </a:lvl5pPr>
+            <a:lvl6pPr marL="2743200" lvl="5" indent="-355600">
+              <a:spcBef>
+                <a:spcPts val="0"/>
+              </a:spcBef>
+              <a:spcAft>
+                <a:spcPts val="0"/>
+              </a:spcAft>
+              <a:buSzPts val="2000"/>
+              <a:buChar char="■"/>
+              <a:defRPr sz="2000"/>
+            </a:lvl6pPr>
+            <a:lvl7pPr marL="3200400" lvl="6" indent="-355600">
+              <a:spcBef>
+                <a:spcPts val="0"/>
+              </a:spcBef>
+              <a:spcAft>
+                <a:spcPts val="0"/>
+              </a:spcAft>
+              <a:buSzPts val="2000"/>
+              <a:buChar char="●"/>
+              <a:defRPr sz="2000"/>
+            </a:lvl7pPr>
+            <a:lvl8pPr marL="3657600" lvl="7" indent="-355600">
+              <a:spcBef>
+                <a:spcPts val="0"/>
+              </a:spcBef>
+              <a:spcAft>
+                <a:spcPts val="0"/>
+              </a:spcAft>
+              <a:buSzPts val="2000"/>
+              <a:buChar char="○"/>
+              <a:defRPr sz="2000"/>
+            </a:lvl8pPr>
+            <a:lvl9pPr marL="4114800" lvl="8" indent="-355600">
+              <a:spcBef>
+                <a:spcPts val="0"/>
+              </a:spcBef>
+              <a:spcAft>
+                <a:spcPts val="0"/>
+              </a:spcAft>
+              <a:buSzPts val="2000"/>
+              <a:buChar char="■"/>
+              <a:defRPr sz="2000"/>
+            </a:lvl9pPr>
+          </a:lstStyle>
+          <a:p>
+            <a:endParaRPr/>
+          </a:p>
+        </p:txBody>
+      </p:sp>
+      <p:sp>
+        <p:nvSpPr>
+          <p:cNvPr id="30" name="Google Shape;30;p6"/>
+          <p:cNvSpPr txBox="1">
+            <a:spLocks noGrp="1"/>
+          </p:cNvSpPr>
+          <p:nvPr>
+            <p:ph type="title"/>
+          </p:nvPr>
+        </p:nvSpPr>
+        <p:spPr>
+          <a:xfrm>
+            <a:off x="2318100" y="113175"/>
+            <a:ext cx="4507800" cy="857400"/>
+          </a:xfrm>
+          <a:prstGeom prst="rect">
+            <a:avLst/>
+          </a:prstGeom>
+        </p:spPr>
+        <p:txBody>
+          <a:bodyPr spcFirstLastPara="1" wrap="square" lIns="91425" tIns="91425" rIns="91425" bIns="91425" anchor="ctr" anchorCtr="0">
+            <a:noAutofit/>
+          </a:bodyPr>
+          <a:lstStyle>
+            <a:lvl1pPr lvl="0" rtl="0">
+              <a:spcBef>
+                <a:spcPts val="0"/>
+              </a:spcBef>
+              <a:spcAft>
+                <a:spcPts val="0"/>
+              </a:spcAft>
+              <a:buSzPts val="1600"/>
+              <a:buNone/>
+              <a:defRPr/>
+            </a:lvl1pPr>
+            <a:lvl2pPr lvl="1" rtl="0">
+              <a:spcBef>
+                <a:spcPts val="0"/>
+              </a:spcBef>
+              <a:spcAft>
+                <a:spcPts val="0"/>
+              </a:spcAft>
+              <a:buSzPts val="1600"/>
+              <a:buNone/>
+              <a:defRPr/>
+            </a:lvl2pPr>
+            <a:lvl3pPr lvl="2" rtl="0">
+              <a:spcBef>
+                <a:spcPts val="0"/>
+              </a:spcBef>
+              <a:spcAft>
+                <a:spcPts val="0"/>
+              </a:spcAft>
+              <a:buSzPts val="1600"/>
+              <a:buNone/>
+              <a:defRPr/>
+            </a:lvl3pPr>
+            <a:lvl4pPr lvl="3" rtl="0">
+              <a:spcBef>
+                <a:spcPts val="0"/>
+              </a:spcBef>
+              <a:spcAft>
+                <a:spcPts val="0"/>
+              </a:spcAft>
+              <a:buSzPts val="1600"/>
+              <a:buNone/>
+              <a:defRPr/>
+            </a:lvl4pPr>
+            <a:lvl5pPr lvl="4" rtl="0">
+              <a:spcBef>
+                <a:spcPts val="0"/>
+              </a:spcBef>
+              <a:spcAft>
+                <a:spcPts val="0"/>
+              </a:spcAft>
+              <a:buSzPts val="1600"/>
+              <a:buNone/>
+              <a:defRPr/>
+            </a:lvl5pPr>
+            <a:lvl6pPr lvl="5" rtl="0">
+              <a:spcBef>
+                <a:spcPts val="0"/>
+              </a:spcBef>
+              <a:spcAft>
+                <a:spcPts val="0"/>
+              </a:spcAft>
+              <a:buSzPts val="1600"/>
+              <a:buNone/>
+              <a:defRPr/>
+            </a:lvl6pPr>
+            <a:lvl7pPr lvl="6" rtl="0">
+              <a:spcBef>
+                <a:spcPts val="0"/>
+              </a:spcBef>
+              <a:spcAft>
+                <a:spcPts val="0"/>
+              </a:spcAft>
+              <a:buSzPts val="1600"/>
+              <a:buNone/>
+              <a:defRPr/>
+            </a:lvl7pPr>
+            <a:lvl8pPr lvl="7" rtl="0">
+              <a:spcBef>
+                <a:spcPts val="0"/>
+              </a:spcBef>
+              <a:spcAft>
+                <a:spcPts val="0"/>
+              </a:spcAft>
+              <a:buSzPts val="1600"/>
+              <a:buNone/>
+              <a:defRPr/>
+            </a:lvl8pPr>
+            <a:lvl9pPr lvl="8" rtl="0">
+              <a:spcBef>
+                <a:spcPts val="0"/>
+              </a:spcBef>
+              <a:spcAft>
+                <a:spcPts val="0"/>
+              </a:spcAft>
+              <a:buSzPts val="1600"/>
+              <a:buNone/>
+              <a:defRPr/>
+            </a:lvl9pPr>
+          </a:lstStyle>
+          <a:p>
+            <a:endParaRPr/>
+          </a:p>
+        </p:txBody>
+      </p:sp>
+      <p:cxnSp>
+        <p:nvCxnSpPr>
+          <p:cNvPr id="31" name="Google Shape;31;p6"/>
+          <p:cNvCxnSpPr/>
+          <p:nvPr/>
+        </p:nvCxnSpPr>
+        <p:spPr>
+          <a:xfrm rot="10800000">
+            <a:off x="-23700" y="541800"/>
+            <a:ext cx="2341800" cy="0"/>
+          </a:xfrm>
+          <a:prstGeom prst="straightConnector1">
+            <a:avLst/>
+          </a:prstGeom>
+          <a:noFill/>
+          <a:ln w="9525" cap="flat" cmpd="sng">
+            <a:solidFill>
+              <a:schemeClr val="dk2"/>
+            </a:solidFill>
+            <a:prstDash val="solid"/>
+            <a:round/>
+            <a:headEnd type="oval" w="med" len="med"/>
+            <a:tailEnd type="none" w="med" len="med"/>
+          </a:ln>
+        </p:spPr>
+      </p:cxnSp>
+      <p:cxnSp>
+        <p:nvCxnSpPr>
+          <p:cNvPr id="32" name="Google Shape;32;p6"/>
+          <p:cNvCxnSpPr/>
+          <p:nvPr/>
+        </p:nvCxnSpPr>
+        <p:spPr>
+          <a:xfrm>
+            <a:off x="6825900" y="541800"/>
+            <a:ext cx="2331300" cy="0"/>
+          </a:xfrm>
+          <a:prstGeom prst="straightConnector1">
+            <a:avLst/>
+          </a:prstGeom>
+          <a:noFill/>
+          <a:ln w="9525" cap="flat" cmpd="sng">
+            <a:solidFill>
+              <a:schemeClr val="dk2"/>
+            </a:solidFill>
+            <a:prstDash val="solid"/>
+            <a:round/>
+            <a:headEnd type="oval" w="med" len="med"/>
+            <a:tailEnd type="none" w="med" len="med"/>
+          </a:ln>
+        </p:spPr>
+      </p:cxnSp>
+      <p:sp>
+        <p:nvSpPr>
+          <p:cNvPr id="33" name="Google Shape;33;p6"/>
+          <p:cNvSpPr txBox="1">
+            <a:spLocks noGrp="1"/>
+          </p:cNvSpPr>
+          <p:nvPr>
+            <p:ph type="sldNum" idx="12"/>
+          </p:nvPr>
+        </p:nvSpPr>
+        <p:spPr>
+          <a:xfrm>
+            <a:off x="4297650" y="4749851"/>
+            <a:ext cx="548700" cy="393600"/>
+          </a:xfrm>
+          <a:prstGeom prst="rect">
+            <a:avLst/>
+          </a:prstGeom>
+        </p:spPr>
+        <p:txBody>
+          <a:bodyPr spcFirstLastPara="1" wrap="square" lIns="91425" tIns="91425" rIns="91425" bIns="91425" anchor="t" anchorCtr="0">
+            <a:noAutofit/>
+          </a:bodyPr>
+          <a:lstStyle>
+            <a:lvl1pPr lvl="0">
+              <a:buNone/>
+              <a:defRPr/>
+            </a:lvl1pPr>
+            <a:lvl2pPr lvl="1">
+              <a:buNone/>
+              <a:defRPr/>
+            </a:lvl2pPr>
+            <a:lvl3pPr lvl="2">
+              <a:buNone/>
+              <a:defRPr/>
+            </a:lvl3pPr>
+            <a:lvl4pPr lvl="3">
+              <a:buNone/>
+              <a:defRPr/>
+            </a:lvl4pPr>
+            <a:lvl5pPr lvl="4">
+              <a:buNone/>
+              <a:defRPr/>
+            </a:lvl5pPr>
+            <a:lvl6pPr lvl="5">
+              <a:buNone/>
+              <a:defRPr/>
+            </a:lvl6pPr>
+            <a:lvl7pPr lvl="6">
+              <a:buNone/>
+              <a:defRPr/>
+            </a:lvl7pPr>
+            <a:lvl8pPr lvl="7">
+              <a:buNone/>
+              <a:defRPr/>
+            </a:lvl8pPr>
+            <a:lvl9pPr lvl="8">
+              <a:buNone/>
+              <a:defRPr/>
+            </a:lvl9pPr>
+          </a:lstStyle>
+          <a:p>
+            <a:pPr marL="0" lvl="0" indent="0" algn="ctr" rtl="0">
+              <a:spcBef>
+                <a:spcPts val="0"/>
+              </a:spcBef>
+              <a:spcAft>
+                <a:spcPts val="0"/>
+              </a:spcAft>
+              <a:buNone/>
+            </a:pPr>
+            <a:fld id="{00000000-1234-1234-1234-123412341234}" type="slidenum">
+              <a:rPr lang="en"/>
+              <a:t>‹Nº›</a:t>
+            </a:fld>
+            <a:endParaRPr/>
+          </a:p>
+        </p:txBody>
+      </p:sp>
+    </p:spTree>
+    <p:extLst>
+      <p:ext uri="{BB962C8B-B14F-4D97-AF65-F5344CB8AC3E}">
+        <p14:creationId xmlns:p14="http://schemas.microsoft.com/office/powerpoint/2010/main" val="3523835011"/>
+      </p:ext>
+    </p:extLst>
+  </p:cSld>
+  <p:clrMapOvr>
+    <a:masterClrMapping/>
+  </p:clrMapOvr>
+</p:sldLayout>
+</file>
+
+<file path=ppt/slideLayouts/slideLayout8.xml><?xml version="1.0" encoding="utf-8"?>
+<p:sldLayout xmlns:a="http://schemas.openxmlformats.org/drawingml/2006/main" xmlns:r="http://schemas.openxmlformats.org/officeDocument/2006/relationships" xmlns:p="http://schemas.openxmlformats.org/presentationml/2006/main" matchingName="Title + 3 columns">
+  <p:cSld name="Title + 3 columns">
+    <p:spTree>
+      <p:nvGrpSpPr>
+        <p:cNvPr id="1" name="Shape 34"/>
+        <p:cNvGrpSpPr/>
+        <p:nvPr/>
+      </p:nvGrpSpPr>
+      <p:grpSpPr>
+        <a:xfrm>
+          <a:off x="0" y="0"/>
+          <a:ext cx="0" cy="0"/>
+          <a:chOff x="0" y="0"/>
+          <a:chExt cx="0" cy="0"/>
+        </a:xfrm>
+      </p:grpSpPr>
+      <p:sp>
+        <p:nvSpPr>
+          <p:cNvPr id="35" name="Google Shape;35;p7"/>
+          <p:cNvSpPr txBox="1">
+            <a:spLocks noGrp="1"/>
+          </p:cNvSpPr>
+          <p:nvPr>
+            <p:ph type="body" idx="1"/>
+          </p:nvPr>
+        </p:nvSpPr>
+        <p:spPr>
+          <a:xfrm>
+            <a:off x="626350" y="1281750"/>
+            <a:ext cx="2547900" cy="3193200"/>
+          </a:xfrm>
+          <a:prstGeom prst="rect">
+            <a:avLst/>
+          </a:prstGeom>
+        </p:spPr>
+        <p:txBody>
+          <a:bodyPr spcFirstLastPara="1" wrap="square" lIns="91425" tIns="91425" rIns="91425" bIns="91425" anchor="t" anchorCtr="0">
+            <a:noAutofit/>
+          </a:bodyPr>
+          <a:lstStyle>
+            <a:lvl1pPr marL="457200" lvl="0" indent="-342900" rtl="0">
+              <a:spcBef>
+                <a:spcPts val="600"/>
+              </a:spcBef>
+              <a:spcAft>
+                <a:spcPts val="0"/>
+              </a:spcAft>
+              <a:buSzPts val="1800"/>
+              <a:buChar char="○"/>
+              <a:defRPr sz="1800"/>
+            </a:lvl1pPr>
+            <a:lvl2pPr marL="914400" lvl="1" indent="-342900" rtl="0">
+              <a:spcBef>
+                <a:spcPts val="0"/>
+              </a:spcBef>
+              <a:spcAft>
+                <a:spcPts val="0"/>
+              </a:spcAft>
+              <a:buSzPts val="1800"/>
+              <a:buChar char="□"/>
+              <a:defRPr sz="1800"/>
+            </a:lvl2pPr>
+            <a:lvl3pPr marL="1371600" lvl="2" indent="-342900" rtl="0">
+              <a:spcBef>
+                <a:spcPts val="0"/>
+              </a:spcBef>
+              <a:spcAft>
+                <a:spcPts val="0"/>
+              </a:spcAft>
+              <a:buSzPts val="1800"/>
+              <a:buChar char="○"/>
+              <a:defRPr sz="1800"/>
+            </a:lvl3pPr>
+            <a:lvl4pPr marL="1828800" lvl="3" indent="-342900" rtl="0">
+              <a:spcBef>
+                <a:spcPts val="0"/>
+              </a:spcBef>
+              <a:spcAft>
+                <a:spcPts val="0"/>
+              </a:spcAft>
+              <a:buSzPts val="1800"/>
+              <a:buChar char="□"/>
+              <a:defRPr sz="1800"/>
+            </a:lvl4pPr>
+            <a:lvl5pPr marL="2286000" lvl="4" indent="-342900" rtl="0">
+              <a:spcBef>
+                <a:spcPts val="0"/>
+              </a:spcBef>
+              <a:spcAft>
+                <a:spcPts val="0"/>
+              </a:spcAft>
+              <a:buSzPts val="1800"/>
+              <a:buChar char="○"/>
+              <a:defRPr sz="1800"/>
+            </a:lvl5pPr>
+            <a:lvl6pPr marL="2743200" lvl="5" indent="-342900" rtl="0">
+              <a:spcBef>
+                <a:spcPts val="0"/>
+              </a:spcBef>
+              <a:spcAft>
+                <a:spcPts val="0"/>
+              </a:spcAft>
+              <a:buSzPts val="1800"/>
+              <a:buChar char="■"/>
+              <a:defRPr sz="1800"/>
+            </a:lvl6pPr>
+            <a:lvl7pPr marL="3200400" lvl="6" indent="-342900" rtl="0">
+              <a:spcBef>
+                <a:spcPts val="0"/>
+              </a:spcBef>
+              <a:spcAft>
+                <a:spcPts val="0"/>
+              </a:spcAft>
+              <a:buSzPts val="1800"/>
+              <a:buChar char="●"/>
+              <a:defRPr sz="1800"/>
+            </a:lvl7pPr>
+            <a:lvl8pPr marL="3657600" lvl="7" indent="-342900" rtl="0">
+              <a:spcBef>
+                <a:spcPts val="0"/>
+              </a:spcBef>
+              <a:spcAft>
+                <a:spcPts val="0"/>
+              </a:spcAft>
+              <a:buSzPts val="1800"/>
+              <a:buChar char="○"/>
+              <a:defRPr sz="1800"/>
+            </a:lvl8pPr>
+            <a:lvl9pPr marL="4114800" lvl="8" indent="-342900" rtl="0">
+              <a:spcBef>
+                <a:spcPts val="0"/>
+              </a:spcBef>
+              <a:spcAft>
+                <a:spcPts val="0"/>
+              </a:spcAft>
+              <a:buSzPts val="1800"/>
+              <a:buChar char="■"/>
+              <a:defRPr sz="1800"/>
+            </a:lvl9pPr>
+          </a:lstStyle>
+          <a:p>
+            <a:endParaRPr/>
+          </a:p>
+        </p:txBody>
+      </p:sp>
+      <p:sp>
+        <p:nvSpPr>
+          <p:cNvPr id="36" name="Google Shape;36;p7"/>
+          <p:cNvSpPr txBox="1">
+            <a:spLocks noGrp="1"/>
+          </p:cNvSpPr>
+          <p:nvPr>
+            <p:ph type="body" idx="2"/>
+          </p:nvPr>
+        </p:nvSpPr>
+        <p:spPr>
+          <a:xfrm>
+            <a:off x="3304738" y="1281750"/>
+            <a:ext cx="2547900" cy="3193200"/>
+          </a:xfrm>
+          <a:prstGeom prst="rect">
+            <a:avLst/>
+          </a:prstGeom>
+        </p:spPr>
+        <p:txBody>
+          <a:bodyPr spcFirstLastPara="1" wrap="square" lIns="91425" tIns="91425" rIns="91425" bIns="91425" anchor="t" anchorCtr="0">
+            <a:noAutofit/>
+          </a:bodyPr>
+          <a:lstStyle>
+            <a:lvl1pPr marL="457200" lvl="0" indent="-342900" rtl="0">
+              <a:spcBef>
+                <a:spcPts val="600"/>
+              </a:spcBef>
+              <a:spcAft>
+                <a:spcPts val="0"/>
+              </a:spcAft>
+              <a:buSzPts val="1800"/>
+              <a:buChar char="○"/>
+              <a:defRPr sz="1800"/>
+            </a:lvl1pPr>
+            <a:lvl2pPr marL="914400" lvl="1" indent="-342900" rtl="0">
+              <a:spcBef>
+                <a:spcPts val="0"/>
+              </a:spcBef>
+              <a:spcAft>
+                <a:spcPts val="0"/>
+              </a:spcAft>
+              <a:buSzPts val="1800"/>
+              <a:buChar char="□"/>
+              <a:defRPr sz="1800"/>
+            </a:lvl2pPr>
+            <a:lvl3pPr marL="1371600" lvl="2" indent="-342900" rtl="0">
+              <a:spcBef>
+                <a:spcPts val="0"/>
+              </a:spcBef>
+              <a:spcAft>
+                <a:spcPts val="0"/>
+              </a:spcAft>
+              <a:buSzPts val="1800"/>
+              <a:buChar char="○"/>
+              <a:defRPr sz="1800"/>
+            </a:lvl3pPr>
+            <a:lvl4pPr marL="1828800" lvl="3" indent="-342900" rtl="0">
+              <a:spcBef>
+                <a:spcPts val="0"/>
+              </a:spcBef>
+              <a:spcAft>
+                <a:spcPts val="0"/>
+              </a:spcAft>
+              <a:buSzPts val="1800"/>
+              <a:buChar char="□"/>
+              <a:defRPr sz="1800"/>
+            </a:lvl4pPr>
+            <a:lvl5pPr marL="2286000" lvl="4" indent="-342900" rtl="0">
+              <a:spcBef>
+                <a:spcPts val="0"/>
+              </a:spcBef>
+              <a:spcAft>
+                <a:spcPts val="0"/>
+              </a:spcAft>
+              <a:buSzPts val="1800"/>
+              <a:buChar char="○"/>
+              <a:defRPr sz="1800"/>
+            </a:lvl5pPr>
+            <a:lvl6pPr marL="2743200" lvl="5" indent="-342900" rtl="0">
+              <a:spcBef>
+                <a:spcPts val="0"/>
+              </a:spcBef>
+              <a:spcAft>
+                <a:spcPts val="0"/>
+              </a:spcAft>
+              <a:buSzPts val="1800"/>
+              <a:buChar char="■"/>
+              <a:defRPr sz="1800"/>
+            </a:lvl6pPr>
+            <a:lvl7pPr marL="3200400" lvl="6" indent="-342900" rtl="0">
+              <a:spcBef>
+                <a:spcPts val="0"/>
+              </a:spcBef>
+              <a:spcAft>
+                <a:spcPts val="0"/>
+              </a:spcAft>
+              <a:buSzPts val="1800"/>
+              <a:buChar char="●"/>
+              <a:defRPr sz="1800"/>
+            </a:lvl7pPr>
+            <a:lvl8pPr marL="3657600" lvl="7" indent="-342900" rtl="0">
+              <a:spcBef>
+                <a:spcPts val="0"/>
+              </a:spcBef>
+              <a:spcAft>
+                <a:spcPts val="0"/>
+              </a:spcAft>
+              <a:buSzPts val="1800"/>
+              <a:buChar char="○"/>
+              <a:defRPr sz="1800"/>
+            </a:lvl8pPr>
+            <a:lvl9pPr marL="4114800" lvl="8" indent="-342900" rtl="0">
+              <a:spcBef>
+                <a:spcPts val="0"/>
+              </a:spcBef>
+              <a:spcAft>
+                <a:spcPts val="0"/>
+              </a:spcAft>
+              <a:buSzPts val="1800"/>
+              <a:buChar char="■"/>
+              <a:defRPr sz="1800"/>
+            </a:lvl9pPr>
+          </a:lstStyle>
+          <a:p>
+            <a:endParaRPr/>
+          </a:p>
+        </p:txBody>
+      </p:sp>
+      <p:sp>
+        <p:nvSpPr>
+          <p:cNvPr id="37" name="Google Shape;37;p7"/>
+          <p:cNvSpPr txBox="1">
+            <a:spLocks noGrp="1"/>
+          </p:cNvSpPr>
+          <p:nvPr>
+            <p:ph type="body" idx="3"/>
+          </p:nvPr>
+        </p:nvSpPr>
+        <p:spPr>
+          <a:xfrm>
+            <a:off x="5983125" y="1281750"/>
+            <a:ext cx="2547900" cy="3193200"/>
+          </a:xfrm>
+          <a:prstGeom prst="rect">
+            <a:avLst/>
+          </a:prstGeom>
+        </p:spPr>
+        <p:txBody>
+          <a:bodyPr spcFirstLastPara="1" wrap="square" lIns="91425" tIns="91425" rIns="91425" bIns="91425" anchor="t" anchorCtr="0">
+            <a:noAutofit/>
+          </a:bodyPr>
+          <a:lstStyle>
+            <a:lvl1pPr marL="457200" lvl="0" indent="-342900" rtl="0">
+              <a:spcBef>
+                <a:spcPts val="600"/>
+              </a:spcBef>
+              <a:spcAft>
+                <a:spcPts val="0"/>
+              </a:spcAft>
+              <a:buSzPts val="1800"/>
+              <a:buChar char="○"/>
+              <a:defRPr sz="1800"/>
+            </a:lvl1pPr>
+            <a:lvl2pPr marL="914400" lvl="1" indent="-342900" rtl="0">
+              <a:spcBef>
+                <a:spcPts val="0"/>
+              </a:spcBef>
+              <a:spcAft>
+                <a:spcPts val="0"/>
+              </a:spcAft>
+              <a:buSzPts val="1800"/>
+              <a:buChar char="□"/>
+              <a:defRPr sz="1800"/>
+            </a:lvl2pPr>
+            <a:lvl3pPr marL="1371600" lvl="2" indent="-342900" rtl="0">
+              <a:spcBef>
+                <a:spcPts val="0"/>
+              </a:spcBef>
+              <a:spcAft>
+                <a:spcPts val="0"/>
+              </a:spcAft>
+              <a:buSzPts val="1800"/>
+              <a:buChar char="○"/>
+              <a:defRPr sz="1800"/>
+            </a:lvl3pPr>
+            <a:lvl4pPr marL="1828800" lvl="3" indent="-342900" rtl="0">
+              <a:spcBef>
+                <a:spcPts val="0"/>
+              </a:spcBef>
+              <a:spcAft>
+                <a:spcPts val="0"/>
+              </a:spcAft>
+              <a:buSzPts val="1800"/>
+              <a:buChar char="□"/>
+              <a:defRPr sz="1800"/>
+            </a:lvl4pPr>
+            <a:lvl5pPr marL="2286000" lvl="4" indent="-342900" rtl="0">
+              <a:spcBef>
+                <a:spcPts val="0"/>
+              </a:spcBef>
+              <a:spcAft>
+                <a:spcPts val="0"/>
+              </a:spcAft>
+              <a:buSzPts val="1800"/>
+              <a:buChar char="○"/>
+              <a:defRPr sz="1800"/>
+            </a:lvl5pPr>
+            <a:lvl6pPr marL="2743200" lvl="5" indent="-342900" rtl="0">
+              <a:spcBef>
+                <a:spcPts val="0"/>
+              </a:spcBef>
+              <a:spcAft>
+                <a:spcPts val="0"/>
+              </a:spcAft>
+              <a:buSzPts val="1800"/>
+              <a:buChar char="■"/>
+              <a:defRPr sz="1800"/>
+            </a:lvl6pPr>
+            <a:lvl7pPr marL="3200400" lvl="6" indent="-342900" rtl="0">
+              <a:spcBef>
+                <a:spcPts val="0"/>
+              </a:spcBef>
+              <a:spcAft>
+                <a:spcPts val="0"/>
+              </a:spcAft>
+              <a:buSzPts val="1800"/>
+              <a:buChar char="●"/>
+              <a:defRPr sz="1800"/>
+            </a:lvl7pPr>
+            <a:lvl8pPr marL="3657600" lvl="7" indent="-342900" rtl="0">
+              <a:spcBef>
+                <a:spcPts val="0"/>
+              </a:spcBef>
+              <a:spcAft>
+                <a:spcPts val="0"/>
+              </a:spcAft>
+              <a:buSzPts val="1800"/>
+              <a:buChar char="○"/>
+              <a:defRPr sz="1800"/>
+            </a:lvl8pPr>
+            <a:lvl9pPr marL="4114800" lvl="8" indent="-342900" rtl="0">
+              <a:spcBef>
+                <a:spcPts val="0"/>
+              </a:spcBef>
+              <a:spcAft>
+                <a:spcPts val="0"/>
+              </a:spcAft>
+              <a:buSzPts val="1800"/>
+              <a:buChar char="■"/>
+              <a:defRPr sz="1800"/>
+            </a:lvl9pPr>
+          </a:lstStyle>
+          <a:p>
+            <a:endParaRPr/>
+          </a:p>
+        </p:txBody>
+      </p:sp>
+      <p:sp>
+        <p:nvSpPr>
+          <p:cNvPr id="38" name="Google Shape;38;p7"/>
+          <p:cNvSpPr txBox="1">
+            <a:spLocks noGrp="1"/>
+          </p:cNvSpPr>
+          <p:nvPr>
+            <p:ph type="title"/>
+          </p:nvPr>
+        </p:nvSpPr>
+        <p:spPr>
+          <a:xfrm>
+            <a:off x="2318100" y="113175"/>
+            <a:ext cx="4507800" cy="857400"/>
+          </a:xfrm>
+          <a:prstGeom prst="rect">
+            <a:avLst/>
+          </a:prstGeom>
+        </p:spPr>
+        <p:txBody>
+          <a:bodyPr spcFirstLastPara="1" wrap="square" lIns="91425" tIns="91425" rIns="91425" bIns="91425" anchor="ctr" anchorCtr="0">
+            <a:noAutofit/>
+          </a:bodyPr>
+          <a:lstStyle>
+            <a:lvl1pPr lvl="0" rtl="0">
+              <a:spcBef>
+                <a:spcPts val="0"/>
+              </a:spcBef>
+              <a:spcAft>
+                <a:spcPts val="0"/>
+              </a:spcAft>
+              <a:buSzPts val="1600"/>
+              <a:buNone/>
+              <a:defRPr/>
+            </a:lvl1pPr>
+            <a:lvl2pPr lvl="1" rtl="0">
+              <a:spcBef>
+                <a:spcPts val="0"/>
+              </a:spcBef>
+              <a:spcAft>
+                <a:spcPts val="0"/>
+              </a:spcAft>
+              <a:buSzPts val="1600"/>
+              <a:buNone/>
+              <a:defRPr/>
+            </a:lvl2pPr>
+            <a:lvl3pPr lvl="2" rtl="0">
+              <a:spcBef>
+                <a:spcPts val="0"/>
+              </a:spcBef>
+              <a:spcAft>
+                <a:spcPts val="0"/>
+              </a:spcAft>
+              <a:buSzPts val="1600"/>
+              <a:buNone/>
+              <a:defRPr/>
+            </a:lvl3pPr>
+            <a:lvl4pPr lvl="3" rtl="0">
+              <a:spcBef>
+                <a:spcPts val="0"/>
+              </a:spcBef>
+              <a:spcAft>
+                <a:spcPts val="0"/>
+              </a:spcAft>
+              <a:buSzPts val="1600"/>
+              <a:buNone/>
+              <a:defRPr/>
+            </a:lvl4pPr>
+            <a:lvl5pPr lvl="4" rtl="0">
+              <a:spcBef>
+                <a:spcPts val="0"/>
+              </a:spcBef>
+              <a:spcAft>
+                <a:spcPts val="0"/>
+              </a:spcAft>
+              <a:buSzPts val="1600"/>
+              <a:buNone/>
+              <a:defRPr/>
+            </a:lvl5pPr>
+            <a:lvl6pPr lvl="5" rtl="0">
+              <a:spcBef>
+                <a:spcPts val="0"/>
+              </a:spcBef>
+              <a:spcAft>
+                <a:spcPts val="0"/>
+              </a:spcAft>
+              <a:buSzPts val="1600"/>
+              <a:buNone/>
+              <a:defRPr/>
+            </a:lvl6pPr>
+            <a:lvl7pPr lvl="6" rtl="0">
+              <a:spcBef>
+                <a:spcPts val="0"/>
+              </a:spcBef>
+              <a:spcAft>
+                <a:spcPts val="0"/>
+              </a:spcAft>
+              <a:buSzPts val="1600"/>
+              <a:buNone/>
+              <a:defRPr/>
+            </a:lvl7pPr>
+            <a:lvl8pPr lvl="7" rtl="0">
+              <a:spcBef>
+                <a:spcPts val="0"/>
+              </a:spcBef>
+              <a:spcAft>
+                <a:spcPts val="0"/>
+              </a:spcAft>
+              <a:buSzPts val="1600"/>
+              <a:buNone/>
+              <a:defRPr/>
+            </a:lvl8pPr>
+            <a:lvl9pPr lvl="8" rtl="0">
+              <a:spcBef>
+                <a:spcPts val="0"/>
+              </a:spcBef>
+              <a:spcAft>
+                <a:spcPts val="0"/>
+              </a:spcAft>
+              <a:buSzPts val="1600"/>
+              <a:buNone/>
+              <a:defRPr/>
+            </a:lvl9pPr>
+          </a:lstStyle>
+          <a:p>
+            <a:endParaRPr/>
+          </a:p>
+        </p:txBody>
+      </p:sp>
+      <p:cxnSp>
+        <p:nvCxnSpPr>
+          <p:cNvPr id="39" name="Google Shape;39;p7"/>
+          <p:cNvCxnSpPr/>
+          <p:nvPr/>
+        </p:nvCxnSpPr>
+        <p:spPr>
+          <a:xfrm rot="10800000">
+            <a:off x="-23700" y="541800"/>
+            <a:ext cx="2341800" cy="0"/>
+          </a:xfrm>
+          <a:prstGeom prst="straightConnector1">
+            <a:avLst/>
+          </a:prstGeom>
+          <a:noFill/>
+          <a:ln w="9525" cap="flat" cmpd="sng">
+            <a:solidFill>
+              <a:schemeClr val="dk2"/>
+            </a:solidFill>
+            <a:prstDash val="solid"/>
+            <a:round/>
+            <a:headEnd type="oval" w="med" len="med"/>
+            <a:tailEnd type="none" w="med" len="med"/>
+          </a:ln>
+        </p:spPr>
+      </p:cxnSp>
+      <p:cxnSp>
+        <p:nvCxnSpPr>
+          <p:cNvPr id="40" name="Google Shape;40;p7"/>
+          <p:cNvCxnSpPr/>
+          <p:nvPr/>
+        </p:nvCxnSpPr>
+        <p:spPr>
+          <a:xfrm>
+            <a:off x="6825900" y="541800"/>
+            <a:ext cx="2331300" cy="0"/>
+          </a:xfrm>
+          <a:prstGeom prst="straightConnector1">
+            <a:avLst/>
+          </a:prstGeom>
+          <a:noFill/>
+          <a:ln w="9525" cap="flat" cmpd="sng">
+            <a:solidFill>
+              <a:schemeClr val="dk2"/>
+            </a:solidFill>
+            <a:prstDash val="solid"/>
+            <a:round/>
+            <a:headEnd type="oval" w="med" len="med"/>
+            <a:tailEnd type="none" w="med" len="med"/>
+          </a:ln>
+        </p:spPr>
+      </p:cxnSp>
+      <p:sp>
+        <p:nvSpPr>
+          <p:cNvPr id="41" name="Google Shape;41;p7"/>
+          <p:cNvSpPr txBox="1">
+            <a:spLocks noGrp="1"/>
+          </p:cNvSpPr>
+          <p:nvPr>
+            <p:ph type="sldNum" idx="12"/>
+          </p:nvPr>
+        </p:nvSpPr>
+        <p:spPr>
+          <a:xfrm>
+            <a:off x="4297650" y="4749851"/>
+            <a:ext cx="548700" cy="393600"/>
+          </a:xfrm>
+          <a:prstGeom prst="rect">
+            <a:avLst/>
+          </a:prstGeom>
+        </p:spPr>
+        <p:txBody>
+          <a:bodyPr spcFirstLastPara="1" wrap="square" lIns="91425" tIns="91425" rIns="91425" bIns="91425" anchor="t" anchorCtr="0">
+            <a:noAutofit/>
+          </a:bodyPr>
+          <a:lstStyle>
+            <a:lvl1pPr lvl="0">
+              <a:buNone/>
+              <a:defRPr/>
+            </a:lvl1pPr>
+            <a:lvl2pPr lvl="1">
+              <a:buNone/>
+              <a:defRPr/>
+            </a:lvl2pPr>
+            <a:lvl3pPr lvl="2">
+              <a:buNone/>
+              <a:defRPr/>
+            </a:lvl3pPr>
+            <a:lvl4pPr lvl="3">
+              <a:buNone/>
+              <a:defRPr/>
+            </a:lvl4pPr>
+            <a:lvl5pPr lvl="4">
+              <a:buNone/>
+              <a:defRPr/>
+            </a:lvl5pPr>
+            <a:lvl6pPr lvl="5">
+              <a:buNone/>
+              <a:defRPr/>
+            </a:lvl6pPr>
+            <a:lvl7pPr lvl="6">
+              <a:buNone/>
+              <a:defRPr/>
+            </a:lvl7pPr>
+            <a:lvl8pPr lvl="7">
+              <a:buNone/>
+              <a:defRPr/>
+            </a:lvl8pPr>
+            <a:lvl9pPr lvl="8">
+              <a:buNone/>
+              <a:defRPr/>
+            </a:lvl9pPr>
+          </a:lstStyle>
+          <a:p>
+            <a:pPr marL="0" lvl="0" indent="0" algn="ctr" rtl="0">
+              <a:spcBef>
+                <a:spcPts val="0"/>
+              </a:spcBef>
+              <a:spcAft>
+                <a:spcPts val="0"/>
+              </a:spcAft>
+              <a:buNone/>
+            </a:pPr>
+            <a:fld id="{00000000-1234-1234-1234-123412341234}" type="slidenum">
+              <a:rPr lang="en"/>
+              <a:t>‹Nº›</a:t>
+            </a:fld>
+            <a:endParaRPr/>
+          </a:p>
+        </p:txBody>
+      </p:sp>
+    </p:spTree>
+    <p:extLst>
+      <p:ext uri="{BB962C8B-B14F-4D97-AF65-F5344CB8AC3E}">
+        <p14:creationId xmlns:p14="http://schemas.microsoft.com/office/powerpoint/2010/main" val="2201637872"/>
+      </p:ext>
+    </p:extLst>
+  </p:cSld>
+  <p:clrMapOvr>
+    <a:masterClrMapping/>
+  </p:clrMapOvr>
+</p:sldLayout>
+</file>
+
+<file path=ppt/slideLayouts/slideLayout9.xml><?xml version="1.0" encoding="utf-8"?>
 <p:sldLayout xmlns:a="http://schemas.openxmlformats.org/drawingml/2006/main" xmlns:r="http://schemas.openxmlformats.org/officeDocument/2006/relationships" xmlns:p="http://schemas.openxmlformats.org/presentationml/2006/main" matchingName="Title only" type="titleOnly">
   <p:cSld name="Title only">
     <p:spTree>
@@ -1792,3786 +5078,13 @@
 </p:sldLayout>
 </file>
 
-<file path=ppt/slideLayouts/slideLayout11.xml><?xml version="1.0" encoding="utf-8"?>
-<p:sldLayout xmlns:a="http://schemas.openxmlformats.org/drawingml/2006/main" xmlns:r="http://schemas.openxmlformats.org/officeDocument/2006/relationships" xmlns:p="http://schemas.openxmlformats.org/presentationml/2006/main" matchingName="Blank" type="blank">
-  <p:cSld name="Blank">
-    <p:spTree>
-      <p:nvGrpSpPr>
-        <p:cNvPr id="1" name="Shape 52"/>
-        <p:cNvGrpSpPr/>
-        <p:nvPr/>
-      </p:nvGrpSpPr>
-      <p:grpSpPr>
-        <a:xfrm>
-          <a:off x="0" y="0"/>
-          <a:ext cx="0" cy="0"/>
-          <a:chOff x="0" y="0"/>
-          <a:chExt cx="0" cy="0"/>
-        </a:xfrm>
-      </p:grpSpPr>
-      <p:sp>
-        <p:nvSpPr>
-          <p:cNvPr id="53" name="Google Shape;53;p10"/>
-          <p:cNvSpPr txBox="1">
-            <a:spLocks noGrp="1"/>
-          </p:cNvSpPr>
-          <p:nvPr>
-            <p:ph type="sldNum" idx="12"/>
-          </p:nvPr>
-        </p:nvSpPr>
-        <p:spPr>
-          <a:xfrm>
-            <a:off x="4297650" y="4749851"/>
-            <a:ext cx="548700" cy="393600"/>
-          </a:xfrm>
-          <a:prstGeom prst="rect">
-            <a:avLst/>
-          </a:prstGeom>
-        </p:spPr>
-        <p:txBody>
-          <a:bodyPr spcFirstLastPara="1" wrap="square" lIns="91425" tIns="91425" rIns="91425" bIns="91425" anchor="t" anchorCtr="0">
-            <a:noAutofit/>
-          </a:bodyPr>
-          <a:lstStyle>
-            <a:lvl1pPr lvl="0">
-              <a:buNone/>
-              <a:defRPr/>
-            </a:lvl1pPr>
-            <a:lvl2pPr lvl="1">
-              <a:buNone/>
-              <a:defRPr/>
-            </a:lvl2pPr>
-            <a:lvl3pPr lvl="2">
-              <a:buNone/>
-              <a:defRPr/>
-            </a:lvl3pPr>
-            <a:lvl4pPr lvl="3">
-              <a:buNone/>
-              <a:defRPr/>
-            </a:lvl4pPr>
-            <a:lvl5pPr lvl="4">
-              <a:buNone/>
-              <a:defRPr/>
-            </a:lvl5pPr>
-            <a:lvl6pPr lvl="5">
-              <a:buNone/>
-              <a:defRPr/>
-            </a:lvl6pPr>
-            <a:lvl7pPr lvl="6">
-              <a:buNone/>
-              <a:defRPr/>
-            </a:lvl7pPr>
-            <a:lvl8pPr lvl="7">
-              <a:buNone/>
-              <a:defRPr/>
-            </a:lvl8pPr>
-            <a:lvl9pPr lvl="8">
-              <a:buNone/>
-              <a:defRPr/>
-            </a:lvl9pPr>
-          </a:lstStyle>
-          <a:p>
-            <a:pPr marL="0" lvl="0" indent="0" algn="ctr" rtl="0">
-              <a:spcBef>
-                <a:spcPts val="0"/>
-              </a:spcBef>
-              <a:spcAft>
-                <a:spcPts val="0"/>
-              </a:spcAft>
-              <a:buNone/>
-            </a:pPr>
-            <a:fld id="{00000000-1234-1234-1234-123412341234}" type="slidenum">
-              <a:rPr lang="en"/>
-              <a:t>‹Nº›</a:t>
-            </a:fld>
-            <a:endParaRPr/>
-          </a:p>
-        </p:txBody>
-      </p:sp>
-    </p:spTree>
-    <p:extLst>
-      <p:ext uri="{BB962C8B-B14F-4D97-AF65-F5344CB8AC3E}">
-        <p14:creationId xmlns:p14="http://schemas.microsoft.com/office/powerpoint/2010/main" val="4139832263"/>
-      </p:ext>
-    </p:extLst>
-  </p:cSld>
-  <p:clrMapOvr>
-    <a:masterClrMapping/>
-  </p:clrMapOvr>
-</p:sldLayout>
-</file>
-
-<file path=ppt/slideLayouts/slideLayout2.xml><?xml version="1.0" encoding="utf-8"?>
-<p:sldLayout xmlns:a="http://schemas.openxmlformats.org/drawingml/2006/main" xmlns:r="http://schemas.openxmlformats.org/officeDocument/2006/relationships" xmlns:p="http://schemas.openxmlformats.org/presentationml/2006/main" matchingName="Title + 2 columns" type="twoColTx">
-  <p:cSld name="Title + 2 columns">
-    <p:spTree>
-      <p:nvGrpSpPr>
-        <p:cNvPr id="1" name="Shape 27"/>
-        <p:cNvGrpSpPr/>
-        <p:nvPr/>
-      </p:nvGrpSpPr>
-      <p:grpSpPr>
-        <a:xfrm>
-          <a:off x="0" y="0"/>
-          <a:ext cx="0" cy="0"/>
-          <a:chOff x="0" y="0"/>
-          <a:chExt cx="0" cy="0"/>
-        </a:xfrm>
-      </p:grpSpPr>
-      <p:sp>
-        <p:nvSpPr>
-          <p:cNvPr id="28" name="Google Shape;28;p6"/>
-          <p:cNvSpPr txBox="1">
-            <a:spLocks noGrp="1"/>
-          </p:cNvSpPr>
-          <p:nvPr>
-            <p:ph type="body" idx="1"/>
-          </p:nvPr>
-        </p:nvSpPr>
-        <p:spPr>
-          <a:xfrm>
-            <a:off x="626350" y="1346063"/>
-            <a:ext cx="3644400" cy="3204900"/>
-          </a:xfrm>
-          <a:prstGeom prst="rect">
-            <a:avLst/>
-          </a:prstGeom>
-        </p:spPr>
-        <p:txBody>
-          <a:bodyPr spcFirstLastPara="1" wrap="square" lIns="91425" tIns="91425" rIns="91425" bIns="91425" anchor="t" anchorCtr="0">
-            <a:noAutofit/>
-          </a:bodyPr>
-          <a:lstStyle>
-            <a:lvl1pPr marL="457200" lvl="0" indent="-355600">
-              <a:spcBef>
-                <a:spcPts val="600"/>
-              </a:spcBef>
-              <a:spcAft>
-                <a:spcPts val="0"/>
-              </a:spcAft>
-              <a:buSzPts val="2000"/>
-              <a:buChar char="○"/>
-              <a:defRPr sz="2000"/>
-            </a:lvl1pPr>
-            <a:lvl2pPr marL="914400" lvl="1" indent="-355600">
-              <a:spcBef>
-                <a:spcPts val="0"/>
-              </a:spcBef>
-              <a:spcAft>
-                <a:spcPts val="0"/>
-              </a:spcAft>
-              <a:buSzPts val="2000"/>
-              <a:buChar char="□"/>
-              <a:defRPr sz="2000"/>
-            </a:lvl2pPr>
-            <a:lvl3pPr marL="1371600" lvl="2" indent="-355600">
-              <a:spcBef>
-                <a:spcPts val="0"/>
-              </a:spcBef>
-              <a:spcAft>
-                <a:spcPts val="0"/>
-              </a:spcAft>
-              <a:buSzPts val="2000"/>
-              <a:buChar char="○"/>
-              <a:defRPr sz="2000"/>
-            </a:lvl3pPr>
-            <a:lvl4pPr marL="1828800" lvl="3" indent="-355600">
-              <a:spcBef>
-                <a:spcPts val="0"/>
-              </a:spcBef>
-              <a:spcAft>
-                <a:spcPts val="0"/>
-              </a:spcAft>
-              <a:buSzPts val="2000"/>
-              <a:buChar char="□"/>
-              <a:defRPr sz="2000"/>
-            </a:lvl4pPr>
-            <a:lvl5pPr marL="2286000" lvl="4" indent="-355600">
-              <a:spcBef>
-                <a:spcPts val="0"/>
-              </a:spcBef>
-              <a:spcAft>
-                <a:spcPts val="0"/>
-              </a:spcAft>
-              <a:buSzPts val="2000"/>
-              <a:buChar char="○"/>
-              <a:defRPr sz="2000"/>
-            </a:lvl5pPr>
-            <a:lvl6pPr marL="2743200" lvl="5" indent="-355600">
-              <a:spcBef>
-                <a:spcPts val="0"/>
-              </a:spcBef>
-              <a:spcAft>
-                <a:spcPts val="0"/>
-              </a:spcAft>
-              <a:buSzPts val="2000"/>
-              <a:buChar char="■"/>
-              <a:defRPr sz="2000"/>
-            </a:lvl6pPr>
-            <a:lvl7pPr marL="3200400" lvl="6" indent="-355600">
-              <a:spcBef>
-                <a:spcPts val="0"/>
-              </a:spcBef>
-              <a:spcAft>
-                <a:spcPts val="0"/>
-              </a:spcAft>
-              <a:buSzPts val="2000"/>
-              <a:buChar char="●"/>
-              <a:defRPr sz="2000"/>
-            </a:lvl7pPr>
-            <a:lvl8pPr marL="3657600" lvl="7" indent="-355600">
-              <a:spcBef>
-                <a:spcPts val="0"/>
-              </a:spcBef>
-              <a:spcAft>
-                <a:spcPts val="0"/>
-              </a:spcAft>
-              <a:buSzPts val="2000"/>
-              <a:buChar char="○"/>
-              <a:defRPr sz="2000"/>
-            </a:lvl8pPr>
-            <a:lvl9pPr marL="4114800" lvl="8" indent="-355600">
-              <a:spcBef>
-                <a:spcPts val="0"/>
-              </a:spcBef>
-              <a:spcAft>
-                <a:spcPts val="0"/>
-              </a:spcAft>
-              <a:buSzPts val="2000"/>
-              <a:buChar char="■"/>
-              <a:defRPr sz="2000"/>
-            </a:lvl9pPr>
-          </a:lstStyle>
-          <a:p>
-            <a:endParaRPr/>
-          </a:p>
-        </p:txBody>
-      </p:sp>
-      <p:sp>
-        <p:nvSpPr>
-          <p:cNvPr id="29" name="Google Shape;29;p6"/>
-          <p:cNvSpPr txBox="1">
-            <a:spLocks noGrp="1"/>
-          </p:cNvSpPr>
-          <p:nvPr>
-            <p:ph type="body" idx="2"/>
-          </p:nvPr>
-        </p:nvSpPr>
-        <p:spPr>
-          <a:xfrm>
-            <a:off x="4870698" y="1346063"/>
-            <a:ext cx="3644400" cy="3204900"/>
-          </a:xfrm>
-          <a:prstGeom prst="rect">
-            <a:avLst/>
-          </a:prstGeom>
-        </p:spPr>
-        <p:txBody>
-          <a:bodyPr spcFirstLastPara="1" wrap="square" lIns="91425" tIns="91425" rIns="91425" bIns="91425" anchor="t" anchorCtr="0">
-            <a:noAutofit/>
-          </a:bodyPr>
-          <a:lstStyle>
-            <a:lvl1pPr marL="457200" lvl="0" indent="-355600">
-              <a:spcBef>
-                <a:spcPts val="600"/>
-              </a:spcBef>
-              <a:spcAft>
-                <a:spcPts val="0"/>
-              </a:spcAft>
-              <a:buSzPts val="2000"/>
-              <a:buChar char="○"/>
-              <a:defRPr sz="2000"/>
-            </a:lvl1pPr>
-            <a:lvl2pPr marL="914400" lvl="1" indent="-355600">
-              <a:spcBef>
-                <a:spcPts val="0"/>
-              </a:spcBef>
-              <a:spcAft>
-                <a:spcPts val="0"/>
-              </a:spcAft>
-              <a:buSzPts val="2000"/>
-              <a:buChar char="□"/>
-              <a:defRPr sz="2000"/>
-            </a:lvl2pPr>
-            <a:lvl3pPr marL="1371600" lvl="2" indent="-355600">
-              <a:spcBef>
-                <a:spcPts val="0"/>
-              </a:spcBef>
-              <a:spcAft>
-                <a:spcPts val="0"/>
-              </a:spcAft>
-              <a:buSzPts val="2000"/>
-              <a:buChar char="○"/>
-              <a:defRPr sz="2000"/>
-            </a:lvl3pPr>
-            <a:lvl4pPr marL="1828800" lvl="3" indent="-355600">
-              <a:spcBef>
-                <a:spcPts val="0"/>
-              </a:spcBef>
-              <a:spcAft>
-                <a:spcPts val="0"/>
-              </a:spcAft>
-              <a:buSzPts val="2000"/>
-              <a:buChar char="□"/>
-              <a:defRPr sz="2000"/>
-            </a:lvl4pPr>
-            <a:lvl5pPr marL="2286000" lvl="4" indent="-355600">
-              <a:spcBef>
-                <a:spcPts val="0"/>
-              </a:spcBef>
-              <a:spcAft>
-                <a:spcPts val="0"/>
-              </a:spcAft>
-              <a:buSzPts val="2000"/>
-              <a:buChar char="○"/>
-              <a:defRPr sz="2000"/>
-            </a:lvl5pPr>
-            <a:lvl6pPr marL="2743200" lvl="5" indent="-355600">
-              <a:spcBef>
-                <a:spcPts val="0"/>
-              </a:spcBef>
-              <a:spcAft>
-                <a:spcPts val="0"/>
-              </a:spcAft>
-              <a:buSzPts val="2000"/>
-              <a:buChar char="■"/>
-              <a:defRPr sz="2000"/>
-            </a:lvl6pPr>
-            <a:lvl7pPr marL="3200400" lvl="6" indent="-355600">
-              <a:spcBef>
-                <a:spcPts val="0"/>
-              </a:spcBef>
-              <a:spcAft>
-                <a:spcPts val="0"/>
-              </a:spcAft>
-              <a:buSzPts val="2000"/>
-              <a:buChar char="●"/>
-              <a:defRPr sz="2000"/>
-            </a:lvl7pPr>
-            <a:lvl8pPr marL="3657600" lvl="7" indent="-355600">
-              <a:spcBef>
-                <a:spcPts val="0"/>
-              </a:spcBef>
-              <a:spcAft>
-                <a:spcPts val="0"/>
-              </a:spcAft>
-              <a:buSzPts val="2000"/>
-              <a:buChar char="○"/>
-              <a:defRPr sz="2000"/>
-            </a:lvl8pPr>
-            <a:lvl9pPr marL="4114800" lvl="8" indent="-355600">
-              <a:spcBef>
-                <a:spcPts val="0"/>
-              </a:spcBef>
-              <a:spcAft>
-                <a:spcPts val="0"/>
-              </a:spcAft>
-              <a:buSzPts val="2000"/>
-              <a:buChar char="■"/>
-              <a:defRPr sz="2000"/>
-            </a:lvl9pPr>
-          </a:lstStyle>
-          <a:p>
-            <a:endParaRPr/>
-          </a:p>
-        </p:txBody>
-      </p:sp>
-      <p:sp>
-        <p:nvSpPr>
-          <p:cNvPr id="30" name="Google Shape;30;p6"/>
-          <p:cNvSpPr txBox="1">
-            <a:spLocks noGrp="1"/>
-          </p:cNvSpPr>
-          <p:nvPr>
-            <p:ph type="title"/>
-          </p:nvPr>
-        </p:nvSpPr>
-        <p:spPr>
-          <a:xfrm>
-            <a:off x="2318100" y="113175"/>
-            <a:ext cx="4507800" cy="857400"/>
-          </a:xfrm>
-          <a:prstGeom prst="rect">
-            <a:avLst/>
-          </a:prstGeom>
-        </p:spPr>
-        <p:txBody>
-          <a:bodyPr spcFirstLastPara="1" wrap="square" lIns="91425" tIns="91425" rIns="91425" bIns="91425" anchor="ctr" anchorCtr="0">
-            <a:noAutofit/>
-          </a:bodyPr>
-          <a:lstStyle>
-            <a:lvl1pPr lvl="0" rtl="0">
-              <a:spcBef>
-                <a:spcPts val="0"/>
-              </a:spcBef>
-              <a:spcAft>
-                <a:spcPts val="0"/>
-              </a:spcAft>
-              <a:buSzPts val="1600"/>
-              <a:buNone/>
-              <a:defRPr/>
-            </a:lvl1pPr>
-            <a:lvl2pPr lvl="1" rtl="0">
-              <a:spcBef>
-                <a:spcPts val="0"/>
-              </a:spcBef>
-              <a:spcAft>
-                <a:spcPts val="0"/>
-              </a:spcAft>
-              <a:buSzPts val="1600"/>
-              <a:buNone/>
-              <a:defRPr/>
-            </a:lvl2pPr>
-            <a:lvl3pPr lvl="2" rtl="0">
-              <a:spcBef>
-                <a:spcPts val="0"/>
-              </a:spcBef>
-              <a:spcAft>
-                <a:spcPts val="0"/>
-              </a:spcAft>
-              <a:buSzPts val="1600"/>
-              <a:buNone/>
-              <a:defRPr/>
-            </a:lvl3pPr>
-            <a:lvl4pPr lvl="3" rtl="0">
-              <a:spcBef>
-                <a:spcPts val="0"/>
-              </a:spcBef>
-              <a:spcAft>
-                <a:spcPts val="0"/>
-              </a:spcAft>
-              <a:buSzPts val="1600"/>
-              <a:buNone/>
-              <a:defRPr/>
-            </a:lvl4pPr>
-            <a:lvl5pPr lvl="4" rtl="0">
-              <a:spcBef>
-                <a:spcPts val="0"/>
-              </a:spcBef>
-              <a:spcAft>
-                <a:spcPts val="0"/>
-              </a:spcAft>
-              <a:buSzPts val="1600"/>
-              <a:buNone/>
-              <a:defRPr/>
-            </a:lvl5pPr>
-            <a:lvl6pPr lvl="5" rtl="0">
-              <a:spcBef>
-                <a:spcPts val="0"/>
-              </a:spcBef>
-              <a:spcAft>
-                <a:spcPts val="0"/>
-              </a:spcAft>
-              <a:buSzPts val="1600"/>
-              <a:buNone/>
-              <a:defRPr/>
-            </a:lvl6pPr>
-            <a:lvl7pPr lvl="6" rtl="0">
-              <a:spcBef>
-                <a:spcPts val="0"/>
-              </a:spcBef>
-              <a:spcAft>
-                <a:spcPts val="0"/>
-              </a:spcAft>
-              <a:buSzPts val="1600"/>
-              <a:buNone/>
-              <a:defRPr/>
-            </a:lvl7pPr>
-            <a:lvl8pPr lvl="7" rtl="0">
-              <a:spcBef>
-                <a:spcPts val="0"/>
-              </a:spcBef>
-              <a:spcAft>
-                <a:spcPts val="0"/>
-              </a:spcAft>
-              <a:buSzPts val="1600"/>
-              <a:buNone/>
-              <a:defRPr/>
-            </a:lvl8pPr>
-            <a:lvl9pPr lvl="8" rtl="0">
-              <a:spcBef>
-                <a:spcPts val="0"/>
-              </a:spcBef>
-              <a:spcAft>
-                <a:spcPts val="0"/>
-              </a:spcAft>
-              <a:buSzPts val="1600"/>
-              <a:buNone/>
-              <a:defRPr/>
-            </a:lvl9pPr>
-          </a:lstStyle>
-          <a:p>
-            <a:endParaRPr/>
-          </a:p>
-        </p:txBody>
-      </p:sp>
-      <p:cxnSp>
-        <p:nvCxnSpPr>
-          <p:cNvPr id="31" name="Google Shape;31;p6"/>
-          <p:cNvCxnSpPr/>
-          <p:nvPr/>
-        </p:nvCxnSpPr>
-        <p:spPr>
-          <a:xfrm rot="10800000">
-            <a:off x="-23700" y="541800"/>
-            <a:ext cx="2341800" cy="0"/>
-          </a:xfrm>
-          <a:prstGeom prst="straightConnector1">
-            <a:avLst/>
-          </a:prstGeom>
-          <a:noFill/>
-          <a:ln w="9525" cap="flat" cmpd="sng">
-            <a:solidFill>
-              <a:schemeClr val="dk2"/>
-            </a:solidFill>
-            <a:prstDash val="solid"/>
-            <a:round/>
-            <a:headEnd type="oval" w="med" len="med"/>
-            <a:tailEnd type="none" w="med" len="med"/>
-          </a:ln>
-        </p:spPr>
-      </p:cxnSp>
-      <p:cxnSp>
-        <p:nvCxnSpPr>
-          <p:cNvPr id="32" name="Google Shape;32;p6"/>
-          <p:cNvCxnSpPr/>
-          <p:nvPr/>
-        </p:nvCxnSpPr>
-        <p:spPr>
-          <a:xfrm>
-            <a:off x="6825900" y="541800"/>
-            <a:ext cx="2331300" cy="0"/>
-          </a:xfrm>
-          <a:prstGeom prst="straightConnector1">
-            <a:avLst/>
-          </a:prstGeom>
-          <a:noFill/>
-          <a:ln w="9525" cap="flat" cmpd="sng">
-            <a:solidFill>
-              <a:schemeClr val="dk2"/>
-            </a:solidFill>
-            <a:prstDash val="solid"/>
-            <a:round/>
-            <a:headEnd type="oval" w="med" len="med"/>
-            <a:tailEnd type="none" w="med" len="med"/>
-          </a:ln>
-        </p:spPr>
-      </p:cxnSp>
-      <p:sp>
-        <p:nvSpPr>
-          <p:cNvPr id="33" name="Google Shape;33;p6"/>
-          <p:cNvSpPr txBox="1">
-            <a:spLocks noGrp="1"/>
-          </p:cNvSpPr>
-          <p:nvPr>
-            <p:ph type="sldNum" idx="12"/>
-          </p:nvPr>
-        </p:nvSpPr>
-        <p:spPr>
-          <a:xfrm>
-            <a:off x="4297650" y="4749851"/>
-            <a:ext cx="548700" cy="393600"/>
-          </a:xfrm>
-          <a:prstGeom prst="rect">
-            <a:avLst/>
-          </a:prstGeom>
-        </p:spPr>
-        <p:txBody>
-          <a:bodyPr spcFirstLastPara="1" wrap="square" lIns="91425" tIns="91425" rIns="91425" bIns="91425" anchor="t" anchorCtr="0">
-            <a:noAutofit/>
-          </a:bodyPr>
-          <a:lstStyle>
-            <a:lvl1pPr lvl="0">
-              <a:buNone/>
-              <a:defRPr/>
-            </a:lvl1pPr>
-            <a:lvl2pPr lvl="1">
-              <a:buNone/>
-              <a:defRPr/>
-            </a:lvl2pPr>
-            <a:lvl3pPr lvl="2">
-              <a:buNone/>
-              <a:defRPr/>
-            </a:lvl3pPr>
-            <a:lvl4pPr lvl="3">
-              <a:buNone/>
-              <a:defRPr/>
-            </a:lvl4pPr>
-            <a:lvl5pPr lvl="4">
-              <a:buNone/>
-              <a:defRPr/>
-            </a:lvl5pPr>
-            <a:lvl6pPr lvl="5">
-              <a:buNone/>
-              <a:defRPr/>
-            </a:lvl6pPr>
-            <a:lvl7pPr lvl="6">
-              <a:buNone/>
-              <a:defRPr/>
-            </a:lvl7pPr>
-            <a:lvl8pPr lvl="7">
-              <a:buNone/>
-              <a:defRPr/>
-            </a:lvl8pPr>
-            <a:lvl9pPr lvl="8">
-              <a:buNone/>
-              <a:defRPr/>
-            </a:lvl9pPr>
-          </a:lstStyle>
-          <a:p>
-            <a:pPr marL="0" lvl="0" indent="0" algn="ctr" rtl="0">
-              <a:spcBef>
-                <a:spcPts val="0"/>
-              </a:spcBef>
-              <a:spcAft>
-                <a:spcPts val="0"/>
-              </a:spcAft>
-              <a:buNone/>
-            </a:pPr>
-            <a:fld id="{00000000-1234-1234-1234-123412341234}" type="slidenum">
-              <a:rPr lang="en"/>
-              <a:t>‹Nº›</a:t>
-            </a:fld>
-            <a:endParaRPr/>
-          </a:p>
-        </p:txBody>
-      </p:sp>
-    </p:spTree>
-    <p:extLst>
-      <p:ext uri="{BB962C8B-B14F-4D97-AF65-F5344CB8AC3E}">
-        <p14:creationId xmlns:p14="http://schemas.microsoft.com/office/powerpoint/2010/main" val="4059865086"/>
-      </p:ext>
-    </p:extLst>
-  </p:cSld>
-  <p:clrMapOvr>
-    <a:masterClrMapping/>
-  </p:clrMapOvr>
-</p:sldLayout>
-</file>
-
-<file path=ppt/slideLayouts/slideLayout3.xml><?xml version="1.0" encoding="utf-8"?>
-<p:sldLayout xmlns:a="http://schemas.openxmlformats.org/drawingml/2006/main" xmlns:r="http://schemas.openxmlformats.org/officeDocument/2006/relationships" xmlns:p="http://schemas.openxmlformats.org/presentationml/2006/main" matchingName="Subtitle">
-  <p:cSld name="Subtitle">
-    <p:spTree>
-      <p:nvGrpSpPr>
-        <p:cNvPr id="1" name="Shape 12"/>
-        <p:cNvGrpSpPr/>
-        <p:nvPr/>
-      </p:nvGrpSpPr>
-      <p:grpSpPr>
-        <a:xfrm>
-          <a:off x="0" y="0"/>
-          <a:ext cx="0" cy="0"/>
-          <a:chOff x="0" y="0"/>
-          <a:chExt cx="0" cy="0"/>
-        </a:xfrm>
-      </p:grpSpPr>
-      <p:sp>
-        <p:nvSpPr>
-          <p:cNvPr id="13" name="Google Shape;13;p3"/>
-          <p:cNvSpPr txBox="1">
-            <a:spLocks noGrp="1"/>
-          </p:cNvSpPr>
-          <p:nvPr>
-            <p:ph type="ctrTitle"/>
-          </p:nvPr>
-        </p:nvSpPr>
-        <p:spPr>
-          <a:xfrm>
-            <a:off x="2600500" y="2040544"/>
-            <a:ext cx="5857800" cy="1159800"/>
-          </a:xfrm>
-          <a:prstGeom prst="rect">
-            <a:avLst/>
-          </a:prstGeom>
-        </p:spPr>
-        <p:txBody>
-          <a:bodyPr spcFirstLastPara="1" wrap="square" lIns="91425" tIns="91425" rIns="91425" bIns="91425" anchor="b" anchorCtr="0">
-            <a:noAutofit/>
-          </a:bodyPr>
-          <a:lstStyle>
-            <a:lvl1pPr lvl="0" algn="l" rtl="0">
-              <a:spcBef>
-                <a:spcPts val="0"/>
-              </a:spcBef>
-              <a:spcAft>
-                <a:spcPts val="0"/>
-              </a:spcAft>
-              <a:buSzPts val="3600"/>
-              <a:buNone/>
-              <a:defRPr sz="3600"/>
-            </a:lvl1pPr>
-            <a:lvl2pPr lvl="1" algn="l" rtl="0">
-              <a:spcBef>
-                <a:spcPts val="0"/>
-              </a:spcBef>
-              <a:spcAft>
-                <a:spcPts val="0"/>
-              </a:spcAft>
-              <a:buSzPts val="3600"/>
-              <a:buNone/>
-              <a:defRPr sz="3600"/>
-            </a:lvl2pPr>
-            <a:lvl3pPr lvl="2" algn="l" rtl="0">
-              <a:spcBef>
-                <a:spcPts val="0"/>
-              </a:spcBef>
-              <a:spcAft>
-                <a:spcPts val="0"/>
-              </a:spcAft>
-              <a:buSzPts val="3600"/>
-              <a:buNone/>
-              <a:defRPr sz="3600"/>
-            </a:lvl3pPr>
-            <a:lvl4pPr lvl="3" algn="l" rtl="0">
-              <a:spcBef>
-                <a:spcPts val="0"/>
-              </a:spcBef>
-              <a:spcAft>
-                <a:spcPts val="0"/>
-              </a:spcAft>
-              <a:buSzPts val="3600"/>
-              <a:buNone/>
-              <a:defRPr sz="3600"/>
-            </a:lvl4pPr>
-            <a:lvl5pPr lvl="4" algn="l" rtl="0">
-              <a:spcBef>
-                <a:spcPts val="0"/>
-              </a:spcBef>
-              <a:spcAft>
-                <a:spcPts val="0"/>
-              </a:spcAft>
-              <a:buSzPts val="3600"/>
-              <a:buNone/>
-              <a:defRPr sz="3600"/>
-            </a:lvl5pPr>
-            <a:lvl6pPr lvl="5" algn="l" rtl="0">
-              <a:spcBef>
-                <a:spcPts val="0"/>
-              </a:spcBef>
-              <a:spcAft>
-                <a:spcPts val="0"/>
-              </a:spcAft>
-              <a:buSzPts val="3600"/>
-              <a:buNone/>
-              <a:defRPr sz="3600"/>
-            </a:lvl6pPr>
-            <a:lvl7pPr lvl="6" algn="l" rtl="0">
-              <a:spcBef>
-                <a:spcPts val="0"/>
-              </a:spcBef>
-              <a:spcAft>
-                <a:spcPts val="0"/>
-              </a:spcAft>
-              <a:buSzPts val="3600"/>
-              <a:buNone/>
-              <a:defRPr sz="3600"/>
-            </a:lvl7pPr>
-            <a:lvl8pPr lvl="7" algn="l" rtl="0">
-              <a:spcBef>
-                <a:spcPts val="0"/>
-              </a:spcBef>
-              <a:spcAft>
-                <a:spcPts val="0"/>
-              </a:spcAft>
-              <a:buSzPts val="3600"/>
-              <a:buNone/>
-              <a:defRPr sz="3600"/>
-            </a:lvl8pPr>
-            <a:lvl9pPr lvl="8" algn="l" rtl="0">
-              <a:spcBef>
-                <a:spcPts val="0"/>
-              </a:spcBef>
-              <a:spcAft>
-                <a:spcPts val="0"/>
-              </a:spcAft>
-              <a:buSzPts val="3600"/>
-              <a:buNone/>
-              <a:defRPr sz="3600"/>
-            </a:lvl9pPr>
-          </a:lstStyle>
-          <a:p>
-            <a:endParaRPr/>
-          </a:p>
-        </p:txBody>
-      </p:sp>
-      <p:sp>
-        <p:nvSpPr>
-          <p:cNvPr id="14" name="Google Shape;14;p3"/>
-          <p:cNvSpPr txBox="1">
-            <a:spLocks noGrp="1"/>
-          </p:cNvSpPr>
-          <p:nvPr>
-            <p:ph type="subTitle" idx="1"/>
-          </p:nvPr>
-        </p:nvSpPr>
-        <p:spPr>
-          <a:xfrm>
-            <a:off x="2600400" y="3182963"/>
-            <a:ext cx="5857800" cy="784800"/>
-          </a:xfrm>
-          <a:prstGeom prst="rect">
-            <a:avLst/>
-          </a:prstGeom>
-        </p:spPr>
-        <p:txBody>
-          <a:bodyPr spcFirstLastPara="1" wrap="square" lIns="91425" tIns="91425" rIns="91425" bIns="91425" anchor="t" anchorCtr="0">
-            <a:noAutofit/>
-          </a:bodyPr>
-          <a:lstStyle>
-            <a:lvl1pPr lvl="0" rtl="0">
-              <a:spcBef>
-                <a:spcPts val="0"/>
-              </a:spcBef>
-              <a:spcAft>
-                <a:spcPts val="0"/>
-              </a:spcAft>
-              <a:buClr>
-                <a:schemeClr val="accent1"/>
-              </a:buClr>
-              <a:buSzPts val="2400"/>
-              <a:buNone/>
-              <a:defRPr sz="2400" i="1">
-                <a:solidFill>
-                  <a:schemeClr val="accent1"/>
-                </a:solidFill>
-              </a:defRPr>
-            </a:lvl1pPr>
-            <a:lvl2pPr lvl="1" rtl="0">
-              <a:spcBef>
-                <a:spcPts val="0"/>
-              </a:spcBef>
-              <a:spcAft>
-                <a:spcPts val="0"/>
-              </a:spcAft>
-              <a:buClr>
-                <a:schemeClr val="accent1"/>
-              </a:buClr>
-              <a:buSzPts val="2400"/>
-              <a:buNone/>
-              <a:defRPr i="1">
-                <a:solidFill>
-                  <a:schemeClr val="accent1"/>
-                </a:solidFill>
-              </a:defRPr>
-            </a:lvl2pPr>
-            <a:lvl3pPr lvl="2" rtl="0">
-              <a:spcBef>
-                <a:spcPts val="0"/>
-              </a:spcBef>
-              <a:spcAft>
-                <a:spcPts val="0"/>
-              </a:spcAft>
-              <a:buClr>
-                <a:schemeClr val="accent1"/>
-              </a:buClr>
-              <a:buSzPts val="2400"/>
-              <a:buNone/>
-              <a:defRPr i="1">
-                <a:solidFill>
-                  <a:schemeClr val="accent1"/>
-                </a:solidFill>
-              </a:defRPr>
-            </a:lvl3pPr>
-            <a:lvl4pPr lvl="3" rtl="0">
-              <a:spcBef>
-                <a:spcPts val="0"/>
-              </a:spcBef>
-              <a:spcAft>
-                <a:spcPts val="0"/>
-              </a:spcAft>
-              <a:buClr>
-                <a:schemeClr val="accent1"/>
-              </a:buClr>
-              <a:buSzPts val="2400"/>
-              <a:buNone/>
-              <a:defRPr sz="2400" i="1">
-                <a:solidFill>
-                  <a:schemeClr val="accent1"/>
-                </a:solidFill>
-              </a:defRPr>
-            </a:lvl4pPr>
-            <a:lvl5pPr lvl="4" rtl="0">
-              <a:spcBef>
-                <a:spcPts val="0"/>
-              </a:spcBef>
-              <a:spcAft>
-                <a:spcPts val="0"/>
-              </a:spcAft>
-              <a:buClr>
-                <a:schemeClr val="accent1"/>
-              </a:buClr>
-              <a:buSzPts val="2400"/>
-              <a:buNone/>
-              <a:defRPr sz="2400" i="1">
-                <a:solidFill>
-                  <a:schemeClr val="accent1"/>
-                </a:solidFill>
-              </a:defRPr>
-            </a:lvl5pPr>
-            <a:lvl6pPr lvl="5" rtl="0">
-              <a:spcBef>
-                <a:spcPts val="0"/>
-              </a:spcBef>
-              <a:spcAft>
-                <a:spcPts val="0"/>
-              </a:spcAft>
-              <a:buClr>
-                <a:schemeClr val="accent1"/>
-              </a:buClr>
-              <a:buSzPts val="2400"/>
-              <a:buNone/>
-              <a:defRPr sz="2400" i="1">
-                <a:solidFill>
-                  <a:schemeClr val="accent1"/>
-                </a:solidFill>
-              </a:defRPr>
-            </a:lvl6pPr>
-            <a:lvl7pPr lvl="6" rtl="0">
-              <a:spcBef>
-                <a:spcPts val="0"/>
-              </a:spcBef>
-              <a:spcAft>
-                <a:spcPts val="0"/>
-              </a:spcAft>
-              <a:buClr>
-                <a:schemeClr val="accent1"/>
-              </a:buClr>
-              <a:buSzPts val="2400"/>
-              <a:buNone/>
-              <a:defRPr sz="2400" i="1">
-                <a:solidFill>
-                  <a:schemeClr val="accent1"/>
-                </a:solidFill>
-              </a:defRPr>
-            </a:lvl7pPr>
-            <a:lvl8pPr lvl="7" rtl="0">
-              <a:spcBef>
-                <a:spcPts val="0"/>
-              </a:spcBef>
-              <a:spcAft>
-                <a:spcPts val="0"/>
-              </a:spcAft>
-              <a:buClr>
-                <a:schemeClr val="accent1"/>
-              </a:buClr>
-              <a:buSzPts val="2400"/>
-              <a:buNone/>
-              <a:defRPr sz="2400" i="1">
-                <a:solidFill>
-                  <a:schemeClr val="accent1"/>
-                </a:solidFill>
-              </a:defRPr>
-            </a:lvl8pPr>
-            <a:lvl9pPr lvl="8" rtl="0">
-              <a:spcBef>
-                <a:spcPts val="0"/>
-              </a:spcBef>
-              <a:spcAft>
-                <a:spcPts val="0"/>
-              </a:spcAft>
-              <a:buClr>
-                <a:schemeClr val="accent1"/>
-              </a:buClr>
-              <a:buSzPts val="2400"/>
-              <a:buNone/>
-              <a:defRPr sz="2400" i="1">
-                <a:solidFill>
-                  <a:schemeClr val="accent1"/>
-                </a:solidFill>
-              </a:defRPr>
-            </a:lvl9pPr>
-          </a:lstStyle>
-          <a:p>
-            <a:endParaRPr/>
-          </a:p>
-        </p:txBody>
-      </p:sp>
-      <p:cxnSp>
-        <p:nvCxnSpPr>
-          <p:cNvPr id="15" name="Google Shape;15;p3"/>
-          <p:cNvCxnSpPr/>
-          <p:nvPr/>
-        </p:nvCxnSpPr>
-        <p:spPr>
-          <a:xfrm rot="10800000">
-            <a:off x="-15990" y="2933511"/>
-            <a:ext cx="2476800" cy="0"/>
-          </a:xfrm>
-          <a:prstGeom prst="straightConnector1">
-            <a:avLst/>
-          </a:prstGeom>
-          <a:noFill/>
-          <a:ln w="9525" cap="flat" cmpd="sng">
-            <a:solidFill>
-              <a:schemeClr val="dk2"/>
-            </a:solidFill>
-            <a:prstDash val="solid"/>
-            <a:round/>
-            <a:headEnd type="oval" w="med" len="med"/>
-            <a:tailEnd type="none" w="med" len="med"/>
-          </a:ln>
-        </p:spPr>
-      </p:cxnSp>
-    </p:spTree>
-    <p:extLst>
-      <p:ext uri="{BB962C8B-B14F-4D97-AF65-F5344CB8AC3E}">
-        <p14:creationId xmlns:p14="http://schemas.microsoft.com/office/powerpoint/2010/main" val="580673699"/>
-      </p:ext>
-    </p:extLst>
-  </p:cSld>
-  <p:clrMapOvr>
-    <a:masterClrMapping/>
-  </p:clrMapOvr>
-</p:sldLayout>
-</file>
-
-<file path=ppt/slideLayouts/slideLayout4.xml><?xml version="1.0" encoding="utf-8"?>
-<p:sldLayout xmlns:a="http://schemas.openxmlformats.org/drawingml/2006/main" xmlns:r="http://schemas.openxmlformats.org/officeDocument/2006/relationships" xmlns:p="http://schemas.openxmlformats.org/presentationml/2006/main" matchingName="Title" type="title">
-  <p:cSld name="Title">
-    <p:bg>
-      <p:bgPr>
-        <a:solidFill>
-          <a:srgbClr val="000000"/>
-        </a:solidFill>
-        <a:effectLst/>
-      </p:bgPr>
-    </p:bg>
-    <p:spTree>
-      <p:nvGrpSpPr>
-        <p:cNvPr id="1" name="Shape 9"/>
-        <p:cNvGrpSpPr/>
-        <p:nvPr/>
-      </p:nvGrpSpPr>
-      <p:grpSpPr>
-        <a:xfrm>
-          <a:off x="0" y="0"/>
-          <a:ext cx="0" cy="0"/>
-          <a:chOff x="0" y="0"/>
-          <a:chExt cx="0" cy="0"/>
-        </a:xfrm>
-      </p:grpSpPr>
-      <p:sp>
-        <p:nvSpPr>
-          <p:cNvPr id="10" name="Google Shape;10;p2"/>
-          <p:cNvSpPr txBox="1">
-            <a:spLocks noGrp="1"/>
-          </p:cNvSpPr>
-          <p:nvPr>
-            <p:ph type="ctrTitle"/>
-          </p:nvPr>
-        </p:nvSpPr>
-        <p:spPr>
-          <a:xfrm>
-            <a:off x="634275" y="1839413"/>
-            <a:ext cx="7888800" cy="1159800"/>
-          </a:xfrm>
-          <a:prstGeom prst="rect">
-            <a:avLst/>
-          </a:prstGeom>
-        </p:spPr>
-        <p:txBody>
-          <a:bodyPr spcFirstLastPara="1" wrap="square" lIns="91425" tIns="91425" rIns="91425" bIns="91425" anchor="ctr" anchorCtr="0">
-            <a:noAutofit/>
-          </a:bodyPr>
-          <a:lstStyle>
-            <a:lvl1pPr lvl="0" algn="ctr">
-              <a:spcBef>
-                <a:spcPts val="0"/>
-              </a:spcBef>
-              <a:spcAft>
-                <a:spcPts val="0"/>
-              </a:spcAft>
-              <a:buClr>
-                <a:schemeClr val="lt1"/>
-              </a:buClr>
-              <a:buSzPts val="3600"/>
-              <a:buNone/>
-              <a:defRPr sz="3600">
-                <a:solidFill>
-                  <a:schemeClr val="lt1"/>
-                </a:solidFill>
-              </a:defRPr>
-            </a:lvl1pPr>
-            <a:lvl2pPr lvl="1" algn="ctr">
-              <a:spcBef>
-                <a:spcPts val="0"/>
-              </a:spcBef>
-              <a:spcAft>
-                <a:spcPts val="0"/>
-              </a:spcAft>
-              <a:buClr>
-                <a:schemeClr val="lt1"/>
-              </a:buClr>
-              <a:buSzPts val="3600"/>
-              <a:buNone/>
-              <a:defRPr sz="3600">
-                <a:solidFill>
-                  <a:schemeClr val="lt1"/>
-                </a:solidFill>
-              </a:defRPr>
-            </a:lvl2pPr>
-            <a:lvl3pPr lvl="2" algn="ctr">
-              <a:spcBef>
-                <a:spcPts val="0"/>
-              </a:spcBef>
-              <a:spcAft>
-                <a:spcPts val="0"/>
-              </a:spcAft>
-              <a:buClr>
-                <a:schemeClr val="lt1"/>
-              </a:buClr>
-              <a:buSzPts val="3600"/>
-              <a:buNone/>
-              <a:defRPr sz="3600">
-                <a:solidFill>
-                  <a:schemeClr val="lt1"/>
-                </a:solidFill>
-              </a:defRPr>
-            </a:lvl3pPr>
-            <a:lvl4pPr lvl="3" algn="ctr">
-              <a:spcBef>
-                <a:spcPts val="0"/>
-              </a:spcBef>
-              <a:spcAft>
-                <a:spcPts val="0"/>
-              </a:spcAft>
-              <a:buClr>
-                <a:schemeClr val="lt1"/>
-              </a:buClr>
-              <a:buSzPts val="3600"/>
-              <a:buNone/>
-              <a:defRPr sz="3600">
-                <a:solidFill>
-                  <a:schemeClr val="lt1"/>
-                </a:solidFill>
-              </a:defRPr>
-            </a:lvl4pPr>
-            <a:lvl5pPr lvl="4" algn="ctr">
-              <a:spcBef>
-                <a:spcPts val="0"/>
-              </a:spcBef>
-              <a:spcAft>
-                <a:spcPts val="0"/>
-              </a:spcAft>
-              <a:buClr>
-                <a:schemeClr val="lt1"/>
-              </a:buClr>
-              <a:buSzPts val="3600"/>
-              <a:buNone/>
-              <a:defRPr sz="3600">
-                <a:solidFill>
-                  <a:schemeClr val="lt1"/>
-                </a:solidFill>
-              </a:defRPr>
-            </a:lvl5pPr>
-            <a:lvl6pPr lvl="5" algn="ctr">
-              <a:spcBef>
-                <a:spcPts val="0"/>
-              </a:spcBef>
-              <a:spcAft>
-                <a:spcPts val="0"/>
-              </a:spcAft>
-              <a:buClr>
-                <a:schemeClr val="lt1"/>
-              </a:buClr>
-              <a:buSzPts val="3600"/>
-              <a:buNone/>
-              <a:defRPr sz="3600">
-                <a:solidFill>
-                  <a:schemeClr val="lt1"/>
-                </a:solidFill>
-              </a:defRPr>
-            </a:lvl6pPr>
-            <a:lvl7pPr lvl="6" algn="ctr">
-              <a:spcBef>
-                <a:spcPts val="0"/>
-              </a:spcBef>
-              <a:spcAft>
-                <a:spcPts val="0"/>
-              </a:spcAft>
-              <a:buClr>
-                <a:schemeClr val="lt1"/>
-              </a:buClr>
-              <a:buSzPts val="3600"/>
-              <a:buNone/>
-              <a:defRPr sz="3600">
-                <a:solidFill>
-                  <a:schemeClr val="lt1"/>
-                </a:solidFill>
-              </a:defRPr>
-            </a:lvl7pPr>
-            <a:lvl8pPr lvl="7" algn="ctr">
-              <a:spcBef>
-                <a:spcPts val="0"/>
-              </a:spcBef>
-              <a:spcAft>
-                <a:spcPts val="0"/>
-              </a:spcAft>
-              <a:buClr>
-                <a:schemeClr val="lt1"/>
-              </a:buClr>
-              <a:buSzPts val="3600"/>
-              <a:buNone/>
-              <a:defRPr sz="3600">
-                <a:solidFill>
-                  <a:schemeClr val="lt1"/>
-                </a:solidFill>
-              </a:defRPr>
-            </a:lvl8pPr>
-            <a:lvl9pPr lvl="8" algn="ctr">
-              <a:spcBef>
-                <a:spcPts val="0"/>
-              </a:spcBef>
-              <a:spcAft>
-                <a:spcPts val="0"/>
-              </a:spcAft>
-              <a:buClr>
-                <a:schemeClr val="lt1"/>
-              </a:buClr>
-              <a:buSzPts val="3600"/>
-              <a:buNone/>
-              <a:defRPr sz="3600">
-                <a:solidFill>
-                  <a:schemeClr val="lt1"/>
-                </a:solidFill>
-              </a:defRPr>
-            </a:lvl9pPr>
-          </a:lstStyle>
-          <a:p>
-            <a:endParaRPr/>
-          </a:p>
-        </p:txBody>
-      </p:sp>
-      <p:cxnSp>
-        <p:nvCxnSpPr>
-          <p:cNvPr id="11" name="Google Shape;11;p2"/>
-          <p:cNvCxnSpPr/>
-          <p:nvPr/>
-        </p:nvCxnSpPr>
-        <p:spPr>
-          <a:xfrm rot="10800000">
-            <a:off x="2588100" y="3488719"/>
-            <a:ext cx="3967800" cy="0"/>
-          </a:xfrm>
-          <a:prstGeom prst="straightConnector1">
-            <a:avLst/>
-          </a:prstGeom>
-          <a:noFill/>
-          <a:ln w="9525" cap="flat" cmpd="sng">
-            <a:solidFill>
-              <a:schemeClr val="lt1"/>
-            </a:solidFill>
-            <a:prstDash val="solid"/>
-            <a:round/>
-            <a:headEnd type="oval" w="med" len="med"/>
-            <a:tailEnd type="oval" w="med" len="med"/>
-          </a:ln>
-        </p:spPr>
-      </p:cxnSp>
-    </p:spTree>
-    <p:extLst>
-      <p:ext uri="{BB962C8B-B14F-4D97-AF65-F5344CB8AC3E}">
-        <p14:creationId xmlns:p14="http://schemas.microsoft.com/office/powerpoint/2010/main" val="4086691038"/>
-      </p:ext>
-    </p:extLst>
-  </p:cSld>
-  <p:clrMapOvr>
-    <a:masterClrMapping/>
-  </p:clrMapOvr>
-</p:sldLayout>
-</file>
-
-<file path=ppt/slideLayouts/slideLayout5.xml><?xml version="1.0" encoding="utf-8"?>
-<p:sldLayout xmlns:a="http://schemas.openxmlformats.org/drawingml/2006/main" xmlns:r="http://schemas.openxmlformats.org/officeDocument/2006/relationships" xmlns:p="http://schemas.openxmlformats.org/presentationml/2006/main" matchingName="Subtitle">
-  <p:cSld name="Subtitle">
-    <p:spTree>
-      <p:nvGrpSpPr>
-        <p:cNvPr id="1" name="Shape 12"/>
-        <p:cNvGrpSpPr/>
-        <p:nvPr/>
-      </p:nvGrpSpPr>
-      <p:grpSpPr>
-        <a:xfrm>
-          <a:off x="0" y="0"/>
-          <a:ext cx="0" cy="0"/>
-          <a:chOff x="0" y="0"/>
-          <a:chExt cx="0" cy="0"/>
-        </a:xfrm>
-      </p:grpSpPr>
-      <p:sp>
-        <p:nvSpPr>
-          <p:cNvPr id="13" name="Google Shape;13;p3"/>
-          <p:cNvSpPr txBox="1">
-            <a:spLocks noGrp="1"/>
-          </p:cNvSpPr>
-          <p:nvPr>
-            <p:ph type="ctrTitle"/>
-          </p:nvPr>
-        </p:nvSpPr>
-        <p:spPr>
-          <a:xfrm>
-            <a:off x="2600500" y="2040544"/>
-            <a:ext cx="5857800" cy="1159800"/>
-          </a:xfrm>
-          <a:prstGeom prst="rect">
-            <a:avLst/>
-          </a:prstGeom>
-        </p:spPr>
-        <p:txBody>
-          <a:bodyPr spcFirstLastPara="1" wrap="square" lIns="91425" tIns="91425" rIns="91425" bIns="91425" anchor="b" anchorCtr="0">
-            <a:noAutofit/>
-          </a:bodyPr>
-          <a:lstStyle>
-            <a:lvl1pPr lvl="0" algn="l" rtl="0">
-              <a:spcBef>
-                <a:spcPts val="0"/>
-              </a:spcBef>
-              <a:spcAft>
-                <a:spcPts val="0"/>
-              </a:spcAft>
-              <a:buSzPts val="3600"/>
-              <a:buNone/>
-              <a:defRPr sz="3600"/>
-            </a:lvl1pPr>
-            <a:lvl2pPr lvl="1" algn="l" rtl="0">
-              <a:spcBef>
-                <a:spcPts val="0"/>
-              </a:spcBef>
-              <a:spcAft>
-                <a:spcPts val="0"/>
-              </a:spcAft>
-              <a:buSzPts val="3600"/>
-              <a:buNone/>
-              <a:defRPr sz="3600"/>
-            </a:lvl2pPr>
-            <a:lvl3pPr lvl="2" algn="l" rtl="0">
-              <a:spcBef>
-                <a:spcPts val="0"/>
-              </a:spcBef>
-              <a:spcAft>
-                <a:spcPts val="0"/>
-              </a:spcAft>
-              <a:buSzPts val="3600"/>
-              <a:buNone/>
-              <a:defRPr sz="3600"/>
-            </a:lvl3pPr>
-            <a:lvl4pPr lvl="3" algn="l" rtl="0">
-              <a:spcBef>
-                <a:spcPts val="0"/>
-              </a:spcBef>
-              <a:spcAft>
-                <a:spcPts val="0"/>
-              </a:spcAft>
-              <a:buSzPts val="3600"/>
-              <a:buNone/>
-              <a:defRPr sz="3600"/>
-            </a:lvl4pPr>
-            <a:lvl5pPr lvl="4" algn="l" rtl="0">
-              <a:spcBef>
-                <a:spcPts val="0"/>
-              </a:spcBef>
-              <a:spcAft>
-                <a:spcPts val="0"/>
-              </a:spcAft>
-              <a:buSzPts val="3600"/>
-              <a:buNone/>
-              <a:defRPr sz="3600"/>
-            </a:lvl5pPr>
-            <a:lvl6pPr lvl="5" algn="l" rtl="0">
-              <a:spcBef>
-                <a:spcPts val="0"/>
-              </a:spcBef>
-              <a:spcAft>
-                <a:spcPts val="0"/>
-              </a:spcAft>
-              <a:buSzPts val="3600"/>
-              <a:buNone/>
-              <a:defRPr sz="3600"/>
-            </a:lvl6pPr>
-            <a:lvl7pPr lvl="6" algn="l" rtl="0">
-              <a:spcBef>
-                <a:spcPts val="0"/>
-              </a:spcBef>
-              <a:spcAft>
-                <a:spcPts val="0"/>
-              </a:spcAft>
-              <a:buSzPts val="3600"/>
-              <a:buNone/>
-              <a:defRPr sz="3600"/>
-            </a:lvl7pPr>
-            <a:lvl8pPr lvl="7" algn="l" rtl="0">
-              <a:spcBef>
-                <a:spcPts val="0"/>
-              </a:spcBef>
-              <a:spcAft>
-                <a:spcPts val="0"/>
-              </a:spcAft>
-              <a:buSzPts val="3600"/>
-              <a:buNone/>
-              <a:defRPr sz="3600"/>
-            </a:lvl8pPr>
-            <a:lvl9pPr lvl="8" algn="l" rtl="0">
-              <a:spcBef>
-                <a:spcPts val="0"/>
-              </a:spcBef>
-              <a:spcAft>
-                <a:spcPts val="0"/>
-              </a:spcAft>
-              <a:buSzPts val="3600"/>
-              <a:buNone/>
-              <a:defRPr sz="3600"/>
-            </a:lvl9pPr>
-          </a:lstStyle>
-          <a:p>
-            <a:endParaRPr/>
-          </a:p>
-        </p:txBody>
-      </p:sp>
-      <p:sp>
-        <p:nvSpPr>
-          <p:cNvPr id="14" name="Google Shape;14;p3"/>
-          <p:cNvSpPr txBox="1">
-            <a:spLocks noGrp="1"/>
-          </p:cNvSpPr>
-          <p:nvPr>
-            <p:ph type="subTitle" idx="1"/>
-          </p:nvPr>
-        </p:nvSpPr>
-        <p:spPr>
-          <a:xfrm>
-            <a:off x="2600400" y="3182963"/>
-            <a:ext cx="5857800" cy="784800"/>
-          </a:xfrm>
-          <a:prstGeom prst="rect">
-            <a:avLst/>
-          </a:prstGeom>
-        </p:spPr>
-        <p:txBody>
-          <a:bodyPr spcFirstLastPara="1" wrap="square" lIns="91425" tIns="91425" rIns="91425" bIns="91425" anchor="t" anchorCtr="0">
-            <a:noAutofit/>
-          </a:bodyPr>
-          <a:lstStyle>
-            <a:lvl1pPr lvl="0" rtl="0">
-              <a:spcBef>
-                <a:spcPts val="0"/>
-              </a:spcBef>
-              <a:spcAft>
-                <a:spcPts val="0"/>
-              </a:spcAft>
-              <a:buClr>
-                <a:schemeClr val="accent1"/>
-              </a:buClr>
-              <a:buSzPts val="2400"/>
-              <a:buNone/>
-              <a:defRPr sz="2400" i="1">
-                <a:solidFill>
-                  <a:schemeClr val="accent1"/>
-                </a:solidFill>
-              </a:defRPr>
-            </a:lvl1pPr>
-            <a:lvl2pPr lvl="1" rtl="0">
-              <a:spcBef>
-                <a:spcPts val="0"/>
-              </a:spcBef>
-              <a:spcAft>
-                <a:spcPts val="0"/>
-              </a:spcAft>
-              <a:buClr>
-                <a:schemeClr val="accent1"/>
-              </a:buClr>
-              <a:buSzPts val="2400"/>
-              <a:buNone/>
-              <a:defRPr i="1">
-                <a:solidFill>
-                  <a:schemeClr val="accent1"/>
-                </a:solidFill>
-              </a:defRPr>
-            </a:lvl2pPr>
-            <a:lvl3pPr lvl="2" rtl="0">
-              <a:spcBef>
-                <a:spcPts val="0"/>
-              </a:spcBef>
-              <a:spcAft>
-                <a:spcPts val="0"/>
-              </a:spcAft>
-              <a:buClr>
-                <a:schemeClr val="accent1"/>
-              </a:buClr>
-              <a:buSzPts val="2400"/>
-              <a:buNone/>
-              <a:defRPr i="1">
-                <a:solidFill>
-                  <a:schemeClr val="accent1"/>
-                </a:solidFill>
-              </a:defRPr>
-            </a:lvl3pPr>
-            <a:lvl4pPr lvl="3" rtl="0">
-              <a:spcBef>
-                <a:spcPts val="0"/>
-              </a:spcBef>
-              <a:spcAft>
-                <a:spcPts val="0"/>
-              </a:spcAft>
-              <a:buClr>
-                <a:schemeClr val="accent1"/>
-              </a:buClr>
-              <a:buSzPts val="2400"/>
-              <a:buNone/>
-              <a:defRPr sz="2400" i="1">
-                <a:solidFill>
-                  <a:schemeClr val="accent1"/>
-                </a:solidFill>
-              </a:defRPr>
-            </a:lvl4pPr>
-            <a:lvl5pPr lvl="4" rtl="0">
-              <a:spcBef>
-                <a:spcPts val="0"/>
-              </a:spcBef>
-              <a:spcAft>
-                <a:spcPts val="0"/>
-              </a:spcAft>
-              <a:buClr>
-                <a:schemeClr val="accent1"/>
-              </a:buClr>
-              <a:buSzPts val="2400"/>
-              <a:buNone/>
-              <a:defRPr sz="2400" i="1">
-                <a:solidFill>
-                  <a:schemeClr val="accent1"/>
-                </a:solidFill>
-              </a:defRPr>
-            </a:lvl5pPr>
-            <a:lvl6pPr lvl="5" rtl="0">
-              <a:spcBef>
-                <a:spcPts val="0"/>
-              </a:spcBef>
-              <a:spcAft>
-                <a:spcPts val="0"/>
-              </a:spcAft>
-              <a:buClr>
-                <a:schemeClr val="accent1"/>
-              </a:buClr>
-              <a:buSzPts val="2400"/>
-              <a:buNone/>
-              <a:defRPr sz="2400" i="1">
-                <a:solidFill>
-                  <a:schemeClr val="accent1"/>
-                </a:solidFill>
-              </a:defRPr>
-            </a:lvl6pPr>
-            <a:lvl7pPr lvl="6" rtl="0">
-              <a:spcBef>
-                <a:spcPts val="0"/>
-              </a:spcBef>
-              <a:spcAft>
-                <a:spcPts val="0"/>
-              </a:spcAft>
-              <a:buClr>
-                <a:schemeClr val="accent1"/>
-              </a:buClr>
-              <a:buSzPts val="2400"/>
-              <a:buNone/>
-              <a:defRPr sz="2400" i="1">
-                <a:solidFill>
-                  <a:schemeClr val="accent1"/>
-                </a:solidFill>
-              </a:defRPr>
-            </a:lvl7pPr>
-            <a:lvl8pPr lvl="7" rtl="0">
-              <a:spcBef>
-                <a:spcPts val="0"/>
-              </a:spcBef>
-              <a:spcAft>
-                <a:spcPts val="0"/>
-              </a:spcAft>
-              <a:buClr>
-                <a:schemeClr val="accent1"/>
-              </a:buClr>
-              <a:buSzPts val="2400"/>
-              <a:buNone/>
-              <a:defRPr sz="2400" i="1">
-                <a:solidFill>
-                  <a:schemeClr val="accent1"/>
-                </a:solidFill>
-              </a:defRPr>
-            </a:lvl8pPr>
-            <a:lvl9pPr lvl="8" rtl="0">
-              <a:spcBef>
-                <a:spcPts val="0"/>
-              </a:spcBef>
-              <a:spcAft>
-                <a:spcPts val="0"/>
-              </a:spcAft>
-              <a:buClr>
-                <a:schemeClr val="accent1"/>
-              </a:buClr>
-              <a:buSzPts val="2400"/>
-              <a:buNone/>
-              <a:defRPr sz="2400" i="1">
-                <a:solidFill>
-                  <a:schemeClr val="accent1"/>
-                </a:solidFill>
-              </a:defRPr>
-            </a:lvl9pPr>
-          </a:lstStyle>
-          <a:p>
-            <a:endParaRPr/>
-          </a:p>
-        </p:txBody>
-      </p:sp>
-      <p:cxnSp>
-        <p:nvCxnSpPr>
-          <p:cNvPr id="15" name="Google Shape;15;p3"/>
-          <p:cNvCxnSpPr/>
-          <p:nvPr/>
-        </p:nvCxnSpPr>
-        <p:spPr>
-          <a:xfrm rot="10800000">
-            <a:off x="-15990" y="2933511"/>
-            <a:ext cx="2476800" cy="0"/>
-          </a:xfrm>
-          <a:prstGeom prst="straightConnector1">
-            <a:avLst/>
-          </a:prstGeom>
-          <a:noFill/>
-          <a:ln w="9525" cap="flat" cmpd="sng">
-            <a:solidFill>
-              <a:schemeClr val="dk2"/>
-            </a:solidFill>
-            <a:prstDash val="solid"/>
-            <a:round/>
-            <a:headEnd type="oval" w="med" len="med"/>
-            <a:tailEnd type="none" w="med" len="med"/>
-          </a:ln>
-        </p:spPr>
-      </p:cxnSp>
-    </p:spTree>
-    <p:extLst>
-      <p:ext uri="{BB962C8B-B14F-4D97-AF65-F5344CB8AC3E}">
-        <p14:creationId xmlns:p14="http://schemas.microsoft.com/office/powerpoint/2010/main" val="1901509239"/>
-      </p:ext>
-    </p:extLst>
-  </p:cSld>
-  <p:clrMapOvr>
-    <a:masterClrMapping/>
-  </p:clrMapOvr>
-</p:sldLayout>
-</file>
-
-<file path=ppt/slideLayouts/slideLayout6.xml><?xml version="1.0" encoding="utf-8"?>
-<p:sldLayout xmlns:a="http://schemas.openxmlformats.org/drawingml/2006/main" xmlns:r="http://schemas.openxmlformats.org/officeDocument/2006/relationships" xmlns:p="http://schemas.openxmlformats.org/presentationml/2006/main" matchingName="Quote">
-  <p:cSld name="Quote">
-    <p:spTree>
-      <p:nvGrpSpPr>
-        <p:cNvPr id="1" name="Shape 16"/>
-        <p:cNvGrpSpPr/>
-        <p:nvPr/>
-      </p:nvGrpSpPr>
-      <p:grpSpPr>
-        <a:xfrm>
-          <a:off x="0" y="0"/>
-          <a:ext cx="0" cy="0"/>
-          <a:chOff x="0" y="0"/>
-          <a:chExt cx="0" cy="0"/>
-        </a:xfrm>
-      </p:grpSpPr>
-      <p:sp>
-        <p:nvSpPr>
-          <p:cNvPr id="17" name="Google Shape;17;p4"/>
-          <p:cNvSpPr/>
-          <p:nvPr/>
-        </p:nvSpPr>
-        <p:spPr>
-          <a:xfrm>
-            <a:off x="4229046" y="1045786"/>
-            <a:ext cx="685800" cy="653700"/>
-          </a:xfrm>
-          <a:prstGeom prst="ellipse">
-            <a:avLst/>
-          </a:prstGeom>
-          <a:solidFill>
-            <a:schemeClr val="accent1"/>
-          </a:solidFill>
-          <a:ln>
-            <a:noFill/>
-          </a:ln>
-        </p:spPr>
-        <p:txBody>
-          <a:bodyPr spcFirstLastPara="1" wrap="square" lIns="91425" tIns="91425" rIns="91425" bIns="91425" anchor="ctr" anchorCtr="0">
-            <a:noAutofit/>
-          </a:bodyPr>
-          <a:lstStyle/>
-          <a:p>
-            <a:pPr marL="0" lvl="0" indent="0" algn="l" rtl="0">
-              <a:spcBef>
-                <a:spcPts val="0"/>
-              </a:spcBef>
-              <a:spcAft>
-                <a:spcPts val="0"/>
-              </a:spcAft>
-              <a:buNone/>
-            </a:pPr>
-            <a:endParaRPr/>
-          </a:p>
-        </p:txBody>
-      </p:sp>
-      <p:sp>
-        <p:nvSpPr>
-          <p:cNvPr id="18" name="Google Shape;18;p4"/>
-          <p:cNvSpPr txBox="1">
-            <a:spLocks noGrp="1"/>
-          </p:cNvSpPr>
-          <p:nvPr>
-            <p:ph type="body" idx="1"/>
-          </p:nvPr>
-        </p:nvSpPr>
-        <p:spPr>
-          <a:xfrm>
-            <a:off x="1555350" y="1818900"/>
-            <a:ext cx="6033300" cy="819900"/>
-          </a:xfrm>
-          <a:prstGeom prst="rect">
-            <a:avLst/>
-          </a:prstGeom>
-        </p:spPr>
-        <p:txBody>
-          <a:bodyPr spcFirstLastPara="1" wrap="square" lIns="91425" tIns="91425" rIns="91425" bIns="91425" anchor="t" anchorCtr="0">
-            <a:noAutofit/>
-          </a:bodyPr>
-          <a:lstStyle>
-            <a:lvl1pPr marL="457200" lvl="0" indent="-419100" algn="ctr" rtl="0">
-              <a:lnSpc>
-                <a:spcPct val="100000"/>
-              </a:lnSpc>
-              <a:spcBef>
-                <a:spcPts val="600"/>
-              </a:spcBef>
-              <a:spcAft>
-                <a:spcPts val="0"/>
-              </a:spcAft>
-              <a:buClr>
-                <a:schemeClr val="accent1"/>
-              </a:buClr>
-              <a:buSzPts val="3000"/>
-              <a:buChar char="○"/>
-              <a:defRPr sz="3000" i="1">
-                <a:solidFill>
-                  <a:schemeClr val="accent1"/>
-                </a:solidFill>
-              </a:defRPr>
-            </a:lvl1pPr>
-            <a:lvl2pPr marL="914400" lvl="1" indent="-419100" algn="ctr" rtl="0">
-              <a:lnSpc>
-                <a:spcPct val="100000"/>
-              </a:lnSpc>
-              <a:spcBef>
-                <a:spcPts val="0"/>
-              </a:spcBef>
-              <a:spcAft>
-                <a:spcPts val="0"/>
-              </a:spcAft>
-              <a:buClr>
-                <a:schemeClr val="accent1"/>
-              </a:buClr>
-              <a:buSzPts val="3000"/>
-              <a:buChar char="□"/>
-              <a:defRPr sz="3000" i="1">
-                <a:solidFill>
-                  <a:schemeClr val="accent1"/>
-                </a:solidFill>
-              </a:defRPr>
-            </a:lvl2pPr>
-            <a:lvl3pPr marL="1371600" lvl="2" indent="-419100" algn="ctr" rtl="0">
-              <a:lnSpc>
-                <a:spcPct val="100000"/>
-              </a:lnSpc>
-              <a:spcBef>
-                <a:spcPts val="0"/>
-              </a:spcBef>
-              <a:spcAft>
-                <a:spcPts val="0"/>
-              </a:spcAft>
-              <a:buClr>
-                <a:schemeClr val="accent1"/>
-              </a:buClr>
-              <a:buSzPts val="3000"/>
-              <a:buChar char="○"/>
-              <a:defRPr sz="3000" i="1">
-                <a:solidFill>
-                  <a:schemeClr val="accent1"/>
-                </a:solidFill>
-              </a:defRPr>
-            </a:lvl3pPr>
-            <a:lvl4pPr marL="1828800" lvl="3" indent="-419100" algn="ctr" rtl="0">
-              <a:lnSpc>
-                <a:spcPct val="100000"/>
-              </a:lnSpc>
-              <a:spcBef>
-                <a:spcPts val="0"/>
-              </a:spcBef>
-              <a:spcAft>
-                <a:spcPts val="0"/>
-              </a:spcAft>
-              <a:buClr>
-                <a:schemeClr val="accent1"/>
-              </a:buClr>
-              <a:buSzPts val="3000"/>
-              <a:buChar char="□"/>
-              <a:defRPr sz="3000" i="1">
-                <a:solidFill>
-                  <a:schemeClr val="accent1"/>
-                </a:solidFill>
-              </a:defRPr>
-            </a:lvl4pPr>
-            <a:lvl5pPr marL="2286000" lvl="4" indent="-419100" algn="ctr" rtl="0">
-              <a:lnSpc>
-                <a:spcPct val="100000"/>
-              </a:lnSpc>
-              <a:spcBef>
-                <a:spcPts val="0"/>
-              </a:spcBef>
-              <a:spcAft>
-                <a:spcPts val="0"/>
-              </a:spcAft>
-              <a:buClr>
-                <a:schemeClr val="accent1"/>
-              </a:buClr>
-              <a:buSzPts val="3000"/>
-              <a:buChar char="○"/>
-              <a:defRPr sz="3000" i="1">
-                <a:solidFill>
-                  <a:schemeClr val="accent1"/>
-                </a:solidFill>
-              </a:defRPr>
-            </a:lvl5pPr>
-            <a:lvl6pPr marL="2743200" lvl="5" indent="-419100" algn="ctr" rtl="0">
-              <a:lnSpc>
-                <a:spcPct val="100000"/>
-              </a:lnSpc>
-              <a:spcBef>
-                <a:spcPts val="0"/>
-              </a:spcBef>
-              <a:spcAft>
-                <a:spcPts val="0"/>
-              </a:spcAft>
-              <a:buClr>
-                <a:schemeClr val="accent1"/>
-              </a:buClr>
-              <a:buSzPts val="3000"/>
-              <a:buChar char="■"/>
-              <a:defRPr sz="3000" i="1">
-                <a:solidFill>
-                  <a:schemeClr val="accent1"/>
-                </a:solidFill>
-              </a:defRPr>
-            </a:lvl6pPr>
-            <a:lvl7pPr marL="3200400" lvl="6" indent="-419100" algn="ctr" rtl="0">
-              <a:lnSpc>
-                <a:spcPct val="100000"/>
-              </a:lnSpc>
-              <a:spcBef>
-                <a:spcPts val="0"/>
-              </a:spcBef>
-              <a:spcAft>
-                <a:spcPts val="0"/>
-              </a:spcAft>
-              <a:buClr>
-                <a:schemeClr val="accent1"/>
-              </a:buClr>
-              <a:buSzPts val="3000"/>
-              <a:buChar char="●"/>
-              <a:defRPr sz="3000" i="1">
-                <a:solidFill>
-                  <a:schemeClr val="accent1"/>
-                </a:solidFill>
-              </a:defRPr>
-            </a:lvl7pPr>
-            <a:lvl8pPr marL="3657600" lvl="7" indent="-419100" algn="ctr" rtl="0">
-              <a:lnSpc>
-                <a:spcPct val="100000"/>
-              </a:lnSpc>
-              <a:spcBef>
-                <a:spcPts val="0"/>
-              </a:spcBef>
-              <a:spcAft>
-                <a:spcPts val="0"/>
-              </a:spcAft>
-              <a:buClr>
-                <a:schemeClr val="accent1"/>
-              </a:buClr>
-              <a:buSzPts val="3000"/>
-              <a:buChar char="○"/>
-              <a:defRPr sz="3000" i="1">
-                <a:solidFill>
-                  <a:schemeClr val="accent1"/>
-                </a:solidFill>
-              </a:defRPr>
-            </a:lvl8pPr>
-            <a:lvl9pPr marL="4114800" lvl="8" indent="-419100" algn="ctr">
-              <a:lnSpc>
-                <a:spcPct val="100000"/>
-              </a:lnSpc>
-              <a:spcBef>
-                <a:spcPts val="0"/>
-              </a:spcBef>
-              <a:spcAft>
-                <a:spcPts val="0"/>
-              </a:spcAft>
-              <a:buClr>
-                <a:schemeClr val="accent1"/>
-              </a:buClr>
-              <a:buSzPts val="3000"/>
-              <a:buChar char="■"/>
-              <a:defRPr sz="3000" i="1">
-                <a:solidFill>
-                  <a:schemeClr val="accent1"/>
-                </a:solidFill>
-              </a:defRPr>
-            </a:lvl9pPr>
-          </a:lstStyle>
-          <a:p>
-            <a:endParaRPr/>
-          </a:p>
-        </p:txBody>
-      </p:sp>
-      <p:sp>
-        <p:nvSpPr>
-          <p:cNvPr id="19" name="Google Shape;19;p4"/>
-          <p:cNvSpPr txBox="1"/>
-          <p:nvPr/>
-        </p:nvSpPr>
-        <p:spPr>
-          <a:xfrm>
-            <a:off x="3801800" y="854771"/>
-            <a:ext cx="1540500" cy="653700"/>
-          </a:xfrm>
-          <a:prstGeom prst="rect">
-            <a:avLst/>
-          </a:prstGeom>
-          <a:noFill/>
-          <a:ln>
-            <a:noFill/>
-          </a:ln>
-        </p:spPr>
-        <p:txBody>
-          <a:bodyPr spcFirstLastPara="1" wrap="square" lIns="91425" tIns="91425" rIns="91425" bIns="91425" anchor="t" anchorCtr="0">
-            <a:noAutofit/>
-          </a:bodyPr>
-          <a:lstStyle/>
-          <a:p>
-            <a:pPr marL="0" lvl="0" indent="0" algn="ctr" rtl="0">
-              <a:spcBef>
-                <a:spcPts val="0"/>
-              </a:spcBef>
-              <a:spcAft>
-                <a:spcPts val="0"/>
-              </a:spcAft>
-              <a:buNone/>
-            </a:pPr>
-            <a:r>
-              <a:rPr lang="en" sz="9600">
-                <a:solidFill>
-                  <a:schemeClr val="lt2"/>
-                </a:solidFill>
-                <a:latin typeface="Montserrat"/>
-                <a:ea typeface="Montserrat"/>
-                <a:cs typeface="Montserrat"/>
-                <a:sym typeface="Montserrat"/>
-              </a:rPr>
-              <a:t>“</a:t>
-            </a:r>
-            <a:endParaRPr sz="9600">
-              <a:solidFill>
-                <a:schemeClr val="lt2"/>
-              </a:solidFill>
-              <a:latin typeface="Montserrat"/>
-              <a:ea typeface="Montserrat"/>
-              <a:cs typeface="Montserrat"/>
-              <a:sym typeface="Montserrat"/>
-            </a:endParaRPr>
-          </a:p>
-        </p:txBody>
-      </p:sp>
-      <p:sp>
-        <p:nvSpPr>
-          <p:cNvPr id="20" name="Google Shape;20;p4"/>
-          <p:cNvSpPr txBox="1">
-            <a:spLocks noGrp="1"/>
-          </p:cNvSpPr>
-          <p:nvPr>
-            <p:ph type="sldNum" idx="12"/>
-          </p:nvPr>
-        </p:nvSpPr>
-        <p:spPr>
-          <a:xfrm>
-            <a:off x="4297650" y="4749851"/>
-            <a:ext cx="548700" cy="393600"/>
-          </a:xfrm>
-          <a:prstGeom prst="rect">
-            <a:avLst/>
-          </a:prstGeom>
-        </p:spPr>
-        <p:txBody>
-          <a:bodyPr spcFirstLastPara="1" wrap="square" lIns="91425" tIns="91425" rIns="91425" bIns="91425" anchor="t" anchorCtr="0">
-            <a:noAutofit/>
-          </a:bodyPr>
-          <a:lstStyle>
-            <a:lvl1pPr lvl="0">
-              <a:buNone/>
-              <a:defRPr>
-                <a:solidFill>
-                  <a:srgbClr val="8F7B87"/>
-                </a:solidFill>
-              </a:defRPr>
-            </a:lvl1pPr>
-            <a:lvl2pPr lvl="1">
-              <a:buNone/>
-              <a:defRPr>
-                <a:solidFill>
-                  <a:srgbClr val="8F7B87"/>
-                </a:solidFill>
-              </a:defRPr>
-            </a:lvl2pPr>
-            <a:lvl3pPr lvl="2">
-              <a:buNone/>
-              <a:defRPr>
-                <a:solidFill>
-                  <a:srgbClr val="8F7B87"/>
-                </a:solidFill>
-              </a:defRPr>
-            </a:lvl3pPr>
-            <a:lvl4pPr lvl="3">
-              <a:buNone/>
-              <a:defRPr>
-                <a:solidFill>
-                  <a:srgbClr val="8F7B87"/>
-                </a:solidFill>
-              </a:defRPr>
-            </a:lvl4pPr>
-            <a:lvl5pPr lvl="4">
-              <a:buNone/>
-              <a:defRPr>
-                <a:solidFill>
-                  <a:srgbClr val="8F7B87"/>
-                </a:solidFill>
-              </a:defRPr>
-            </a:lvl5pPr>
-            <a:lvl6pPr lvl="5">
-              <a:buNone/>
-              <a:defRPr>
-                <a:solidFill>
-                  <a:srgbClr val="8F7B87"/>
-                </a:solidFill>
-              </a:defRPr>
-            </a:lvl6pPr>
-            <a:lvl7pPr lvl="6">
-              <a:buNone/>
-              <a:defRPr>
-                <a:solidFill>
-                  <a:srgbClr val="8F7B87"/>
-                </a:solidFill>
-              </a:defRPr>
-            </a:lvl7pPr>
-            <a:lvl8pPr lvl="7">
-              <a:buNone/>
-              <a:defRPr>
-                <a:solidFill>
-                  <a:srgbClr val="8F7B87"/>
-                </a:solidFill>
-              </a:defRPr>
-            </a:lvl8pPr>
-            <a:lvl9pPr lvl="8">
-              <a:buNone/>
-              <a:defRPr>
-                <a:solidFill>
-                  <a:srgbClr val="8F7B87"/>
-                </a:solidFill>
-              </a:defRPr>
-            </a:lvl9pPr>
-          </a:lstStyle>
-          <a:p>
-            <a:pPr marL="0" lvl="0" indent="0" algn="ctr" rtl="0">
-              <a:spcBef>
-                <a:spcPts val="0"/>
-              </a:spcBef>
-              <a:spcAft>
-                <a:spcPts val="0"/>
-              </a:spcAft>
-              <a:buNone/>
-            </a:pPr>
-            <a:fld id="{00000000-1234-1234-1234-123412341234}" type="slidenum">
-              <a:rPr lang="en"/>
-              <a:t>‹Nº›</a:t>
-            </a:fld>
-            <a:endParaRPr/>
-          </a:p>
-        </p:txBody>
-      </p:sp>
-    </p:spTree>
-    <p:extLst>
-      <p:ext uri="{BB962C8B-B14F-4D97-AF65-F5344CB8AC3E}">
-        <p14:creationId xmlns:p14="http://schemas.microsoft.com/office/powerpoint/2010/main" val="3265195077"/>
-      </p:ext>
-    </p:extLst>
-  </p:cSld>
-  <p:clrMapOvr>
-    <a:masterClrMapping/>
-  </p:clrMapOvr>
-</p:sldLayout>
-</file>
-
-<file path=ppt/slideLayouts/slideLayout7.xml><?xml version="1.0" encoding="utf-8"?>
-<p:sldLayout xmlns:a="http://schemas.openxmlformats.org/drawingml/2006/main" xmlns:r="http://schemas.openxmlformats.org/officeDocument/2006/relationships" xmlns:p="http://schemas.openxmlformats.org/presentationml/2006/main" matchingName="Title + 1 column" type="tx">
-  <p:cSld name="Title + 1 column">
-    <p:spTree>
-      <p:nvGrpSpPr>
-        <p:cNvPr id="1" name="Shape 21"/>
-        <p:cNvGrpSpPr/>
-        <p:nvPr/>
-      </p:nvGrpSpPr>
-      <p:grpSpPr>
-        <a:xfrm>
-          <a:off x="0" y="0"/>
-          <a:ext cx="0" cy="0"/>
-          <a:chOff x="0" y="0"/>
-          <a:chExt cx="0" cy="0"/>
-        </a:xfrm>
-      </p:grpSpPr>
-      <p:sp>
-        <p:nvSpPr>
-          <p:cNvPr id="22" name="Google Shape;22;p5"/>
-          <p:cNvSpPr txBox="1">
-            <a:spLocks noGrp="1"/>
-          </p:cNvSpPr>
-          <p:nvPr>
-            <p:ph type="title"/>
-          </p:nvPr>
-        </p:nvSpPr>
-        <p:spPr>
-          <a:xfrm>
-            <a:off x="2318100" y="113175"/>
-            <a:ext cx="4507800" cy="857400"/>
-          </a:xfrm>
-          <a:prstGeom prst="rect">
-            <a:avLst/>
-          </a:prstGeom>
-        </p:spPr>
-        <p:txBody>
-          <a:bodyPr spcFirstLastPara="1" wrap="square" lIns="91425" tIns="91425" rIns="91425" bIns="91425" anchor="ctr" anchorCtr="0">
-            <a:noAutofit/>
-          </a:bodyPr>
-          <a:lstStyle>
-            <a:lvl1pPr lvl="0">
-              <a:spcBef>
-                <a:spcPts val="0"/>
-              </a:spcBef>
-              <a:spcAft>
-                <a:spcPts val="0"/>
-              </a:spcAft>
-              <a:buSzPts val="1600"/>
-              <a:buNone/>
-              <a:defRPr/>
-            </a:lvl1pPr>
-            <a:lvl2pPr lvl="1">
-              <a:spcBef>
-                <a:spcPts val="0"/>
-              </a:spcBef>
-              <a:spcAft>
-                <a:spcPts val="0"/>
-              </a:spcAft>
-              <a:buSzPts val="1600"/>
-              <a:buNone/>
-              <a:defRPr/>
-            </a:lvl2pPr>
-            <a:lvl3pPr lvl="2">
-              <a:spcBef>
-                <a:spcPts val="0"/>
-              </a:spcBef>
-              <a:spcAft>
-                <a:spcPts val="0"/>
-              </a:spcAft>
-              <a:buSzPts val="1600"/>
-              <a:buNone/>
-              <a:defRPr/>
-            </a:lvl3pPr>
-            <a:lvl4pPr lvl="3">
-              <a:spcBef>
-                <a:spcPts val="0"/>
-              </a:spcBef>
-              <a:spcAft>
-                <a:spcPts val="0"/>
-              </a:spcAft>
-              <a:buSzPts val="1600"/>
-              <a:buNone/>
-              <a:defRPr/>
-            </a:lvl4pPr>
-            <a:lvl5pPr lvl="4">
-              <a:spcBef>
-                <a:spcPts val="0"/>
-              </a:spcBef>
-              <a:spcAft>
-                <a:spcPts val="0"/>
-              </a:spcAft>
-              <a:buSzPts val="1600"/>
-              <a:buNone/>
-              <a:defRPr/>
-            </a:lvl5pPr>
-            <a:lvl6pPr lvl="5">
-              <a:spcBef>
-                <a:spcPts val="0"/>
-              </a:spcBef>
-              <a:spcAft>
-                <a:spcPts val="0"/>
-              </a:spcAft>
-              <a:buSzPts val="1600"/>
-              <a:buNone/>
-              <a:defRPr/>
-            </a:lvl6pPr>
-            <a:lvl7pPr lvl="6">
-              <a:spcBef>
-                <a:spcPts val="0"/>
-              </a:spcBef>
-              <a:spcAft>
-                <a:spcPts val="0"/>
-              </a:spcAft>
-              <a:buSzPts val="1600"/>
-              <a:buNone/>
-              <a:defRPr/>
-            </a:lvl7pPr>
-            <a:lvl8pPr lvl="7">
-              <a:spcBef>
-                <a:spcPts val="0"/>
-              </a:spcBef>
-              <a:spcAft>
-                <a:spcPts val="0"/>
-              </a:spcAft>
-              <a:buSzPts val="1600"/>
-              <a:buNone/>
-              <a:defRPr/>
-            </a:lvl8pPr>
-            <a:lvl9pPr lvl="8">
-              <a:spcBef>
-                <a:spcPts val="0"/>
-              </a:spcBef>
-              <a:spcAft>
-                <a:spcPts val="0"/>
-              </a:spcAft>
-              <a:buSzPts val="1600"/>
-              <a:buNone/>
-              <a:defRPr/>
-            </a:lvl9pPr>
-          </a:lstStyle>
-          <a:p>
-            <a:endParaRPr/>
-          </a:p>
-        </p:txBody>
-      </p:sp>
-      <p:sp>
-        <p:nvSpPr>
-          <p:cNvPr id="23" name="Google Shape;23;p5"/>
-          <p:cNvSpPr txBox="1">
-            <a:spLocks noGrp="1"/>
-          </p:cNvSpPr>
-          <p:nvPr>
-            <p:ph type="body" idx="1"/>
-          </p:nvPr>
-        </p:nvSpPr>
-        <p:spPr>
-          <a:xfrm>
-            <a:off x="617100" y="1269863"/>
-            <a:ext cx="7909800" cy="3215400"/>
-          </a:xfrm>
-          <a:prstGeom prst="rect">
-            <a:avLst/>
-          </a:prstGeom>
-        </p:spPr>
-        <p:txBody>
-          <a:bodyPr spcFirstLastPara="1" wrap="square" lIns="91425" tIns="91425" rIns="91425" bIns="91425" anchor="t" anchorCtr="0">
-            <a:noAutofit/>
-          </a:bodyPr>
-          <a:lstStyle>
-            <a:lvl1pPr marL="457200" lvl="0" indent="-381000">
-              <a:spcBef>
-                <a:spcPts val="600"/>
-              </a:spcBef>
-              <a:spcAft>
-                <a:spcPts val="0"/>
-              </a:spcAft>
-              <a:buSzPts val="2400"/>
-              <a:buChar char="○"/>
-              <a:defRPr/>
-            </a:lvl1pPr>
-            <a:lvl2pPr marL="914400" lvl="1" indent="-381000">
-              <a:spcBef>
-                <a:spcPts val="0"/>
-              </a:spcBef>
-              <a:spcAft>
-                <a:spcPts val="0"/>
-              </a:spcAft>
-              <a:buSzPts val="2400"/>
-              <a:buChar char="□"/>
-              <a:defRPr/>
-            </a:lvl2pPr>
-            <a:lvl3pPr marL="1371600" lvl="2" indent="-381000">
-              <a:spcBef>
-                <a:spcPts val="0"/>
-              </a:spcBef>
-              <a:spcAft>
-                <a:spcPts val="0"/>
-              </a:spcAft>
-              <a:buSzPts val="2400"/>
-              <a:buChar char="○"/>
-              <a:defRPr/>
-            </a:lvl3pPr>
-            <a:lvl4pPr marL="1828800" lvl="3" indent="-381000">
-              <a:spcBef>
-                <a:spcPts val="0"/>
-              </a:spcBef>
-              <a:spcAft>
-                <a:spcPts val="0"/>
-              </a:spcAft>
-              <a:buSzPts val="2400"/>
-              <a:buChar char="□"/>
-              <a:defRPr/>
-            </a:lvl4pPr>
-            <a:lvl5pPr marL="2286000" lvl="4" indent="-381000">
-              <a:spcBef>
-                <a:spcPts val="0"/>
-              </a:spcBef>
-              <a:spcAft>
-                <a:spcPts val="0"/>
-              </a:spcAft>
-              <a:buSzPts val="2400"/>
-              <a:buChar char="○"/>
-              <a:defRPr/>
-            </a:lvl5pPr>
-            <a:lvl6pPr marL="2743200" lvl="5" indent="-381000">
-              <a:spcBef>
-                <a:spcPts val="0"/>
-              </a:spcBef>
-              <a:spcAft>
-                <a:spcPts val="0"/>
-              </a:spcAft>
-              <a:buSzPts val="2400"/>
-              <a:buChar char="■"/>
-              <a:defRPr/>
-            </a:lvl6pPr>
-            <a:lvl7pPr marL="3200400" lvl="6" indent="-381000">
-              <a:spcBef>
-                <a:spcPts val="0"/>
-              </a:spcBef>
-              <a:spcAft>
-                <a:spcPts val="0"/>
-              </a:spcAft>
-              <a:buSzPts val="2400"/>
-              <a:buChar char="●"/>
-              <a:defRPr/>
-            </a:lvl7pPr>
-            <a:lvl8pPr marL="3657600" lvl="7" indent="-381000">
-              <a:spcBef>
-                <a:spcPts val="0"/>
-              </a:spcBef>
-              <a:spcAft>
-                <a:spcPts val="0"/>
-              </a:spcAft>
-              <a:buSzPts val="2400"/>
-              <a:buChar char="○"/>
-              <a:defRPr/>
-            </a:lvl8pPr>
-            <a:lvl9pPr marL="4114800" lvl="8" indent="-381000">
-              <a:spcBef>
-                <a:spcPts val="0"/>
-              </a:spcBef>
-              <a:spcAft>
-                <a:spcPts val="0"/>
-              </a:spcAft>
-              <a:buSzPts val="2400"/>
-              <a:buChar char="■"/>
-              <a:defRPr/>
-            </a:lvl9pPr>
-          </a:lstStyle>
-          <a:p>
-            <a:endParaRPr/>
-          </a:p>
-        </p:txBody>
-      </p:sp>
-      <p:cxnSp>
-        <p:nvCxnSpPr>
-          <p:cNvPr id="24" name="Google Shape;24;p5"/>
-          <p:cNvCxnSpPr/>
-          <p:nvPr/>
-        </p:nvCxnSpPr>
-        <p:spPr>
-          <a:xfrm rot="10800000">
-            <a:off x="-23700" y="541800"/>
-            <a:ext cx="2341800" cy="0"/>
-          </a:xfrm>
-          <a:prstGeom prst="straightConnector1">
-            <a:avLst/>
-          </a:prstGeom>
-          <a:noFill/>
-          <a:ln w="9525" cap="flat" cmpd="sng">
-            <a:solidFill>
-              <a:schemeClr val="dk2"/>
-            </a:solidFill>
-            <a:prstDash val="solid"/>
-            <a:round/>
-            <a:headEnd type="oval" w="med" len="med"/>
-            <a:tailEnd type="none" w="med" len="med"/>
-          </a:ln>
-        </p:spPr>
-      </p:cxnSp>
-      <p:cxnSp>
-        <p:nvCxnSpPr>
-          <p:cNvPr id="25" name="Google Shape;25;p5"/>
-          <p:cNvCxnSpPr/>
-          <p:nvPr/>
-        </p:nvCxnSpPr>
-        <p:spPr>
-          <a:xfrm>
-            <a:off x="6825900" y="541800"/>
-            <a:ext cx="2331300" cy="0"/>
-          </a:xfrm>
-          <a:prstGeom prst="straightConnector1">
-            <a:avLst/>
-          </a:prstGeom>
-          <a:noFill/>
-          <a:ln w="9525" cap="flat" cmpd="sng">
-            <a:solidFill>
-              <a:schemeClr val="dk2"/>
-            </a:solidFill>
-            <a:prstDash val="solid"/>
-            <a:round/>
-            <a:headEnd type="oval" w="med" len="med"/>
-            <a:tailEnd type="none" w="med" len="med"/>
-          </a:ln>
-        </p:spPr>
-      </p:cxnSp>
-      <p:sp>
-        <p:nvSpPr>
-          <p:cNvPr id="26" name="Google Shape;26;p5"/>
-          <p:cNvSpPr txBox="1">
-            <a:spLocks noGrp="1"/>
-          </p:cNvSpPr>
-          <p:nvPr>
-            <p:ph type="sldNum" idx="12"/>
-          </p:nvPr>
-        </p:nvSpPr>
-        <p:spPr>
-          <a:xfrm>
-            <a:off x="4297650" y="4749851"/>
-            <a:ext cx="548700" cy="393600"/>
-          </a:xfrm>
-          <a:prstGeom prst="rect">
-            <a:avLst/>
-          </a:prstGeom>
-        </p:spPr>
-        <p:txBody>
-          <a:bodyPr spcFirstLastPara="1" wrap="square" lIns="91425" tIns="91425" rIns="91425" bIns="91425" anchor="t" anchorCtr="0">
-            <a:noAutofit/>
-          </a:bodyPr>
-          <a:lstStyle>
-            <a:lvl1pPr lvl="0">
-              <a:buNone/>
-              <a:defRPr/>
-            </a:lvl1pPr>
-            <a:lvl2pPr lvl="1">
-              <a:buNone/>
-              <a:defRPr/>
-            </a:lvl2pPr>
-            <a:lvl3pPr lvl="2">
-              <a:buNone/>
-              <a:defRPr/>
-            </a:lvl3pPr>
-            <a:lvl4pPr lvl="3">
-              <a:buNone/>
-              <a:defRPr/>
-            </a:lvl4pPr>
-            <a:lvl5pPr lvl="4">
-              <a:buNone/>
-              <a:defRPr/>
-            </a:lvl5pPr>
-            <a:lvl6pPr lvl="5">
-              <a:buNone/>
-              <a:defRPr/>
-            </a:lvl6pPr>
-            <a:lvl7pPr lvl="6">
-              <a:buNone/>
-              <a:defRPr/>
-            </a:lvl7pPr>
-            <a:lvl8pPr lvl="7">
-              <a:buNone/>
-              <a:defRPr/>
-            </a:lvl8pPr>
-            <a:lvl9pPr lvl="8">
-              <a:buNone/>
-              <a:defRPr/>
-            </a:lvl9pPr>
-          </a:lstStyle>
-          <a:p>
-            <a:pPr marL="0" lvl="0" indent="0" algn="ctr" rtl="0">
-              <a:spcBef>
-                <a:spcPts val="0"/>
-              </a:spcBef>
-              <a:spcAft>
-                <a:spcPts val="0"/>
-              </a:spcAft>
-              <a:buNone/>
-            </a:pPr>
-            <a:fld id="{00000000-1234-1234-1234-123412341234}" type="slidenum">
-              <a:rPr lang="en"/>
-              <a:t>‹Nº›</a:t>
-            </a:fld>
-            <a:endParaRPr/>
-          </a:p>
-        </p:txBody>
-      </p:sp>
-    </p:spTree>
-    <p:extLst>
-      <p:ext uri="{BB962C8B-B14F-4D97-AF65-F5344CB8AC3E}">
-        <p14:creationId xmlns:p14="http://schemas.microsoft.com/office/powerpoint/2010/main" val="2823085983"/>
-      </p:ext>
-    </p:extLst>
-  </p:cSld>
-  <p:clrMapOvr>
-    <a:masterClrMapping/>
-  </p:clrMapOvr>
-</p:sldLayout>
-</file>
-
-<file path=ppt/slideLayouts/slideLayout8.xml><?xml version="1.0" encoding="utf-8"?>
-<p:sldLayout xmlns:a="http://schemas.openxmlformats.org/drawingml/2006/main" xmlns:r="http://schemas.openxmlformats.org/officeDocument/2006/relationships" xmlns:p="http://schemas.openxmlformats.org/presentationml/2006/main" matchingName="Title + 2 columns" type="twoColTx">
-  <p:cSld name="Title + 2 columns">
-    <p:spTree>
-      <p:nvGrpSpPr>
-        <p:cNvPr id="1" name="Shape 27"/>
-        <p:cNvGrpSpPr/>
-        <p:nvPr/>
-      </p:nvGrpSpPr>
-      <p:grpSpPr>
-        <a:xfrm>
-          <a:off x="0" y="0"/>
-          <a:ext cx="0" cy="0"/>
-          <a:chOff x="0" y="0"/>
-          <a:chExt cx="0" cy="0"/>
-        </a:xfrm>
-      </p:grpSpPr>
-      <p:sp>
-        <p:nvSpPr>
-          <p:cNvPr id="28" name="Google Shape;28;p6"/>
-          <p:cNvSpPr txBox="1">
-            <a:spLocks noGrp="1"/>
-          </p:cNvSpPr>
-          <p:nvPr>
-            <p:ph type="body" idx="1"/>
-          </p:nvPr>
-        </p:nvSpPr>
-        <p:spPr>
-          <a:xfrm>
-            <a:off x="626350" y="1346063"/>
-            <a:ext cx="3644400" cy="3204900"/>
-          </a:xfrm>
-          <a:prstGeom prst="rect">
-            <a:avLst/>
-          </a:prstGeom>
-        </p:spPr>
-        <p:txBody>
-          <a:bodyPr spcFirstLastPara="1" wrap="square" lIns="91425" tIns="91425" rIns="91425" bIns="91425" anchor="t" anchorCtr="0">
-            <a:noAutofit/>
-          </a:bodyPr>
-          <a:lstStyle>
-            <a:lvl1pPr marL="457200" lvl="0" indent="-355600">
-              <a:spcBef>
-                <a:spcPts val="600"/>
-              </a:spcBef>
-              <a:spcAft>
-                <a:spcPts val="0"/>
-              </a:spcAft>
-              <a:buSzPts val="2000"/>
-              <a:buChar char="○"/>
-              <a:defRPr sz="2000"/>
-            </a:lvl1pPr>
-            <a:lvl2pPr marL="914400" lvl="1" indent="-355600">
-              <a:spcBef>
-                <a:spcPts val="0"/>
-              </a:spcBef>
-              <a:spcAft>
-                <a:spcPts val="0"/>
-              </a:spcAft>
-              <a:buSzPts val="2000"/>
-              <a:buChar char="□"/>
-              <a:defRPr sz="2000"/>
-            </a:lvl2pPr>
-            <a:lvl3pPr marL="1371600" lvl="2" indent="-355600">
-              <a:spcBef>
-                <a:spcPts val="0"/>
-              </a:spcBef>
-              <a:spcAft>
-                <a:spcPts val="0"/>
-              </a:spcAft>
-              <a:buSzPts val="2000"/>
-              <a:buChar char="○"/>
-              <a:defRPr sz="2000"/>
-            </a:lvl3pPr>
-            <a:lvl4pPr marL="1828800" lvl="3" indent="-355600">
-              <a:spcBef>
-                <a:spcPts val="0"/>
-              </a:spcBef>
-              <a:spcAft>
-                <a:spcPts val="0"/>
-              </a:spcAft>
-              <a:buSzPts val="2000"/>
-              <a:buChar char="□"/>
-              <a:defRPr sz="2000"/>
-            </a:lvl4pPr>
-            <a:lvl5pPr marL="2286000" lvl="4" indent="-355600">
-              <a:spcBef>
-                <a:spcPts val="0"/>
-              </a:spcBef>
-              <a:spcAft>
-                <a:spcPts val="0"/>
-              </a:spcAft>
-              <a:buSzPts val="2000"/>
-              <a:buChar char="○"/>
-              <a:defRPr sz="2000"/>
-            </a:lvl5pPr>
-            <a:lvl6pPr marL="2743200" lvl="5" indent="-355600">
-              <a:spcBef>
-                <a:spcPts val="0"/>
-              </a:spcBef>
-              <a:spcAft>
-                <a:spcPts val="0"/>
-              </a:spcAft>
-              <a:buSzPts val="2000"/>
-              <a:buChar char="■"/>
-              <a:defRPr sz="2000"/>
-            </a:lvl6pPr>
-            <a:lvl7pPr marL="3200400" lvl="6" indent="-355600">
-              <a:spcBef>
-                <a:spcPts val="0"/>
-              </a:spcBef>
-              <a:spcAft>
-                <a:spcPts val="0"/>
-              </a:spcAft>
-              <a:buSzPts val="2000"/>
-              <a:buChar char="●"/>
-              <a:defRPr sz="2000"/>
-            </a:lvl7pPr>
-            <a:lvl8pPr marL="3657600" lvl="7" indent="-355600">
-              <a:spcBef>
-                <a:spcPts val="0"/>
-              </a:spcBef>
-              <a:spcAft>
-                <a:spcPts val="0"/>
-              </a:spcAft>
-              <a:buSzPts val="2000"/>
-              <a:buChar char="○"/>
-              <a:defRPr sz="2000"/>
-            </a:lvl8pPr>
-            <a:lvl9pPr marL="4114800" lvl="8" indent="-355600">
-              <a:spcBef>
-                <a:spcPts val="0"/>
-              </a:spcBef>
-              <a:spcAft>
-                <a:spcPts val="0"/>
-              </a:spcAft>
-              <a:buSzPts val="2000"/>
-              <a:buChar char="■"/>
-              <a:defRPr sz="2000"/>
-            </a:lvl9pPr>
-          </a:lstStyle>
-          <a:p>
-            <a:endParaRPr/>
-          </a:p>
-        </p:txBody>
-      </p:sp>
-      <p:sp>
-        <p:nvSpPr>
-          <p:cNvPr id="29" name="Google Shape;29;p6"/>
-          <p:cNvSpPr txBox="1">
-            <a:spLocks noGrp="1"/>
-          </p:cNvSpPr>
-          <p:nvPr>
-            <p:ph type="body" idx="2"/>
-          </p:nvPr>
-        </p:nvSpPr>
-        <p:spPr>
-          <a:xfrm>
-            <a:off x="4870698" y="1346063"/>
-            <a:ext cx="3644400" cy="3204900"/>
-          </a:xfrm>
-          <a:prstGeom prst="rect">
-            <a:avLst/>
-          </a:prstGeom>
-        </p:spPr>
-        <p:txBody>
-          <a:bodyPr spcFirstLastPara="1" wrap="square" lIns="91425" tIns="91425" rIns="91425" bIns="91425" anchor="t" anchorCtr="0">
-            <a:noAutofit/>
-          </a:bodyPr>
-          <a:lstStyle>
-            <a:lvl1pPr marL="457200" lvl="0" indent="-355600">
-              <a:spcBef>
-                <a:spcPts val="600"/>
-              </a:spcBef>
-              <a:spcAft>
-                <a:spcPts val="0"/>
-              </a:spcAft>
-              <a:buSzPts val="2000"/>
-              <a:buChar char="○"/>
-              <a:defRPr sz="2000"/>
-            </a:lvl1pPr>
-            <a:lvl2pPr marL="914400" lvl="1" indent="-355600">
-              <a:spcBef>
-                <a:spcPts val="0"/>
-              </a:spcBef>
-              <a:spcAft>
-                <a:spcPts val="0"/>
-              </a:spcAft>
-              <a:buSzPts val="2000"/>
-              <a:buChar char="□"/>
-              <a:defRPr sz="2000"/>
-            </a:lvl2pPr>
-            <a:lvl3pPr marL="1371600" lvl="2" indent="-355600">
-              <a:spcBef>
-                <a:spcPts val="0"/>
-              </a:spcBef>
-              <a:spcAft>
-                <a:spcPts val="0"/>
-              </a:spcAft>
-              <a:buSzPts val="2000"/>
-              <a:buChar char="○"/>
-              <a:defRPr sz="2000"/>
-            </a:lvl3pPr>
-            <a:lvl4pPr marL="1828800" lvl="3" indent="-355600">
-              <a:spcBef>
-                <a:spcPts val="0"/>
-              </a:spcBef>
-              <a:spcAft>
-                <a:spcPts val="0"/>
-              </a:spcAft>
-              <a:buSzPts val="2000"/>
-              <a:buChar char="□"/>
-              <a:defRPr sz="2000"/>
-            </a:lvl4pPr>
-            <a:lvl5pPr marL="2286000" lvl="4" indent="-355600">
-              <a:spcBef>
-                <a:spcPts val="0"/>
-              </a:spcBef>
-              <a:spcAft>
-                <a:spcPts val="0"/>
-              </a:spcAft>
-              <a:buSzPts val="2000"/>
-              <a:buChar char="○"/>
-              <a:defRPr sz="2000"/>
-            </a:lvl5pPr>
-            <a:lvl6pPr marL="2743200" lvl="5" indent="-355600">
-              <a:spcBef>
-                <a:spcPts val="0"/>
-              </a:spcBef>
-              <a:spcAft>
-                <a:spcPts val="0"/>
-              </a:spcAft>
-              <a:buSzPts val="2000"/>
-              <a:buChar char="■"/>
-              <a:defRPr sz="2000"/>
-            </a:lvl6pPr>
-            <a:lvl7pPr marL="3200400" lvl="6" indent="-355600">
-              <a:spcBef>
-                <a:spcPts val="0"/>
-              </a:spcBef>
-              <a:spcAft>
-                <a:spcPts val="0"/>
-              </a:spcAft>
-              <a:buSzPts val="2000"/>
-              <a:buChar char="●"/>
-              <a:defRPr sz="2000"/>
-            </a:lvl7pPr>
-            <a:lvl8pPr marL="3657600" lvl="7" indent="-355600">
-              <a:spcBef>
-                <a:spcPts val="0"/>
-              </a:spcBef>
-              <a:spcAft>
-                <a:spcPts val="0"/>
-              </a:spcAft>
-              <a:buSzPts val="2000"/>
-              <a:buChar char="○"/>
-              <a:defRPr sz="2000"/>
-            </a:lvl8pPr>
-            <a:lvl9pPr marL="4114800" lvl="8" indent="-355600">
-              <a:spcBef>
-                <a:spcPts val="0"/>
-              </a:spcBef>
-              <a:spcAft>
-                <a:spcPts val="0"/>
-              </a:spcAft>
-              <a:buSzPts val="2000"/>
-              <a:buChar char="■"/>
-              <a:defRPr sz="2000"/>
-            </a:lvl9pPr>
-          </a:lstStyle>
-          <a:p>
-            <a:endParaRPr/>
-          </a:p>
-        </p:txBody>
-      </p:sp>
-      <p:sp>
-        <p:nvSpPr>
-          <p:cNvPr id="30" name="Google Shape;30;p6"/>
-          <p:cNvSpPr txBox="1">
-            <a:spLocks noGrp="1"/>
-          </p:cNvSpPr>
-          <p:nvPr>
-            <p:ph type="title"/>
-          </p:nvPr>
-        </p:nvSpPr>
-        <p:spPr>
-          <a:xfrm>
-            <a:off x="2318100" y="113175"/>
-            <a:ext cx="4507800" cy="857400"/>
-          </a:xfrm>
-          <a:prstGeom prst="rect">
-            <a:avLst/>
-          </a:prstGeom>
-        </p:spPr>
-        <p:txBody>
-          <a:bodyPr spcFirstLastPara="1" wrap="square" lIns="91425" tIns="91425" rIns="91425" bIns="91425" anchor="ctr" anchorCtr="0">
-            <a:noAutofit/>
-          </a:bodyPr>
-          <a:lstStyle>
-            <a:lvl1pPr lvl="0" rtl="0">
-              <a:spcBef>
-                <a:spcPts val="0"/>
-              </a:spcBef>
-              <a:spcAft>
-                <a:spcPts val="0"/>
-              </a:spcAft>
-              <a:buSzPts val="1600"/>
-              <a:buNone/>
-              <a:defRPr/>
-            </a:lvl1pPr>
-            <a:lvl2pPr lvl="1" rtl="0">
-              <a:spcBef>
-                <a:spcPts val="0"/>
-              </a:spcBef>
-              <a:spcAft>
-                <a:spcPts val="0"/>
-              </a:spcAft>
-              <a:buSzPts val="1600"/>
-              <a:buNone/>
-              <a:defRPr/>
-            </a:lvl2pPr>
-            <a:lvl3pPr lvl="2" rtl="0">
-              <a:spcBef>
-                <a:spcPts val="0"/>
-              </a:spcBef>
-              <a:spcAft>
-                <a:spcPts val="0"/>
-              </a:spcAft>
-              <a:buSzPts val="1600"/>
-              <a:buNone/>
-              <a:defRPr/>
-            </a:lvl3pPr>
-            <a:lvl4pPr lvl="3" rtl="0">
-              <a:spcBef>
-                <a:spcPts val="0"/>
-              </a:spcBef>
-              <a:spcAft>
-                <a:spcPts val="0"/>
-              </a:spcAft>
-              <a:buSzPts val="1600"/>
-              <a:buNone/>
-              <a:defRPr/>
-            </a:lvl4pPr>
-            <a:lvl5pPr lvl="4" rtl="0">
-              <a:spcBef>
-                <a:spcPts val="0"/>
-              </a:spcBef>
-              <a:spcAft>
-                <a:spcPts val="0"/>
-              </a:spcAft>
-              <a:buSzPts val="1600"/>
-              <a:buNone/>
-              <a:defRPr/>
-            </a:lvl5pPr>
-            <a:lvl6pPr lvl="5" rtl="0">
-              <a:spcBef>
-                <a:spcPts val="0"/>
-              </a:spcBef>
-              <a:spcAft>
-                <a:spcPts val="0"/>
-              </a:spcAft>
-              <a:buSzPts val="1600"/>
-              <a:buNone/>
-              <a:defRPr/>
-            </a:lvl6pPr>
-            <a:lvl7pPr lvl="6" rtl="0">
-              <a:spcBef>
-                <a:spcPts val="0"/>
-              </a:spcBef>
-              <a:spcAft>
-                <a:spcPts val="0"/>
-              </a:spcAft>
-              <a:buSzPts val="1600"/>
-              <a:buNone/>
-              <a:defRPr/>
-            </a:lvl7pPr>
-            <a:lvl8pPr lvl="7" rtl="0">
-              <a:spcBef>
-                <a:spcPts val="0"/>
-              </a:spcBef>
-              <a:spcAft>
-                <a:spcPts val="0"/>
-              </a:spcAft>
-              <a:buSzPts val="1600"/>
-              <a:buNone/>
-              <a:defRPr/>
-            </a:lvl8pPr>
-            <a:lvl9pPr lvl="8" rtl="0">
-              <a:spcBef>
-                <a:spcPts val="0"/>
-              </a:spcBef>
-              <a:spcAft>
-                <a:spcPts val="0"/>
-              </a:spcAft>
-              <a:buSzPts val="1600"/>
-              <a:buNone/>
-              <a:defRPr/>
-            </a:lvl9pPr>
-          </a:lstStyle>
-          <a:p>
-            <a:endParaRPr/>
-          </a:p>
-        </p:txBody>
-      </p:sp>
-      <p:cxnSp>
-        <p:nvCxnSpPr>
-          <p:cNvPr id="31" name="Google Shape;31;p6"/>
-          <p:cNvCxnSpPr/>
-          <p:nvPr/>
-        </p:nvCxnSpPr>
-        <p:spPr>
-          <a:xfrm rot="10800000">
-            <a:off x="-23700" y="541800"/>
-            <a:ext cx="2341800" cy="0"/>
-          </a:xfrm>
-          <a:prstGeom prst="straightConnector1">
-            <a:avLst/>
-          </a:prstGeom>
-          <a:noFill/>
-          <a:ln w="9525" cap="flat" cmpd="sng">
-            <a:solidFill>
-              <a:schemeClr val="dk2"/>
-            </a:solidFill>
-            <a:prstDash val="solid"/>
-            <a:round/>
-            <a:headEnd type="oval" w="med" len="med"/>
-            <a:tailEnd type="none" w="med" len="med"/>
-          </a:ln>
-        </p:spPr>
-      </p:cxnSp>
-      <p:cxnSp>
-        <p:nvCxnSpPr>
-          <p:cNvPr id="32" name="Google Shape;32;p6"/>
-          <p:cNvCxnSpPr/>
-          <p:nvPr/>
-        </p:nvCxnSpPr>
-        <p:spPr>
-          <a:xfrm>
-            <a:off x="6825900" y="541800"/>
-            <a:ext cx="2331300" cy="0"/>
-          </a:xfrm>
-          <a:prstGeom prst="straightConnector1">
-            <a:avLst/>
-          </a:prstGeom>
-          <a:noFill/>
-          <a:ln w="9525" cap="flat" cmpd="sng">
-            <a:solidFill>
-              <a:schemeClr val="dk2"/>
-            </a:solidFill>
-            <a:prstDash val="solid"/>
-            <a:round/>
-            <a:headEnd type="oval" w="med" len="med"/>
-            <a:tailEnd type="none" w="med" len="med"/>
-          </a:ln>
-        </p:spPr>
-      </p:cxnSp>
-      <p:sp>
-        <p:nvSpPr>
-          <p:cNvPr id="33" name="Google Shape;33;p6"/>
-          <p:cNvSpPr txBox="1">
-            <a:spLocks noGrp="1"/>
-          </p:cNvSpPr>
-          <p:nvPr>
-            <p:ph type="sldNum" idx="12"/>
-          </p:nvPr>
-        </p:nvSpPr>
-        <p:spPr>
-          <a:xfrm>
-            <a:off x="4297650" y="4749851"/>
-            <a:ext cx="548700" cy="393600"/>
-          </a:xfrm>
-          <a:prstGeom prst="rect">
-            <a:avLst/>
-          </a:prstGeom>
-        </p:spPr>
-        <p:txBody>
-          <a:bodyPr spcFirstLastPara="1" wrap="square" lIns="91425" tIns="91425" rIns="91425" bIns="91425" anchor="t" anchorCtr="0">
-            <a:noAutofit/>
-          </a:bodyPr>
-          <a:lstStyle>
-            <a:lvl1pPr lvl="0">
-              <a:buNone/>
-              <a:defRPr/>
-            </a:lvl1pPr>
-            <a:lvl2pPr lvl="1">
-              <a:buNone/>
-              <a:defRPr/>
-            </a:lvl2pPr>
-            <a:lvl3pPr lvl="2">
-              <a:buNone/>
-              <a:defRPr/>
-            </a:lvl3pPr>
-            <a:lvl4pPr lvl="3">
-              <a:buNone/>
-              <a:defRPr/>
-            </a:lvl4pPr>
-            <a:lvl5pPr lvl="4">
-              <a:buNone/>
-              <a:defRPr/>
-            </a:lvl5pPr>
-            <a:lvl6pPr lvl="5">
-              <a:buNone/>
-              <a:defRPr/>
-            </a:lvl6pPr>
-            <a:lvl7pPr lvl="6">
-              <a:buNone/>
-              <a:defRPr/>
-            </a:lvl7pPr>
-            <a:lvl8pPr lvl="7">
-              <a:buNone/>
-              <a:defRPr/>
-            </a:lvl8pPr>
-            <a:lvl9pPr lvl="8">
-              <a:buNone/>
-              <a:defRPr/>
-            </a:lvl9pPr>
-          </a:lstStyle>
-          <a:p>
-            <a:pPr marL="0" lvl="0" indent="0" algn="ctr" rtl="0">
-              <a:spcBef>
-                <a:spcPts val="0"/>
-              </a:spcBef>
-              <a:spcAft>
-                <a:spcPts val="0"/>
-              </a:spcAft>
-              <a:buNone/>
-            </a:pPr>
-            <a:fld id="{00000000-1234-1234-1234-123412341234}" type="slidenum">
-              <a:rPr lang="en"/>
-              <a:t>‹Nº›</a:t>
-            </a:fld>
-            <a:endParaRPr/>
-          </a:p>
-        </p:txBody>
-      </p:sp>
-    </p:spTree>
-    <p:extLst>
-      <p:ext uri="{BB962C8B-B14F-4D97-AF65-F5344CB8AC3E}">
-        <p14:creationId xmlns:p14="http://schemas.microsoft.com/office/powerpoint/2010/main" val="3523835011"/>
-      </p:ext>
-    </p:extLst>
-  </p:cSld>
-  <p:clrMapOvr>
-    <a:masterClrMapping/>
-  </p:clrMapOvr>
-</p:sldLayout>
-</file>
-
-<file path=ppt/slideLayouts/slideLayout9.xml><?xml version="1.0" encoding="utf-8"?>
-<p:sldLayout xmlns:a="http://schemas.openxmlformats.org/drawingml/2006/main" xmlns:r="http://schemas.openxmlformats.org/officeDocument/2006/relationships" xmlns:p="http://schemas.openxmlformats.org/presentationml/2006/main" matchingName="Title + 3 columns">
-  <p:cSld name="Title + 3 columns">
-    <p:spTree>
-      <p:nvGrpSpPr>
-        <p:cNvPr id="1" name="Shape 34"/>
-        <p:cNvGrpSpPr/>
-        <p:nvPr/>
-      </p:nvGrpSpPr>
-      <p:grpSpPr>
-        <a:xfrm>
-          <a:off x="0" y="0"/>
-          <a:ext cx="0" cy="0"/>
-          <a:chOff x="0" y="0"/>
-          <a:chExt cx="0" cy="0"/>
-        </a:xfrm>
-      </p:grpSpPr>
-      <p:sp>
-        <p:nvSpPr>
-          <p:cNvPr id="35" name="Google Shape;35;p7"/>
-          <p:cNvSpPr txBox="1">
-            <a:spLocks noGrp="1"/>
-          </p:cNvSpPr>
-          <p:nvPr>
-            <p:ph type="body" idx="1"/>
-          </p:nvPr>
-        </p:nvSpPr>
-        <p:spPr>
-          <a:xfrm>
-            <a:off x="626350" y="1281750"/>
-            <a:ext cx="2547900" cy="3193200"/>
-          </a:xfrm>
-          <a:prstGeom prst="rect">
-            <a:avLst/>
-          </a:prstGeom>
-        </p:spPr>
-        <p:txBody>
-          <a:bodyPr spcFirstLastPara="1" wrap="square" lIns="91425" tIns="91425" rIns="91425" bIns="91425" anchor="t" anchorCtr="0">
-            <a:noAutofit/>
-          </a:bodyPr>
-          <a:lstStyle>
-            <a:lvl1pPr marL="457200" lvl="0" indent="-342900" rtl="0">
-              <a:spcBef>
-                <a:spcPts val="600"/>
-              </a:spcBef>
-              <a:spcAft>
-                <a:spcPts val="0"/>
-              </a:spcAft>
-              <a:buSzPts val="1800"/>
-              <a:buChar char="○"/>
-              <a:defRPr sz="1800"/>
-            </a:lvl1pPr>
-            <a:lvl2pPr marL="914400" lvl="1" indent="-342900" rtl="0">
-              <a:spcBef>
-                <a:spcPts val="0"/>
-              </a:spcBef>
-              <a:spcAft>
-                <a:spcPts val="0"/>
-              </a:spcAft>
-              <a:buSzPts val="1800"/>
-              <a:buChar char="□"/>
-              <a:defRPr sz="1800"/>
-            </a:lvl2pPr>
-            <a:lvl3pPr marL="1371600" lvl="2" indent="-342900" rtl="0">
-              <a:spcBef>
-                <a:spcPts val="0"/>
-              </a:spcBef>
-              <a:spcAft>
-                <a:spcPts val="0"/>
-              </a:spcAft>
-              <a:buSzPts val="1800"/>
-              <a:buChar char="○"/>
-              <a:defRPr sz="1800"/>
-            </a:lvl3pPr>
-            <a:lvl4pPr marL="1828800" lvl="3" indent="-342900" rtl="0">
-              <a:spcBef>
-                <a:spcPts val="0"/>
-              </a:spcBef>
-              <a:spcAft>
-                <a:spcPts val="0"/>
-              </a:spcAft>
-              <a:buSzPts val="1800"/>
-              <a:buChar char="□"/>
-              <a:defRPr sz="1800"/>
-            </a:lvl4pPr>
-            <a:lvl5pPr marL="2286000" lvl="4" indent="-342900" rtl="0">
-              <a:spcBef>
-                <a:spcPts val="0"/>
-              </a:spcBef>
-              <a:spcAft>
-                <a:spcPts val="0"/>
-              </a:spcAft>
-              <a:buSzPts val="1800"/>
-              <a:buChar char="○"/>
-              <a:defRPr sz="1800"/>
-            </a:lvl5pPr>
-            <a:lvl6pPr marL="2743200" lvl="5" indent="-342900" rtl="0">
-              <a:spcBef>
-                <a:spcPts val="0"/>
-              </a:spcBef>
-              <a:spcAft>
-                <a:spcPts val="0"/>
-              </a:spcAft>
-              <a:buSzPts val="1800"/>
-              <a:buChar char="■"/>
-              <a:defRPr sz="1800"/>
-            </a:lvl6pPr>
-            <a:lvl7pPr marL="3200400" lvl="6" indent="-342900" rtl="0">
-              <a:spcBef>
-                <a:spcPts val="0"/>
-              </a:spcBef>
-              <a:spcAft>
-                <a:spcPts val="0"/>
-              </a:spcAft>
-              <a:buSzPts val="1800"/>
-              <a:buChar char="●"/>
-              <a:defRPr sz="1800"/>
-            </a:lvl7pPr>
-            <a:lvl8pPr marL="3657600" lvl="7" indent="-342900" rtl="0">
-              <a:spcBef>
-                <a:spcPts val="0"/>
-              </a:spcBef>
-              <a:spcAft>
-                <a:spcPts val="0"/>
-              </a:spcAft>
-              <a:buSzPts val="1800"/>
-              <a:buChar char="○"/>
-              <a:defRPr sz="1800"/>
-            </a:lvl8pPr>
-            <a:lvl9pPr marL="4114800" lvl="8" indent="-342900" rtl="0">
-              <a:spcBef>
-                <a:spcPts val="0"/>
-              </a:spcBef>
-              <a:spcAft>
-                <a:spcPts val="0"/>
-              </a:spcAft>
-              <a:buSzPts val="1800"/>
-              <a:buChar char="■"/>
-              <a:defRPr sz="1800"/>
-            </a:lvl9pPr>
-          </a:lstStyle>
-          <a:p>
-            <a:endParaRPr/>
-          </a:p>
-        </p:txBody>
-      </p:sp>
-      <p:sp>
-        <p:nvSpPr>
-          <p:cNvPr id="36" name="Google Shape;36;p7"/>
-          <p:cNvSpPr txBox="1">
-            <a:spLocks noGrp="1"/>
-          </p:cNvSpPr>
-          <p:nvPr>
-            <p:ph type="body" idx="2"/>
-          </p:nvPr>
-        </p:nvSpPr>
-        <p:spPr>
-          <a:xfrm>
-            <a:off x="3304738" y="1281750"/>
-            <a:ext cx="2547900" cy="3193200"/>
-          </a:xfrm>
-          <a:prstGeom prst="rect">
-            <a:avLst/>
-          </a:prstGeom>
-        </p:spPr>
-        <p:txBody>
-          <a:bodyPr spcFirstLastPara="1" wrap="square" lIns="91425" tIns="91425" rIns="91425" bIns="91425" anchor="t" anchorCtr="0">
-            <a:noAutofit/>
-          </a:bodyPr>
-          <a:lstStyle>
-            <a:lvl1pPr marL="457200" lvl="0" indent="-342900" rtl="0">
-              <a:spcBef>
-                <a:spcPts val="600"/>
-              </a:spcBef>
-              <a:spcAft>
-                <a:spcPts val="0"/>
-              </a:spcAft>
-              <a:buSzPts val="1800"/>
-              <a:buChar char="○"/>
-              <a:defRPr sz="1800"/>
-            </a:lvl1pPr>
-            <a:lvl2pPr marL="914400" lvl="1" indent="-342900" rtl="0">
-              <a:spcBef>
-                <a:spcPts val="0"/>
-              </a:spcBef>
-              <a:spcAft>
-                <a:spcPts val="0"/>
-              </a:spcAft>
-              <a:buSzPts val="1800"/>
-              <a:buChar char="□"/>
-              <a:defRPr sz="1800"/>
-            </a:lvl2pPr>
-            <a:lvl3pPr marL="1371600" lvl="2" indent="-342900" rtl="0">
-              <a:spcBef>
-                <a:spcPts val="0"/>
-              </a:spcBef>
-              <a:spcAft>
-                <a:spcPts val="0"/>
-              </a:spcAft>
-              <a:buSzPts val="1800"/>
-              <a:buChar char="○"/>
-              <a:defRPr sz="1800"/>
-            </a:lvl3pPr>
-            <a:lvl4pPr marL="1828800" lvl="3" indent="-342900" rtl="0">
-              <a:spcBef>
-                <a:spcPts val="0"/>
-              </a:spcBef>
-              <a:spcAft>
-                <a:spcPts val="0"/>
-              </a:spcAft>
-              <a:buSzPts val="1800"/>
-              <a:buChar char="□"/>
-              <a:defRPr sz="1800"/>
-            </a:lvl4pPr>
-            <a:lvl5pPr marL="2286000" lvl="4" indent="-342900" rtl="0">
-              <a:spcBef>
-                <a:spcPts val="0"/>
-              </a:spcBef>
-              <a:spcAft>
-                <a:spcPts val="0"/>
-              </a:spcAft>
-              <a:buSzPts val="1800"/>
-              <a:buChar char="○"/>
-              <a:defRPr sz="1800"/>
-            </a:lvl5pPr>
-            <a:lvl6pPr marL="2743200" lvl="5" indent="-342900" rtl="0">
-              <a:spcBef>
-                <a:spcPts val="0"/>
-              </a:spcBef>
-              <a:spcAft>
-                <a:spcPts val="0"/>
-              </a:spcAft>
-              <a:buSzPts val="1800"/>
-              <a:buChar char="■"/>
-              <a:defRPr sz="1800"/>
-            </a:lvl6pPr>
-            <a:lvl7pPr marL="3200400" lvl="6" indent="-342900" rtl="0">
-              <a:spcBef>
-                <a:spcPts val="0"/>
-              </a:spcBef>
-              <a:spcAft>
-                <a:spcPts val="0"/>
-              </a:spcAft>
-              <a:buSzPts val="1800"/>
-              <a:buChar char="●"/>
-              <a:defRPr sz="1800"/>
-            </a:lvl7pPr>
-            <a:lvl8pPr marL="3657600" lvl="7" indent="-342900" rtl="0">
-              <a:spcBef>
-                <a:spcPts val="0"/>
-              </a:spcBef>
-              <a:spcAft>
-                <a:spcPts val="0"/>
-              </a:spcAft>
-              <a:buSzPts val="1800"/>
-              <a:buChar char="○"/>
-              <a:defRPr sz="1800"/>
-            </a:lvl8pPr>
-            <a:lvl9pPr marL="4114800" lvl="8" indent="-342900" rtl="0">
-              <a:spcBef>
-                <a:spcPts val="0"/>
-              </a:spcBef>
-              <a:spcAft>
-                <a:spcPts val="0"/>
-              </a:spcAft>
-              <a:buSzPts val="1800"/>
-              <a:buChar char="■"/>
-              <a:defRPr sz="1800"/>
-            </a:lvl9pPr>
-          </a:lstStyle>
-          <a:p>
-            <a:endParaRPr/>
-          </a:p>
-        </p:txBody>
-      </p:sp>
-      <p:sp>
-        <p:nvSpPr>
-          <p:cNvPr id="37" name="Google Shape;37;p7"/>
-          <p:cNvSpPr txBox="1">
-            <a:spLocks noGrp="1"/>
-          </p:cNvSpPr>
-          <p:nvPr>
-            <p:ph type="body" idx="3"/>
-          </p:nvPr>
-        </p:nvSpPr>
-        <p:spPr>
-          <a:xfrm>
-            <a:off x="5983125" y="1281750"/>
-            <a:ext cx="2547900" cy="3193200"/>
-          </a:xfrm>
-          <a:prstGeom prst="rect">
-            <a:avLst/>
-          </a:prstGeom>
-        </p:spPr>
-        <p:txBody>
-          <a:bodyPr spcFirstLastPara="1" wrap="square" lIns="91425" tIns="91425" rIns="91425" bIns="91425" anchor="t" anchorCtr="0">
-            <a:noAutofit/>
-          </a:bodyPr>
-          <a:lstStyle>
-            <a:lvl1pPr marL="457200" lvl="0" indent="-342900" rtl="0">
-              <a:spcBef>
-                <a:spcPts val="600"/>
-              </a:spcBef>
-              <a:spcAft>
-                <a:spcPts val="0"/>
-              </a:spcAft>
-              <a:buSzPts val="1800"/>
-              <a:buChar char="○"/>
-              <a:defRPr sz="1800"/>
-            </a:lvl1pPr>
-            <a:lvl2pPr marL="914400" lvl="1" indent="-342900" rtl="0">
-              <a:spcBef>
-                <a:spcPts val="0"/>
-              </a:spcBef>
-              <a:spcAft>
-                <a:spcPts val="0"/>
-              </a:spcAft>
-              <a:buSzPts val="1800"/>
-              <a:buChar char="□"/>
-              <a:defRPr sz="1800"/>
-            </a:lvl2pPr>
-            <a:lvl3pPr marL="1371600" lvl="2" indent="-342900" rtl="0">
-              <a:spcBef>
-                <a:spcPts val="0"/>
-              </a:spcBef>
-              <a:spcAft>
-                <a:spcPts val="0"/>
-              </a:spcAft>
-              <a:buSzPts val="1800"/>
-              <a:buChar char="○"/>
-              <a:defRPr sz="1800"/>
-            </a:lvl3pPr>
-            <a:lvl4pPr marL="1828800" lvl="3" indent="-342900" rtl="0">
-              <a:spcBef>
-                <a:spcPts val="0"/>
-              </a:spcBef>
-              <a:spcAft>
-                <a:spcPts val="0"/>
-              </a:spcAft>
-              <a:buSzPts val="1800"/>
-              <a:buChar char="□"/>
-              <a:defRPr sz="1800"/>
-            </a:lvl4pPr>
-            <a:lvl5pPr marL="2286000" lvl="4" indent="-342900" rtl="0">
-              <a:spcBef>
-                <a:spcPts val="0"/>
-              </a:spcBef>
-              <a:spcAft>
-                <a:spcPts val="0"/>
-              </a:spcAft>
-              <a:buSzPts val="1800"/>
-              <a:buChar char="○"/>
-              <a:defRPr sz="1800"/>
-            </a:lvl5pPr>
-            <a:lvl6pPr marL="2743200" lvl="5" indent="-342900" rtl="0">
-              <a:spcBef>
-                <a:spcPts val="0"/>
-              </a:spcBef>
-              <a:spcAft>
-                <a:spcPts val="0"/>
-              </a:spcAft>
-              <a:buSzPts val="1800"/>
-              <a:buChar char="■"/>
-              <a:defRPr sz="1800"/>
-            </a:lvl6pPr>
-            <a:lvl7pPr marL="3200400" lvl="6" indent="-342900" rtl="0">
-              <a:spcBef>
-                <a:spcPts val="0"/>
-              </a:spcBef>
-              <a:spcAft>
-                <a:spcPts val="0"/>
-              </a:spcAft>
-              <a:buSzPts val="1800"/>
-              <a:buChar char="●"/>
-              <a:defRPr sz="1800"/>
-            </a:lvl7pPr>
-            <a:lvl8pPr marL="3657600" lvl="7" indent="-342900" rtl="0">
-              <a:spcBef>
-                <a:spcPts val="0"/>
-              </a:spcBef>
-              <a:spcAft>
-                <a:spcPts val="0"/>
-              </a:spcAft>
-              <a:buSzPts val="1800"/>
-              <a:buChar char="○"/>
-              <a:defRPr sz="1800"/>
-            </a:lvl8pPr>
-            <a:lvl9pPr marL="4114800" lvl="8" indent="-342900" rtl="0">
-              <a:spcBef>
-                <a:spcPts val="0"/>
-              </a:spcBef>
-              <a:spcAft>
-                <a:spcPts val="0"/>
-              </a:spcAft>
-              <a:buSzPts val="1800"/>
-              <a:buChar char="■"/>
-              <a:defRPr sz="1800"/>
-            </a:lvl9pPr>
-          </a:lstStyle>
-          <a:p>
-            <a:endParaRPr/>
-          </a:p>
-        </p:txBody>
-      </p:sp>
-      <p:sp>
-        <p:nvSpPr>
-          <p:cNvPr id="38" name="Google Shape;38;p7"/>
-          <p:cNvSpPr txBox="1">
-            <a:spLocks noGrp="1"/>
-          </p:cNvSpPr>
-          <p:nvPr>
-            <p:ph type="title"/>
-          </p:nvPr>
-        </p:nvSpPr>
-        <p:spPr>
-          <a:xfrm>
-            <a:off x="2318100" y="113175"/>
-            <a:ext cx="4507800" cy="857400"/>
-          </a:xfrm>
-          <a:prstGeom prst="rect">
-            <a:avLst/>
-          </a:prstGeom>
-        </p:spPr>
-        <p:txBody>
-          <a:bodyPr spcFirstLastPara="1" wrap="square" lIns="91425" tIns="91425" rIns="91425" bIns="91425" anchor="ctr" anchorCtr="0">
-            <a:noAutofit/>
-          </a:bodyPr>
-          <a:lstStyle>
-            <a:lvl1pPr lvl="0" rtl="0">
-              <a:spcBef>
-                <a:spcPts val="0"/>
-              </a:spcBef>
-              <a:spcAft>
-                <a:spcPts val="0"/>
-              </a:spcAft>
-              <a:buSzPts val="1600"/>
-              <a:buNone/>
-              <a:defRPr/>
-            </a:lvl1pPr>
-            <a:lvl2pPr lvl="1" rtl="0">
-              <a:spcBef>
-                <a:spcPts val="0"/>
-              </a:spcBef>
-              <a:spcAft>
-                <a:spcPts val="0"/>
-              </a:spcAft>
-              <a:buSzPts val="1600"/>
-              <a:buNone/>
-              <a:defRPr/>
-            </a:lvl2pPr>
-            <a:lvl3pPr lvl="2" rtl="0">
-              <a:spcBef>
-                <a:spcPts val="0"/>
-              </a:spcBef>
-              <a:spcAft>
-                <a:spcPts val="0"/>
-              </a:spcAft>
-              <a:buSzPts val="1600"/>
-              <a:buNone/>
-              <a:defRPr/>
-            </a:lvl3pPr>
-            <a:lvl4pPr lvl="3" rtl="0">
-              <a:spcBef>
-                <a:spcPts val="0"/>
-              </a:spcBef>
-              <a:spcAft>
-                <a:spcPts val="0"/>
-              </a:spcAft>
-              <a:buSzPts val="1600"/>
-              <a:buNone/>
-              <a:defRPr/>
-            </a:lvl4pPr>
-            <a:lvl5pPr lvl="4" rtl="0">
-              <a:spcBef>
-                <a:spcPts val="0"/>
-              </a:spcBef>
-              <a:spcAft>
-                <a:spcPts val="0"/>
-              </a:spcAft>
-              <a:buSzPts val="1600"/>
-              <a:buNone/>
-              <a:defRPr/>
-            </a:lvl5pPr>
-            <a:lvl6pPr lvl="5" rtl="0">
-              <a:spcBef>
-                <a:spcPts val="0"/>
-              </a:spcBef>
-              <a:spcAft>
-                <a:spcPts val="0"/>
-              </a:spcAft>
-              <a:buSzPts val="1600"/>
-              <a:buNone/>
-              <a:defRPr/>
-            </a:lvl6pPr>
-            <a:lvl7pPr lvl="6" rtl="0">
-              <a:spcBef>
-                <a:spcPts val="0"/>
-              </a:spcBef>
-              <a:spcAft>
-                <a:spcPts val="0"/>
-              </a:spcAft>
-              <a:buSzPts val="1600"/>
-              <a:buNone/>
-              <a:defRPr/>
-            </a:lvl7pPr>
-            <a:lvl8pPr lvl="7" rtl="0">
-              <a:spcBef>
-                <a:spcPts val="0"/>
-              </a:spcBef>
-              <a:spcAft>
-                <a:spcPts val="0"/>
-              </a:spcAft>
-              <a:buSzPts val="1600"/>
-              <a:buNone/>
-              <a:defRPr/>
-            </a:lvl8pPr>
-            <a:lvl9pPr lvl="8" rtl="0">
-              <a:spcBef>
-                <a:spcPts val="0"/>
-              </a:spcBef>
-              <a:spcAft>
-                <a:spcPts val="0"/>
-              </a:spcAft>
-              <a:buSzPts val="1600"/>
-              <a:buNone/>
-              <a:defRPr/>
-            </a:lvl9pPr>
-          </a:lstStyle>
-          <a:p>
-            <a:endParaRPr/>
-          </a:p>
-        </p:txBody>
-      </p:sp>
-      <p:cxnSp>
-        <p:nvCxnSpPr>
-          <p:cNvPr id="39" name="Google Shape;39;p7"/>
-          <p:cNvCxnSpPr/>
-          <p:nvPr/>
-        </p:nvCxnSpPr>
-        <p:spPr>
-          <a:xfrm rot="10800000">
-            <a:off x="-23700" y="541800"/>
-            <a:ext cx="2341800" cy="0"/>
-          </a:xfrm>
-          <a:prstGeom prst="straightConnector1">
-            <a:avLst/>
-          </a:prstGeom>
-          <a:noFill/>
-          <a:ln w="9525" cap="flat" cmpd="sng">
-            <a:solidFill>
-              <a:schemeClr val="dk2"/>
-            </a:solidFill>
-            <a:prstDash val="solid"/>
-            <a:round/>
-            <a:headEnd type="oval" w="med" len="med"/>
-            <a:tailEnd type="none" w="med" len="med"/>
-          </a:ln>
-        </p:spPr>
-      </p:cxnSp>
-      <p:cxnSp>
-        <p:nvCxnSpPr>
-          <p:cNvPr id="40" name="Google Shape;40;p7"/>
-          <p:cNvCxnSpPr/>
-          <p:nvPr/>
-        </p:nvCxnSpPr>
-        <p:spPr>
-          <a:xfrm>
-            <a:off x="6825900" y="541800"/>
-            <a:ext cx="2331300" cy="0"/>
-          </a:xfrm>
-          <a:prstGeom prst="straightConnector1">
-            <a:avLst/>
-          </a:prstGeom>
-          <a:noFill/>
-          <a:ln w="9525" cap="flat" cmpd="sng">
-            <a:solidFill>
-              <a:schemeClr val="dk2"/>
-            </a:solidFill>
-            <a:prstDash val="solid"/>
-            <a:round/>
-            <a:headEnd type="oval" w="med" len="med"/>
-            <a:tailEnd type="none" w="med" len="med"/>
-          </a:ln>
-        </p:spPr>
-      </p:cxnSp>
-      <p:sp>
-        <p:nvSpPr>
-          <p:cNvPr id="41" name="Google Shape;41;p7"/>
-          <p:cNvSpPr txBox="1">
-            <a:spLocks noGrp="1"/>
-          </p:cNvSpPr>
-          <p:nvPr>
-            <p:ph type="sldNum" idx="12"/>
-          </p:nvPr>
-        </p:nvSpPr>
-        <p:spPr>
-          <a:xfrm>
-            <a:off x="4297650" y="4749851"/>
-            <a:ext cx="548700" cy="393600"/>
-          </a:xfrm>
-          <a:prstGeom prst="rect">
-            <a:avLst/>
-          </a:prstGeom>
-        </p:spPr>
-        <p:txBody>
-          <a:bodyPr spcFirstLastPara="1" wrap="square" lIns="91425" tIns="91425" rIns="91425" bIns="91425" anchor="t" anchorCtr="0">
-            <a:noAutofit/>
-          </a:bodyPr>
-          <a:lstStyle>
-            <a:lvl1pPr lvl="0">
-              <a:buNone/>
-              <a:defRPr/>
-            </a:lvl1pPr>
-            <a:lvl2pPr lvl="1">
-              <a:buNone/>
-              <a:defRPr/>
-            </a:lvl2pPr>
-            <a:lvl3pPr lvl="2">
-              <a:buNone/>
-              <a:defRPr/>
-            </a:lvl3pPr>
-            <a:lvl4pPr lvl="3">
-              <a:buNone/>
-              <a:defRPr/>
-            </a:lvl4pPr>
-            <a:lvl5pPr lvl="4">
-              <a:buNone/>
-              <a:defRPr/>
-            </a:lvl5pPr>
-            <a:lvl6pPr lvl="5">
-              <a:buNone/>
-              <a:defRPr/>
-            </a:lvl6pPr>
-            <a:lvl7pPr lvl="6">
-              <a:buNone/>
-              <a:defRPr/>
-            </a:lvl7pPr>
-            <a:lvl8pPr lvl="7">
-              <a:buNone/>
-              <a:defRPr/>
-            </a:lvl8pPr>
-            <a:lvl9pPr lvl="8">
-              <a:buNone/>
-              <a:defRPr/>
-            </a:lvl9pPr>
-          </a:lstStyle>
-          <a:p>
-            <a:pPr marL="0" lvl="0" indent="0" algn="ctr" rtl="0">
-              <a:spcBef>
-                <a:spcPts val="0"/>
-              </a:spcBef>
-              <a:spcAft>
-                <a:spcPts val="0"/>
-              </a:spcAft>
-              <a:buNone/>
-            </a:pPr>
-            <a:fld id="{00000000-1234-1234-1234-123412341234}" type="slidenum">
-              <a:rPr lang="en"/>
-              <a:t>‹Nº›</a:t>
-            </a:fld>
-            <a:endParaRPr/>
-          </a:p>
-        </p:txBody>
-      </p:sp>
-    </p:spTree>
-    <p:extLst>
-      <p:ext uri="{BB962C8B-B14F-4D97-AF65-F5344CB8AC3E}">
-        <p14:creationId xmlns:p14="http://schemas.microsoft.com/office/powerpoint/2010/main" val="2201637872"/>
-      </p:ext>
-    </p:extLst>
-  </p:cSld>
-  <p:clrMapOvr>
-    <a:masterClrMapping/>
-  </p:clrMapOvr>
-</p:sldLayout>
-</file>
-
 <file path=ppt/slideMasters/slideMaster1.xml><?xml version="1.0" encoding="utf-8"?>
 <p:sldMaster xmlns:a="http://schemas.openxmlformats.org/drawingml/2006/main" xmlns:r="http://schemas.openxmlformats.org/officeDocument/2006/relationships" xmlns:p="http://schemas.openxmlformats.org/presentationml/2006/main">
   <p:cSld name="simple-light">
     <p:bg>
       <p:bgPr>
         <a:blipFill>
-          <a:blip r:embed="rId5">
+          <a:blip r:embed="rId4">
             <a:alphaModFix/>
           </a:blip>
           <a:stretch>
@@ -6265,7 +5778,6 @@
   <p:sldLayoutIdLst>
     <p:sldLayoutId id="2147483648" r:id="rId1"/>
     <p:sldLayoutId id="2147483668" r:id="rId2"/>
-    <p:sldLayoutId id="2147483669" r:id="rId3"/>
   </p:sldLayoutIdLst>
   <p:transition>
     <p:fade thruBlk="1"/>
@@ -9182,111 +8694,6 @@
 <file path=ppt/slides/slide3.xml><?xml version="1.0" encoding="utf-8"?>
 <p:sld xmlns:a="http://schemas.openxmlformats.org/drawingml/2006/main" xmlns:r="http://schemas.openxmlformats.org/officeDocument/2006/relationships" xmlns:p="http://schemas.openxmlformats.org/presentationml/2006/main">
   <p:cSld>
-    <p:spTree>
-      <p:nvGrpSpPr>
-        <p:cNvPr id="1" name="Shape 80"/>
-        <p:cNvGrpSpPr/>
-        <p:nvPr/>
-      </p:nvGrpSpPr>
-      <p:grpSpPr>
-        <a:xfrm>
-          <a:off x="0" y="0"/>
-          <a:ext cx="0" cy="0"/>
-          <a:chOff x="0" y="0"/>
-          <a:chExt cx="0" cy="0"/>
-        </a:xfrm>
-      </p:grpSpPr>
-      <p:sp>
-        <p:nvSpPr>
-          <p:cNvPr id="81" name="Google Shape;81;p14"/>
-          <p:cNvSpPr txBox="1">
-            <a:spLocks noGrp="1"/>
-          </p:cNvSpPr>
-          <p:nvPr>
-            <p:ph type="ctrTitle"/>
-          </p:nvPr>
-        </p:nvSpPr>
-        <p:spPr>
-          <a:xfrm>
-            <a:off x="2600500" y="2040544"/>
-            <a:ext cx="5857800" cy="1159800"/>
-          </a:xfrm>
-          <a:prstGeom prst="rect">
-            <a:avLst/>
-          </a:prstGeom>
-        </p:spPr>
-        <p:txBody>
-          <a:bodyPr spcFirstLastPara="1" wrap="square" lIns="91425" tIns="91425" rIns="91425" bIns="91425" anchor="b" anchorCtr="0">
-            <a:noAutofit/>
-          </a:bodyPr>
-          <a:lstStyle/>
-          <a:p>
-            <a:pPr marL="0" lvl="0" indent="0" algn="l" rtl="0">
-              <a:spcBef>
-                <a:spcPts val="0"/>
-              </a:spcBef>
-              <a:spcAft>
-                <a:spcPts val="0"/>
-              </a:spcAft>
-              <a:buNone/>
-            </a:pPr>
-            <a:r>
-              <a:rPr lang="en" dirty="0"/>
-              <a:t>OBJETIVO GENERAL</a:t>
-            </a:r>
-            <a:endParaRPr dirty="0"/>
-          </a:p>
-        </p:txBody>
-      </p:sp>
-      <p:sp>
-        <p:nvSpPr>
-          <p:cNvPr id="82" name="Google Shape;82;p14"/>
-          <p:cNvSpPr txBox="1">
-            <a:spLocks noGrp="1"/>
-          </p:cNvSpPr>
-          <p:nvPr>
-            <p:ph type="subTitle" idx="1"/>
-          </p:nvPr>
-        </p:nvSpPr>
-        <p:spPr>
-          <a:xfrm>
-            <a:off x="2600400" y="3182963"/>
-            <a:ext cx="5857800" cy="784800"/>
-          </a:xfrm>
-          <a:prstGeom prst="rect">
-            <a:avLst/>
-          </a:prstGeom>
-        </p:spPr>
-        <p:txBody>
-          <a:bodyPr spcFirstLastPara="1" wrap="square" lIns="91425" tIns="91425" rIns="91425" bIns="91425" anchor="t" anchorCtr="0">
-            <a:noAutofit/>
-          </a:bodyPr>
-          <a:lstStyle/>
-          <a:p>
-            <a:pPr marL="0" lvl="0" indent="0" algn="just"/>
-            <a:r>
-              <a:rPr lang="es-EC" sz="1600" dirty="0"/>
-              <a:t>Optimizar el servicio de la Agenda Telefónica de la organización a fin de mejorar la experiencia y satisfacción de los usuarios finales.</a:t>
-            </a:r>
-          </a:p>
-        </p:txBody>
-      </p:sp>
-    </p:spTree>
-    <p:extLst>
-      <p:ext uri="{BB962C8B-B14F-4D97-AF65-F5344CB8AC3E}">
-        <p14:creationId xmlns:p14="http://schemas.microsoft.com/office/powerpoint/2010/main" val="14246382"/>
-      </p:ext>
-    </p:extLst>
-  </p:cSld>
-  <p:clrMapOvr>
-    <a:masterClrMapping/>
-  </p:clrMapOvr>
-</p:sld>
-</file>
-
-<file path=ppt/slides/slide4.xml><?xml version="1.0" encoding="utf-8"?>
-<p:sld xmlns:a="http://schemas.openxmlformats.org/drawingml/2006/main" xmlns:r="http://schemas.openxmlformats.org/officeDocument/2006/relationships" xmlns:p="http://schemas.openxmlformats.org/presentationml/2006/main">
-  <p:cSld>
     <p:bg>
       <p:bgPr>
         <a:solidFill>
@@ -9428,7 +8835,7 @@
                 <a:tabLst/>
                 <a:defRPr/>
               </a:pPr>
-              <a:t>4</a:t>
+              <a:t>3</a:t>
             </a:fld>
             <a:endParaRPr kumimoji="0" sz="1300" b="0" i="0" u="none" strike="noStrike" kern="0" cap="none" spc="0" normalizeH="0" baseline="0" noProof="0">
               <a:ln>
@@ -9705,7 +9112,7 @@
 </p:sld>
 </file>
 
-<file path=ppt/slides/slide5.xml><?xml version="1.0" encoding="utf-8"?>
+<file path=ppt/slides/slide4.xml><?xml version="1.0" encoding="utf-8"?>
 <p:sld xmlns:a="http://schemas.openxmlformats.org/drawingml/2006/main" xmlns:r="http://schemas.openxmlformats.org/officeDocument/2006/relationships" xmlns:p="http://schemas.openxmlformats.org/presentationml/2006/main">
   <p:cSld>
     <p:bg>
@@ -9840,7 +9247,7 @@
                 <a:tabLst/>
                 <a:defRPr/>
               </a:pPr>
-              <a:t>5</a:t>
+              <a:t>4</a:t>
             </a:fld>
             <a:endParaRPr kumimoji="0" sz="1300" b="0" i="0" u="none" strike="noStrike" kern="0" cap="none" spc="0" normalizeH="0" baseline="0" noProof="0">
               <a:ln>

--- a/group3/Grupo 3 - Proyecto.pptx
+++ b/group3/Grupo 3 - Proyecto.pptx
@@ -7912,7 +7912,7 @@
         </p:nvSpPr>
         <p:spPr>
           <a:xfrm>
-            <a:off x="591596" y="1779662"/>
+            <a:off x="539552" y="915566"/>
             <a:ext cx="7888800" cy="1231808"/>
           </a:xfrm>
           <a:prstGeom prst="rect">
@@ -7948,8 +7948,8 @@
         </p:nvSpPr>
         <p:spPr>
           <a:xfrm>
-            <a:off x="3347864" y="3507854"/>
-            <a:ext cx="2376264" cy="1368152"/>
+            <a:off x="1115616" y="3219822"/>
+            <a:ext cx="5080488" cy="1368152"/>
           </a:xfrm>
           <a:prstGeom prst="rect">
             <a:avLst/>
@@ -8296,7 +8296,7 @@
               <a:buChar char="•"/>
             </a:pPr>
             <a:r>
-              <a:rPr lang="en-US" sz="1600" b="1" dirty="0">
+              <a:rPr lang="en-US" sz="1600" b="1" dirty="0" smtClean="0">
                 <a:solidFill>
                   <a:schemeClr val="lt1"/>
                 </a:solidFill>
@@ -8304,10 +8304,19 @@
                 <a:ea typeface="Montserrat"/>
                 <a:cs typeface="Montserrat"/>
               </a:rPr>
-              <a:t>Andrés </a:t>
+              <a:t>Christian Apolinario</a:t>
             </a:r>
+          </a:p>
+          <a:p>
+            <a:pPr marL="285750" indent="-285750">
+              <a:spcBef>
+                <a:spcPts val="600"/>
+              </a:spcBef>
+              <a:buFont typeface="Arial" pitchFamily="34" charset="0"/>
+              <a:buChar char="•"/>
+            </a:pPr>
             <a:r>
-              <a:rPr lang="en-US" sz="1600" b="1" dirty="0" err="1">
+              <a:rPr lang="en-US" sz="1600" b="1" dirty="0" err="1" smtClean="0">
                 <a:solidFill>
                   <a:schemeClr val="lt1"/>
                 </a:solidFill>
@@ -8315,8 +8324,36 @@
                 <a:ea typeface="Montserrat"/>
                 <a:cs typeface="Montserrat"/>
               </a:rPr>
-              <a:t>Macancela</a:t>
+              <a:t>Jajayra</a:t>
             </a:r>
+            <a:r>
+              <a:rPr lang="en-US" sz="1600" b="1" dirty="0" smtClean="0">
+                <a:solidFill>
+                  <a:schemeClr val="lt1"/>
+                </a:solidFill>
+                <a:latin typeface="Montserrat"/>
+                <a:ea typeface="Montserrat"/>
+                <a:cs typeface="Montserrat"/>
+              </a:rPr>
+              <a:t> Castillo</a:t>
+            </a:r>
+            <a:endParaRPr lang="en-US" sz="1600" b="1" dirty="0" smtClean="0">
+              <a:solidFill>
+                <a:schemeClr val="lt1"/>
+              </a:solidFill>
+              <a:latin typeface="Montserrat"/>
+              <a:ea typeface="Montserrat"/>
+              <a:cs typeface="Montserrat"/>
+            </a:endParaRPr>
+          </a:p>
+          <a:p>
+            <a:pPr marL="285750" indent="-285750">
+              <a:spcBef>
+                <a:spcPts val="600"/>
+              </a:spcBef>
+              <a:buFont typeface="Arial" pitchFamily="34" charset="0"/>
+              <a:buChar char="•"/>
+            </a:pPr>
             <a:endParaRPr lang="en-US" sz="1600" b="1" dirty="0">
               <a:solidFill>
                 <a:schemeClr val="lt1"/>

--- a/group3/Grupo 3 - Proyecto.pptx
+++ b/group3/Grupo 3 - Proyecto.pptx
@@ -1190,7 +1190,7 @@
           <a:noFill/>
           <a:extLst>
             <a:ext uri="{909E8E84-426E-40dd-AFC4-6F175D3DCCD1}">
-              <a14:hiddenFill xmlns:a14="http://schemas.microsoft.com/office/drawing/2010/main" xmlns="">
+              <a14:hiddenFill xmlns="" xmlns:a14="http://schemas.microsoft.com/office/drawing/2010/main">
                 <a:solidFill>
                   <a:srgbClr val="FFFFFF"/>
                 </a:solidFill>
@@ -1250,7 +1250,7 @@
             </a:ln>
             <a:extLst>
               <a:ext uri="{91240B29-F687-4f45-9708-019B960494DF}">
-                <a14:hiddenLine xmlns:a14="http://schemas.microsoft.com/office/drawing/2010/main" xmlns="" w="9525">
+                <a14:hiddenLine xmlns="" xmlns:a14="http://schemas.microsoft.com/office/drawing/2010/main" w="9525">
                   <a:solidFill>
                     <a:srgbClr val="000000"/>
                   </a:solidFill>
@@ -1340,7 +1340,7 @@
             </a:ln>
             <a:extLst>
               <a:ext uri="{91240B29-F687-4f45-9708-019B960494DF}">
-                <a14:hiddenLine xmlns:a14="http://schemas.microsoft.com/office/drawing/2010/main" xmlns="" w="9525">
+                <a14:hiddenLine xmlns="" xmlns:a14="http://schemas.microsoft.com/office/drawing/2010/main" w="9525">
                   <a:solidFill>
                     <a:srgbClr val="000000"/>
                   </a:solidFill>
@@ -1430,7 +1430,7 @@
             </a:ln>
             <a:extLst>
               <a:ext uri="{91240B29-F687-4f45-9708-019B960494DF}">
-                <a14:hiddenLine xmlns:a14="http://schemas.microsoft.com/office/drawing/2010/main" xmlns="" w="9525">
+                <a14:hiddenLine xmlns="" xmlns:a14="http://schemas.microsoft.com/office/drawing/2010/main" w="9525">
                   <a:solidFill>
                     <a:srgbClr val="000000"/>
                   </a:solidFill>
@@ -1464,7 +1464,7 @@
             </a:ln>
             <a:extLst>
               <a:ext uri="{91240B29-F687-4f45-9708-019B960494DF}">
-                <a14:hiddenLine xmlns:a14="http://schemas.microsoft.com/office/drawing/2010/main" xmlns="" w="9525">
+                <a14:hiddenLine xmlns="" xmlns:a14="http://schemas.microsoft.com/office/drawing/2010/main" w="9525">
                   <a:solidFill>
                     <a:srgbClr val="000000"/>
                   </a:solidFill>
@@ -1554,7 +1554,7 @@
             </a:ln>
             <a:extLst>
               <a:ext uri="{91240B29-F687-4f45-9708-019B960494DF}">
-                <a14:hiddenLine xmlns:a14="http://schemas.microsoft.com/office/drawing/2010/main" xmlns="" w="9525">
+                <a14:hiddenLine xmlns="" xmlns:a14="http://schemas.microsoft.com/office/drawing/2010/main" w="9525">
                   <a:solidFill>
                     <a:srgbClr val="000000"/>
                   </a:solidFill>
@@ -1616,7 +1616,7 @@
             </a:ln>
             <a:extLst>
               <a:ext uri="{91240B29-F687-4f45-9708-019B960494DF}">
-                <a14:hiddenLine xmlns:a14="http://schemas.microsoft.com/office/drawing/2010/main" xmlns="" w="9525">
+                <a14:hiddenLine xmlns="" xmlns:a14="http://schemas.microsoft.com/office/drawing/2010/main" w="9525">
                   <a:solidFill>
                     <a:srgbClr val="000000"/>
                   </a:solidFill>
@@ -1678,7 +1678,7 @@
             </a:ln>
             <a:extLst>
               <a:ext uri="{91240B29-F687-4f45-9708-019B960494DF}">
-                <a14:hiddenLine xmlns:a14="http://schemas.microsoft.com/office/drawing/2010/main" xmlns="" w="9525">
+                <a14:hiddenLine xmlns="" xmlns:a14="http://schemas.microsoft.com/office/drawing/2010/main" w="9525">
                   <a:solidFill>
                     <a:srgbClr val="000000"/>
                   </a:solidFill>
@@ -1768,7 +1768,7 @@
             </a:ln>
             <a:extLst>
               <a:ext uri="{91240B29-F687-4f45-9708-019B960494DF}">
-                <a14:hiddenLine xmlns:a14="http://schemas.microsoft.com/office/drawing/2010/main" xmlns="" w="9525">
+                <a14:hiddenLine xmlns="" xmlns:a14="http://schemas.microsoft.com/office/drawing/2010/main" w="9525">
                   <a:solidFill>
                     <a:srgbClr val="000000"/>
                   </a:solidFill>
@@ -1830,7 +1830,7 @@
             </a:ln>
             <a:extLst>
               <a:ext uri="{91240B29-F687-4f45-9708-019B960494DF}">
-                <a14:hiddenLine xmlns:a14="http://schemas.microsoft.com/office/drawing/2010/main" xmlns="" w="9525">
+                <a14:hiddenLine xmlns="" xmlns:a14="http://schemas.microsoft.com/office/drawing/2010/main" w="9525">
                   <a:solidFill>
                     <a:srgbClr val="000000"/>
                   </a:solidFill>
@@ -1892,7 +1892,7 @@
             </a:ln>
             <a:extLst>
               <a:ext uri="{91240B29-F687-4f45-9708-019B960494DF}">
-                <a14:hiddenLine xmlns:a14="http://schemas.microsoft.com/office/drawing/2010/main" xmlns="" w="9525">
+                <a14:hiddenLine xmlns="" xmlns:a14="http://schemas.microsoft.com/office/drawing/2010/main" w="9525">
                   <a:solidFill>
                     <a:srgbClr val="000000"/>
                   </a:solidFill>
@@ -1982,7 +1982,7 @@
             </a:ln>
             <a:extLst>
               <a:ext uri="{91240B29-F687-4f45-9708-019B960494DF}">
-                <a14:hiddenLine xmlns:a14="http://schemas.microsoft.com/office/drawing/2010/main" xmlns="" w="9525">
+                <a14:hiddenLine xmlns="" xmlns:a14="http://schemas.microsoft.com/office/drawing/2010/main" w="9525">
                   <a:solidFill>
                     <a:srgbClr val="000000"/>
                   </a:solidFill>
@@ -2072,7 +2072,7 @@
             </a:ln>
             <a:extLst>
               <a:ext uri="{91240B29-F687-4f45-9708-019B960494DF}">
-                <a14:hiddenLine xmlns:a14="http://schemas.microsoft.com/office/drawing/2010/main" xmlns="" w="9525">
+                <a14:hiddenLine xmlns="" xmlns:a14="http://schemas.microsoft.com/office/drawing/2010/main" w="9525">
                   <a:solidFill>
                     <a:srgbClr val="000000"/>
                   </a:solidFill>
@@ -2134,7 +2134,7 @@
             </a:ln>
             <a:extLst>
               <a:ext uri="{91240B29-F687-4f45-9708-019B960494DF}">
-                <a14:hiddenLine xmlns:a14="http://schemas.microsoft.com/office/drawing/2010/main" xmlns="" w="9525">
+                <a14:hiddenLine xmlns="" xmlns:a14="http://schemas.microsoft.com/office/drawing/2010/main" w="9525">
                   <a:solidFill>
                     <a:srgbClr val="000000"/>
                   </a:solidFill>
@@ -2244,7 +2244,7 @@
             </a:ln>
             <a:extLst>
               <a:ext uri="{91240B29-F687-4f45-9708-019B960494DF}">
-                <a14:hiddenLine xmlns:a14="http://schemas.microsoft.com/office/drawing/2010/main" xmlns="" w="9525">
+                <a14:hiddenLine xmlns="" xmlns:a14="http://schemas.microsoft.com/office/drawing/2010/main" w="9525">
                   <a:solidFill>
                     <a:srgbClr val="000000"/>
                   </a:solidFill>
@@ -2306,7 +2306,7 @@
             </a:ln>
             <a:extLst>
               <a:ext uri="{91240B29-F687-4f45-9708-019B960494DF}">
-                <a14:hiddenLine xmlns:a14="http://schemas.microsoft.com/office/drawing/2010/main" xmlns="" w="9525">
+                <a14:hiddenLine xmlns="" xmlns:a14="http://schemas.microsoft.com/office/drawing/2010/main" w="9525">
                   <a:solidFill>
                     <a:srgbClr val="000000"/>
                   </a:solidFill>
@@ -2396,7 +2396,7 @@
             </a:ln>
             <a:extLst>
               <a:ext uri="{91240B29-F687-4f45-9708-019B960494DF}">
-                <a14:hiddenLine xmlns:a14="http://schemas.microsoft.com/office/drawing/2010/main" xmlns="" w="9525">
+                <a14:hiddenLine xmlns="" xmlns:a14="http://schemas.microsoft.com/office/drawing/2010/main" w="9525">
                   <a:solidFill>
                     <a:srgbClr val="000000"/>
                   </a:solidFill>
@@ -2486,7 +2486,7 @@
             </a:ln>
             <a:extLst>
               <a:ext uri="{91240B29-F687-4f45-9708-019B960494DF}">
-                <a14:hiddenLine xmlns:a14="http://schemas.microsoft.com/office/drawing/2010/main" xmlns="" w="9525">
+                <a14:hiddenLine xmlns="" xmlns:a14="http://schemas.microsoft.com/office/drawing/2010/main" w="9525">
                   <a:solidFill>
                     <a:srgbClr val="000000"/>
                   </a:solidFill>
@@ -2548,7 +2548,7 @@
             </a:ln>
             <a:extLst>
               <a:ext uri="{91240B29-F687-4f45-9708-019B960494DF}">
-                <a14:hiddenLine xmlns:a14="http://schemas.microsoft.com/office/drawing/2010/main" xmlns="" w="9525">
+                <a14:hiddenLine xmlns="" xmlns:a14="http://schemas.microsoft.com/office/drawing/2010/main" w="9525">
                   <a:solidFill>
                     <a:srgbClr val="000000"/>
                   </a:solidFill>
@@ -2638,7 +2638,7 @@
             </a:ln>
             <a:extLst>
               <a:ext uri="{91240B29-F687-4f45-9708-019B960494DF}">
-                <a14:hiddenLine xmlns:a14="http://schemas.microsoft.com/office/drawing/2010/main" xmlns="" w="9525">
+                <a14:hiddenLine xmlns="" xmlns:a14="http://schemas.microsoft.com/office/drawing/2010/main" w="9525">
                   <a:solidFill>
                     <a:srgbClr val="000000"/>
                   </a:solidFill>
@@ -2728,7 +2728,7 @@
             </a:ln>
             <a:extLst>
               <a:ext uri="{91240B29-F687-4f45-9708-019B960494DF}">
-                <a14:hiddenLine xmlns:a14="http://schemas.microsoft.com/office/drawing/2010/main" xmlns="" w="9525">
+                <a14:hiddenLine xmlns="" xmlns:a14="http://schemas.microsoft.com/office/drawing/2010/main" w="9525">
                   <a:solidFill>
                     <a:srgbClr val="000000"/>
                   </a:solidFill>
@@ -2784,7 +2784,7 @@
             </a:ln>
             <a:extLst>
               <a:ext uri="{91240B29-F687-4f45-9708-019B960494DF}">
-                <a14:hiddenLine xmlns:a14="http://schemas.microsoft.com/office/drawing/2010/main" xmlns="" w="9525">
+                <a14:hiddenLine xmlns="" xmlns:a14="http://schemas.microsoft.com/office/drawing/2010/main" w="9525">
                   <a:solidFill>
                     <a:srgbClr val="000000"/>
                   </a:solidFill>
@@ -2874,7 +2874,7 @@
             </a:ln>
             <a:extLst>
               <a:ext uri="{91240B29-F687-4f45-9708-019B960494DF}">
-                <a14:hiddenLine xmlns:a14="http://schemas.microsoft.com/office/drawing/2010/main" xmlns="" w="9525">
+                <a14:hiddenLine xmlns="" xmlns:a14="http://schemas.microsoft.com/office/drawing/2010/main" w="9525">
                   <a:solidFill>
                     <a:srgbClr val="000000"/>
                   </a:solidFill>
@@ -2930,7 +2930,7 @@
             </a:ln>
             <a:extLst>
               <a:ext uri="{91240B29-F687-4f45-9708-019B960494DF}">
-                <a14:hiddenLine xmlns:a14="http://schemas.microsoft.com/office/drawing/2010/main" xmlns="" w="9525">
+                <a14:hiddenLine xmlns="" xmlns:a14="http://schemas.microsoft.com/office/drawing/2010/main" w="9525">
                   <a:solidFill>
                     <a:srgbClr val="000000"/>
                   </a:solidFill>
@@ -3020,7 +3020,7 @@
             </a:ln>
             <a:extLst>
               <a:ext uri="{91240B29-F687-4f45-9708-019B960494DF}">
-                <a14:hiddenLine xmlns:a14="http://schemas.microsoft.com/office/drawing/2010/main" xmlns="" w="9525">
+                <a14:hiddenLine xmlns="" xmlns:a14="http://schemas.microsoft.com/office/drawing/2010/main" w="9525">
                   <a:solidFill>
                     <a:srgbClr val="000000"/>
                   </a:solidFill>
@@ -3088,7 +3088,7 @@
             </a:ln>
             <a:extLst>
               <a:ext uri="{91240B29-F687-4f45-9708-019B960494DF}">
-                <a14:hiddenLine xmlns:a14="http://schemas.microsoft.com/office/drawing/2010/main" xmlns="" w="9525">
+                <a14:hiddenLine xmlns="" xmlns:a14="http://schemas.microsoft.com/office/drawing/2010/main" w="9525">
                   <a:solidFill>
                     <a:srgbClr val="000000"/>
                   </a:solidFill>
@@ -3178,7 +3178,7 @@
             </a:ln>
             <a:extLst>
               <a:ext uri="{91240B29-F687-4f45-9708-019B960494DF}">
-                <a14:hiddenLine xmlns:a14="http://schemas.microsoft.com/office/drawing/2010/main" xmlns="" w="9525">
+                <a14:hiddenLine xmlns="" xmlns:a14="http://schemas.microsoft.com/office/drawing/2010/main" w="9525">
                   <a:solidFill>
                     <a:srgbClr val="000000"/>
                   </a:solidFill>
@@ -3246,7 +3246,7 @@
             </a:ln>
             <a:extLst>
               <a:ext uri="{91240B29-F687-4f45-9708-019B960494DF}">
-                <a14:hiddenLine xmlns:a14="http://schemas.microsoft.com/office/drawing/2010/main" xmlns="" w="9525">
+                <a14:hiddenLine xmlns="" xmlns:a14="http://schemas.microsoft.com/office/drawing/2010/main" w="9525">
                   <a:solidFill>
                     <a:srgbClr val="000000"/>
                   </a:solidFill>
@@ -3336,7 +3336,7 @@
             </a:ln>
             <a:extLst>
               <a:ext uri="{91240B29-F687-4f45-9708-019B960494DF}">
-                <a14:hiddenLine xmlns:a14="http://schemas.microsoft.com/office/drawing/2010/main" xmlns="" w="9525">
+                <a14:hiddenLine xmlns="" xmlns:a14="http://schemas.microsoft.com/office/drawing/2010/main" w="9525">
                   <a:solidFill>
                     <a:srgbClr val="000000"/>
                   </a:solidFill>
@@ -3370,7 +3370,7 @@
             </a:ln>
             <a:extLst>
               <a:ext uri="{91240B29-F687-4f45-9708-019B960494DF}">
-                <a14:hiddenLine xmlns:a14="http://schemas.microsoft.com/office/drawing/2010/main" xmlns="" w="9525">
+                <a14:hiddenLine xmlns="" xmlns:a14="http://schemas.microsoft.com/office/drawing/2010/main" w="9525">
                   <a:solidFill>
                     <a:srgbClr val="000000"/>
                   </a:solidFill>
@@ -3460,7 +3460,7 @@
             </a:ln>
             <a:extLst>
               <a:ext uri="{91240B29-F687-4f45-9708-019B960494DF}">
-                <a14:hiddenLine xmlns:a14="http://schemas.microsoft.com/office/drawing/2010/main" xmlns="" w="9525">
+                <a14:hiddenLine xmlns="" xmlns:a14="http://schemas.microsoft.com/office/drawing/2010/main" w="9525">
                   <a:solidFill>
                     <a:srgbClr val="000000"/>
                   </a:solidFill>
@@ -3522,7 +3522,7 @@
             </a:ln>
             <a:extLst>
               <a:ext uri="{91240B29-F687-4f45-9708-019B960494DF}">
-                <a14:hiddenLine xmlns:a14="http://schemas.microsoft.com/office/drawing/2010/main" xmlns="" w="9525">
+                <a14:hiddenLine xmlns="" xmlns:a14="http://schemas.microsoft.com/office/drawing/2010/main" w="9525">
                   <a:solidFill>
                     <a:srgbClr val="000000"/>
                   </a:solidFill>
@@ -3584,7 +3584,7 @@
             </a:ln>
             <a:extLst>
               <a:ext uri="{91240B29-F687-4f45-9708-019B960494DF}">
-                <a14:hiddenLine xmlns:a14="http://schemas.microsoft.com/office/drawing/2010/main" xmlns="" w="9525">
+                <a14:hiddenLine xmlns="" xmlns:a14="http://schemas.microsoft.com/office/drawing/2010/main" w="9525">
                   <a:solidFill>
                     <a:srgbClr val="000000"/>
                   </a:solidFill>
@@ -3674,7 +3674,7 @@
             </a:ln>
             <a:extLst>
               <a:ext uri="{91240B29-F687-4f45-9708-019B960494DF}">
-                <a14:hiddenLine xmlns:a14="http://schemas.microsoft.com/office/drawing/2010/main" xmlns="" w="9525">
+                <a14:hiddenLine xmlns="" xmlns:a14="http://schemas.microsoft.com/office/drawing/2010/main" w="9525">
                   <a:solidFill>
                     <a:srgbClr val="000000"/>
                   </a:solidFill>
@@ -3742,7 +3742,7 @@
             </a:ln>
             <a:extLst>
               <a:ext uri="{91240B29-F687-4f45-9708-019B960494DF}">
-                <a14:hiddenLine xmlns:a14="http://schemas.microsoft.com/office/drawing/2010/main" xmlns="" w="9525">
+                <a14:hiddenLine xmlns="" xmlns:a14="http://schemas.microsoft.com/office/drawing/2010/main" w="9525">
                   <a:solidFill>
                     <a:srgbClr val="000000"/>
                   </a:solidFill>
@@ -3804,7 +3804,7 @@
             </a:ln>
             <a:extLst>
               <a:ext uri="{91240B29-F687-4f45-9708-019B960494DF}">
-                <a14:hiddenLine xmlns:a14="http://schemas.microsoft.com/office/drawing/2010/main" xmlns="" w="9525">
+                <a14:hiddenLine xmlns="" xmlns:a14="http://schemas.microsoft.com/office/drawing/2010/main" w="9525">
                   <a:solidFill>
                     <a:srgbClr val="000000"/>
                   </a:solidFill>
@@ -3894,7 +3894,7 @@
             </a:ln>
             <a:extLst>
               <a:ext uri="{91240B29-F687-4f45-9708-019B960494DF}">
-                <a14:hiddenLine xmlns:a14="http://schemas.microsoft.com/office/drawing/2010/main" xmlns="" w="9525">
+                <a14:hiddenLine xmlns="" xmlns:a14="http://schemas.microsoft.com/office/drawing/2010/main" w="9525">
                   <a:solidFill>
                     <a:srgbClr val="000000"/>
                   </a:solidFill>
@@ -3956,7 +3956,7 @@
             </a:ln>
             <a:extLst>
               <a:ext uri="{91240B29-F687-4f45-9708-019B960494DF}">
-                <a14:hiddenLine xmlns:a14="http://schemas.microsoft.com/office/drawing/2010/main" xmlns="" w="9525">
+                <a14:hiddenLine xmlns="" xmlns:a14="http://schemas.microsoft.com/office/drawing/2010/main" w="9525">
                   <a:solidFill>
                     <a:srgbClr val="000000"/>
                   </a:solidFill>
@@ -4046,7 +4046,7 @@
             </a:ln>
             <a:extLst>
               <a:ext uri="{91240B29-F687-4f45-9708-019B960494DF}">
-                <a14:hiddenLine xmlns:a14="http://schemas.microsoft.com/office/drawing/2010/main" xmlns="" w="9525">
+                <a14:hiddenLine xmlns="" xmlns:a14="http://schemas.microsoft.com/office/drawing/2010/main" w="9525">
                   <a:solidFill>
                     <a:srgbClr val="000000"/>
                   </a:solidFill>
@@ -4108,7 +4108,7 @@
             </a:ln>
             <a:extLst>
               <a:ext uri="{91240B29-F687-4f45-9708-019B960494DF}">
-                <a14:hiddenLine xmlns:a14="http://schemas.microsoft.com/office/drawing/2010/main" xmlns="" w="9525">
+                <a14:hiddenLine xmlns="" xmlns:a14="http://schemas.microsoft.com/office/drawing/2010/main" w="9525">
                   <a:solidFill>
                     <a:srgbClr val="000000"/>
                   </a:solidFill>
@@ -4198,7 +4198,7 @@
             </a:ln>
             <a:extLst>
               <a:ext uri="{91240B29-F687-4f45-9708-019B960494DF}">
-                <a14:hiddenLine xmlns:a14="http://schemas.microsoft.com/office/drawing/2010/main" xmlns="" w="9525">
+                <a14:hiddenLine xmlns="" xmlns:a14="http://schemas.microsoft.com/office/drawing/2010/main" w="9525">
                   <a:solidFill>
                     <a:srgbClr val="000000"/>
                   </a:solidFill>
@@ -4232,7 +4232,7 @@
             </a:ln>
             <a:extLst>
               <a:ext uri="{91240B29-F687-4f45-9708-019B960494DF}">
-                <a14:hiddenLine xmlns:a14="http://schemas.microsoft.com/office/drawing/2010/main" xmlns="" w="9525">
+                <a14:hiddenLine xmlns="" xmlns:a14="http://schemas.microsoft.com/office/drawing/2010/main" w="9525">
                   <a:solidFill>
                     <a:srgbClr val="000000"/>
                   </a:solidFill>
@@ -4297,7 +4297,7 @@
             </a:ln>
             <a:extLst>
               <a:ext uri="{91240B29-F687-4f45-9708-019B960494DF}">
-                <a14:hiddenLine xmlns:a14="http://schemas.microsoft.com/office/drawing/2010/main" xmlns="" w="9525">
+                <a14:hiddenLine xmlns="" xmlns:a14="http://schemas.microsoft.com/office/drawing/2010/main" w="9525">
                   <a:solidFill>
                     <a:srgbClr val="000000"/>
                   </a:solidFill>
@@ -4387,7 +4387,7 @@
             </a:ln>
             <a:extLst>
               <a:ext uri="{91240B29-F687-4f45-9708-019B960494DF}">
-                <a14:hiddenLine xmlns:a14="http://schemas.microsoft.com/office/drawing/2010/main" xmlns="" w="9525">
+                <a14:hiddenLine xmlns="" xmlns:a14="http://schemas.microsoft.com/office/drawing/2010/main" w="9525">
                   <a:solidFill>
                     <a:srgbClr val="000000"/>
                   </a:solidFill>
@@ -4449,7 +4449,7 @@
             </a:ln>
             <a:extLst>
               <a:ext uri="{91240B29-F687-4f45-9708-019B960494DF}">
-                <a14:hiddenLine xmlns:a14="http://schemas.microsoft.com/office/drawing/2010/main" xmlns="" w="9525">
+                <a14:hiddenLine xmlns="" xmlns:a14="http://schemas.microsoft.com/office/drawing/2010/main" w="9525">
                   <a:solidFill>
                     <a:srgbClr val="000000"/>
                   </a:solidFill>
@@ -4539,7 +4539,7 @@
             </a:ln>
             <a:extLst>
               <a:ext uri="{91240B29-F687-4f45-9708-019B960494DF}">
-                <a14:hiddenLine xmlns:a14="http://schemas.microsoft.com/office/drawing/2010/main" xmlns="" w="9525">
+                <a14:hiddenLine xmlns="" xmlns:a14="http://schemas.microsoft.com/office/drawing/2010/main" w="9525">
                   <a:solidFill>
                     <a:srgbClr val="000000"/>
                   </a:solidFill>
@@ -4629,7 +4629,7 @@
             </a:ln>
             <a:extLst>
               <a:ext uri="{91240B29-F687-4f45-9708-019B960494DF}">
-                <a14:hiddenLine xmlns:a14="http://schemas.microsoft.com/office/drawing/2010/main" xmlns="" w="9525">
+                <a14:hiddenLine xmlns="" xmlns:a14="http://schemas.microsoft.com/office/drawing/2010/main" w="9525">
                   <a:solidFill>
                     <a:srgbClr val="000000"/>
                   </a:solidFill>
@@ -4694,7 +4694,7 @@
             </a:ln>
             <a:extLst>
               <a:ext uri="{91240B29-F687-4f45-9708-019B960494DF}">
-                <a14:hiddenLine xmlns:a14="http://schemas.microsoft.com/office/drawing/2010/main" xmlns="" w="9525">
+                <a14:hiddenLine xmlns="" xmlns:a14="http://schemas.microsoft.com/office/drawing/2010/main" w="9525">
                   <a:solidFill>
                     <a:srgbClr val="000000"/>
                   </a:solidFill>
@@ -4756,7 +4756,7 @@
             </a:ln>
             <a:extLst>
               <a:ext uri="{91240B29-F687-4f45-9708-019B960494DF}">
-                <a14:hiddenLine xmlns:a14="http://schemas.microsoft.com/office/drawing/2010/main" xmlns="" w="9525">
+                <a14:hiddenLine xmlns="" xmlns:a14="http://schemas.microsoft.com/office/drawing/2010/main" w="9525">
                   <a:solidFill>
                     <a:srgbClr val="000000"/>
                   </a:solidFill>
@@ -4846,7 +4846,7 @@
             </a:ln>
             <a:extLst>
               <a:ext uri="{91240B29-F687-4f45-9708-019B960494DF}">
-                <a14:hiddenLine xmlns:a14="http://schemas.microsoft.com/office/drawing/2010/main" xmlns="" w="9525">
+                <a14:hiddenLine xmlns="" xmlns:a14="http://schemas.microsoft.com/office/drawing/2010/main" w="9525">
                   <a:solidFill>
                     <a:srgbClr val="000000"/>
                   </a:solidFill>
@@ -4936,7 +4936,7 @@
             </a:ln>
             <a:extLst>
               <a:ext uri="{91240B29-F687-4f45-9708-019B960494DF}">
-                <a14:hiddenLine xmlns:a14="http://schemas.microsoft.com/office/drawing/2010/main" xmlns="" w="9525">
+                <a14:hiddenLine xmlns="" xmlns:a14="http://schemas.microsoft.com/office/drawing/2010/main" w="9525">
                   <a:solidFill>
                     <a:srgbClr val="000000"/>
                   </a:solidFill>
@@ -4998,7 +4998,7 @@
             </a:ln>
             <a:extLst>
               <a:ext uri="{91240B29-F687-4f45-9708-019B960494DF}">
-                <a14:hiddenLine xmlns:a14="http://schemas.microsoft.com/office/drawing/2010/main" xmlns="" w="9525">
+                <a14:hiddenLine xmlns="" xmlns:a14="http://schemas.microsoft.com/office/drawing/2010/main" w="9525">
                   <a:solidFill>
                     <a:srgbClr val="000000"/>
                   </a:solidFill>
@@ -5118,7 +5118,7 @@
             </a:ln>
             <a:extLst>
               <a:ext uri="{91240B29-F687-4f45-9708-019B960494DF}">
-                <a14:hiddenLine xmlns:a14="http://schemas.microsoft.com/office/drawing/2010/main" xmlns="" w="9525">
+                <a14:hiddenLine xmlns="" xmlns:a14="http://schemas.microsoft.com/office/drawing/2010/main" w="9525">
                   <a:solidFill>
                     <a:srgbClr val="000000"/>
                   </a:solidFill>
@@ -5186,7 +5186,7 @@
             </a:ln>
             <a:extLst>
               <a:ext uri="{91240B29-F687-4f45-9708-019B960494DF}">
-                <a14:hiddenLine xmlns:a14="http://schemas.microsoft.com/office/drawing/2010/main" xmlns="" w="9525">
+                <a14:hiddenLine xmlns="" xmlns:a14="http://schemas.microsoft.com/office/drawing/2010/main" w="9525">
                   <a:solidFill>
                     <a:srgbClr val="000000"/>
                   </a:solidFill>
@@ -5276,7 +5276,7 @@
             </a:ln>
             <a:extLst>
               <a:ext uri="{91240B29-F687-4f45-9708-019B960494DF}">
-                <a14:hiddenLine xmlns:a14="http://schemas.microsoft.com/office/drawing/2010/main" xmlns="" w="9525">
+                <a14:hiddenLine xmlns="" xmlns:a14="http://schemas.microsoft.com/office/drawing/2010/main" w="9525">
                   <a:solidFill>
                     <a:srgbClr val="000000"/>
                   </a:solidFill>
@@ -11346,7 +11346,7 @@
           <a:noFill/>
           <a:extLst>
             <a:ext uri="{909E8E84-426E-40dd-AFC4-6F175D3DCCD1}">
-              <a14:hiddenFill xmlns:a14="http://schemas.microsoft.com/office/drawing/2010/main" xmlns="">
+              <a14:hiddenFill xmlns="" xmlns:a14="http://schemas.microsoft.com/office/drawing/2010/main">
                 <a:solidFill>
                   <a:srgbClr val="FFFFFF"/>
                 </a:solidFill>
@@ -11420,7 +11420,7 @@
               </a:ln>
               <a:extLst>
                 <a:ext uri="{91240B29-F687-4f45-9708-019B960494DF}">
-                  <a14:hiddenLine xmlns:a14="http://schemas.microsoft.com/office/drawing/2010/main" xmlns="" w="9525">
+                  <a14:hiddenLine xmlns="" xmlns:a14="http://schemas.microsoft.com/office/drawing/2010/main" w="9525">
                     <a:solidFill>
                       <a:srgbClr val="000000"/>
                     </a:solidFill>
@@ -11510,7 +11510,7 @@
               </a:ln>
               <a:extLst>
                 <a:ext uri="{91240B29-F687-4f45-9708-019B960494DF}">
-                  <a14:hiddenLine xmlns:a14="http://schemas.microsoft.com/office/drawing/2010/main" xmlns="" w="9525">
+                  <a14:hiddenLine xmlns="" xmlns:a14="http://schemas.microsoft.com/office/drawing/2010/main" w="9525">
                     <a:solidFill>
                       <a:srgbClr val="000000"/>
                     </a:solidFill>
@@ -11600,7 +11600,7 @@
               </a:ln>
               <a:extLst>
                 <a:ext uri="{91240B29-F687-4f45-9708-019B960494DF}">
-                  <a14:hiddenLine xmlns:a14="http://schemas.microsoft.com/office/drawing/2010/main" xmlns="" w="9525">
+                  <a14:hiddenLine xmlns="" xmlns:a14="http://schemas.microsoft.com/office/drawing/2010/main" w="9525">
                     <a:solidFill>
                       <a:srgbClr val="000000"/>
                     </a:solidFill>
@@ -11662,7 +11662,7 @@
               </a:ln>
               <a:extLst>
                 <a:ext uri="{91240B29-F687-4f45-9708-019B960494DF}">
-                  <a14:hiddenLine xmlns:a14="http://schemas.microsoft.com/office/drawing/2010/main" xmlns="" w="9525">
+                  <a14:hiddenLine xmlns="" xmlns:a14="http://schemas.microsoft.com/office/drawing/2010/main" w="9525">
                     <a:solidFill>
                       <a:srgbClr val="000000"/>
                     </a:solidFill>
@@ -11752,7 +11752,7 @@
               </a:ln>
               <a:extLst>
                 <a:ext uri="{91240B29-F687-4f45-9708-019B960494DF}">
-                  <a14:hiddenLine xmlns:a14="http://schemas.microsoft.com/office/drawing/2010/main" xmlns="" w="9525">
+                  <a14:hiddenLine xmlns="" xmlns:a14="http://schemas.microsoft.com/office/drawing/2010/main" w="9525">
                     <a:solidFill>
                       <a:srgbClr val="000000"/>
                     </a:solidFill>
@@ -11814,7 +11814,7 @@
               </a:ln>
               <a:extLst>
                 <a:ext uri="{91240B29-F687-4f45-9708-019B960494DF}">
-                  <a14:hiddenLine xmlns:a14="http://schemas.microsoft.com/office/drawing/2010/main" xmlns="" w="9525">
+                  <a14:hiddenLine xmlns="" xmlns:a14="http://schemas.microsoft.com/office/drawing/2010/main" w="9525">
                     <a:solidFill>
                       <a:srgbClr val="000000"/>
                     </a:solidFill>
@@ -11876,7 +11876,7 @@
               </a:ln>
               <a:extLst>
                 <a:ext uri="{91240B29-F687-4f45-9708-019B960494DF}">
-                  <a14:hiddenLine xmlns:a14="http://schemas.microsoft.com/office/drawing/2010/main" xmlns="" w="9525">
+                  <a14:hiddenLine xmlns="" xmlns:a14="http://schemas.microsoft.com/office/drawing/2010/main" w="9525">
                     <a:solidFill>
                       <a:srgbClr val="000000"/>
                     </a:solidFill>
@@ -11966,7 +11966,7 @@
               </a:ln>
               <a:extLst>
                 <a:ext uri="{91240B29-F687-4f45-9708-019B960494DF}">
-                  <a14:hiddenLine xmlns:a14="http://schemas.microsoft.com/office/drawing/2010/main" xmlns="" w="9525">
+                  <a14:hiddenLine xmlns="" xmlns:a14="http://schemas.microsoft.com/office/drawing/2010/main" w="9525">
                     <a:solidFill>
                       <a:srgbClr val="000000"/>
                     </a:solidFill>
@@ -12056,7 +12056,7 @@
               </a:ln>
               <a:extLst>
                 <a:ext uri="{91240B29-F687-4f45-9708-019B960494DF}">
-                  <a14:hiddenLine xmlns:a14="http://schemas.microsoft.com/office/drawing/2010/main" xmlns="" w="9525">
+                  <a14:hiddenLine xmlns="" xmlns:a14="http://schemas.microsoft.com/office/drawing/2010/main" w="9525">
                     <a:solidFill>
                       <a:srgbClr val="000000"/>
                     </a:solidFill>
@@ -12118,7 +12118,7 @@
               </a:ln>
               <a:extLst>
                 <a:ext uri="{91240B29-F687-4f45-9708-019B960494DF}">
-                  <a14:hiddenLine xmlns:a14="http://schemas.microsoft.com/office/drawing/2010/main" xmlns="" w="9525">
+                  <a14:hiddenLine xmlns="" xmlns:a14="http://schemas.microsoft.com/office/drawing/2010/main" w="9525">
                     <a:solidFill>
                       <a:srgbClr val="000000"/>
                     </a:solidFill>
@@ -12228,7 +12228,7 @@
               </a:ln>
               <a:extLst>
                 <a:ext uri="{91240B29-F687-4f45-9708-019B960494DF}">
-                  <a14:hiddenLine xmlns:a14="http://schemas.microsoft.com/office/drawing/2010/main" xmlns="" w="9525">
+                  <a14:hiddenLine xmlns="" xmlns:a14="http://schemas.microsoft.com/office/drawing/2010/main" w="9525">
                     <a:solidFill>
                       <a:srgbClr val="000000"/>
                     </a:solidFill>
@@ -12312,7 +12312,7 @@
               </a:ln>
               <a:extLst>
                 <a:ext uri="{91240B29-F687-4f45-9708-019B960494DF}">
-                  <a14:hiddenLine xmlns:a14="http://schemas.microsoft.com/office/drawing/2010/main" xmlns="" w="9525">
+                  <a14:hiddenLine xmlns="" xmlns:a14="http://schemas.microsoft.com/office/drawing/2010/main" w="9525">
                     <a:solidFill>
                       <a:srgbClr val="000000"/>
                     </a:solidFill>
@@ -12374,7 +12374,7 @@
               </a:ln>
               <a:extLst>
                 <a:ext uri="{91240B29-F687-4f45-9708-019B960494DF}">
-                  <a14:hiddenLine xmlns:a14="http://schemas.microsoft.com/office/drawing/2010/main" xmlns="" w="9525">
+                  <a14:hiddenLine xmlns="" xmlns:a14="http://schemas.microsoft.com/office/drawing/2010/main" w="9525">
                     <a:solidFill>
                       <a:srgbClr val="000000"/>
                     </a:solidFill>
@@ -12436,7 +12436,7 @@
               </a:ln>
               <a:extLst>
                 <a:ext uri="{91240B29-F687-4f45-9708-019B960494DF}">
-                  <a14:hiddenLine xmlns:a14="http://schemas.microsoft.com/office/drawing/2010/main" xmlns="" w="9525">
+                  <a14:hiddenLine xmlns="" xmlns:a14="http://schemas.microsoft.com/office/drawing/2010/main" w="9525">
                     <a:solidFill>
                       <a:srgbClr val="000000"/>
                     </a:solidFill>
@@ -12526,7 +12526,7 @@
               </a:ln>
               <a:extLst>
                 <a:ext uri="{91240B29-F687-4f45-9708-019B960494DF}">
-                  <a14:hiddenLine xmlns:a14="http://schemas.microsoft.com/office/drawing/2010/main" xmlns="" w="9525">
+                  <a14:hiddenLine xmlns="" xmlns:a14="http://schemas.microsoft.com/office/drawing/2010/main" w="9525">
                     <a:solidFill>
                       <a:srgbClr val="000000"/>
                     </a:solidFill>
@@ -12560,7 +12560,7 @@
               </a:ln>
               <a:extLst>
                 <a:ext uri="{91240B29-F687-4f45-9708-019B960494DF}">
-                  <a14:hiddenLine xmlns:a14="http://schemas.microsoft.com/office/drawing/2010/main" xmlns="" w="9525">
+                  <a14:hiddenLine xmlns="" xmlns:a14="http://schemas.microsoft.com/office/drawing/2010/main" w="9525">
                     <a:solidFill>
                       <a:srgbClr val="000000"/>
                     </a:solidFill>
@@ -12625,7 +12625,7 @@
               </a:ln>
               <a:extLst>
                 <a:ext uri="{91240B29-F687-4f45-9708-019B960494DF}">
-                  <a14:hiddenLine xmlns:a14="http://schemas.microsoft.com/office/drawing/2010/main" xmlns="" w="9525">
+                  <a14:hiddenLine xmlns="" xmlns:a14="http://schemas.microsoft.com/office/drawing/2010/main" w="9525">
                     <a:solidFill>
                       <a:srgbClr val="000000"/>
                     </a:solidFill>
@@ -12715,7 +12715,7 @@
               </a:ln>
               <a:extLst>
                 <a:ext uri="{91240B29-F687-4f45-9708-019B960494DF}">
-                  <a14:hiddenLine xmlns:a14="http://schemas.microsoft.com/office/drawing/2010/main" xmlns="" w="9525">
+                  <a14:hiddenLine xmlns="" xmlns:a14="http://schemas.microsoft.com/office/drawing/2010/main" w="9525">
                     <a:solidFill>
                       <a:srgbClr val="000000"/>
                     </a:solidFill>
@@ -12777,7 +12777,7 @@
               </a:ln>
               <a:extLst>
                 <a:ext uri="{91240B29-F687-4f45-9708-019B960494DF}">
-                  <a14:hiddenLine xmlns:a14="http://schemas.microsoft.com/office/drawing/2010/main" xmlns="" w="9525">
+                  <a14:hiddenLine xmlns="" xmlns:a14="http://schemas.microsoft.com/office/drawing/2010/main" w="9525">
                     <a:solidFill>
                       <a:srgbClr val="000000"/>
                     </a:solidFill>
@@ -12867,7 +12867,7 @@
               </a:ln>
               <a:extLst>
                 <a:ext uri="{91240B29-F687-4f45-9708-019B960494DF}">
-                  <a14:hiddenLine xmlns:a14="http://schemas.microsoft.com/office/drawing/2010/main" xmlns="" w="9525">
+                  <a14:hiddenLine xmlns="" xmlns:a14="http://schemas.microsoft.com/office/drawing/2010/main" w="9525">
                     <a:solidFill>
                       <a:srgbClr val="000000"/>
                     </a:solidFill>
@@ -12932,7 +12932,7 @@
               </a:ln>
               <a:extLst>
                 <a:ext uri="{91240B29-F687-4f45-9708-019B960494DF}">
-                  <a14:hiddenLine xmlns:a14="http://schemas.microsoft.com/office/drawing/2010/main" xmlns="" w="9525">
+                  <a14:hiddenLine xmlns="" xmlns:a14="http://schemas.microsoft.com/office/drawing/2010/main" w="9525">
                     <a:solidFill>
                       <a:srgbClr val="000000"/>
                     </a:solidFill>
@@ -12994,7 +12994,7 @@
               </a:ln>
               <a:extLst>
                 <a:ext uri="{91240B29-F687-4f45-9708-019B960494DF}">
-                  <a14:hiddenLine xmlns:a14="http://schemas.microsoft.com/office/drawing/2010/main" xmlns="" w="9525">
+                  <a14:hiddenLine xmlns="" xmlns:a14="http://schemas.microsoft.com/office/drawing/2010/main" w="9525">
                     <a:solidFill>
                       <a:srgbClr val="000000"/>
                     </a:solidFill>
@@ -13084,7 +13084,7 @@
               </a:ln>
               <a:extLst>
                 <a:ext uri="{91240B29-F687-4f45-9708-019B960494DF}">
-                  <a14:hiddenLine xmlns:a14="http://schemas.microsoft.com/office/drawing/2010/main" xmlns="" w="9525">
+                  <a14:hiddenLine xmlns="" xmlns:a14="http://schemas.microsoft.com/office/drawing/2010/main" w="9525">
                     <a:solidFill>
                       <a:srgbClr val="000000"/>
                     </a:solidFill>
@@ -13174,7 +13174,7 @@
               </a:ln>
               <a:extLst>
                 <a:ext uri="{91240B29-F687-4f45-9708-019B960494DF}">
-                  <a14:hiddenLine xmlns:a14="http://schemas.microsoft.com/office/drawing/2010/main" xmlns="" w="9525">
+                  <a14:hiddenLine xmlns="" xmlns:a14="http://schemas.microsoft.com/office/drawing/2010/main" w="9525">
                     <a:solidFill>
                       <a:srgbClr val="000000"/>
                     </a:solidFill>
@@ -13239,7 +13239,7 @@
               </a:ln>
               <a:extLst>
                 <a:ext uri="{91240B29-F687-4f45-9708-019B960494DF}">
-                  <a14:hiddenLine xmlns:a14="http://schemas.microsoft.com/office/drawing/2010/main" xmlns="" w="9525">
+                  <a14:hiddenLine xmlns="" xmlns:a14="http://schemas.microsoft.com/office/drawing/2010/main" w="9525">
                     <a:solidFill>
                       <a:srgbClr val="000000"/>
                     </a:solidFill>
@@ -13359,7 +13359,7 @@
               </a:ln>
               <a:extLst>
                 <a:ext uri="{91240B29-F687-4f45-9708-019B960494DF}">
-                  <a14:hiddenLine xmlns:a14="http://schemas.microsoft.com/office/drawing/2010/main" xmlns="" w="9525">
+                  <a14:hiddenLine xmlns="" xmlns:a14="http://schemas.microsoft.com/office/drawing/2010/main" w="9525">
                     <a:solidFill>
                       <a:srgbClr val="000000"/>
                     </a:solidFill>
@@ -13457,7 +13457,7 @@
               </a:ln>
               <a:extLst>
                 <a:ext uri="{91240B29-F687-4f45-9708-019B960494DF}">
-                  <a14:hiddenLine xmlns:a14="http://schemas.microsoft.com/office/drawing/2010/main" xmlns="" w="9525">
+                  <a14:hiddenLine xmlns="" xmlns:a14="http://schemas.microsoft.com/office/drawing/2010/main" w="9525">
                     <a:solidFill>
                       <a:srgbClr val="000000"/>
                     </a:solidFill>
@@ -13572,7 +13572,7 @@
               </a:ln>
               <a:extLst>
                 <a:ext uri="{91240B29-F687-4f45-9708-019B960494DF}">
-                  <a14:hiddenLine xmlns:a14="http://schemas.microsoft.com/office/drawing/2010/main" xmlns="" w="9525">
+                  <a14:hiddenLine xmlns="" xmlns:a14="http://schemas.microsoft.com/office/drawing/2010/main" w="9525">
                     <a:solidFill>
                       <a:srgbClr val="000000"/>
                     </a:solidFill>
@@ -13662,7 +13662,7 @@
               </a:ln>
               <a:extLst>
                 <a:ext uri="{91240B29-F687-4f45-9708-019B960494DF}">
-                  <a14:hiddenLine xmlns:a14="http://schemas.microsoft.com/office/drawing/2010/main" xmlns="" w="9525">
+                  <a14:hiddenLine xmlns="" xmlns:a14="http://schemas.microsoft.com/office/drawing/2010/main" w="9525">
                     <a:solidFill>
                       <a:srgbClr val="000000"/>
                     </a:solidFill>
@@ -13727,7 +13727,7 @@
               </a:ln>
               <a:extLst>
                 <a:ext uri="{91240B29-F687-4f45-9708-019B960494DF}">
-                  <a14:hiddenLine xmlns:a14="http://schemas.microsoft.com/office/drawing/2010/main" xmlns="" w="9525">
+                  <a14:hiddenLine xmlns="" xmlns:a14="http://schemas.microsoft.com/office/drawing/2010/main" w="9525">
                     <a:solidFill>
                       <a:srgbClr val="000000"/>
                     </a:solidFill>
@@ -13817,7 +13817,7 @@
               </a:ln>
               <a:extLst>
                 <a:ext uri="{91240B29-F687-4f45-9708-019B960494DF}">
-                  <a14:hiddenLine xmlns:a14="http://schemas.microsoft.com/office/drawing/2010/main" xmlns="" w="9525">
+                  <a14:hiddenLine xmlns="" xmlns:a14="http://schemas.microsoft.com/office/drawing/2010/main" w="9525">
                     <a:solidFill>
                       <a:srgbClr val="000000"/>
                     </a:solidFill>
@@ -13885,7 +13885,7 @@
               </a:ln>
               <a:extLst>
                 <a:ext uri="{91240B29-F687-4f45-9708-019B960494DF}">
-                  <a14:hiddenLine xmlns:a14="http://schemas.microsoft.com/office/drawing/2010/main" xmlns="" w="9525">
+                  <a14:hiddenLine xmlns="" xmlns:a14="http://schemas.microsoft.com/office/drawing/2010/main" w="9525">
                     <a:solidFill>
                       <a:srgbClr val="000000"/>
                     </a:solidFill>
@@ -13975,7 +13975,7 @@
               </a:ln>
               <a:extLst>
                 <a:ext uri="{91240B29-F687-4f45-9708-019B960494DF}">
-                  <a14:hiddenLine xmlns:a14="http://schemas.microsoft.com/office/drawing/2010/main" xmlns="" w="9525">
+                  <a14:hiddenLine xmlns="" xmlns:a14="http://schemas.microsoft.com/office/drawing/2010/main" w="9525">
                     <a:solidFill>
                       <a:srgbClr val="000000"/>
                     </a:solidFill>
@@ -14043,7 +14043,7 @@
               </a:ln>
               <a:extLst>
                 <a:ext uri="{91240B29-F687-4f45-9708-019B960494DF}">
-                  <a14:hiddenLine xmlns:a14="http://schemas.microsoft.com/office/drawing/2010/main" xmlns="" w="9525">
+                  <a14:hiddenLine xmlns="" xmlns:a14="http://schemas.microsoft.com/office/drawing/2010/main" w="9525">
                     <a:solidFill>
                       <a:srgbClr val="000000"/>
                     </a:solidFill>
@@ -14133,7 +14133,7 @@
               </a:ln>
               <a:extLst>
                 <a:ext uri="{91240B29-F687-4f45-9708-019B960494DF}">
-                  <a14:hiddenLine xmlns:a14="http://schemas.microsoft.com/office/drawing/2010/main" xmlns="" w="9525">
+                  <a14:hiddenLine xmlns="" xmlns:a14="http://schemas.microsoft.com/office/drawing/2010/main" w="9525">
                     <a:solidFill>
                       <a:srgbClr val="000000"/>
                     </a:solidFill>
@@ -14167,7 +14167,7 @@
               </a:ln>
               <a:extLst>
                 <a:ext uri="{91240B29-F687-4f45-9708-019B960494DF}">
-                  <a14:hiddenLine xmlns:a14="http://schemas.microsoft.com/office/drawing/2010/main" xmlns="" w="9525">
+                  <a14:hiddenLine xmlns="" xmlns:a14="http://schemas.microsoft.com/office/drawing/2010/main" w="9525">
                     <a:solidFill>
                       <a:srgbClr val="000000"/>
                     </a:solidFill>
@@ -14777,14 +14777,6 @@
           <a:lstStyle/>
           <a:p>
             <a:pPr lvl="0"/>
-            <a:r>
-              <a:rPr lang="es-EC" sz="3200" dirty="0"/>
-              <a:t>Desarrollo de un Software de Agenda Telefónica Multiempresa en la nube a través de la arquitectura distribuida de Amazon </a:t>
-            </a:r>
-            <a:r>
-              <a:rPr lang="es-EC" sz="3200" dirty="0" err="1"/>
-              <a:t>DynamoDB</a:t>
-            </a:r>
             <a:endParaRPr sz="3200" dirty="0"/>
           </a:p>
         </p:txBody>
@@ -15684,7 +15676,7 @@
         <p:spPr>
           <a:xfrm>
             <a:off x="2598781" y="2579511"/>
-            <a:ext cx="1278610" cy="542925"/>
+            <a:ext cx="677075" cy="542925"/>
           </a:xfrm>
           <a:prstGeom prst="rect">
             <a:avLst/>
@@ -15775,7 +15767,7 @@
         </p:nvSpPr>
         <p:spPr>
           <a:xfrm>
-            <a:off x="5225738" y="1010290"/>
+            <a:off x="5717172" y="1010290"/>
             <a:ext cx="2217455" cy="400110"/>
           </a:xfrm>
           <a:prstGeom prst="rect">
@@ -15831,6 +15823,126 @@
           </a:p>
         </p:txBody>
       </p:sp>
+      <p:pic>
+        <p:nvPicPr>
+          <p:cNvPr id="2" name="Imagen 1"/>
+          <p:cNvPicPr>
+            <a:picLocks noChangeAspect="1"/>
+          </p:cNvPicPr>
+          <p:nvPr/>
+        </p:nvPicPr>
+        <p:blipFill>
+          <a:blip r:embed="rId5">
+            <a:extLst>
+              <a:ext uri="{28A0092B-C50C-407E-A947-70E740481C1C}">
+                <a14:useLocalDpi xmlns:a14="http://schemas.microsoft.com/office/drawing/2010/main" val="0"/>
+              </a:ext>
+            </a:extLst>
+          </a:blip>
+          <a:stretch>
+            <a:fillRect/>
+          </a:stretch>
+        </p:blipFill>
+        <p:spPr>
+          <a:xfrm>
+            <a:off x="3327327" y="2485042"/>
+            <a:ext cx="1357272" cy="731862"/>
+          </a:xfrm>
+          <a:prstGeom prst="rect">
+            <a:avLst/>
+          </a:prstGeom>
+        </p:spPr>
+      </p:pic>
+      <p:pic>
+        <p:nvPicPr>
+          <p:cNvPr id="12" name="Imagen 11">
+            <a:extLst>
+              <a:ext uri="{FF2B5EF4-FFF2-40B4-BE49-F238E27FC236}">
+                <a16:creationId xmlns:a16="http://schemas.microsoft.com/office/drawing/2014/main" id="{E226E0B4-7D5F-454E-AA4E-B1BD64600711}"/>
+              </a:ext>
+            </a:extLst>
+          </p:cNvPr>
+          <p:cNvPicPr>
+            <a:picLocks noChangeAspect="1"/>
+          </p:cNvPicPr>
+          <p:nvPr/>
+        </p:nvPicPr>
+        <p:blipFill>
+          <a:blip r:embed="rId4"/>
+          <a:stretch>
+            <a:fillRect/>
+          </a:stretch>
+        </p:blipFill>
+        <p:spPr>
+          <a:xfrm>
+            <a:off x="4736070" y="2579510"/>
+            <a:ext cx="677075" cy="542925"/>
+          </a:xfrm>
+          <a:prstGeom prst="rect">
+            <a:avLst/>
+          </a:prstGeom>
+        </p:spPr>
+      </p:pic>
+      <p:pic>
+        <p:nvPicPr>
+          <p:cNvPr id="3" name="Imagen 2"/>
+          <p:cNvPicPr>
+            <a:picLocks noChangeAspect="1"/>
+          </p:cNvPicPr>
+          <p:nvPr/>
+        </p:nvPicPr>
+        <p:blipFill>
+          <a:blip r:embed="rId6">
+            <a:extLst>
+              <a:ext uri="{28A0092B-C50C-407E-A947-70E740481C1C}">
+                <a14:useLocalDpi xmlns:a14="http://schemas.microsoft.com/office/drawing/2010/main" val="0"/>
+              </a:ext>
+            </a:extLst>
+          </a:blip>
+          <a:stretch>
+            <a:fillRect/>
+          </a:stretch>
+        </p:blipFill>
+        <p:spPr>
+          <a:xfrm>
+            <a:off x="6018027" y="3216904"/>
+            <a:ext cx="1615743" cy="1075203"/>
+          </a:xfrm>
+          <a:prstGeom prst="rect">
+            <a:avLst/>
+          </a:prstGeom>
+        </p:spPr>
+      </p:pic>
+      <p:pic>
+        <p:nvPicPr>
+          <p:cNvPr id="4" name="Imagen 3"/>
+          <p:cNvPicPr>
+            <a:picLocks noChangeAspect="1"/>
+          </p:cNvPicPr>
+          <p:nvPr/>
+        </p:nvPicPr>
+        <p:blipFill>
+          <a:blip r:embed="rId7">
+            <a:extLst>
+              <a:ext uri="{28A0092B-C50C-407E-A947-70E740481C1C}">
+                <a14:useLocalDpi xmlns:a14="http://schemas.microsoft.com/office/drawing/2010/main" val="0"/>
+              </a:ext>
+            </a:extLst>
+          </a:blip>
+          <a:stretch>
+            <a:fillRect/>
+          </a:stretch>
+        </p:blipFill>
+        <p:spPr>
+          <a:xfrm>
+            <a:off x="5717172" y="1921109"/>
+            <a:ext cx="2235338" cy="1226642"/>
+          </a:xfrm>
+          <a:prstGeom prst="rect">
+            <a:avLst/>
+          </a:prstGeom>
+        </p:spPr>
+      </p:pic>
     </p:spTree>
     <p:extLst>
       <p:ext uri="{BB962C8B-B14F-4D97-AF65-F5344CB8AC3E}">

--- a/group3/Grupo 3 - Proyecto.pptx
+++ b/group3/Grupo 3 - Proyecto.pptx
@@ -1190,7 +1190,7 @@
           <a:noFill/>
           <a:extLst>
             <a:ext uri="{909E8E84-426E-40dd-AFC4-6F175D3DCCD1}">
-              <a14:hiddenFill xmlns="" xmlns:a14="http://schemas.microsoft.com/office/drawing/2010/main">
+              <a14:hiddenFill xmlns:a14="http://schemas.microsoft.com/office/drawing/2010/main" xmlns="">
                 <a:solidFill>
                   <a:srgbClr val="FFFFFF"/>
                 </a:solidFill>
@@ -1250,7 +1250,7 @@
             </a:ln>
             <a:extLst>
               <a:ext uri="{91240B29-F687-4f45-9708-019B960494DF}">
-                <a14:hiddenLine xmlns="" xmlns:a14="http://schemas.microsoft.com/office/drawing/2010/main" w="9525">
+                <a14:hiddenLine xmlns:a14="http://schemas.microsoft.com/office/drawing/2010/main" xmlns="" w="9525">
                   <a:solidFill>
                     <a:srgbClr val="000000"/>
                   </a:solidFill>
@@ -1340,7 +1340,7 @@
             </a:ln>
             <a:extLst>
               <a:ext uri="{91240B29-F687-4f45-9708-019B960494DF}">
-                <a14:hiddenLine xmlns="" xmlns:a14="http://schemas.microsoft.com/office/drawing/2010/main" w="9525">
+                <a14:hiddenLine xmlns:a14="http://schemas.microsoft.com/office/drawing/2010/main" xmlns="" w="9525">
                   <a:solidFill>
                     <a:srgbClr val="000000"/>
                   </a:solidFill>
@@ -1430,7 +1430,7 @@
             </a:ln>
             <a:extLst>
               <a:ext uri="{91240B29-F687-4f45-9708-019B960494DF}">
-                <a14:hiddenLine xmlns="" xmlns:a14="http://schemas.microsoft.com/office/drawing/2010/main" w="9525">
+                <a14:hiddenLine xmlns:a14="http://schemas.microsoft.com/office/drawing/2010/main" xmlns="" w="9525">
                   <a:solidFill>
                     <a:srgbClr val="000000"/>
                   </a:solidFill>
@@ -1464,7 +1464,7 @@
             </a:ln>
             <a:extLst>
               <a:ext uri="{91240B29-F687-4f45-9708-019B960494DF}">
-                <a14:hiddenLine xmlns="" xmlns:a14="http://schemas.microsoft.com/office/drawing/2010/main" w="9525">
+                <a14:hiddenLine xmlns:a14="http://schemas.microsoft.com/office/drawing/2010/main" xmlns="" w="9525">
                   <a:solidFill>
                     <a:srgbClr val="000000"/>
                   </a:solidFill>
@@ -1554,7 +1554,7 @@
             </a:ln>
             <a:extLst>
               <a:ext uri="{91240B29-F687-4f45-9708-019B960494DF}">
-                <a14:hiddenLine xmlns="" xmlns:a14="http://schemas.microsoft.com/office/drawing/2010/main" w="9525">
+                <a14:hiddenLine xmlns:a14="http://schemas.microsoft.com/office/drawing/2010/main" xmlns="" w="9525">
                   <a:solidFill>
                     <a:srgbClr val="000000"/>
                   </a:solidFill>
@@ -1616,7 +1616,7 @@
             </a:ln>
             <a:extLst>
               <a:ext uri="{91240B29-F687-4f45-9708-019B960494DF}">
-                <a14:hiddenLine xmlns="" xmlns:a14="http://schemas.microsoft.com/office/drawing/2010/main" w="9525">
+                <a14:hiddenLine xmlns:a14="http://schemas.microsoft.com/office/drawing/2010/main" xmlns="" w="9525">
                   <a:solidFill>
                     <a:srgbClr val="000000"/>
                   </a:solidFill>
@@ -1678,7 +1678,7 @@
             </a:ln>
             <a:extLst>
               <a:ext uri="{91240B29-F687-4f45-9708-019B960494DF}">
-                <a14:hiddenLine xmlns="" xmlns:a14="http://schemas.microsoft.com/office/drawing/2010/main" w="9525">
+                <a14:hiddenLine xmlns:a14="http://schemas.microsoft.com/office/drawing/2010/main" xmlns="" w="9525">
                   <a:solidFill>
                     <a:srgbClr val="000000"/>
                   </a:solidFill>
@@ -1768,7 +1768,7 @@
             </a:ln>
             <a:extLst>
               <a:ext uri="{91240B29-F687-4f45-9708-019B960494DF}">
-                <a14:hiddenLine xmlns="" xmlns:a14="http://schemas.microsoft.com/office/drawing/2010/main" w="9525">
+                <a14:hiddenLine xmlns:a14="http://schemas.microsoft.com/office/drawing/2010/main" xmlns="" w="9525">
                   <a:solidFill>
                     <a:srgbClr val="000000"/>
                   </a:solidFill>
@@ -1830,7 +1830,7 @@
             </a:ln>
             <a:extLst>
               <a:ext uri="{91240B29-F687-4f45-9708-019B960494DF}">
-                <a14:hiddenLine xmlns="" xmlns:a14="http://schemas.microsoft.com/office/drawing/2010/main" w="9525">
+                <a14:hiddenLine xmlns:a14="http://schemas.microsoft.com/office/drawing/2010/main" xmlns="" w="9525">
                   <a:solidFill>
                     <a:srgbClr val="000000"/>
                   </a:solidFill>
@@ -1892,7 +1892,7 @@
             </a:ln>
             <a:extLst>
               <a:ext uri="{91240B29-F687-4f45-9708-019B960494DF}">
-                <a14:hiddenLine xmlns="" xmlns:a14="http://schemas.microsoft.com/office/drawing/2010/main" w="9525">
+                <a14:hiddenLine xmlns:a14="http://schemas.microsoft.com/office/drawing/2010/main" xmlns="" w="9525">
                   <a:solidFill>
                     <a:srgbClr val="000000"/>
                   </a:solidFill>
@@ -1982,7 +1982,7 @@
             </a:ln>
             <a:extLst>
               <a:ext uri="{91240B29-F687-4f45-9708-019B960494DF}">
-                <a14:hiddenLine xmlns="" xmlns:a14="http://schemas.microsoft.com/office/drawing/2010/main" w="9525">
+                <a14:hiddenLine xmlns:a14="http://schemas.microsoft.com/office/drawing/2010/main" xmlns="" w="9525">
                   <a:solidFill>
                     <a:srgbClr val="000000"/>
                   </a:solidFill>
@@ -2072,7 +2072,7 @@
             </a:ln>
             <a:extLst>
               <a:ext uri="{91240B29-F687-4f45-9708-019B960494DF}">
-                <a14:hiddenLine xmlns="" xmlns:a14="http://schemas.microsoft.com/office/drawing/2010/main" w="9525">
+                <a14:hiddenLine xmlns:a14="http://schemas.microsoft.com/office/drawing/2010/main" xmlns="" w="9525">
                   <a:solidFill>
                     <a:srgbClr val="000000"/>
                   </a:solidFill>
@@ -2134,7 +2134,7 @@
             </a:ln>
             <a:extLst>
               <a:ext uri="{91240B29-F687-4f45-9708-019B960494DF}">
-                <a14:hiddenLine xmlns="" xmlns:a14="http://schemas.microsoft.com/office/drawing/2010/main" w="9525">
+                <a14:hiddenLine xmlns:a14="http://schemas.microsoft.com/office/drawing/2010/main" xmlns="" w="9525">
                   <a:solidFill>
                     <a:srgbClr val="000000"/>
                   </a:solidFill>
@@ -2244,7 +2244,7 @@
             </a:ln>
             <a:extLst>
               <a:ext uri="{91240B29-F687-4f45-9708-019B960494DF}">
-                <a14:hiddenLine xmlns="" xmlns:a14="http://schemas.microsoft.com/office/drawing/2010/main" w="9525">
+                <a14:hiddenLine xmlns:a14="http://schemas.microsoft.com/office/drawing/2010/main" xmlns="" w="9525">
                   <a:solidFill>
                     <a:srgbClr val="000000"/>
                   </a:solidFill>
@@ -2306,7 +2306,7 @@
             </a:ln>
             <a:extLst>
               <a:ext uri="{91240B29-F687-4f45-9708-019B960494DF}">
-                <a14:hiddenLine xmlns="" xmlns:a14="http://schemas.microsoft.com/office/drawing/2010/main" w="9525">
+                <a14:hiddenLine xmlns:a14="http://schemas.microsoft.com/office/drawing/2010/main" xmlns="" w="9525">
                   <a:solidFill>
                     <a:srgbClr val="000000"/>
                   </a:solidFill>
@@ -2396,7 +2396,7 @@
             </a:ln>
             <a:extLst>
               <a:ext uri="{91240B29-F687-4f45-9708-019B960494DF}">
-                <a14:hiddenLine xmlns="" xmlns:a14="http://schemas.microsoft.com/office/drawing/2010/main" w="9525">
+                <a14:hiddenLine xmlns:a14="http://schemas.microsoft.com/office/drawing/2010/main" xmlns="" w="9525">
                   <a:solidFill>
                     <a:srgbClr val="000000"/>
                   </a:solidFill>
@@ -2486,7 +2486,7 @@
             </a:ln>
             <a:extLst>
               <a:ext uri="{91240B29-F687-4f45-9708-019B960494DF}">
-                <a14:hiddenLine xmlns="" xmlns:a14="http://schemas.microsoft.com/office/drawing/2010/main" w="9525">
+                <a14:hiddenLine xmlns:a14="http://schemas.microsoft.com/office/drawing/2010/main" xmlns="" w="9525">
                   <a:solidFill>
                     <a:srgbClr val="000000"/>
                   </a:solidFill>
@@ -2548,7 +2548,7 @@
             </a:ln>
             <a:extLst>
               <a:ext uri="{91240B29-F687-4f45-9708-019B960494DF}">
-                <a14:hiddenLine xmlns="" xmlns:a14="http://schemas.microsoft.com/office/drawing/2010/main" w="9525">
+                <a14:hiddenLine xmlns:a14="http://schemas.microsoft.com/office/drawing/2010/main" xmlns="" w="9525">
                   <a:solidFill>
                     <a:srgbClr val="000000"/>
                   </a:solidFill>
@@ -2638,7 +2638,7 @@
             </a:ln>
             <a:extLst>
               <a:ext uri="{91240B29-F687-4f45-9708-019B960494DF}">
-                <a14:hiddenLine xmlns="" xmlns:a14="http://schemas.microsoft.com/office/drawing/2010/main" w="9525">
+                <a14:hiddenLine xmlns:a14="http://schemas.microsoft.com/office/drawing/2010/main" xmlns="" w="9525">
                   <a:solidFill>
                     <a:srgbClr val="000000"/>
                   </a:solidFill>
@@ -2728,7 +2728,7 @@
             </a:ln>
             <a:extLst>
               <a:ext uri="{91240B29-F687-4f45-9708-019B960494DF}">
-                <a14:hiddenLine xmlns="" xmlns:a14="http://schemas.microsoft.com/office/drawing/2010/main" w="9525">
+                <a14:hiddenLine xmlns:a14="http://schemas.microsoft.com/office/drawing/2010/main" xmlns="" w="9525">
                   <a:solidFill>
                     <a:srgbClr val="000000"/>
                   </a:solidFill>
@@ -2784,7 +2784,7 @@
             </a:ln>
             <a:extLst>
               <a:ext uri="{91240B29-F687-4f45-9708-019B960494DF}">
-                <a14:hiddenLine xmlns="" xmlns:a14="http://schemas.microsoft.com/office/drawing/2010/main" w="9525">
+                <a14:hiddenLine xmlns:a14="http://schemas.microsoft.com/office/drawing/2010/main" xmlns="" w="9525">
                   <a:solidFill>
                     <a:srgbClr val="000000"/>
                   </a:solidFill>
@@ -2874,7 +2874,7 @@
             </a:ln>
             <a:extLst>
               <a:ext uri="{91240B29-F687-4f45-9708-019B960494DF}">
-                <a14:hiddenLine xmlns="" xmlns:a14="http://schemas.microsoft.com/office/drawing/2010/main" w="9525">
+                <a14:hiddenLine xmlns:a14="http://schemas.microsoft.com/office/drawing/2010/main" xmlns="" w="9525">
                   <a:solidFill>
                     <a:srgbClr val="000000"/>
                   </a:solidFill>
@@ -2930,7 +2930,7 @@
             </a:ln>
             <a:extLst>
               <a:ext uri="{91240B29-F687-4f45-9708-019B960494DF}">
-                <a14:hiddenLine xmlns="" xmlns:a14="http://schemas.microsoft.com/office/drawing/2010/main" w="9525">
+                <a14:hiddenLine xmlns:a14="http://schemas.microsoft.com/office/drawing/2010/main" xmlns="" w="9525">
                   <a:solidFill>
                     <a:srgbClr val="000000"/>
                   </a:solidFill>
@@ -3020,7 +3020,7 @@
             </a:ln>
             <a:extLst>
               <a:ext uri="{91240B29-F687-4f45-9708-019B960494DF}">
-                <a14:hiddenLine xmlns="" xmlns:a14="http://schemas.microsoft.com/office/drawing/2010/main" w="9525">
+                <a14:hiddenLine xmlns:a14="http://schemas.microsoft.com/office/drawing/2010/main" xmlns="" w="9525">
                   <a:solidFill>
                     <a:srgbClr val="000000"/>
                   </a:solidFill>
@@ -3088,7 +3088,7 @@
             </a:ln>
             <a:extLst>
               <a:ext uri="{91240B29-F687-4f45-9708-019B960494DF}">
-                <a14:hiddenLine xmlns="" xmlns:a14="http://schemas.microsoft.com/office/drawing/2010/main" w="9525">
+                <a14:hiddenLine xmlns:a14="http://schemas.microsoft.com/office/drawing/2010/main" xmlns="" w="9525">
                   <a:solidFill>
                     <a:srgbClr val="000000"/>
                   </a:solidFill>
@@ -3178,7 +3178,7 @@
             </a:ln>
             <a:extLst>
               <a:ext uri="{91240B29-F687-4f45-9708-019B960494DF}">
-                <a14:hiddenLine xmlns="" xmlns:a14="http://schemas.microsoft.com/office/drawing/2010/main" w="9525">
+                <a14:hiddenLine xmlns:a14="http://schemas.microsoft.com/office/drawing/2010/main" xmlns="" w="9525">
                   <a:solidFill>
                     <a:srgbClr val="000000"/>
                   </a:solidFill>
@@ -3246,7 +3246,7 @@
             </a:ln>
             <a:extLst>
               <a:ext uri="{91240B29-F687-4f45-9708-019B960494DF}">
-                <a14:hiddenLine xmlns="" xmlns:a14="http://schemas.microsoft.com/office/drawing/2010/main" w="9525">
+                <a14:hiddenLine xmlns:a14="http://schemas.microsoft.com/office/drawing/2010/main" xmlns="" w="9525">
                   <a:solidFill>
                     <a:srgbClr val="000000"/>
                   </a:solidFill>
@@ -3336,7 +3336,7 @@
             </a:ln>
             <a:extLst>
               <a:ext uri="{91240B29-F687-4f45-9708-019B960494DF}">
-                <a14:hiddenLine xmlns="" xmlns:a14="http://schemas.microsoft.com/office/drawing/2010/main" w="9525">
+                <a14:hiddenLine xmlns:a14="http://schemas.microsoft.com/office/drawing/2010/main" xmlns="" w="9525">
                   <a:solidFill>
                     <a:srgbClr val="000000"/>
                   </a:solidFill>
@@ -3370,7 +3370,7 @@
             </a:ln>
             <a:extLst>
               <a:ext uri="{91240B29-F687-4f45-9708-019B960494DF}">
-                <a14:hiddenLine xmlns="" xmlns:a14="http://schemas.microsoft.com/office/drawing/2010/main" w="9525">
+                <a14:hiddenLine xmlns:a14="http://schemas.microsoft.com/office/drawing/2010/main" xmlns="" w="9525">
                   <a:solidFill>
                     <a:srgbClr val="000000"/>
                   </a:solidFill>
@@ -3460,7 +3460,7 @@
             </a:ln>
             <a:extLst>
               <a:ext uri="{91240B29-F687-4f45-9708-019B960494DF}">
-                <a14:hiddenLine xmlns="" xmlns:a14="http://schemas.microsoft.com/office/drawing/2010/main" w="9525">
+                <a14:hiddenLine xmlns:a14="http://schemas.microsoft.com/office/drawing/2010/main" xmlns="" w="9525">
                   <a:solidFill>
                     <a:srgbClr val="000000"/>
                   </a:solidFill>
@@ -3522,7 +3522,7 @@
             </a:ln>
             <a:extLst>
               <a:ext uri="{91240B29-F687-4f45-9708-019B960494DF}">
-                <a14:hiddenLine xmlns="" xmlns:a14="http://schemas.microsoft.com/office/drawing/2010/main" w="9525">
+                <a14:hiddenLine xmlns:a14="http://schemas.microsoft.com/office/drawing/2010/main" xmlns="" w="9525">
                   <a:solidFill>
                     <a:srgbClr val="000000"/>
                   </a:solidFill>
@@ -3584,7 +3584,7 @@
             </a:ln>
             <a:extLst>
               <a:ext uri="{91240B29-F687-4f45-9708-019B960494DF}">
-                <a14:hiddenLine xmlns="" xmlns:a14="http://schemas.microsoft.com/office/drawing/2010/main" w="9525">
+                <a14:hiddenLine xmlns:a14="http://schemas.microsoft.com/office/drawing/2010/main" xmlns="" w="9525">
                   <a:solidFill>
                     <a:srgbClr val="000000"/>
                   </a:solidFill>
@@ -3674,7 +3674,7 @@
             </a:ln>
             <a:extLst>
               <a:ext uri="{91240B29-F687-4f45-9708-019B960494DF}">
-                <a14:hiddenLine xmlns="" xmlns:a14="http://schemas.microsoft.com/office/drawing/2010/main" w="9525">
+                <a14:hiddenLine xmlns:a14="http://schemas.microsoft.com/office/drawing/2010/main" xmlns="" w="9525">
                   <a:solidFill>
                     <a:srgbClr val="000000"/>
                   </a:solidFill>
@@ -3742,7 +3742,7 @@
             </a:ln>
             <a:extLst>
               <a:ext uri="{91240B29-F687-4f45-9708-019B960494DF}">
-                <a14:hiddenLine xmlns="" xmlns:a14="http://schemas.microsoft.com/office/drawing/2010/main" w="9525">
+                <a14:hiddenLine xmlns:a14="http://schemas.microsoft.com/office/drawing/2010/main" xmlns="" w="9525">
                   <a:solidFill>
                     <a:srgbClr val="000000"/>
                   </a:solidFill>
@@ -3804,7 +3804,7 @@
             </a:ln>
             <a:extLst>
               <a:ext uri="{91240B29-F687-4f45-9708-019B960494DF}">
-                <a14:hiddenLine xmlns="" xmlns:a14="http://schemas.microsoft.com/office/drawing/2010/main" w="9525">
+                <a14:hiddenLine xmlns:a14="http://schemas.microsoft.com/office/drawing/2010/main" xmlns="" w="9525">
                   <a:solidFill>
                     <a:srgbClr val="000000"/>
                   </a:solidFill>
@@ -3894,7 +3894,7 @@
             </a:ln>
             <a:extLst>
               <a:ext uri="{91240B29-F687-4f45-9708-019B960494DF}">
-                <a14:hiddenLine xmlns="" xmlns:a14="http://schemas.microsoft.com/office/drawing/2010/main" w="9525">
+                <a14:hiddenLine xmlns:a14="http://schemas.microsoft.com/office/drawing/2010/main" xmlns="" w="9525">
                   <a:solidFill>
                     <a:srgbClr val="000000"/>
                   </a:solidFill>
@@ -3956,7 +3956,7 @@
             </a:ln>
             <a:extLst>
               <a:ext uri="{91240B29-F687-4f45-9708-019B960494DF}">
-                <a14:hiddenLine xmlns="" xmlns:a14="http://schemas.microsoft.com/office/drawing/2010/main" w="9525">
+                <a14:hiddenLine xmlns:a14="http://schemas.microsoft.com/office/drawing/2010/main" xmlns="" w="9525">
                   <a:solidFill>
                     <a:srgbClr val="000000"/>
                   </a:solidFill>
@@ -4046,7 +4046,7 @@
             </a:ln>
             <a:extLst>
               <a:ext uri="{91240B29-F687-4f45-9708-019B960494DF}">
-                <a14:hiddenLine xmlns="" xmlns:a14="http://schemas.microsoft.com/office/drawing/2010/main" w="9525">
+                <a14:hiddenLine xmlns:a14="http://schemas.microsoft.com/office/drawing/2010/main" xmlns="" w="9525">
                   <a:solidFill>
                     <a:srgbClr val="000000"/>
                   </a:solidFill>
@@ -4108,7 +4108,7 @@
             </a:ln>
             <a:extLst>
               <a:ext uri="{91240B29-F687-4f45-9708-019B960494DF}">
-                <a14:hiddenLine xmlns="" xmlns:a14="http://schemas.microsoft.com/office/drawing/2010/main" w="9525">
+                <a14:hiddenLine xmlns:a14="http://schemas.microsoft.com/office/drawing/2010/main" xmlns="" w="9525">
                   <a:solidFill>
                     <a:srgbClr val="000000"/>
                   </a:solidFill>
@@ -4198,7 +4198,7 @@
             </a:ln>
             <a:extLst>
               <a:ext uri="{91240B29-F687-4f45-9708-019B960494DF}">
-                <a14:hiddenLine xmlns="" xmlns:a14="http://schemas.microsoft.com/office/drawing/2010/main" w="9525">
+                <a14:hiddenLine xmlns:a14="http://schemas.microsoft.com/office/drawing/2010/main" xmlns="" w="9525">
                   <a:solidFill>
                     <a:srgbClr val="000000"/>
                   </a:solidFill>
@@ -4232,7 +4232,7 @@
             </a:ln>
             <a:extLst>
               <a:ext uri="{91240B29-F687-4f45-9708-019B960494DF}">
-                <a14:hiddenLine xmlns="" xmlns:a14="http://schemas.microsoft.com/office/drawing/2010/main" w="9525">
+                <a14:hiddenLine xmlns:a14="http://schemas.microsoft.com/office/drawing/2010/main" xmlns="" w="9525">
                   <a:solidFill>
                     <a:srgbClr val="000000"/>
                   </a:solidFill>
@@ -4297,7 +4297,7 @@
             </a:ln>
             <a:extLst>
               <a:ext uri="{91240B29-F687-4f45-9708-019B960494DF}">
-                <a14:hiddenLine xmlns="" xmlns:a14="http://schemas.microsoft.com/office/drawing/2010/main" w="9525">
+                <a14:hiddenLine xmlns:a14="http://schemas.microsoft.com/office/drawing/2010/main" xmlns="" w="9525">
                   <a:solidFill>
                     <a:srgbClr val="000000"/>
                   </a:solidFill>
@@ -4387,7 +4387,7 @@
             </a:ln>
             <a:extLst>
               <a:ext uri="{91240B29-F687-4f45-9708-019B960494DF}">
-                <a14:hiddenLine xmlns="" xmlns:a14="http://schemas.microsoft.com/office/drawing/2010/main" w="9525">
+                <a14:hiddenLine xmlns:a14="http://schemas.microsoft.com/office/drawing/2010/main" xmlns="" w="9525">
                   <a:solidFill>
                     <a:srgbClr val="000000"/>
                   </a:solidFill>
@@ -4449,7 +4449,7 @@
             </a:ln>
             <a:extLst>
               <a:ext uri="{91240B29-F687-4f45-9708-019B960494DF}">
-                <a14:hiddenLine xmlns="" xmlns:a14="http://schemas.microsoft.com/office/drawing/2010/main" w="9525">
+                <a14:hiddenLine xmlns:a14="http://schemas.microsoft.com/office/drawing/2010/main" xmlns="" w="9525">
                   <a:solidFill>
                     <a:srgbClr val="000000"/>
                   </a:solidFill>
@@ -4539,7 +4539,7 @@
             </a:ln>
             <a:extLst>
               <a:ext uri="{91240B29-F687-4f45-9708-019B960494DF}">
-                <a14:hiddenLine xmlns="" xmlns:a14="http://schemas.microsoft.com/office/drawing/2010/main" w="9525">
+                <a14:hiddenLine xmlns:a14="http://schemas.microsoft.com/office/drawing/2010/main" xmlns="" w="9525">
                   <a:solidFill>
                     <a:srgbClr val="000000"/>
                   </a:solidFill>
@@ -4629,7 +4629,7 @@
             </a:ln>
             <a:extLst>
               <a:ext uri="{91240B29-F687-4f45-9708-019B960494DF}">
-                <a14:hiddenLine xmlns="" xmlns:a14="http://schemas.microsoft.com/office/drawing/2010/main" w="9525">
+                <a14:hiddenLine xmlns:a14="http://schemas.microsoft.com/office/drawing/2010/main" xmlns="" w="9525">
                   <a:solidFill>
                     <a:srgbClr val="000000"/>
                   </a:solidFill>
@@ -4694,7 +4694,7 @@
             </a:ln>
             <a:extLst>
               <a:ext uri="{91240B29-F687-4f45-9708-019B960494DF}">
-                <a14:hiddenLine xmlns="" xmlns:a14="http://schemas.microsoft.com/office/drawing/2010/main" w="9525">
+                <a14:hiddenLine xmlns:a14="http://schemas.microsoft.com/office/drawing/2010/main" xmlns="" w="9525">
                   <a:solidFill>
                     <a:srgbClr val="000000"/>
                   </a:solidFill>
@@ -4756,7 +4756,7 @@
             </a:ln>
             <a:extLst>
               <a:ext uri="{91240B29-F687-4f45-9708-019B960494DF}">
-                <a14:hiddenLine xmlns="" xmlns:a14="http://schemas.microsoft.com/office/drawing/2010/main" w="9525">
+                <a14:hiddenLine xmlns:a14="http://schemas.microsoft.com/office/drawing/2010/main" xmlns="" w="9525">
                   <a:solidFill>
                     <a:srgbClr val="000000"/>
                   </a:solidFill>
@@ -4846,7 +4846,7 @@
             </a:ln>
             <a:extLst>
               <a:ext uri="{91240B29-F687-4f45-9708-019B960494DF}">
-                <a14:hiddenLine xmlns="" xmlns:a14="http://schemas.microsoft.com/office/drawing/2010/main" w="9525">
+                <a14:hiddenLine xmlns:a14="http://schemas.microsoft.com/office/drawing/2010/main" xmlns="" w="9525">
                   <a:solidFill>
                     <a:srgbClr val="000000"/>
                   </a:solidFill>
@@ -4936,7 +4936,7 @@
             </a:ln>
             <a:extLst>
               <a:ext uri="{91240B29-F687-4f45-9708-019B960494DF}">
-                <a14:hiddenLine xmlns="" xmlns:a14="http://schemas.microsoft.com/office/drawing/2010/main" w="9525">
+                <a14:hiddenLine xmlns:a14="http://schemas.microsoft.com/office/drawing/2010/main" xmlns="" w="9525">
                   <a:solidFill>
                     <a:srgbClr val="000000"/>
                   </a:solidFill>
@@ -4998,7 +4998,7 @@
             </a:ln>
             <a:extLst>
               <a:ext uri="{91240B29-F687-4f45-9708-019B960494DF}">
-                <a14:hiddenLine xmlns="" xmlns:a14="http://schemas.microsoft.com/office/drawing/2010/main" w="9525">
+                <a14:hiddenLine xmlns:a14="http://schemas.microsoft.com/office/drawing/2010/main" xmlns="" w="9525">
                   <a:solidFill>
                     <a:srgbClr val="000000"/>
                   </a:solidFill>
@@ -5118,7 +5118,7 @@
             </a:ln>
             <a:extLst>
               <a:ext uri="{91240B29-F687-4f45-9708-019B960494DF}">
-                <a14:hiddenLine xmlns="" xmlns:a14="http://schemas.microsoft.com/office/drawing/2010/main" w="9525">
+                <a14:hiddenLine xmlns:a14="http://schemas.microsoft.com/office/drawing/2010/main" xmlns="" w="9525">
                   <a:solidFill>
                     <a:srgbClr val="000000"/>
                   </a:solidFill>
@@ -5186,7 +5186,7 @@
             </a:ln>
             <a:extLst>
               <a:ext uri="{91240B29-F687-4f45-9708-019B960494DF}">
-                <a14:hiddenLine xmlns="" xmlns:a14="http://schemas.microsoft.com/office/drawing/2010/main" w="9525">
+                <a14:hiddenLine xmlns:a14="http://schemas.microsoft.com/office/drawing/2010/main" xmlns="" w="9525">
                   <a:solidFill>
                     <a:srgbClr val="000000"/>
                   </a:solidFill>
@@ -5276,7 +5276,7 @@
             </a:ln>
             <a:extLst>
               <a:ext uri="{91240B29-F687-4f45-9708-019B960494DF}">
-                <a14:hiddenLine xmlns="" xmlns:a14="http://schemas.microsoft.com/office/drawing/2010/main" w="9525">
+                <a14:hiddenLine xmlns:a14="http://schemas.microsoft.com/office/drawing/2010/main" xmlns="" w="9525">
                   <a:solidFill>
                     <a:srgbClr val="000000"/>
                   </a:solidFill>
@@ -11346,7 +11346,7 @@
           <a:noFill/>
           <a:extLst>
             <a:ext uri="{909E8E84-426E-40dd-AFC4-6F175D3DCCD1}">
-              <a14:hiddenFill xmlns="" xmlns:a14="http://schemas.microsoft.com/office/drawing/2010/main">
+              <a14:hiddenFill xmlns:a14="http://schemas.microsoft.com/office/drawing/2010/main" xmlns="">
                 <a:solidFill>
                   <a:srgbClr val="FFFFFF"/>
                 </a:solidFill>
@@ -11420,7 +11420,7 @@
               </a:ln>
               <a:extLst>
                 <a:ext uri="{91240B29-F687-4f45-9708-019B960494DF}">
-                  <a14:hiddenLine xmlns="" xmlns:a14="http://schemas.microsoft.com/office/drawing/2010/main" w="9525">
+                  <a14:hiddenLine xmlns:a14="http://schemas.microsoft.com/office/drawing/2010/main" xmlns="" w="9525">
                     <a:solidFill>
                       <a:srgbClr val="000000"/>
                     </a:solidFill>
@@ -11510,7 +11510,7 @@
               </a:ln>
               <a:extLst>
                 <a:ext uri="{91240B29-F687-4f45-9708-019B960494DF}">
-                  <a14:hiddenLine xmlns="" xmlns:a14="http://schemas.microsoft.com/office/drawing/2010/main" w="9525">
+                  <a14:hiddenLine xmlns:a14="http://schemas.microsoft.com/office/drawing/2010/main" xmlns="" w="9525">
                     <a:solidFill>
                       <a:srgbClr val="000000"/>
                     </a:solidFill>
@@ -11600,7 +11600,7 @@
               </a:ln>
               <a:extLst>
                 <a:ext uri="{91240B29-F687-4f45-9708-019B960494DF}">
-                  <a14:hiddenLine xmlns="" xmlns:a14="http://schemas.microsoft.com/office/drawing/2010/main" w="9525">
+                  <a14:hiddenLine xmlns:a14="http://schemas.microsoft.com/office/drawing/2010/main" xmlns="" w="9525">
                     <a:solidFill>
                       <a:srgbClr val="000000"/>
                     </a:solidFill>
@@ -11662,7 +11662,7 @@
               </a:ln>
               <a:extLst>
                 <a:ext uri="{91240B29-F687-4f45-9708-019B960494DF}">
-                  <a14:hiddenLine xmlns="" xmlns:a14="http://schemas.microsoft.com/office/drawing/2010/main" w="9525">
+                  <a14:hiddenLine xmlns:a14="http://schemas.microsoft.com/office/drawing/2010/main" xmlns="" w="9525">
                     <a:solidFill>
                       <a:srgbClr val="000000"/>
                     </a:solidFill>
@@ -11752,7 +11752,7 @@
               </a:ln>
               <a:extLst>
                 <a:ext uri="{91240B29-F687-4f45-9708-019B960494DF}">
-                  <a14:hiddenLine xmlns="" xmlns:a14="http://schemas.microsoft.com/office/drawing/2010/main" w="9525">
+                  <a14:hiddenLine xmlns:a14="http://schemas.microsoft.com/office/drawing/2010/main" xmlns="" w="9525">
                     <a:solidFill>
                       <a:srgbClr val="000000"/>
                     </a:solidFill>
@@ -11814,7 +11814,7 @@
               </a:ln>
               <a:extLst>
                 <a:ext uri="{91240B29-F687-4f45-9708-019B960494DF}">
-                  <a14:hiddenLine xmlns="" xmlns:a14="http://schemas.microsoft.com/office/drawing/2010/main" w="9525">
+                  <a14:hiddenLine xmlns:a14="http://schemas.microsoft.com/office/drawing/2010/main" xmlns="" w="9525">
                     <a:solidFill>
                       <a:srgbClr val="000000"/>
                     </a:solidFill>
@@ -11876,7 +11876,7 @@
               </a:ln>
               <a:extLst>
                 <a:ext uri="{91240B29-F687-4f45-9708-019B960494DF}">
-                  <a14:hiddenLine xmlns="" xmlns:a14="http://schemas.microsoft.com/office/drawing/2010/main" w="9525">
+                  <a14:hiddenLine xmlns:a14="http://schemas.microsoft.com/office/drawing/2010/main" xmlns="" w="9525">
                     <a:solidFill>
                       <a:srgbClr val="000000"/>
                     </a:solidFill>
@@ -11966,7 +11966,7 @@
               </a:ln>
               <a:extLst>
                 <a:ext uri="{91240B29-F687-4f45-9708-019B960494DF}">
-                  <a14:hiddenLine xmlns="" xmlns:a14="http://schemas.microsoft.com/office/drawing/2010/main" w="9525">
+                  <a14:hiddenLine xmlns:a14="http://schemas.microsoft.com/office/drawing/2010/main" xmlns="" w="9525">
                     <a:solidFill>
                       <a:srgbClr val="000000"/>
                     </a:solidFill>
@@ -12056,7 +12056,7 @@
               </a:ln>
               <a:extLst>
                 <a:ext uri="{91240B29-F687-4f45-9708-019B960494DF}">
-                  <a14:hiddenLine xmlns="" xmlns:a14="http://schemas.microsoft.com/office/drawing/2010/main" w="9525">
+                  <a14:hiddenLine xmlns:a14="http://schemas.microsoft.com/office/drawing/2010/main" xmlns="" w="9525">
                     <a:solidFill>
                       <a:srgbClr val="000000"/>
                     </a:solidFill>
@@ -12118,7 +12118,7 @@
               </a:ln>
               <a:extLst>
                 <a:ext uri="{91240B29-F687-4f45-9708-019B960494DF}">
-                  <a14:hiddenLine xmlns="" xmlns:a14="http://schemas.microsoft.com/office/drawing/2010/main" w="9525">
+                  <a14:hiddenLine xmlns:a14="http://schemas.microsoft.com/office/drawing/2010/main" xmlns="" w="9525">
                     <a:solidFill>
                       <a:srgbClr val="000000"/>
                     </a:solidFill>
@@ -12228,7 +12228,7 @@
               </a:ln>
               <a:extLst>
                 <a:ext uri="{91240B29-F687-4f45-9708-019B960494DF}">
-                  <a14:hiddenLine xmlns="" xmlns:a14="http://schemas.microsoft.com/office/drawing/2010/main" w="9525">
+                  <a14:hiddenLine xmlns:a14="http://schemas.microsoft.com/office/drawing/2010/main" xmlns="" w="9525">
                     <a:solidFill>
                       <a:srgbClr val="000000"/>
                     </a:solidFill>
@@ -12312,7 +12312,7 @@
               </a:ln>
               <a:extLst>
                 <a:ext uri="{91240B29-F687-4f45-9708-019B960494DF}">
-                  <a14:hiddenLine xmlns="" xmlns:a14="http://schemas.microsoft.com/office/drawing/2010/main" w="9525">
+                  <a14:hiddenLine xmlns:a14="http://schemas.microsoft.com/office/drawing/2010/main" xmlns="" w="9525">
                     <a:solidFill>
                       <a:srgbClr val="000000"/>
                     </a:solidFill>
@@ -12374,7 +12374,7 @@
               </a:ln>
               <a:extLst>
                 <a:ext uri="{91240B29-F687-4f45-9708-019B960494DF}">
-                  <a14:hiddenLine xmlns="" xmlns:a14="http://schemas.microsoft.com/office/drawing/2010/main" w="9525">
+                  <a14:hiddenLine xmlns:a14="http://schemas.microsoft.com/office/drawing/2010/main" xmlns="" w="9525">
                     <a:solidFill>
                       <a:srgbClr val="000000"/>
                     </a:solidFill>
@@ -12436,7 +12436,7 @@
               </a:ln>
               <a:extLst>
                 <a:ext uri="{91240B29-F687-4f45-9708-019B960494DF}">
-                  <a14:hiddenLine xmlns="" xmlns:a14="http://schemas.microsoft.com/office/drawing/2010/main" w="9525">
+                  <a14:hiddenLine xmlns:a14="http://schemas.microsoft.com/office/drawing/2010/main" xmlns="" w="9525">
                     <a:solidFill>
                       <a:srgbClr val="000000"/>
                     </a:solidFill>
@@ -12526,7 +12526,7 @@
               </a:ln>
               <a:extLst>
                 <a:ext uri="{91240B29-F687-4f45-9708-019B960494DF}">
-                  <a14:hiddenLine xmlns="" xmlns:a14="http://schemas.microsoft.com/office/drawing/2010/main" w="9525">
+                  <a14:hiddenLine xmlns:a14="http://schemas.microsoft.com/office/drawing/2010/main" xmlns="" w="9525">
                     <a:solidFill>
                       <a:srgbClr val="000000"/>
                     </a:solidFill>
@@ -12560,7 +12560,7 @@
               </a:ln>
               <a:extLst>
                 <a:ext uri="{91240B29-F687-4f45-9708-019B960494DF}">
-                  <a14:hiddenLine xmlns="" xmlns:a14="http://schemas.microsoft.com/office/drawing/2010/main" w="9525">
+                  <a14:hiddenLine xmlns:a14="http://schemas.microsoft.com/office/drawing/2010/main" xmlns="" w="9525">
                     <a:solidFill>
                       <a:srgbClr val="000000"/>
                     </a:solidFill>
@@ -12625,7 +12625,7 @@
               </a:ln>
               <a:extLst>
                 <a:ext uri="{91240B29-F687-4f45-9708-019B960494DF}">
-                  <a14:hiddenLine xmlns="" xmlns:a14="http://schemas.microsoft.com/office/drawing/2010/main" w="9525">
+                  <a14:hiddenLine xmlns:a14="http://schemas.microsoft.com/office/drawing/2010/main" xmlns="" w="9525">
                     <a:solidFill>
                       <a:srgbClr val="000000"/>
                     </a:solidFill>
@@ -12715,7 +12715,7 @@
               </a:ln>
               <a:extLst>
                 <a:ext uri="{91240B29-F687-4f45-9708-019B960494DF}">
-                  <a14:hiddenLine xmlns="" xmlns:a14="http://schemas.microsoft.com/office/drawing/2010/main" w="9525">
+                  <a14:hiddenLine xmlns:a14="http://schemas.microsoft.com/office/drawing/2010/main" xmlns="" w="9525">
                     <a:solidFill>
                       <a:srgbClr val="000000"/>
                     </a:solidFill>
@@ -12777,7 +12777,7 @@
               </a:ln>
               <a:extLst>
                 <a:ext uri="{91240B29-F687-4f45-9708-019B960494DF}">
-                  <a14:hiddenLine xmlns="" xmlns:a14="http://schemas.microsoft.com/office/drawing/2010/main" w="9525">
+                  <a14:hiddenLine xmlns:a14="http://schemas.microsoft.com/office/drawing/2010/main" xmlns="" w="9525">
                     <a:solidFill>
                       <a:srgbClr val="000000"/>
                     </a:solidFill>
@@ -12867,7 +12867,7 @@
               </a:ln>
               <a:extLst>
                 <a:ext uri="{91240B29-F687-4f45-9708-019B960494DF}">
-                  <a14:hiddenLine xmlns="" xmlns:a14="http://schemas.microsoft.com/office/drawing/2010/main" w="9525">
+                  <a14:hiddenLine xmlns:a14="http://schemas.microsoft.com/office/drawing/2010/main" xmlns="" w="9525">
                     <a:solidFill>
                       <a:srgbClr val="000000"/>
                     </a:solidFill>
@@ -12932,7 +12932,7 @@
               </a:ln>
               <a:extLst>
                 <a:ext uri="{91240B29-F687-4f45-9708-019B960494DF}">
-                  <a14:hiddenLine xmlns="" xmlns:a14="http://schemas.microsoft.com/office/drawing/2010/main" w="9525">
+                  <a14:hiddenLine xmlns:a14="http://schemas.microsoft.com/office/drawing/2010/main" xmlns="" w="9525">
                     <a:solidFill>
                       <a:srgbClr val="000000"/>
                     </a:solidFill>
@@ -12994,7 +12994,7 @@
               </a:ln>
               <a:extLst>
                 <a:ext uri="{91240B29-F687-4f45-9708-019B960494DF}">
-                  <a14:hiddenLine xmlns="" xmlns:a14="http://schemas.microsoft.com/office/drawing/2010/main" w="9525">
+                  <a14:hiddenLine xmlns:a14="http://schemas.microsoft.com/office/drawing/2010/main" xmlns="" w="9525">
                     <a:solidFill>
                       <a:srgbClr val="000000"/>
                     </a:solidFill>
@@ -13084,7 +13084,7 @@
               </a:ln>
               <a:extLst>
                 <a:ext uri="{91240B29-F687-4f45-9708-019B960494DF}">
-                  <a14:hiddenLine xmlns="" xmlns:a14="http://schemas.microsoft.com/office/drawing/2010/main" w="9525">
+                  <a14:hiddenLine xmlns:a14="http://schemas.microsoft.com/office/drawing/2010/main" xmlns="" w="9525">
                     <a:solidFill>
                       <a:srgbClr val="000000"/>
                     </a:solidFill>
@@ -13174,7 +13174,7 @@
               </a:ln>
               <a:extLst>
                 <a:ext uri="{91240B29-F687-4f45-9708-019B960494DF}">
-                  <a14:hiddenLine xmlns="" xmlns:a14="http://schemas.microsoft.com/office/drawing/2010/main" w="9525">
+                  <a14:hiddenLine xmlns:a14="http://schemas.microsoft.com/office/drawing/2010/main" xmlns="" w="9525">
                     <a:solidFill>
                       <a:srgbClr val="000000"/>
                     </a:solidFill>
@@ -13239,7 +13239,7 @@
               </a:ln>
               <a:extLst>
                 <a:ext uri="{91240B29-F687-4f45-9708-019B960494DF}">
-                  <a14:hiddenLine xmlns="" xmlns:a14="http://schemas.microsoft.com/office/drawing/2010/main" w="9525">
+                  <a14:hiddenLine xmlns:a14="http://schemas.microsoft.com/office/drawing/2010/main" xmlns="" w="9525">
                     <a:solidFill>
                       <a:srgbClr val="000000"/>
                     </a:solidFill>
@@ -13359,7 +13359,7 @@
               </a:ln>
               <a:extLst>
                 <a:ext uri="{91240B29-F687-4f45-9708-019B960494DF}">
-                  <a14:hiddenLine xmlns="" xmlns:a14="http://schemas.microsoft.com/office/drawing/2010/main" w="9525">
+                  <a14:hiddenLine xmlns:a14="http://schemas.microsoft.com/office/drawing/2010/main" xmlns="" w="9525">
                     <a:solidFill>
                       <a:srgbClr val="000000"/>
                     </a:solidFill>
@@ -13457,7 +13457,7 @@
               </a:ln>
               <a:extLst>
                 <a:ext uri="{91240B29-F687-4f45-9708-019B960494DF}">
-                  <a14:hiddenLine xmlns="" xmlns:a14="http://schemas.microsoft.com/office/drawing/2010/main" w="9525">
+                  <a14:hiddenLine xmlns:a14="http://schemas.microsoft.com/office/drawing/2010/main" xmlns="" w="9525">
                     <a:solidFill>
                       <a:srgbClr val="000000"/>
                     </a:solidFill>
@@ -13572,7 +13572,7 @@
               </a:ln>
               <a:extLst>
                 <a:ext uri="{91240B29-F687-4f45-9708-019B960494DF}">
-                  <a14:hiddenLine xmlns="" xmlns:a14="http://schemas.microsoft.com/office/drawing/2010/main" w="9525">
+                  <a14:hiddenLine xmlns:a14="http://schemas.microsoft.com/office/drawing/2010/main" xmlns="" w="9525">
                     <a:solidFill>
                       <a:srgbClr val="000000"/>
                     </a:solidFill>
@@ -13662,7 +13662,7 @@
               </a:ln>
               <a:extLst>
                 <a:ext uri="{91240B29-F687-4f45-9708-019B960494DF}">
-                  <a14:hiddenLine xmlns="" xmlns:a14="http://schemas.microsoft.com/office/drawing/2010/main" w="9525">
+                  <a14:hiddenLine xmlns:a14="http://schemas.microsoft.com/office/drawing/2010/main" xmlns="" w="9525">
                     <a:solidFill>
                       <a:srgbClr val="000000"/>
                     </a:solidFill>
@@ -13727,7 +13727,7 @@
               </a:ln>
               <a:extLst>
                 <a:ext uri="{91240B29-F687-4f45-9708-019B960494DF}">
-                  <a14:hiddenLine xmlns="" xmlns:a14="http://schemas.microsoft.com/office/drawing/2010/main" w="9525">
+                  <a14:hiddenLine xmlns:a14="http://schemas.microsoft.com/office/drawing/2010/main" xmlns="" w="9525">
                     <a:solidFill>
                       <a:srgbClr val="000000"/>
                     </a:solidFill>
@@ -13817,7 +13817,7 @@
               </a:ln>
               <a:extLst>
                 <a:ext uri="{91240B29-F687-4f45-9708-019B960494DF}">
-                  <a14:hiddenLine xmlns="" xmlns:a14="http://schemas.microsoft.com/office/drawing/2010/main" w="9525">
+                  <a14:hiddenLine xmlns:a14="http://schemas.microsoft.com/office/drawing/2010/main" xmlns="" w="9525">
                     <a:solidFill>
                       <a:srgbClr val="000000"/>
                     </a:solidFill>
@@ -13885,7 +13885,7 @@
               </a:ln>
               <a:extLst>
                 <a:ext uri="{91240B29-F687-4f45-9708-019B960494DF}">
-                  <a14:hiddenLine xmlns="" xmlns:a14="http://schemas.microsoft.com/office/drawing/2010/main" w="9525">
+                  <a14:hiddenLine xmlns:a14="http://schemas.microsoft.com/office/drawing/2010/main" xmlns="" w="9525">
                     <a:solidFill>
                       <a:srgbClr val="000000"/>
                     </a:solidFill>
@@ -13975,7 +13975,7 @@
               </a:ln>
               <a:extLst>
                 <a:ext uri="{91240B29-F687-4f45-9708-019B960494DF}">
-                  <a14:hiddenLine xmlns="" xmlns:a14="http://schemas.microsoft.com/office/drawing/2010/main" w="9525">
+                  <a14:hiddenLine xmlns:a14="http://schemas.microsoft.com/office/drawing/2010/main" xmlns="" w="9525">
                     <a:solidFill>
                       <a:srgbClr val="000000"/>
                     </a:solidFill>
@@ -14043,7 +14043,7 @@
               </a:ln>
               <a:extLst>
                 <a:ext uri="{91240B29-F687-4f45-9708-019B960494DF}">
-                  <a14:hiddenLine xmlns="" xmlns:a14="http://schemas.microsoft.com/office/drawing/2010/main" w="9525">
+                  <a14:hiddenLine xmlns:a14="http://schemas.microsoft.com/office/drawing/2010/main" xmlns="" w="9525">
                     <a:solidFill>
                       <a:srgbClr val="000000"/>
                     </a:solidFill>
@@ -14133,7 +14133,7 @@
               </a:ln>
               <a:extLst>
                 <a:ext uri="{91240B29-F687-4f45-9708-019B960494DF}">
-                  <a14:hiddenLine xmlns="" xmlns:a14="http://schemas.microsoft.com/office/drawing/2010/main" w="9525">
+                  <a14:hiddenLine xmlns:a14="http://schemas.microsoft.com/office/drawing/2010/main" xmlns="" w="9525">
                     <a:solidFill>
                       <a:srgbClr val="000000"/>
                     </a:solidFill>
@@ -14167,7 +14167,7 @@
               </a:ln>
               <a:extLst>
                 <a:ext uri="{91240B29-F687-4f45-9708-019B960494DF}">
-                  <a14:hiddenLine xmlns="" xmlns:a14="http://schemas.microsoft.com/office/drawing/2010/main" w="9525">
+                  <a14:hiddenLine xmlns:a14="http://schemas.microsoft.com/office/drawing/2010/main" xmlns="" w="9525">
                     <a:solidFill>
                       <a:srgbClr val="000000"/>
                     </a:solidFill>
@@ -15992,6 +15992,10 @@
           </p:nvPr>
         </p:nvSpPr>
         <p:spPr>
+          <a:xfrm>
+            <a:off x="899591" y="113175"/>
+            <a:ext cx="7434783" cy="857400"/>
+          </a:xfrm>
           <a:prstGeom prst="rect">
             <a:avLst/>
           </a:prstGeom>
@@ -16004,8 +16008,28 @@
           <a:p>
             <a:pPr lvl="0"/>
             <a:r>
-              <a:rPr lang="es-EC" dirty="0"/>
-              <a:t>ESQUEMA DE FUNCIONAMIENTO DE LA PROPUESTA</a:t>
+              <a:rPr lang="es-EC" dirty="0">
+                <a:solidFill>
+                  <a:schemeClr val="bg1"/>
+                </a:solidFill>
+              </a:rPr>
+              <a:t>ESQUEMA DE </a:t>
+            </a:r>
+            <a:r>
+              <a:rPr lang="es-EC" dirty="0" smtClean="0">
+                <a:solidFill>
+                  <a:schemeClr val="bg1"/>
+                </a:solidFill>
+              </a:rPr>
+              <a:t>FUNCIOAMIENTO </a:t>
+            </a:r>
+            <a:r>
+              <a:rPr lang="es-EC" dirty="0">
+                <a:solidFill>
+                  <a:schemeClr val="bg1"/>
+                </a:solidFill>
+              </a:rPr>
+              <a:t>DE LA PROPUESTA</a:t>
             </a:r>
           </a:p>
         </p:txBody>
@@ -16101,6 +16125,36 @@
           </a:p>
         </p:txBody>
       </p:sp>
+      <p:pic>
+        <p:nvPicPr>
+          <p:cNvPr id="2" name="Imagen 1"/>
+          <p:cNvPicPr>
+            <a:picLocks noChangeAspect="1"/>
+          </p:cNvPicPr>
+          <p:nvPr/>
+        </p:nvPicPr>
+        <p:blipFill>
+          <a:blip r:embed="rId3">
+            <a:extLst>
+              <a:ext uri="{28A0092B-C50C-407E-A947-70E740481C1C}">
+                <a14:useLocalDpi xmlns:a14="http://schemas.microsoft.com/office/drawing/2010/main" val="0"/>
+              </a:ext>
+            </a:extLst>
+          </a:blip>
+          <a:stretch>
+            <a:fillRect/>
+          </a:stretch>
+        </p:blipFill>
+        <p:spPr>
+          <a:xfrm>
+            <a:off x="809625" y="1059582"/>
+            <a:ext cx="7524750" cy="3512418"/>
+          </a:xfrm>
+          <a:prstGeom prst="rect">
+            <a:avLst/>
+          </a:prstGeom>
+        </p:spPr>
+      </p:pic>
     </p:spTree>
     <p:extLst>
       <p:ext uri="{BB962C8B-B14F-4D97-AF65-F5344CB8AC3E}">

--- a/group3/Grupo 3 - Proyecto.pptx
+++ b/group3/Grupo 3 - Proyecto.pptx
@@ -1190,7 +1190,7 @@
           <a:noFill/>
           <a:extLst>
             <a:ext uri="{909E8E84-426E-40dd-AFC4-6F175D3DCCD1}">
-              <a14:hiddenFill xmlns:a14="http://schemas.microsoft.com/office/drawing/2010/main" xmlns="">
+              <a14:hiddenFill xmlns="" xmlns:a14="http://schemas.microsoft.com/office/drawing/2010/main">
                 <a:solidFill>
                   <a:srgbClr val="FFFFFF"/>
                 </a:solidFill>
@@ -1250,7 +1250,7 @@
             </a:ln>
             <a:extLst>
               <a:ext uri="{91240B29-F687-4f45-9708-019B960494DF}">
-                <a14:hiddenLine xmlns:a14="http://schemas.microsoft.com/office/drawing/2010/main" xmlns="" w="9525">
+                <a14:hiddenLine xmlns="" xmlns:a14="http://schemas.microsoft.com/office/drawing/2010/main" w="9525">
                   <a:solidFill>
                     <a:srgbClr val="000000"/>
                   </a:solidFill>
@@ -1340,7 +1340,7 @@
             </a:ln>
             <a:extLst>
               <a:ext uri="{91240B29-F687-4f45-9708-019B960494DF}">
-                <a14:hiddenLine xmlns:a14="http://schemas.microsoft.com/office/drawing/2010/main" xmlns="" w="9525">
+                <a14:hiddenLine xmlns="" xmlns:a14="http://schemas.microsoft.com/office/drawing/2010/main" w="9525">
                   <a:solidFill>
                     <a:srgbClr val="000000"/>
                   </a:solidFill>
@@ -1430,7 +1430,7 @@
             </a:ln>
             <a:extLst>
               <a:ext uri="{91240B29-F687-4f45-9708-019B960494DF}">
-                <a14:hiddenLine xmlns:a14="http://schemas.microsoft.com/office/drawing/2010/main" xmlns="" w="9525">
+                <a14:hiddenLine xmlns="" xmlns:a14="http://schemas.microsoft.com/office/drawing/2010/main" w="9525">
                   <a:solidFill>
                     <a:srgbClr val="000000"/>
                   </a:solidFill>
@@ -1464,7 +1464,7 @@
             </a:ln>
             <a:extLst>
               <a:ext uri="{91240B29-F687-4f45-9708-019B960494DF}">
-                <a14:hiddenLine xmlns:a14="http://schemas.microsoft.com/office/drawing/2010/main" xmlns="" w="9525">
+                <a14:hiddenLine xmlns="" xmlns:a14="http://schemas.microsoft.com/office/drawing/2010/main" w="9525">
                   <a:solidFill>
                     <a:srgbClr val="000000"/>
                   </a:solidFill>
@@ -1554,7 +1554,7 @@
             </a:ln>
             <a:extLst>
               <a:ext uri="{91240B29-F687-4f45-9708-019B960494DF}">
-                <a14:hiddenLine xmlns:a14="http://schemas.microsoft.com/office/drawing/2010/main" xmlns="" w="9525">
+                <a14:hiddenLine xmlns="" xmlns:a14="http://schemas.microsoft.com/office/drawing/2010/main" w="9525">
                   <a:solidFill>
                     <a:srgbClr val="000000"/>
                   </a:solidFill>
@@ -1616,7 +1616,7 @@
             </a:ln>
             <a:extLst>
               <a:ext uri="{91240B29-F687-4f45-9708-019B960494DF}">
-                <a14:hiddenLine xmlns:a14="http://schemas.microsoft.com/office/drawing/2010/main" xmlns="" w="9525">
+                <a14:hiddenLine xmlns="" xmlns:a14="http://schemas.microsoft.com/office/drawing/2010/main" w="9525">
                   <a:solidFill>
                     <a:srgbClr val="000000"/>
                   </a:solidFill>
@@ -1678,7 +1678,7 @@
             </a:ln>
             <a:extLst>
               <a:ext uri="{91240B29-F687-4f45-9708-019B960494DF}">
-                <a14:hiddenLine xmlns:a14="http://schemas.microsoft.com/office/drawing/2010/main" xmlns="" w="9525">
+                <a14:hiddenLine xmlns="" xmlns:a14="http://schemas.microsoft.com/office/drawing/2010/main" w="9525">
                   <a:solidFill>
                     <a:srgbClr val="000000"/>
                   </a:solidFill>
@@ -1768,7 +1768,7 @@
             </a:ln>
             <a:extLst>
               <a:ext uri="{91240B29-F687-4f45-9708-019B960494DF}">
-                <a14:hiddenLine xmlns:a14="http://schemas.microsoft.com/office/drawing/2010/main" xmlns="" w="9525">
+                <a14:hiddenLine xmlns="" xmlns:a14="http://schemas.microsoft.com/office/drawing/2010/main" w="9525">
                   <a:solidFill>
                     <a:srgbClr val="000000"/>
                   </a:solidFill>
@@ -1830,7 +1830,7 @@
             </a:ln>
             <a:extLst>
               <a:ext uri="{91240B29-F687-4f45-9708-019B960494DF}">
-                <a14:hiddenLine xmlns:a14="http://schemas.microsoft.com/office/drawing/2010/main" xmlns="" w="9525">
+                <a14:hiddenLine xmlns="" xmlns:a14="http://schemas.microsoft.com/office/drawing/2010/main" w="9525">
                   <a:solidFill>
                     <a:srgbClr val="000000"/>
                   </a:solidFill>
@@ -1892,7 +1892,7 @@
             </a:ln>
             <a:extLst>
               <a:ext uri="{91240B29-F687-4f45-9708-019B960494DF}">
-                <a14:hiddenLine xmlns:a14="http://schemas.microsoft.com/office/drawing/2010/main" xmlns="" w="9525">
+                <a14:hiddenLine xmlns="" xmlns:a14="http://schemas.microsoft.com/office/drawing/2010/main" w="9525">
                   <a:solidFill>
                     <a:srgbClr val="000000"/>
                   </a:solidFill>
@@ -1982,7 +1982,7 @@
             </a:ln>
             <a:extLst>
               <a:ext uri="{91240B29-F687-4f45-9708-019B960494DF}">
-                <a14:hiddenLine xmlns:a14="http://schemas.microsoft.com/office/drawing/2010/main" xmlns="" w="9525">
+                <a14:hiddenLine xmlns="" xmlns:a14="http://schemas.microsoft.com/office/drawing/2010/main" w="9525">
                   <a:solidFill>
                     <a:srgbClr val="000000"/>
                   </a:solidFill>
@@ -2072,7 +2072,7 @@
             </a:ln>
             <a:extLst>
               <a:ext uri="{91240B29-F687-4f45-9708-019B960494DF}">
-                <a14:hiddenLine xmlns:a14="http://schemas.microsoft.com/office/drawing/2010/main" xmlns="" w="9525">
+                <a14:hiddenLine xmlns="" xmlns:a14="http://schemas.microsoft.com/office/drawing/2010/main" w="9525">
                   <a:solidFill>
                     <a:srgbClr val="000000"/>
                   </a:solidFill>
@@ -2134,7 +2134,7 @@
             </a:ln>
             <a:extLst>
               <a:ext uri="{91240B29-F687-4f45-9708-019B960494DF}">
-                <a14:hiddenLine xmlns:a14="http://schemas.microsoft.com/office/drawing/2010/main" xmlns="" w="9525">
+                <a14:hiddenLine xmlns="" xmlns:a14="http://schemas.microsoft.com/office/drawing/2010/main" w="9525">
                   <a:solidFill>
                     <a:srgbClr val="000000"/>
                   </a:solidFill>
@@ -2244,7 +2244,7 @@
             </a:ln>
             <a:extLst>
               <a:ext uri="{91240B29-F687-4f45-9708-019B960494DF}">
-                <a14:hiddenLine xmlns:a14="http://schemas.microsoft.com/office/drawing/2010/main" xmlns="" w="9525">
+                <a14:hiddenLine xmlns="" xmlns:a14="http://schemas.microsoft.com/office/drawing/2010/main" w="9525">
                   <a:solidFill>
                     <a:srgbClr val="000000"/>
                   </a:solidFill>
@@ -2306,7 +2306,7 @@
             </a:ln>
             <a:extLst>
               <a:ext uri="{91240B29-F687-4f45-9708-019B960494DF}">
-                <a14:hiddenLine xmlns:a14="http://schemas.microsoft.com/office/drawing/2010/main" xmlns="" w="9525">
+                <a14:hiddenLine xmlns="" xmlns:a14="http://schemas.microsoft.com/office/drawing/2010/main" w="9525">
                   <a:solidFill>
                     <a:srgbClr val="000000"/>
                   </a:solidFill>
@@ -2396,7 +2396,7 @@
             </a:ln>
             <a:extLst>
               <a:ext uri="{91240B29-F687-4f45-9708-019B960494DF}">
-                <a14:hiddenLine xmlns:a14="http://schemas.microsoft.com/office/drawing/2010/main" xmlns="" w="9525">
+                <a14:hiddenLine xmlns="" xmlns:a14="http://schemas.microsoft.com/office/drawing/2010/main" w="9525">
                   <a:solidFill>
                     <a:srgbClr val="000000"/>
                   </a:solidFill>
@@ -2486,7 +2486,7 @@
             </a:ln>
             <a:extLst>
               <a:ext uri="{91240B29-F687-4f45-9708-019B960494DF}">
-                <a14:hiddenLine xmlns:a14="http://schemas.microsoft.com/office/drawing/2010/main" xmlns="" w="9525">
+                <a14:hiddenLine xmlns="" xmlns:a14="http://schemas.microsoft.com/office/drawing/2010/main" w="9525">
                   <a:solidFill>
                     <a:srgbClr val="000000"/>
                   </a:solidFill>
@@ -2548,7 +2548,7 @@
             </a:ln>
             <a:extLst>
               <a:ext uri="{91240B29-F687-4f45-9708-019B960494DF}">
-                <a14:hiddenLine xmlns:a14="http://schemas.microsoft.com/office/drawing/2010/main" xmlns="" w="9525">
+                <a14:hiddenLine xmlns="" xmlns:a14="http://schemas.microsoft.com/office/drawing/2010/main" w="9525">
                   <a:solidFill>
                     <a:srgbClr val="000000"/>
                   </a:solidFill>
@@ -2638,7 +2638,7 @@
             </a:ln>
             <a:extLst>
               <a:ext uri="{91240B29-F687-4f45-9708-019B960494DF}">
-                <a14:hiddenLine xmlns:a14="http://schemas.microsoft.com/office/drawing/2010/main" xmlns="" w="9525">
+                <a14:hiddenLine xmlns="" xmlns:a14="http://schemas.microsoft.com/office/drawing/2010/main" w="9525">
                   <a:solidFill>
                     <a:srgbClr val="000000"/>
                   </a:solidFill>
@@ -2728,7 +2728,7 @@
             </a:ln>
             <a:extLst>
               <a:ext uri="{91240B29-F687-4f45-9708-019B960494DF}">
-                <a14:hiddenLine xmlns:a14="http://schemas.microsoft.com/office/drawing/2010/main" xmlns="" w="9525">
+                <a14:hiddenLine xmlns="" xmlns:a14="http://schemas.microsoft.com/office/drawing/2010/main" w="9525">
                   <a:solidFill>
                     <a:srgbClr val="000000"/>
                   </a:solidFill>
@@ -2784,7 +2784,7 @@
             </a:ln>
             <a:extLst>
               <a:ext uri="{91240B29-F687-4f45-9708-019B960494DF}">
-                <a14:hiddenLine xmlns:a14="http://schemas.microsoft.com/office/drawing/2010/main" xmlns="" w="9525">
+                <a14:hiddenLine xmlns="" xmlns:a14="http://schemas.microsoft.com/office/drawing/2010/main" w="9525">
                   <a:solidFill>
                     <a:srgbClr val="000000"/>
                   </a:solidFill>
@@ -2874,7 +2874,7 @@
             </a:ln>
             <a:extLst>
               <a:ext uri="{91240B29-F687-4f45-9708-019B960494DF}">
-                <a14:hiddenLine xmlns:a14="http://schemas.microsoft.com/office/drawing/2010/main" xmlns="" w="9525">
+                <a14:hiddenLine xmlns="" xmlns:a14="http://schemas.microsoft.com/office/drawing/2010/main" w="9525">
                   <a:solidFill>
                     <a:srgbClr val="000000"/>
                   </a:solidFill>
@@ -2930,7 +2930,7 @@
             </a:ln>
             <a:extLst>
               <a:ext uri="{91240B29-F687-4f45-9708-019B960494DF}">
-                <a14:hiddenLine xmlns:a14="http://schemas.microsoft.com/office/drawing/2010/main" xmlns="" w="9525">
+                <a14:hiddenLine xmlns="" xmlns:a14="http://schemas.microsoft.com/office/drawing/2010/main" w="9525">
                   <a:solidFill>
                     <a:srgbClr val="000000"/>
                   </a:solidFill>
@@ -3020,7 +3020,7 @@
             </a:ln>
             <a:extLst>
               <a:ext uri="{91240B29-F687-4f45-9708-019B960494DF}">
-                <a14:hiddenLine xmlns:a14="http://schemas.microsoft.com/office/drawing/2010/main" xmlns="" w="9525">
+                <a14:hiddenLine xmlns="" xmlns:a14="http://schemas.microsoft.com/office/drawing/2010/main" w="9525">
                   <a:solidFill>
                     <a:srgbClr val="000000"/>
                   </a:solidFill>
@@ -3088,7 +3088,7 @@
             </a:ln>
             <a:extLst>
               <a:ext uri="{91240B29-F687-4f45-9708-019B960494DF}">
-                <a14:hiddenLine xmlns:a14="http://schemas.microsoft.com/office/drawing/2010/main" xmlns="" w="9525">
+                <a14:hiddenLine xmlns="" xmlns:a14="http://schemas.microsoft.com/office/drawing/2010/main" w="9525">
                   <a:solidFill>
                     <a:srgbClr val="000000"/>
                   </a:solidFill>
@@ -3178,7 +3178,7 @@
             </a:ln>
             <a:extLst>
               <a:ext uri="{91240B29-F687-4f45-9708-019B960494DF}">
-                <a14:hiddenLine xmlns:a14="http://schemas.microsoft.com/office/drawing/2010/main" xmlns="" w="9525">
+                <a14:hiddenLine xmlns="" xmlns:a14="http://schemas.microsoft.com/office/drawing/2010/main" w="9525">
                   <a:solidFill>
                     <a:srgbClr val="000000"/>
                   </a:solidFill>
@@ -3246,7 +3246,7 @@
             </a:ln>
             <a:extLst>
               <a:ext uri="{91240B29-F687-4f45-9708-019B960494DF}">
-                <a14:hiddenLine xmlns:a14="http://schemas.microsoft.com/office/drawing/2010/main" xmlns="" w="9525">
+                <a14:hiddenLine xmlns="" xmlns:a14="http://schemas.microsoft.com/office/drawing/2010/main" w="9525">
                   <a:solidFill>
                     <a:srgbClr val="000000"/>
                   </a:solidFill>
@@ -3336,7 +3336,7 @@
             </a:ln>
             <a:extLst>
               <a:ext uri="{91240B29-F687-4f45-9708-019B960494DF}">
-                <a14:hiddenLine xmlns:a14="http://schemas.microsoft.com/office/drawing/2010/main" xmlns="" w="9525">
+                <a14:hiddenLine xmlns="" xmlns:a14="http://schemas.microsoft.com/office/drawing/2010/main" w="9525">
                   <a:solidFill>
                     <a:srgbClr val="000000"/>
                   </a:solidFill>
@@ -3370,7 +3370,7 @@
             </a:ln>
             <a:extLst>
               <a:ext uri="{91240B29-F687-4f45-9708-019B960494DF}">
-                <a14:hiddenLine xmlns:a14="http://schemas.microsoft.com/office/drawing/2010/main" xmlns="" w="9525">
+                <a14:hiddenLine xmlns="" xmlns:a14="http://schemas.microsoft.com/office/drawing/2010/main" w="9525">
                   <a:solidFill>
                     <a:srgbClr val="000000"/>
                   </a:solidFill>
@@ -3460,7 +3460,7 @@
             </a:ln>
             <a:extLst>
               <a:ext uri="{91240B29-F687-4f45-9708-019B960494DF}">
-                <a14:hiddenLine xmlns:a14="http://schemas.microsoft.com/office/drawing/2010/main" xmlns="" w="9525">
+                <a14:hiddenLine xmlns="" xmlns:a14="http://schemas.microsoft.com/office/drawing/2010/main" w="9525">
                   <a:solidFill>
                     <a:srgbClr val="000000"/>
                   </a:solidFill>
@@ -3522,7 +3522,7 @@
             </a:ln>
             <a:extLst>
               <a:ext uri="{91240B29-F687-4f45-9708-019B960494DF}">
-                <a14:hiddenLine xmlns:a14="http://schemas.microsoft.com/office/drawing/2010/main" xmlns="" w="9525">
+                <a14:hiddenLine xmlns="" xmlns:a14="http://schemas.microsoft.com/office/drawing/2010/main" w="9525">
                   <a:solidFill>
                     <a:srgbClr val="000000"/>
                   </a:solidFill>
@@ -3584,7 +3584,7 @@
             </a:ln>
             <a:extLst>
               <a:ext uri="{91240B29-F687-4f45-9708-019B960494DF}">
-                <a14:hiddenLine xmlns:a14="http://schemas.microsoft.com/office/drawing/2010/main" xmlns="" w="9525">
+                <a14:hiddenLine xmlns="" xmlns:a14="http://schemas.microsoft.com/office/drawing/2010/main" w="9525">
                   <a:solidFill>
                     <a:srgbClr val="000000"/>
                   </a:solidFill>
@@ -3674,7 +3674,7 @@
             </a:ln>
             <a:extLst>
               <a:ext uri="{91240B29-F687-4f45-9708-019B960494DF}">
-                <a14:hiddenLine xmlns:a14="http://schemas.microsoft.com/office/drawing/2010/main" xmlns="" w="9525">
+                <a14:hiddenLine xmlns="" xmlns:a14="http://schemas.microsoft.com/office/drawing/2010/main" w="9525">
                   <a:solidFill>
                     <a:srgbClr val="000000"/>
                   </a:solidFill>
@@ -3742,7 +3742,7 @@
             </a:ln>
             <a:extLst>
               <a:ext uri="{91240B29-F687-4f45-9708-019B960494DF}">
-                <a14:hiddenLine xmlns:a14="http://schemas.microsoft.com/office/drawing/2010/main" xmlns="" w="9525">
+                <a14:hiddenLine xmlns="" xmlns:a14="http://schemas.microsoft.com/office/drawing/2010/main" w="9525">
                   <a:solidFill>
                     <a:srgbClr val="000000"/>
                   </a:solidFill>
@@ -3804,7 +3804,7 @@
             </a:ln>
             <a:extLst>
               <a:ext uri="{91240B29-F687-4f45-9708-019B960494DF}">
-                <a14:hiddenLine xmlns:a14="http://schemas.microsoft.com/office/drawing/2010/main" xmlns="" w="9525">
+                <a14:hiddenLine xmlns="" xmlns:a14="http://schemas.microsoft.com/office/drawing/2010/main" w="9525">
                   <a:solidFill>
                     <a:srgbClr val="000000"/>
                   </a:solidFill>
@@ -3894,7 +3894,7 @@
             </a:ln>
             <a:extLst>
               <a:ext uri="{91240B29-F687-4f45-9708-019B960494DF}">
-                <a14:hiddenLine xmlns:a14="http://schemas.microsoft.com/office/drawing/2010/main" xmlns="" w="9525">
+                <a14:hiddenLine xmlns="" xmlns:a14="http://schemas.microsoft.com/office/drawing/2010/main" w="9525">
                   <a:solidFill>
                     <a:srgbClr val="000000"/>
                   </a:solidFill>
@@ -3956,7 +3956,7 @@
             </a:ln>
             <a:extLst>
               <a:ext uri="{91240B29-F687-4f45-9708-019B960494DF}">
-                <a14:hiddenLine xmlns:a14="http://schemas.microsoft.com/office/drawing/2010/main" xmlns="" w="9525">
+                <a14:hiddenLine xmlns="" xmlns:a14="http://schemas.microsoft.com/office/drawing/2010/main" w="9525">
                   <a:solidFill>
                     <a:srgbClr val="000000"/>
                   </a:solidFill>
@@ -4046,7 +4046,7 @@
             </a:ln>
             <a:extLst>
               <a:ext uri="{91240B29-F687-4f45-9708-019B960494DF}">
-                <a14:hiddenLine xmlns:a14="http://schemas.microsoft.com/office/drawing/2010/main" xmlns="" w="9525">
+                <a14:hiddenLine xmlns="" xmlns:a14="http://schemas.microsoft.com/office/drawing/2010/main" w="9525">
                   <a:solidFill>
                     <a:srgbClr val="000000"/>
                   </a:solidFill>
@@ -4108,7 +4108,7 @@
             </a:ln>
             <a:extLst>
               <a:ext uri="{91240B29-F687-4f45-9708-019B960494DF}">
-                <a14:hiddenLine xmlns:a14="http://schemas.microsoft.com/office/drawing/2010/main" xmlns="" w="9525">
+                <a14:hiddenLine xmlns="" xmlns:a14="http://schemas.microsoft.com/office/drawing/2010/main" w="9525">
                   <a:solidFill>
                     <a:srgbClr val="000000"/>
                   </a:solidFill>
@@ -4198,7 +4198,7 @@
             </a:ln>
             <a:extLst>
               <a:ext uri="{91240B29-F687-4f45-9708-019B960494DF}">
-                <a14:hiddenLine xmlns:a14="http://schemas.microsoft.com/office/drawing/2010/main" xmlns="" w="9525">
+                <a14:hiddenLine xmlns="" xmlns:a14="http://schemas.microsoft.com/office/drawing/2010/main" w="9525">
                   <a:solidFill>
                     <a:srgbClr val="000000"/>
                   </a:solidFill>
@@ -4232,7 +4232,7 @@
             </a:ln>
             <a:extLst>
               <a:ext uri="{91240B29-F687-4f45-9708-019B960494DF}">
-                <a14:hiddenLine xmlns:a14="http://schemas.microsoft.com/office/drawing/2010/main" xmlns="" w="9525">
+                <a14:hiddenLine xmlns="" xmlns:a14="http://schemas.microsoft.com/office/drawing/2010/main" w="9525">
                   <a:solidFill>
                     <a:srgbClr val="000000"/>
                   </a:solidFill>
@@ -4297,7 +4297,7 @@
             </a:ln>
             <a:extLst>
               <a:ext uri="{91240B29-F687-4f45-9708-019B960494DF}">
-                <a14:hiddenLine xmlns:a14="http://schemas.microsoft.com/office/drawing/2010/main" xmlns="" w="9525">
+                <a14:hiddenLine xmlns="" xmlns:a14="http://schemas.microsoft.com/office/drawing/2010/main" w="9525">
                   <a:solidFill>
                     <a:srgbClr val="000000"/>
                   </a:solidFill>
@@ -4387,7 +4387,7 @@
             </a:ln>
             <a:extLst>
               <a:ext uri="{91240B29-F687-4f45-9708-019B960494DF}">
-                <a14:hiddenLine xmlns:a14="http://schemas.microsoft.com/office/drawing/2010/main" xmlns="" w="9525">
+                <a14:hiddenLine xmlns="" xmlns:a14="http://schemas.microsoft.com/office/drawing/2010/main" w="9525">
                   <a:solidFill>
                     <a:srgbClr val="000000"/>
                   </a:solidFill>
@@ -4449,7 +4449,7 @@
             </a:ln>
             <a:extLst>
               <a:ext uri="{91240B29-F687-4f45-9708-019B960494DF}">
-                <a14:hiddenLine xmlns:a14="http://schemas.microsoft.com/office/drawing/2010/main" xmlns="" w="9525">
+                <a14:hiddenLine xmlns="" xmlns:a14="http://schemas.microsoft.com/office/drawing/2010/main" w="9525">
                   <a:solidFill>
                     <a:srgbClr val="000000"/>
                   </a:solidFill>
@@ -4539,7 +4539,7 @@
             </a:ln>
             <a:extLst>
               <a:ext uri="{91240B29-F687-4f45-9708-019B960494DF}">
-                <a14:hiddenLine xmlns:a14="http://schemas.microsoft.com/office/drawing/2010/main" xmlns="" w="9525">
+                <a14:hiddenLine xmlns="" xmlns:a14="http://schemas.microsoft.com/office/drawing/2010/main" w="9525">
                   <a:solidFill>
                     <a:srgbClr val="000000"/>
                   </a:solidFill>
@@ -4629,7 +4629,7 @@
             </a:ln>
             <a:extLst>
               <a:ext uri="{91240B29-F687-4f45-9708-019B960494DF}">
-                <a14:hiddenLine xmlns:a14="http://schemas.microsoft.com/office/drawing/2010/main" xmlns="" w="9525">
+                <a14:hiddenLine xmlns="" xmlns:a14="http://schemas.microsoft.com/office/drawing/2010/main" w="9525">
                   <a:solidFill>
                     <a:srgbClr val="000000"/>
                   </a:solidFill>
@@ -4694,7 +4694,7 @@
             </a:ln>
             <a:extLst>
               <a:ext uri="{91240B29-F687-4f45-9708-019B960494DF}">
-                <a14:hiddenLine xmlns:a14="http://schemas.microsoft.com/office/drawing/2010/main" xmlns="" w="9525">
+                <a14:hiddenLine xmlns="" xmlns:a14="http://schemas.microsoft.com/office/drawing/2010/main" w="9525">
                   <a:solidFill>
                     <a:srgbClr val="000000"/>
                   </a:solidFill>
@@ -4756,7 +4756,7 @@
             </a:ln>
             <a:extLst>
               <a:ext uri="{91240B29-F687-4f45-9708-019B960494DF}">
-                <a14:hiddenLine xmlns:a14="http://schemas.microsoft.com/office/drawing/2010/main" xmlns="" w="9525">
+                <a14:hiddenLine xmlns="" xmlns:a14="http://schemas.microsoft.com/office/drawing/2010/main" w="9525">
                   <a:solidFill>
                     <a:srgbClr val="000000"/>
                   </a:solidFill>
@@ -4846,7 +4846,7 @@
             </a:ln>
             <a:extLst>
               <a:ext uri="{91240B29-F687-4f45-9708-019B960494DF}">
-                <a14:hiddenLine xmlns:a14="http://schemas.microsoft.com/office/drawing/2010/main" xmlns="" w="9525">
+                <a14:hiddenLine xmlns="" xmlns:a14="http://schemas.microsoft.com/office/drawing/2010/main" w="9525">
                   <a:solidFill>
                     <a:srgbClr val="000000"/>
                   </a:solidFill>
@@ -4936,7 +4936,7 @@
             </a:ln>
             <a:extLst>
               <a:ext uri="{91240B29-F687-4f45-9708-019B960494DF}">
-                <a14:hiddenLine xmlns:a14="http://schemas.microsoft.com/office/drawing/2010/main" xmlns="" w="9525">
+                <a14:hiddenLine xmlns="" xmlns:a14="http://schemas.microsoft.com/office/drawing/2010/main" w="9525">
                   <a:solidFill>
                     <a:srgbClr val="000000"/>
                   </a:solidFill>
@@ -4998,7 +4998,7 @@
             </a:ln>
             <a:extLst>
               <a:ext uri="{91240B29-F687-4f45-9708-019B960494DF}">
-                <a14:hiddenLine xmlns:a14="http://schemas.microsoft.com/office/drawing/2010/main" xmlns="" w="9525">
+                <a14:hiddenLine xmlns="" xmlns:a14="http://schemas.microsoft.com/office/drawing/2010/main" w="9525">
                   <a:solidFill>
                     <a:srgbClr val="000000"/>
                   </a:solidFill>
@@ -5118,7 +5118,7 @@
             </a:ln>
             <a:extLst>
               <a:ext uri="{91240B29-F687-4f45-9708-019B960494DF}">
-                <a14:hiddenLine xmlns:a14="http://schemas.microsoft.com/office/drawing/2010/main" xmlns="" w="9525">
+                <a14:hiddenLine xmlns="" xmlns:a14="http://schemas.microsoft.com/office/drawing/2010/main" w="9525">
                   <a:solidFill>
                     <a:srgbClr val="000000"/>
                   </a:solidFill>
@@ -5186,7 +5186,7 @@
             </a:ln>
             <a:extLst>
               <a:ext uri="{91240B29-F687-4f45-9708-019B960494DF}">
-                <a14:hiddenLine xmlns:a14="http://schemas.microsoft.com/office/drawing/2010/main" xmlns="" w="9525">
+                <a14:hiddenLine xmlns="" xmlns:a14="http://schemas.microsoft.com/office/drawing/2010/main" w="9525">
                   <a:solidFill>
                     <a:srgbClr val="000000"/>
                   </a:solidFill>
@@ -5276,7 +5276,7 @@
             </a:ln>
             <a:extLst>
               <a:ext uri="{91240B29-F687-4f45-9708-019B960494DF}">
-                <a14:hiddenLine xmlns:a14="http://schemas.microsoft.com/office/drawing/2010/main" xmlns="" w="9525">
+                <a14:hiddenLine xmlns="" xmlns:a14="http://schemas.microsoft.com/office/drawing/2010/main" w="9525">
                   <a:solidFill>
                     <a:srgbClr val="000000"/>
                   </a:solidFill>
@@ -11346,7 +11346,7 @@
           <a:noFill/>
           <a:extLst>
             <a:ext uri="{909E8E84-426E-40dd-AFC4-6F175D3DCCD1}">
-              <a14:hiddenFill xmlns:a14="http://schemas.microsoft.com/office/drawing/2010/main" xmlns="">
+              <a14:hiddenFill xmlns="" xmlns:a14="http://schemas.microsoft.com/office/drawing/2010/main">
                 <a:solidFill>
                   <a:srgbClr val="FFFFFF"/>
                 </a:solidFill>
@@ -11420,7 +11420,7 @@
               </a:ln>
               <a:extLst>
                 <a:ext uri="{91240B29-F687-4f45-9708-019B960494DF}">
-                  <a14:hiddenLine xmlns:a14="http://schemas.microsoft.com/office/drawing/2010/main" xmlns="" w="9525">
+                  <a14:hiddenLine xmlns="" xmlns:a14="http://schemas.microsoft.com/office/drawing/2010/main" w="9525">
                     <a:solidFill>
                       <a:srgbClr val="000000"/>
                     </a:solidFill>
@@ -11510,7 +11510,7 @@
               </a:ln>
               <a:extLst>
                 <a:ext uri="{91240B29-F687-4f45-9708-019B960494DF}">
-                  <a14:hiddenLine xmlns:a14="http://schemas.microsoft.com/office/drawing/2010/main" xmlns="" w="9525">
+                  <a14:hiddenLine xmlns="" xmlns:a14="http://schemas.microsoft.com/office/drawing/2010/main" w="9525">
                     <a:solidFill>
                       <a:srgbClr val="000000"/>
                     </a:solidFill>
@@ -11600,7 +11600,7 @@
               </a:ln>
               <a:extLst>
                 <a:ext uri="{91240B29-F687-4f45-9708-019B960494DF}">
-                  <a14:hiddenLine xmlns:a14="http://schemas.microsoft.com/office/drawing/2010/main" xmlns="" w="9525">
+                  <a14:hiddenLine xmlns="" xmlns:a14="http://schemas.microsoft.com/office/drawing/2010/main" w="9525">
                     <a:solidFill>
                       <a:srgbClr val="000000"/>
                     </a:solidFill>
@@ -11662,7 +11662,7 @@
               </a:ln>
               <a:extLst>
                 <a:ext uri="{91240B29-F687-4f45-9708-019B960494DF}">
-                  <a14:hiddenLine xmlns:a14="http://schemas.microsoft.com/office/drawing/2010/main" xmlns="" w="9525">
+                  <a14:hiddenLine xmlns="" xmlns:a14="http://schemas.microsoft.com/office/drawing/2010/main" w="9525">
                     <a:solidFill>
                       <a:srgbClr val="000000"/>
                     </a:solidFill>
@@ -11752,7 +11752,7 @@
               </a:ln>
               <a:extLst>
                 <a:ext uri="{91240B29-F687-4f45-9708-019B960494DF}">
-                  <a14:hiddenLine xmlns:a14="http://schemas.microsoft.com/office/drawing/2010/main" xmlns="" w="9525">
+                  <a14:hiddenLine xmlns="" xmlns:a14="http://schemas.microsoft.com/office/drawing/2010/main" w="9525">
                     <a:solidFill>
                       <a:srgbClr val="000000"/>
                     </a:solidFill>
@@ -11814,7 +11814,7 @@
               </a:ln>
               <a:extLst>
                 <a:ext uri="{91240B29-F687-4f45-9708-019B960494DF}">
-                  <a14:hiddenLine xmlns:a14="http://schemas.microsoft.com/office/drawing/2010/main" xmlns="" w="9525">
+                  <a14:hiddenLine xmlns="" xmlns:a14="http://schemas.microsoft.com/office/drawing/2010/main" w="9525">
                     <a:solidFill>
                       <a:srgbClr val="000000"/>
                     </a:solidFill>
@@ -11876,7 +11876,7 @@
               </a:ln>
               <a:extLst>
                 <a:ext uri="{91240B29-F687-4f45-9708-019B960494DF}">
-                  <a14:hiddenLine xmlns:a14="http://schemas.microsoft.com/office/drawing/2010/main" xmlns="" w="9525">
+                  <a14:hiddenLine xmlns="" xmlns:a14="http://schemas.microsoft.com/office/drawing/2010/main" w="9525">
                     <a:solidFill>
                       <a:srgbClr val="000000"/>
                     </a:solidFill>
@@ -11966,7 +11966,7 @@
               </a:ln>
               <a:extLst>
                 <a:ext uri="{91240B29-F687-4f45-9708-019B960494DF}">
-                  <a14:hiddenLine xmlns:a14="http://schemas.microsoft.com/office/drawing/2010/main" xmlns="" w="9525">
+                  <a14:hiddenLine xmlns="" xmlns:a14="http://schemas.microsoft.com/office/drawing/2010/main" w="9525">
                     <a:solidFill>
                       <a:srgbClr val="000000"/>
                     </a:solidFill>
@@ -12056,7 +12056,7 @@
               </a:ln>
               <a:extLst>
                 <a:ext uri="{91240B29-F687-4f45-9708-019B960494DF}">
-                  <a14:hiddenLine xmlns:a14="http://schemas.microsoft.com/office/drawing/2010/main" xmlns="" w="9525">
+                  <a14:hiddenLine xmlns="" xmlns:a14="http://schemas.microsoft.com/office/drawing/2010/main" w="9525">
                     <a:solidFill>
                       <a:srgbClr val="000000"/>
                     </a:solidFill>
@@ -12118,7 +12118,7 @@
               </a:ln>
               <a:extLst>
                 <a:ext uri="{91240B29-F687-4f45-9708-019B960494DF}">
-                  <a14:hiddenLine xmlns:a14="http://schemas.microsoft.com/office/drawing/2010/main" xmlns="" w="9525">
+                  <a14:hiddenLine xmlns="" xmlns:a14="http://schemas.microsoft.com/office/drawing/2010/main" w="9525">
                     <a:solidFill>
                       <a:srgbClr val="000000"/>
                     </a:solidFill>
@@ -12228,7 +12228,7 @@
               </a:ln>
               <a:extLst>
                 <a:ext uri="{91240B29-F687-4f45-9708-019B960494DF}">
-                  <a14:hiddenLine xmlns:a14="http://schemas.microsoft.com/office/drawing/2010/main" xmlns="" w="9525">
+                  <a14:hiddenLine xmlns="" xmlns:a14="http://schemas.microsoft.com/office/drawing/2010/main" w="9525">
                     <a:solidFill>
                       <a:srgbClr val="000000"/>
                     </a:solidFill>
@@ -12312,7 +12312,7 @@
               </a:ln>
               <a:extLst>
                 <a:ext uri="{91240B29-F687-4f45-9708-019B960494DF}">
-                  <a14:hiddenLine xmlns:a14="http://schemas.microsoft.com/office/drawing/2010/main" xmlns="" w="9525">
+                  <a14:hiddenLine xmlns="" xmlns:a14="http://schemas.microsoft.com/office/drawing/2010/main" w="9525">
                     <a:solidFill>
                       <a:srgbClr val="000000"/>
                     </a:solidFill>
@@ -12374,7 +12374,7 @@
               </a:ln>
               <a:extLst>
                 <a:ext uri="{91240B29-F687-4f45-9708-019B960494DF}">
-                  <a14:hiddenLine xmlns:a14="http://schemas.microsoft.com/office/drawing/2010/main" xmlns="" w="9525">
+                  <a14:hiddenLine xmlns="" xmlns:a14="http://schemas.microsoft.com/office/drawing/2010/main" w="9525">
                     <a:solidFill>
                       <a:srgbClr val="000000"/>
                     </a:solidFill>
@@ -12436,7 +12436,7 @@
               </a:ln>
               <a:extLst>
                 <a:ext uri="{91240B29-F687-4f45-9708-019B960494DF}">
-                  <a14:hiddenLine xmlns:a14="http://schemas.microsoft.com/office/drawing/2010/main" xmlns="" w="9525">
+                  <a14:hiddenLine xmlns="" xmlns:a14="http://schemas.microsoft.com/office/drawing/2010/main" w="9525">
                     <a:solidFill>
                       <a:srgbClr val="000000"/>
                     </a:solidFill>
@@ -12526,7 +12526,7 @@
               </a:ln>
               <a:extLst>
                 <a:ext uri="{91240B29-F687-4f45-9708-019B960494DF}">
-                  <a14:hiddenLine xmlns:a14="http://schemas.microsoft.com/office/drawing/2010/main" xmlns="" w="9525">
+                  <a14:hiddenLine xmlns="" xmlns:a14="http://schemas.microsoft.com/office/drawing/2010/main" w="9525">
                     <a:solidFill>
                       <a:srgbClr val="000000"/>
                     </a:solidFill>
@@ -12560,7 +12560,7 @@
               </a:ln>
               <a:extLst>
                 <a:ext uri="{91240B29-F687-4f45-9708-019B960494DF}">
-                  <a14:hiddenLine xmlns:a14="http://schemas.microsoft.com/office/drawing/2010/main" xmlns="" w="9525">
+                  <a14:hiddenLine xmlns="" xmlns:a14="http://schemas.microsoft.com/office/drawing/2010/main" w="9525">
                     <a:solidFill>
                       <a:srgbClr val="000000"/>
                     </a:solidFill>
@@ -12625,7 +12625,7 @@
               </a:ln>
               <a:extLst>
                 <a:ext uri="{91240B29-F687-4f45-9708-019B960494DF}">
-                  <a14:hiddenLine xmlns:a14="http://schemas.microsoft.com/office/drawing/2010/main" xmlns="" w="9525">
+                  <a14:hiddenLine xmlns="" xmlns:a14="http://schemas.microsoft.com/office/drawing/2010/main" w="9525">
                     <a:solidFill>
                       <a:srgbClr val="000000"/>
                     </a:solidFill>
@@ -12715,7 +12715,7 @@
               </a:ln>
               <a:extLst>
                 <a:ext uri="{91240B29-F687-4f45-9708-019B960494DF}">
-                  <a14:hiddenLine xmlns:a14="http://schemas.microsoft.com/office/drawing/2010/main" xmlns="" w="9525">
+                  <a14:hiddenLine xmlns="" xmlns:a14="http://schemas.microsoft.com/office/drawing/2010/main" w="9525">
                     <a:solidFill>
                       <a:srgbClr val="000000"/>
                     </a:solidFill>
@@ -12777,7 +12777,7 @@
               </a:ln>
               <a:extLst>
                 <a:ext uri="{91240B29-F687-4f45-9708-019B960494DF}">
-                  <a14:hiddenLine xmlns:a14="http://schemas.microsoft.com/office/drawing/2010/main" xmlns="" w="9525">
+                  <a14:hiddenLine xmlns="" xmlns:a14="http://schemas.microsoft.com/office/drawing/2010/main" w="9525">
                     <a:solidFill>
                       <a:srgbClr val="000000"/>
                     </a:solidFill>
@@ -12867,7 +12867,7 @@
               </a:ln>
               <a:extLst>
                 <a:ext uri="{91240B29-F687-4f45-9708-019B960494DF}">
-                  <a14:hiddenLine xmlns:a14="http://schemas.microsoft.com/office/drawing/2010/main" xmlns="" w="9525">
+                  <a14:hiddenLine xmlns="" xmlns:a14="http://schemas.microsoft.com/office/drawing/2010/main" w="9525">
                     <a:solidFill>
                       <a:srgbClr val="000000"/>
                     </a:solidFill>
@@ -12932,7 +12932,7 @@
               </a:ln>
               <a:extLst>
                 <a:ext uri="{91240B29-F687-4f45-9708-019B960494DF}">
-                  <a14:hiddenLine xmlns:a14="http://schemas.microsoft.com/office/drawing/2010/main" xmlns="" w="9525">
+                  <a14:hiddenLine xmlns="" xmlns:a14="http://schemas.microsoft.com/office/drawing/2010/main" w="9525">
                     <a:solidFill>
                       <a:srgbClr val="000000"/>
                     </a:solidFill>
@@ -12994,7 +12994,7 @@
               </a:ln>
               <a:extLst>
                 <a:ext uri="{91240B29-F687-4f45-9708-019B960494DF}">
-                  <a14:hiddenLine xmlns:a14="http://schemas.microsoft.com/office/drawing/2010/main" xmlns="" w="9525">
+                  <a14:hiddenLine xmlns="" xmlns:a14="http://schemas.microsoft.com/office/drawing/2010/main" w="9525">
                     <a:solidFill>
                       <a:srgbClr val="000000"/>
                     </a:solidFill>
@@ -13084,7 +13084,7 @@
               </a:ln>
               <a:extLst>
                 <a:ext uri="{91240B29-F687-4f45-9708-019B960494DF}">
-                  <a14:hiddenLine xmlns:a14="http://schemas.microsoft.com/office/drawing/2010/main" xmlns="" w="9525">
+                  <a14:hiddenLine xmlns="" xmlns:a14="http://schemas.microsoft.com/office/drawing/2010/main" w="9525">
                     <a:solidFill>
                       <a:srgbClr val="000000"/>
                     </a:solidFill>
@@ -13174,7 +13174,7 @@
               </a:ln>
               <a:extLst>
                 <a:ext uri="{91240B29-F687-4f45-9708-019B960494DF}">
-                  <a14:hiddenLine xmlns:a14="http://schemas.microsoft.com/office/drawing/2010/main" xmlns="" w="9525">
+                  <a14:hiddenLine xmlns="" xmlns:a14="http://schemas.microsoft.com/office/drawing/2010/main" w="9525">
                     <a:solidFill>
                       <a:srgbClr val="000000"/>
                     </a:solidFill>
@@ -13239,7 +13239,7 @@
               </a:ln>
               <a:extLst>
                 <a:ext uri="{91240B29-F687-4f45-9708-019B960494DF}">
-                  <a14:hiddenLine xmlns:a14="http://schemas.microsoft.com/office/drawing/2010/main" xmlns="" w="9525">
+                  <a14:hiddenLine xmlns="" xmlns:a14="http://schemas.microsoft.com/office/drawing/2010/main" w="9525">
                     <a:solidFill>
                       <a:srgbClr val="000000"/>
                     </a:solidFill>
@@ -13359,7 +13359,7 @@
               </a:ln>
               <a:extLst>
                 <a:ext uri="{91240B29-F687-4f45-9708-019B960494DF}">
-                  <a14:hiddenLine xmlns:a14="http://schemas.microsoft.com/office/drawing/2010/main" xmlns="" w="9525">
+                  <a14:hiddenLine xmlns="" xmlns:a14="http://schemas.microsoft.com/office/drawing/2010/main" w="9525">
                     <a:solidFill>
                       <a:srgbClr val="000000"/>
                     </a:solidFill>
@@ -13457,7 +13457,7 @@
               </a:ln>
               <a:extLst>
                 <a:ext uri="{91240B29-F687-4f45-9708-019B960494DF}">
-                  <a14:hiddenLine xmlns:a14="http://schemas.microsoft.com/office/drawing/2010/main" xmlns="" w="9525">
+                  <a14:hiddenLine xmlns="" xmlns:a14="http://schemas.microsoft.com/office/drawing/2010/main" w="9525">
                     <a:solidFill>
                       <a:srgbClr val="000000"/>
                     </a:solidFill>
@@ -13572,7 +13572,7 @@
               </a:ln>
               <a:extLst>
                 <a:ext uri="{91240B29-F687-4f45-9708-019B960494DF}">
-                  <a14:hiddenLine xmlns:a14="http://schemas.microsoft.com/office/drawing/2010/main" xmlns="" w="9525">
+                  <a14:hiddenLine xmlns="" xmlns:a14="http://schemas.microsoft.com/office/drawing/2010/main" w="9525">
                     <a:solidFill>
                       <a:srgbClr val="000000"/>
                     </a:solidFill>
@@ -13662,7 +13662,7 @@
               </a:ln>
               <a:extLst>
                 <a:ext uri="{91240B29-F687-4f45-9708-019B960494DF}">
-                  <a14:hiddenLine xmlns:a14="http://schemas.microsoft.com/office/drawing/2010/main" xmlns="" w="9525">
+                  <a14:hiddenLine xmlns="" xmlns:a14="http://schemas.microsoft.com/office/drawing/2010/main" w="9525">
                     <a:solidFill>
                       <a:srgbClr val="000000"/>
                     </a:solidFill>
@@ -13727,7 +13727,7 @@
               </a:ln>
               <a:extLst>
                 <a:ext uri="{91240B29-F687-4f45-9708-019B960494DF}">
-                  <a14:hiddenLine xmlns:a14="http://schemas.microsoft.com/office/drawing/2010/main" xmlns="" w="9525">
+                  <a14:hiddenLine xmlns="" xmlns:a14="http://schemas.microsoft.com/office/drawing/2010/main" w="9525">
                     <a:solidFill>
                       <a:srgbClr val="000000"/>
                     </a:solidFill>
@@ -13817,7 +13817,7 @@
               </a:ln>
               <a:extLst>
                 <a:ext uri="{91240B29-F687-4f45-9708-019B960494DF}">
-                  <a14:hiddenLine xmlns:a14="http://schemas.microsoft.com/office/drawing/2010/main" xmlns="" w="9525">
+                  <a14:hiddenLine xmlns="" xmlns:a14="http://schemas.microsoft.com/office/drawing/2010/main" w="9525">
                     <a:solidFill>
                       <a:srgbClr val="000000"/>
                     </a:solidFill>
@@ -13885,7 +13885,7 @@
               </a:ln>
               <a:extLst>
                 <a:ext uri="{91240B29-F687-4f45-9708-019B960494DF}">
-                  <a14:hiddenLine xmlns:a14="http://schemas.microsoft.com/office/drawing/2010/main" xmlns="" w="9525">
+                  <a14:hiddenLine xmlns="" xmlns:a14="http://schemas.microsoft.com/office/drawing/2010/main" w="9525">
                     <a:solidFill>
                       <a:srgbClr val="000000"/>
                     </a:solidFill>
@@ -13975,7 +13975,7 @@
               </a:ln>
               <a:extLst>
                 <a:ext uri="{91240B29-F687-4f45-9708-019B960494DF}">
-                  <a14:hiddenLine xmlns:a14="http://schemas.microsoft.com/office/drawing/2010/main" xmlns="" w="9525">
+                  <a14:hiddenLine xmlns="" xmlns:a14="http://schemas.microsoft.com/office/drawing/2010/main" w="9525">
                     <a:solidFill>
                       <a:srgbClr val="000000"/>
                     </a:solidFill>
@@ -14043,7 +14043,7 @@
               </a:ln>
               <a:extLst>
                 <a:ext uri="{91240B29-F687-4f45-9708-019B960494DF}">
-                  <a14:hiddenLine xmlns:a14="http://schemas.microsoft.com/office/drawing/2010/main" xmlns="" w="9525">
+                  <a14:hiddenLine xmlns="" xmlns:a14="http://schemas.microsoft.com/office/drawing/2010/main" w="9525">
                     <a:solidFill>
                       <a:srgbClr val="000000"/>
                     </a:solidFill>
@@ -14133,7 +14133,7 @@
               </a:ln>
               <a:extLst>
                 <a:ext uri="{91240B29-F687-4f45-9708-019B960494DF}">
-                  <a14:hiddenLine xmlns:a14="http://schemas.microsoft.com/office/drawing/2010/main" xmlns="" w="9525">
+                  <a14:hiddenLine xmlns="" xmlns:a14="http://schemas.microsoft.com/office/drawing/2010/main" w="9525">
                     <a:solidFill>
                       <a:srgbClr val="000000"/>
                     </a:solidFill>
@@ -14167,7 +14167,7 @@
               </a:ln>
               <a:extLst>
                 <a:ext uri="{91240B29-F687-4f45-9708-019B960494DF}">
-                  <a14:hiddenLine xmlns:a14="http://schemas.microsoft.com/office/drawing/2010/main" xmlns="" w="9525">
+                  <a14:hiddenLine xmlns="" xmlns:a14="http://schemas.microsoft.com/office/drawing/2010/main" w="9525">
                     <a:solidFill>
                       <a:srgbClr val="000000"/>
                     </a:solidFill>
@@ -15508,10 +15508,26 @@
               <a:buNone/>
             </a:pPr>
             <a:r>
-              <a:rPr lang="en" dirty="0"/>
-              <a:t>SOLUCION PROPUESTA</a:t>
+              <a:rPr lang="en" smtClean="0">
+                <a:solidFill>
+                  <a:schemeClr val="bg1"/>
+                </a:solidFill>
+              </a:rPr>
+              <a:t>SOLUCIÓN </a:t>
             </a:r>
-            <a:endParaRPr dirty="0"/>
+            <a:r>
+              <a:rPr lang="en" dirty="0">
+                <a:solidFill>
+                  <a:schemeClr val="bg1"/>
+                </a:solidFill>
+              </a:rPr>
+              <a:t>PROPUESTA</a:t>
+            </a:r>
+            <a:endParaRPr dirty="0">
+              <a:solidFill>
+                <a:schemeClr val="bg1"/>
+              </a:solidFill>
+            </a:endParaRPr>
           </a:p>
         </p:txBody>
       </p:sp>

--- a/group3/Grupo 3 - Proyecto.pptx
+++ b/group3/Grupo 3 - Proyecto.pptx
@@ -1190,7 +1190,7 @@
           <a:noFill/>
           <a:extLst>
             <a:ext uri="{909E8E84-426E-40dd-AFC4-6F175D3DCCD1}">
-              <a14:hiddenFill xmlns="" xmlns:a14="http://schemas.microsoft.com/office/drawing/2010/main">
+              <a14:hiddenFill xmlns:a14="http://schemas.microsoft.com/office/drawing/2010/main" xmlns="">
                 <a:solidFill>
                   <a:srgbClr val="FFFFFF"/>
                 </a:solidFill>
@@ -1250,7 +1250,7 @@
             </a:ln>
             <a:extLst>
               <a:ext uri="{91240B29-F687-4f45-9708-019B960494DF}">
-                <a14:hiddenLine xmlns="" xmlns:a14="http://schemas.microsoft.com/office/drawing/2010/main" w="9525">
+                <a14:hiddenLine xmlns:a14="http://schemas.microsoft.com/office/drawing/2010/main" xmlns="" w="9525">
                   <a:solidFill>
                     <a:srgbClr val="000000"/>
                   </a:solidFill>
@@ -1340,7 +1340,7 @@
             </a:ln>
             <a:extLst>
               <a:ext uri="{91240B29-F687-4f45-9708-019B960494DF}">
-                <a14:hiddenLine xmlns="" xmlns:a14="http://schemas.microsoft.com/office/drawing/2010/main" w="9525">
+                <a14:hiddenLine xmlns:a14="http://schemas.microsoft.com/office/drawing/2010/main" xmlns="" w="9525">
                   <a:solidFill>
                     <a:srgbClr val="000000"/>
                   </a:solidFill>
@@ -1430,7 +1430,7 @@
             </a:ln>
             <a:extLst>
               <a:ext uri="{91240B29-F687-4f45-9708-019B960494DF}">
-                <a14:hiddenLine xmlns="" xmlns:a14="http://schemas.microsoft.com/office/drawing/2010/main" w="9525">
+                <a14:hiddenLine xmlns:a14="http://schemas.microsoft.com/office/drawing/2010/main" xmlns="" w="9525">
                   <a:solidFill>
                     <a:srgbClr val="000000"/>
                   </a:solidFill>
@@ -1464,7 +1464,7 @@
             </a:ln>
             <a:extLst>
               <a:ext uri="{91240B29-F687-4f45-9708-019B960494DF}">
-                <a14:hiddenLine xmlns="" xmlns:a14="http://schemas.microsoft.com/office/drawing/2010/main" w="9525">
+                <a14:hiddenLine xmlns:a14="http://schemas.microsoft.com/office/drawing/2010/main" xmlns="" w="9525">
                   <a:solidFill>
                     <a:srgbClr val="000000"/>
                   </a:solidFill>
@@ -1554,7 +1554,7 @@
             </a:ln>
             <a:extLst>
               <a:ext uri="{91240B29-F687-4f45-9708-019B960494DF}">
-                <a14:hiddenLine xmlns="" xmlns:a14="http://schemas.microsoft.com/office/drawing/2010/main" w="9525">
+                <a14:hiddenLine xmlns:a14="http://schemas.microsoft.com/office/drawing/2010/main" xmlns="" w="9525">
                   <a:solidFill>
                     <a:srgbClr val="000000"/>
                   </a:solidFill>
@@ -1616,7 +1616,7 @@
             </a:ln>
             <a:extLst>
               <a:ext uri="{91240B29-F687-4f45-9708-019B960494DF}">
-                <a14:hiddenLine xmlns="" xmlns:a14="http://schemas.microsoft.com/office/drawing/2010/main" w="9525">
+                <a14:hiddenLine xmlns:a14="http://schemas.microsoft.com/office/drawing/2010/main" xmlns="" w="9525">
                   <a:solidFill>
                     <a:srgbClr val="000000"/>
                   </a:solidFill>
@@ -1678,7 +1678,7 @@
             </a:ln>
             <a:extLst>
               <a:ext uri="{91240B29-F687-4f45-9708-019B960494DF}">
-                <a14:hiddenLine xmlns="" xmlns:a14="http://schemas.microsoft.com/office/drawing/2010/main" w="9525">
+                <a14:hiddenLine xmlns:a14="http://schemas.microsoft.com/office/drawing/2010/main" xmlns="" w="9525">
                   <a:solidFill>
                     <a:srgbClr val="000000"/>
                   </a:solidFill>
@@ -1768,7 +1768,7 @@
             </a:ln>
             <a:extLst>
               <a:ext uri="{91240B29-F687-4f45-9708-019B960494DF}">
-                <a14:hiddenLine xmlns="" xmlns:a14="http://schemas.microsoft.com/office/drawing/2010/main" w="9525">
+                <a14:hiddenLine xmlns:a14="http://schemas.microsoft.com/office/drawing/2010/main" xmlns="" w="9525">
                   <a:solidFill>
                     <a:srgbClr val="000000"/>
                   </a:solidFill>
@@ -1830,7 +1830,7 @@
             </a:ln>
             <a:extLst>
               <a:ext uri="{91240B29-F687-4f45-9708-019B960494DF}">
-                <a14:hiddenLine xmlns="" xmlns:a14="http://schemas.microsoft.com/office/drawing/2010/main" w="9525">
+                <a14:hiddenLine xmlns:a14="http://schemas.microsoft.com/office/drawing/2010/main" xmlns="" w="9525">
                   <a:solidFill>
                     <a:srgbClr val="000000"/>
                   </a:solidFill>
@@ -1892,7 +1892,7 @@
             </a:ln>
             <a:extLst>
               <a:ext uri="{91240B29-F687-4f45-9708-019B960494DF}">
-                <a14:hiddenLine xmlns="" xmlns:a14="http://schemas.microsoft.com/office/drawing/2010/main" w="9525">
+                <a14:hiddenLine xmlns:a14="http://schemas.microsoft.com/office/drawing/2010/main" xmlns="" w="9525">
                   <a:solidFill>
                     <a:srgbClr val="000000"/>
                   </a:solidFill>
@@ -1982,7 +1982,7 @@
             </a:ln>
             <a:extLst>
               <a:ext uri="{91240B29-F687-4f45-9708-019B960494DF}">
-                <a14:hiddenLine xmlns="" xmlns:a14="http://schemas.microsoft.com/office/drawing/2010/main" w="9525">
+                <a14:hiddenLine xmlns:a14="http://schemas.microsoft.com/office/drawing/2010/main" xmlns="" w="9525">
                   <a:solidFill>
                     <a:srgbClr val="000000"/>
                   </a:solidFill>
@@ -2072,7 +2072,7 @@
             </a:ln>
             <a:extLst>
               <a:ext uri="{91240B29-F687-4f45-9708-019B960494DF}">
-                <a14:hiddenLine xmlns="" xmlns:a14="http://schemas.microsoft.com/office/drawing/2010/main" w="9525">
+                <a14:hiddenLine xmlns:a14="http://schemas.microsoft.com/office/drawing/2010/main" xmlns="" w="9525">
                   <a:solidFill>
                     <a:srgbClr val="000000"/>
                   </a:solidFill>
@@ -2134,7 +2134,7 @@
             </a:ln>
             <a:extLst>
               <a:ext uri="{91240B29-F687-4f45-9708-019B960494DF}">
-                <a14:hiddenLine xmlns="" xmlns:a14="http://schemas.microsoft.com/office/drawing/2010/main" w="9525">
+                <a14:hiddenLine xmlns:a14="http://schemas.microsoft.com/office/drawing/2010/main" xmlns="" w="9525">
                   <a:solidFill>
                     <a:srgbClr val="000000"/>
                   </a:solidFill>
@@ -2244,7 +2244,7 @@
             </a:ln>
             <a:extLst>
               <a:ext uri="{91240B29-F687-4f45-9708-019B960494DF}">
-                <a14:hiddenLine xmlns="" xmlns:a14="http://schemas.microsoft.com/office/drawing/2010/main" w="9525">
+                <a14:hiddenLine xmlns:a14="http://schemas.microsoft.com/office/drawing/2010/main" xmlns="" w="9525">
                   <a:solidFill>
                     <a:srgbClr val="000000"/>
                   </a:solidFill>
@@ -2306,7 +2306,7 @@
             </a:ln>
             <a:extLst>
               <a:ext uri="{91240B29-F687-4f45-9708-019B960494DF}">
-                <a14:hiddenLine xmlns="" xmlns:a14="http://schemas.microsoft.com/office/drawing/2010/main" w="9525">
+                <a14:hiddenLine xmlns:a14="http://schemas.microsoft.com/office/drawing/2010/main" xmlns="" w="9525">
                   <a:solidFill>
                     <a:srgbClr val="000000"/>
                   </a:solidFill>
@@ -2396,7 +2396,7 @@
             </a:ln>
             <a:extLst>
               <a:ext uri="{91240B29-F687-4f45-9708-019B960494DF}">
-                <a14:hiddenLine xmlns="" xmlns:a14="http://schemas.microsoft.com/office/drawing/2010/main" w="9525">
+                <a14:hiddenLine xmlns:a14="http://schemas.microsoft.com/office/drawing/2010/main" xmlns="" w="9525">
                   <a:solidFill>
                     <a:srgbClr val="000000"/>
                   </a:solidFill>
@@ -2486,7 +2486,7 @@
             </a:ln>
             <a:extLst>
               <a:ext uri="{91240B29-F687-4f45-9708-019B960494DF}">
-                <a14:hiddenLine xmlns="" xmlns:a14="http://schemas.microsoft.com/office/drawing/2010/main" w="9525">
+                <a14:hiddenLine xmlns:a14="http://schemas.microsoft.com/office/drawing/2010/main" xmlns="" w="9525">
                   <a:solidFill>
                     <a:srgbClr val="000000"/>
                   </a:solidFill>
@@ -2548,7 +2548,7 @@
             </a:ln>
             <a:extLst>
               <a:ext uri="{91240B29-F687-4f45-9708-019B960494DF}">
-                <a14:hiddenLine xmlns="" xmlns:a14="http://schemas.microsoft.com/office/drawing/2010/main" w="9525">
+                <a14:hiddenLine xmlns:a14="http://schemas.microsoft.com/office/drawing/2010/main" xmlns="" w="9525">
                   <a:solidFill>
                     <a:srgbClr val="000000"/>
                   </a:solidFill>
@@ -2638,7 +2638,7 @@
             </a:ln>
             <a:extLst>
               <a:ext uri="{91240B29-F687-4f45-9708-019B960494DF}">
-                <a14:hiddenLine xmlns="" xmlns:a14="http://schemas.microsoft.com/office/drawing/2010/main" w="9525">
+                <a14:hiddenLine xmlns:a14="http://schemas.microsoft.com/office/drawing/2010/main" xmlns="" w="9525">
                   <a:solidFill>
                     <a:srgbClr val="000000"/>
                   </a:solidFill>
@@ -2728,7 +2728,7 @@
             </a:ln>
             <a:extLst>
               <a:ext uri="{91240B29-F687-4f45-9708-019B960494DF}">
-                <a14:hiddenLine xmlns="" xmlns:a14="http://schemas.microsoft.com/office/drawing/2010/main" w="9525">
+                <a14:hiddenLine xmlns:a14="http://schemas.microsoft.com/office/drawing/2010/main" xmlns="" w="9525">
                   <a:solidFill>
                     <a:srgbClr val="000000"/>
                   </a:solidFill>
@@ -2784,7 +2784,7 @@
             </a:ln>
             <a:extLst>
               <a:ext uri="{91240B29-F687-4f45-9708-019B960494DF}">
-                <a14:hiddenLine xmlns="" xmlns:a14="http://schemas.microsoft.com/office/drawing/2010/main" w="9525">
+                <a14:hiddenLine xmlns:a14="http://schemas.microsoft.com/office/drawing/2010/main" xmlns="" w="9525">
                   <a:solidFill>
                     <a:srgbClr val="000000"/>
                   </a:solidFill>
@@ -2874,7 +2874,7 @@
             </a:ln>
             <a:extLst>
               <a:ext uri="{91240B29-F687-4f45-9708-019B960494DF}">
-                <a14:hiddenLine xmlns="" xmlns:a14="http://schemas.microsoft.com/office/drawing/2010/main" w="9525">
+                <a14:hiddenLine xmlns:a14="http://schemas.microsoft.com/office/drawing/2010/main" xmlns="" w="9525">
                   <a:solidFill>
                     <a:srgbClr val="000000"/>
                   </a:solidFill>
@@ -2930,7 +2930,7 @@
             </a:ln>
             <a:extLst>
               <a:ext uri="{91240B29-F687-4f45-9708-019B960494DF}">
-                <a14:hiddenLine xmlns="" xmlns:a14="http://schemas.microsoft.com/office/drawing/2010/main" w="9525">
+                <a14:hiddenLine xmlns:a14="http://schemas.microsoft.com/office/drawing/2010/main" xmlns="" w="9525">
                   <a:solidFill>
                     <a:srgbClr val="000000"/>
                   </a:solidFill>
@@ -3020,7 +3020,7 @@
             </a:ln>
             <a:extLst>
               <a:ext uri="{91240B29-F687-4f45-9708-019B960494DF}">
-                <a14:hiddenLine xmlns="" xmlns:a14="http://schemas.microsoft.com/office/drawing/2010/main" w="9525">
+                <a14:hiddenLine xmlns:a14="http://schemas.microsoft.com/office/drawing/2010/main" xmlns="" w="9525">
                   <a:solidFill>
                     <a:srgbClr val="000000"/>
                   </a:solidFill>
@@ -3088,7 +3088,7 @@
             </a:ln>
             <a:extLst>
               <a:ext uri="{91240B29-F687-4f45-9708-019B960494DF}">
-                <a14:hiddenLine xmlns="" xmlns:a14="http://schemas.microsoft.com/office/drawing/2010/main" w="9525">
+                <a14:hiddenLine xmlns:a14="http://schemas.microsoft.com/office/drawing/2010/main" xmlns="" w="9525">
                   <a:solidFill>
                     <a:srgbClr val="000000"/>
                   </a:solidFill>
@@ -3178,7 +3178,7 @@
             </a:ln>
             <a:extLst>
               <a:ext uri="{91240B29-F687-4f45-9708-019B960494DF}">
-                <a14:hiddenLine xmlns="" xmlns:a14="http://schemas.microsoft.com/office/drawing/2010/main" w="9525">
+                <a14:hiddenLine xmlns:a14="http://schemas.microsoft.com/office/drawing/2010/main" xmlns="" w="9525">
                   <a:solidFill>
                     <a:srgbClr val="000000"/>
                   </a:solidFill>
@@ -3246,7 +3246,7 @@
             </a:ln>
             <a:extLst>
               <a:ext uri="{91240B29-F687-4f45-9708-019B960494DF}">
-                <a14:hiddenLine xmlns="" xmlns:a14="http://schemas.microsoft.com/office/drawing/2010/main" w="9525">
+                <a14:hiddenLine xmlns:a14="http://schemas.microsoft.com/office/drawing/2010/main" xmlns="" w="9525">
                   <a:solidFill>
                     <a:srgbClr val="000000"/>
                   </a:solidFill>
@@ -3336,7 +3336,7 @@
             </a:ln>
             <a:extLst>
               <a:ext uri="{91240B29-F687-4f45-9708-019B960494DF}">
-                <a14:hiddenLine xmlns="" xmlns:a14="http://schemas.microsoft.com/office/drawing/2010/main" w="9525">
+                <a14:hiddenLine xmlns:a14="http://schemas.microsoft.com/office/drawing/2010/main" xmlns="" w="9525">
                   <a:solidFill>
                     <a:srgbClr val="000000"/>
                   </a:solidFill>
@@ -3370,7 +3370,7 @@
             </a:ln>
             <a:extLst>
               <a:ext uri="{91240B29-F687-4f45-9708-019B960494DF}">
-                <a14:hiddenLine xmlns="" xmlns:a14="http://schemas.microsoft.com/office/drawing/2010/main" w="9525">
+                <a14:hiddenLine xmlns:a14="http://schemas.microsoft.com/office/drawing/2010/main" xmlns="" w="9525">
                   <a:solidFill>
                     <a:srgbClr val="000000"/>
                   </a:solidFill>
@@ -3460,7 +3460,7 @@
             </a:ln>
             <a:extLst>
               <a:ext uri="{91240B29-F687-4f45-9708-019B960494DF}">
-                <a14:hiddenLine xmlns="" xmlns:a14="http://schemas.microsoft.com/office/drawing/2010/main" w="9525">
+                <a14:hiddenLine xmlns:a14="http://schemas.microsoft.com/office/drawing/2010/main" xmlns="" w="9525">
                   <a:solidFill>
                     <a:srgbClr val="000000"/>
                   </a:solidFill>
@@ -3522,7 +3522,7 @@
             </a:ln>
             <a:extLst>
               <a:ext uri="{91240B29-F687-4f45-9708-019B960494DF}">
-                <a14:hiddenLine xmlns="" xmlns:a14="http://schemas.microsoft.com/office/drawing/2010/main" w="9525">
+                <a14:hiddenLine xmlns:a14="http://schemas.microsoft.com/office/drawing/2010/main" xmlns="" w="9525">
                   <a:solidFill>
                     <a:srgbClr val="000000"/>
                   </a:solidFill>
@@ -3584,7 +3584,7 @@
             </a:ln>
             <a:extLst>
               <a:ext uri="{91240B29-F687-4f45-9708-019B960494DF}">
-                <a14:hiddenLine xmlns="" xmlns:a14="http://schemas.microsoft.com/office/drawing/2010/main" w="9525">
+                <a14:hiddenLine xmlns:a14="http://schemas.microsoft.com/office/drawing/2010/main" xmlns="" w="9525">
                   <a:solidFill>
                     <a:srgbClr val="000000"/>
                   </a:solidFill>
@@ -3674,7 +3674,7 @@
             </a:ln>
             <a:extLst>
               <a:ext uri="{91240B29-F687-4f45-9708-019B960494DF}">
-                <a14:hiddenLine xmlns="" xmlns:a14="http://schemas.microsoft.com/office/drawing/2010/main" w="9525">
+                <a14:hiddenLine xmlns:a14="http://schemas.microsoft.com/office/drawing/2010/main" xmlns="" w="9525">
                   <a:solidFill>
                     <a:srgbClr val="000000"/>
                   </a:solidFill>
@@ -3742,7 +3742,7 @@
             </a:ln>
             <a:extLst>
               <a:ext uri="{91240B29-F687-4f45-9708-019B960494DF}">
-                <a14:hiddenLine xmlns="" xmlns:a14="http://schemas.microsoft.com/office/drawing/2010/main" w="9525">
+                <a14:hiddenLine xmlns:a14="http://schemas.microsoft.com/office/drawing/2010/main" xmlns="" w="9525">
                   <a:solidFill>
                     <a:srgbClr val="000000"/>
                   </a:solidFill>
@@ -3804,7 +3804,7 @@
             </a:ln>
             <a:extLst>
               <a:ext uri="{91240B29-F687-4f45-9708-019B960494DF}">
-                <a14:hiddenLine xmlns="" xmlns:a14="http://schemas.microsoft.com/office/drawing/2010/main" w="9525">
+                <a14:hiddenLine xmlns:a14="http://schemas.microsoft.com/office/drawing/2010/main" xmlns="" w="9525">
                   <a:solidFill>
                     <a:srgbClr val="000000"/>
                   </a:solidFill>
@@ -3894,7 +3894,7 @@
             </a:ln>
             <a:extLst>
               <a:ext uri="{91240B29-F687-4f45-9708-019B960494DF}">
-                <a14:hiddenLine xmlns="" xmlns:a14="http://schemas.microsoft.com/office/drawing/2010/main" w="9525">
+                <a14:hiddenLine xmlns:a14="http://schemas.microsoft.com/office/drawing/2010/main" xmlns="" w="9525">
                   <a:solidFill>
                     <a:srgbClr val="000000"/>
                   </a:solidFill>
@@ -3956,7 +3956,7 @@
             </a:ln>
             <a:extLst>
               <a:ext uri="{91240B29-F687-4f45-9708-019B960494DF}">
-                <a14:hiddenLine xmlns="" xmlns:a14="http://schemas.microsoft.com/office/drawing/2010/main" w="9525">
+                <a14:hiddenLine xmlns:a14="http://schemas.microsoft.com/office/drawing/2010/main" xmlns="" w="9525">
                   <a:solidFill>
                     <a:srgbClr val="000000"/>
                   </a:solidFill>
@@ -4046,7 +4046,7 @@
             </a:ln>
             <a:extLst>
               <a:ext uri="{91240B29-F687-4f45-9708-019B960494DF}">
-                <a14:hiddenLine xmlns="" xmlns:a14="http://schemas.microsoft.com/office/drawing/2010/main" w="9525">
+                <a14:hiddenLine xmlns:a14="http://schemas.microsoft.com/office/drawing/2010/main" xmlns="" w="9525">
                   <a:solidFill>
                     <a:srgbClr val="000000"/>
                   </a:solidFill>
@@ -4108,7 +4108,7 @@
             </a:ln>
             <a:extLst>
               <a:ext uri="{91240B29-F687-4f45-9708-019B960494DF}">
-                <a14:hiddenLine xmlns="" xmlns:a14="http://schemas.microsoft.com/office/drawing/2010/main" w="9525">
+                <a14:hiddenLine xmlns:a14="http://schemas.microsoft.com/office/drawing/2010/main" xmlns="" w="9525">
                   <a:solidFill>
                     <a:srgbClr val="000000"/>
                   </a:solidFill>
@@ -4198,7 +4198,7 @@
             </a:ln>
             <a:extLst>
               <a:ext uri="{91240B29-F687-4f45-9708-019B960494DF}">
-                <a14:hiddenLine xmlns="" xmlns:a14="http://schemas.microsoft.com/office/drawing/2010/main" w="9525">
+                <a14:hiddenLine xmlns:a14="http://schemas.microsoft.com/office/drawing/2010/main" xmlns="" w="9525">
                   <a:solidFill>
                     <a:srgbClr val="000000"/>
                   </a:solidFill>
@@ -4232,7 +4232,7 @@
             </a:ln>
             <a:extLst>
               <a:ext uri="{91240B29-F687-4f45-9708-019B960494DF}">
-                <a14:hiddenLine xmlns="" xmlns:a14="http://schemas.microsoft.com/office/drawing/2010/main" w="9525">
+                <a14:hiddenLine xmlns:a14="http://schemas.microsoft.com/office/drawing/2010/main" xmlns="" w="9525">
                   <a:solidFill>
                     <a:srgbClr val="000000"/>
                   </a:solidFill>
@@ -4297,7 +4297,7 @@
             </a:ln>
             <a:extLst>
               <a:ext uri="{91240B29-F687-4f45-9708-019B960494DF}">
-                <a14:hiddenLine xmlns="" xmlns:a14="http://schemas.microsoft.com/office/drawing/2010/main" w="9525">
+                <a14:hiddenLine xmlns:a14="http://schemas.microsoft.com/office/drawing/2010/main" xmlns="" w="9525">
                   <a:solidFill>
                     <a:srgbClr val="000000"/>
                   </a:solidFill>
@@ -4387,7 +4387,7 @@
             </a:ln>
             <a:extLst>
               <a:ext uri="{91240B29-F687-4f45-9708-019B960494DF}">
-                <a14:hiddenLine xmlns="" xmlns:a14="http://schemas.microsoft.com/office/drawing/2010/main" w="9525">
+                <a14:hiddenLine xmlns:a14="http://schemas.microsoft.com/office/drawing/2010/main" xmlns="" w="9525">
                   <a:solidFill>
                     <a:srgbClr val="000000"/>
                   </a:solidFill>
@@ -4449,7 +4449,7 @@
             </a:ln>
             <a:extLst>
               <a:ext uri="{91240B29-F687-4f45-9708-019B960494DF}">
-                <a14:hiddenLine xmlns="" xmlns:a14="http://schemas.microsoft.com/office/drawing/2010/main" w="9525">
+                <a14:hiddenLine xmlns:a14="http://schemas.microsoft.com/office/drawing/2010/main" xmlns="" w="9525">
                   <a:solidFill>
                     <a:srgbClr val="000000"/>
                   </a:solidFill>
@@ -4539,7 +4539,7 @@
             </a:ln>
             <a:extLst>
               <a:ext uri="{91240B29-F687-4f45-9708-019B960494DF}">
-                <a14:hiddenLine xmlns="" xmlns:a14="http://schemas.microsoft.com/office/drawing/2010/main" w="9525">
+                <a14:hiddenLine xmlns:a14="http://schemas.microsoft.com/office/drawing/2010/main" xmlns="" w="9525">
                   <a:solidFill>
                     <a:srgbClr val="000000"/>
                   </a:solidFill>
@@ -4629,7 +4629,7 @@
             </a:ln>
             <a:extLst>
               <a:ext uri="{91240B29-F687-4f45-9708-019B960494DF}">
-                <a14:hiddenLine xmlns="" xmlns:a14="http://schemas.microsoft.com/office/drawing/2010/main" w="9525">
+                <a14:hiddenLine xmlns:a14="http://schemas.microsoft.com/office/drawing/2010/main" xmlns="" w="9525">
                   <a:solidFill>
                     <a:srgbClr val="000000"/>
                   </a:solidFill>
@@ -4694,7 +4694,7 @@
             </a:ln>
             <a:extLst>
               <a:ext uri="{91240B29-F687-4f45-9708-019B960494DF}">
-                <a14:hiddenLine xmlns="" xmlns:a14="http://schemas.microsoft.com/office/drawing/2010/main" w="9525">
+                <a14:hiddenLine xmlns:a14="http://schemas.microsoft.com/office/drawing/2010/main" xmlns="" w="9525">
                   <a:solidFill>
                     <a:srgbClr val="000000"/>
                   </a:solidFill>
@@ -4756,7 +4756,7 @@
             </a:ln>
             <a:extLst>
               <a:ext uri="{91240B29-F687-4f45-9708-019B960494DF}">
-                <a14:hiddenLine xmlns="" xmlns:a14="http://schemas.microsoft.com/office/drawing/2010/main" w="9525">
+                <a14:hiddenLine xmlns:a14="http://schemas.microsoft.com/office/drawing/2010/main" xmlns="" w="9525">
                   <a:solidFill>
                     <a:srgbClr val="000000"/>
                   </a:solidFill>
@@ -4846,7 +4846,7 @@
             </a:ln>
             <a:extLst>
               <a:ext uri="{91240B29-F687-4f45-9708-019B960494DF}">
-                <a14:hiddenLine xmlns="" xmlns:a14="http://schemas.microsoft.com/office/drawing/2010/main" w="9525">
+                <a14:hiddenLine xmlns:a14="http://schemas.microsoft.com/office/drawing/2010/main" xmlns="" w="9525">
                   <a:solidFill>
                     <a:srgbClr val="000000"/>
                   </a:solidFill>
@@ -4936,7 +4936,7 @@
             </a:ln>
             <a:extLst>
               <a:ext uri="{91240B29-F687-4f45-9708-019B960494DF}">
-                <a14:hiddenLine xmlns="" xmlns:a14="http://schemas.microsoft.com/office/drawing/2010/main" w="9525">
+                <a14:hiddenLine xmlns:a14="http://schemas.microsoft.com/office/drawing/2010/main" xmlns="" w="9525">
                   <a:solidFill>
                     <a:srgbClr val="000000"/>
                   </a:solidFill>
@@ -4998,7 +4998,7 @@
             </a:ln>
             <a:extLst>
               <a:ext uri="{91240B29-F687-4f45-9708-019B960494DF}">
-                <a14:hiddenLine xmlns="" xmlns:a14="http://schemas.microsoft.com/office/drawing/2010/main" w="9525">
+                <a14:hiddenLine xmlns:a14="http://schemas.microsoft.com/office/drawing/2010/main" xmlns="" w="9525">
                   <a:solidFill>
                     <a:srgbClr val="000000"/>
                   </a:solidFill>
@@ -5118,7 +5118,7 @@
             </a:ln>
             <a:extLst>
               <a:ext uri="{91240B29-F687-4f45-9708-019B960494DF}">
-                <a14:hiddenLine xmlns="" xmlns:a14="http://schemas.microsoft.com/office/drawing/2010/main" w="9525">
+                <a14:hiddenLine xmlns:a14="http://schemas.microsoft.com/office/drawing/2010/main" xmlns="" w="9525">
                   <a:solidFill>
                     <a:srgbClr val="000000"/>
                   </a:solidFill>
@@ -5186,7 +5186,7 @@
             </a:ln>
             <a:extLst>
               <a:ext uri="{91240B29-F687-4f45-9708-019B960494DF}">
-                <a14:hiddenLine xmlns="" xmlns:a14="http://schemas.microsoft.com/office/drawing/2010/main" w="9525">
+                <a14:hiddenLine xmlns:a14="http://schemas.microsoft.com/office/drawing/2010/main" xmlns="" w="9525">
                   <a:solidFill>
                     <a:srgbClr val="000000"/>
                   </a:solidFill>
@@ -5276,7 +5276,7 @@
             </a:ln>
             <a:extLst>
               <a:ext uri="{91240B29-F687-4f45-9708-019B960494DF}">
-                <a14:hiddenLine xmlns="" xmlns:a14="http://schemas.microsoft.com/office/drawing/2010/main" w="9525">
+                <a14:hiddenLine xmlns:a14="http://schemas.microsoft.com/office/drawing/2010/main" xmlns="" w="9525">
                   <a:solidFill>
                     <a:srgbClr val="000000"/>
                   </a:solidFill>
@@ -11346,7 +11346,7 @@
           <a:noFill/>
           <a:extLst>
             <a:ext uri="{909E8E84-426E-40dd-AFC4-6F175D3DCCD1}">
-              <a14:hiddenFill xmlns="" xmlns:a14="http://schemas.microsoft.com/office/drawing/2010/main">
+              <a14:hiddenFill xmlns:a14="http://schemas.microsoft.com/office/drawing/2010/main" xmlns="">
                 <a:solidFill>
                   <a:srgbClr val="FFFFFF"/>
                 </a:solidFill>
@@ -11420,7 +11420,7 @@
               </a:ln>
               <a:extLst>
                 <a:ext uri="{91240B29-F687-4f45-9708-019B960494DF}">
-                  <a14:hiddenLine xmlns="" xmlns:a14="http://schemas.microsoft.com/office/drawing/2010/main" w="9525">
+                  <a14:hiddenLine xmlns:a14="http://schemas.microsoft.com/office/drawing/2010/main" xmlns="" w="9525">
                     <a:solidFill>
                       <a:srgbClr val="000000"/>
                     </a:solidFill>
@@ -11510,7 +11510,7 @@
               </a:ln>
               <a:extLst>
                 <a:ext uri="{91240B29-F687-4f45-9708-019B960494DF}">
-                  <a14:hiddenLine xmlns="" xmlns:a14="http://schemas.microsoft.com/office/drawing/2010/main" w="9525">
+                  <a14:hiddenLine xmlns:a14="http://schemas.microsoft.com/office/drawing/2010/main" xmlns="" w="9525">
                     <a:solidFill>
                       <a:srgbClr val="000000"/>
                     </a:solidFill>
@@ -11600,7 +11600,7 @@
               </a:ln>
               <a:extLst>
                 <a:ext uri="{91240B29-F687-4f45-9708-019B960494DF}">
-                  <a14:hiddenLine xmlns="" xmlns:a14="http://schemas.microsoft.com/office/drawing/2010/main" w="9525">
+                  <a14:hiddenLine xmlns:a14="http://schemas.microsoft.com/office/drawing/2010/main" xmlns="" w="9525">
                     <a:solidFill>
                       <a:srgbClr val="000000"/>
                     </a:solidFill>
@@ -11662,7 +11662,7 @@
               </a:ln>
               <a:extLst>
                 <a:ext uri="{91240B29-F687-4f45-9708-019B960494DF}">
-                  <a14:hiddenLine xmlns="" xmlns:a14="http://schemas.microsoft.com/office/drawing/2010/main" w="9525">
+                  <a14:hiddenLine xmlns:a14="http://schemas.microsoft.com/office/drawing/2010/main" xmlns="" w="9525">
                     <a:solidFill>
                       <a:srgbClr val="000000"/>
                     </a:solidFill>
@@ -11752,7 +11752,7 @@
               </a:ln>
               <a:extLst>
                 <a:ext uri="{91240B29-F687-4f45-9708-019B960494DF}">
-                  <a14:hiddenLine xmlns="" xmlns:a14="http://schemas.microsoft.com/office/drawing/2010/main" w="9525">
+                  <a14:hiddenLine xmlns:a14="http://schemas.microsoft.com/office/drawing/2010/main" xmlns="" w="9525">
                     <a:solidFill>
                       <a:srgbClr val="000000"/>
                     </a:solidFill>
@@ -11814,7 +11814,7 @@
               </a:ln>
               <a:extLst>
                 <a:ext uri="{91240B29-F687-4f45-9708-019B960494DF}">
-                  <a14:hiddenLine xmlns="" xmlns:a14="http://schemas.microsoft.com/office/drawing/2010/main" w="9525">
+                  <a14:hiddenLine xmlns:a14="http://schemas.microsoft.com/office/drawing/2010/main" xmlns="" w="9525">
                     <a:solidFill>
                       <a:srgbClr val="000000"/>
                     </a:solidFill>
@@ -11876,7 +11876,7 @@
               </a:ln>
               <a:extLst>
                 <a:ext uri="{91240B29-F687-4f45-9708-019B960494DF}">
-                  <a14:hiddenLine xmlns="" xmlns:a14="http://schemas.microsoft.com/office/drawing/2010/main" w="9525">
+                  <a14:hiddenLine xmlns:a14="http://schemas.microsoft.com/office/drawing/2010/main" xmlns="" w="9525">
                     <a:solidFill>
                       <a:srgbClr val="000000"/>
                     </a:solidFill>
@@ -11966,7 +11966,7 @@
               </a:ln>
               <a:extLst>
                 <a:ext uri="{91240B29-F687-4f45-9708-019B960494DF}">
-                  <a14:hiddenLine xmlns="" xmlns:a14="http://schemas.microsoft.com/office/drawing/2010/main" w="9525">
+                  <a14:hiddenLine xmlns:a14="http://schemas.microsoft.com/office/drawing/2010/main" xmlns="" w="9525">
                     <a:solidFill>
                       <a:srgbClr val="000000"/>
                     </a:solidFill>
@@ -12056,7 +12056,7 @@
               </a:ln>
               <a:extLst>
                 <a:ext uri="{91240B29-F687-4f45-9708-019B960494DF}">
-                  <a14:hiddenLine xmlns="" xmlns:a14="http://schemas.microsoft.com/office/drawing/2010/main" w="9525">
+                  <a14:hiddenLine xmlns:a14="http://schemas.microsoft.com/office/drawing/2010/main" xmlns="" w="9525">
                     <a:solidFill>
                       <a:srgbClr val="000000"/>
                     </a:solidFill>
@@ -12118,7 +12118,7 @@
               </a:ln>
               <a:extLst>
                 <a:ext uri="{91240B29-F687-4f45-9708-019B960494DF}">
-                  <a14:hiddenLine xmlns="" xmlns:a14="http://schemas.microsoft.com/office/drawing/2010/main" w="9525">
+                  <a14:hiddenLine xmlns:a14="http://schemas.microsoft.com/office/drawing/2010/main" xmlns="" w="9525">
                     <a:solidFill>
                       <a:srgbClr val="000000"/>
                     </a:solidFill>
@@ -12228,7 +12228,7 @@
               </a:ln>
               <a:extLst>
                 <a:ext uri="{91240B29-F687-4f45-9708-019B960494DF}">
-                  <a14:hiddenLine xmlns="" xmlns:a14="http://schemas.microsoft.com/office/drawing/2010/main" w="9525">
+                  <a14:hiddenLine xmlns:a14="http://schemas.microsoft.com/office/drawing/2010/main" xmlns="" w="9525">
                     <a:solidFill>
                       <a:srgbClr val="000000"/>
                     </a:solidFill>
@@ -12312,7 +12312,7 @@
               </a:ln>
               <a:extLst>
                 <a:ext uri="{91240B29-F687-4f45-9708-019B960494DF}">
-                  <a14:hiddenLine xmlns="" xmlns:a14="http://schemas.microsoft.com/office/drawing/2010/main" w="9525">
+                  <a14:hiddenLine xmlns:a14="http://schemas.microsoft.com/office/drawing/2010/main" xmlns="" w="9525">
                     <a:solidFill>
                       <a:srgbClr val="000000"/>
                     </a:solidFill>
@@ -12374,7 +12374,7 @@
               </a:ln>
               <a:extLst>
                 <a:ext uri="{91240B29-F687-4f45-9708-019B960494DF}">
-                  <a14:hiddenLine xmlns="" xmlns:a14="http://schemas.microsoft.com/office/drawing/2010/main" w="9525">
+                  <a14:hiddenLine xmlns:a14="http://schemas.microsoft.com/office/drawing/2010/main" xmlns="" w="9525">
                     <a:solidFill>
                       <a:srgbClr val="000000"/>
                     </a:solidFill>
@@ -12436,7 +12436,7 @@
               </a:ln>
               <a:extLst>
                 <a:ext uri="{91240B29-F687-4f45-9708-019B960494DF}">
-                  <a14:hiddenLine xmlns="" xmlns:a14="http://schemas.microsoft.com/office/drawing/2010/main" w="9525">
+                  <a14:hiddenLine xmlns:a14="http://schemas.microsoft.com/office/drawing/2010/main" xmlns="" w="9525">
                     <a:solidFill>
                       <a:srgbClr val="000000"/>
                     </a:solidFill>
@@ -12526,7 +12526,7 @@
               </a:ln>
               <a:extLst>
                 <a:ext uri="{91240B29-F687-4f45-9708-019B960494DF}">
-                  <a14:hiddenLine xmlns="" xmlns:a14="http://schemas.microsoft.com/office/drawing/2010/main" w="9525">
+                  <a14:hiddenLine xmlns:a14="http://schemas.microsoft.com/office/drawing/2010/main" xmlns="" w="9525">
                     <a:solidFill>
                       <a:srgbClr val="000000"/>
                     </a:solidFill>
@@ -12560,7 +12560,7 @@
               </a:ln>
               <a:extLst>
                 <a:ext uri="{91240B29-F687-4f45-9708-019B960494DF}">
-                  <a14:hiddenLine xmlns="" xmlns:a14="http://schemas.microsoft.com/office/drawing/2010/main" w="9525">
+                  <a14:hiddenLine xmlns:a14="http://schemas.microsoft.com/office/drawing/2010/main" xmlns="" w="9525">
                     <a:solidFill>
                       <a:srgbClr val="000000"/>
                     </a:solidFill>
@@ -12625,7 +12625,7 @@
               </a:ln>
               <a:extLst>
                 <a:ext uri="{91240B29-F687-4f45-9708-019B960494DF}">
-                  <a14:hiddenLine xmlns="" xmlns:a14="http://schemas.microsoft.com/office/drawing/2010/main" w="9525">
+                  <a14:hiddenLine xmlns:a14="http://schemas.microsoft.com/office/drawing/2010/main" xmlns="" w="9525">
                     <a:solidFill>
                       <a:srgbClr val="000000"/>
                     </a:solidFill>
@@ -12715,7 +12715,7 @@
               </a:ln>
               <a:extLst>
                 <a:ext uri="{91240B29-F687-4f45-9708-019B960494DF}">
-                  <a14:hiddenLine xmlns="" xmlns:a14="http://schemas.microsoft.com/office/drawing/2010/main" w="9525">
+                  <a14:hiddenLine xmlns:a14="http://schemas.microsoft.com/office/drawing/2010/main" xmlns="" w="9525">
                     <a:solidFill>
                       <a:srgbClr val="000000"/>
                     </a:solidFill>
@@ -12777,7 +12777,7 @@
               </a:ln>
               <a:extLst>
                 <a:ext uri="{91240B29-F687-4f45-9708-019B960494DF}">
-                  <a14:hiddenLine xmlns="" xmlns:a14="http://schemas.microsoft.com/office/drawing/2010/main" w="9525">
+                  <a14:hiddenLine xmlns:a14="http://schemas.microsoft.com/office/drawing/2010/main" xmlns="" w="9525">
                     <a:solidFill>
                       <a:srgbClr val="000000"/>
                     </a:solidFill>
@@ -12867,7 +12867,7 @@
               </a:ln>
               <a:extLst>
                 <a:ext uri="{91240B29-F687-4f45-9708-019B960494DF}">
-                  <a14:hiddenLine xmlns="" xmlns:a14="http://schemas.microsoft.com/office/drawing/2010/main" w="9525">
+                  <a14:hiddenLine xmlns:a14="http://schemas.microsoft.com/office/drawing/2010/main" xmlns="" w="9525">
                     <a:solidFill>
                       <a:srgbClr val="000000"/>
                     </a:solidFill>
@@ -12932,7 +12932,7 @@
               </a:ln>
               <a:extLst>
                 <a:ext uri="{91240B29-F687-4f45-9708-019B960494DF}">
-                  <a14:hiddenLine xmlns="" xmlns:a14="http://schemas.microsoft.com/office/drawing/2010/main" w="9525">
+                  <a14:hiddenLine xmlns:a14="http://schemas.microsoft.com/office/drawing/2010/main" xmlns="" w="9525">
                     <a:solidFill>
                       <a:srgbClr val="000000"/>
                     </a:solidFill>
@@ -12994,7 +12994,7 @@
               </a:ln>
               <a:extLst>
                 <a:ext uri="{91240B29-F687-4f45-9708-019B960494DF}">
-                  <a14:hiddenLine xmlns="" xmlns:a14="http://schemas.microsoft.com/office/drawing/2010/main" w="9525">
+                  <a14:hiddenLine xmlns:a14="http://schemas.microsoft.com/office/drawing/2010/main" xmlns="" w="9525">
                     <a:solidFill>
                       <a:srgbClr val="000000"/>
                     </a:solidFill>
@@ -13084,7 +13084,7 @@
               </a:ln>
               <a:extLst>
                 <a:ext uri="{91240B29-F687-4f45-9708-019B960494DF}">
-                  <a14:hiddenLine xmlns="" xmlns:a14="http://schemas.microsoft.com/office/drawing/2010/main" w="9525">
+                  <a14:hiddenLine xmlns:a14="http://schemas.microsoft.com/office/drawing/2010/main" xmlns="" w="9525">
                     <a:solidFill>
                       <a:srgbClr val="000000"/>
                     </a:solidFill>
@@ -13174,7 +13174,7 @@
               </a:ln>
               <a:extLst>
                 <a:ext uri="{91240B29-F687-4f45-9708-019B960494DF}">
-                  <a14:hiddenLine xmlns="" xmlns:a14="http://schemas.microsoft.com/office/drawing/2010/main" w="9525">
+                  <a14:hiddenLine xmlns:a14="http://schemas.microsoft.com/office/drawing/2010/main" xmlns="" w="9525">
                     <a:solidFill>
                       <a:srgbClr val="000000"/>
                     </a:solidFill>
@@ -13239,7 +13239,7 @@
               </a:ln>
               <a:extLst>
                 <a:ext uri="{91240B29-F687-4f45-9708-019B960494DF}">
-                  <a14:hiddenLine xmlns="" xmlns:a14="http://schemas.microsoft.com/office/drawing/2010/main" w="9525">
+                  <a14:hiddenLine xmlns:a14="http://schemas.microsoft.com/office/drawing/2010/main" xmlns="" w="9525">
                     <a:solidFill>
                       <a:srgbClr val="000000"/>
                     </a:solidFill>
@@ -13359,7 +13359,7 @@
               </a:ln>
               <a:extLst>
                 <a:ext uri="{91240B29-F687-4f45-9708-019B960494DF}">
-                  <a14:hiddenLine xmlns="" xmlns:a14="http://schemas.microsoft.com/office/drawing/2010/main" w="9525">
+                  <a14:hiddenLine xmlns:a14="http://schemas.microsoft.com/office/drawing/2010/main" xmlns="" w="9525">
                     <a:solidFill>
                       <a:srgbClr val="000000"/>
                     </a:solidFill>
@@ -13457,7 +13457,7 @@
               </a:ln>
               <a:extLst>
                 <a:ext uri="{91240B29-F687-4f45-9708-019B960494DF}">
-                  <a14:hiddenLine xmlns="" xmlns:a14="http://schemas.microsoft.com/office/drawing/2010/main" w="9525">
+                  <a14:hiddenLine xmlns:a14="http://schemas.microsoft.com/office/drawing/2010/main" xmlns="" w="9525">
                     <a:solidFill>
                       <a:srgbClr val="000000"/>
                     </a:solidFill>
@@ -13572,7 +13572,7 @@
               </a:ln>
               <a:extLst>
                 <a:ext uri="{91240B29-F687-4f45-9708-019B960494DF}">
-                  <a14:hiddenLine xmlns="" xmlns:a14="http://schemas.microsoft.com/office/drawing/2010/main" w="9525">
+                  <a14:hiddenLine xmlns:a14="http://schemas.microsoft.com/office/drawing/2010/main" xmlns="" w="9525">
                     <a:solidFill>
                       <a:srgbClr val="000000"/>
                     </a:solidFill>
@@ -13662,7 +13662,7 @@
               </a:ln>
               <a:extLst>
                 <a:ext uri="{91240B29-F687-4f45-9708-019B960494DF}">
-                  <a14:hiddenLine xmlns="" xmlns:a14="http://schemas.microsoft.com/office/drawing/2010/main" w="9525">
+                  <a14:hiddenLine xmlns:a14="http://schemas.microsoft.com/office/drawing/2010/main" xmlns="" w="9525">
                     <a:solidFill>
                       <a:srgbClr val="000000"/>
                     </a:solidFill>
@@ -13727,7 +13727,7 @@
               </a:ln>
               <a:extLst>
                 <a:ext uri="{91240B29-F687-4f45-9708-019B960494DF}">
-                  <a14:hiddenLine xmlns="" xmlns:a14="http://schemas.microsoft.com/office/drawing/2010/main" w="9525">
+                  <a14:hiddenLine xmlns:a14="http://schemas.microsoft.com/office/drawing/2010/main" xmlns="" w="9525">
                     <a:solidFill>
                       <a:srgbClr val="000000"/>
                     </a:solidFill>
@@ -13817,7 +13817,7 @@
               </a:ln>
               <a:extLst>
                 <a:ext uri="{91240B29-F687-4f45-9708-019B960494DF}">
-                  <a14:hiddenLine xmlns="" xmlns:a14="http://schemas.microsoft.com/office/drawing/2010/main" w="9525">
+                  <a14:hiddenLine xmlns:a14="http://schemas.microsoft.com/office/drawing/2010/main" xmlns="" w="9525">
                     <a:solidFill>
                       <a:srgbClr val="000000"/>
                     </a:solidFill>
@@ -13885,7 +13885,7 @@
               </a:ln>
               <a:extLst>
                 <a:ext uri="{91240B29-F687-4f45-9708-019B960494DF}">
-                  <a14:hiddenLine xmlns="" xmlns:a14="http://schemas.microsoft.com/office/drawing/2010/main" w="9525">
+                  <a14:hiddenLine xmlns:a14="http://schemas.microsoft.com/office/drawing/2010/main" xmlns="" w="9525">
                     <a:solidFill>
                       <a:srgbClr val="000000"/>
                     </a:solidFill>
@@ -13975,7 +13975,7 @@
               </a:ln>
               <a:extLst>
                 <a:ext uri="{91240B29-F687-4f45-9708-019B960494DF}">
-                  <a14:hiddenLine xmlns="" xmlns:a14="http://schemas.microsoft.com/office/drawing/2010/main" w="9525">
+                  <a14:hiddenLine xmlns:a14="http://schemas.microsoft.com/office/drawing/2010/main" xmlns="" w="9525">
                     <a:solidFill>
                       <a:srgbClr val="000000"/>
                     </a:solidFill>
@@ -14043,7 +14043,7 @@
               </a:ln>
               <a:extLst>
                 <a:ext uri="{91240B29-F687-4f45-9708-019B960494DF}">
-                  <a14:hiddenLine xmlns="" xmlns:a14="http://schemas.microsoft.com/office/drawing/2010/main" w="9525">
+                  <a14:hiddenLine xmlns:a14="http://schemas.microsoft.com/office/drawing/2010/main" xmlns="" w="9525">
                     <a:solidFill>
                       <a:srgbClr val="000000"/>
                     </a:solidFill>
@@ -14133,7 +14133,7 @@
               </a:ln>
               <a:extLst>
                 <a:ext uri="{91240B29-F687-4f45-9708-019B960494DF}">
-                  <a14:hiddenLine xmlns="" xmlns:a14="http://schemas.microsoft.com/office/drawing/2010/main" w="9525">
+                  <a14:hiddenLine xmlns:a14="http://schemas.microsoft.com/office/drawing/2010/main" xmlns="" w="9525">
                     <a:solidFill>
                       <a:srgbClr val="000000"/>
                     </a:solidFill>
@@ -14167,7 +14167,7 @@
               </a:ln>
               <a:extLst>
                 <a:ext uri="{91240B29-F687-4f45-9708-019B960494DF}">
-                  <a14:hiddenLine xmlns="" xmlns:a14="http://schemas.microsoft.com/office/drawing/2010/main" w="9525">
+                  <a14:hiddenLine xmlns:a14="http://schemas.microsoft.com/office/drawing/2010/main" xmlns="" w="9525">
                     <a:solidFill>
                       <a:srgbClr val="000000"/>
                     </a:solidFill>
@@ -14777,6 +14777,14 @@
           <a:lstStyle/>
           <a:p>
             <a:pPr lvl="0"/>
+            <a:r>
+              <a:rPr lang="es-EC" sz="3200" smtClean="0"/>
+              <a:t>OrderP</a:t>
+            </a:r>
+            <a:r>
+              <a:rPr lang="es-EC" sz="3200" smtClean="0"/>
+              <a:t>Food</a:t>
+            </a:r>
             <a:endParaRPr sz="3200" dirty="0"/>
           </a:p>
         </p:txBody>

--- a/group3/Grupo 3 - Proyecto.pptx
+++ b/group3/Grupo 3 - Proyecto.pptx
@@ -5,14 +5,13 @@
     <p:sldMasterId id="2147483680" r:id="rId1"/>
   </p:sldMasterIdLst>
   <p:notesMasterIdLst>
-    <p:notesMasterId r:id="rId7"/>
+    <p:notesMasterId r:id="rId6"/>
   </p:notesMasterIdLst>
   <p:sldIdLst>
     <p:sldId id="256" r:id="rId2"/>
     <p:sldId id="294" r:id="rId3"/>
-    <p:sldId id="304" r:id="rId4"/>
-    <p:sldId id="297" r:id="rId5"/>
-    <p:sldId id="303" r:id="rId6"/>
+    <p:sldId id="297" r:id="rId4"/>
+    <p:sldId id="304" r:id="rId5"/>
   </p:sldIdLst>
   <p:sldSz cx="9144000" cy="5143500" type="screen16x9"/>
   <p:notesSz cx="6858000" cy="9144000"/>
@@ -1253,6 +1252,13 @@
         </dgm:presLayoutVars>
       </dgm:prSet>
       <dgm:spPr/>
+      <dgm:t>
+        <a:bodyPr/>
+        <a:lstStyle/>
+        <a:p>
+          <a:endParaRPr lang="es-ES"/>
+        </a:p>
+      </dgm:t>
     </dgm:pt>
     <dgm:pt modelId="{89F738FC-CE16-445B-9850-BC3803597A02}" type="pres">
       <dgm:prSet presAssocID="{C5287B51-1012-4F92-939A-D5B298001D67}" presName="parentText" presStyleLbl="node1" presStyleIdx="0" presStyleCnt="1">
@@ -1262,6 +1268,13 @@
         </dgm:presLayoutVars>
       </dgm:prSet>
       <dgm:spPr/>
+      <dgm:t>
+        <a:bodyPr/>
+        <a:lstStyle/>
+        <a:p>
+          <a:endParaRPr lang="es-ES"/>
+        </a:p>
+      </dgm:t>
     </dgm:pt>
     <dgm:pt modelId="{EBCFE681-1D9D-4878-A425-EA926DA7B110}" type="pres">
       <dgm:prSet presAssocID="{C5287B51-1012-4F92-939A-D5B298001D67}" presName="childText" presStyleLbl="revTx" presStyleIdx="0" presStyleCnt="1">
@@ -1270,20 +1283,27 @@
         </dgm:presLayoutVars>
       </dgm:prSet>
       <dgm:spPr/>
+      <dgm:t>
+        <a:bodyPr/>
+        <a:lstStyle/>
+        <a:p>
+          <a:endParaRPr lang="es-ES"/>
+        </a:p>
+      </dgm:t>
     </dgm:pt>
   </dgm:ptLst>
   <dgm:cxnLst>
+    <dgm:cxn modelId="{0CDA7C7F-B3F7-4FBB-85D8-099C4B1444EE}" srcId="{C5287B51-1012-4F92-939A-D5B298001D67}" destId="{527539A6-A675-487C-AFDD-CFFE0BB8871F}" srcOrd="3" destOrd="0" parTransId="{2E90825F-3035-4107-8B65-A38D4F8EC631}" sibTransId="{DBC6C143-AE1D-4D8C-98A6-6EAE4976D7B4}"/>
+    <dgm:cxn modelId="{783170DA-6512-47C2-B394-1BABFEAE8115}" type="presOf" srcId="{527539A6-A675-487C-AFDD-CFFE0BB8871F}" destId="{EBCFE681-1D9D-4878-A425-EA926DA7B110}" srcOrd="0" destOrd="3" presId="urn:microsoft.com/office/officeart/2005/8/layout/vList2"/>
+    <dgm:cxn modelId="{BE64D4C1-65BD-4CEB-8BEA-77C84F6A8003}" type="presOf" srcId="{969B1D3F-F4B8-4A07-9978-E971692FCC8B}" destId="{EBCFE681-1D9D-4878-A425-EA926DA7B110}" srcOrd="0" destOrd="0" presId="urn:microsoft.com/office/officeart/2005/8/layout/vList2"/>
+    <dgm:cxn modelId="{2F24E150-9766-4E6D-812C-FCA779B30D94}" srcId="{F9FDCCDF-D4A9-4428-9180-B0B279784287}" destId="{C5287B51-1012-4F92-939A-D5B298001D67}" srcOrd="0" destOrd="0" parTransId="{E5DD2BBC-6D3D-4621-9FEE-44E6E28DD7CA}" sibTransId="{89FB0CF1-3797-4A5F-8E9C-2E2EA75EFE5B}"/>
     <dgm:cxn modelId="{193AE806-6CD3-4A2A-97E9-15AD7F2BEB97}" srcId="{C5287B51-1012-4F92-939A-D5B298001D67}" destId="{DE3C2C9A-58A4-42C4-A593-333E7F985B7C}" srcOrd="1" destOrd="0" parTransId="{5ECDE711-B5E3-4A9E-9770-60D75956F64A}" sibTransId="{F137AB4D-D21D-4B32-9ADC-81CD81666216}"/>
+    <dgm:cxn modelId="{FF14E0CE-1F69-4C96-B4C5-57E8365E1E66}" srcId="{C5287B51-1012-4F92-939A-D5B298001D67}" destId="{2C3D8975-0F25-4220-BE49-314596DEE939}" srcOrd="2" destOrd="0" parTransId="{C4A17332-4183-4E45-8311-2645AD35D110}" sibTransId="{5F0D1771-6262-47C0-82EC-99265A240EA3}"/>
     <dgm:cxn modelId="{78F79F09-EA20-4177-A74F-A063CF358A36}" type="presOf" srcId="{F9FDCCDF-D4A9-4428-9180-B0B279784287}" destId="{2255413B-B72D-4A5E-83E2-D8B0FF15F052}" srcOrd="0" destOrd="0" presId="urn:microsoft.com/office/officeart/2005/8/layout/vList2"/>
-    <dgm:cxn modelId="{46381E67-BC60-4B80-9D6C-11B067309D3B}" type="presOf" srcId="{C5287B51-1012-4F92-939A-D5B298001D67}" destId="{89F738FC-CE16-445B-9850-BC3803597A02}" srcOrd="0" destOrd="0" presId="urn:microsoft.com/office/officeart/2005/8/layout/vList2"/>
-    <dgm:cxn modelId="{2F24E150-9766-4E6D-812C-FCA779B30D94}" srcId="{F9FDCCDF-D4A9-4428-9180-B0B279784287}" destId="{C5287B51-1012-4F92-939A-D5B298001D67}" srcOrd="0" destOrd="0" parTransId="{E5DD2BBC-6D3D-4621-9FEE-44E6E28DD7CA}" sibTransId="{89FB0CF1-3797-4A5F-8E9C-2E2EA75EFE5B}"/>
     <dgm:cxn modelId="{D12B7052-0B93-4736-AD97-15915BACBE43}" type="presOf" srcId="{DE3C2C9A-58A4-42C4-A593-333E7F985B7C}" destId="{EBCFE681-1D9D-4878-A425-EA926DA7B110}" srcOrd="0" destOrd="1" presId="urn:microsoft.com/office/officeart/2005/8/layout/vList2"/>
     <dgm:cxn modelId="{655E7F73-04C0-406B-A4AB-97C07B0C6D91}" type="presOf" srcId="{2C3D8975-0F25-4220-BE49-314596DEE939}" destId="{EBCFE681-1D9D-4878-A425-EA926DA7B110}" srcOrd="0" destOrd="2" presId="urn:microsoft.com/office/officeart/2005/8/layout/vList2"/>
-    <dgm:cxn modelId="{0CDA7C7F-B3F7-4FBB-85D8-099C4B1444EE}" srcId="{C5287B51-1012-4F92-939A-D5B298001D67}" destId="{527539A6-A675-487C-AFDD-CFFE0BB8871F}" srcOrd="3" destOrd="0" parTransId="{2E90825F-3035-4107-8B65-A38D4F8EC631}" sibTransId="{DBC6C143-AE1D-4D8C-98A6-6EAE4976D7B4}"/>
-    <dgm:cxn modelId="{BE64D4C1-65BD-4CEB-8BEA-77C84F6A8003}" type="presOf" srcId="{969B1D3F-F4B8-4A07-9978-E971692FCC8B}" destId="{EBCFE681-1D9D-4878-A425-EA926DA7B110}" srcOrd="0" destOrd="0" presId="urn:microsoft.com/office/officeart/2005/8/layout/vList2"/>
-    <dgm:cxn modelId="{FF14E0CE-1F69-4C96-B4C5-57E8365E1E66}" srcId="{C5287B51-1012-4F92-939A-D5B298001D67}" destId="{2C3D8975-0F25-4220-BE49-314596DEE939}" srcOrd="2" destOrd="0" parTransId="{C4A17332-4183-4E45-8311-2645AD35D110}" sibTransId="{5F0D1771-6262-47C0-82EC-99265A240EA3}"/>
-    <dgm:cxn modelId="{783170DA-6512-47C2-B394-1BABFEAE8115}" type="presOf" srcId="{527539A6-A675-487C-AFDD-CFFE0BB8871F}" destId="{EBCFE681-1D9D-4878-A425-EA926DA7B110}" srcOrd="0" destOrd="3" presId="urn:microsoft.com/office/officeart/2005/8/layout/vList2"/>
     <dgm:cxn modelId="{7680A1E5-080D-4138-A6FF-1CA36E9AF9BD}" srcId="{C5287B51-1012-4F92-939A-D5B298001D67}" destId="{969B1D3F-F4B8-4A07-9978-E971692FCC8B}" srcOrd="0" destOrd="0" parTransId="{A179ED19-EB3B-42BC-83B9-54A40CC705E3}" sibTransId="{855D2E37-E97B-462D-9AA0-CB8578EC9B01}"/>
+    <dgm:cxn modelId="{46381E67-BC60-4B80-9D6C-11B067309D3B}" type="presOf" srcId="{C5287B51-1012-4F92-939A-D5B298001D67}" destId="{89F738FC-CE16-445B-9850-BC3803597A02}" srcOrd="0" destOrd="0" presId="urn:microsoft.com/office/officeart/2005/8/layout/vList2"/>
     <dgm:cxn modelId="{C5025EE4-011E-469A-A738-7B7957FDEEA5}" type="presParOf" srcId="{2255413B-B72D-4A5E-83E2-D8B0FF15F052}" destId="{89F738FC-CE16-445B-9850-BC3803597A02}" srcOrd="0" destOrd="0" presId="urn:microsoft.com/office/officeart/2005/8/layout/vList2"/>
     <dgm:cxn modelId="{B6CA32E8-158F-4314-868D-CF859B377A1D}" type="presParOf" srcId="{2255413B-B72D-4A5E-83E2-D8B0FF15F052}" destId="{EBCFE681-1D9D-4878-A425-EA926DA7B110}" srcOrd="1" destOrd="0" presId="urn:microsoft.com/office/officeart/2005/8/layout/vList2"/>
   </dgm:cxnLst>
@@ -1370,7 +1390,7 @@
         </a:bodyPr>
         <a:lstStyle/>
         <a:p>
-          <a:pPr marL="0" lvl="0" indent="0" algn="l" defTabSz="1955800">
+          <a:pPr lvl="0" algn="l" defTabSz="1955800">
             <a:lnSpc>
               <a:spcPct val="90000"/>
             </a:lnSpc>
@@ -1380,7 +1400,6 @@
             <a:spcAft>
               <a:spcPct val="35000"/>
             </a:spcAft>
-            <a:buNone/>
           </a:pPr>
           <a:r>
             <a:rPr lang="en-US" sz="4400" b="1" kern="1200"/>
@@ -1441,7 +1460,7 @@
             <a:spcAft>
               <a:spcPct val="20000"/>
             </a:spcAft>
-            <a:buChar char="•"/>
+            <a:buChar char="••"/>
           </a:pPr>
           <a:r>
             <a:rPr lang="en-US" sz="3400" b="1" kern="1200"/>
@@ -1460,7 +1479,7 @@
             <a:spcAft>
               <a:spcPct val="20000"/>
             </a:spcAft>
-            <a:buChar char="•"/>
+            <a:buChar char="••"/>
           </a:pPr>
           <a:r>
             <a:rPr lang="es-ES" sz="3400" b="1" kern="1200"/>
@@ -1479,7 +1498,7 @@
             <a:spcAft>
               <a:spcPct val="20000"/>
             </a:spcAft>
-            <a:buChar char="•"/>
+            <a:buChar char="••"/>
           </a:pPr>
           <a:r>
             <a:rPr lang="en-US" sz="3400" b="1" kern="1200"/>
@@ -1498,7 +1517,7 @@
             <a:spcAft>
               <a:spcPct val="20000"/>
             </a:spcAft>
-            <a:buChar char="•"/>
+            <a:buChar char="••"/>
           </a:pPr>
           <a:r>
             <a:rPr lang="en-US" sz="3400" b="1" kern="1200"/>
@@ -3485,115 +3504,6 @@
 </p:notes>
 </file>
 
-<file path=ppt/notesSlides/notesSlide4.xml><?xml version="1.0" encoding="utf-8"?>
-<p:notes xmlns:a="http://schemas.openxmlformats.org/drawingml/2006/main" xmlns:r="http://schemas.openxmlformats.org/officeDocument/2006/relationships" xmlns:p="http://schemas.openxmlformats.org/presentationml/2006/main" showMasterSp="0" showMasterPhAnim="0">
-  <p:cSld>
-    <p:spTree>
-      <p:nvGrpSpPr>
-        <p:cNvPr id="1" name="Shape 345"/>
-        <p:cNvGrpSpPr/>
-        <p:nvPr/>
-      </p:nvGrpSpPr>
-      <p:grpSpPr>
-        <a:xfrm>
-          <a:off x="0" y="0"/>
-          <a:ext cx="0" cy="0"/>
-          <a:chOff x="0" y="0"/>
-          <a:chExt cx="0" cy="0"/>
-        </a:xfrm>
-      </p:grpSpPr>
-      <p:sp>
-        <p:nvSpPr>
-          <p:cNvPr id="346" name="Google Shape;346;g35ed75ccf_0141:notes"/>
-          <p:cNvSpPr>
-            <a:spLocks noGrp="1" noRot="1" noChangeAspect="1"/>
-          </p:cNvSpPr>
-          <p:nvPr>
-            <p:ph type="sldImg" idx="2"/>
-          </p:nvPr>
-        </p:nvSpPr>
-        <p:spPr>
-          <a:xfrm>
-            <a:off x="381000" y="685800"/>
-            <a:ext cx="6096000" cy="3429000"/>
-          </a:xfrm>
-          <a:custGeom>
-            <a:avLst/>
-            <a:gdLst/>
-            <a:ahLst/>
-            <a:cxnLst/>
-            <a:rect l="l" t="t" r="r" b="b"/>
-            <a:pathLst>
-              <a:path w="120000" h="120000" extrusionOk="0">
-                <a:moveTo>
-                  <a:pt x="0" y="0"/>
-                </a:moveTo>
-                <a:lnTo>
-                  <a:pt x="120000" y="0"/>
-                </a:lnTo>
-                <a:lnTo>
-                  <a:pt x="120000" y="120000"/>
-                </a:lnTo>
-                <a:lnTo>
-                  <a:pt x="0" y="120000"/>
-                </a:lnTo>
-                <a:close/>
-              </a:path>
-            </a:pathLst>
-          </a:custGeom>
-        </p:spPr>
-      </p:sp>
-      <p:sp>
-        <p:nvSpPr>
-          <p:cNvPr id="347" name="Google Shape;347;g35ed75ccf_0141:notes"/>
-          <p:cNvSpPr txBox="1">
-            <a:spLocks noGrp="1"/>
-          </p:cNvSpPr>
-          <p:nvPr>
-            <p:ph type="body" idx="1"/>
-          </p:nvPr>
-        </p:nvSpPr>
-        <p:spPr>
-          <a:xfrm>
-            <a:off x="685800" y="4343400"/>
-            <a:ext cx="5486400" cy="4114800"/>
-          </a:xfrm>
-          <a:prstGeom prst="rect">
-            <a:avLst/>
-          </a:prstGeom>
-        </p:spPr>
-        <p:txBody>
-          <a:bodyPr spcFirstLastPara="1" wrap="square" lIns="91425" tIns="91425" rIns="91425" bIns="91425" anchor="t" anchorCtr="0">
-            <a:noAutofit/>
-          </a:bodyPr>
-          <a:lstStyle/>
-          <a:p>
-            <a:pPr marL="0" lvl="0" indent="0" algn="l" rtl="0">
-              <a:spcBef>
-                <a:spcPts val="0"/>
-              </a:spcBef>
-              <a:spcAft>
-                <a:spcPts val="0"/>
-              </a:spcAft>
-              <a:buNone/>
-            </a:pPr>
-            <a:endParaRPr/>
-          </a:p>
-        </p:txBody>
-      </p:sp>
-    </p:spTree>
-    <p:extLst>
-      <p:ext uri="{BB962C8B-B14F-4D97-AF65-F5344CB8AC3E}">
-        <p14:creationId xmlns:p14="http://schemas.microsoft.com/office/powerpoint/2010/main" val="549694653"/>
-      </p:ext>
-    </p:extLst>
-  </p:cSld>
-  <p:clrMapOvr>
-    <a:masterClrMapping/>
-  </p:clrMapOvr>
-</p:notes>
-</file>
-
 <file path=ppt/slideLayouts/slideLayout1.xml><?xml version="1.0" encoding="utf-8"?>
 <p:sldLayout xmlns:a="http://schemas.openxmlformats.org/drawingml/2006/main" xmlns:r="http://schemas.openxmlformats.org/officeDocument/2006/relationships" xmlns:p="http://schemas.openxmlformats.org/presentationml/2006/main" showMasterSp="0" type="title" preserve="1">
   <p:cSld name="Diapositiva de título">
@@ -3644,7 +3554,7 @@
           <a:noFill/>
           <a:extLst>
             <a:ext uri="{909E8E84-426E-40dd-AFC4-6F175D3DCCD1}">
-              <a14:hiddenFill xmlns:a14="http://schemas.microsoft.com/office/drawing/2010/main" xmlns="">
+              <a14:hiddenFill xmlns="" xmlns:a14="http://schemas.microsoft.com/office/drawing/2010/main">
                 <a:solidFill>
                   <a:srgbClr val="FFFFFF"/>
                 </a:solidFill>
@@ -3704,7 +3614,7 @@
             </a:ln>
             <a:extLst>
               <a:ext uri="{91240B29-F687-4f45-9708-019B960494DF}">
-                <a14:hiddenLine xmlns:a14="http://schemas.microsoft.com/office/drawing/2010/main" xmlns="" w="9525">
+                <a14:hiddenLine xmlns="" xmlns:a14="http://schemas.microsoft.com/office/drawing/2010/main" w="9525">
                   <a:solidFill>
                     <a:srgbClr val="000000"/>
                   </a:solidFill>
@@ -3794,7 +3704,7 @@
             </a:ln>
             <a:extLst>
               <a:ext uri="{91240B29-F687-4f45-9708-019B960494DF}">
-                <a14:hiddenLine xmlns:a14="http://schemas.microsoft.com/office/drawing/2010/main" xmlns="" w="9525">
+                <a14:hiddenLine xmlns="" xmlns:a14="http://schemas.microsoft.com/office/drawing/2010/main" w="9525">
                   <a:solidFill>
                     <a:srgbClr val="000000"/>
                   </a:solidFill>
@@ -3884,7 +3794,7 @@
             </a:ln>
             <a:extLst>
               <a:ext uri="{91240B29-F687-4f45-9708-019B960494DF}">
-                <a14:hiddenLine xmlns:a14="http://schemas.microsoft.com/office/drawing/2010/main" xmlns="" w="9525">
+                <a14:hiddenLine xmlns="" xmlns:a14="http://schemas.microsoft.com/office/drawing/2010/main" w="9525">
                   <a:solidFill>
                     <a:srgbClr val="000000"/>
                   </a:solidFill>
@@ -3918,7 +3828,7 @@
             </a:ln>
             <a:extLst>
               <a:ext uri="{91240B29-F687-4f45-9708-019B960494DF}">
-                <a14:hiddenLine xmlns:a14="http://schemas.microsoft.com/office/drawing/2010/main" xmlns="" w="9525">
+                <a14:hiddenLine xmlns="" xmlns:a14="http://schemas.microsoft.com/office/drawing/2010/main" w="9525">
                   <a:solidFill>
                     <a:srgbClr val="000000"/>
                   </a:solidFill>
@@ -4008,7 +3918,7 @@
             </a:ln>
             <a:extLst>
               <a:ext uri="{91240B29-F687-4f45-9708-019B960494DF}">
-                <a14:hiddenLine xmlns:a14="http://schemas.microsoft.com/office/drawing/2010/main" xmlns="" w="9525">
+                <a14:hiddenLine xmlns="" xmlns:a14="http://schemas.microsoft.com/office/drawing/2010/main" w="9525">
                   <a:solidFill>
                     <a:srgbClr val="000000"/>
                   </a:solidFill>
@@ -4070,7 +3980,7 @@
             </a:ln>
             <a:extLst>
               <a:ext uri="{91240B29-F687-4f45-9708-019B960494DF}">
-                <a14:hiddenLine xmlns:a14="http://schemas.microsoft.com/office/drawing/2010/main" xmlns="" w="9525">
+                <a14:hiddenLine xmlns="" xmlns:a14="http://schemas.microsoft.com/office/drawing/2010/main" w="9525">
                   <a:solidFill>
                     <a:srgbClr val="000000"/>
                   </a:solidFill>
@@ -4132,7 +4042,7 @@
             </a:ln>
             <a:extLst>
               <a:ext uri="{91240B29-F687-4f45-9708-019B960494DF}">
-                <a14:hiddenLine xmlns:a14="http://schemas.microsoft.com/office/drawing/2010/main" xmlns="" w="9525">
+                <a14:hiddenLine xmlns="" xmlns:a14="http://schemas.microsoft.com/office/drawing/2010/main" w="9525">
                   <a:solidFill>
                     <a:srgbClr val="000000"/>
                   </a:solidFill>
@@ -4222,7 +4132,7 @@
             </a:ln>
             <a:extLst>
               <a:ext uri="{91240B29-F687-4f45-9708-019B960494DF}">
-                <a14:hiddenLine xmlns:a14="http://schemas.microsoft.com/office/drawing/2010/main" xmlns="" w="9525">
+                <a14:hiddenLine xmlns="" xmlns:a14="http://schemas.microsoft.com/office/drawing/2010/main" w="9525">
                   <a:solidFill>
                     <a:srgbClr val="000000"/>
                   </a:solidFill>
@@ -4284,7 +4194,7 @@
             </a:ln>
             <a:extLst>
               <a:ext uri="{91240B29-F687-4f45-9708-019B960494DF}">
-                <a14:hiddenLine xmlns:a14="http://schemas.microsoft.com/office/drawing/2010/main" xmlns="" w="9525">
+                <a14:hiddenLine xmlns="" xmlns:a14="http://schemas.microsoft.com/office/drawing/2010/main" w="9525">
                   <a:solidFill>
                     <a:srgbClr val="000000"/>
                   </a:solidFill>
@@ -4346,7 +4256,7 @@
             </a:ln>
             <a:extLst>
               <a:ext uri="{91240B29-F687-4f45-9708-019B960494DF}">
-                <a14:hiddenLine xmlns:a14="http://schemas.microsoft.com/office/drawing/2010/main" xmlns="" w="9525">
+                <a14:hiddenLine xmlns="" xmlns:a14="http://schemas.microsoft.com/office/drawing/2010/main" w="9525">
                   <a:solidFill>
                     <a:srgbClr val="000000"/>
                   </a:solidFill>
@@ -4436,7 +4346,7 @@
             </a:ln>
             <a:extLst>
               <a:ext uri="{91240B29-F687-4f45-9708-019B960494DF}">
-                <a14:hiddenLine xmlns:a14="http://schemas.microsoft.com/office/drawing/2010/main" xmlns="" w="9525">
+                <a14:hiddenLine xmlns="" xmlns:a14="http://schemas.microsoft.com/office/drawing/2010/main" w="9525">
                   <a:solidFill>
                     <a:srgbClr val="000000"/>
                   </a:solidFill>
@@ -4526,7 +4436,7 @@
             </a:ln>
             <a:extLst>
               <a:ext uri="{91240B29-F687-4f45-9708-019B960494DF}">
-                <a14:hiddenLine xmlns:a14="http://schemas.microsoft.com/office/drawing/2010/main" xmlns="" w="9525">
+                <a14:hiddenLine xmlns="" xmlns:a14="http://schemas.microsoft.com/office/drawing/2010/main" w="9525">
                   <a:solidFill>
                     <a:srgbClr val="000000"/>
                   </a:solidFill>
@@ -4588,7 +4498,7 @@
             </a:ln>
             <a:extLst>
               <a:ext uri="{91240B29-F687-4f45-9708-019B960494DF}">
-                <a14:hiddenLine xmlns:a14="http://schemas.microsoft.com/office/drawing/2010/main" xmlns="" w="9525">
+                <a14:hiddenLine xmlns="" xmlns:a14="http://schemas.microsoft.com/office/drawing/2010/main" w="9525">
                   <a:solidFill>
                     <a:srgbClr val="000000"/>
                   </a:solidFill>
@@ -4698,7 +4608,7 @@
             </a:ln>
             <a:extLst>
               <a:ext uri="{91240B29-F687-4f45-9708-019B960494DF}">
-                <a14:hiddenLine xmlns:a14="http://schemas.microsoft.com/office/drawing/2010/main" xmlns="" w="9525">
+                <a14:hiddenLine xmlns="" xmlns:a14="http://schemas.microsoft.com/office/drawing/2010/main" w="9525">
                   <a:solidFill>
                     <a:srgbClr val="000000"/>
                   </a:solidFill>
@@ -4760,7 +4670,7 @@
             </a:ln>
             <a:extLst>
               <a:ext uri="{91240B29-F687-4f45-9708-019B960494DF}">
-                <a14:hiddenLine xmlns:a14="http://schemas.microsoft.com/office/drawing/2010/main" xmlns="" w="9525">
+                <a14:hiddenLine xmlns="" xmlns:a14="http://schemas.microsoft.com/office/drawing/2010/main" w="9525">
                   <a:solidFill>
                     <a:srgbClr val="000000"/>
                   </a:solidFill>
@@ -4850,7 +4760,7 @@
             </a:ln>
             <a:extLst>
               <a:ext uri="{91240B29-F687-4f45-9708-019B960494DF}">
-                <a14:hiddenLine xmlns:a14="http://schemas.microsoft.com/office/drawing/2010/main" xmlns="" w="9525">
+                <a14:hiddenLine xmlns="" xmlns:a14="http://schemas.microsoft.com/office/drawing/2010/main" w="9525">
                   <a:solidFill>
                     <a:srgbClr val="000000"/>
                   </a:solidFill>
@@ -4940,7 +4850,7 @@
             </a:ln>
             <a:extLst>
               <a:ext uri="{91240B29-F687-4f45-9708-019B960494DF}">
-                <a14:hiddenLine xmlns:a14="http://schemas.microsoft.com/office/drawing/2010/main" xmlns="" w="9525">
+                <a14:hiddenLine xmlns="" xmlns:a14="http://schemas.microsoft.com/office/drawing/2010/main" w="9525">
                   <a:solidFill>
                     <a:srgbClr val="000000"/>
                   </a:solidFill>
@@ -5002,7 +4912,7 @@
             </a:ln>
             <a:extLst>
               <a:ext uri="{91240B29-F687-4f45-9708-019B960494DF}">
-                <a14:hiddenLine xmlns:a14="http://schemas.microsoft.com/office/drawing/2010/main" xmlns="" w="9525">
+                <a14:hiddenLine xmlns="" xmlns:a14="http://schemas.microsoft.com/office/drawing/2010/main" w="9525">
                   <a:solidFill>
                     <a:srgbClr val="000000"/>
                   </a:solidFill>
@@ -5092,7 +5002,7 @@
             </a:ln>
             <a:extLst>
               <a:ext uri="{91240B29-F687-4f45-9708-019B960494DF}">
-                <a14:hiddenLine xmlns:a14="http://schemas.microsoft.com/office/drawing/2010/main" xmlns="" w="9525">
+                <a14:hiddenLine xmlns="" xmlns:a14="http://schemas.microsoft.com/office/drawing/2010/main" w="9525">
                   <a:solidFill>
                     <a:srgbClr val="000000"/>
                   </a:solidFill>
@@ -5182,7 +5092,7 @@
             </a:ln>
             <a:extLst>
               <a:ext uri="{91240B29-F687-4f45-9708-019B960494DF}">
-                <a14:hiddenLine xmlns:a14="http://schemas.microsoft.com/office/drawing/2010/main" xmlns="" w="9525">
+                <a14:hiddenLine xmlns="" xmlns:a14="http://schemas.microsoft.com/office/drawing/2010/main" w="9525">
                   <a:solidFill>
                     <a:srgbClr val="000000"/>
                   </a:solidFill>
@@ -5238,7 +5148,7 @@
             </a:ln>
             <a:extLst>
               <a:ext uri="{91240B29-F687-4f45-9708-019B960494DF}">
-                <a14:hiddenLine xmlns:a14="http://schemas.microsoft.com/office/drawing/2010/main" xmlns="" w="9525">
+                <a14:hiddenLine xmlns="" xmlns:a14="http://schemas.microsoft.com/office/drawing/2010/main" w="9525">
                   <a:solidFill>
                     <a:srgbClr val="000000"/>
                   </a:solidFill>
@@ -5328,7 +5238,7 @@
             </a:ln>
             <a:extLst>
               <a:ext uri="{91240B29-F687-4f45-9708-019B960494DF}">
-                <a14:hiddenLine xmlns:a14="http://schemas.microsoft.com/office/drawing/2010/main" xmlns="" w="9525">
+                <a14:hiddenLine xmlns="" xmlns:a14="http://schemas.microsoft.com/office/drawing/2010/main" w="9525">
                   <a:solidFill>
                     <a:srgbClr val="000000"/>
                   </a:solidFill>
@@ -5384,7 +5294,7 @@
             </a:ln>
             <a:extLst>
               <a:ext uri="{91240B29-F687-4f45-9708-019B960494DF}">
-                <a14:hiddenLine xmlns:a14="http://schemas.microsoft.com/office/drawing/2010/main" xmlns="" w="9525">
+                <a14:hiddenLine xmlns="" xmlns:a14="http://schemas.microsoft.com/office/drawing/2010/main" w="9525">
                   <a:solidFill>
                     <a:srgbClr val="000000"/>
                   </a:solidFill>
@@ -5474,7 +5384,7 @@
             </a:ln>
             <a:extLst>
               <a:ext uri="{91240B29-F687-4f45-9708-019B960494DF}">
-                <a14:hiddenLine xmlns:a14="http://schemas.microsoft.com/office/drawing/2010/main" xmlns="" w="9525">
+                <a14:hiddenLine xmlns="" xmlns:a14="http://schemas.microsoft.com/office/drawing/2010/main" w="9525">
                   <a:solidFill>
                     <a:srgbClr val="000000"/>
                   </a:solidFill>
@@ -5542,7 +5452,7 @@
             </a:ln>
             <a:extLst>
               <a:ext uri="{91240B29-F687-4f45-9708-019B960494DF}">
-                <a14:hiddenLine xmlns:a14="http://schemas.microsoft.com/office/drawing/2010/main" xmlns="" w="9525">
+                <a14:hiddenLine xmlns="" xmlns:a14="http://schemas.microsoft.com/office/drawing/2010/main" w="9525">
                   <a:solidFill>
                     <a:srgbClr val="000000"/>
                   </a:solidFill>
@@ -5632,7 +5542,7 @@
             </a:ln>
             <a:extLst>
               <a:ext uri="{91240B29-F687-4f45-9708-019B960494DF}">
-                <a14:hiddenLine xmlns:a14="http://schemas.microsoft.com/office/drawing/2010/main" xmlns="" w="9525">
+                <a14:hiddenLine xmlns="" xmlns:a14="http://schemas.microsoft.com/office/drawing/2010/main" w="9525">
                   <a:solidFill>
                     <a:srgbClr val="000000"/>
                   </a:solidFill>
@@ -5700,7 +5610,7 @@
             </a:ln>
             <a:extLst>
               <a:ext uri="{91240B29-F687-4f45-9708-019B960494DF}">
-                <a14:hiddenLine xmlns:a14="http://schemas.microsoft.com/office/drawing/2010/main" xmlns="" w="9525">
+                <a14:hiddenLine xmlns="" xmlns:a14="http://schemas.microsoft.com/office/drawing/2010/main" w="9525">
                   <a:solidFill>
                     <a:srgbClr val="000000"/>
                   </a:solidFill>
@@ -5790,7 +5700,7 @@
             </a:ln>
             <a:extLst>
               <a:ext uri="{91240B29-F687-4f45-9708-019B960494DF}">
-                <a14:hiddenLine xmlns:a14="http://schemas.microsoft.com/office/drawing/2010/main" xmlns="" w="9525">
+                <a14:hiddenLine xmlns="" xmlns:a14="http://schemas.microsoft.com/office/drawing/2010/main" w="9525">
                   <a:solidFill>
                     <a:srgbClr val="000000"/>
                   </a:solidFill>
@@ -5824,7 +5734,7 @@
             </a:ln>
             <a:extLst>
               <a:ext uri="{91240B29-F687-4f45-9708-019B960494DF}">
-                <a14:hiddenLine xmlns:a14="http://schemas.microsoft.com/office/drawing/2010/main" xmlns="" w="9525">
+                <a14:hiddenLine xmlns="" xmlns:a14="http://schemas.microsoft.com/office/drawing/2010/main" w="9525">
                   <a:solidFill>
                     <a:srgbClr val="000000"/>
                   </a:solidFill>
@@ -5914,7 +5824,7 @@
             </a:ln>
             <a:extLst>
               <a:ext uri="{91240B29-F687-4f45-9708-019B960494DF}">
-                <a14:hiddenLine xmlns:a14="http://schemas.microsoft.com/office/drawing/2010/main" xmlns="" w="9525">
+                <a14:hiddenLine xmlns="" xmlns:a14="http://schemas.microsoft.com/office/drawing/2010/main" w="9525">
                   <a:solidFill>
                     <a:srgbClr val="000000"/>
                   </a:solidFill>
@@ -5976,7 +5886,7 @@
             </a:ln>
             <a:extLst>
               <a:ext uri="{91240B29-F687-4f45-9708-019B960494DF}">
-                <a14:hiddenLine xmlns:a14="http://schemas.microsoft.com/office/drawing/2010/main" xmlns="" w="9525">
+                <a14:hiddenLine xmlns="" xmlns:a14="http://schemas.microsoft.com/office/drawing/2010/main" w="9525">
                   <a:solidFill>
                     <a:srgbClr val="000000"/>
                   </a:solidFill>
@@ -6038,7 +5948,7 @@
             </a:ln>
             <a:extLst>
               <a:ext uri="{91240B29-F687-4f45-9708-019B960494DF}">
-                <a14:hiddenLine xmlns:a14="http://schemas.microsoft.com/office/drawing/2010/main" xmlns="" w="9525">
+                <a14:hiddenLine xmlns="" xmlns:a14="http://schemas.microsoft.com/office/drawing/2010/main" w="9525">
                   <a:solidFill>
                     <a:srgbClr val="000000"/>
                   </a:solidFill>
@@ -6128,7 +6038,7 @@
             </a:ln>
             <a:extLst>
               <a:ext uri="{91240B29-F687-4f45-9708-019B960494DF}">
-                <a14:hiddenLine xmlns:a14="http://schemas.microsoft.com/office/drawing/2010/main" xmlns="" w="9525">
+                <a14:hiddenLine xmlns="" xmlns:a14="http://schemas.microsoft.com/office/drawing/2010/main" w="9525">
                   <a:solidFill>
                     <a:srgbClr val="000000"/>
                   </a:solidFill>
@@ -6196,7 +6106,7 @@
             </a:ln>
             <a:extLst>
               <a:ext uri="{91240B29-F687-4f45-9708-019B960494DF}">
-                <a14:hiddenLine xmlns:a14="http://schemas.microsoft.com/office/drawing/2010/main" xmlns="" w="9525">
+                <a14:hiddenLine xmlns="" xmlns:a14="http://schemas.microsoft.com/office/drawing/2010/main" w="9525">
                   <a:solidFill>
                     <a:srgbClr val="000000"/>
                   </a:solidFill>
@@ -6258,7 +6168,7 @@
             </a:ln>
             <a:extLst>
               <a:ext uri="{91240B29-F687-4f45-9708-019B960494DF}">
-                <a14:hiddenLine xmlns:a14="http://schemas.microsoft.com/office/drawing/2010/main" xmlns="" w="9525">
+                <a14:hiddenLine xmlns="" xmlns:a14="http://schemas.microsoft.com/office/drawing/2010/main" w="9525">
                   <a:solidFill>
                     <a:srgbClr val="000000"/>
                   </a:solidFill>
@@ -6348,7 +6258,7 @@
             </a:ln>
             <a:extLst>
               <a:ext uri="{91240B29-F687-4f45-9708-019B960494DF}">
-                <a14:hiddenLine xmlns:a14="http://schemas.microsoft.com/office/drawing/2010/main" xmlns="" w="9525">
+                <a14:hiddenLine xmlns="" xmlns:a14="http://schemas.microsoft.com/office/drawing/2010/main" w="9525">
                   <a:solidFill>
                     <a:srgbClr val="000000"/>
                   </a:solidFill>
@@ -6410,7 +6320,7 @@
             </a:ln>
             <a:extLst>
               <a:ext uri="{91240B29-F687-4f45-9708-019B960494DF}">
-                <a14:hiddenLine xmlns:a14="http://schemas.microsoft.com/office/drawing/2010/main" xmlns="" w="9525">
+                <a14:hiddenLine xmlns="" xmlns:a14="http://schemas.microsoft.com/office/drawing/2010/main" w="9525">
                   <a:solidFill>
                     <a:srgbClr val="000000"/>
                   </a:solidFill>
@@ -6500,7 +6410,7 @@
             </a:ln>
             <a:extLst>
               <a:ext uri="{91240B29-F687-4f45-9708-019B960494DF}">
-                <a14:hiddenLine xmlns:a14="http://schemas.microsoft.com/office/drawing/2010/main" xmlns="" w="9525">
+                <a14:hiddenLine xmlns="" xmlns:a14="http://schemas.microsoft.com/office/drawing/2010/main" w="9525">
                   <a:solidFill>
                     <a:srgbClr val="000000"/>
                   </a:solidFill>
@@ -6562,7 +6472,7 @@
             </a:ln>
             <a:extLst>
               <a:ext uri="{91240B29-F687-4f45-9708-019B960494DF}">
-                <a14:hiddenLine xmlns:a14="http://schemas.microsoft.com/office/drawing/2010/main" xmlns="" w="9525">
+                <a14:hiddenLine xmlns="" xmlns:a14="http://schemas.microsoft.com/office/drawing/2010/main" w="9525">
                   <a:solidFill>
                     <a:srgbClr val="000000"/>
                   </a:solidFill>
@@ -6652,7 +6562,7 @@
             </a:ln>
             <a:extLst>
               <a:ext uri="{91240B29-F687-4f45-9708-019B960494DF}">
-                <a14:hiddenLine xmlns:a14="http://schemas.microsoft.com/office/drawing/2010/main" xmlns="" w="9525">
+                <a14:hiddenLine xmlns="" xmlns:a14="http://schemas.microsoft.com/office/drawing/2010/main" w="9525">
                   <a:solidFill>
                     <a:srgbClr val="000000"/>
                   </a:solidFill>
@@ -6686,7 +6596,7 @@
             </a:ln>
             <a:extLst>
               <a:ext uri="{91240B29-F687-4f45-9708-019B960494DF}">
-                <a14:hiddenLine xmlns:a14="http://schemas.microsoft.com/office/drawing/2010/main" xmlns="" w="9525">
+                <a14:hiddenLine xmlns="" xmlns:a14="http://schemas.microsoft.com/office/drawing/2010/main" w="9525">
                   <a:solidFill>
                     <a:srgbClr val="000000"/>
                   </a:solidFill>
@@ -6751,7 +6661,7 @@
             </a:ln>
             <a:extLst>
               <a:ext uri="{91240B29-F687-4f45-9708-019B960494DF}">
-                <a14:hiddenLine xmlns:a14="http://schemas.microsoft.com/office/drawing/2010/main" xmlns="" w="9525">
+                <a14:hiddenLine xmlns="" xmlns:a14="http://schemas.microsoft.com/office/drawing/2010/main" w="9525">
                   <a:solidFill>
                     <a:srgbClr val="000000"/>
                   </a:solidFill>
@@ -6841,7 +6751,7 @@
             </a:ln>
             <a:extLst>
               <a:ext uri="{91240B29-F687-4f45-9708-019B960494DF}">
-                <a14:hiddenLine xmlns:a14="http://schemas.microsoft.com/office/drawing/2010/main" xmlns="" w="9525">
+                <a14:hiddenLine xmlns="" xmlns:a14="http://schemas.microsoft.com/office/drawing/2010/main" w="9525">
                   <a:solidFill>
                     <a:srgbClr val="000000"/>
                   </a:solidFill>
@@ -6903,7 +6813,7 @@
             </a:ln>
             <a:extLst>
               <a:ext uri="{91240B29-F687-4f45-9708-019B960494DF}">
-                <a14:hiddenLine xmlns:a14="http://schemas.microsoft.com/office/drawing/2010/main" xmlns="" w="9525">
+                <a14:hiddenLine xmlns="" xmlns:a14="http://schemas.microsoft.com/office/drawing/2010/main" w="9525">
                   <a:solidFill>
                     <a:srgbClr val="000000"/>
                   </a:solidFill>
@@ -6993,7 +6903,7 @@
             </a:ln>
             <a:extLst>
               <a:ext uri="{91240B29-F687-4f45-9708-019B960494DF}">
-                <a14:hiddenLine xmlns:a14="http://schemas.microsoft.com/office/drawing/2010/main" xmlns="" w="9525">
+                <a14:hiddenLine xmlns="" xmlns:a14="http://schemas.microsoft.com/office/drawing/2010/main" w="9525">
                   <a:solidFill>
                     <a:srgbClr val="000000"/>
                   </a:solidFill>
@@ -7083,7 +6993,7 @@
             </a:ln>
             <a:extLst>
               <a:ext uri="{91240B29-F687-4f45-9708-019B960494DF}">
-                <a14:hiddenLine xmlns:a14="http://schemas.microsoft.com/office/drawing/2010/main" xmlns="" w="9525">
+                <a14:hiddenLine xmlns="" xmlns:a14="http://schemas.microsoft.com/office/drawing/2010/main" w="9525">
                   <a:solidFill>
                     <a:srgbClr val="000000"/>
                   </a:solidFill>
@@ -7148,7 +7058,7 @@
             </a:ln>
             <a:extLst>
               <a:ext uri="{91240B29-F687-4f45-9708-019B960494DF}">
-                <a14:hiddenLine xmlns:a14="http://schemas.microsoft.com/office/drawing/2010/main" xmlns="" w="9525">
+                <a14:hiddenLine xmlns="" xmlns:a14="http://schemas.microsoft.com/office/drawing/2010/main" w="9525">
                   <a:solidFill>
                     <a:srgbClr val="000000"/>
                   </a:solidFill>
@@ -7210,7 +7120,7 @@
             </a:ln>
             <a:extLst>
               <a:ext uri="{91240B29-F687-4f45-9708-019B960494DF}">
-                <a14:hiddenLine xmlns:a14="http://schemas.microsoft.com/office/drawing/2010/main" xmlns="" w="9525">
+                <a14:hiddenLine xmlns="" xmlns:a14="http://schemas.microsoft.com/office/drawing/2010/main" w="9525">
                   <a:solidFill>
                     <a:srgbClr val="000000"/>
                   </a:solidFill>
@@ -7300,7 +7210,7 @@
             </a:ln>
             <a:extLst>
               <a:ext uri="{91240B29-F687-4f45-9708-019B960494DF}">
-                <a14:hiddenLine xmlns:a14="http://schemas.microsoft.com/office/drawing/2010/main" xmlns="" w="9525">
+                <a14:hiddenLine xmlns="" xmlns:a14="http://schemas.microsoft.com/office/drawing/2010/main" w="9525">
                   <a:solidFill>
                     <a:srgbClr val="000000"/>
                   </a:solidFill>
@@ -7390,7 +7300,7 @@
             </a:ln>
             <a:extLst>
               <a:ext uri="{91240B29-F687-4f45-9708-019B960494DF}">
-                <a14:hiddenLine xmlns:a14="http://schemas.microsoft.com/office/drawing/2010/main" xmlns="" w="9525">
+                <a14:hiddenLine xmlns="" xmlns:a14="http://schemas.microsoft.com/office/drawing/2010/main" w="9525">
                   <a:solidFill>
                     <a:srgbClr val="000000"/>
                   </a:solidFill>
@@ -7452,7 +7362,7 @@
             </a:ln>
             <a:extLst>
               <a:ext uri="{91240B29-F687-4f45-9708-019B960494DF}">
-                <a14:hiddenLine xmlns:a14="http://schemas.microsoft.com/office/drawing/2010/main" xmlns="" w="9525">
+                <a14:hiddenLine xmlns="" xmlns:a14="http://schemas.microsoft.com/office/drawing/2010/main" w="9525">
                   <a:solidFill>
                     <a:srgbClr val="000000"/>
                   </a:solidFill>
@@ -7572,7 +7482,7 @@
             </a:ln>
             <a:extLst>
               <a:ext uri="{91240B29-F687-4f45-9708-019B960494DF}">
-                <a14:hiddenLine xmlns:a14="http://schemas.microsoft.com/office/drawing/2010/main" xmlns="" w="9525">
+                <a14:hiddenLine xmlns="" xmlns:a14="http://schemas.microsoft.com/office/drawing/2010/main" w="9525">
                   <a:solidFill>
                     <a:srgbClr val="000000"/>
                   </a:solidFill>
@@ -7640,7 +7550,7 @@
             </a:ln>
             <a:extLst>
               <a:ext uri="{91240B29-F687-4f45-9708-019B960494DF}">
-                <a14:hiddenLine xmlns:a14="http://schemas.microsoft.com/office/drawing/2010/main" xmlns="" w="9525">
+                <a14:hiddenLine xmlns="" xmlns:a14="http://schemas.microsoft.com/office/drawing/2010/main" w="9525">
                   <a:solidFill>
                     <a:srgbClr val="000000"/>
                   </a:solidFill>
@@ -7730,7 +7640,7 @@
             </a:ln>
             <a:extLst>
               <a:ext uri="{91240B29-F687-4f45-9708-019B960494DF}">
-                <a14:hiddenLine xmlns:a14="http://schemas.microsoft.com/office/drawing/2010/main" xmlns="" w="9525">
+                <a14:hiddenLine xmlns="" xmlns:a14="http://schemas.microsoft.com/office/drawing/2010/main" w="9525">
                   <a:solidFill>
                     <a:srgbClr val="000000"/>
                   </a:solidFill>
@@ -13800,7 +13710,7 @@
           <a:noFill/>
           <a:extLst>
             <a:ext uri="{909E8E84-426E-40dd-AFC4-6F175D3DCCD1}">
-              <a14:hiddenFill xmlns:a14="http://schemas.microsoft.com/office/drawing/2010/main" xmlns="">
+              <a14:hiddenFill xmlns="" xmlns:a14="http://schemas.microsoft.com/office/drawing/2010/main">
                 <a:solidFill>
                   <a:srgbClr val="FFFFFF"/>
                 </a:solidFill>
@@ -13874,7 +13784,7 @@
               </a:ln>
               <a:extLst>
                 <a:ext uri="{91240B29-F687-4f45-9708-019B960494DF}">
-                  <a14:hiddenLine xmlns:a14="http://schemas.microsoft.com/office/drawing/2010/main" xmlns="" w="9525">
+                  <a14:hiddenLine xmlns="" xmlns:a14="http://schemas.microsoft.com/office/drawing/2010/main" w="9525">
                     <a:solidFill>
                       <a:srgbClr val="000000"/>
                     </a:solidFill>
@@ -13964,7 +13874,7 @@
               </a:ln>
               <a:extLst>
                 <a:ext uri="{91240B29-F687-4f45-9708-019B960494DF}">
-                  <a14:hiddenLine xmlns:a14="http://schemas.microsoft.com/office/drawing/2010/main" xmlns="" w="9525">
+                  <a14:hiddenLine xmlns="" xmlns:a14="http://schemas.microsoft.com/office/drawing/2010/main" w="9525">
                     <a:solidFill>
                       <a:srgbClr val="000000"/>
                     </a:solidFill>
@@ -14054,7 +13964,7 @@
               </a:ln>
               <a:extLst>
                 <a:ext uri="{91240B29-F687-4f45-9708-019B960494DF}">
-                  <a14:hiddenLine xmlns:a14="http://schemas.microsoft.com/office/drawing/2010/main" xmlns="" w="9525">
+                  <a14:hiddenLine xmlns="" xmlns:a14="http://schemas.microsoft.com/office/drawing/2010/main" w="9525">
                     <a:solidFill>
                       <a:srgbClr val="000000"/>
                     </a:solidFill>
@@ -14116,7 +14026,7 @@
               </a:ln>
               <a:extLst>
                 <a:ext uri="{91240B29-F687-4f45-9708-019B960494DF}">
-                  <a14:hiddenLine xmlns:a14="http://schemas.microsoft.com/office/drawing/2010/main" xmlns="" w="9525">
+                  <a14:hiddenLine xmlns="" xmlns:a14="http://schemas.microsoft.com/office/drawing/2010/main" w="9525">
                     <a:solidFill>
                       <a:srgbClr val="000000"/>
                     </a:solidFill>
@@ -14206,7 +14116,7 @@
               </a:ln>
               <a:extLst>
                 <a:ext uri="{91240B29-F687-4f45-9708-019B960494DF}">
-                  <a14:hiddenLine xmlns:a14="http://schemas.microsoft.com/office/drawing/2010/main" xmlns="" w="9525">
+                  <a14:hiddenLine xmlns="" xmlns:a14="http://schemas.microsoft.com/office/drawing/2010/main" w="9525">
                     <a:solidFill>
                       <a:srgbClr val="000000"/>
                     </a:solidFill>
@@ -14268,7 +14178,7 @@
               </a:ln>
               <a:extLst>
                 <a:ext uri="{91240B29-F687-4f45-9708-019B960494DF}">
-                  <a14:hiddenLine xmlns:a14="http://schemas.microsoft.com/office/drawing/2010/main" xmlns="" w="9525">
+                  <a14:hiddenLine xmlns="" xmlns:a14="http://schemas.microsoft.com/office/drawing/2010/main" w="9525">
                     <a:solidFill>
                       <a:srgbClr val="000000"/>
                     </a:solidFill>
@@ -14330,7 +14240,7 @@
               </a:ln>
               <a:extLst>
                 <a:ext uri="{91240B29-F687-4f45-9708-019B960494DF}">
-                  <a14:hiddenLine xmlns:a14="http://schemas.microsoft.com/office/drawing/2010/main" xmlns="" w="9525">
+                  <a14:hiddenLine xmlns="" xmlns:a14="http://schemas.microsoft.com/office/drawing/2010/main" w="9525">
                     <a:solidFill>
                       <a:srgbClr val="000000"/>
                     </a:solidFill>
@@ -14420,7 +14330,7 @@
               </a:ln>
               <a:extLst>
                 <a:ext uri="{91240B29-F687-4f45-9708-019B960494DF}">
-                  <a14:hiddenLine xmlns:a14="http://schemas.microsoft.com/office/drawing/2010/main" xmlns="" w="9525">
+                  <a14:hiddenLine xmlns="" xmlns:a14="http://schemas.microsoft.com/office/drawing/2010/main" w="9525">
                     <a:solidFill>
                       <a:srgbClr val="000000"/>
                     </a:solidFill>
@@ -14510,7 +14420,7 @@
               </a:ln>
               <a:extLst>
                 <a:ext uri="{91240B29-F687-4f45-9708-019B960494DF}">
-                  <a14:hiddenLine xmlns:a14="http://schemas.microsoft.com/office/drawing/2010/main" xmlns="" w="9525">
+                  <a14:hiddenLine xmlns="" xmlns:a14="http://schemas.microsoft.com/office/drawing/2010/main" w="9525">
                     <a:solidFill>
                       <a:srgbClr val="000000"/>
                     </a:solidFill>
@@ -14572,7 +14482,7 @@
               </a:ln>
               <a:extLst>
                 <a:ext uri="{91240B29-F687-4f45-9708-019B960494DF}">
-                  <a14:hiddenLine xmlns:a14="http://schemas.microsoft.com/office/drawing/2010/main" xmlns="" w="9525">
+                  <a14:hiddenLine xmlns="" xmlns:a14="http://schemas.microsoft.com/office/drawing/2010/main" w="9525">
                     <a:solidFill>
                       <a:srgbClr val="000000"/>
                     </a:solidFill>
@@ -14682,7 +14592,7 @@
               </a:ln>
               <a:extLst>
                 <a:ext uri="{91240B29-F687-4f45-9708-019B960494DF}">
-                  <a14:hiddenLine xmlns:a14="http://schemas.microsoft.com/office/drawing/2010/main" xmlns="" w="9525">
+                  <a14:hiddenLine xmlns="" xmlns:a14="http://schemas.microsoft.com/office/drawing/2010/main" w="9525">
                     <a:solidFill>
                       <a:srgbClr val="000000"/>
                     </a:solidFill>
@@ -14766,7 +14676,7 @@
               </a:ln>
               <a:extLst>
                 <a:ext uri="{91240B29-F687-4f45-9708-019B960494DF}">
-                  <a14:hiddenLine xmlns:a14="http://schemas.microsoft.com/office/drawing/2010/main" xmlns="" w="9525">
+                  <a14:hiddenLine xmlns="" xmlns:a14="http://schemas.microsoft.com/office/drawing/2010/main" w="9525">
                     <a:solidFill>
                       <a:srgbClr val="000000"/>
                     </a:solidFill>
@@ -14828,7 +14738,7 @@
               </a:ln>
               <a:extLst>
                 <a:ext uri="{91240B29-F687-4f45-9708-019B960494DF}">
-                  <a14:hiddenLine xmlns:a14="http://schemas.microsoft.com/office/drawing/2010/main" xmlns="" w="9525">
+                  <a14:hiddenLine xmlns="" xmlns:a14="http://schemas.microsoft.com/office/drawing/2010/main" w="9525">
                     <a:solidFill>
                       <a:srgbClr val="000000"/>
                     </a:solidFill>
@@ -14890,7 +14800,7 @@
               </a:ln>
               <a:extLst>
                 <a:ext uri="{91240B29-F687-4f45-9708-019B960494DF}">
-                  <a14:hiddenLine xmlns:a14="http://schemas.microsoft.com/office/drawing/2010/main" xmlns="" w="9525">
+                  <a14:hiddenLine xmlns="" xmlns:a14="http://schemas.microsoft.com/office/drawing/2010/main" w="9525">
                     <a:solidFill>
                       <a:srgbClr val="000000"/>
                     </a:solidFill>
@@ -14980,7 +14890,7 @@
               </a:ln>
               <a:extLst>
                 <a:ext uri="{91240B29-F687-4f45-9708-019B960494DF}">
-                  <a14:hiddenLine xmlns:a14="http://schemas.microsoft.com/office/drawing/2010/main" xmlns="" w="9525">
+                  <a14:hiddenLine xmlns="" xmlns:a14="http://schemas.microsoft.com/office/drawing/2010/main" w="9525">
                     <a:solidFill>
                       <a:srgbClr val="000000"/>
                     </a:solidFill>
@@ -15014,7 +14924,7 @@
               </a:ln>
               <a:extLst>
                 <a:ext uri="{91240B29-F687-4f45-9708-019B960494DF}">
-                  <a14:hiddenLine xmlns:a14="http://schemas.microsoft.com/office/drawing/2010/main" xmlns="" w="9525">
+                  <a14:hiddenLine xmlns="" xmlns:a14="http://schemas.microsoft.com/office/drawing/2010/main" w="9525">
                     <a:solidFill>
                       <a:srgbClr val="000000"/>
                     </a:solidFill>
@@ -15079,7 +14989,7 @@
               </a:ln>
               <a:extLst>
                 <a:ext uri="{91240B29-F687-4f45-9708-019B960494DF}">
-                  <a14:hiddenLine xmlns:a14="http://schemas.microsoft.com/office/drawing/2010/main" xmlns="" w="9525">
+                  <a14:hiddenLine xmlns="" xmlns:a14="http://schemas.microsoft.com/office/drawing/2010/main" w="9525">
                     <a:solidFill>
                       <a:srgbClr val="000000"/>
                     </a:solidFill>
@@ -15169,7 +15079,7 @@
               </a:ln>
               <a:extLst>
                 <a:ext uri="{91240B29-F687-4f45-9708-019B960494DF}">
-                  <a14:hiddenLine xmlns:a14="http://schemas.microsoft.com/office/drawing/2010/main" xmlns="" w="9525">
+                  <a14:hiddenLine xmlns="" xmlns:a14="http://schemas.microsoft.com/office/drawing/2010/main" w="9525">
                     <a:solidFill>
                       <a:srgbClr val="000000"/>
                     </a:solidFill>
@@ -15231,7 +15141,7 @@
               </a:ln>
               <a:extLst>
                 <a:ext uri="{91240B29-F687-4f45-9708-019B960494DF}">
-                  <a14:hiddenLine xmlns:a14="http://schemas.microsoft.com/office/drawing/2010/main" xmlns="" w="9525">
+                  <a14:hiddenLine xmlns="" xmlns:a14="http://schemas.microsoft.com/office/drawing/2010/main" w="9525">
                     <a:solidFill>
                       <a:srgbClr val="000000"/>
                     </a:solidFill>
@@ -15321,7 +15231,7 @@
               </a:ln>
               <a:extLst>
                 <a:ext uri="{91240B29-F687-4f45-9708-019B960494DF}">
-                  <a14:hiddenLine xmlns:a14="http://schemas.microsoft.com/office/drawing/2010/main" xmlns="" w="9525">
+                  <a14:hiddenLine xmlns="" xmlns:a14="http://schemas.microsoft.com/office/drawing/2010/main" w="9525">
                     <a:solidFill>
                       <a:srgbClr val="000000"/>
                     </a:solidFill>
@@ -15386,7 +15296,7 @@
               </a:ln>
               <a:extLst>
                 <a:ext uri="{91240B29-F687-4f45-9708-019B960494DF}">
-                  <a14:hiddenLine xmlns:a14="http://schemas.microsoft.com/office/drawing/2010/main" xmlns="" w="9525">
+                  <a14:hiddenLine xmlns="" xmlns:a14="http://schemas.microsoft.com/office/drawing/2010/main" w="9525">
                     <a:solidFill>
                       <a:srgbClr val="000000"/>
                     </a:solidFill>
@@ -15448,7 +15358,7 @@
               </a:ln>
               <a:extLst>
                 <a:ext uri="{91240B29-F687-4f45-9708-019B960494DF}">
-                  <a14:hiddenLine xmlns:a14="http://schemas.microsoft.com/office/drawing/2010/main" xmlns="" w="9525">
+                  <a14:hiddenLine xmlns="" xmlns:a14="http://schemas.microsoft.com/office/drawing/2010/main" w="9525">
                     <a:solidFill>
                       <a:srgbClr val="000000"/>
                     </a:solidFill>
@@ -15538,7 +15448,7 @@
               </a:ln>
               <a:extLst>
                 <a:ext uri="{91240B29-F687-4f45-9708-019B960494DF}">
-                  <a14:hiddenLine xmlns:a14="http://schemas.microsoft.com/office/drawing/2010/main" xmlns="" w="9525">
+                  <a14:hiddenLine xmlns="" xmlns:a14="http://schemas.microsoft.com/office/drawing/2010/main" w="9525">
                     <a:solidFill>
                       <a:srgbClr val="000000"/>
                     </a:solidFill>
@@ -15628,7 +15538,7 @@
               </a:ln>
               <a:extLst>
                 <a:ext uri="{91240B29-F687-4f45-9708-019B960494DF}">
-                  <a14:hiddenLine xmlns:a14="http://schemas.microsoft.com/office/drawing/2010/main" xmlns="" w="9525">
+                  <a14:hiddenLine xmlns="" xmlns:a14="http://schemas.microsoft.com/office/drawing/2010/main" w="9525">
                     <a:solidFill>
                       <a:srgbClr val="000000"/>
                     </a:solidFill>
@@ -15693,7 +15603,7 @@
               </a:ln>
               <a:extLst>
                 <a:ext uri="{91240B29-F687-4f45-9708-019B960494DF}">
-                  <a14:hiddenLine xmlns:a14="http://schemas.microsoft.com/office/drawing/2010/main" xmlns="" w="9525">
+                  <a14:hiddenLine xmlns="" xmlns:a14="http://schemas.microsoft.com/office/drawing/2010/main" w="9525">
                     <a:solidFill>
                       <a:srgbClr val="000000"/>
                     </a:solidFill>
@@ -15813,7 +15723,7 @@
               </a:ln>
               <a:extLst>
                 <a:ext uri="{91240B29-F687-4f45-9708-019B960494DF}">
-                  <a14:hiddenLine xmlns:a14="http://schemas.microsoft.com/office/drawing/2010/main" xmlns="" w="9525">
+                  <a14:hiddenLine xmlns="" xmlns:a14="http://schemas.microsoft.com/office/drawing/2010/main" w="9525">
                     <a:solidFill>
                       <a:srgbClr val="000000"/>
                     </a:solidFill>
@@ -15911,7 +15821,7 @@
               </a:ln>
               <a:extLst>
                 <a:ext uri="{91240B29-F687-4f45-9708-019B960494DF}">
-                  <a14:hiddenLine xmlns:a14="http://schemas.microsoft.com/office/drawing/2010/main" xmlns="" w="9525">
+                  <a14:hiddenLine xmlns="" xmlns:a14="http://schemas.microsoft.com/office/drawing/2010/main" w="9525">
                     <a:solidFill>
                       <a:srgbClr val="000000"/>
                     </a:solidFill>
@@ -16026,7 +15936,7 @@
               </a:ln>
               <a:extLst>
                 <a:ext uri="{91240B29-F687-4f45-9708-019B960494DF}">
-                  <a14:hiddenLine xmlns:a14="http://schemas.microsoft.com/office/drawing/2010/main" xmlns="" w="9525">
+                  <a14:hiddenLine xmlns="" xmlns:a14="http://schemas.microsoft.com/office/drawing/2010/main" w="9525">
                     <a:solidFill>
                       <a:srgbClr val="000000"/>
                     </a:solidFill>
@@ -16116,7 +16026,7 @@
               </a:ln>
               <a:extLst>
                 <a:ext uri="{91240B29-F687-4f45-9708-019B960494DF}">
-                  <a14:hiddenLine xmlns:a14="http://schemas.microsoft.com/office/drawing/2010/main" xmlns="" w="9525">
+                  <a14:hiddenLine xmlns="" xmlns:a14="http://schemas.microsoft.com/office/drawing/2010/main" w="9525">
                     <a:solidFill>
                       <a:srgbClr val="000000"/>
                     </a:solidFill>
@@ -16181,7 +16091,7 @@
               </a:ln>
               <a:extLst>
                 <a:ext uri="{91240B29-F687-4f45-9708-019B960494DF}">
-                  <a14:hiddenLine xmlns:a14="http://schemas.microsoft.com/office/drawing/2010/main" xmlns="" w="9525">
+                  <a14:hiddenLine xmlns="" xmlns:a14="http://schemas.microsoft.com/office/drawing/2010/main" w="9525">
                     <a:solidFill>
                       <a:srgbClr val="000000"/>
                     </a:solidFill>
@@ -16271,7 +16181,7 @@
               </a:ln>
               <a:extLst>
                 <a:ext uri="{91240B29-F687-4f45-9708-019B960494DF}">
-                  <a14:hiddenLine xmlns:a14="http://schemas.microsoft.com/office/drawing/2010/main" xmlns="" w="9525">
+                  <a14:hiddenLine xmlns="" xmlns:a14="http://schemas.microsoft.com/office/drawing/2010/main" w="9525">
                     <a:solidFill>
                       <a:srgbClr val="000000"/>
                     </a:solidFill>
@@ -16339,7 +16249,7 @@
               </a:ln>
               <a:extLst>
                 <a:ext uri="{91240B29-F687-4f45-9708-019B960494DF}">
-                  <a14:hiddenLine xmlns:a14="http://schemas.microsoft.com/office/drawing/2010/main" xmlns="" w="9525">
+                  <a14:hiddenLine xmlns="" xmlns:a14="http://schemas.microsoft.com/office/drawing/2010/main" w="9525">
                     <a:solidFill>
                       <a:srgbClr val="000000"/>
                     </a:solidFill>
@@ -16429,7 +16339,7 @@
               </a:ln>
               <a:extLst>
                 <a:ext uri="{91240B29-F687-4f45-9708-019B960494DF}">
-                  <a14:hiddenLine xmlns:a14="http://schemas.microsoft.com/office/drawing/2010/main" xmlns="" w="9525">
+                  <a14:hiddenLine xmlns="" xmlns:a14="http://schemas.microsoft.com/office/drawing/2010/main" w="9525">
                     <a:solidFill>
                       <a:srgbClr val="000000"/>
                     </a:solidFill>
@@ -16497,7 +16407,7 @@
               </a:ln>
               <a:extLst>
                 <a:ext uri="{91240B29-F687-4f45-9708-019B960494DF}">
-                  <a14:hiddenLine xmlns:a14="http://schemas.microsoft.com/office/drawing/2010/main" xmlns="" w="9525">
+                  <a14:hiddenLine xmlns="" xmlns:a14="http://schemas.microsoft.com/office/drawing/2010/main" w="9525">
                     <a:solidFill>
                       <a:srgbClr val="000000"/>
                     </a:solidFill>
@@ -16587,7 +16497,7 @@
               </a:ln>
               <a:extLst>
                 <a:ext uri="{91240B29-F687-4f45-9708-019B960494DF}">
-                  <a14:hiddenLine xmlns:a14="http://schemas.microsoft.com/office/drawing/2010/main" xmlns="" w="9525">
+                  <a14:hiddenLine xmlns="" xmlns:a14="http://schemas.microsoft.com/office/drawing/2010/main" w="9525">
                     <a:solidFill>
                       <a:srgbClr val="000000"/>
                     </a:solidFill>
@@ -16621,7 +16531,7 @@
               </a:ln>
               <a:extLst>
                 <a:ext uri="{91240B29-F687-4f45-9708-019B960494DF}">
-                  <a14:hiddenLine xmlns:a14="http://schemas.microsoft.com/office/drawing/2010/main" xmlns="" w="9525">
+                  <a14:hiddenLine xmlns="" xmlns:a14="http://schemas.microsoft.com/office/drawing/2010/main" w="9525">
                     <a:solidFill>
                       <a:srgbClr val="000000"/>
                     </a:solidFill>
@@ -17214,7 +17124,7 @@
                 <a16:creationId xmlns:a16="http://schemas.microsoft.com/office/drawing/2014/main" id="{174E31E4-530B-4247-962C-F46F5F66DFFB}"/>
               </a:ext>
               <a:ext uri="{C183D7F6-B498-43B3-948B-1728B52AA6E4}">
-                <adec:decorative xmlns:adec="http://schemas.microsoft.com/office/drawing/2017/decorative" val="1"/>
+                <adec:decorative xmlns:adec="http://schemas.microsoft.com/office/drawing/2017/decorative" xmlns="" val="1"/>
               </a:ext>
             </a:extLst>
           </p:cNvPr>
@@ -17254,7 +17164,7 @@
           <a:noFill/>
           <a:extLst>
             <a:ext uri="{909E8E84-426E-40dd-AFC4-6F175D3DCCD1}">
-              <a14:hiddenFill xmlns="" xmlns:a16="http://schemas.microsoft.com/office/drawing/2014/main" xmlns:a14="http://schemas.microsoft.com/office/drawing/2010/main">
+              <a14:hiddenFill xmlns:a14="http://schemas.microsoft.com/office/drawing/2010/main" xmlns:a16="http://schemas.microsoft.com/office/drawing/2014/main" xmlns="">
                 <a:solidFill>
                   <a:srgbClr val="FFFFFF"/>
                 </a:solidFill>
@@ -17271,7 +17181,7 @@
                 <a16:creationId xmlns:a16="http://schemas.microsoft.com/office/drawing/2014/main" id="{96FA2727-C33B-44D1-885B-76DC0424E577}"/>
               </a:ext>
               <a:ext uri="{C183D7F6-B498-43B3-948B-1728B52AA6E4}">
-                <adec:decorative xmlns:adec="http://schemas.microsoft.com/office/drawing/2017/decorative" val="1"/>
+                <adec:decorative xmlns:adec="http://schemas.microsoft.com/office/drawing/2017/decorative" xmlns="" val="1"/>
               </a:ext>
             </a:extLst>
           </p:cNvPr>
@@ -17302,7 +17212,7 @@
                   <a16:creationId xmlns:a16="http://schemas.microsoft.com/office/drawing/2014/main" id="{4A64FD4C-29BA-46E7-AE31-AB38BB694295}"/>
                 </a:ext>
                 <a:ext uri="{C183D7F6-B498-43B3-948B-1728B52AA6E4}">
-                  <adec:decorative xmlns:adec="http://schemas.microsoft.com/office/drawing/2017/decorative" val="1"/>
+                  <adec:decorative xmlns:adec="http://schemas.microsoft.com/office/drawing/2017/decorative" xmlns="" val="1"/>
                 </a:ext>
               </a:extLst>
             </p:cNvPr>
@@ -17346,7 +17256,7 @@
                     <a16:creationId xmlns:a16="http://schemas.microsoft.com/office/drawing/2014/main" id="{A28E5FB6-5905-4F5D-A6CE-E6222C405E5B}"/>
                   </a:ext>
                   <a:ext uri="{C183D7F6-B498-43B3-948B-1728B52AA6E4}">
-                    <adec:decorative xmlns:adec="http://schemas.microsoft.com/office/drawing/2017/decorative" val="1"/>
+                    <adec:decorative xmlns:adec="http://schemas.microsoft.com/office/drawing/2017/decorative" xmlns="" val="1"/>
                   </a:ext>
                 </a:extLst>
               </p:cNvPr>
@@ -17375,7 +17285,7 @@
               </a:ln>
               <a:extLst>
                 <a:ext uri="{91240B29-F687-4f45-9708-019B960494DF}">
-                  <a14:hiddenLine xmlns="" xmlns:a16="http://schemas.microsoft.com/office/drawing/2014/main" xmlns:a14="http://schemas.microsoft.com/office/drawing/2010/main" w="9525">
+                  <a14:hiddenLine xmlns:a14="http://schemas.microsoft.com/office/drawing/2010/main" xmlns:a16="http://schemas.microsoft.com/office/drawing/2014/main" xmlns="" w="9525">
                     <a:solidFill>
                       <a:srgbClr val="000000"/>
                     </a:solidFill>
@@ -17395,7 +17305,7 @@
                     <a16:creationId xmlns:a16="http://schemas.microsoft.com/office/drawing/2014/main" id="{F838FE17-378C-4BCE-80C0-FDD1CB074E22}"/>
                   </a:ext>
                   <a:ext uri="{C183D7F6-B498-43B3-948B-1728B52AA6E4}">
-                    <adec:decorative xmlns:adec="http://schemas.microsoft.com/office/drawing/2017/decorative" val="1"/>
+                    <adec:decorative xmlns:adec="http://schemas.microsoft.com/office/drawing/2017/decorative" xmlns="" val="1"/>
                   </a:ext>
                 </a:extLst>
               </p:cNvPr>
@@ -17480,7 +17390,7 @@
               </a:ln>
               <a:extLst>
                 <a:ext uri="{91240B29-F687-4f45-9708-019B960494DF}">
-                  <a14:hiddenLine xmlns="" xmlns:a16="http://schemas.microsoft.com/office/drawing/2014/main" xmlns:a14="http://schemas.microsoft.com/office/drawing/2010/main" w="9525">
+                  <a14:hiddenLine xmlns:a14="http://schemas.microsoft.com/office/drawing/2010/main" xmlns:a16="http://schemas.microsoft.com/office/drawing/2014/main" xmlns="" w="9525">
                     <a:solidFill>
                       <a:srgbClr val="000000"/>
                     </a:solidFill>
@@ -17500,7 +17410,7 @@
                     <a16:creationId xmlns:a16="http://schemas.microsoft.com/office/drawing/2014/main" id="{12A1474E-6A37-4F4D-A638-DD0EC0A5B5B7}"/>
                   </a:ext>
                   <a:ext uri="{C183D7F6-B498-43B3-948B-1728B52AA6E4}">
-                    <adec:decorative xmlns:adec="http://schemas.microsoft.com/office/drawing/2017/decorative" val="1"/>
+                    <adec:decorative xmlns:adec="http://schemas.microsoft.com/office/drawing/2017/decorative" xmlns="" val="1"/>
                   </a:ext>
                 </a:extLst>
               </p:cNvPr>
@@ -17585,7 +17495,7 @@
               </a:ln>
               <a:extLst>
                 <a:ext uri="{91240B29-F687-4f45-9708-019B960494DF}">
-                  <a14:hiddenLine xmlns="" xmlns:a16="http://schemas.microsoft.com/office/drawing/2014/main" xmlns:a14="http://schemas.microsoft.com/office/drawing/2010/main" w="9525">
+                  <a14:hiddenLine xmlns:a14="http://schemas.microsoft.com/office/drawing/2010/main" xmlns:a16="http://schemas.microsoft.com/office/drawing/2014/main" xmlns="" w="9525">
                     <a:solidFill>
                       <a:srgbClr val="000000"/>
                     </a:solidFill>
@@ -17605,7 +17515,7 @@
                     <a16:creationId xmlns:a16="http://schemas.microsoft.com/office/drawing/2014/main" id="{49EA8CC2-4D0F-4C86-9CA9-FC3792FED1C1}"/>
                   </a:ext>
                   <a:ext uri="{C183D7F6-B498-43B3-948B-1728B52AA6E4}">
-                    <adec:decorative xmlns:adec="http://schemas.microsoft.com/office/drawing/2017/decorative" val="1"/>
+                    <adec:decorative xmlns:adec="http://schemas.microsoft.com/office/drawing/2017/decorative" xmlns="" val="1"/>
                   </a:ext>
                 </a:extLst>
               </p:cNvPr>
@@ -17662,7 +17572,7 @@
               </a:ln>
               <a:extLst>
                 <a:ext uri="{91240B29-F687-4f45-9708-019B960494DF}">
-                  <a14:hiddenLine xmlns="" xmlns:a16="http://schemas.microsoft.com/office/drawing/2014/main" xmlns:a14="http://schemas.microsoft.com/office/drawing/2010/main" w="9525">
+                  <a14:hiddenLine xmlns:a14="http://schemas.microsoft.com/office/drawing/2010/main" xmlns:a16="http://schemas.microsoft.com/office/drawing/2014/main" xmlns="" w="9525">
                     <a:solidFill>
                       <a:srgbClr val="000000"/>
                     </a:solidFill>
@@ -17682,7 +17592,7 @@
                     <a16:creationId xmlns:a16="http://schemas.microsoft.com/office/drawing/2014/main" id="{69548BD5-92E6-42BD-9719-16AA005C5678}"/>
                   </a:ext>
                   <a:ext uri="{C183D7F6-B498-43B3-948B-1728B52AA6E4}">
-                    <adec:decorative xmlns:adec="http://schemas.microsoft.com/office/drawing/2017/decorative" val="1"/>
+                    <adec:decorative xmlns:adec="http://schemas.microsoft.com/office/drawing/2017/decorative" xmlns="" val="1"/>
                   </a:ext>
                 </a:extLst>
               </p:cNvPr>
@@ -17767,7 +17677,7 @@
               </a:ln>
               <a:extLst>
                 <a:ext uri="{91240B29-F687-4f45-9708-019B960494DF}">
-                  <a14:hiddenLine xmlns="" xmlns:a16="http://schemas.microsoft.com/office/drawing/2014/main" xmlns:a14="http://schemas.microsoft.com/office/drawing/2010/main" w="9525">
+                  <a14:hiddenLine xmlns:a14="http://schemas.microsoft.com/office/drawing/2010/main" xmlns:a16="http://schemas.microsoft.com/office/drawing/2014/main" xmlns="" w="9525">
                     <a:solidFill>
                       <a:srgbClr val="000000"/>
                     </a:solidFill>
@@ -17787,7 +17697,7 @@
                     <a16:creationId xmlns:a16="http://schemas.microsoft.com/office/drawing/2014/main" id="{93005965-F240-4349-A563-515973BF0133}"/>
                   </a:ext>
                   <a:ext uri="{C183D7F6-B498-43B3-948B-1728B52AA6E4}">
-                    <adec:decorative xmlns:adec="http://schemas.microsoft.com/office/drawing/2017/decorative" val="1"/>
+                    <adec:decorative xmlns:adec="http://schemas.microsoft.com/office/drawing/2017/decorative" xmlns="" val="1"/>
                   </a:ext>
                 </a:extLst>
               </p:cNvPr>
@@ -17844,7 +17754,7 @@
               </a:ln>
               <a:extLst>
                 <a:ext uri="{91240B29-F687-4f45-9708-019B960494DF}">
-                  <a14:hiddenLine xmlns="" xmlns:a16="http://schemas.microsoft.com/office/drawing/2014/main" xmlns:a14="http://schemas.microsoft.com/office/drawing/2010/main" w="9525">
+                  <a14:hiddenLine xmlns:a14="http://schemas.microsoft.com/office/drawing/2010/main" xmlns:a16="http://schemas.microsoft.com/office/drawing/2014/main" xmlns="" w="9525">
                     <a:solidFill>
                       <a:srgbClr val="000000"/>
                     </a:solidFill>
@@ -17864,7 +17774,7 @@
                     <a16:creationId xmlns:a16="http://schemas.microsoft.com/office/drawing/2014/main" id="{277A546F-05BB-4274-A6A6-9DACC27ABCFA}"/>
                   </a:ext>
                   <a:ext uri="{C183D7F6-B498-43B3-948B-1728B52AA6E4}">
-                    <adec:decorative xmlns:adec="http://schemas.microsoft.com/office/drawing/2017/decorative" val="1"/>
+                    <adec:decorative xmlns:adec="http://schemas.microsoft.com/office/drawing/2017/decorative" xmlns="" val="1"/>
                   </a:ext>
                 </a:extLst>
               </p:cNvPr>
@@ -17921,7 +17831,7 @@
               </a:ln>
               <a:extLst>
                 <a:ext uri="{91240B29-F687-4f45-9708-019B960494DF}">
-                  <a14:hiddenLine xmlns="" xmlns:a16="http://schemas.microsoft.com/office/drawing/2014/main" xmlns:a14="http://schemas.microsoft.com/office/drawing/2010/main" w="9525">
+                  <a14:hiddenLine xmlns:a14="http://schemas.microsoft.com/office/drawing/2010/main" xmlns:a16="http://schemas.microsoft.com/office/drawing/2014/main" xmlns="" w="9525">
                     <a:solidFill>
                       <a:srgbClr val="000000"/>
                     </a:solidFill>
@@ -17941,7 +17851,7 @@
                     <a16:creationId xmlns:a16="http://schemas.microsoft.com/office/drawing/2014/main" id="{7BE7FF91-E18E-41AA-A952-07CB0C02C8B6}"/>
                   </a:ext>
                   <a:ext uri="{C183D7F6-B498-43B3-948B-1728B52AA6E4}">
-                    <adec:decorative xmlns:adec="http://schemas.microsoft.com/office/drawing/2017/decorative" val="1"/>
+                    <adec:decorative xmlns:adec="http://schemas.microsoft.com/office/drawing/2017/decorative" xmlns="" val="1"/>
                   </a:ext>
                 </a:extLst>
               </p:cNvPr>
@@ -18026,7 +17936,7 @@
               </a:ln>
               <a:extLst>
                 <a:ext uri="{91240B29-F687-4f45-9708-019B960494DF}">
-                  <a14:hiddenLine xmlns="" xmlns:a16="http://schemas.microsoft.com/office/drawing/2014/main" xmlns:a14="http://schemas.microsoft.com/office/drawing/2010/main" w="9525">
+                  <a14:hiddenLine xmlns:a14="http://schemas.microsoft.com/office/drawing/2010/main" xmlns:a16="http://schemas.microsoft.com/office/drawing/2014/main" xmlns="" w="9525">
                     <a:solidFill>
                       <a:srgbClr val="000000"/>
                     </a:solidFill>
@@ -18046,7 +17956,7 @@
                     <a16:creationId xmlns:a16="http://schemas.microsoft.com/office/drawing/2014/main" id="{3F6A31AA-E4FB-4DD0-9AB1-BDD994CFA50E}"/>
                   </a:ext>
                   <a:ext uri="{C183D7F6-B498-43B3-948B-1728B52AA6E4}">
-                    <adec:decorative xmlns:adec="http://schemas.microsoft.com/office/drawing/2017/decorative" val="1"/>
+                    <adec:decorative xmlns:adec="http://schemas.microsoft.com/office/drawing/2017/decorative" xmlns="" val="1"/>
                   </a:ext>
                 </a:extLst>
               </p:cNvPr>
@@ -18131,7 +18041,7 @@
               </a:ln>
               <a:extLst>
                 <a:ext uri="{91240B29-F687-4f45-9708-019B960494DF}">
-                  <a14:hiddenLine xmlns="" xmlns:a16="http://schemas.microsoft.com/office/drawing/2014/main" xmlns:a14="http://schemas.microsoft.com/office/drawing/2010/main" w="9525">
+                  <a14:hiddenLine xmlns:a14="http://schemas.microsoft.com/office/drawing/2010/main" xmlns:a16="http://schemas.microsoft.com/office/drawing/2014/main" xmlns="" w="9525">
                     <a:solidFill>
                       <a:srgbClr val="000000"/>
                     </a:solidFill>
@@ -18151,7 +18061,7 @@
                     <a16:creationId xmlns:a16="http://schemas.microsoft.com/office/drawing/2014/main" id="{F99B8398-08D8-4C1E-8D7F-BAFB4D393765}"/>
                   </a:ext>
                   <a:ext uri="{C183D7F6-B498-43B3-948B-1728B52AA6E4}">
-                    <adec:decorative xmlns:adec="http://schemas.microsoft.com/office/drawing/2017/decorative" val="1"/>
+                    <adec:decorative xmlns:adec="http://schemas.microsoft.com/office/drawing/2017/decorative" xmlns="" val="1"/>
                   </a:ext>
                 </a:extLst>
               </p:cNvPr>
@@ -18208,7 +18118,7 @@
               </a:ln>
               <a:extLst>
                 <a:ext uri="{91240B29-F687-4f45-9708-019B960494DF}">
-                  <a14:hiddenLine xmlns="" xmlns:a16="http://schemas.microsoft.com/office/drawing/2014/main" xmlns:a14="http://schemas.microsoft.com/office/drawing/2010/main" w="9525">
+                  <a14:hiddenLine xmlns:a14="http://schemas.microsoft.com/office/drawing/2010/main" xmlns:a16="http://schemas.microsoft.com/office/drawing/2014/main" xmlns="" w="9525">
                     <a:solidFill>
                       <a:srgbClr val="000000"/>
                     </a:solidFill>
@@ -18228,7 +18138,7 @@
                     <a16:creationId xmlns:a16="http://schemas.microsoft.com/office/drawing/2014/main" id="{CD3984BB-CCC2-49D9-A80B-9507BE5A9167}"/>
                   </a:ext>
                   <a:ext uri="{C183D7F6-B498-43B3-948B-1728B52AA6E4}">
-                    <adec:decorative xmlns:adec="http://schemas.microsoft.com/office/drawing/2017/decorative" val="1"/>
+                    <adec:decorative xmlns:adec="http://schemas.microsoft.com/office/drawing/2017/decorative" xmlns="" val="1"/>
                   </a:ext>
                 </a:extLst>
               </p:cNvPr>
@@ -18333,7 +18243,7 @@
               </a:ln>
               <a:extLst>
                 <a:ext uri="{91240B29-F687-4f45-9708-019B960494DF}">
-                  <a14:hiddenLine xmlns="" xmlns:a16="http://schemas.microsoft.com/office/drawing/2014/main" xmlns:a14="http://schemas.microsoft.com/office/drawing/2010/main" w="9525">
+                  <a14:hiddenLine xmlns:a14="http://schemas.microsoft.com/office/drawing/2010/main" xmlns:a16="http://schemas.microsoft.com/office/drawing/2014/main" xmlns="" w="9525">
                     <a:solidFill>
                       <a:srgbClr val="000000"/>
                     </a:solidFill>
@@ -18353,7 +18263,7 @@
                     <a16:creationId xmlns:a16="http://schemas.microsoft.com/office/drawing/2014/main" id="{78FF7C07-82F5-4A64-9D71-29CBE1B79007}"/>
                   </a:ext>
                   <a:ext uri="{C183D7F6-B498-43B3-948B-1728B52AA6E4}">
-                    <adec:decorative xmlns:adec="http://schemas.microsoft.com/office/drawing/2017/decorative" val="1"/>
+                    <adec:decorative xmlns:adec="http://schemas.microsoft.com/office/drawing/2017/decorative" xmlns="" val="1"/>
                   </a:ext>
                 </a:extLst>
               </p:cNvPr>
@@ -18396,7 +18306,7 @@
                     <a16:creationId xmlns:a16="http://schemas.microsoft.com/office/drawing/2014/main" id="{7F1773CA-6AE7-4723-B072-CEC5F3829B40}"/>
                   </a:ext>
                   <a:ext uri="{C183D7F6-B498-43B3-948B-1728B52AA6E4}">
-                    <adec:decorative xmlns:adec="http://schemas.microsoft.com/office/drawing/2017/decorative" val="1"/>
+                    <adec:decorative xmlns:adec="http://schemas.microsoft.com/office/drawing/2017/decorative" xmlns="" val="1"/>
                   </a:ext>
                 </a:extLst>
               </p:cNvPr>
@@ -18447,7 +18357,7 @@
               </a:ln>
               <a:extLst>
                 <a:ext uri="{91240B29-F687-4f45-9708-019B960494DF}">
-                  <a14:hiddenLine xmlns="" xmlns:a16="http://schemas.microsoft.com/office/drawing/2014/main" xmlns:a14="http://schemas.microsoft.com/office/drawing/2010/main" w="9525">
+                  <a14:hiddenLine xmlns:a14="http://schemas.microsoft.com/office/drawing/2010/main" xmlns:a16="http://schemas.microsoft.com/office/drawing/2014/main" xmlns="" w="9525">
                     <a:solidFill>
                       <a:srgbClr val="000000"/>
                     </a:solidFill>
@@ -18467,7 +18377,7 @@
                     <a16:creationId xmlns:a16="http://schemas.microsoft.com/office/drawing/2014/main" id="{D5EC23E0-B877-4A62-B084-5407401FB6A1}"/>
                   </a:ext>
                   <a:ext uri="{C183D7F6-B498-43B3-948B-1728B52AA6E4}">
-                    <adec:decorative xmlns:adec="http://schemas.microsoft.com/office/drawing/2017/decorative" val="1"/>
+                    <adec:decorative xmlns:adec="http://schemas.microsoft.com/office/drawing/2017/decorative" xmlns="" val="1"/>
                   </a:ext>
                 </a:extLst>
               </p:cNvPr>
@@ -18524,7 +18434,7 @@
               </a:ln>
               <a:extLst>
                 <a:ext uri="{91240B29-F687-4f45-9708-019B960494DF}">
-                  <a14:hiddenLine xmlns="" xmlns:a16="http://schemas.microsoft.com/office/drawing/2014/main" xmlns:a14="http://schemas.microsoft.com/office/drawing/2010/main" w="9525">
+                  <a14:hiddenLine xmlns:a14="http://schemas.microsoft.com/office/drawing/2010/main" xmlns:a16="http://schemas.microsoft.com/office/drawing/2014/main" xmlns="" w="9525">
                     <a:solidFill>
                       <a:srgbClr val="000000"/>
                     </a:solidFill>
@@ -18544,7 +18454,7 @@
                     <a16:creationId xmlns:a16="http://schemas.microsoft.com/office/drawing/2014/main" id="{633C4B0E-E7C6-4A1A-9D3A-80C8E3C59DCD}"/>
                   </a:ext>
                   <a:ext uri="{C183D7F6-B498-43B3-948B-1728B52AA6E4}">
-                    <adec:decorative xmlns:adec="http://schemas.microsoft.com/office/drawing/2017/decorative" val="1"/>
+                    <adec:decorative xmlns:adec="http://schemas.microsoft.com/office/drawing/2017/decorative" xmlns="" val="1"/>
                   </a:ext>
                 </a:extLst>
               </p:cNvPr>
@@ -18601,7 +18511,7 @@
               </a:ln>
               <a:extLst>
                 <a:ext uri="{91240B29-F687-4f45-9708-019B960494DF}">
-                  <a14:hiddenLine xmlns="" xmlns:a16="http://schemas.microsoft.com/office/drawing/2014/main" xmlns:a14="http://schemas.microsoft.com/office/drawing/2010/main" w="9525">
+                  <a14:hiddenLine xmlns:a14="http://schemas.microsoft.com/office/drawing/2010/main" xmlns:a16="http://schemas.microsoft.com/office/drawing/2014/main" xmlns="" w="9525">
                     <a:solidFill>
                       <a:srgbClr val="000000"/>
                     </a:solidFill>
@@ -18621,7 +18531,7 @@
                     <a16:creationId xmlns:a16="http://schemas.microsoft.com/office/drawing/2014/main" id="{AB21372F-73AC-4C69-81F0-0D44D36F6EF2}"/>
                   </a:ext>
                   <a:ext uri="{C183D7F6-B498-43B3-948B-1728B52AA6E4}">
-                    <adec:decorative xmlns:adec="http://schemas.microsoft.com/office/drawing/2017/decorative" val="1"/>
+                    <adec:decorative xmlns:adec="http://schemas.microsoft.com/office/drawing/2017/decorative" xmlns="" val="1"/>
                   </a:ext>
                 </a:extLst>
               </p:cNvPr>
@@ -18706,7 +18616,7 @@
               </a:ln>
               <a:extLst>
                 <a:ext uri="{91240B29-F687-4f45-9708-019B960494DF}">
-                  <a14:hiddenLine xmlns="" xmlns:a16="http://schemas.microsoft.com/office/drawing/2014/main" xmlns:a14="http://schemas.microsoft.com/office/drawing/2010/main" w="9525">
+                  <a14:hiddenLine xmlns:a14="http://schemas.microsoft.com/office/drawing/2010/main" xmlns:a16="http://schemas.microsoft.com/office/drawing/2014/main" xmlns="" w="9525">
                     <a:solidFill>
                       <a:srgbClr val="000000"/>
                     </a:solidFill>
@@ -18726,7 +18636,7 @@
                     <a16:creationId xmlns:a16="http://schemas.microsoft.com/office/drawing/2014/main" id="{B5619D97-D7A8-4DFF-8AB1-F4B393C1B408}"/>
                   </a:ext>
                   <a:ext uri="{C183D7F6-B498-43B3-948B-1728B52AA6E4}">
-                    <adec:decorative xmlns:adec="http://schemas.microsoft.com/office/drawing/2017/decorative" val="1"/>
+                    <adec:decorative xmlns:adec="http://schemas.microsoft.com/office/drawing/2017/decorative" xmlns="" val="1"/>
                   </a:ext>
                 </a:extLst>
               </p:cNvPr>
@@ -18755,7 +18665,7 @@
               </a:ln>
               <a:extLst>
                 <a:ext uri="{91240B29-F687-4f45-9708-019B960494DF}">
-                  <a14:hiddenLine xmlns="" xmlns:a16="http://schemas.microsoft.com/office/drawing/2014/main" xmlns:a14="http://schemas.microsoft.com/office/drawing/2010/main" w="9525">
+                  <a14:hiddenLine xmlns:a14="http://schemas.microsoft.com/office/drawing/2010/main" xmlns:a16="http://schemas.microsoft.com/office/drawing/2014/main" xmlns="" w="9525">
                     <a:solidFill>
                       <a:srgbClr val="000000"/>
                     </a:solidFill>
@@ -18775,7 +18685,7 @@
                     <a16:creationId xmlns:a16="http://schemas.microsoft.com/office/drawing/2014/main" id="{55E03CED-9618-41BB-898B-2FECEFD7B74C}"/>
                   </a:ext>
                   <a:ext uri="{C183D7F6-B498-43B3-948B-1728B52AA6E4}">
-                    <adec:decorative xmlns:adec="http://schemas.microsoft.com/office/drawing/2017/decorative" val="1"/>
+                    <adec:decorative xmlns:adec="http://schemas.microsoft.com/office/drawing/2017/decorative" xmlns="" val="1"/>
                   </a:ext>
                 </a:extLst>
               </p:cNvPr>
@@ -18835,7 +18745,7 @@
               </a:ln>
               <a:extLst>
                 <a:ext uri="{91240B29-F687-4f45-9708-019B960494DF}">
-                  <a14:hiddenLine xmlns="" xmlns:a16="http://schemas.microsoft.com/office/drawing/2014/main" xmlns:a14="http://schemas.microsoft.com/office/drawing/2010/main" w="9525">
+                  <a14:hiddenLine xmlns:a14="http://schemas.microsoft.com/office/drawing/2010/main" xmlns:a16="http://schemas.microsoft.com/office/drawing/2014/main" xmlns="" w="9525">
                     <a:solidFill>
                       <a:srgbClr val="000000"/>
                     </a:solidFill>
@@ -18855,7 +18765,7 @@
                     <a16:creationId xmlns:a16="http://schemas.microsoft.com/office/drawing/2014/main" id="{78F0A5C5-589E-4053-A41A-FA77210C3D8A}"/>
                   </a:ext>
                   <a:ext uri="{C183D7F6-B498-43B3-948B-1728B52AA6E4}">
-                    <adec:decorative xmlns:adec="http://schemas.microsoft.com/office/drawing/2017/decorative" val="1"/>
+                    <adec:decorative xmlns:adec="http://schemas.microsoft.com/office/drawing/2017/decorative" xmlns="" val="1"/>
                   </a:ext>
                 </a:extLst>
               </p:cNvPr>
@@ -18940,7 +18850,7 @@
               </a:ln>
               <a:extLst>
                 <a:ext uri="{91240B29-F687-4f45-9708-019B960494DF}">
-                  <a14:hiddenLine xmlns="" xmlns:a16="http://schemas.microsoft.com/office/drawing/2014/main" xmlns:a14="http://schemas.microsoft.com/office/drawing/2010/main" w="9525">
+                  <a14:hiddenLine xmlns:a14="http://schemas.microsoft.com/office/drawing/2010/main" xmlns:a16="http://schemas.microsoft.com/office/drawing/2014/main" xmlns="" w="9525">
                     <a:solidFill>
                       <a:srgbClr val="000000"/>
                     </a:solidFill>
@@ -18960,7 +18870,7 @@
                     <a16:creationId xmlns:a16="http://schemas.microsoft.com/office/drawing/2014/main" id="{AC2718F8-15C5-4DAB-B194-AAEE8A205E42}"/>
                   </a:ext>
                   <a:ext uri="{C183D7F6-B498-43B3-948B-1728B52AA6E4}">
-                    <adec:decorative xmlns:adec="http://schemas.microsoft.com/office/drawing/2017/decorative" val="1"/>
+                    <adec:decorative xmlns:adec="http://schemas.microsoft.com/office/drawing/2017/decorative" xmlns="" val="1"/>
                   </a:ext>
                 </a:extLst>
               </p:cNvPr>
@@ -19017,7 +18927,7 @@
               </a:ln>
               <a:extLst>
                 <a:ext uri="{91240B29-F687-4f45-9708-019B960494DF}">
-                  <a14:hiddenLine xmlns="" xmlns:a16="http://schemas.microsoft.com/office/drawing/2014/main" xmlns:a14="http://schemas.microsoft.com/office/drawing/2010/main" w="9525">
+                  <a14:hiddenLine xmlns:a14="http://schemas.microsoft.com/office/drawing/2010/main" xmlns:a16="http://schemas.microsoft.com/office/drawing/2014/main" xmlns="" w="9525">
                     <a:solidFill>
                       <a:srgbClr val="000000"/>
                     </a:solidFill>
@@ -19037,7 +18947,7 @@
                     <a16:creationId xmlns:a16="http://schemas.microsoft.com/office/drawing/2014/main" id="{23C6608B-EA21-4579-B33F-55E52AC28756}"/>
                   </a:ext>
                   <a:ext uri="{C183D7F6-B498-43B3-948B-1728B52AA6E4}">
-                    <adec:decorative xmlns:adec="http://schemas.microsoft.com/office/drawing/2017/decorative" val="1"/>
+                    <adec:decorative xmlns:adec="http://schemas.microsoft.com/office/drawing/2017/decorative" xmlns="" val="1"/>
                   </a:ext>
                 </a:extLst>
               </p:cNvPr>
@@ -19122,7 +19032,7 @@
               </a:ln>
               <a:extLst>
                 <a:ext uri="{91240B29-F687-4f45-9708-019B960494DF}">
-                  <a14:hiddenLine xmlns="" xmlns:a16="http://schemas.microsoft.com/office/drawing/2014/main" xmlns:a14="http://schemas.microsoft.com/office/drawing/2010/main" w="9525">
+                  <a14:hiddenLine xmlns:a14="http://schemas.microsoft.com/office/drawing/2010/main" xmlns:a16="http://schemas.microsoft.com/office/drawing/2014/main" xmlns="" w="9525">
                     <a:solidFill>
                       <a:srgbClr val="000000"/>
                     </a:solidFill>
@@ -19142,7 +19052,7 @@
                     <a16:creationId xmlns:a16="http://schemas.microsoft.com/office/drawing/2014/main" id="{4A2FEFA2-D838-4CE1-90BA-B6C2EEB54381}"/>
                   </a:ext>
                   <a:ext uri="{C183D7F6-B498-43B3-948B-1728B52AA6E4}">
-                    <adec:decorative xmlns:adec="http://schemas.microsoft.com/office/drawing/2017/decorative" val="1"/>
+                    <adec:decorative xmlns:adec="http://schemas.microsoft.com/office/drawing/2017/decorative" xmlns="" val="1"/>
                   </a:ext>
                 </a:extLst>
               </p:cNvPr>
@@ -19202,7 +19112,7 @@
               </a:ln>
               <a:extLst>
                 <a:ext uri="{91240B29-F687-4f45-9708-019B960494DF}">
-                  <a14:hiddenLine xmlns="" xmlns:a16="http://schemas.microsoft.com/office/drawing/2014/main" xmlns:a14="http://schemas.microsoft.com/office/drawing/2010/main" w="9525">
+                  <a14:hiddenLine xmlns:a14="http://schemas.microsoft.com/office/drawing/2010/main" xmlns:a16="http://schemas.microsoft.com/office/drawing/2014/main" xmlns="" w="9525">
                     <a:solidFill>
                       <a:srgbClr val="000000"/>
                     </a:solidFill>
@@ -19222,7 +19132,7 @@
                     <a16:creationId xmlns:a16="http://schemas.microsoft.com/office/drawing/2014/main" id="{1A39CA24-DF18-4FCC-8265-36FC72ED589B}"/>
                   </a:ext>
                   <a:ext uri="{C183D7F6-B498-43B3-948B-1728B52AA6E4}">
-                    <adec:decorative xmlns:adec="http://schemas.microsoft.com/office/drawing/2017/decorative" val="1"/>
+                    <adec:decorative xmlns:adec="http://schemas.microsoft.com/office/drawing/2017/decorative" xmlns="" val="1"/>
                   </a:ext>
                 </a:extLst>
               </p:cNvPr>
@@ -19279,7 +19189,7 @@
               </a:ln>
               <a:extLst>
                 <a:ext uri="{91240B29-F687-4f45-9708-019B960494DF}">
-                  <a14:hiddenLine xmlns="" xmlns:a16="http://schemas.microsoft.com/office/drawing/2014/main" xmlns:a14="http://schemas.microsoft.com/office/drawing/2010/main" w="9525">
+                  <a14:hiddenLine xmlns:a14="http://schemas.microsoft.com/office/drawing/2010/main" xmlns:a16="http://schemas.microsoft.com/office/drawing/2014/main" xmlns="" w="9525">
                     <a:solidFill>
                       <a:srgbClr val="000000"/>
                     </a:solidFill>
@@ -19299,7 +19209,7 @@
                     <a16:creationId xmlns:a16="http://schemas.microsoft.com/office/drawing/2014/main" id="{50A32DBD-9B22-49C3-A628-A98533FBF4FB}"/>
                   </a:ext>
                   <a:ext uri="{C183D7F6-B498-43B3-948B-1728B52AA6E4}">
-                    <adec:decorative xmlns:adec="http://schemas.microsoft.com/office/drawing/2017/decorative" val="1"/>
+                    <adec:decorative xmlns:adec="http://schemas.microsoft.com/office/drawing/2017/decorative" xmlns="" val="1"/>
                   </a:ext>
                 </a:extLst>
               </p:cNvPr>
@@ -19384,7 +19294,7 @@
               </a:ln>
               <a:extLst>
                 <a:ext uri="{91240B29-F687-4f45-9708-019B960494DF}">
-                  <a14:hiddenLine xmlns="" xmlns:a16="http://schemas.microsoft.com/office/drawing/2014/main" xmlns:a14="http://schemas.microsoft.com/office/drawing/2010/main" w="9525">
+                  <a14:hiddenLine xmlns:a14="http://schemas.microsoft.com/office/drawing/2010/main" xmlns:a16="http://schemas.microsoft.com/office/drawing/2014/main" xmlns="" w="9525">
                     <a:solidFill>
                       <a:srgbClr val="000000"/>
                     </a:solidFill>
@@ -19404,7 +19314,7 @@
                     <a16:creationId xmlns:a16="http://schemas.microsoft.com/office/drawing/2014/main" id="{A3C0B30D-BB1A-4B3D-A162-3EBE6267F214}"/>
                   </a:ext>
                   <a:ext uri="{C183D7F6-B498-43B3-948B-1728B52AA6E4}">
-                    <adec:decorative xmlns:adec="http://schemas.microsoft.com/office/drawing/2017/decorative" val="1"/>
+                    <adec:decorative xmlns:adec="http://schemas.microsoft.com/office/drawing/2017/decorative" xmlns="" val="1"/>
                   </a:ext>
                 </a:extLst>
               </p:cNvPr>
@@ -19489,7 +19399,7 @@
               </a:ln>
               <a:extLst>
                 <a:ext uri="{91240B29-F687-4f45-9708-019B960494DF}">
-                  <a14:hiddenLine xmlns="" xmlns:a16="http://schemas.microsoft.com/office/drawing/2014/main" xmlns:a14="http://schemas.microsoft.com/office/drawing/2010/main" w="9525">
+                  <a14:hiddenLine xmlns:a14="http://schemas.microsoft.com/office/drawing/2010/main" xmlns:a16="http://schemas.microsoft.com/office/drawing/2014/main" xmlns="" w="9525">
                     <a:solidFill>
                       <a:srgbClr val="000000"/>
                     </a:solidFill>
@@ -19509,7 +19419,7 @@
                     <a16:creationId xmlns:a16="http://schemas.microsoft.com/office/drawing/2014/main" id="{092B125A-1548-445E-8689-07BEEC815596}"/>
                   </a:ext>
                   <a:ext uri="{C183D7F6-B498-43B3-948B-1728B52AA6E4}">
-                    <adec:decorative xmlns:adec="http://schemas.microsoft.com/office/drawing/2017/decorative" val="1"/>
+                    <adec:decorative xmlns:adec="http://schemas.microsoft.com/office/drawing/2017/decorative" xmlns="" val="1"/>
                   </a:ext>
                 </a:extLst>
               </p:cNvPr>
@@ -19569,7 +19479,7 @@
               </a:ln>
               <a:extLst>
                 <a:ext uri="{91240B29-F687-4f45-9708-019B960494DF}">
-                  <a14:hiddenLine xmlns="" xmlns:a16="http://schemas.microsoft.com/office/drawing/2014/main" xmlns:a14="http://schemas.microsoft.com/office/drawing/2010/main" w="9525">
+                  <a14:hiddenLine xmlns:a14="http://schemas.microsoft.com/office/drawing/2010/main" xmlns:a16="http://schemas.microsoft.com/office/drawing/2014/main" xmlns="" w="9525">
                     <a:solidFill>
                       <a:srgbClr val="000000"/>
                     </a:solidFill>
@@ -19589,7 +19499,7 @@
                     <a16:creationId xmlns:a16="http://schemas.microsoft.com/office/drawing/2014/main" id="{D6A7D7B9-9A7E-4FD2-A1B4-1C5CFAE54989}"/>
                   </a:ext>
                   <a:ext uri="{C183D7F6-B498-43B3-948B-1728B52AA6E4}">
-                    <adec:decorative xmlns:adec="http://schemas.microsoft.com/office/drawing/2017/decorative" val="1"/>
+                    <adec:decorative xmlns:adec="http://schemas.microsoft.com/office/drawing/2017/decorative" xmlns="" val="1"/>
                   </a:ext>
                 </a:extLst>
               </p:cNvPr>
@@ -19704,7 +19614,7 @@
               </a:ln>
               <a:extLst>
                 <a:ext uri="{91240B29-F687-4f45-9708-019B960494DF}">
-                  <a14:hiddenLine xmlns="" xmlns:a16="http://schemas.microsoft.com/office/drawing/2014/main" xmlns:a14="http://schemas.microsoft.com/office/drawing/2010/main" w="9525">
+                  <a14:hiddenLine xmlns:a14="http://schemas.microsoft.com/office/drawing/2010/main" xmlns:a16="http://schemas.microsoft.com/office/drawing/2014/main" xmlns="" w="9525">
                     <a:solidFill>
                       <a:srgbClr val="000000"/>
                     </a:solidFill>
@@ -19725,7 +19635,7 @@
                   <a16:creationId xmlns:a16="http://schemas.microsoft.com/office/drawing/2014/main" id="{DB1B0C3F-D935-4306-B5B1-6AA635881120}"/>
                 </a:ext>
                 <a:ext uri="{C183D7F6-B498-43B3-948B-1728B52AA6E4}">
-                  <adec:decorative xmlns:adec="http://schemas.microsoft.com/office/drawing/2017/decorative" val="1"/>
+                  <adec:decorative xmlns:adec="http://schemas.microsoft.com/office/drawing/2017/decorative" xmlns="" val="1"/>
                 </a:ext>
               </a:extLst>
             </p:cNvPr>
@@ -19772,7 +19682,7 @@
                     <a16:creationId xmlns:a16="http://schemas.microsoft.com/office/drawing/2014/main" id="{75BC67F5-D485-467A-BCCB-D062EB6DD0E2}"/>
                   </a:ext>
                   <a:ext uri="{C183D7F6-B498-43B3-948B-1728B52AA6E4}">
-                    <adec:decorative xmlns:adec="http://schemas.microsoft.com/office/drawing/2017/decorative" val="1"/>
+                    <adec:decorative xmlns:adec="http://schemas.microsoft.com/office/drawing/2017/decorative" xmlns="" val="1"/>
                   </a:ext>
                 </a:extLst>
               </p:cNvPr>
@@ -19832,7 +19742,7 @@
               </a:ln>
               <a:extLst>
                 <a:ext uri="{91240B29-F687-4f45-9708-019B960494DF}">
-                  <a14:hiddenLine xmlns="" xmlns:a16="http://schemas.microsoft.com/office/drawing/2014/main" xmlns:a14="http://schemas.microsoft.com/office/drawing/2010/main" w="9525">
+                  <a14:hiddenLine xmlns:a14="http://schemas.microsoft.com/office/drawing/2010/main" xmlns:a16="http://schemas.microsoft.com/office/drawing/2014/main" xmlns="" w="9525">
                     <a:solidFill>
                       <a:srgbClr val="000000"/>
                     </a:solidFill>
@@ -19852,7 +19762,7 @@
                     <a16:creationId xmlns:a16="http://schemas.microsoft.com/office/drawing/2014/main" id="{7FB0B620-AB12-4F0B-AD1C-A47A5FBC6323}"/>
                   </a:ext>
                   <a:ext uri="{C183D7F6-B498-43B3-948B-1728B52AA6E4}">
-                    <adec:decorative xmlns:adec="http://schemas.microsoft.com/office/drawing/2017/decorative" val="1"/>
+                    <adec:decorative xmlns:adec="http://schemas.microsoft.com/office/drawing/2017/decorative" xmlns="" val="1"/>
                   </a:ext>
                 </a:extLst>
               </p:cNvPr>
@@ -19962,7 +19872,7 @@
               </a:ln>
               <a:extLst>
                 <a:ext uri="{91240B29-F687-4f45-9708-019B960494DF}">
-                  <a14:hiddenLine xmlns="" xmlns:a16="http://schemas.microsoft.com/office/drawing/2014/main" xmlns:a14="http://schemas.microsoft.com/office/drawing/2010/main" w="9525">
+                  <a14:hiddenLine xmlns:a14="http://schemas.microsoft.com/office/drawing/2010/main" xmlns:a16="http://schemas.microsoft.com/office/drawing/2014/main" xmlns="" w="9525">
                     <a:solidFill>
                       <a:srgbClr val="000000"/>
                     </a:solidFill>
@@ -19982,7 +19892,7 @@
                     <a16:creationId xmlns:a16="http://schemas.microsoft.com/office/drawing/2014/main" id="{6AEFA891-E591-4F7F-9DBA-FC78E9B8F1BC}"/>
                   </a:ext>
                   <a:ext uri="{C183D7F6-B498-43B3-948B-1728B52AA6E4}">
-                    <adec:decorative xmlns:adec="http://schemas.microsoft.com/office/drawing/2017/decorative" val="1"/>
+                    <adec:decorative xmlns:adec="http://schemas.microsoft.com/office/drawing/2017/decorative" xmlns="" val="1"/>
                   </a:ext>
                 </a:extLst>
               </p:cNvPr>
@@ -20067,7 +19977,7 @@
               </a:ln>
               <a:extLst>
                 <a:ext uri="{91240B29-F687-4f45-9708-019B960494DF}">
-                  <a14:hiddenLine xmlns="" xmlns:a16="http://schemas.microsoft.com/office/drawing/2014/main" xmlns:a14="http://schemas.microsoft.com/office/drawing/2010/main" w="9525">
+                  <a14:hiddenLine xmlns:a14="http://schemas.microsoft.com/office/drawing/2010/main" xmlns:a16="http://schemas.microsoft.com/office/drawing/2014/main" xmlns="" w="9525">
                     <a:solidFill>
                       <a:srgbClr val="000000"/>
                     </a:solidFill>
@@ -20087,7 +19997,7 @@
                     <a16:creationId xmlns:a16="http://schemas.microsoft.com/office/drawing/2014/main" id="{78921FFF-4B57-4E33-BE94-5A8BFC95E03D}"/>
                   </a:ext>
                   <a:ext uri="{C183D7F6-B498-43B3-948B-1728B52AA6E4}">
-                    <adec:decorative xmlns:adec="http://schemas.microsoft.com/office/drawing/2017/decorative" val="1"/>
+                    <adec:decorative xmlns:adec="http://schemas.microsoft.com/office/drawing/2017/decorative" xmlns="" val="1"/>
                   </a:ext>
                 </a:extLst>
               </p:cNvPr>
@@ -20147,7 +20057,7 @@
               </a:ln>
               <a:extLst>
                 <a:ext uri="{91240B29-F687-4f45-9708-019B960494DF}">
-                  <a14:hiddenLine xmlns="" xmlns:a16="http://schemas.microsoft.com/office/drawing/2014/main" xmlns:a14="http://schemas.microsoft.com/office/drawing/2010/main" w="9525">
+                  <a14:hiddenLine xmlns:a14="http://schemas.microsoft.com/office/drawing/2010/main" xmlns:a16="http://schemas.microsoft.com/office/drawing/2014/main" xmlns="" w="9525">
                     <a:solidFill>
                       <a:srgbClr val="000000"/>
                     </a:solidFill>
@@ -20167,7 +20077,7 @@
                     <a16:creationId xmlns:a16="http://schemas.microsoft.com/office/drawing/2014/main" id="{0C4A1658-5AAE-4925-B106-BC0A17862E79}"/>
                   </a:ext>
                   <a:ext uri="{C183D7F6-B498-43B3-948B-1728B52AA6E4}">
-                    <adec:decorative xmlns:adec="http://schemas.microsoft.com/office/drawing/2017/decorative" val="1"/>
+                    <adec:decorative xmlns:adec="http://schemas.microsoft.com/office/drawing/2017/decorative" xmlns="" val="1"/>
                   </a:ext>
                 </a:extLst>
               </p:cNvPr>
@@ -20252,7 +20162,7 @@
               </a:ln>
               <a:extLst>
                 <a:ext uri="{91240B29-F687-4f45-9708-019B960494DF}">
-                  <a14:hiddenLine xmlns="" xmlns:a16="http://schemas.microsoft.com/office/drawing/2014/main" xmlns:a14="http://schemas.microsoft.com/office/drawing/2010/main" w="9525">
+                  <a14:hiddenLine xmlns:a14="http://schemas.microsoft.com/office/drawing/2010/main" xmlns:a16="http://schemas.microsoft.com/office/drawing/2014/main" xmlns="" w="9525">
                     <a:solidFill>
                       <a:srgbClr val="000000"/>
                     </a:solidFill>
@@ -20272,7 +20182,7 @@
                     <a16:creationId xmlns:a16="http://schemas.microsoft.com/office/drawing/2014/main" id="{DE6DF3EB-099A-427A-A999-3BAF3BCA94E1}"/>
                   </a:ext>
                   <a:ext uri="{C183D7F6-B498-43B3-948B-1728B52AA6E4}">
-                    <adec:decorative xmlns:adec="http://schemas.microsoft.com/office/drawing/2017/decorative" val="1"/>
+                    <adec:decorative xmlns:adec="http://schemas.microsoft.com/office/drawing/2017/decorative" xmlns="" val="1"/>
                   </a:ext>
                 </a:extLst>
               </p:cNvPr>
@@ -20335,7 +20245,7 @@
               </a:ln>
               <a:extLst>
                 <a:ext uri="{91240B29-F687-4f45-9708-019B960494DF}">
-                  <a14:hiddenLine xmlns="" xmlns:a16="http://schemas.microsoft.com/office/drawing/2014/main" xmlns:a14="http://schemas.microsoft.com/office/drawing/2010/main" w="9525">
+                  <a14:hiddenLine xmlns:a14="http://schemas.microsoft.com/office/drawing/2010/main" xmlns:a16="http://schemas.microsoft.com/office/drawing/2014/main" xmlns="" w="9525">
                     <a:solidFill>
                       <a:srgbClr val="000000"/>
                     </a:solidFill>
@@ -20355,7 +20265,7 @@
                     <a16:creationId xmlns:a16="http://schemas.microsoft.com/office/drawing/2014/main" id="{CC595EFE-4690-4B81-83B1-F863B951B0E1}"/>
                   </a:ext>
                   <a:ext uri="{C183D7F6-B498-43B3-948B-1728B52AA6E4}">
-                    <adec:decorative xmlns:adec="http://schemas.microsoft.com/office/drawing/2017/decorative" val="1"/>
+                    <adec:decorative xmlns:adec="http://schemas.microsoft.com/office/drawing/2017/decorative" xmlns="" val="1"/>
                   </a:ext>
                 </a:extLst>
               </p:cNvPr>
@@ -20440,7 +20350,7 @@
               </a:ln>
               <a:extLst>
                 <a:ext uri="{91240B29-F687-4f45-9708-019B960494DF}">
-                  <a14:hiddenLine xmlns="" xmlns:a16="http://schemas.microsoft.com/office/drawing/2014/main" xmlns:a14="http://schemas.microsoft.com/office/drawing/2010/main" w="9525">
+                  <a14:hiddenLine xmlns:a14="http://schemas.microsoft.com/office/drawing/2010/main" xmlns:a16="http://schemas.microsoft.com/office/drawing/2014/main" xmlns="" w="9525">
                     <a:solidFill>
                       <a:srgbClr val="000000"/>
                     </a:solidFill>
@@ -20460,7 +20370,7 @@
                     <a16:creationId xmlns:a16="http://schemas.microsoft.com/office/drawing/2014/main" id="{400FAC39-AEAC-4B54-9694-29D537C203B1}"/>
                   </a:ext>
                   <a:ext uri="{C183D7F6-B498-43B3-948B-1728B52AA6E4}">
-                    <adec:decorative xmlns:adec="http://schemas.microsoft.com/office/drawing/2017/decorative" val="1"/>
+                    <adec:decorative xmlns:adec="http://schemas.microsoft.com/office/drawing/2017/decorative" xmlns="" val="1"/>
                   </a:ext>
                 </a:extLst>
               </p:cNvPr>
@@ -20523,7 +20433,7 @@
               </a:ln>
               <a:extLst>
                 <a:ext uri="{91240B29-F687-4f45-9708-019B960494DF}">
-                  <a14:hiddenLine xmlns="" xmlns:a16="http://schemas.microsoft.com/office/drawing/2014/main" xmlns:a14="http://schemas.microsoft.com/office/drawing/2010/main" w="9525">
+                  <a14:hiddenLine xmlns:a14="http://schemas.microsoft.com/office/drawing/2010/main" xmlns:a16="http://schemas.microsoft.com/office/drawing/2014/main" xmlns="" w="9525">
                     <a:solidFill>
                       <a:srgbClr val="000000"/>
                     </a:solidFill>
@@ -20543,7 +20453,7 @@
                     <a16:creationId xmlns:a16="http://schemas.microsoft.com/office/drawing/2014/main" id="{C61298B0-056E-4D83-B168-1C054A17A0CB}"/>
                   </a:ext>
                   <a:ext uri="{C183D7F6-B498-43B3-948B-1728B52AA6E4}">
-                    <adec:decorative xmlns:adec="http://schemas.microsoft.com/office/drawing/2017/decorative" val="1"/>
+                    <adec:decorative xmlns:adec="http://schemas.microsoft.com/office/drawing/2017/decorative" xmlns="" val="1"/>
                   </a:ext>
                 </a:extLst>
               </p:cNvPr>
@@ -20628,7 +20538,7 @@
               </a:ln>
               <a:extLst>
                 <a:ext uri="{91240B29-F687-4f45-9708-019B960494DF}">
-                  <a14:hiddenLine xmlns="" xmlns:a16="http://schemas.microsoft.com/office/drawing/2014/main" xmlns:a14="http://schemas.microsoft.com/office/drawing/2010/main" w="9525">
+                  <a14:hiddenLine xmlns:a14="http://schemas.microsoft.com/office/drawing/2010/main" xmlns:a16="http://schemas.microsoft.com/office/drawing/2014/main" xmlns="" w="9525">
                     <a:solidFill>
                       <a:srgbClr val="000000"/>
                     </a:solidFill>
@@ -20648,7 +20558,7 @@
                     <a16:creationId xmlns:a16="http://schemas.microsoft.com/office/drawing/2014/main" id="{9F9E69A2-F9B0-40C2-BDC8-143835426BEF}"/>
                   </a:ext>
                   <a:ext uri="{C183D7F6-B498-43B3-948B-1728B52AA6E4}">
-                    <adec:decorative xmlns:adec="http://schemas.microsoft.com/office/drawing/2017/decorative" val="1"/>
+                    <adec:decorative xmlns:adec="http://schemas.microsoft.com/office/drawing/2017/decorative" xmlns="" val="1"/>
                   </a:ext>
                 </a:extLst>
               </p:cNvPr>
@@ -20677,7 +20587,7 @@
               </a:ln>
               <a:extLst>
                 <a:ext uri="{91240B29-F687-4f45-9708-019B960494DF}">
-                  <a14:hiddenLine xmlns="" xmlns:a16="http://schemas.microsoft.com/office/drawing/2014/main" xmlns:a14="http://schemas.microsoft.com/office/drawing/2010/main" w="9525">
+                  <a14:hiddenLine xmlns:a14="http://schemas.microsoft.com/office/drawing/2010/main" xmlns:a16="http://schemas.microsoft.com/office/drawing/2014/main" xmlns="" w="9525">
                     <a:solidFill>
                       <a:srgbClr val="000000"/>
                     </a:solidFill>
@@ -20699,7 +20609,7 @@
                 <a16:creationId xmlns:a16="http://schemas.microsoft.com/office/drawing/2014/main" id="{54B9C16B-AC4A-44ED-9075-F76549B46E7C}"/>
               </a:ext>
               <a:ext uri="{C183D7F6-B498-43B3-948B-1728B52AA6E4}">
-                <adec:decorative xmlns:adec="http://schemas.microsoft.com/office/drawing/2017/decorative" val="1"/>
+                <adec:decorative xmlns:adec="http://schemas.microsoft.com/office/drawing/2017/decorative" xmlns="" val="1"/>
               </a:ext>
             </a:extLst>
           </p:cNvPr>
@@ -20759,7 +20669,7 @@
                 <a16:creationId xmlns:a16="http://schemas.microsoft.com/office/drawing/2014/main" id="{62A2FEB6-F419-4684-9ABC-9E32E012E8B7}"/>
               </a:ext>
               <a:ext uri="{C183D7F6-B498-43B3-948B-1728B52AA6E4}">
-                <adec:decorative xmlns:adec="http://schemas.microsoft.com/office/drawing/2017/decorative" val="1"/>
+                <adec:decorative xmlns:adec="http://schemas.microsoft.com/office/drawing/2017/decorative" xmlns="" val="1"/>
               </a:ext>
             </a:extLst>
           </p:cNvPr>
@@ -20805,7 +20715,7 @@
                   <a16:creationId xmlns:a16="http://schemas.microsoft.com/office/drawing/2014/main" id="{21E24A15-28D6-4CEB-9268-0BB0BEEAF38C}"/>
                 </a:ext>
                 <a:ext uri="{C183D7F6-B498-43B3-948B-1728B52AA6E4}">
-                  <adec:decorative xmlns:adec="http://schemas.microsoft.com/office/drawing/2017/decorative" val="1"/>
+                  <adec:decorative xmlns:adec="http://schemas.microsoft.com/office/drawing/2017/decorative" xmlns="" val="1"/>
                 </a:ext>
               </a:extLst>
             </p:cNvPr>
@@ -20834,7 +20744,7 @@
             </a:ln>
             <a:extLst>
               <a:ext uri="{91240B29-F687-4f45-9708-019B960494DF}">
-                <a14:hiddenLine xmlns="" xmlns:a16="http://schemas.microsoft.com/office/drawing/2014/main" xmlns:p14="http://schemas.microsoft.com/office/powerpoint/2010/main" xmlns:dgm="http://schemas.openxmlformats.org/drawingml/2006/diagram" xmlns:a14="http://schemas.microsoft.com/office/drawing/2010/main" w="9525">
+                <a14:hiddenLine xmlns:a14="http://schemas.microsoft.com/office/drawing/2010/main" xmlns:dgm="http://schemas.openxmlformats.org/drawingml/2006/diagram" xmlns:p14="http://schemas.microsoft.com/office/powerpoint/2010/main" xmlns:a16="http://schemas.microsoft.com/office/drawing/2014/main" xmlns="" w="9525">
                   <a:solidFill>
                     <a:srgbClr val="000000"/>
                   </a:solidFill>
@@ -20854,7 +20764,7 @@
                   <a16:creationId xmlns:a16="http://schemas.microsoft.com/office/drawing/2014/main" id="{4345933F-9633-4510-90E1-08B0E2A19E79}"/>
                 </a:ext>
                 <a:ext uri="{C183D7F6-B498-43B3-948B-1728B52AA6E4}">
-                  <adec:decorative xmlns:adec="http://schemas.microsoft.com/office/drawing/2017/decorative" val="1"/>
+                  <adec:decorative xmlns:adec="http://schemas.microsoft.com/office/drawing/2017/decorative" xmlns="" val="1"/>
                 </a:ext>
               </a:extLst>
             </p:cNvPr>
@@ -20939,7 +20849,7 @@
             </a:ln>
             <a:extLst>
               <a:ext uri="{91240B29-F687-4f45-9708-019B960494DF}">
-                <a14:hiddenLine xmlns="" xmlns:a16="http://schemas.microsoft.com/office/drawing/2014/main" xmlns:p14="http://schemas.microsoft.com/office/powerpoint/2010/main" xmlns:dgm="http://schemas.openxmlformats.org/drawingml/2006/diagram" xmlns:a14="http://schemas.microsoft.com/office/drawing/2010/main" w="9525">
+                <a14:hiddenLine xmlns:a14="http://schemas.microsoft.com/office/drawing/2010/main" xmlns:dgm="http://schemas.openxmlformats.org/drawingml/2006/diagram" xmlns:p14="http://schemas.microsoft.com/office/powerpoint/2010/main" xmlns:a16="http://schemas.microsoft.com/office/drawing/2014/main" xmlns="" w="9525">
                   <a:solidFill>
                     <a:srgbClr val="000000"/>
                   </a:solidFill>
@@ -20959,7 +20869,7 @@
                   <a16:creationId xmlns:a16="http://schemas.microsoft.com/office/drawing/2014/main" id="{C68A48FB-1BE4-4053-A76F-5A5511BA0E0B}"/>
                 </a:ext>
                 <a:ext uri="{C183D7F6-B498-43B3-948B-1728B52AA6E4}">
-                  <adec:decorative xmlns:adec="http://schemas.microsoft.com/office/drawing/2017/decorative" val="1"/>
+                  <adec:decorative xmlns:adec="http://schemas.microsoft.com/office/drawing/2017/decorative" xmlns="" val="1"/>
                 </a:ext>
               </a:extLst>
             </p:cNvPr>
@@ -21044,7 +20954,7 @@
             </a:ln>
             <a:extLst>
               <a:ext uri="{91240B29-F687-4f45-9708-019B960494DF}">
-                <a14:hiddenLine xmlns="" xmlns:a16="http://schemas.microsoft.com/office/drawing/2014/main" xmlns:p14="http://schemas.microsoft.com/office/powerpoint/2010/main" xmlns:dgm="http://schemas.openxmlformats.org/drawingml/2006/diagram" xmlns:a14="http://schemas.microsoft.com/office/drawing/2010/main" w="9525">
+                <a14:hiddenLine xmlns:a14="http://schemas.microsoft.com/office/drawing/2010/main" xmlns:dgm="http://schemas.openxmlformats.org/drawingml/2006/diagram" xmlns:p14="http://schemas.microsoft.com/office/powerpoint/2010/main" xmlns:a16="http://schemas.microsoft.com/office/drawing/2014/main" xmlns="" w="9525">
                   <a:solidFill>
                     <a:srgbClr val="000000"/>
                   </a:solidFill>
@@ -21064,7 +20974,7 @@
                   <a16:creationId xmlns:a16="http://schemas.microsoft.com/office/drawing/2014/main" id="{8149777B-6A9F-4C95-BF44-F96464507130}"/>
                 </a:ext>
                 <a:ext uri="{C183D7F6-B498-43B3-948B-1728B52AA6E4}">
-                  <adec:decorative xmlns:adec="http://schemas.microsoft.com/office/drawing/2017/decorative" val="1"/>
+                  <adec:decorative xmlns:adec="http://schemas.microsoft.com/office/drawing/2017/decorative" xmlns="" val="1"/>
                 </a:ext>
               </a:extLst>
             </p:cNvPr>
@@ -21121,7 +21031,7 @@
             </a:ln>
             <a:extLst>
               <a:ext uri="{91240B29-F687-4f45-9708-019B960494DF}">
-                <a14:hiddenLine xmlns="" xmlns:a16="http://schemas.microsoft.com/office/drawing/2014/main" xmlns:p14="http://schemas.microsoft.com/office/powerpoint/2010/main" xmlns:dgm="http://schemas.openxmlformats.org/drawingml/2006/diagram" xmlns:a14="http://schemas.microsoft.com/office/drawing/2010/main" w="9525">
+                <a14:hiddenLine xmlns:a14="http://schemas.microsoft.com/office/drawing/2010/main" xmlns:dgm="http://schemas.openxmlformats.org/drawingml/2006/diagram" xmlns:p14="http://schemas.microsoft.com/office/powerpoint/2010/main" xmlns:a16="http://schemas.microsoft.com/office/drawing/2014/main" xmlns="" w="9525">
                   <a:solidFill>
                     <a:srgbClr val="000000"/>
                   </a:solidFill>
@@ -21141,7 +21051,7 @@
                   <a16:creationId xmlns:a16="http://schemas.microsoft.com/office/drawing/2014/main" id="{0654845E-622A-4AD3-8F3A-6E1DEAB5FCA2}"/>
                 </a:ext>
                 <a:ext uri="{C183D7F6-B498-43B3-948B-1728B52AA6E4}">
-                  <adec:decorative xmlns:adec="http://schemas.microsoft.com/office/drawing/2017/decorative" val="1"/>
+                  <adec:decorative xmlns:adec="http://schemas.microsoft.com/office/drawing/2017/decorative" xmlns="" val="1"/>
                 </a:ext>
               </a:extLst>
             </p:cNvPr>
@@ -21226,7 +21136,7 @@
             </a:ln>
             <a:extLst>
               <a:ext uri="{91240B29-F687-4f45-9708-019B960494DF}">
-                <a14:hiddenLine xmlns="" xmlns:a16="http://schemas.microsoft.com/office/drawing/2014/main" xmlns:p14="http://schemas.microsoft.com/office/powerpoint/2010/main" xmlns:dgm="http://schemas.openxmlformats.org/drawingml/2006/diagram" xmlns:a14="http://schemas.microsoft.com/office/drawing/2010/main" w="9525">
+                <a14:hiddenLine xmlns:a14="http://schemas.microsoft.com/office/drawing/2010/main" xmlns:dgm="http://schemas.openxmlformats.org/drawingml/2006/diagram" xmlns:p14="http://schemas.microsoft.com/office/powerpoint/2010/main" xmlns:a16="http://schemas.microsoft.com/office/drawing/2014/main" xmlns="" w="9525">
                   <a:solidFill>
                     <a:srgbClr val="000000"/>
                   </a:solidFill>
@@ -21246,7 +21156,7 @@
                   <a16:creationId xmlns:a16="http://schemas.microsoft.com/office/drawing/2014/main" id="{DF1C0739-3D08-4C83-857E-B0724A6E8C74}"/>
                 </a:ext>
                 <a:ext uri="{C183D7F6-B498-43B3-948B-1728B52AA6E4}">
-                  <adec:decorative xmlns:adec="http://schemas.microsoft.com/office/drawing/2017/decorative" val="1"/>
+                  <adec:decorative xmlns:adec="http://schemas.microsoft.com/office/drawing/2017/decorative" xmlns="" val="1"/>
                 </a:ext>
               </a:extLst>
             </p:cNvPr>
@@ -21303,7 +21213,7 @@
             </a:ln>
             <a:extLst>
               <a:ext uri="{91240B29-F687-4f45-9708-019B960494DF}">
-                <a14:hiddenLine xmlns="" xmlns:a16="http://schemas.microsoft.com/office/drawing/2014/main" xmlns:p14="http://schemas.microsoft.com/office/powerpoint/2010/main" xmlns:dgm="http://schemas.openxmlformats.org/drawingml/2006/diagram" xmlns:a14="http://schemas.microsoft.com/office/drawing/2010/main" w="9525">
+                <a14:hiddenLine xmlns:a14="http://schemas.microsoft.com/office/drawing/2010/main" xmlns:dgm="http://schemas.openxmlformats.org/drawingml/2006/diagram" xmlns:p14="http://schemas.microsoft.com/office/powerpoint/2010/main" xmlns:a16="http://schemas.microsoft.com/office/drawing/2014/main" xmlns="" w="9525">
                   <a:solidFill>
                     <a:srgbClr val="000000"/>
                   </a:solidFill>
@@ -21323,7 +21233,7 @@
                   <a16:creationId xmlns:a16="http://schemas.microsoft.com/office/drawing/2014/main" id="{D235EAA0-7D5A-453A-9643-EE7A4954EA92}"/>
                 </a:ext>
                 <a:ext uri="{C183D7F6-B498-43B3-948B-1728B52AA6E4}">
-                  <adec:decorative xmlns:adec="http://schemas.microsoft.com/office/drawing/2017/decorative" val="1"/>
+                  <adec:decorative xmlns:adec="http://schemas.microsoft.com/office/drawing/2017/decorative" xmlns="" val="1"/>
                 </a:ext>
               </a:extLst>
             </p:cNvPr>
@@ -21380,7 +21290,7 @@
             </a:ln>
             <a:extLst>
               <a:ext uri="{91240B29-F687-4f45-9708-019B960494DF}">
-                <a14:hiddenLine xmlns="" xmlns:a16="http://schemas.microsoft.com/office/drawing/2014/main" xmlns:p14="http://schemas.microsoft.com/office/powerpoint/2010/main" xmlns:dgm="http://schemas.openxmlformats.org/drawingml/2006/diagram" xmlns:a14="http://schemas.microsoft.com/office/drawing/2010/main" w="9525">
+                <a14:hiddenLine xmlns:a14="http://schemas.microsoft.com/office/drawing/2010/main" xmlns:dgm="http://schemas.openxmlformats.org/drawingml/2006/diagram" xmlns:p14="http://schemas.microsoft.com/office/powerpoint/2010/main" xmlns:a16="http://schemas.microsoft.com/office/drawing/2014/main" xmlns="" w="9525">
                   <a:solidFill>
                     <a:srgbClr val="000000"/>
                   </a:solidFill>
@@ -21400,7 +21310,7 @@
                   <a16:creationId xmlns:a16="http://schemas.microsoft.com/office/drawing/2014/main" id="{94C6FB7C-72DE-42DE-8F58-CCE9B8F5562A}"/>
                 </a:ext>
                 <a:ext uri="{C183D7F6-B498-43B3-948B-1728B52AA6E4}">
-                  <adec:decorative xmlns:adec="http://schemas.microsoft.com/office/drawing/2017/decorative" val="1"/>
+                  <adec:decorative xmlns:adec="http://schemas.microsoft.com/office/drawing/2017/decorative" xmlns="" val="1"/>
                 </a:ext>
               </a:extLst>
             </p:cNvPr>
@@ -21485,7 +21395,7 @@
             </a:ln>
             <a:extLst>
               <a:ext uri="{91240B29-F687-4f45-9708-019B960494DF}">
-                <a14:hiddenLine xmlns="" xmlns:a16="http://schemas.microsoft.com/office/drawing/2014/main" xmlns:p14="http://schemas.microsoft.com/office/powerpoint/2010/main" xmlns:dgm="http://schemas.openxmlformats.org/drawingml/2006/diagram" xmlns:a14="http://schemas.microsoft.com/office/drawing/2010/main" w="9525">
+                <a14:hiddenLine xmlns:a14="http://schemas.microsoft.com/office/drawing/2010/main" xmlns:dgm="http://schemas.openxmlformats.org/drawingml/2006/diagram" xmlns:p14="http://schemas.microsoft.com/office/powerpoint/2010/main" xmlns:a16="http://schemas.microsoft.com/office/drawing/2014/main" xmlns="" w="9525">
                   <a:solidFill>
                     <a:srgbClr val="000000"/>
                   </a:solidFill>
@@ -21505,7 +21415,7 @@
                   <a16:creationId xmlns:a16="http://schemas.microsoft.com/office/drawing/2014/main" id="{FE31E0FE-EC8D-4EA7-BD9D-02F8C54FDB35}"/>
                 </a:ext>
                 <a:ext uri="{C183D7F6-B498-43B3-948B-1728B52AA6E4}">
-                  <adec:decorative xmlns:adec="http://schemas.microsoft.com/office/drawing/2017/decorative" val="1"/>
+                  <adec:decorative xmlns:adec="http://schemas.microsoft.com/office/drawing/2017/decorative" xmlns="" val="1"/>
                 </a:ext>
               </a:extLst>
             </p:cNvPr>
@@ -21590,7 +21500,7 @@
             </a:ln>
             <a:extLst>
               <a:ext uri="{91240B29-F687-4f45-9708-019B960494DF}">
-                <a14:hiddenLine xmlns="" xmlns:a16="http://schemas.microsoft.com/office/drawing/2014/main" xmlns:p14="http://schemas.microsoft.com/office/powerpoint/2010/main" xmlns:dgm="http://schemas.openxmlformats.org/drawingml/2006/diagram" xmlns:a14="http://schemas.microsoft.com/office/drawing/2010/main" w="9525">
+                <a14:hiddenLine xmlns:a14="http://schemas.microsoft.com/office/drawing/2010/main" xmlns:dgm="http://schemas.openxmlformats.org/drawingml/2006/diagram" xmlns:p14="http://schemas.microsoft.com/office/powerpoint/2010/main" xmlns:a16="http://schemas.microsoft.com/office/drawing/2014/main" xmlns="" w="9525">
                   <a:solidFill>
                     <a:srgbClr val="000000"/>
                   </a:solidFill>
@@ -21610,7 +21520,7 @@
                   <a16:creationId xmlns:a16="http://schemas.microsoft.com/office/drawing/2014/main" id="{69FE4B12-13E0-48F9-9E18-66406B8D3CDE}"/>
                 </a:ext>
                 <a:ext uri="{C183D7F6-B498-43B3-948B-1728B52AA6E4}">
-                  <adec:decorative xmlns:adec="http://schemas.microsoft.com/office/drawing/2017/decorative" val="1"/>
+                  <adec:decorative xmlns:adec="http://schemas.microsoft.com/office/drawing/2017/decorative" xmlns="" val="1"/>
                 </a:ext>
               </a:extLst>
             </p:cNvPr>
@@ -21667,7 +21577,7 @@
             </a:ln>
             <a:extLst>
               <a:ext uri="{91240B29-F687-4f45-9708-019B960494DF}">
-                <a14:hiddenLine xmlns="" xmlns:a16="http://schemas.microsoft.com/office/drawing/2014/main" xmlns:p14="http://schemas.microsoft.com/office/powerpoint/2010/main" xmlns:dgm="http://schemas.openxmlformats.org/drawingml/2006/diagram" xmlns:a14="http://schemas.microsoft.com/office/drawing/2010/main" w="9525">
+                <a14:hiddenLine xmlns:a14="http://schemas.microsoft.com/office/drawing/2010/main" xmlns:dgm="http://schemas.openxmlformats.org/drawingml/2006/diagram" xmlns:p14="http://schemas.microsoft.com/office/powerpoint/2010/main" xmlns:a16="http://schemas.microsoft.com/office/drawing/2014/main" xmlns="" w="9525">
                   <a:solidFill>
                     <a:srgbClr val="000000"/>
                   </a:solidFill>
@@ -21687,7 +21597,7 @@
                   <a16:creationId xmlns:a16="http://schemas.microsoft.com/office/drawing/2014/main" id="{87FAADC3-B321-43EE-B8F3-2842D84098DB}"/>
                 </a:ext>
                 <a:ext uri="{C183D7F6-B498-43B3-948B-1728B52AA6E4}">
-                  <adec:decorative xmlns:adec="http://schemas.microsoft.com/office/drawing/2017/decorative" val="1"/>
+                  <adec:decorative xmlns:adec="http://schemas.microsoft.com/office/drawing/2017/decorative" xmlns="" val="1"/>
                 </a:ext>
               </a:extLst>
             </p:cNvPr>
@@ -21792,7 +21702,7 @@
             </a:ln>
             <a:extLst>
               <a:ext uri="{91240B29-F687-4f45-9708-019B960494DF}">
-                <a14:hiddenLine xmlns="" xmlns:a16="http://schemas.microsoft.com/office/drawing/2014/main" xmlns:p14="http://schemas.microsoft.com/office/powerpoint/2010/main" xmlns:dgm="http://schemas.openxmlformats.org/drawingml/2006/diagram" xmlns:a14="http://schemas.microsoft.com/office/drawing/2010/main" w="9525">
+                <a14:hiddenLine xmlns:a14="http://schemas.microsoft.com/office/drawing/2010/main" xmlns:dgm="http://schemas.openxmlformats.org/drawingml/2006/diagram" xmlns:p14="http://schemas.microsoft.com/office/powerpoint/2010/main" xmlns:a16="http://schemas.microsoft.com/office/drawing/2014/main" xmlns="" w="9525">
                   <a:solidFill>
                     <a:srgbClr val="000000"/>
                   </a:solidFill>
@@ -21812,7 +21722,7 @@
                   <a16:creationId xmlns:a16="http://schemas.microsoft.com/office/drawing/2014/main" id="{90461464-1683-402F-A72B-8558CC67774C}"/>
                 </a:ext>
                 <a:ext uri="{C183D7F6-B498-43B3-948B-1728B52AA6E4}">
-                  <adec:decorative xmlns:adec="http://schemas.microsoft.com/office/drawing/2017/decorative" val="1"/>
+                  <adec:decorative xmlns:adec="http://schemas.microsoft.com/office/drawing/2017/decorative" xmlns="" val="1"/>
                 </a:ext>
               </a:extLst>
             </p:cNvPr>
@@ -21855,7 +21765,7 @@
                   <a16:creationId xmlns:a16="http://schemas.microsoft.com/office/drawing/2014/main" id="{70F594E7-32D0-45B9-A3CF-636CF6FCBDCD}"/>
                 </a:ext>
                 <a:ext uri="{C183D7F6-B498-43B3-948B-1728B52AA6E4}">
-                  <adec:decorative xmlns:adec="http://schemas.microsoft.com/office/drawing/2017/decorative" val="1"/>
+                  <adec:decorative xmlns:adec="http://schemas.microsoft.com/office/drawing/2017/decorative" xmlns="" val="1"/>
                 </a:ext>
               </a:extLst>
             </p:cNvPr>
@@ -21906,7 +21816,7 @@
             </a:ln>
             <a:extLst>
               <a:ext uri="{91240B29-F687-4f45-9708-019B960494DF}">
-                <a14:hiddenLine xmlns="" xmlns:a16="http://schemas.microsoft.com/office/drawing/2014/main" xmlns:p14="http://schemas.microsoft.com/office/powerpoint/2010/main" xmlns:dgm="http://schemas.openxmlformats.org/drawingml/2006/diagram" xmlns:a14="http://schemas.microsoft.com/office/drawing/2010/main" w="9525">
+                <a14:hiddenLine xmlns:a14="http://schemas.microsoft.com/office/drawing/2010/main" xmlns:dgm="http://schemas.openxmlformats.org/drawingml/2006/diagram" xmlns:p14="http://schemas.microsoft.com/office/powerpoint/2010/main" xmlns:a16="http://schemas.microsoft.com/office/drawing/2014/main" xmlns="" w="9525">
                   <a:solidFill>
                     <a:srgbClr val="000000"/>
                   </a:solidFill>
@@ -21926,7 +21836,7 @@
                   <a16:creationId xmlns:a16="http://schemas.microsoft.com/office/drawing/2014/main" id="{8AEF60E1-26C2-4E3C-B839-347DDD23C308}"/>
                 </a:ext>
                 <a:ext uri="{C183D7F6-B498-43B3-948B-1728B52AA6E4}">
-                  <adec:decorative xmlns:adec="http://schemas.microsoft.com/office/drawing/2017/decorative" val="1"/>
+                  <adec:decorative xmlns:adec="http://schemas.microsoft.com/office/drawing/2017/decorative" xmlns="" val="1"/>
                 </a:ext>
               </a:extLst>
             </p:cNvPr>
@@ -21983,7 +21893,7 @@
             </a:ln>
             <a:extLst>
               <a:ext uri="{91240B29-F687-4f45-9708-019B960494DF}">
-                <a14:hiddenLine xmlns="" xmlns:a16="http://schemas.microsoft.com/office/drawing/2014/main" xmlns:p14="http://schemas.microsoft.com/office/powerpoint/2010/main" xmlns:dgm="http://schemas.openxmlformats.org/drawingml/2006/diagram" xmlns:a14="http://schemas.microsoft.com/office/drawing/2010/main" w="9525">
+                <a14:hiddenLine xmlns:a14="http://schemas.microsoft.com/office/drawing/2010/main" xmlns:dgm="http://schemas.openxmlformats.org/drawingml/2006/diagram" xmlns:p14="http://schemas.microsoft.com/office/powerpoint/2010/main" xmlns:a16="http://schemas.microsoft.com/office/drawing/2014/main" xmlns="" w="9525">
                   <a:solidFill>
                     <a:srgbClr val="000000"/>
                   </a:solidFill>
@@ -22003,7 +21913,7 @@
                   <a16:creationId xmlns:a16="http://schemas.microsoft.com/office/drawing/2014/main" id="{792FE54B-EE9D-4E57-B6BC-6A9196BE8950}"/>
                 </a:ext>
                 <a:ext uri="{C183D7F6-B498-43B3-948B-1728B52AA6E4}">
-                  <adec:decorative xmlns:adec="http://schemas.microsoft.com/office/drawing/2017/decorative" val="1"/>
+                  <adec:decorative xmlns:adec="http://schemas.microsoft.com/office/drawing/2017/decorative" xmlns="" val="1"/>
                 </a:ext>
               </a:extLst>
             </p:cNvPr>
@@ -22060,7 +21970,7 @@
             </a:ln>
             <a:extLst>
               <a:ext uri="{91240B29-F687-4f45-9708-019B960494DF}">
-                <a14:hiddenLine xmlns="" xmlns:a16="http://schemas.microsoft.com/office/drawing/2014/main" xmlns:p14="http://schemas.microsoft.com/office/powerpoint/2010/main" xmlns:dgm="http://schemas.openxmlformats.org/drawingml/2006/diagram" xmlns:a14="http://schemas.microsoft.com/office/drawing/2010/main" w="9525">
+                <a14:hiddenLine xmlns:a14="http://schemas.microsoft.com/office/drawing/2010/main" xmlns:dgm="http://schemas.openxmlformats.org/drawingml/2006/diagram" xmlns:p14="http://schemas.microsoft.com/office/powerpoint/2010/main" xmlns:a16="http://schemas.microsoft.com/office/drawing/2014/main" xmlns="" w="9525">
                   <a:solidFill>
                     <a:srgbClr val="000000"/>
                   </a:solidFill>
@@ -22080,7 +21990,7 @@
                   <a16:creationId xmlns:a16="http://schemas.microsoft.com/office/drawing/2014/main" id="{72BE56DF-619D-463E-8F88-CABA09DA88EC}"/>
                 </a:ext>
                 <a:ext uri="{C183D7F6-B498-43B3-948B-1728B52AA6E4}">
-                  <adec:decorative xmlns:adec="http://schemas.microsoft.com/office/drawing/2017/decorative" val="1"/>
+                  <adec:decorative xmlns:adec="http://schemas.microsoft.com/office/drawing/2017/decorative" xmlns="" val="1"/>
                 </a:ext>
               </a:extLst>
             </p:cNvPr>
@@ -22165,7 +22075,7 @@
             </a:ln>
             <a:extLst>
               <a:ext uri="{91240B29-F687-4f45-9708-019B960494DF}">
-                <a14:hiddenLine xmlns="" xmlns:a16="http://schemas.microsoft.com/office/drawing/2014/main" xmlns:p14="http://schemas.microsoft.com/office/powerpoint/2010/main" xmlns:dgm="http://schemas.openxmlformats.org/drawingml/2006/diagram" xmlns:a14="http://schemas.microsoft.com/office/drawing/2010/main" w="9525">
+                <a14:hiddenLine xmlns:a14="http://schemas.microsoft.com/office/drawing/2010/main" xmlns:dgm="http://schemas.openxmlformats.org/drawingml/2006/diagram" xmlns:p14="http://schemas.microsoft.com/office/powerpoint/2010/main" xmlns:a16="http://schemas.microsoft.com/office/drawing/2014/main" xmlns="" w="9525">
                   <a:solidFill>
                     <a:srgbClr val="000000"/>
                   </a:solidFill>
@@ -22185,7 +22095,7 @@
                   <a16:creationId xmlns:a16="http://schemas.microsoft.com/office/drawing/2014/main" id="{C7430457-1935-4BBF-A6A7-7C3125A02EF9}"/>
                 </a:ext>
                 <a:ext uri="{C183D7F6-B498-43B3-948B-1728B52AA6E4}">
-                  <adec:decorative xmlns:adec="http://schemas.microsoft.com/office/drawing/2017/decorative" val="1"/>
+                  <adec:decorative xmlns:adec="http://schemas.microsoft.com/office/drawing/2017/decorative" xmlns="" val="1"/>
                 </a:ext>
               </a:extLst>
             </p:cNvPr>
@@ -22214,7 +22124,7 @@
             </a:ln>
             <a:extLst>
               <a:ext uri="{91240B29-F687-4f45-9708-019B960494DF}">
-                <a14:hiddenLine xmlns="" xmlns:a16="http://schemas.microsoft.com/office/drawing/2014/main" xmlns:p14="http://schemas.microsoft.com/office/powerpoint/2010/main" xmlns:dgm="http://schemas.openxmlformats.org/drawingml/2006/diagram" xmlns:a14="http://schemas.microsoft.com/office/drawing/2010/main" w="9525">
+                <a14:hiddenLine xmlns:a14="http://schemas.microsoft.com/office/drawing/2010/main" xmlns:dgm="http://schemas.openxmlformats.org/drawingml/2006/diagram" xmlns:p14="http://schemas.microsoft.com/office/powerpoint/2010/main" xmlns:a16="http://schemas.microsoft.com/office/drawing/2014/main" xmlns="" w="9525">
                   <a:solidFill>
                     <a:srgbClr val="000000"/>
                   </a:solidFill>
@@ -22234,7 +22144,7 @@
                   <a16:creationId xmlns:a16="http://schemas.microsoft.com/office/drawing/2014/main" id="{BB006150-E547-4E84-A2B1-59131F3D531A}"/>
                 </a:ext>
                 <a:ext uri="{C183D7F6-B498-43B3-948B-1728B52AA6E4}">
-                  <adec:decorative xmlns:adec="http://schemas.microsoft.com/office/drawing/2017/decorative" val="1"/>
+                  <adec:decorative xmlns:adec="http://schemas.microsoft.com/office/drawing/2017/decorative" xmlns="" val="1"/>
                 </a:ext>
               </a:extLst>
             </p:cNvPr>
@@ -22294,7 +22204,7 @@
             </a:ln>
             <a:extLst>
               <a:ext uri="{91240B29-F687-4f45-9708-019B960494DF}">
-                <a14:hiddenLine xmlns="" xmlns:a16="http://schemas.microsoft.com/office/drawing/2014/main" xmlns:p14="http://schemas.microsoft.com/office/powerpoint/2010/main" xmlns:dgm="http://schemas.openxmlformats.org/drawingml/2006/diagram" xmlns:a14="http://schemas.microsoft.com/office/drawing/2010/main" w="9525">
+                <a14:hiddenLine xmlns:a14="http://schemas.microsoft.com/office/drawing/2010/main" xmlns:dgm="http://schemas.openxmlformats.org/drawingml/2006/diagram" xmlns:p14="http://schemas.microsoft.com/office/powerpoint/2010/main" xmlns:a16="http://schemas.microsoft.com/office/drawing/2014/main" xmlns="" w="9525">
                   <a:solidFill>
                     <a:srgbClr val="000000"/>
                   </a:solidFill>
@@ -22314,7 +22224,7 @@
                   <a16:creationId xmlns:a16="http://schemas.microsoft.com/office/drawing/2014/main" id="{5A8CD074-956B-41A4-870B-001554B69BB5}"/>
                 </a:ext>
                 <a:ext uri="{C183D7F6-B498-43B3-948B-1728B52AA6E4}">
-                  <adec:decorative xmlns:adec="http://schemas.microsoft.com/office/drawing/2017/decorative" val="1"/>
+                  <adec:decorative xmlns:adec="http://schemas.microsoft.com/office/drawing/2017/decorative" xmlns="" val="1"/>
                 </a:ext>
               </a:extLst>
             </p:cNvPr>
@@ -22399,7 +22309,7 @@
             </a:ln>
             <a:extLst>
               <a:ext uri="{91240B29-F687-4f45-9708-019B960494DF}">
-                <a14:hiddenLine xmlns="" xmlns:a16="http://schemas.microsoft.com/office/drawing/2014/main" xmlns:p14="http://schemas.microsoft.com/office/powerpoint/2010/main" xmlns:dgm="http://schemas.openxmlformats.org/drawingml/2006/diagram" xmlns:a14="http://schemas.microsoft.com/office/drawing/2010/main" w="9525">
+                <a14:hiddenLine xmlns:a14="http://schemas.microsoft.com/office/drawing/2010/main" xmlns:dgm="http://schemas.openxmlformats.org/drawingml/2006/diagram" xmlns:p14="http://schemas.microsoft.com/office/powerpoint/2010/main" xmlns:a16="http://schemas.microsoft.com/office/drawing/2014/main" xmlns="" w="9525">
                   <a:solidFill>
                     <a:srgbClr val="000000"/>
                   </a:solidFill>
@@ -22419,7 +22329,7 @@
                   <a16:creationId xmlns:a16="http://schemas.microsoft.com/office/drawing/2014/main" id="{070C253B-974E-459F-AD0B-70572248284D}"/>
                 </a:ext>
                 <a:ext uri="{C183D7F6-B498-43B3-948B-1728B52AA6E4}">
-                  <adec:decorative xmlns:adec="http://schemas.microsoft.com/office/drawing/2017/decorative" val="1"/>
+                  <adec:decorative xmlns:adec="http://schemas.microsoft.com/office/drawing/2017/decorative" xmlns="" val="1"/>
                 </a:ext>
               </a:extLst>
             </p:cNvPr>
@@ -22476,7 +22386,7 @@
             </a:ln>
             <a:extLst>
               <a:ext uri="{91240B29-F687-4f45-9708-019B960494DF}">
-                <a14:hiddenLine xmlns="" xmlns:a16="http://schemas.microsoft.com/office/drawing/2014/main" xmlns:p14="http://schemas.microsoft.com/office/powerpoint/2010/main" xmlns:dgm="http://schemas.openxmlformats.org/drawingml/2006/diagram" xmlns:a14="http://schemas.microsoft.com/office/drawing/2010/main" w="9525">
+                <a14:hiddenLine xmlns:a14="http://schemas.microsoft.com/office/drawing/2010/main" xmlns:dgm="http://schemas.openxmlformats.org/drawingml/2006/diagram" xmlns:p14="http://schemas.microsoft.com/office/powerpoint/2010/main" xmlns:a16="http://schemas.microsoft.com/office/drawing/2014/main" xmlns="" w="9525">
                   <a:solidFill>
                     <a:srgbClr val="000000"/>
                   </a:solidFill>
@@ -22496,7 +22406,7 @@
                   <a16:creationId xmlns:a16="http://schemas.microsoft.com/office/drawing/2014/main" id="{BBC07B3D-A631-44EA-861A-7D80383A102C}"/>
                 </a:ext>
                 <a:ext uri="{C183D7F6-B498-43B3-948B-1728B52AA6E4}">
-                  <adec:decorative xmlns:adec="http://schemas.microsoft.com/office/drawing/2017/decorative" val="1"/>
+                  <adec:decorative xmlns:adec="http://schemas.microsoft.com/office/drawing/2017/decorative" xmlns="" val="1"/>
                 </a:ext>
               </a:extLst>
             </p:cNvPr>
@@ -22581,7 +22491,7 @@
             </a:ln>
             <a:extLst>
               <a:ext uri="{91240B29-F687-4f45-9708-019B960494DF}">
-                <a14:hiddenLine xmlns="" xmlns:a16="http://schemas.microsoft.com/office/drawing/2014/main" xmlns:p14="http://schemas.microsoft.com/office/powerpoint/2010/main" xmlns:dgm="http://schemas.openxmlformats.org/drawingml/2006/diagram" xmlns:a14="http://schemas.microsoft.com/office/drawing/2010/main" w="9525">
+                <a14:hiddenLine xmlns:a14="http://schemas.microsoft.com/office/drawing/2010/main" xmlns:dgm="http://schemas.openxmlformats.org/drawingml/2006/diagram" xmlns:p14="http://schemas.microsoft.com/office/powerpoint/2010/main" xmlns:a16="http://schemas.microsoft.com/office/drawing/2014/main" xmlns="" w="9525">
                   <a:solidFill>
                     <a:srgbClr val="000000"/>
                   </a:solidFill>
@@ -22601,7 +22511,7 @@
                   <a16:creationId xmlns:a16="http://schemas.microsoft.com/office/drawing/2014/main" id="{32039DC6-B4CF-4A5A-8D17-3A568D125C96}"/>
                 </a:ext>
                 <a:ext uri="{C183D7F6-B498-43B3-948B-1728B52AA6E4}">
-                  <adec:decorative xmlns:adec="http://schemas.microsoft.com/office/drawing/2017/decorative" val="1"/>
+                  <adec:decorative xmlns:adec="http://schemas.microsoft.com/office/drawing/2017/decorative" xmlns="" val="1"/>
                 </a:ext>
               </a:extLst>
             </p:cNvPr>
@@ -22661,7 +22571,7 @@
             </a:ln>
             <a:extLst>
               <a:ext uri="{91240B29-F687-4f45-9708-019B960494DF}">
-                <a14:hiddenLine xmlns="" xmlns:a16="http://schemas.microsoft.com/office/drawing/2014/main" xmlns:p14="http://schemas.microsoft.com/office/powerpoint/2010/main" xmlns:dgm="http://schemas.openxmlformats.org/drawingml/2006/diagram" xmlns:a14="http://schemas.microsoft.com/office/drawing/2010/main" w="9525">
+                <a14:hiddenLine xmlns:a14="http://schemas.microsoft.com/office/drawing/2010/main" xmlns:dgm="http://schemas.openxmlformats.org/drawingml/2006/diagram" xmlns:p14="http://schemas.microsoft.com/office/powerpoint/2010/main" xmlns:a16="http://schemas.microsoft.com/office/drawing/2014/main" xmlns="" w="9525">
                   <a:solidFill>
                     <a:srgbClr val="000000"/>
                   </a:solidFill>
@@ -22681,7 +22591,7 @@
                   <a16:creationId xmlns:a16="http://schemas.microsoft.com/office/drawing/2014/main" id="{99E0C81F-5D8D-4AF8-BDE5-4DF75868F745}"/>
                 </a:ext>
                 <a:ext uri="{C183D7F6-B498-43B3-948B-1728B52AA6E4}">
-                  <adec:decorative xmlns:adec="http://schemas.microsoft.com/office/drawing/2017/decorative" val="1"/>
+                  <adec:decorative xmlns:adec="http://schemas.microsoft.com/office/drawing/2017/decorative" xmlns="" val="1"/>
                 </a:ext>
               </a:extLst>
             </p:cNvPr>
@@ -22738,7 +22648,7 @@
             </a:ln>
             <a:extLst>
               <a:ext uri="{91240B29-F687-4f45-9708-019B960494DF}">
-                <a14:hiddenLine xmlns="" xmlns:a16="http://schemas.microsoft.com/office/drawing/2014/main" xmlns:p14="http://schemas.microsoft.com/office/powerpoint/2010/main" xmlns:dgm="http://schemas.openxmlformats.org/drawingml/2006/diagram" xmlns:a14="http://schemas.microsoft.com/office/drawing/2010/main" w="9525">
+                <a14:hiddenLine xmlns:a14="http://schemas.microsoft.com/office/drawing/2010/main" xmlns:dgm="http://schemas.openxmlformats.org/drawingml/2006/diagram" xmlns:p14="http://schemas.microsoft.com/office/powerpoint/2010/main" xmlns:a16="http://schemas.microsoft.com/office/drawing/2014/main" xmlns="" w="9525">
                   <a:solidFill>
                     <a:srgbClr val="000000"/>
                   </a:solidFill>
@@ -22758,7 +22668,7 @@
                   <a16:creationId xmlns:a16="http://schemas.microsoft.com/office/drawing/2014/main" id="{0D946680-855C-41EC-BBA2-61F6F776E545}"/>
                 </a:ext>
                 <a:ext uri="{C183D7F6-B498-43B3-948B-1728B52AA6E4}">
-                  <adec:decorative xmlns:adec="http://schemas.microsoft.com/office/drawing/2017/decorative" val="1"/>
+                  <adec:decorative xmlns:adec="http://schemas.microsoft.com/office/drawing/2017/decorative" xmlns="" val="1"/>
                 </a:ext>
               </a:extLst>
             </p:cNvPr>
@@ -22843,7 +22753,7 @@
             </a:ln>
             <a:extLst>
               <a:ext uri="{91240B29-F687-4f45-9708-019B960494DF}">
-                <a14:hiddenLine xmlns="" xmlns:a16="http://schemas.microsoft.com/office/drawing/2014/main" xmlns:p14="http://schemas.microsoft.com/office/powerpoint/2010/main" xmlns:dgm="http://schemas.openxmlformats.org/drawingml/2006/diagram" xmlns:a14="http://schemas.microsoft.com/office/drawing/2010/main" w="9525">
+                <a14:hiddenLine xmlns:a14="http://schemas.microsoft.com/office/drawing/2010/main" xmlns:dgm="http://schemas.openxmlformats.org/drawingml/2006/diagram" xmlns:p14="http://schemas.microsoft.com/office/powerpoint/2010/main" xmlns:a16="http://schemas.microsoft.com/office/drawing/2014/main" xmlns="" w="9525">
                   <a:solidFill>
                     <a:srgbClr val="000000"/>
                   </a:solidFill>
@@ -22863,7 +22773,7 @@
                   <a16:creationId xmlns:a16="http://schemas.microsoft.com/office/drawing/2014/main" id="{E6FAD9E8-6E13-45A0-A5D6-8BCAD27B4081}"/>
                 </a:ext>
                 <a:ext uri="{C183D7F6-B498-43B3-948B-1728B52AA6E4}">
-                  <adec:decorative xmlns:adec="http://schemas.microsoft.com/office/drawing/2017/decorative" val="1"/>
+                  <adec:decorative xmlns:adec="http://schemas.microsoft.com/office/drawing/2017/decorative" xmlns="" val="1"/>
                 </a:ext>
               </a:extLst>
             </p:cNvPr>
@@ -22948,7 +22858,7 @@
             </a:ln>
             <a:extLst>
               <a:ext uri="{91240B29-F687-4f45-9708-019B960494DF}">
-                <a14:hiddenLine xmlns="" xmlns:a16="http://schemas.microsoft.com/office/drawing/2014/main" xmlns:p14="http://schemas.microsoft.com/office/powerpoint/2010/main" xmlns:dgm="http://schemas.openxmlformats.org/drawingml/2006/diagram" xmlns:a14="http://schemas.microsoft.com/office/drawing/2010/main" w="9525">
+                <a14:hiddenLine xmlns:a14="http://schemas.microsoft.com/office/drawing/2010/main" xmlns:dgm="http://schemas.openxmlformats.org/drawingml/2006/diagram" xmlns:p14="http://schemas.microsoft.com/office/powerpoint/2010/main" xmlns:a16="http://schemas.microsoft.com/office/drawing/2014/main" xmlns="" w="9525">
                   <a:solidFill>
                     <a:srgbClr val="000000"/>
                   </a:solidFill>
@@ -22968,7 +22878,7 @@
                   <a16:creationId xmlns:a16="http://schemas.microsoft.com/office/drawing/2014/main" id="{0CCBC8FA-0581-454F-9FD1-6B6102A1AA9F}"/>
                 </a:ext>
                 <a:ext uri="{C183D7F6-B498-43B3-948B-1728B52AA6E4}">
-                  <adec:decorative xmlns:adec="http://schemas.microsoft.com/office/drawing/2017/decorative" val="1"/>
+                  <adec:decorative xmlns:adec="http://schemas.microsoft.com/office/drawing/2017/decorative" xmlns="" val="1"/>
                 </a:ext>
               </a:extLst>
             </p:cNvPr>
@@ -23028,7 +22938,7 @@
             </a:ln>
             <a:extLst>
               <a:ext uri="{91240B29-F687-4f45-9708-019B960494DF}">
-                <a14:hiddenLine xmlns="" xmlns:a16="http://schemas.microsoft.com/office/drawing/2014/main" xmlns:p14="http://schemas.microsoft.com/office/powerpoint/2010/main" xmlns:dgm="http://schemas.openxmlformats.org/drawingml/2006/diagram" xmlns:a14="http://schemas.microsoft.com/office/drawing/2010/main" w="9525">
+                <a14:hiddenLine xmlns:a14="http://schemas.microsoft.com/office/drawing/2010/main" xmlns:dgm="http://schemas.openxmlformats.org/drawingml/2006/diagram" xmlns:p14="http://schemas.microsoft.com/office/powerpoint/2010/main" xmlns:a16="http://schemas.microsoft.com/office/drawing/2014/main" xmlns="" w="9525">
                   <a:solidFill>
                     <a:srgbClr val="000000"/>
                   </a:solidFill>
@@ -23048,7 +22958,7 @@
                   <a16:creationId xmlns:a16="http://schemas.microsoft.com/office/drawing/2014/main" id="{5D6C328F-65A5-41E8-86E9-E4E638CC3B4D}"/>
                 </a:ext>
                 <a:ext uri="{C183D7F6-B498-43B3-948B-1728B52AA6E4}">
-                  <adec:decorative xmlns:adec="http://schemas.microsoft.com/office/drawing/2017/decorative" val="1"/>
+                  <adec:decorative xmlns:adec="http://schemas.microsoft.com/office/drawing/2017/decorative" xmlns="" val="1"/>
                 </a:ext>
               </a:extLst>
             </p:cNvPr>
@@ -23163,7 +23073,7 @@
             </a:ln>
             <a:extLst>
               <a:ext uri="{91240B29-F687-4f45-9708-019B960494DF}">
-                <a14:hiddenLine xmlns="" xmlns:a16="http://schemas.microsoft.com/office/drawing/2014/main" xmlns:p14="http://schemas.microsoft.com/office/powerpoint/2010/main" xmlns:dgm="http://schemas.openxmlformats.org/drawingml/2006/diagram" xmlns:a14="http://schemas.microsoft.com/office/drawing/2010/main" w="9525">
+                <a14:hiddenLine xmlns:a14="http://schemas.microsoft.com/office/drawing/2010/main" xmlns:dgm="http://schemas.openxmlformats.org/drawingml/2006/diagram" xmlns:p14="http://schemas.microsoft.com/office/powerpoint/2010/main" xmlns:a16="http://schemas.microsoft.com/office/drawing/2014/main" xmlns="" w="9525">
                   <a:solidFill>
                     <a:srgbClr val="000000"/>
                   </a:solidFill>
@@ -23184,7 +23094,7 @@
                 <a16:creationId xmlns:a16="http://schemas.microsoft.com/office/drawing/2014/main" id="{3E94A106-9341-485C-9057-9D62B2BD083F}"/>
               </a:ext>
               <a:ext uri="{C183D7F6-B498-43B3-948B-1728B52AA6E4}">
-                <adec:decorative xmlns:adec="http://schemas.microsoft.com/office/drawing/2017/decorative" val="1"/>
+                <adec:decorative xmlns:adec="http://schemas.microsoft.com/office/drawing/2017/decorative" xmlns="" val="1"/>
               </a:ext>
             </a:extLst>
           </p:cNvPr>
@@ -23222,7 +23132,7 @@
           </a:prstGeom>
           <a:extLst>
             <a:ext uri="{909E8E84-426E-40dd-AFC4-6F175D3DCCD1}">
-              <a14:hiddenFill xmlns="" xmlns:a16="http://schemas.microsoft.com/office/drawing/2014/main" xmlns:p14="http://schemas.microsoft.com/office/powerpoint/2010/main" xmlns:dgm="http://schemas.openxmlformats.org/drawingml/2006/diagram" xmlns:a14="http://schemas.microsoft.com/office/drawing/2010/main">
+              <a14:hiddenFill xmlns:a14="http://schemas.microsoft.com/office/drawing/2010/main" xmlns:dgm="http://schemas.openxmlformats.org/drawingml/2006/diagram" xmlns:p14="http://schemas.microsoft.com/office/powerpoint/2010/main" xmlns:a16="http://schemas.microsoft.com/office/drawing/2014/main" xmlns="">
                 <a:solidFill>
                   <a:srgbClr val="FFFFFF"/>
                 </a:solidFill>
@@ -23239,7 +23149,7 @@
                 <a16:creationId xmlns:a16="http://schemas.microsoft.com/office/drawing/2014/main" id="{B53044DC-4918-43DA-B49D-91673C6C9485}"/>
               </a:ext>
               <a:ext uri="{C183D7F6-B498-43B3-948B-1728B52AA6E4}">
-                <adec:decorative xmlns:adec="http://schemas.microsoft.com/office/drawing/2017/decorative" val="1"/>
+                <adec:decorative xmlns:adec="http://schemas.microsoft.com/office/drawing/2017/decorative" xmlns="" val="1"/>
               </a:ext>
             </a:extLst>
           </p:cNvPr>
@@ -23306,7 +23216,7 @@
                 <a16:creationId xmlns:a16="http://schemas.microsoft.com/office/drawing/2014/main" id="{1DCE6B36-1420-43AB-86CF-4E653A517B9C}"/>
               </a:ext>
               <a:ext uri="{C183D7F6-B498-43B3-948B-1728B52AA6E4}">
-                <adec:decorative xmlns:adec="http://schemas.microsoft.com/office/drawing/2017/decorative" val="1"/>
+                <adec:decorative xmlns:adec="http://schemas.microsoft.com/office/drawing/2017/decorative" xmlns="" val="1"/>
               </a:ext>
             </a:extLst>
           </p:cNvPr>
@@ -23352,7 +23262,7 @@
                   <a16:creationId xmlns:a16="http://schemas.microsoft.com/office/drawing/2014/main" id="{72626E0B-9628-468E-A713-011C02F602BB}"/>
                 </a:ext>
                 <a:ext uri="{C183D7F6-B498-43B3-948B-1728B52AA6E4}">
-                  <adec:decorative xmlns:adec="http://schemas.microsoft.com/office/drawing/2017/decorative" val="1"/>
+                  <adec:decorative xmlns:adec="http://schemas.microsoft.com/office/drawing/2017/decorative" xmlns="" val="1"/>
                 </a:ext>
               </a:extLst>
             </p:cNvPr>
@@ -23381,7 +23291,7 @@
             </a:ln>
             <a:extLst>
               <a:ext uri="{91240B29-F687-4f45-9708-019B960494DF}">
-                <a14:hiddenLine xmlns="" xmlns:a16="http://schemas.microsoft.com/office/drawing/2014/main" xmlns:p14="http://schemas.microsoft.com/office/powerpoint/2010/main" xmlns:dgm="http://schemas.openxmlformats.org/drawingml/2006/diagram" xmlns:a14="http://schemas.microsoft.com/office/drawing/2010/main" w="9525">
+                <a14:hiddenLine xmlns:a14="http://schemas.microsoft.com/office/drawing/2010/main" xmlns:dgm="http://schemas.openxmlformats.org/drawingml/2006/diagram" xmlns:p14="http://schemas.microsoft.com/office/powerpoint/2010/main" xmlns:a16="http://schemas.microsoft.com/office/drawing/2014/main" xmlns="" w="9525">
                   <a:solidFill>
                     <a:srgbClr val="000000"/>
                   </a:solidFill>
@@ -23401,7 +23311,7 @@
                   <a16:creationId xmlns:a16="http://schemas.microsoft.com/office/drawing/2014/main" id="{93F7977A-BD91-4B0D-9A8D-372DB67AD8DC}"/>
                 </a:ext>
                 <a:ext uri="{C183D7F6-B498-43B3-948B-1728B52AA6E4}">
-                  <adec:decorative xmlns:adec="http://schemas.microsoft.com/office/drawing/2017/decorative" val="1"/>
+                  <adec:decorative xmlns:adec="http://schemas.microsoft.com/office/drawing/2017/decorative" xmlns="" val="1"/>
                 </a:ext>
               </a:extLst>
             </p:cNvPr>
@@ -23486,7 +23396,7 @@
             </a:ln>
             <a:extLst>
               <a:ext uri="{91240B29-F687-4f45-9708-019B960494DF}">
-                <a14:hiddenLine xmlns="" xmlns:a16="http://schemas.microsoft.com/office/drawing/2014/main" xmlns:p14="http://schemas.microsoft.com/office/powerpoint/2010/main" xmlns:dgm="http://schemas.openxmlformats.org/drawingml/2006/diagram" xmlns:a14="http://schemas.microsoft.com/office/drawing/2010/main" w="9525">
+                <a14:hiddenLine xmlns:a14="http://schemas.microsoft.com/office/drawing/2010/main" xmlns:dgm="http://schemas.openxmlformats.org/drawingml/2006/diagram" xmlns:p14="http://schemas.microsoft.com/office/powerpoint/2010/main" xmlns:a16="http://schemas.microsoft.com/office/drawing/2014/main" xmlns="" w="9525">
                   <a:solidFill>
                     <a:srgbClr val="000000"/>
                   </a:solidFill>
@@ -23506,7 +23416,7 @@
                   <a16:creationId xmlns:a16="http://schemas.microsoft.com/office/drawing/2014/main" id="{9FEE6A56-01A1-404D-864E-1C2587C9AFBD}"/>
                 </a:ext>
                 <a:ext uri="{C183D7F6-B498-43B3-948B-1728B52AA6E4}">
-                  <adec:decorative xmlns:adec="http://schemas.microsoft.com/office/drawing/2017/decorative" val="1"/>
+                  <adec:decorative xmlns:adec="http://schemas.microsoft.com/office/drawing/2017/decorative" xmlns="" val="1"/>
                 </a:ext>
               </a:extLst>
             </p:cNvPr>
@@ -23591,7 +23501,7 @@
             </a:ln>
             <a:extLst>
               <a:ext uri="{91240B29-F687-4f45-9708-019B960494DF}">
-                <a14:hiddenLine xmlns="" xmlns:a16="http://schemas.microsoft.com/office/drawing/2014/main" xmlns:p14="http://schemas.microsoft.com/office/powerpoint/2010/main" xmlns:dgm="http://schemas.openxmlformats.org/drawingml/2006/diagram" xmlns:a14="http://schemas.microsoft.com/office/drawing/2010/main" w="9525">
+                <a14:hiddenLine xmlns:a14="http://schemas.microsoft.com/office/drawing/2010/main" xmlns:dgm="http://schemas.openxmlformats.org/drawingml/2006/diagram" xmlns:p14="http://schemas.microsoft.com/office/powerpoint/2010/main" xmlns:a16="http://schemas.microsoft.com/office/drawing/2014/main" xmlns="" w="9525">
                   <a:solidFill>
                     <a:srgbClr val="000000"/>
                   </a:solidFill>
@@ -23611,7 +23521,7 @@
                   <a16:creationId xmlns:a16="http://schemas.microsoft.com/office/drawing/2014/main" id="{E74DBBF2-EF6F-4E3E-B183-F8EEE7609460}"/>
                 </a:ext>
                 <a:ext uri="{C183D7F6-B498-43B3-948B-1728B52AA6E4}">
-                  <adec:decorative xmlns:adec="http://schemas.microsoft.com/office/drawing/2017/decorative" val="1"/>
+                  <adec:decorative xmlns:adec="http://schemas.microsoft.com/office/drawing/2017/decorative" xmlns="" val="1"/>
                 </a:ext>
               </a:extLst>
             </p:cNvPr>
@@ -23668,7 +23578,7 @@
             </a:ln>
             <a:extLst>
               <a:ext uri="{91240B29-F687-4f45-9708-019B960494DF}">
-                <a14:hiddenLine xmlns="" xmlns:a16="http://schemas.microsoft.com/office/drawing/2014/main" xmlns:p14="http://schemas.microsoft.com/office/powerpoint/2010/main" xmlns:dgm="http://schemas.openxmlformats.org/drawingml/2006/diagram" xmlns:a14="http://schemas.microsoft.com/office/drawing/2010/main" w="9525">
+                <a14:hiddenLine xmlns:a14="http://schemas.microsoft.com/office/drawing/2010/main" xmlns:dgm="http://schemas.openxmlformats.org/drawingml/2006/diagram" xmlns:p14="http://schemas.microsoft.com/office/powerpoint/2010/main" xmlns:a16="http://schemas.microsoft.com/office/drawing/2014/main" xmlns="" w="9525">
                   <a:solidFill>
                     <a:srgbClr val="000000"/>
                   </a:solidFill>
@@ -23688,7 +23598,7 @@
                   <a16:creationId xmlns:a16="http://schemas.microsoft.com/office/drawing/2014/main" id="{ABCF0F27-B056-474C-A0FB-1DB747A92FB2}"/>
                 </a:ext>
                 <a:ext uri="{C183D7F6-B498-43B3-948B-1728B52AA6E4}">
-                  <adec:decorative xmlns:adec="http://schemas.microsoft.com/office/drawing/2017/decorative" val="1"/>
+                  <adec:decorative xmlns:adec="http://schemas.microsoft.com/office/drawing/2017/decorative" xmlns="" val="1"/>
                 </a:ext>
               </a:extLst>
             </p:cNvPr>
@@ -23773,7 +23683,7 @@
             </a:ln>
             <a:extLst>
               <a:ext uri="{91240B29-F687-4f45-9708-019B960494DF}">
-                <a14:hiddenLine xmlns="" xmlns:a16="http://schemas.microsoft.com/office/drawing/2014/main" xmlns:p14="http://schemas.microsoft.com/office/powerpoint/2010/main" xmlns:dgm="http://schemas.openxmlformats.org/drawingml/2006/diagram" xmlns:a14="http://schemas.microsoft.com/office/drawing/2010/main" w="9525">
+                <a14:hiddenLine xmlns:a14="http://schemas.microsoft.com/office/drawing/2010/main" xmlns:dgm="http://schemas.openxmlformats.org/drawingml/2006/diagram" xmlns:p14="http://schemas.microsoft.com/office/powerpoint/2010/main" xmlns:a16="http://schemas.microsoft.com/office/drawing/2014/main" xmlns="" w="9525">
                   <a:solidFill>
                     <a:srgbClr val="000000"/>
                   </a:solidFill>
@@ -23793,7 +23703,7 @@
                   <a16:creationId xmlns:a16="http://schemas.microsoft.com/office/drawing/2014/main" id="{0A0A5B7B-BA2A-45CC-AABE-9D5B08A5DB61}"/>
                 </a:ext>
                 <a:ext uri="{C183D7F6-B498-43B3-948B-1728B52AA6E4}">
-                  <adec:decorative xmlns:adec="http://schemas.microsoft.com/office/drawing/2017/decorative" val="1"/>
+                  <adec:decorative xmlns:adec="http://schemas.microsoft.com/office/drawing/2017/decorative" xmlns="" val="1"/>
                 </a:ext>
               </a:extLst>
             </p:cNvPr>
@@ -23850,7 +23760,7 @@
             </a:ln>
             <a:extLst>
               <a:ext uri="{91240B29-F687-4f45-9708-019B960494DF}">
-                <a14:hiddenLine xmlns="" xmlns:a16="http://schemas.microsoft.com/office/drawing/2014/main" xmlns:p14="http://schemas.microsoft.com/office/powerpoint/2010/main" xmlns:dgm="http://schemas.openxmlformats.org/drawingml/2006/diagram" xmlns:a14="http://schemas.microsoft.com/office/drawing/2010/main" w="9525">
+                <a14:hiddenLine xmlns:a14="http://schemas.microsoft.com/office/drawing/2010/main" xmlns:dgm="http://schemas.openxmlformats.org/drawingml/2006/diagram" xmlns:p14="http://schemas.microsoft.com/office/powerpoint/2010/main" xmlns:a16="http://schemas.microsoft.com/office/drawing/2014/main" xmlns="" w="9525">
                   <a:solidFill>
                     <a:srgbClr val="000000"/>
                   </a:solidFill>
@@ -23870,7 +23780,7 @@
                   <a16:creationId xmlns:a16="http://schemas.microsoft.com/office/drawing/2014/main" id="{3C9A5D2B-1787-4954-9108-B9D497A87C83}"/>
                 </a:ext>
                 <a:ext uri="{C183D7F6-B498-43B3-948B-1728B52AA6E4}">
-                  <adec:decorative xmlns:adec="http://schemas.microsoft.com/office/drawing/2017/decorative" val="1"/>
+                  <adec:decorative xmlns:adec="http://schemas.microsoft.com/office/drawing/2017/decorative" xmlns="" val="1"/>
                 </a:ext>
               </a:extLst>
             </p:cNvPr>
@@ -23927,7 +23837,7 @@
             </a:ln>
             <a:extLst>
               <a:ext uri="{91240B29-F687-4f45-9708-019B960494DF}">
-                <a14:hiddenLine xmlns="" xmlns:a16="http://schemas.microsoft.com/office/drawing/2014/main" xmlns:p14="http://schemas.microsoft.com/office/powerpoint/2010/main" xmlns:dgm="http://schemas.openxmlformats.org/drawingml/2006/diagram" xmlns:a14="http://schemas.microsoft.com/office/drawing/2010/main" w="9525">
+                <a14:hiddenLine xmlns:a14="http://schemas.microsoft.com/office/drawing/2010/main" xmlns:dgm="http://schemas.openxmlformats.org/drawingml/2006/diagram" xmlns:p14="http://schemas.microsoft.com/office/powerpoint/2010/main" xmlns:a16="http://schemas.microsoft.com/office/drawing/2014/main" xmlns="" w="9525">
                   <a:solidFill>
                     <a:srgbClr val="000000"/>
                   </a:solidFill>
@@ -23947,7 +23857,7 @@
                   <a16:creationId xmlns:a16="http://schemas.microsoft.com/office/drawing/2014/main" id="{818C4F8B-7556-49A7-83C6-C8F631F6A983}"/>
                 </a:ext>
                 <a:ext uri="{C183D7F6-B498-43B3-948B-1728B52AA6E4}">
-                  <adec:decorative xmlns:adec="http://schemas.microsoft.com/office/drawing/2017/decorative" val="1"/>
+                  <adec:decorative xmlns:adec="http://schemas.microsoft.com/office/drawing/2017/decorative" xmlns="" val="1"/>
                 </a:ext>
               </a:extLst>
             </p:cNvPr>
@@ -24032,7 +23942,7 @@
             </a:ln>
             <a:extLst>
               <a:ext uri="{91240B29-F687-4f45-9708-019B960494DF}">
-                <a14:hiddenLine xmlns="" xmlns:a16="http://schemas.microsoft.com/office/drawing/2014/main" xmlns:p14="http://schemas.microsoft.com/office/powerpoint/2010/main" xmlns:dgm="http://schemas.openxmlformats.org/drawingml/2006/diagram" xmlns:a14="http://schemas.microsoft.com/office/drawing/2010/main" w="9525">
+                <a14:hiddenLine xmlns:a14="http://schemas.microsoft.com/office/drawing/2010/main" xmlns:dgm="http://schemas.openxmlformats.org/drawingml/2006/diagram" xmlns:p14="http://schemas.microsoft.com/office/powerpoint/2010/main" xmlns:a16="http://schemas.microsoft.com/office/drawing/2014/main" xmlns="" w="9525">
                   <a:solidFill>
                     <a:srgbClr val="000000"/>
                   </a:solidFill>
@@ -24052,7 +23962,7 @@
                   <a16:creationId xmlns:a16="http://schemas.microsoft.com/office/drawing/2014/main" id="{22BED614-D078-47EA-9C72-190217FDD577}"/>
                 </a:ext>
                 <a:ext uri="{C183D7F6-B498-43B3-948B-1728B52AA6E4}">
-                  <adec:decorative xmlns:adec="http://schemas.microsoft.com/office/drawing/2017/decorative" val="1"/>
+                  <adec:decorative xmlns:adec="http://schemas.microsoft.com/office/drawing/2017/decorative" xmlns="" val="1"/>
                 </a:ext>
               </a:extLst>
             </p:cNvPr>
@@ -24137,7 +24047,7 @@
             </a:ln>
             <a:extLst>
               <a:ext uri="{91240B29-F687-4f45-9708-019B960494DF}">
-                <a14:hiddenLine xmlns="" xmlns:a16="http://schemas.microsoft.com/office/drawing/2014/main" xmlns:p14="http://schemas.microsoft.com/office/powerpoint/2010/main" xmlns:dgm="http://schemas.openxmlformats.org/drawingml/2006/diagram" xmlns:a14="http://schemas.microsoft.com/office/drawing/2010/main" w="9525">
+                <a14:hiddenLine xmlns:a14="http://schemas.microsoft.com/office/drawing/2010/main" xmlns:dgm="http://schemas.openxmlformats.org/drawingml/2006/diagram" xmlns:p14="http://schemas.microsoft.com/office/powerpoint/2010/main" xmlns:a16="http://schemas.microsoft.com/office/drawing/2014/main" xmlns="" w="9525">
                   <a:solidFill>
                     <a:srgbClr val="000000"/>
                   </a:solidFill>
@@ -24157,7 +24067,7 @@
                   <a16:creationId xmlns:a16="http://schemas.microsoft.com/office/drawing/2014/main" id="{73DE0BF2-86D7-4038-AC4B-AF0F116A5870}"/>
                 </a:ext>
                 <a:ext uri="{C183D7F6-B498-43B3-948B-1728B52AA6E4}">
-                  <adec:decorative xmlns:adec="http://schemas.microsoft.com/office/drawing/2017/decorative" val="1"/>
+                  <adec:decorative xmlns:adec="http://schemas.microsoft.com/office/drawing/2017/decorative" xmlns="" val="1"/>
                 </a:ext>
               </a:extLst>
             </p:cNvPr>
@@ -24214,7 +24124,7 @@
             </a:ln>
             <a:extLst>
               <a:ext uri="{91240B29-F687-4f45-9708-019B960494DF}">
-                <a14:hiddenLine xmlns="" xmlns:a16="http://schemas.microsoft.com/office/drawing/2014/main" xmlns:p14="http://schemas.microsoft.com/office/powerpoint/2010/main" xmlns:dgm="http://schemas.openxmlformats.org/drawingml/2006/diagram" xmlns:a14="http://schemas.microsoft.com/office/drawing/2010/main" w="9525">
+                <a14:hiddenLine xmlns:a14="http://schemas.microsoft.com/office/drawing/2010/main" xmlns:dgm="http://schemas.openxmlformats.org/drawingml/2006/diagram" xmlns:p14="http://schemas.microsoft.com/office/powerpoint/2010/main" xmlns:a16="http://schemas.microsoft.com/office/drawing/2014/main" xmlns="" w="9525">
                   <a:solidFill>
                     <a:srgbClr val="000000"/>
                   </a:solidFill>
@@ -24234,7 +24144,7 @@
                   <a16:creationId xmlns:a16="http://schemas.microsoft.com/office/drawing/2014/main" id="{11D8BB55-D027-420C-9EF9-49B3BA79DC73}"/>
                 </a:ext>
                 <a:ext uri="{C183D7F6-B498-43B3-948B-1728B52AA6E4}">
-                  <adec:decorative xmlns:adec="http://schemas.microsoft.com/office/drawing/2017/decorative" val="1"/>
+                  <adec:decorative xmlns:adec="http://schemas.microsoft.com/office/drawing/2017/decorative" xmlns="" val="1"/>
                 </a:ext>
               </a:extLst>
             </p:cNvPr>
@@ -24339,7 +24249,7 @@
             </a:ln>
             <a:extLst>
               <a:ext uri="{91240B29-F687-4f45-9708-019B960494DF}">
-                <a14:hiddenLine xmlns="" xmlns:a16="http://schemas.microsoft.com/office/drawing/2014/main" xmlns:p14="http://schemas.microsoft.com/office/powerpoint/2010/main" xmlns:dgm="http://schemas.openxmlformats.org/drawingml/2006/diagram" xmlns:a14="http://schemas.microsoft.com/office/drawing/2010/main" w="9525">
+                <a14:hiddenLine xmlns:a14="http://schemas.microsoft.com/office/drawing/2010/main" xmlns:dgm="http://schemas.openxmlformats.org/drawingml/2006/diagram" xmlns:p14="http://schemas.microsoft.com/office/powerpoint/2010/main" xmlns:a16="http://schemas.microsoft.com/office/drawing/2014/main" xmlns="" w="9525">
                   <a:solidFill>
                     <a:srgbClr val="000000"/>
                   </a:solidFill>
@@ -24359,7 +24269,7 @@
                   <a16:creationId xmlns:a16="http://schemas.microsoft.com/office/drawing/2014/main" id="{3FAEF5CE-07ED-46A7-9777-D86C70719583}"/>
                 </a:ext>
                 <a:ext uri="{C183D7F6-B498-43B3-948B-1728B52AA6E4}">
-                  <adec:decorative xmlns:adec="http://schemas.microsoft.com/office/drawing/2017/decorative" val="1"/>
+                  <adec:decorative xmlns:adec="http://schemas.microsoft.com/office/drawing/2017/decorative" xmlns="" val="1"/>
                 </a:ext>
               </a:extLst>
             </p:cNvPr>
@@ -24402,7 +24312,7 @@
                   <a16:creationId xmlns:a16="http://schemas.microsoft.com/office/drawing/2014/main" id="{29CAFB1A-357C-4313-B734-1CD4E4F9D2D7}"/>
                 </a:ext>
                 <a:ext uri="{C183D7F6-B498-43B3-948B-1728B52AA6E4}">
-                  <adec:decorative xmlns:adec="http://schemas.microsoft.com/office/drawing/2017/decorative" val="1"/>
+                  <adec:decorative xmlns:adec="http://schemas.microsoft.com/office/drawing/2017/decorative" xmlns="" val="1"/>
                 </a:ext>
               </a:extLst>
             </p:cNvPr>
@@ -24453,7 +24363,7 @@
             </a:ln>
             <a:extLst>
               <a:ext uri="{91240B29-F687-4f45-9708-019B960494DF}">
-                <a14:hiddenLine xmlns="" xmlns:a16="http://schemas.microsoft.com/office/drawing/2014/main" xmlns:p14="http://schemas.microsoft.com/office/powerpoint/2010/main" xmlns:dgm="http://schemas.openxmlformats.org/drawingml/2006/diagram" xmlns:a14="http://schemas.microsoft.com/office/drawing/2010/main" w="9525">
+                <a14:hiddenLine xmlns:a14="http://schemas.microsoft.com/office/drawing/2010/main" xmlns:dgm="http://schemas.openxmlformats.org/drawingml/2006/diagram" xmlns:p14="http://schemas.microsoft.com/office/powerpoint/2010/main" xmlns:a16="http://schemas.microsoft.com/office/drawing/2014/main" xmlns="" w="9525">
                   <a:solidFill>
                     <a:srgbClr val="000000"/>
                   </a:solidFill>
@@ -24473,7 +24383,7 @@
                   <a16:creationId xmlns:a16="http://schemas.microsoft.com/office/drawing/2014/main" id="{653161D3-8634-4BB7-A2BC-028C4EAA1513}"/>
                 </a:ext>
                 <a:ext uri="{C183D7F6-B498-43B3-948B-1728B52AA6E4}">
-                  <adec:decorative xmlns:adec="http://schemas.microsoft.com/office/drawing/2017/decorative" val="1"/>
+                  <adec:decorative xmlns:adec="http://schemas.microsoft.com/office/drawing/2017/decorative" xmlns="" val="1"/>
                 </a:ext>
               </a:extLst>
             </p:cNvPr>
@@ -24530,7 +24440,7 @@
             </a:ln>
             <a:extLst>
               <a:ext uri="{91240B29-F687-4f45-9708-019B960494DF}">
-                <a14:hiddenLine xmlns="" xmlns:a16="http://schemas.microsoft.com/office/drawing/2014/main" xmlns:p14="http://schemas.microsoft.com/office/powerpoint/2010/main" xmlns:dgm="http://schemas.openxmlformats.org/drawingml/2006/diagram" xmlns:a14="http://schemas.microsoft.com/office/drawing/2010/main" w="9525">
+                <a14:hiddenLine xmlns:a14="http://schemas.microsoft.com/office/drawing/2010/main" xmlns:dgm="http://schemas.openxmlformats.org/drawingml/2006/diagram" xmlns:p14="http://schemas.microsoft.com/office/powerpoint/2010/main" xmlns:a16="http://schemas.microsoft.com/office/drawing/2014/main" xmlns="" w="9525">
                   <a:solidFill>
                     <a:srgbClr val="000000"/>
                   </a:solidFill>
@@ -24550,7 +24460,7 @@
                   <a16:creationId xmlns:a16="http://schemas.microsoft.com/office/drawing/2014/main" id="{9537546A-6FF1-408B-AFE2-BBF7D348230F}"/>
                 </a:ext>
                 <a:ext uri="{C183D7F6-B498-43B3-948B-1728B52AA6E4}">
-                  <adec:decorative xmlns:adec="http://schemas.microsoft.com/office/drawing/2017/decorative" val="1"/>
+                  <adec:decorative xmlns:adec="http://schemas.microsoft.com/office/drawing/2017/decorative" xmlns="" val="1"/>
                 </a:ext>
               </a:extLst>
             </p:cNvPr>
@@ -24607,7 +24517,7 @@
             </a:ln>
             <a:extLst>
               <a:ext uri="{91240B29-F687-4f45-9708-019B960494DF}">
-                <a14:hiddenLine xmlns="" xmlns:a16="http://schemas.microsoft.com/office/drawing/2014/main" xmlns:p14="http://schemas.microsoft.com/office/powerpoint/2010/main" xmlns:dgm="http://schemas.openxmlformats.org/drawingml/2006/diagram" xmlns:a14="http://schemas.microsoft.com/office/drawing/2010/main" w="9525">
+                <a14:hiddenLine xmlns:a14="http://schemas.microsoft.com/office/drawing/2010/main" xmlns:dgm="http://schemas.openxmlformats.org/drawingml/2006/diagram" xmlns:p14="http://schemas.microsoft.com/office/powerpoint/2010/main" xmlns:a16="http://schemas.microsoft.com/office/drawing/2014/main" xmlns="" w="9525">
                   <a:solidFill>
                     <a:srgbClr val="000000"/>
                   </a:solidFill>
@@ -24627,7 +24537,7 @@
                   <a16:creationId xmlns:a16="http://schemas.microsoft.com/office/drawing/2014/main" id="{F73EE662-79B7-404B-B1B8-0E096BE4CD66}"/>
                 </a:ext>
                 <a:ext uri="{C183D7F6-B498-43B3-948B-1728B52AA6E4}">
-                  <adec:decorative xmlns:adec="http://schemas.microsoft.com/office/drawing/2017/decorative" val="1"/>
+                  <adec:decorative xmlns:adec="http://schemas.microsoft.com/office/drawing/2017/decorative" xmlns="" val="1"/>
                 </a:ext>
               </a:extLst>
             </p:cNvPr>
@@ -24712,7 +24622,7 @@
             </a:ln>
             <a:extLst>
               <a:ext uri="{91240B29-F687-4f45-9708-019B960494DF}">
-                <a14:hiddenLine xmlns="" xmlns:a16="http://schemas.microsoft.com/office/drawing/2014/main" xmlns:p14="http://schemas.microsoft.com/office/powerpoint/2010/main" xmlns:dgm="http://schemas.openxmlformats.org/drawingml/2006/diagram" xmlns:a14="http://schemas.microsoft.com/office/drawing/2010/main" w="9525">
+                <a14:hiddenLine xmlns:a14="http://schemas.microsoft.com/office/drawing/2010/main" xmlns:dgm="http://schemas.openxmlformats.org/drawingml/2006/diagram" xmlns:p14="http://schemas.microsoft.com/office/powerpoint/2010/main" xmlns:a16="http://schemas.microsoft.com/office/drawing/2014/main" xmlns="" w="9525">
                   <a:solidFill>
                     <a:srgbClr val="000000"/>
                   </a:solidFill>
@@ -24732,7 +24642,7 @@
                   <a16:creationId xmlns:a16="http://schemas.microsoft.com/office/drawing/2014/main" id="{B6DDB906-1F52-4D64-8493-4816EDDD34CC}"/>
                 </a:ext>
                 <a:ext uri="{C183D7F6-B498-43B3-948B-1728B52AA6E4}">
-                  <adec:decorative xmlns:adec="http://schemas.microsoft.com/office/drawing/2017/decorative" val="1"/>
+                  <adec:decorative xmlns:adec="http://schemas.microsoft.com/office/drawing/2017/decorative" xmlns="" val="1"/>
                 </a:ext>
               </a:extLst>
             </p:cNvPr>
@@ -24761,7 +24671,7 @@
             </a:ln>
             <a:extLst>
               <a:ext uri="{91240B29-F687-4f45-9708-019B960494DF}">
-                <a14:hiddenLine xmlns="" xmlns:a16="http://schemas.microsoft.com/office/drawing/2014/main" xmlns:p14="http://schemas.microsoft.com/office/powerpoint/2010/main" xmlns:dgm="http://schemas.openxmlformats.org/drawingml/2006/diagram" xmlns:a14="http://schemas.microsoft.com/office/drawing/2010/main" w="9525">
+                <a14:hiddenLine xmlns:a14="http://schemas.microsoft.com/office/drawing/2010/main" xmlns:dgm="http://schemas.openxmlformats.org/drawingml/2006/diagram" xmlns:p14="http://schemas.microsoft.com/office/powerpoint/2010/main" xmlns:a16="http://schemas.microsoft.com/office/drawing/2014/main" xmlns="" w="9525">
                   <a:solidFill>
                     <a:srgbClr val="000000"/>
                   </a:solidFill>
@@ -24781,7 +24691,7 @@
                   <a16:creationId xmlns:a16="http://schemas.microsoft.com/office/drawing/2014/main" id="{4FA472A5-ABEA-4961-897B-7EB96AF09A1F}"/>
                 </a:ext>
                 <a:ext uri="{C183D7F6-B498-43B3-948B-1728B52AA6E4}">
-                  <adec:decorative xmlns:adec="http://schemas.microsoft.com/office/drawing/2017/decorative" val="1"/>
+                  <adec:decorative xmlns:adec="http://schemas.microsoft.com/office/drawing/2017/decorative" xmlns="" val="1"/>
                 </a:ext>
               </a:extLst>
             </p:cNvPr>
@@ -24841,7 +24751,7 @@
             </a:ln>
             <a:extLst>
               <a:ext uri="{91240B29-F687-4f45-9708-019B960494DF}">
-                <a14:hiddenLine xmlns="" xmlns:a16="http://schemas.microsoft.com/office/drawing/2014/main" xmlns:p14="http://schemas.microsoft.com/office/powerpoint/2010/main" xmlns:dgm="http://schemas.openxmlformats.org/drawingml/2006/diagram" xmlns:a14="http://schemas.microsoft.com/office/drawing/2010/main" w="9525">
+                <a14:hiddenLine xmlns:a14="http://schemas.microsoft.com/office/drawing/2010/main" xmlns:dgm="http://schemas.openxmlformats.org/drawingml/2006/diagram" xmlns:p14="http://schemas.microsoft.com/office/powerpoint/2010/main" xmlns:a16="http://schemas.microsoft.com/office/drawing/2014/main" xmlns="" w="9525">
                   <a:solidFill>
                     <a:srgbClr val="000000"/>
                   </a:solidFill>
@@ -24861,7 +24771,7 @@
                   <a16:creationId xmlns:a16="http://schemas.microsoft.com/office/drawing/2014/main" id="{54226E99-C38F-4456-A1F8-8897483FD9A8}"/>
                 </a:ext>
                 <a:ext uri="{C183D7F6-B498-43B3-948B-1728B52AA6E4}">
-                  <adec:decorative xmlns:adec="http://schemas.microsoft.com/office/drawing/2017/decorative" val="1"/>
+                  <adec:decorative xmlns:adec="http://schemas.microsoft.com/office/drawing/2017/decorative" xmlns="" val="1"/>
                 </a:ext>
               </a:extLst>
             </p:cNvPr>
@@ -24946,7 +24856,7 @@
             </a:ln>
             <a:extLst>
               <a:ext uri="{91240B29-F687-4f45-9708-019B960494DF}">
-                <a14:hiddenLine xmlns="" xmlns:a16="http://schemas.microsoft.com/office/drawing/2014/main" xmlns:p14="http://schemas.microsoft.com/office/powerpoint/2010/main" xmlns:dgm="http://schemas.openxmlformats.org/drawingml/2006/diagram" xmlns:a14="http://schemas.microsoft.com/office/drawing/2010/main" w="9525">
+                <a14:hiddenLine xmlns:a14="http://schemas.microsoft.com/office/drawing/2010/main" xmlns:dgm="http://schemas.openxmlformats.org/drawingml/2006/diagram" xmlns:p14="http://schemas.microsoft.com/office/powerpoint/2010/main" xmlns:a16="http://schemas.microsoft.com/office/drawing/2014/main" xmlns="" w="9525">
                   <a:solidFill>
                     <a:srgbClr val="000000"/>
                   </a:solidFill>
@@ -24966,7 +24876,7 @@
                   <a16:creationId xmlns:a16="http://schemas.microsoft.com/office/drawing/2014/main" id="{0A4A0196-A383-4629-B9A5-9C87E846C11E}"/>
                 </a:ext>
                 <a:ext uri="{C183D7F6-B498-43B3-948B-1728B52AA6E4}">
-                  <adec:decorative xmlns:adec="http://schemas.microsoft.com/office/drawing/2017/decorative" val="1"/>
+                  <adec:decorative xmlns:adec="http://schemas.microsoft.com/office/drawing/2017/decorative" xmlns="" val="1"/>
                 </a:ext>
               </a:extLst>
             </p:cNvPr>
@@ -25023,7 +24933,7 @@
             </a:ln>
             <a:extLst>
               <a:ext uri="{91240B29-F687-4f45-9708-019B960494DF}">
-                <a14:hiddenLine xmlns="" xmlns:a16="http://schemas.microsoft.com/office/drawing/2014/main" xmlns:p14="http://schemas.microsoft.com/office/powerpoint/2010/main" xmlns:dgm="http://schemas.openxmlformats.org/drawingml/2006/diagram" xmlns:a14="http://schemas.microsoft.com/office/drawing/2010/main" w="9525">
+                <a14:hiddenLine xmlns:a14="http://schemas.microsoft.com/office/drawing/2010/main" xmlns:dgm="http://schemas.openxmlformats.org/drawingml/2006/diagram" xmlns:p14="http://schemas.microsoft.com/office/powerpoint/2010/main" xmlns:a16="http://schemas.microsoft.com/office/drawing/2014/main" xmlns="" w="9525">
                   <a:solidFill>
                     <a:srgbClr val="000000"/>
                   </a:solidFill>
@@ -25043,7 +24953,7 @@
                   <a16:creationId xmlns:a16="http://schemas.microsoft.com/office/drawing/2014/main" id="{BA5E608D-2E7B-4662-A9A0-18D4E0F0DC6E}"/>
                 </a:ext>
                 <a:ext uri="{C183D7F6-B498-43B3-948B-1728B52AA6E4}">
-                  <adec:decorative xmlns:adec="http://schemas.microsoft.com/office/drawing/2017/decorative" val="1"/>
+                  <adec:decorative xmlns:adec="http://schemas.microsoft.com/office/drawing/2017/decorative" xmlns="" val="1"/>
                 </a:ext>
               </a:extLst>
             </p:cNvPr>
@@ -25128,7 +25038,7 @@
             </a:ln>
             <a:extLst>
               <a:ext uri="{91240B29-F687-4f45-9708-019B960494DF}">
-                <a14:hiddenLine xmlns="" xmlns:a16="http://schemas.microsoft.com/office/drawing/2014/main" xmlns:p14="http://schemas.microsoft.com/office/powerpoint/2010/main" xmlns:dgm="http://schemas.openxmlformats.org/drawingml/2006/diagram" xmlns:a14="http://schemas.microsoft.com/office/drawing/2010/main" w="9525">
+                <a14:hiddenLine xmlns:a14="http://schemas.microsoft.com/office/drawing/2010/main" xmlns:dgm="http://schemas.openxmlformats.org/drawingml/2006/diagram" xmlns:p14="http://schemas.microsoft.com/office/powerpoint/2010/main" xmlns:a16="http://schemas.microsoft.com/office/drawing/2014/main" xmlns="" w="9525">
                   <a:solidFill>
                     <a:srgbClr val="000000"/>
                   </a:solidFill>
@@ -25148,7 +25058,7 @@
                   <a16:creationId xmlns:a16="http://schemas.microsoft.com/office/drawing/2014/main" id="{5E211F37-790F-4BD7-B055-022AE0C2E6D3}"/>
                 </a:ext>
                 <a:ext uri="{C183D7F6-B498-43B3-948B-1728B52AA6E4}">
-                  <adec:decorative xmlns:adec="http://schemas.microsoft.com/office/drawing/2017/decorative" val="1"/>
+                  <adec:decorative xmlns:adec="http://schemas.microsoft.com/office/drawing/2017/decorative" xmlns="" val="1"/>
                 </a:ext>
               </a:extLst>
             </p:cNvPr>
@@ -25208,7 +25118,7 @@
             </a:ln>
             <a:extLst>
               <a:ext uri="{91240B29-F687-4f45-9708-019B960494DF}">
-                <a14:hiddenLine xmlns="" xmlns:a16="http://schemas.microsoft.com/office/drawing/2014/main" xmlns:p14="http://schemas.microsoft.com/office/powerpoint/2010/main" xmlns:dgm="http://schemas.openxmlformats.org/drawingml/2006/diagram" xmlns:a14="http://schemas.microsoft.com/office/drawing/2010/main" w="9525">
+                <a14:hiddenLine xmlns:a14="http://schemas.microsoft.com/office/drawing/2010/main" xmlns:dgm="http://schemas.openxmlformats.org/drawingml/2006/diagram" xmlns:p14="http://schemas.microsoft.com/office/powerpoint/2010/main" xmlns:a16="http://schemas.microsoft.com/office/drawing/2014/main" xmlns="" w="9525">
                   <a:solidFill>
                     <a:srgbClr val="000000"/>
                   </a:solidFill>
@@ -25228,7 +25138,7 @@
                   <a16:creationId xmlns:a16="http://schemas.microsoft.com/office/drawing/2014/main" id="{96F375D0-232A-490A-9499-CB5FBA3FD9A1}"/>
                 </a:ext>
                 <a:ext uri="{C183D7F6-B498-43B3-948B-1728B52AA6E4}">
-                  <adec:decorative xmlns:adec="http://schemas.microsoft.com/office/drawing/2017/decorative" val="1"/>
+                  <adec:decorative xmlns:adec="http://schemas.microsoft.com/office/drawing/2017/decorative" xmlns="" val="1"/>
                 </a:ext>
               </a:extLst>
             </p:cNvPr>
@@ -25285,7 +25195,7 @@
             </a:ln>
             <a:extLst>
               <a:ext uri="{91240B29-F687-4f45-9708-019B960494DF}">
-                <a14:hiddenLine xmlns="" xmlns:a16="http://schemas.microsoft.com/office/drawing/2014/main" xmlns:p14="http://schemas.microsoft.com/office/powerpoint/2010/main" xmlns:dgm="http://schemas.openxmlformats.org/drawingml/2006/diagram" xmlns:a14="http://schemas.microsoft.com/office/drawing/2010/main" w="9525">
+                <a14:hiddenLine xmlns:a14="http://schemas.microsoft.com/office/drawing/2010/main" xmlns:dgm="http://schemas.openxmlformats.org/drawingml/2006/diagram" xmlns:p14="http://schemas.microsoft.com/office/powerpoint/2010/main" xmlns:a16="http://schemas.microsoft.com/office/drawing/2014/main" xmlns="" w="9525">
                   <a:solidFill>
                     <a:srgbClr val="000000"/>
                   </a:solidFill>
@@ -25305,7 +25215,7 @@
                   <a16:creationId xmlns:a16="http://schemas.microsoft.com/office/drawing/2014/main" id="{6B33B423-FD0F-4780-A0D6-32FC040B37CD}"/>
                 </a:ext>
                 <a:ext uri="{C183D7F6-B498-43B3-948B-1728B52AA6E4}">
-                  <adec:decorative xmlns:adec="http://schemas.microsoft.com/office/drawing/2017/decorative" val="1"/>
+                  <adec:decorative xmlns:adec="http://schemas.microsoft.com/office/drawing/2017/decorative" xmlns="" val="1"/>
                 </a:ext>
               </a:extLst>
             </p:cNvPr>
@@ -25390,7 +25300,7 @@
             </a:ln>
             <a:extLst>
               <a:ext uri="{91240B29-F687-4f45-9708-019B960494DF}">
-                <a14:hiddenLine xmlns="" xmlns:a16="http://schemas.microsoft.com/office/drawing/2014/main" xmlns:p14="http://schemas.microsoft.com/office/powerpoint/2010/main" xmlns:dgm="http://schemas.openxmlformats.org/drawingml/2006/diagram" xmlns:a14="http://schemas.microsoft.com/office/drawing/2010/main" w="9525">
+                <a14:hiddenLine xmlns:a14="http://schemas.microsoft.com/office/drawing/2010/main" xmlns:dgm="http://schemas.openxmlformats.org/drawingml/2006/diagram" xmlns:p14="http://schemas.microsoft.com/office/powerpoint/2010/main" xmlns:a16="http://schemas.microsoft.com/office/drawing/2014/main" xmlns="" w="9525">
                   <a:solidFill>
                     <a:srgbClr val="000000"/>
                   </a:solidFill>
@@ -25410,7 +25320,7 @@
                   <a16:creationId xmlns:a16="http://schemas.microsoft.com/office/drawing/2014/main" id="{B6BD1710-838F-4CDD-A000-C6C710A6A08E}"/>
                 </a:ext>
                 <a:ext uri="{C183D7F6-B498-43B3-948B-1728B52AA6E4}">
-                  <adec:decorative xmlns:adec="http://schemas.microsoft.com/office/drawing/2017/decorative" val="1"/>
+                  <adec:decorative xmlns:adec="http://schemas.microsoft.com/office/drawing/2017/decorative" xmlns="" val="1"/>
                 </a:ext>
               </a:extLst>
             </p:cNvPr>
@@ -25495,7 +25405,7 @@
             </a:ln>
             <a:extLst>
               <a:ext uri="{91240B29-F687-4f45-9708-019B960494DF}">
-                <a14:hiddenLine xmlns="" xmlns:a16="http://schemas.microsoft.com/office/drawing/2014/main" xmlns:p14="http://schemas.microsoft.com/office/powerpoint/2010/main" xmlns:dgm="http://schemas.openxmlformats.org/drawingml/2006/diagram" xmlns:a14="http://schemas.microsoft.com/office/drawing/2010/main" w="9525">
+                <a14:hiddenLine xmlns:a14="http://schemas.microsoft.com/office/drawing/2010/main" xmlns:dgm="http://schemas.openxmlformats.org/drawingml/2006/diagram" xmlns:p14="http://schemas.microsoft.com/office/powerpoint/2010/main" xmlns:a16="http://schemas.microsoft.com/office/drawing/2014/main" xmlns="" w="9525">
                   <a:solidFill>
                     <a:srgbClr val="000000"/>
                   </a:solidFill>
@@ -25515,7 +25425,7 @@
                   <a16:creationId xmlns:a16="http://schemas.microsoft.com/office/drawing/2014/main" id="{0BB93533-1C95-4B0A-B0E2-168602B085DF}"/>
                 </a:ext>
                 <a:ext uri="{C183D7F6-B498-43B3-948B-1728B52AA6E4}">
-                  <adec:decorative xmlns:adec="http://schemas.microsoft.com/office/drawing/2017/decorative" val="1"/>
+                  <adec:decorative xmlns:adec="http://schemas.microsoft.com/office/drawing/2017/decorative" xmlns="" val="1"/>
                 </a:ext>
               </a:extLst>
             </p:cNvPr>
@@ -25575,7 +25485,7 @@
             </a:ln>
             <a:extLst>
               <a:ext uri="{91240B29-F687-4f45-9708-019B960494DF}">
-                <a14:hiddenLine xmlns="" xmlns:a16="http://schemas.microsoft.com/office/drawing/2014/main" xmlns:p14="http://schemas.microsoft.com/office/powerpoint/2010/main" xmlns:dgm="http://schemas.openxmlformats.org/drawingml/2006/diagram" xmlns:a14="http://schemas.microsoft.com/office/drawing/2010/main" w="9525">
+                <a14:hiddenLine xmlns:a14="http://schemas.microsoft.com/office/drawing/2010/main" xmlns:dgm="http://schemas.openxmlformats.org/drawingml/2006/diagram" xmlns:p14="http://schemas.microsoft.com/office/powerpoint/2010/main" xmlns:a16="http://schemas.microsoft.com/office/drawing/2014/main" xmlns="" w="9525">
                   <a:solidFill>
                     <a:srgbClr val="000000"/>
                   </a:solidFill>
@@ -25595,7 +25505,7 @@
                   <a16:creationId xmlns:a16="http://schemas.microsoft.com/office/drawing/2014/main" id="{CB0B113D-1987-4D89-A475-511E092FE1F2}"/>
                 </a:ext>
                 <a:ext uri="{C183D7F6-B498-43B3-948B-1728B52AA6E4}">
-                  <adec:decorative xmlns:adec="http://schemas.microsoft.com/office/drawing/2017/decorative" val="1"/>
+                  <adec:decorative xmlns:adec="http://schemas.microsoft.com/office/drawing/2017/decorative" xmlns="" val="1"/>
                 </a:ext>
               </a:extLst>
             </p:cNvPr>
@@ -25710,7 +25620,7 @@
             </a:ln>
             <a:extLst>
               <a:ext uri="{91240B29-F687-4f45-9708-019B960494DF}">
-                <a14:hiddenLine xmlns="" xmlns:a16="http://schemas.microsoft.com/office/drawing/2014/main" xmlns:p14="http://schemas.microsoft.com/office/powerpoint/2010/main" xmlns:dgm="http://schemas.openxmlformats.org/drawingml/2006/diagram" xmlns:a14="http://schemas.microsoft.com/office/drawing/2010/main" w="9525">
+                <a14:hiddenLine xmlns:a14="http://schemas.microsoft.com/office/drawing/2010/main" xmlns:dgm="http://schemas.openxmlformats.org/drawingml/2006/diagram" xmlns:p14="http://schemas.microsoft.com/office/powerpoint/2010/main" xmlns:a16="http://schemas.microsoft.com/office/drawing/2014/main" xmlns="" w="9525">
                   <a:solidFill>
                     <a:srgbClr val="000000"/>
                   </a:solidFill>
@@ -25731,7 +25641,7 @@
                 <a16:creationId xmlns:a16="http://schemas.microsoft.com/office/drawing/2014/main" id="{9BE36DBF-0333-4D36-A5BF-81FDA2406FE9}"/>
               </a:ext>
               <a:ext uri="{C183D7F6-B498-43B3-948B-1728B52AA6E4}">
-                <adec:decorative xmlns:adec="http://schemas.microsoft.com/office/drawing/2017/decorative" val="1"/>
+                <adec:decorative xmlns:adec="http://schemas.microsoft.com/office/drawing/2017/decorative" xmlns="" val="1"/>
               </a:ext>
             </a:extLst>
           </p:cNvPr>
@@ -25771,7 +25681,7 @@
           <a:noFill/>
           <a:extLst>
             <a:ext uri="{909E8E84-426E-40dd-AFC4-6F175D3DCCD1}">
-              <a14:hiddenFill xmlns="" xmlns:a16="http://schemas.microsoft.com/office/drawing/2014/main" xmlns:p14="http://schemas.microsoft.com/office/powerpoint/2010/main" xmlns:dgm="http://schemas.openxmlformats.org/drawingml/2006/diagram" xmlns:a14="http://schemas.microsoft.com/office/drawing/2010/main">
+              <a14:hiddenFill xmlns:a14="http://schemas.microsoft.com/office/drawing/2010/main" xmlns:dgm="http://schemas.openxmlformats.org/drawingml/2006/diagram" xmlns:p14="http://schemas.microsoft.com/office/powerpoint/2010/main" xmlns:a16="http://schemas.microsoft.com/office/drawing/2014/main" xmlns="">
                 <a:solidFill>
                   <a:srgbClr val="FFFFFF"/>
                 </a:solidFill>
@@ -25890,7 +25800,7 @@
                 <a16:creationId xmlns:a16="http://schemas.microsoft.com/office/drawing/2014/main" id="{5FF7B57D-FF7B-48B3-9F60-9BCEEECF9E76}"/>
               </a:ext>
               <a:ext uri="{C183D7F6-B498-43B3-948B-1728B52AA6E4}">
-                <adec:decorative xmlns:adec="http://schemas.microsoft.com/office/drawing/2017/decorative" val="1"/>
+                <adec:decorative xmlns:adec="http://schemas.microsoft.com/office/drawing/2017/decorative" xmlns="" val="1"/>
               </a:ext>
             </a:extLst>
           </p:cNvPr>
@@ -25930,7 +25840,7 @@
           <a:noFill/>
           <a:extLst>
             <a:ext uri="{909E8E84-426E-40dd-AFC4-6F175D3DCCD1}">
-              <a14:hiddenFill xmlns="" xmlns:a16="http://schemas.microsoft.com/office/drawing/2014/main" xmlns:p14="http://schemas.microsoft.com/office/powerpoint/2010/main" xmlns:a14="http://schemas.microsoft.com/office/drawing/2010/main">
+              <a14:hiddenFill xmlns:a14="http://schemas.microsoft.com/office/drawing/2010/main" xmlns:p14="http://schemas.microsoft.com/office/powerpoint/2010/main" xmlns:a16="http://schemas.microsoft.com/office/drawing/2014/main" xmlns="">
                 <a:solidFill>
                   <a:srgbClr val="FFFFFF"/>
                 </a:solidFill>
@@ -25947,7 +25857,7 @@
                 <a16:creationId xmlns:a16="http://schemas.microsoft.com/office/drawing/2014/main" id="{EB95AFDF-FA7D-4311-9C65-6D507D92F474}"/>
               </a:ext>
               <a:ext uri="{C183D7F6-B498-43B3-948B-1728B52AA6E4}">
-                <adec:decorative xmlns:adec="http://schemas.microsoft.com/office/drawing/2017/decorative" val="1"/>
+                <adec:decorative xmlns:adec="http://schemas.microsoft.com/office/drawing/2017/decorative" xmlns="" val="1"/>
               </a:ext>
             </a:extLst>
           </p:cNvPr>
@@ -25978,7 +25888,7 @@
                   <a16:creationId xmlns:a16="http://schemas.microsoft.com/office/drawing/2014/main" id="{9A5CCD98-20C1-4404-B788-FDA92F8A4403}"/>
                 </a:ext>
                 <a:ext uri="{C183D7F6-B498-43B3-948B-1728B52AA6E4}">
-                  <adec:decorative xmlns:adec="http://schemas.microsoft.com/office/drawing/2017/decorative" val="1"/>
+                  <adec:decorative xmlns:adec="http://schemas.microsoft.com/office/drawing/2017/decorative" xmlns="" val="1"/>
                 </a:ext>
               </a:extLst>
             </p:cNvPr>
@@ -26022,7 +25932,7 @@
                     <a16:creationId xmlns:a16="http://schemas.microsoft.com/office/drawing/2014/main" id="{C1424C76-B5C3-468E-86FA-8D9B269053DE}"/>
                   </a:ext>
                   <a:ext uri="{C183D7F6-B498-43B3-948B-1728B52AA6E4}">
-                    <adec:decorative xmlns:adec="http://schemas.microsoft.com/office/drawing/2017/decorative" val="1"/>
+                    <adec:decorative xmlns:adec="http://schemas.microsoft.com/office/drawing/2017/decorative" xmlns="" val="1"/>
                   </a:ext>
                 </a:extLst>
               </p:cNvPr>
@@ -26051,7 +25961,7 @@
               </a:ln>
               <a:extLst>
                 <a:ext uri="{91240B29-F687-4f45-9708-019B960494DF}">
-                  <a14:hiddenLine xmlns="" xmlns:a16="http://schemas.microsoft.com/office/drawing/2014/main" xmlns:p14="http://schemas.microsoft.com/office/powerpoint/2010/main" xmlns:a14="http://schemas.microsoft.com/office/drawing/2010/main" w="9525">
+                  <a14:hiddenLine xmlns:a14="http://schemas.microsoft.com/office/drawing/2010/main" xmlns:p14="http://schemas.microsoft.com/office/powerpoint/2010/main" xmlns:a16="http://schemas.microsoft.com/office/drawing/2014/main" xmlns="" w="9525">
                     <a:solidFill>
                       <a:srgbClr val="000000"/>
                     </a:solidFill>
@@ -26071,7 +25981,7 @@
                     <a16:creationId xmlns:a16="http://schemas.microsoft.com/office/drawing/2014/main" id="{B3922267-72C9-403B-A6DE-7D0A43D5541F}"/>
                   </a:ext>
                   <a:ext uri="{C183D7F6-B498-43B3-948B-1728B52AA6E4}">
-                    <adec:decorative xmlns:adec="http://schemas.microsoft.com/office/drawing/2017/decorative" val="1"/>
+                    <adec:decorative xmlns:adec="http://schemas.microsoft.com/office/drawing/2017/decorative" xmlns="" val="1"/>
                   </a:ext>
                 </a:extLst>
               </p:cNvPr>
@@ -26156,7 +26066,7 @@
               </a:ln>
               <a:extLst>
                 <a:ext uri="{91240B29-F687-4f45-9708-019B960494DF}">
-                  <a14:hiddenLine xmlns="" xmlns:a16="http://schemas.microsoft.com/office/drawing/2014/main" xmlns:p14="http://schemas.microsoft.com/office/powerpoint/2010/main" xmlns:a14="http://schemas.microsoft.com/office/drawing/2010/main" w="9525">
+                  <a14:hiddenLine xmlns:a14="http://schemas.microsoft.com/office/drawing/2010/main" xmlns:p14="http://schemas.microsoft.com/office/powerpoint/2010/main" xmlns:a16="http://schemas.microsoft.com/office/drawing/2014/main" xmlns="" w="9525">
                     <a:solidFill>
                       <a:srgbClr val="000000"/>
                     </a:solidFill>
@@ -26176,7 +26086,7 @@
                     <a16:creationId xmlns:a16="http://schemas.microsoft.com/office/drawing/2014/main" id="{7276DB68-2E8D-4723-852B-7476DD38FED0}"/>
                   </a:ext>
                   <a:ext uri="{C183D7F6-B498-43B3-948B-1728B52AA6E4}">
-                    <adec:decorative xmlns:adec="http://schemas.microsoft.com/office/drawing/2017/decorative" val="1"/>
+                    <adec:decorative xmlns:adec="http://schemas.microsoft.com/office/drawing/2017/decorative" xmlns="" val="1"/>
                   </a:ext>
                 </a:extLst>
               </p:cNvPr>
@@ -26261,7 +26171,7 @@
               </a:ln>
               <a:extLst>
                 <a:ext uri="{91240B29-F687-4f45-9708-019B960494DF}">
-                  <a14:hiddenLine xmlns="" xmlns:a16="http://schemas.microsoft.com/office/drawing/2014/main" xmlns:p14="http://schemas.microsoft.com/office/powerpoint/2010/main" xmlns:a14="http://schemas.microsoft.com/office/drawing/2010/main" w="9525">
+                  <a14:hiddenLine xmlns:a14="http://schemas.microsoft.com/office/drawing/2010/main" xmlns:p14="http://schemas.microsoft.com/office/powerpoint/2010/main" xmlns:a16="http://schemas.microsoft.com/office/drawing/2014/main" xmlns="" w="9525">
                     <a:solidFill>
                       <a:srgbClr val="000000"/>
                     </a:solidFill>
@@ -26281,7 +26191,7 @@
                     <a16:creationId xmlns:a16="http://schemas.microsoft.com/office/drawing/2014/main" id="{0A155711-4993-4D1E-89EA-A397C164F0FB}"/>
                   </a:ext>
                   <a:ext uri="{C183D7F6-B498-43B3-948B-1728B52AA6E4}">
-                    <adec:decorative xmlns:adec="http://schemas.microsoft.com/office/drawing/2017/decorative" val="1"/>
+                    <adec:decorative xmlns:adec="http://schemas.microsoft.com/office/drawing/2017/decorative" xmlns="" val="1"/>
                   </a:ext>
                 </a:extLst>
               </p:cNvPr>
@@ -26338,7 +26248,7 @@
               </a:ln>
               <a:extLst>
                 <a:ext uri="{91240B29-F687-4f45-9708-019B960494DF}">
-                  <a14:hiddenLine xmlns="" xmlns:a16="http://schemas.microsoft.com/office/drawing/2014/main" xmlns:p14="http://schemas.microsoft.com/office/powerpoint/2010/main" xmlns:a14="http://schemas.microsoft.com/office/drawing/2010/main" w="9525">
+                  <a14:hiddenLine xmlns:a14="http://schemas.microsoft.com/office/drawing/2010/main" xmlns:p14="http://schemas.microsoft.com/office/powerpoint/2010/main" xmlns:a16="http://schemas.microsoft.com/office/drawing/2014/main" xmlns="" w="9525">
                     <a:solidFill>
                       <a:srgbClr val="000000"/>
                     </a:solidFill>
@@ -26358,7 +26268,7 @@
                     <a16:creationId xmlns:a16="http://schemas.microsoft.com/office/drawing/2014/main" id="{2AB42136-2551-4CAA-857F-65FA3247B49D}"/>
                   </a:ext>
                   <a:ext uri="{C183D7F6-B498-43B3-948B-1728B52AA6E4}">
-                    <adec:decorative xmlns:adec="http://schemas.microsoft.com/office/drawing/2017/decorative" val="1"/>
+                    <adec:decorative xmlns:adec="http://schemas.microsoft.com/office/drawing/2017/decorative" xmlns="" val="1"/>
                   </a:ext>
                 </a:extLst>
               </p:cNvPr>
@@ -26443,7 +26353,7 @@
               </a:ln>
               <a:extLst>
                 <a:ext uri="{91240B29-F687-4f45-9708-019B960494DF}">
-                  <a14:hiddenLine xmlns="" xmlns:a16="http://schemas.microsoft.com/office/drawing/2014/main" xmlns:p14="http://schemas.microsoft.com/office/powerpoint/2010/main" xmlns:a14="http://schemas.microsoft.com/office/drawing/2010/main" w="9525">
+                  <a14:hiddenLine xmlns:a14="http://schemas.microsoft.com/office/drawing/2010/main" xmlns:p14="http://schemas.microsoft.com/office/powerpoint/2010/main" xmlns:a16="http://schemas.microsoft.com/office/drawing/2014/main" xmlns="" w="9525">
                     <a:solidFill>
                       <a:srgbClr val="000000"/>
                     </a:solidFill>
@@ -26463,7 +26373,7 @@
                     <a16:creationId xmlns:a16="http://schemas.microsoft.com/office/drawing/2014/main" id="{7C2ADEA1-EA3E-4C0E-A28E-460092F7FFD7}"/>
                   </a:ext>
                   <a:ext uri="{C183D7F6-B498-43B3-948B-1728B52AA6E4}">
-                    <adec:decorative xmlns:adec="http://schemas.microsoft.com/office/drawing/2017/decorative" val="1"/>
+                    <adec:decorative xmlns:adec="http://schemas.microsoft.com/office/drawing/2017/decorative" xmlns="" val="1"/>
                   </a:ext>
                 </a:extLst>
               </p:cNvPr>
@@ -26520,7 +26430,7 @@
               </a:ln>
               <a:extLst>
                 <a:ext uri="{91240B29-F687-4f45-9708-019B960494DF}">
-                  <a14:hiddenLine xmlns="" xmlns:a16="http://schemas.microsoft.com/office/drawing/2014/main" xmlns:p14="http://schemas.microsoft.com/office/powerpoint/2010/main" xmlns:a14="http://schemas.microsoft.com/office/drawing/2010/main" w="9525">
+                  <a14:hiddenLine xmlns:a14="http://schemas.microsoft.com/office/drawing/2010/main" xmlns:p14="http://schemas.microsoft.com/office/powerpoint/2010/main" xmlns:a16="http://schemas.microsoft.com/office/drawing/2014/main" xmlns="" w="9525">
                     <a:solidFill>
                       <a:srgbClr val="000000"/>
                     </a:solidFill>
@@ -26540,7 +26450,7 @@
                     <a16:creationId xmlns:a16="http://schemas.microsoft.com/office/drawing/2014/main" id="{B04584B3-081C-4286-A840-AB5B16B10AA3}"/>
                   </a:ext>
                   <a:ext uri="{C183D7F6-B498-43B3-948B-1728B52AA6E4}">
-                    <adec:decorative xmlns:adec="http://schemas.microsoft.com/office/drawing/2017/decorative" val="1"/>
+                    <adec:decorative xmlns:adec="http://schemas.microsoft.com/office/drawing/2017/decorative" xmlns="" val="1"/>
                   </a:ext>
                 </a:extLst>
               </p:cNvPr>
@@ -26597,7 +26507,7 @@
               </a:ln>
               <a:extLst>
                 <a:ext uri="{91240B29-F687-4f45-9708-019B960494DF}">
-                  <a14:hiddenLine xmlns="" xmlns:a16="http://schemas.microsoft.com/office/drawing/2014/main" xmlns:p14="http://schemas.microsoft.com/office/powerpoint/2010/main" xmlns:a14="http://schemas.microsoft.com/office/drawing/2010/main" w="9525">
+                  <a14:hiddenLine xmlns:a14="http://schemas.microsoft.com/office/drawing/2010/main" xmlns:p14="http://schemas.microsoft.com/office/powerpoint/2010/main" xmlns:a16="http://schemas.microsoft.com/office/drawing/2014/main" xmlns="" w="9525">
                     <a:solidFill>
                       <a:srgbClr val="000000"/>
                     </a:solidFill>
@@ -26617,7 +26527,7 @@
                     <a16:creationId xmlns:a16="http://schemas.microsoft.com/office/drawing/2014/main" id="{3AB388FD-C246-4936-A041-E0413A132986}"/>
                   </a:ext>
                   <a:ext uri="{C183D7F6-B498-43B3-948B-1728B52AA6E4}">
-                    <adec:decorative xmlns:adec="http://schemas.microsoft.com/office/drawing/2017/decorative" val="1"/>
+                    <adec:decorative xmlns:adec="http://schemas.microsoft.com/office/drawing/2017/decorative" xmlns="" val="1"/>
                   </a:ext>
                 </a:extLst>
               </p:cNvPr>
@@ -26702,7 +26612,7 @@
               </a:ln>
               <a:extLst>
                 <a:ext uri="{91240B29-F687-4f45-9708-019B960494DF}">
-                  <a14:hiddenLine xmlns="" xmlns:a16="http://schemas.microsoft.com/office/drawing/2014/main" xmlns:p14="http://schemas.microsoft.com/office/powerpoint/2010/main" xmlns:a14="http://schemas.microsoft.com/office/drawing/2010/main" w="9525">
+                  <a14:hiddenLine xmlns:a14="http://schemas.microsoft.com/office/drawing/2010/main" xmlns:p14="http://schemas.microsoft.com/office/powerpoint/2010/main" xmlns:a16="http://schemas.microsoft.com/office/drawing/2014/main" xmlns="" w="9525">
                     <a:solidFill>
                       <a:srgbClr val="000000"/>
                     </a:solidFill>
@@ -26722,7 +26632,7 @@
                     <a16:creationId xmlns:a16="http://schemas.microsoft.com/office/drawing/2014/main" id="{57692343-2D12-4F57-836C-945D407B68B7}"/>
                   </a:ext>
                   <a:ext uri="{C183D7F6-B498-43B3-948B-1728B52AA6E4}">
-                    <adec:decorative xmlns:adec="http://schemas.microsoft.com/office/drawing/2017/decorative" val="1"/>
+                    <adec:decorative xmlns:adec="http://schemas.microsoft.com/office/drawing/2017/decorative" xmlns="" val="1"/>
                   </a:ext>
                 </a:extLst>
               </p:cNvPr>
@@ -26807,7 +26717,7 @@
               </a:ln>
               <a:extLst>
                 <a:ext uri="{91240B29-F687-4f45-9708-019B960494DF}">
-                  <a14:hiddenLine xmlns="" xmlns:a16="http://schemas.microsoft.com/office/drawing/2014/main" xmlns:p14="http://schemas.microsoft.com/office/powerpoint/2010/main" xmlns:a14="http://schemas.microsoft.com/office/drawing/2010/main" w="9525">
+                  <a14:hiddenLine xmlns:a14="http://schemas.microsoft.com/office/drawing/2010/main" xmlns:p14="http://schemas.microsoft.com/office/powerpoint/2010/main" xmlns:a16="http://schemas.microsoft.com/office/drawing/2014/main" xmlns="" w="9525">
                     <a:solidFill>
                       <a:srgbClr val="000000"/>
                     </a:solidFill>
@@ -26827,7 +26737,7 @@
                     <a16:creationId xmlns:a16="http://schemas.microsoft.com/office/drawing/2014/main" id="{062EE710-0210-4840-8698-E0DF1C617007}"/>
                   </a:ext>
                   <a:ext uri="{C183D7F6-B498-43B3-948B-1728B52AA6E4}">
-                    <adec:decorative xmlns:adec="http://schemas.microsoft.com/office/drawing/2017/decorative" val="1"/>
+                    <adec:decorative xmlns:adec="http://schemas.microsoft.com/office/drawing/2017/decorative" xmlns="" val="1"/>
                   </a:ext>
                 </a:extLst>
               </p:cNvPr>
@@ -26884,7 +26794,7 @@
               </a:ln>
               <a:extLst>
                 <a:ext uri="{91240B29-F687-4f45-9708-019B960494DF}">
-                  <a14:hiddenLine xmlns="" xmlns:a16="http://schemas.microsoft.com/office/drawing/2014/main" xmlns:p14="http://schemas.microsoft.com/office/powerpoint/2010/main" xmlns:a14="http://schemas.microsoft.com/office/drawing/2010/main" w="9525">
+                  <a14:hiddenLine xmlns:a14="http://schemas.microsoft.com/office/drawing/2010/main" xmlns:p14="http://schemas.microsoft.com/office/powerpoint/2010/main" xmlns:a16="http://schemas.microsoft.com/office/drawing/2014/main" xmlns="" w="9525">
                     <a:solidFill>
                       <a:srgbClr val="000000"/>
                     </a:solidFill>
@@ -26904,7 +26814,7 @@
                     <a16:creationId xmlns:a16="http://schemas.microsoft.com/office/drawing/2014/main" id="{161892F4-6071-40CD-8E18-CDEE0C91B586}"/>
                   </a:ext>
                   <a:ext uri="{C183D7F6-B498-43B3-948B-1728B52AA6E4}">
-                    <adec:decorative xmlns:adec="http://schemas.microsoft.com/office/drawing/2017/decorative" val="1"/>
+                    <adec:decorative xmlns:adec="http://schemas.microsoft.com/office/drawing/2017/decorative" xmlns="" val="1"/>
                   </a:ext>
                 </a:extLst>
               </p:cNvPr>
@@ -27009,7 +26919,7 @@
               </a:ln>
               <a:extLst>
                 <a:ext uri="{91240B29-F687-4f45-9708-019B960494DF}">
-                  <a14:hiddenLine xmlns="" xmlns:a16="http://schemas.microsoft.com/office/drawing/2014/main" xmlns:p14="http://schemas.microsoft.com/office/powerpoint/2010/main" xmlns:a14="http://schemas.microsoft.com/office/drawing/2010/main" w="9525">
+                  <a14:hiddenLine xmlns:a14="http://schemas.microsoft.com/office/drawing/2010/main" xmlns:p14="http://schemas.microsoft.com/office/powerpoint/2010/main" xmlns:a16="http://schemas.microsoft.com/office/drawing/2014/main" xmlns="" w="9525">
                     <a:solidFill>
                       <a:srgbClr val="000000"/>
                     </a:solidFill>
@@ -27029,7 +26939,7 @@
                     <a16:creationId xmlns:a16="http://schemas.microsoft.com/office/drawing/2014/main" id="{3E6BBE44-8D88-407D-B1C6-10C89DD6173B}"/>
                   </a:ext>
                   <a:ext uri="{C183D7F6-B498-43B3-948B-1728B52AA6E4}">
-                    <adec:decorative xmlns:adec="http://schemas.microsoft.com/office/drawing/2017/decorative" val="1"/>
+                    <adec:decorative xmlns:adec="http://schemas.microsoft.com/office/drawing/2017/decorative" xmlns="" val="1"/>
                   </a:ext>
                 </a:extLst>
               </p:cNvPr>
@@ -27072,7 +26982,7 @@
                     <a16:creationId xmlns:a16="http://schemas.microsoft.com/office/drawing/2014/main" id="{1E90AE6E-328E-4730-825C-B5130F5CFCA4}"/>
                   </a:ext>
                   <a:ext uri="{C183D7F6-B498-43B3-948B-1728B52AA6E4}">
-                    <adec:decorative xmlns:adec="http://schemas.microsoft.com/office/drawing/2017/decorative" val="1"/>
+                    <adec:decorative xmlns:adec="http://schemas.microsoft.com/office/drawing/2017/decorative" xmlns="" val="1"/>
                   </a:ext>
                 </a:extLst>
               </p:cNvPr>
@@ -27123,7 +27033,7 @@
               </a:ln>
               <a:extLst>
                 <a:ext uri="{91240B29-F687-4f45-9708-019B960494DF}">
-                  <a14:hiddenLine xmlns="" xmlns:a16="http://schemas.microsoft.com/office/drawing/2014/main" xmlns:p14="http://schemas.microsoft.com/office/powerpoint/2010/main" xmlns:a14="http://schemas.microsoft.com/office/drawing/2010/main" w="9525">
+                  <a14:hiddenLine xmlns:a14="http://schemas.microsoft.com/office/drawing/2010/main" xmlns:p14="http://schemas.microsoft.com/office/powerpoint/2010/main" xmlns:a16="http://schemas.microsoft.com/office/drawing/2014/main" xmlns="" w="9525">
                     <a:solidFill>
                       <a:srgbClr val="000000"/>
                     </a:solidFill>
@@ -27143,7 +27053,7 @@
                     <a16:creationId xmlns:a16="http://schemas.microsoft.com/office/drawing/2014/main" id="{24EC969F-6E4A-4163-ABDA-4674429A3DC2}"/>
                   </a:ext>
                   <a:ext uri="{C183D7F6-B498-43B3-948B-1728B52AA6E4}">
-                    <adec:decorative xmlns:adec="http://schemas.microsoft.com/office/drawing/2017/decorative" val="1"/>
+                    <adec:decorative xmlns:adec="http://schemas.microsoft.com/office/drawing/2017/decorative" xmlns="" val="1"/>
                   </a:ext>
                 </a:extLst>
               </p:cNvPr>
@@ -27200,7 +27110,7 @@
               </a:ln>
               <a:extLst>
                 <a:ext uri="{91240B29-F687-4f45-9708-019B960494DF}">
-                  <a14:hiddenLine xmlns="" xmlns:a16="http://schemas.microsoft.com/office/drawing/2014/main" xmlns:p14="http://schemas.microsoft.com/office/powerpoint/2010/main" xmlns:a14="http://schemas.microsoft.com/office/drawing/2010/main" w="9525">
+                  <a14:hiddenLine xmlns:a14="http://schemas.microsoft.com/office/drawing/2010/main" xmlns:p14="http://schemas.microsoft.com/office/powerpoint/2010/main" xmlns:a16="http://schemas.microsoft.com/office/drawing/2014/main" xmlns="" w="9525">
                     <a:solidFill>
                       <a:srgbClr val="000000"/>
                     </a:solidFill>
@@ -27220,7 +27130,7 @@
                     <a16:creationId xmlns:a16="http://schemas.microsoft.com/office/drawing/2014/main" id="{1B735C94-B049-42C6-9DEF-5DB70D58CE4B}"/>
                   </a:ext>
                   <a:ext uri="{C183D7F6-B498-43B3-948B-1728B52AA6E4}">
-                    <adec:decorative xmlns:adec="http://schemas.microsoft.com/office/drawing/2017/decorative" val="1"/>
+                    <adec:decorative xmlns:adec="http://schemas.microsoft.com/office/drawing/2017/decorative" xmlns="" val="1"/>
                   </a:ext>
                 </a:extLst>
               </p:cNvPr>
@@ -27277,7 +27187,7 @@
               </a:ln>
               <a:extLst>
                 <a:ext uri="{91240B29-F687-4f45-9708-019B960494DF}">
-                  <a14:hiddenLine xmlns="" xmlns:a16="http://schemas.microsoft.com/office/drawing/2014/main" xmlns:p14="http://schemas.microsoft.com/office/powerpoint/2010/main" xmlns:a14="http://schemas.microsoft.com/office/drawing/2010/main" w="9525">
+                  <a14:hiddenLine xmlns:a14="http://schemas.microsoft.com/office/drawing/2010/main" xmlns:p14="http://schemas.microsoft.com/office/powerpoint/2010/main" xmlns:a16="http://schemas.microsoft.com/office/drawing/2014/main" xmlns="" w="9525">
                     <a:solidFill>
                       <a:srgbClr val="000000"/>
                     </a:solidFill>
@@ -27297,7 +27207,7 @@
                     <a16:creationId xmlns:a16="http://schemas.microsoft.com/office/drawing/2014/main" id="{051C02E6-1954-478B-AEAE-BF8F36BE9417}"/>
                   </a:ext>
                   <a:ext uri="{C183D7F6-B498-43B3-948B-1728B52AA6E4}">
-                    <adec:decorative xmlns:adec="http://schemas.microsoft.com/office/drawing/2017/decorative" val="1"/>
+                    <adec:decorative xmlns:adec="http://schemas.microsoft.com/office/drawing/2017/decorative" xmlns="" val="1"/>
                   </a:ext>
                 </a:extLst>
               </p:cNvPr>
@@ -27382,7 +27292,7 @@
               </a:ln>
               <a:extLst>
                 <a:ext uri="{91240B29-F687-4f45-9708-019B960494DF}">
-                  <a14:hiddenLine xmlns="" xmlns:a16="http://schemas.microsoft.com/office/drawing/2014/main" xmlns:p14="http://schemas.microsoft.com/office/powerpoint/2010/main" xmlns:a14="http://schemas.microsoft.com/office/drawing/2010/main" w="9525">
+                  <a14:hiddenLine xmlns:a14="http://schemas.microsoft.com/office/drawing/2010/main" xmlns:p14="http://schemas.microsoft.com/office/powerpoint/2010/main" xmlns:a16="http://schemas.microsoft.com/office/drawing/2014/main" xmlns="" w="9525">
                     <a:solidFill>
                       <a:srgbClr val="000000"/>
                     </a:solidFill>
@@ -27402,7 +27312,7 @@
                     <a16:creationId xmlns:a16="http://schemas.microsoft.com/office/drawing/2014/main" id="{6710B1C0-310A-48D0-B824-459D9AFC2FBC}"/>
                   </a:ext>
                   <a:ext uri="{C183D7F6-B498-43B3-948B-1728B52AA6E4}">
-                    <adec:decorative xmlns:adec="http://schemas.microsoft.com/office/drawing/2017/decorative" val="1"/>
+                    <adec:decorative xmlns:adec="http://schemas.microsoft.com/office/drawing/2017/decorative" xmlns="" val="1"/>
                   </a:ext>
                 </a:extLst>
               </p:cNvPr>
@@ -27431,7 +27341,7 @@
               </a:ln>
               <a:extLst>
                 <a:ext uri="{91240B29-F687-4f45-9708-019B960494DF}">
-                  <a14:hiddenLine xmlns="" xmlns:a16="http://schemas.microsoft.com/office/drawing/2014/main" xmlns:p14="http://schemas.microsoft.com/office/powerpoint/2010/main" xmlns:a14="http://schemas.microsoft.com/office/drawing/2010/main" w="9525">
+                  <a14:hiddenLine xmlns:a14="http://schemas.microsoft.com/office/drawing/2010/main" xmlns:p14="http://schemas.microsoft.com/office/powerpoint/2010/main" xmlns:a16="http://schemas.microsoft.com/office/drawing/2014/main" xmlns="" w="9525">
                     <a:solidFill>
                       <a:srgbClr val="000000"/>
                     </a:solidFill>
@@ -27451,7 +27361,7 @@
                     <a16:creationId xmlns:a16="http://schemas.microsoft.com/office/drawing/2014/main" id="{1204A606-D9A6-4DC6-9F0E-D516EA1EB957}"/>
                   </a:ext>
                   <a:ext uri="{C183D7F6-B498-43B3-948B-1728B52AA6E4}">
-                    <adec:decorative xmlns:adec="http://schemas.microsoft.com/office/drawing/2017/decorative" val="1"/>
+                    <adec:decorative xmlns:adec="http://schemas.microsoft.com/office/drawing/2017/decorative" xmlns="" val="1"/>
                   </a:ext>
                 </a:extLst>
               </p:cNvPr>
@@ -27511,7 +27421,7 @@
               </a:ln>
               <a:extLst>
                 <a:ext uri="{91240B29-F687-4f45-9708-019B960494DF}">
-                  <a14:hiddenLine xmlns="" xmlns:a16="http://schemas.microsoft.com/office/drawing/2014/main" xmlns:p14="http://schemas.microsoft.com/office/powerpoint/2010/main" xmlns:a14="http://schemas.microsoft.com/office/drawing/2010/main" w="9525">
+                  <a14:hiddenLine xmlns:a14="http://schemas.microsoft.com/office/drawing/2010/main" xmlns:p14="http://schemas.microsoft.com/office/powerpoint/2010/main" xmlns:a16="http://schemas.microsoft.com/office/drawing/2014/main" xmlns="" w="9525">
                     <a:solidFill>
                       <a:srgbClr val="000000"/>
                     </a:solidFill>
@@ -27531,7 +27441,7 @@
                     <a16:creationId xmlns:a16="http://schemas.microsoft.com/office/drawing/2014/main" id="{EE569555-0243-4979-A537-C9B4AFD5F258}"/>
                   </a:ext>
                   <a:ext uri="{C183D7F6-B498-43B3-948B-1728B52AA6E4}">
-                    <adec:decorative xmlns:adec="http://schemas.microsoft.com/office/drawing/2017/decorative" val="1"/>
+                    <adec:decorative xmlns:adec="http://schemas.microsoft.com/office/drawing/2017/decorative" xmlns="" val="1"/>
                   </a:ext>
                 </a:extLst>
               </p:cNvPr>
@@ -27616,7 +27526,7 @@
               </a:ln>
               <a:extLst>
                 <a:ext uri="{91240B29-F687-4f45-9708-019B960494DF}">
-                  <a14:hiddenLine xmlns="" xmlns:a16="http://schemas.microsoft.com/office/drawing/2014/main" xmlns:p14="http://schemas.microsoft.com/office/powerpoint/2010/main" xmlns:a14="http://schemas.microsoft.com/office/drawing/2010/main" w="9525">
+                  <a14:hiddenLine xmlns:a14="http://schemas.microsoft.com/office/drawing/2010/main" xmlns:p14="http://schemas.microsoft.com/office/powerpoint/2010/main" xmlns:a16="http://schemas.microsoft.com/office/drawing/2014/main" xmlns="" w="9525">
                     <a:solidFill>
                       <a:srgbClr val="000000"/>
                     </a:solidFill>
@@ -27636,7 +27546,7 @@
                     <a16:creationId xmlns:a16="http://schemas.microsoft.com/office/drawing/2014/main" id="{D52A977D-4993-48AF-A792-F2DE09639149}"/>
                   </a:ext>
                   <a:ext uri="{C183D7F6-B498-43B3-948B-1728B52AA6E4}">
-                    <adec:decorative xmlns:adec="http://schemas.microsoft.com/office/drawing/2017/decorative" val="1"/>
+                    <adec:decorative xmlns:adec="http://schemas.microsoft.com/office/drawing/2017/decorative" xmlns="" val="1"/>
                   </a:ext>
                 </a:extLst>
               </p:cNvPr>
@@ -27693,7 +27603,7 @@
               </a:ln>
               <a:extLst>
                 <a:ext uri="{91240B29-F687-4f45-9708-019B960494DF}">
-                  <a14:hiddenLine xmlns="" xmlns:a16="http://schemas.microsoft.com/office/drawing/2014/main" xmlns:p14="http://schemas.microsoft.com/office/powerpoint/2010/main" xmlns:a14="http://schemas.microsoft.com/office/drawing/2010/main" w="9525">
+                  <a14:hiddenLine xmlns:a14="http://schemas.microsoft.com/office/drawing/2010/main" xmlns:p14="http://schemas.microsoft.com/office/powerpoint/2010/main" xmlns:a16="http://schemas.microsoft.com/office/drawing/2014/main" xmlns="" w="9525">
                     <a:solidFill>
                       <a:srgbClr val="000000"/>
                     </a:solidFill>
@@ -27713,7 +27623,7 @@
                     <a16:creationId xmlns:a16="http://schemas.microsoft.com/office/drawing/2014/main" id="{93CFF2DC-E52E-4D99-97D5-B0D7B792E50A}"/>
                   </a:ext>
                   <a:ext uri="{C183D7F6-B498-43B3-948B-1728B52AA6E4}">
-                    <adec:decorative xmlns:adec="http://schemas.microsoft.com/office/drawing/2017/decorative" val="1"/>
+                    <adec:decorative xmlns:adec="http://schemas.microsoft.com/office/drawing/2017/decorative" xmlns="" val="1"/>
                   </a:ext>
                 </a:extLst>
               </p:cNvPr>
@@ -27798,7 +27708,7 @@
               </a:ln>
               <a:extLst>
                 <a:ext uri="{91240B29-F687-4f45-9708-019B960494DF}">
-                  <a14:hiddenLine xmlns="" xmlns:a16="http://schemas.microsoft.com/office/drawing/2014/main" xmlns:p14="http://schemas.microsoft.com/office/powerpoint/2010/main" xmlns:a14="http://schemas.microsoft.com/office/drawing/2010/main" w="9525">
+                  <a14:hiddenLine xmlns:a14="http://schemas.microsoft.com/office/drawing/2010/main" xmlns:p14="http://schemas.microsoft.com/office/powerpoint/2010/main" xmlns:a16="http://schemas.microsoft.com/office/drawing/2014/main" xmlns="" w="9525">
                     <a:solidFill>
                       <a:srgbClr val="000000"/>
                     </a:solidFill>
@@ -27818,7 +27728,7 @@
                     <a16:creationId xmlns:a16="http://schemas.microsoft.com/office/drawing/2014/main" id="{5E175372-AF09-42A7-B3D0-226C83489170}"/>
                   </a:ext>
                   <a:ext uri="{C183D7F6-B498-43B3-948B-1728B52AA6E4}">
-                    <adec:decorative xmlns:adec="http://schemas.microsoft.com/office/drawing/2017/decorative" val="1"/>
+                    <adec:decorative xmlns:adec="http://schemas.microsoft.com/office/drawing/2017/decorative" xmlns="" val="1"/>
                   </a:ext>
                 </a:extLst>
               </p:cNvPr>
@@ -27878,7 +27788,7 @@
               </a:ln>
               <a:extLst>
                 <a:ext uri="{91240B29-F687-4f45-9708-019B960494DF}">
-                  <a14:hiddenLine xmlns="" xmlns:a16="http://schemas.microsoft.com/office/drawing/2014/main" xmlns:p14="http://schemas.microsoft.com/office/powerpoint/2010/main" xmlns:a14="http://schemas.microsoft.com/office/drawing/2010/main" w="9525">
+                  <a14:hiddenLine xmlns:a14="http://schemas.microsoft.com/office/drawing/2010/main" xmlns:p14="http://schemas.microsoft.com/office/powerpoint/2010/main" xmlns:a16="http://schemas.microsoft.com/office/drawing/2014/main" xmlns="" w="9525">
                     <a:solidFill>
                       <a:srgbClr val="000000"/>
                     </a:solidFill>
@@ -27898,7 +27808,7 @@
                     <a16:creationId xmlns:a16="http://schemas.microsoft.com/office/drawing/2014/main" id="{ABF20BA9-F4B2-49EA-A573-578B1897747D}"/>
                   </a:ext>
                   <a:ext uri="{C183D7F6-B498-43B3-948B-1728B52AA6E4}">
-                    <adec:decorative xmlns:adec="http://schemas.microsoft.com/office/drawing/2017/decorative" val="1"/>
+                    <adec:decorative xmlns:adec="http://schemas.microsoft.com/office/drawing/2017/decorative" xmlns="" val="1"/>
                   </a:ext>
                 </a:extLst>
               </p:cNvPr>
@@ -27955,7 +27865,7 @@
               </a:ln>
               <a:extLst>
                 <a:ext uri="{91240B29-F687-4f45-9708-019B960494DF}">
-                  <a14:hiddenLine xmlns="" xmlns:a16="http://schemas.microsoft.com/office/drawing/2014/main" xmlns:p14="http://schemas.microsoft.com/office/powerpoint/2010/main" xmlns:a14="http://schemas.microsoft.com/office/drawing/2010/main" w="9525">
+                  <a14:hiddenLine xmlns:a14="http://schemas.microsoft.com/office/drawing/2010/main" xmlns:p14="http://schemas.microsoft.com/office/powerpoint/2010/main" xmlns:a16="http://schemas.microsoft.com/office/drawing/2014/main" xmlns="" w="9525">
                     <a:solidFill>
                       <a:srgbClr val="000000"/>
                     </a:solidFill>
@@ -27975,7 +27885,7 @@
                     <a16:creationId xmlns:a16="http://schemas.microsoft.com/office/drawing/2014/main" id="{AA3A7A4B-C811-4E23-8BFD-5823A032DA3D}"/>
                   </a:ext>
                   <a:ext uri="{C183D7F6-B498-43B3-948B-1728B52AA6E4}">
-                    <adec:decorative xmlns:adec="http://schemas.microsoft.com/office/drawing/2017/decorative" val="1"/>
+                    <adec:decorative xmlns:adec="http://schemas.microsoft.com/office/drawing/2017/decorative" xmlns="" val="1"/>
                   </a:ext>
                 </a:extLst>
               </p:cNvPr>
@@ -28060,7 +27970,7 @@
               </a:ln>
               <a:extLst>
                 <a:ext uri="{91240B29-F687-4f45-9708-019B960494DF}">
-                  <a14:hiddenLine xmlns="" xmlns:a16="http://schemas.microsoft.com/office/drawing/2014/main" xmlns:p14="http://schemas.microsoft.com/office/powerpoint/2010/main" xmlns:a14="http://schemas.microsoft.com/office/drawing/2010/main" w="9525">
+                  <a14:hiddenLine xmlns:a14="http://schemas.microsoft.com/office/drawing/2010/main" xmlns:p14="http://schemas.microsoft.com/office/powerpoint/2010/main" xmlns:a16="http://schemas.microsoft.com/office/drawing/2014/main" xmlns="" w="9525">
                     <a:solidFill>
                       <a:srgbClr val="000000"/>
                     </a:solidFill>
@@ -28080,7 +27990,7 @@
                     <a16:creationId xmlns:a16="http://schemas.microsoft.com/office/drawing/2014/main" id="{47537781-F057-4B97-AD8F-12FE9BE599A8}"/>
                   </a:ext>
                   <a:ext uri="{C183D7F6-B498-43B3-948B-1728B52AA6E4}">
-                    <adec:decorative xmlns:adec="http://schemas.microsoft.com/office/drawing/2017/decorative" val="1"/>
+                    <adec:decorative xmlns:adec="http://schemas.microsoft.com/office/drawing/2017/decorative" xmlns="" val="1"/>
                   </a:ext>
                 </a:extLst>
               </p:cNvPr>
@@ -28165,7 +28075,7 @@
               </a:ln>
               <a:extLst>
                 <a:ext uri="{91240B29-F687-4f45-9708-019B960494DF}">
-                  <a14:hiddenLine xmlns="" xmlns:a16="http://schemas.microsoft.com/office/drawing/2014/main" xmlns:p14="http://schemas.microsoft.com/office/powerpoint/2010/main" xmlns:a14="http://schemas.microsoft.com/office/drawing/2010/main" w="9525">
+                  <a14:hiddenLine xmlns:a14="http://schemas.microsoft.com/office/drawing/2010/main" xmlns:p14="http://schemas.microsoft.com/office/powerpoint/2010/main" xmlns:a16="http://schemas.microsoft.com/office/drawing/2014/main" xmlns="" w="9525">
                     <a:solidFill>
                       <a:srgbClr val="000000"/>
                     </a:solidFill>
@@ -28185,7 +28095,7 @@
                     <a16:creationId xmlns:a16="http://schemas.microsoft.com/office/drawing/2014/main" id="{078883C7-EB52-4BB7-A9A7-F8C046A8331D}"/>
                   </a:ext>
                   <a:ext uri="{C183D7F6-B498-43B3-948B-1728B52AA6E4}">
-                    <adec:decorative xmlns:adec="http://schemas.microsoft.com/office/drawing/2017/decorative" val="1"/>
+                    <adec:decorative xmlns:adec="http://schemas.microsoft.com/office/drawing/2017/decorative" xmlns="" val="1"/>
                   </a:ext>
                 </a:extLst>
               </p:cNvPr>
@@ -28245,7 +28155,7 @@
               </a:ln>
               <a:extLst>
                 <a:ext uri="{91240B29-F687-4f45-9708-019B960494DF}">
-                  <a14:hiddenLine xmlns="" xmlns:a16="http://schemas.microsoft.com/office/drawing/2014/main" xmlns:p14="http://schemas.microsoft.com/office/powerpoint/2010/main" xmlns:a14="http://schemas.microsoft.com/office/drawing/2010/main" w="9525">
+                  <a14:hiddenLine xmlns:a14="http://schemas.microsoft.com/office/drawing/2010/main" xmlns:p14="http://schemas.microsoft.com/office/powerpoint/2010/main" xmlns:a16="http://schemas.microsoft.com/office/drawing/2014/main" xmlns="" w="9525">
                     <a:solidFill>
                       <a:srgbClr val="000000"/>
                     </a:solidFill>
@@ -28265,7 +28175,7 @@
                     <a16:creationId xmlns:a16="http://schemas.microsoft.com/office/drawing/2014/main" id="{63CCBBF8-5972-4ED3-AB5B-46DC425B1772}"/>
                   </a:ext>
                   <a:ext uri="{C183D7F6-B498-43B3-948B-1728B52AA6E4}">
-                    <adec:decorative xmlns:adec="http://schemas.microsoft.com/office/drawing/2017/decorative" val="1"/>
+                    <adec:decorative xmlns:adec="http://schemas.microsoft.com/office/drawing/2017/decorative" xmlns="" val="1"/>
                   </a:ext>
                 </a:extLst>
               </p:cNvPr>
@@ -28380,7 +28290,7 @@
               </a:ln>
               <a:extLst>
                 <a:ext uri="{91240B29-F687-4f45-9708-019B960494DF}">
-                  <a14:hiddenLine xmlns="" xmlns:a16="http://schemas.microsoft.com/office/drawing/2014/main" xmlns:p14="http://schemas.microsoft.com/office/powerpoint/2010/main" xmlns:a14="http://schemas.microsoft.com/office/drawing/2010/main" w="9525">
+                  <a14:hiddenLine xmlns:a14="http://schemas.microsoft.com/office/drawing/2010/main" xmlns:p14="http://schemas.microsoft.com/office/powerpoint/2010/main" xmlns:a16="http://schemas.microsoft.com/office/drawing/2014/main" xmlns="" w="9525">
                     <a:solidFill>
                       <a:srgbClr val="000000"/>
                     </a:solidFill>
@@ -28401,7 +28311,7 @@
                   <a16:creationId xmlns:a16="http://schemas.microsoft.com/office/drawing/2014/main" id="{A8C19883-37FB-437C-A3AA-89AA6239D3A9}"/>
                 </a:ext>
                 <a:ext uri="{C183D7F6-B498-43B3-948B-1728B52AA6E4}">
-                  <adec:decorative xmlns:adec="http://schemas.microsoft.com/office/drawing/2017/decorative" val="1"/>
+                  <adec:decorative xmlns:adec="http://schemas.microsoft.com/office/drawing/2017/decorative" xmlns="" val="1"/>
                 </a:ext>
               </a:extLst>
             </p:cNvPr>
@@ -28448,7 +28358,7 @@
                     <a16:creationId xmlns:a16="http://schemas.microsoft.com/office/drawing/2014/main" id="{AF1753DD-4CEF-45EC-B952-90EA8895D7CB}"/>
                   </a:ext>
                   <a:ext uri="{C183D7F6-B498-43B3-948B-1728B52AA6E4}">
-                    <adec:decorative xmlns:adec="http://schemas.microsoft.com/office/drawing/2017/decorative" val="1"/>
+                    <adec:decorative xmlns:adec="http://schemas.microsoft.com/office/drawing/2017/decorative" xmlns="" val="1"/>
                   </a:ext>
                 </a:extLst>
               </p:cNvPr>
@@ -28508,7 +28418,7 @@
               </a:ln>
               <a:extLst>
                 <a:ext uri="{91240B29-F687-4f45-9708-019B960494DF}">
-                  <a14:hiddenLine xmlns="" xmlns:a16="http://schemas.microsoft.com/office/drawing/2014/main" xmlns:p14="http://schemas.microsoft.com/office/powerpoint/2010/main" xmlns:a14="http://schemas.microsoft.com/office/drawing/2010/main" w="9525">
+                  <a14:hiddenLine xmlns:a14="http://schemas.microsoft.com/office/drawing/2010/main" xmlns:p14="http://schemas.microsoft.com/office/powerpoint/2010/main" xmlns:a16="http://schemas.microsoft.com/office/drawing/2014/main" xmlns="" w="9525">
                     <a:solidFill>
                       <a:srgbClr val="000000"/>
                     </a:solidFill>
@@ -28528,7 +28438,7 @@
                     <a16:creationId xmlns:a16="http://schemas.microsoft.com/office/drawing/2014/main" id="{5B9356DB-C1BE-4D76-8FA7-4FBAA12D1D33}"/>
                   </a:ext>
                   <a:ext uri="{C183D7F6-B498-43B3-948B-1728B52AA6E4}">
-                    <adec:decorative xmlns:adec="http://schemas.microsoft.com/office/drawing/2017/decorative" val="1"/>
+                    <adec:decorative xmlns:adec="http://schemas.microsoft.com/office/drawing/2017/decorative" xmlns="" val="1"/>
                   </a:ext>
                 </a:extLst>
               </p:cNvPr>
@@ -28638,7 +28548,7 @@
               </a:ln>
               <a:extLst>
                 <a:ext uri="{91240B29-F687-4f45-9708-019B960494DF}">
-                  <a14:hiddenLine xmlns="" xmlns:a16="http://schemas.microsoft.com/office/drawing/2014/main" xmlns:p14="http://schemas.microsoft.com/office/powerpoint/2010/main" xmlns:a14="http://schemas.microsoft.com/office/drawing/2010/main" w="9525">
+                  <a14:hiddenLine xmlns:a14="http://schemas.microsoft.com/office/drawing/2010/main" xmlns:p14="http://schemas.microsoft.com/office/powerpoint/2010/main" xmlns:a16="http://schemas.microsoft.com/office/drawing/2014/main" xmlns="" w="9525">
                     <a:solidFill>
                       <a:srgbClr val="000000"/>
                     </a:solidFill>
@@ -28658,7 +28568,7 @@
                     <a16:creationId xmlns:a16="http://schemas.microsoft.com/office/drawing/2014/main" id="{C4F59561-572D-42BA-A6FD-F3AFA1A394DD}"/>
                   </a:ext>
                   <a:ext uri="{C183D7F6-B498-43B3-948B-1728B52AA6E4}">
-                    <adec:decorative xmlns:adec="http://schemas.microsoft.com/office/drawing/2017/decorative" val="1"/>
+                    <adec:decorative xmlns:adec="http://schemas.microsoft.com/office/drawing/2017/decorative" xmlns="" val="1"/>
                   </a:ext>
                 </a:extLst>
               </p:cNvPr>
@@ -28743,7 +28653,7 @@
               </a:ln>
               <a:extLst>
                 <a:ext uri="{91240B29-F687-4f45-9708-019B960494DF}">
-                  <a14:hiddenLine xmlns="" xmlns:a16="http://schemas.microsoft.com/office/drawing/2014/main" xmlns:p14="http://schemas.microsoft.com/office/powerpoint/2010/main" xmlns:a14="http://schemas.microsoft.com/office/drawing/2010/main" w="9525">
+                  <a14:hiddenLine xmlns:a14="http://schemas.microsoft.com/office/drawing/2010/main" xmlns:p14="http://schemas.microsoft.com/office/powerpoint/2010/main" xmlns:a16="http://schemas.microsoft.com/office/drawing/2014/main" xmlns="" w="9525">
                     <a:solidFill>
                       <a:srgbClr val="000000"/>
                     </a:solidFill>
@@ -28763,7 +28673,7 @@
                     <a16:creationId xmlns:a16="http://schemas.microsoft.com/office/drawing/2014/main" id="{BB7A51A1-D509-4494-BAE2-1B96CAD4DB37}"/>
                   </a:ext>
                   <a:ext uri="{C183D7F6-B498-43B3-948B-1728B52AA6E4}">
-                    <adec:decorative xmlns:adec="http://schemas.microsoft.com/office/drawing/2017/decorative" val="1"/>
+                    <adec:decorative xmlns:adec="http://schemas.microsoft.com/office/drawing/2017/decorative" xmlns="" val="1"/>
                   </a:ext>
                 </a:extLst>
               </p:cNvPr>
@@ -28823,7 +28733,7 @@
               </a:ln>
               <a:extLst>
                 <a:ext uri="{91240B29-F687-4f45-9708-019B960494DF}">
-                  <a14:hiddenLine xmlns="" xmlns:a16="http://schemas.microsoft.com/office/drawing/2014/main" xmlns:p14="http://schemas.microsoft.com/office/powerpoint/2010/main" xmlns:a14="http://schemas.microsoft.com/office/drawing/2010/main" w="9525">
+                  <a14:hiddenLine xmlns:a14="http://schemas.microsoft.com/office/drawing/2010/main" xmlns:p14="http://schemas.microsoft.com/office/powerpoint/2010/main" xmlns:a16="http://schemas.microsoft.com/office/drawing/2014/main" xmlns="" w="9525">
                     <a:solidFill>
                       <a:srgbClr val="000000"/>
                     </a:solidFill>
@@ -28843,7 +28753,7 @@
                     <a16:creationId xmlns:a16="http://schemas.microsoft.com/office/drawing/2014/main" id="{D3FE0B5A-55DE-4E56-8E9B-B92D1DB9A894}"/>
                   </a:ext>
                   <a:ext uri="{C183D7F6-B498-43B3-948B-1728B52AA6E4}">
-                    <adec:decorative xmlns:adec="http://schemas.microsoft.com/office/drawing/2017/decorative" val="1"/>
+                    <adec:decorative xmlns:adec="http://schemas.microsoft.com/office/drawing/2017/decorative" xmlns="" val="1"/>
                   </a:ext>
                 </a:extLst>
               </p:cNvPr>
@@ -28928,7 +28838,7 @@
               </a:ln>
               <a:extLst>
                 <a:ext uri="{91240B29-F687-4f45-9708-019B960494DF}">
-                  <a14:hiddenLine xmlns="" xmlns:a16="http://schemas.microsoft.com/office/drawing/2014/main" xmlns:p14="http://schemas.microsoft.com/office/powerpoint/2010/main" xmlns:a14="http://schemas.microsoft.com/office/drawing/2010/main" w="9525">
+                  <a14:hiddenLine xmlns:a14="http://schemas.microsoft.com/office/drawing/2010/main" xmlns:p14="http://schemas.microsoft.com/office/powerpoint/2010/main" xmlns:a16="http://schemas.microsoft.com/office/drawing/2014/main" xmlns="" w="9525">
                     <a:solidFill>
                       <a:srgbClr val="000000"/>
                     </a:solidFill>
@@ -28948,7 +28858,7 @@
                     <a16:creationId xmlns:a16="http://schemas.microsoft.com/office/drawing/2014/main" id="{F125661C-3A0E-4B6E-B2AB-1B08C8925175}"/>
                   </a:ext>
                   <a:ext uri="{C183D7F6-B498-43B3-948B-1728B52AA6E4}">
-                    <adec:decorative xmlns:adec="http://schemas.microsoft.com/office/drawing/2017/decorative" val="1"/>
+                    <adec:decorative xmlns:adec="http://schemas.microsoft.com/office/drawing/2017/decorative" xmlns="" val="1"/>
                   </a:ext>
                 </a:extLst>
               </p:cNvPr>
@@ -29011,7 +28921,7 @@
               </a:ln>
               <a:extLst>
                 <a:ext uri="{91240B29-F687-4f45-9708-019B960494DF}">
-                  <a14:hiddenLine xmlns="" xmlns:a16="http://schemas.microsoft.com/office/drawing/2014/main" xmlns:p14="http://schemas.microsoft.com/office/powerpoint/2010/main" xmlns:a14="http://schemas.microsoft.com/office/drawing/2010/main" w="9525">
+                  <a14:hiddenLine xmlns:a14="http://schemas.microsoft.com/office/drawing/2010/main" xmlns:p14="http://schemas.microsoft.com/office/powerpoint/2010/main" xmlns:a16="http://schemas.microsoft.com/office/drawing/2014/main" xmlns="" w="9525">
                     <a:solidFill>
                       <a:srgbClr val="000000"/>
                     </a:solidFill>
@@ -29031,7 +28941,7 @@
                     <a16:creationId xmlns:a16="http://schemas.microsoft.com/office/drawing/2014/main" id="{39304006-EE77-438A-A0D1-537322356C1F}"/>
                   </a:ext>
                   <a:ext uri="{C183D7F6-B498-43B3-948B-1728B52AA6E4}">
-                    <adec:decorative xmlns:adec="http://schemas.microsoft.com/office/drawing/2017/decorative" val="1"/>
+                    <adec:decorative xmlns:adec="http://schemas.microsoft.com/office/drawing/2017/decorative" xmlns="" val="1"/>
                   </a:ext>
                 </a:extLst>
               </p:cNvPr>
@@ -29116,7 +29026,7 @@
               </a:ln>
               <a:extLst>
                 <a:ext uri="{91240B29-F687-4f45-9708-019B960494DF}">
-                  <a14:hiddenLine xmlns="" xmlns:a16="http://schemas.microsoft.com/office/drawing/2014/main" xmlns:p14="http://schemas.microsoft.com/office/powerpoint/2010/main" xmlns:a14="http://schemas.microsoft.com/office/drawing/2010/main" w="9525">
+                  <a14:hiddenLine xmlns:a14="http://schemas.microsoft.com/office/drawing/2010/main" xmlns:p14="http://schemas.microsoft.com/office/powerpoint/2010/main" xmlns:a16="http://schemas.microsoft.com/office/drawing/2014/main" xmlns="" w="9525">
                     <a:solidFill>
                       <a:srgbClr val="000000"/>
                     </a:solidFill>
@@ -29136,7 +29046,7 @@
                     <a16:creationId xmlns:a16="http://schemas.microsoft.com/office/drawing/2014/main" id="{C6031DEB-4109-4049-82CF-DD06483A2CA1}"/>
                   </a:ext>
                   <a:ext uri="{C183D7F6-B498-43B3-948B-1728B52AA6E4}">
-                    <adec:decorative xmlns:adec="http://schemas.microsoft.com/office/drawing/2017/decorative" val="1"/>
+                    <adec:decorative xmlns:adec="http://schemas.microsoft.com/office/drawing/2017/decorative" xmlns="" val="1"/>
                   </a:ext>
                 </a:extLst>
               </p:cNvPr>
@@ -29199,7 +29109,7 @@
               </a:ln>
               <a:extLst>
                 <a:ext uri="{91240B29-F687-4f45-9708-019B960494DF}">
-                  <a14:hiddenLine xmlns="" xmlns:a16="http://schemas.microsoft.com/office/drawing/2014/main" xmlns:p14="http://schemas.microsoft.com/office/powerpoint/2010/main" xmlns:a14="http://schemas.microsoft.com/office/drawing/2010/main" w="9525">
+                  <a14:hiddenLine xmlns:a14="http://schemas.microsoft.com/office/drawing/2010/main" xmlns:p14="http://schemas.microsoft.com/office/powerpoint/2010/main" xmlns:a16="http://schemas.microsoft.com/office/drawing/2014/main" xmlns="" w="9525">
                     <a:solidFill>
                       <a:srgbClr val="000000"/>
                     </a:solidFill>
@@ -29219,7 +29129,7 @@
                     <a16:creationId xmlns:a16="http://schemas.microsoft.com/office/drawing/2014/main" id="{65FC2657-18D6-4490-88D6-32E6B1C6FB15}"/>
                   </a:ext>
                   <a:ext uri="{C183D7F6-B498-43B3-948B-1728B52AA6E4}">
-                    <adec:decorative xmlns:adec="http://schemas.microsoft.com/office/drawing/2017/decorative" val="1"/>
+                    <adec:decorative xmlns:adec="http://schemas.microsoft.com/office/drawing/2017/decorative" xmlns="" val="1"/>
                   </a:ext>
                 </a:extLst>
               </p:cNvPr>
@@ -29304,7 +29214,7 @@
               </a:ln>
               <a:extLst>
                 <a:ext uri="{91240B29-F687-4f45-9708-019B960494DF}">
-                  <a14:hiddenLine xmlns="" xmlns:a16="http://schemas.microsoft.com/office/drawing/2014/main" xmlns:p14="http://schemas.microsoft.com/office/powerpoint/2010/main" xmlns:a14="http://schemas.microsoft.com/office/drawing/2010/main" w="9525">
+                  <a14:hiddenLine xmlns:a14="http://schemas.microsoft.com/office/drawing/2010/main" xmlns:p14="http://schemas.microsoft.com/office/powerpoint/2010/main" xmlns:a16="http://schemas.microsoft.com/office/drawing/2014/main" xmlns="" w="9525">
                     <a:solidFill>
                       <a:srgbClr val="000000"/>
                     </a:solidFill>
@@ -29324,7 +29234,7 @@
                     <a16:creationId xmlns:a16="http://schemas.microsoft.com/office/drawing/2014/main" id="{20BEA03B-3EAD-4FA2-BC9D-25A14D635CF6}"/>
                   </a:ext>
                   <a:ext uri="{C183D7F6-B498-43B3-948B-1728B52AA6E4}">
-                    <adec:decorative xmlns:adec="http://schemas.microsoft.com/office/drawing/2017/decorative" val="1"/>
+                    <adec:decorative xmlns:adec="http://schemas.microsoft.com/office/drawing/2017/decorative" xmlns="" val="1"/>
                   </a:ext>
                 </a:extLst>
               </p:cNvPr>
@@ -29353,7 +29263,7 @@
               </a:ln>
               <a:extLst>
                 <a:ext uri="{91240B29-F687-4f45-9708-019B960494DF}">
-                  <a14:hiddenLine xmlns="" xmlns:a16="http://schemas.microsoft.com/office/drawing/2014/main" xmlns:p14="http://schemas.microsoft.com/office/powerpoint/2010/main" xmlns:a14="http://schemas.microsoft.com/office/drawing/2010/main" w="9525">
+                  <a14:hiddenLine xmlns:a14="http://schemas.microsoft.com/office/drawing/2010/main" xmlns:p14="http://schemas.microsoft.com/office/powerpoint/2010/main" xmlns:a16="http://schemas.microsoft.com/office/drawing/2014/main" xmlns="" w="9525">
                     <a:solidFill>
                       <a:srgbClr val="000000"/>
                     </a:solidFill>
@@ -29375,7 +29285,7 @@
                 <a16:creationId xmlns:a16="http://schemas.microsoft.com/office/drawing/2014/main" id="{3CBA50DB-DBC7-4B6E-B3C1-8FF1EA519791}"/>
               </a:ext>
               <a:ext uri="{C183D7F6-B498-43B3-948B-1728B52AA6E4}">
-                <adec:decorative xmlns:adec="http://schemas.microsoft.com/office/drawing/2017/decorative" val="1"/>
+                <adec:decorative xmlns:adec="http://schemas.microsoft.com/office/drawing/2017/decorative" xmlns="" val="1"/>
               </a:ext>
             </a:extLst>
           </p:cNvPr>
@@ -29435,7 +29345,7 @@
                 <a16:creationId xmlns:a16="http://schemas.microsoft.com/office/drawing/2014/main" id="{1DED8FB6-AF8D-4D98-913D-E6486FEC1021}"/>
               </a:ext>
               <a:ext uri="{C183D7F6-B498-43B3-948B-1728B52AA6E4}">
-                <adec:decorative xmlns:adec="http://schemas.microsoft.com/office/drawing/2017/decorative" val="1"/>
+                <adec:decorative xmlns:adec="http://schemas.microsoft.com/office/drawing/2017/decorative" xmlns="" val="1"/>
               </a:ext>
             </a:extLst>
           </p:cNvPr>
@@ -29466,7 +29376,7 @@
                   <a16:creationId xmlns:a16="http://schemas.microsoft.com/office/drawing/2014/main" id="{0A805ED2-113B-4584-8827-567B5792F1FA}"/>
                 </a:ext>
                 <a:ext uri="{C183D7F6-B498-43B3-948B-1728B52AA6E4}">
-                  <adec:decorative xmlns:adec="http://schemas.microsoft.com/office/drawing/2017/decorative" val="1"/>
+                  <adec:decorative xmlns:adec="http://schemas.microsoft.com/office/drawing/2017/decorative" xmlns="" val="1"/>
                 </a:ext>
               </a:extLst>
             </p:cNvPr>
@@ -29510,7 +29420,7 @@
                     <a16:creationId xmlns:a16="http://schemas.microsoft.com/office/drawing/2014/main" id="{C6CF21D8-CC72-4F35-A29E-3AF9E6DA1302}"/>
                   </a:ext>
                   <a:ext uri="{C183D7F6-B498-43B3-948B-1728B52AA6E4}">
-                    <adec:decorative xmlns:adec="http://schemas.microsoft.com/office/drawing/2017/decorative" val="1"/>
+                    <adec:decorative xmlns:adec="http://schemas.microsoft.com/office/drawing/2017/decorative" xmlns="" val="1"/>
                   </a:ext>
                 </a:extLst>
               </p:cNvPr>
@@ -29539,7 +29449,7 @@
               </a:ln>
               <a:extLst>
                 <a:ext uri="{91240B29-F687-4f45-9708-019B960494DF}">
-                  <a14:hiddenLine xmlns="" xmlns:a16="http://schemas.microsoft.com/office/drawing/2014/main" xmlns:p14="http://schemas.microsoft.com/office/powerpoint/2010/main" xmlns:a14="http://schemas.microsoft.com/office/drawing/2010/main" w="9525">
+                  <a14:hiddenLine xmlns:a14="http://schemas.microsoft.com/office/drawing/2010/main" xmlns:p14="http://schemas.microsoft.com/office/powerpoint/2010/main" xmlns:a16="http://schemas.microsoft.com/office/drawing/2014/main" xmlns="" w="9525">
                     <a:solidFill>
                       <a:srgbClr val="000000"/>
                     </a:solidFill>
@@ -29559,7 +29469,7 @@
                     <a16:creationId xmlns:a16="http://schemas.microsoft.com/office/drawing/2014/main" id="{8E60A7C3-087D-47B4-AB5A-C8B1042FD201}"/>
                   </a:ext>
                   <a:ext uri="{C183D7F6-B498-43B3-948B-1728B52AA6E4}">
-                    <adec:decorative xmlns:adec="http://schemas.microsoft.com/office/drawing/2017/decorative" val="1"/>
+                    <adec:decorative xmlns:adec="http://schemas.microsoft.com/office/drawing/2017/decorative" xmlns="" val="1"/>
                   </a:ext>
                 </a:extLst>
               </p:cNvPr>
@@ -29644,7 +29554,7 @@
               </a:ln>
               <a:extLst>
                 <a:ext uri="{91240B29-F687-4f45-9708-019B960494DF}">
-                  <a14:hiddenLine xmlns="" xmlns:a16="http://schemas.microsoft.com/office/drawing/2014/main" xmlns:p14="http://schemas.microsoft.com/office/powerpoint/2010/main" xmlns:a14="http://schemas.microsoft.com/office/drawing/2010/main" w="9525">
+                  <a14:hiddenLine xmlns:a14="http://schemas.microsoft.com/office/drawing/2010/main" xmlns:p14="http://schemas.microsoft.com/office/powerpoint/2010/main" xmlns:a16="http://schemas.microsoft.com/office/drawing/2014/main" xmlns="" w="9525">
                     <a:solidFill>
                       <a:srgbClr val="000000"/>
                     </a:solidFill>
@@ -29664,7 +29574,7 @@
                     <a16:creationId xmlns:a16="http://schemas.microsoft.com/office/drawing/2014/main" id="{1885EECE-F6D9-4128-BC90-01583BF2699D}"/>
                   </a:ext>
                   <a:ext uri="{C183D7F6-B498-43B3-948B-1728B52AA6E4}">
-                    <adec:decorative xmlns:adec="http://schemas.microsoft.com/office/drawing/2017/decorative" val="1"/>
+                    <adec:decorative xmlns:adec="http://schemas.microsoft.com/office/drawing/2017/decorative" xmlns="" val="1"/>
                   </a:ext>
                 </a:extLst>
               </p:cNvPr>
@@ -29749,7 +29659,7 @@
               </a:ln>
               <a:extLst>
                 <a:ext uri="{91240B29-F687-4f45-9708-019B960494DF}">
-                  <a14:hiddenLine xmlns="" xmlns:a16="http://schemas.microsoft.com/office/drawing/2014/main" xmlns:p14="http://schemas.microsoft.com/office/powerpoint/2010/main" xmlns:a14="http://schemas.microsoft.com/office/drawing/2010/main" w="9525">
+                  <a14:hiddenLine xmlns:a14="http://schemas.microsoft.com/office/drawing/2010/main" xmlns:p14="http://schemas.microsoft.com/office/powerpoint/2010/main" xmlns:a16="http://schemas.microsoft.com/office/drawing/2014/main" xmlns="" w="9525">
                     <a:solidFill>
                       <a:srgbClr val="000000"/>
                     </a:solidFill>
@@ -29769,7 +29679,7 @@
                     <a16:creationId xmlns:a16="http://schemas.microsoft.com/office/drawing/2014/main" id="{F44AA128-AA96-4FF2-A1C3-F9D2E7FD38CA}"/>
                   </a:ext>
                   <a:ext uri="{C183D7F6-B498-43B3-948B-1728B52AA6E4}">
-                    <adec:decorative xmlns:adec="http://schemas.microsoft.com/office/drawing/2017/decorative" val="1"/>
+                    <adec:decorative xmlns:adec="http://schemas.microsoft.com/office/drawing/2017/decorative" xmlns="" val="1"/>
                   </a:ext>
                 </a:extLst>
               </p:cNvPr>
@@ -29826,7 +29736,7 @@
               </a:ln>
               <a:extLst>
                 <a:ext uri="{91240B29-F687-4f45-9708-019B960494DF}">
-                  <a14:hiddenLine xmlns="" xmlns:a16="http://schemas.microsoft.com/office/drawing/2014/main" xmlns:p14="http://schemas.microsoft.com/office/powerpoint/2010/main" xmlns:a14="http://schemas.microsoft.com/office/drawing/2010/main" w="9525">
+                  <a14:hiddenLine xmlns:a14="http://schemas.microsoft.com/office/drawing/2010/main" xmlns:p14="http://schemas.microsoft.com/office/powerpoint/2010/main" xmlns:a16="http://schemas.microsoft.com/office/drawing/2014/main" xmlns="" w="9525">
                     <a:solidFill>
                       <a:srgbClr val="000000"/>
                     </a:solidFill>
@@ -29846,7 +29756,7 @@
                     <a16:creationId xmlns:a16="http://schemas.microsoft.com/office/drawing/2014/main" id="{7E52DC12-230B-4892-B284-F2FE9DE16A7C}"/>
                   </a:ext>
                   <a:ext uri="{C183D7F6-B498-43B3-948B-1728B52AA6E4}">
-                    <adec:decorative xmlns:adec="http://schemas.microsoft.com/office/drawing/2017/decorative" val="1"/>
+                    <adec:decorative xmlns:adec="http://schemas.microsoft.com/office/drawing/2017/decorative" xmlns="" val="1"/>
                   </a:ext>
                 </a:extLst>
               </p:cNvPr>
@@ -29931,7 +29841,7 @@
               </a:ln>
               <a:extLst>
                 <a:ext uri="{91240B29-F687-4f45-9708-019B960494DF}">
-                  <a14:hiddenLine xmlns="" xmlns:a16="http://schemas.microsoft.com/office/drawing/2014/main" xmlns:p14="http://schemas.microsoft.com/office/powerpoint/2010/main" xmlns:a14="http://schemas.microsoft.com/office/drawing/2010/main" w="9525">
+                  <a14:hiddenLine xmlns:a14="http://schemas.microsoft.com/office/drawing/2010/main" xmlns:p14="http://schemas.microsoft.com/office/powerpoint/2010/main" xmlns:a16="http://schemas.microsoft.com/office/drawing/2014/main" xmlns="" w="9525">
                     <a:solidFill>
                       <a:srgbClr val="000000"/>
                     </a:solidFill>
@@ -29951,7 +29861,7 @@
                     <a16:creationId xmlns:a16="http://schemas.microsoft.com/office/drawing/2014/main" id="{A68FBF9E-B81A-41D0-8A03-6CFC30811D1F}"/>
                   </a:ext>
                   <a:ext uri="{C183D7F6-B498-43B3-948B-1728B52AA6E4}">
-                    <adec:decorative xmlns:adec="http://schemas.microsoft.com/office/drawing/2017/decorative" val="1"/>
+                    <adec:decorative xmlns:adec="http://schemas.microsoft.com/office/drawing/2017/decorative" xmlns="" val="1"/>
                   </a:ext>
                 </a:extLst>
               </p:cNvPr>
@@ -30008,7 +29918,7 @@
               </a:ln>
               <a:extLst>
                 <a:ext uri="{91240B29-F687-4f45-9708-019B960494DF}">
-                  <a14:hiddenLine xmlns="" xmlns:a16="http://schemas.microsoft.com/office/drawing/2014/main" xmlns:p14="http://schemas.microsoft.com/office/powerpoint/2010/main" xmlns:a14="http://schemas.microsoft.com/office/drawing/2010/main" w="9525">
+                  <a14:hiddenLine xmlns:a14="http://schemas.microsoft.com/office/drawing/2010/main" xmlns:p14="http://schemas.microsoft.com/office/powerpoint/2010/main" xmlns:a16="http://schemas.microsoft.com/office/drawing/2014/main" xmlns="" w="9525">
                     <a:solidFill>
                       <a:srgbClr val="000000"/>
                     </a:solidFill>
@@ -30028,7 +29938,7 @@
                     <a16:creationId xmlns:a16="http://schemas.microsoft.com/office/drawing/2014/main" id="{B0047F84-8480-494F-9241-39FF17CFFFAE}"/>
                   </a:ext>
                   <a:ext uri="{C183D7F6-B498-43B3-948B-1728B52AA6E4}">
-                    <adec:decorative xmlns:adec="http://schemas.microsoft.com/office/drawing/2017/decorative" val="1"/>
+                    <adec:decorative xmlns:adec="http://schemas.microsoft.com/office/drawing/2017/decorative" xmlns="" val="1"/>
                   </a:ext>
                 </a:extLst>
               </p:cNvPr>
@@ -30085,7 +29995,7 @@
               </a:ln>
               <a:extLst>
                 <a:ext uri="{91240B29-F687-4f45-9708-019B960494DF}">
-                  <a14:hiddenLine xmlns="" xmlns:a16="http://schemas.microsoft.com/office/drawing/2014/main" xmlns:p14="http://schemas.microsoft.com/office/powerpoint/2010/main" xmlns:a14="http://schemas.microsoft.com/office/drawing/2010/main" w="9525">
+                  <a14:hiddenLine xmlns:a14="http://schemas.microsoft.com/office/drawing/2010/main" xmlns:p14="http://schemas.microsoft.com/office/powerpoint/2010/main" xmlns:a16="http://schemas.microsoft.com/office/drawing/2014/main" xmlns="" w="9525">
                     <a:solidFill>
                       <a:srgbClr val="000000"/>
                     </a:solidFill>
@@ -30105,7 +30015,7 @@
                     <a16:creationId xmlns:a16="http://schemas.microsoft.com/office/drawing/2014/main" id="{8CAF76D8-4B95-4A8E-9EE5-8CCC0A7AD2CA}"/>
                   </a:ext>
                   <a:ext uri="{C183D7F6-B498-43B3-948B-1728B52AA6E4}">
-                    <adec:decorative xmlns:adec="http://schemas.microsoft.com/office/drawing/2017/decorative" val="1"/>
+                    <adec:decorative xmlns:adec="http://schemas.microsoft.com/office/drawing/2017/decorative" xmlns="" val="1"/>
                   </a:ext>
                 </a:extLst>
               </p:cNvPr>
@@ -30190,7 +30100,7 @@
               </a:ln>
               <a:extLst>
                 <a:ext uri="{91240B29-F687-4f45-9708-019B960494DF}">
-                  <a14:hiddenLine xmlns="" xmlns:a16="http://schemas.microsoft.com/office/drawing/2014/main" xmlns:p14="http://schemas.microsoft.com/office/powerpoint/2010/main" xmlns:a14="http://schemas.microsoft.com/office/drawing/2010/main" w="9525">
+                  <a14:hiddenLine xmlns:a14="http://schemas.microsoft.com/office/drawing/2010/main" xmlns:p14="http://schemas.microsoft.com/office/powerpoint/2010/main" xmlns:a16="http://schemas.microsoft.com/office/drawing/2014/main" xmlns="" w="9525">
                     <a:solidFill>
                       <a:srgbClr val="000000"/>
                     </a:solidFill>
@@ -30210,7 +30120,7 @@
                     <a16:creationId xmlns:a16="http://schemas.microsoft.com/office/drawing/2014/main" id="{792F82F3-05A8-4A55-8C5B-81F6678B595B}"/>
                   </a:ext>
                   <a:ext uri="{C183D7F6-B498-43B3-948B-1728B52AA6E4}">
-                    <adec:decorative xmlns:adec="http://schemas.microsoft.com/office/drawing/2017/decorative" val="1"/>
+                    <adec:decorative xmlns:adec="http://schemas.microsoft.com/office/drawing/2017/decorative" xmlns="" val="1"/>
                   </a:ext>
                 </a:extLst>
               </p:cNvPr>
@@ -30295,7 +30205,7 @@
               </a:ln>
               <a:extLst>
                 <a:ext uri="{91240B29-F687-4f45-9708-019B960494DF}">
-                  <a14:hiddenLine xmlns="" xmlns:a16="http://schemas.microsoft.com/office/drawing/2014/main" xmlns:p14="http://schemas.microsoft.com/office/powerpoint/2010/main" xmlns:a14="http://schemas.microsoft.com/office/drawing/2010/main" w="9525">
+                  <a14:hiddenLine xmlns:a14="http://schemas.microsoft.com/office/drawing/2010/main" xmlns:p14="http://schemas.microsoft.com/office/powerpoint/2010/main" xmlns:a16="http://schemas.microsoft.com/office/drawing/2014/main" xmlns="" w="9525">
                     <a:solidFill>
                       <a:srgbClr val="000000"/>
                     </a:solidFill>
@@ -30315,7 +30225,7 @@
                     <a16:creationId xmlns:a16="http://schemas.microsoft.com/office/drawing/2014/main" id="{B8472536-021A-4E59-BD59-DDC090A18ABE}"/>
                   </a:ext>
                   <a:ext uri="{C183D7F6-B498-43B3-948B-1728B52AA6E4}">
-                    <adec:decorative xmlns:adec="http://schemas.microsoft.com/office/drawing/2017/decorative" val="1"/>
+                    <adec:decorative xmlns:adec="http://schemas.microsoft.com/office/drawing/2017/decorative" xmlns="" val="1"/>
                   </a:ext>
                 </a:extLst>
               </p:cNvPr>
@@ -30372,7 +30282,7 @@
               </a:ln>
               <a:extLst>
                 <a:ext uri="{91240B29-F687-4f45-9708-019B960494DF}">
-                  <a14:hiddenLine xmlns="" xmlns:a16="http://schemas.microsoft.com/office/drawing/2014/main" xmlns:p14="http://schemas.microsoft.com/office/powerpoint/2010/main" xmlns:a14="http://schemas.microsoft.com/office/drawing/2010/main" w="9525">
+                  <a14:hiddenLine xmlns:a14="http://schemas.microsoft.com/office/drawing/2010/main" xmlns:p14="http://schemas.microsoft.com/office/powerpoint/2010/main" xmlns:a16="http://schemas.microsoft.com/office/drawing/2014/main" xmlns="" w="9525">
                     <a:solidFill>
                       <a:srgbClr val="000000"/>
                     </a:solidFill>
@@ -30392,7 +30302,7 @@
                     <a16:creationId xmlns:a16="http://schemas.microsoft.com/office/drawing/2014/main" id="{AEBEF646-3C12-469F-B194-A161A7A95D2F}"/>
                   </a:ext>
                   <a:ext uri="{C183D7F6-B498-43B3-948B-1728B52AA6E4}">
-                    <adec:decorative xmlns:adec="http://schemas.microsoft.com/office/drawing/2017/decorative" val="1"/>
+                    <adec:decorative xmlns:adec="http://schemas.microsoft.com/office/drawing/2017/decorative" xmlns="" val="1"/>
                   </a:ext>
                 </a:extLst>
               </p:cNvPr>
@@ -30497,7 +30407,7 @@
               </a:ln>
               <a:extLst>
                 <a:ext uri="{91240B29-F687-4f45-9708-019B960494DF}">
-                  <a14:hiddenLine xmlns="" xmlns:a16="http://schemas.microsoft.com/office/drawing/2014/main" xmlns:p14="http://schemas.microsoft.com/office/powerpoint/2010/main" xmlns:a14="http://schemas.microsoft.com/office/drawing/2010/main" w="9525">
+                  <a14:hiddenLine xmlns:a14="http://schemas.microsoft.com/office/drawing/2010/main" xmlns:p14="http://schemas.microsoft.com/office/powerpoint/2010/main" xmlns:a16="http://schemas.microsoft.com/office/drawing/2014/main" xmlns="" w="9525">
                     <a:solidFill>
                       <a:srgbClr val="000000"/>
                     </a:solidFill>
@@ -30517,7 +30427,7 @@
                     <a16:creationId xmlns:a16="http://schemas.microsoft.com/office/drawing/2014/main" id="{D4501159-D7AC-4307-9DFC-C8F3A94341DA}"/>
                   </a:ext>
                   <a:ext uri="{C183D7F6-B498-43B3-948B-1728B52AA6E4}">
-                    <adec:decorative xmlns:adec="http://schemas.microsoft.com/office/drawing/2017/decorative" val="1"/>
+                    <adec:decorative xmlns:adec="http://schemas.microsoft.com/office/drawing/2017/decorative" xmlns="" val="1"/>
                   </a:ext>
                 </a:extLst>
               </p:cNvPr>
@@ -30560,7 +30470,7 @@
                     <a16:creationId xmlns:a16="http://schemas.microsoft.com/office/drawing/2014/main" id="{B5244C41-454C-47D8-A6A9-C17EC2A36631}"/>
                   </a:ext>
                   <a:ext uri="{C183D7F6-B498-43B3-948B-1728B52AA6E4}">
-                    <adec:decorative xmlns:adec="http://schemas.microsoft.com/office/drawing/2017/decorative" val="1"/>
+                    <adec:decorative xmlns:adec="http://schemas.microsoft.com/office/drawing/2017/decorative" xmlns="" val="1"/>
                   </a:ext>
                 </a:extLst>
               </p:cNvPr>
@@ -30611,7 +30521,7 @@
               </a:ln>
               <a:extLst>
                 <a:ext uri="{91240B29-F687-4f45-9708-019B960494DF}">
-                  <a14:hiddenLine xmlns="" xmlns:a16="http://schemas.microsoft.com/office/drawing/2014/main" xmlns:p14="http://schemas.microsoft.com/office/powerpoint/2010/main" xmlns:a14="http://schemas.microsoft.com/office/drawing/2010/main" w="9525">
+                  <a14:hiddenLine xmlns:a14="http://schemas.microsoft.com/office/drawing/2010/main" xmlns:p14="http://schemas.microsoft.com/office/powerpoint/2010/main" xmlns:a16="http://schemas.microsoft.com/office/drawing/2014/main" xmlns="" w="9525">
                     <a:solidFill>
                       <a:srgbClr val="000000"/>
                     </a:solidFill>
@@ -30631,7 +30541,7 @@
                     <a16:creationId xmlns:a16="http://schemas.microsoft.com/office/drawing/2014/main" id="{8FA883B8-99FB-4540-B573-F0674BFB1C2A}"/>
                   </a:ext>
                   <a:ext uri="{C183D7F6-B498-43B3-948B-1728B52AA6E4}">
-                    <adec:decorative xmlns:adec="http://schemas.microsoft.com/office/drawing/2017/decorative" val="1"/>
+                    <adec:decorative xmlns:adec="http://schemas.microsoft.com/office/drawing/2017/decorative" xmlns="" val="1"/>
                   </a:ext>
                 </a:extLst>
               </p:cNvPr>
@@ -30688,7 +30598,7 @@
               </a:ln>
               <a:extLst>
                 <a:ext uri="{91240B29-F687-4f45-9708-019B960494DF}">
-                  <a14:hiddenLine xmlns="" xmlns:a16="http://schemas.microsoft.com/office/drawing/2014/main" xmlns:p14="http://schemas.microsoft.com/office/powerpoint/2010/main" xmlns:a14="http://schemas.microsoft.com/office/drawing/2010/main" w="9525">
+                  <a14:hiddenLine xmlns:a14="http://schemas.microsoft.com/office/drawing/2010/main" xmlns:p14="http://schemas.microsoft.com/office/powerpoint/2010/main" xmlns:a16="http://schemas.microsoft.com/office/drawing/2014/main" xmlns="" w="9525">
                     <a:solidFill>
                       <a:srgbClr val="000000"/>
                     </a:solidFill>
@@ -30708,7 +30618,7 @@
                     <a16:creationId xmlns:a16="http://schemas.microsoft.com/office/drawing/2014/main" id="{F1178B7C-5A00-4E5B-9010-B1477621E049}"/>
                   </a:ext>
                   <a:ext uri="{C183D7F6-B498-43B3-948B-1728B52AA6E4}">
-                    <adec:decorative xmlns:adec="http://schemas.microsoft.com/office/drawing/2017/decorative" val="1"/>
+                    <adec:decorative xmlns:adec="http://schemas.microsoft.com/office/drawing/2017/decorative" xmlns="" val="1"/>
                   </a:ext>
                 </a:extLst>
               </p:cNvPr>
@@ -30765,7 +30675,7 @@
               </a:ln>
               <a:extLst>
                 <a:ext uri="{91240B29-F687-4f45-9708-019B960494DF}">
-                  <a14:hiddenLine xmlns="" xmlns:a16="http://schemas.microsoft.com/office/drawing/2014/main" xmlns:p14="http://schemas.microsoft.com/office/powerpoint/2010/main" xmlns:a14="http://schemas.microsoft.com/office/drawing/2010/main" w="9525">
+                  <a14:hiddenLine xmlns:a14="http://schemas.microsoft.com/office/drawing/2010/main" xmlns:p14="http://schemas.microsoft.com/office/powerpoint/2010/main" xmlns:a16="http://schemas.microsoft.com/office/drawing/2014/main" xmlns="" w="9525">
                     <a:solidFill>
                       <a:srgbClr val="000000"/>
                     </a:solidFill>
@@ -30785,7 +30695,7 @@
                     <a16:creationId xmlns:a16="http://schemas.microsoft.com/office/drawing/2014/main" id="{E359D5D8-EE2E-4714-A40A-C3A6D91F9897}"/>
                   </a:ext>
                   <a:ext uri="{C183D7F6-B498-43B3-948B-1728B52AA6E4}">
-                    <adec:decorative xmlns:adec="http://schemas.microsoft.com/office/drawing/2017/decorative" val="1"/>
+                    <adec:decorative xmlns:adec="http://schemas.microsoft.com/office/drawing/2017/decorative" xmlns="" val="1"/>
                   </a:ext>
                 </a:extLst>
               </p:cNvPr>
@@ -30870,7 +30780,7 @@
               </a:ln>
               <a:extLst>
                 <a:ext uri="{91240B29-F687-4f45-9708-019B960494DF}">
-                  <a14:hiddenLine xmlns="" xmlns:a16="http://schemas.microsoft.com/office/drawing/2014/main" xmlns:p14="http://schemas.microsoft.com/office/powerpoint/2010/main" xmlns:a14="http://schemas.microsoft.com/office/drawing/2010/main" w="9525">
+                  <a14:hiddenLine xmlns:a14="http://schemas.microsoft.com/office/drawing/2010/main" xmlns:p14="http://schemas.microsoft.com/office/powerpoint/2010/main" xmlns:a16="http://schemas.microsoft.com/office/drawing/2014/main" xmlns="" w="9525">
                     <a:solidFill>
                       <a:srgbClr val="000000"/>
                     </a:solidFill>
@@ -30890,7 +30800,7 @@
                     <a16:creationId xmlns:a16="http://schemas.microsoft.com/office/drawing/2014/main" id="{8A89C2E5-F892-4666-85FB-995578FBC739}"/>
                   </a:ext>
                   <a:ext uri="{C183D7F6-B498-43B3-948B-1728B52AA6E4}">
-                    <adec:decorative xmlns:adec="http://schemas.microsoft.com/office/drawing/2017/decorative" val="1"/>
+                    <adec:decorative xmlns:adec="http://schemas.microsoft.com/office/drawing/2017/decorative" xmlns="" val="1"/>
                   </a:ext>
                 </a:extLst>
               </p:cNvPr>
@@ -30919,7 +30829,7 @@
               </a:ln>
               <a:extLst>
                 <a:ext uri="{91240B29-F687-4f45-9708-019B960494DF}">
-                  <a14:hiddenLine xmlns="" xmlns:a16="http://schemas.microsoft.com/office/drawing/2014/main" xmlns:p14="http://schemas.microsoft.com/office/powerpoint/2010/main" xmlns:a14="http://schemas.microsoft.com/office/drawing/2010/main" w="9525">
+                  <a14:hiddenLine xmlns:a14="http://schemas.microsoft.com/office/drawing/2010/main" xmlns:p14="http://schemas.microsoft.com/office/powerpoint/2010/main" xmlns:a16="http://schemas.microsoft.com/office/drawing/2014/main" xmlns="" w="9525">
                     <a:solidFill>
                       <a:srgbClr val="000000"/>
                     </a:solidFill>
@@ -30939,7 +30849,7 @@
                     <a16:creationId xmlns:a16="http://schemas.microsoft.com/office/drawing/2014/main" id="{6DC6174B-0EC3-4A81-A0D1-D10DBB869A5A}"/>
                   </a:ext>
                   <a:ext uri="{C183D7F6-B498-43B3-948B-1728B52AA6E4}">
-                    <adec:decorative xmlns:adec="http://schemas.microsoft.com/office/drawing/2017/decorative" val="1"/>
+                    <adec:decorative xmlns:adec="http://schemas.microsoft.com/office/drawing/2017/decorative" xmlns="" val="1"/>
                   </a:ext>
                 </a:extLst>
               </p:cNvPr>
@@ -30999,7 +30909,7 @@
               </a:ln>
               <a:extLst>
                 <a:ext uri="{91240B29-F687-4f45-9708-019B960494DF}">
-                  <a14:hiddenLine xmlns="" xmlns:a16="http://schemas.microsoft.com/office/drawing/2014/main" xmlns:p14="http://schemas.microsoft.com/office/powerpoint/2010/main" xmlns:a14="http://schemas.microsoft.com/office/drawing/2010/main" w="9525">
+                  <a14:hiddenLine xmlns:a14="http://schemas.microsoft.com/office/drawing/2010/main" xmlns:p14="http://schemas.microsoft.com/office/powerpoint/2010/main" xmlns:a16="http://schemas.microsoft.com/office/drawing/2014/main" xmlns="" w="9525">
                     <a:solidFill>
                       <a:srgbClr val="000000"/>
                     </a:solidFill>
@@ -31019,7 +30929,7 @@
                     <a16:creationId xmlns:a16="http://schemas.microsoft.com/office/drawing/2014/main" id="{2CB96070-0553-4F79-984C-8DABB1CD5DB5}"/>
                   </a:ext>
                   <a:ext uri="{C183D7F6-B498-43B3-948B-1728B52AA6E4}">
-                    <adec:decorative xmlns:adec="http://schemas.microsoft.com/office/drawing/2017/decorative" val="1"/>
+                    <adec:decorative xmlns:adec="http://schemas.microsoft.com/office/drawing/2017/decorative" xmlns="" val="1"/>
                   </a:ext>
                 </a:extLst>
               </p:cNvPr>
@@ -31104,7 +31014,7 @@
               </a:ln>
               <a:extLst>
                 <a:ext uri="{91240B29-F687-4f45-9708-019B960494DF}">
-                  <a14:hiddenLine xmlns="" xmlns:a16="http://schemas.microsoft.com/office/drawing/2014/main" xmlns:p14="http://schemas.microsoft.com/office/powerpoint/2010/main" xmlns:a14="http://schemas.microsoft.com/office/drawing/2010/main" w="9525">
+                  <a14:hiddenLine xmlns:a14="http://schemas.microsoft.com/office/drawing/2010/main" xmlns:p14="http://schemas.microsoft.com/office/powerpoint/2010/main" xmlns:a16="http://schemas.microsoft.com/office/drawing/2014/main" xmlns="" w="9525">
                     <a:solidFill>
                       <a:srgbClr val="000000"/>
                     </a:solidFill>
@@ -31124,7 +31034,7 @@
                     <a16:creationId xmlns:a16="http://schemas.microsoft.com/office/drawing/2014/main" id="{BA23B6E2-3718-4009-B80E-9279154B1918}"/>
                   </a:ext>
                   <a:ext uri="{C183D7F6-B498-43B3-948B-1728B52AA6E4}">
-                    <adec:decorative xmlns:adec="http://schemas.microsoft.com/office/drawing/2017/decorative" val="1"/>
+                    <adec:decorative xmlns:adec="http://schemas.microsoft.com/office/drawing/2017/decorative" xmlns="" val="1"/>
                   </a:ext>
                 </a:extLst>
               </p:cNvPr>
@@ -31181,7 +31091,7 @@
               </a:ln>
               <a:extLst>
                 <a:ext uri="{91240B29-F687-4f45-9708-019B960494DF}">
-                  <a14:hiddenLine xmlns="" xmlns:a16="http://schemas.microsoft.com/office/drawing/2014/main" xmlns:p14="http://schemas.microsoft.com/office/powerpoint/2010/main" xmlns:a14="http://schemas.microsoft.com/office/drawing/2010/main" w="9525">
+                  <a14:hiddenLine xmlns:a14="http://schemas.microsoft.com/office/drawing/2010/main" xmlns:p14="http://schemas.microsoft.com/office/powerpoint/2010/main" xmlns:a16="http://schemas.microsoft.com/office/drawing/2014/main" xmlns="" w="9525">
                     <a:solidFill>
                       <a:srgbClr val="000000"/>
                     </a:solidFill>
@@ -31201,7 +31111,7 @@
                     <a16:creationId xmlns:a16="http://schemas.microsoft.com/office/drawing/2014/main" id="{CAFB32D5-E528-419B-80EE-1475633970AC}"/>
                   </a:ext>
                   <a:ext uri="{C183D7F6-B498-43B3-948B-1728B52AA6E4}">
-                    <adec:decorative xmlns:adec="http://schemas.microsoft.com/office/drawing/2017/decorative" val="1"/>
+                    <adec:decorative xmlns:adec="http://schemas.microsoft.com/office/drawing/2017/decorative" xmlns="" val="1"/>
                   </a:ext>
                 </a:extLst>
               </p:cNvPr>
@@ -31286,7 +31196,7 @@
               </a:ln>
               <a:extLst>
                 <a:ext uri="{91240B29-F687-4f45-9708-019B960494DF}">
-                  <a14:hiddenLine xmlns="" xmlns:a16="http://schemas.microsoft.com/office/drawing/2014/main" xmlns:p14="http://schemas.microsoft.com/office/powerpoint/2010/main" xmlns:a14="http://schemas.microsoft.com/office/drawing/2010/main" w="9525">
+                  <a14:hiddenLine xmlns:a14="http://schemas.microsoft.com/office/drawing/2010/main" xmlns:p14="http://schemas.microsoft.com/office/powerpoint/2010/main" xmlns:a16="http://schemas.microsoft.com/office/drawing/2014/main" xmlns="" w="9525">
                     <a:solidFill>
                       <a:srgbClr val="000000"/>
                     </a:solidFill>
@@ -31306,7 +31216,7 @@
                     <a16:creationId xmlns:a16="http://schemas.microsoft.com/office/drawing/2014/main" id="{A68ADD35-4FEA-404D-B2F3-23556E6E8F72}"/>
                   </a:ext>
                   <a:ext uri="{C183D7F6-B498-43B3-948B-1728B52AA6E4}">
-                    <adec:decorative xmlns:adec="http://schemas.microsoft.com/office/drawing/2017/decorative" val="1"/>
+                    <adec:decorative xmlns:adec="http://schemas.microsoft.com/office/drawing/2017/decorative" xmlns="" val="1"/>
                   </a:ext>
                 </a:extLst>
               </p:cNvPr>
@@ -31366,7 +31276,7 @@
               </a:ln>
               <a:extLst>
                 <a:ext uri="{91240B29-F687-4f45-9708-019B960494DF}">
-                  <a14:hiddenLine xmlns="" xmlns:a16="http://schemas.microsoft.com/office/drawing/2014/main" xmlns:p14="http://schemas.microsoft.com/office/powerpoint/2010/main" xmlns:a14="http://schemas.microsoft.com/office/drawing/2010/main" w="9525">
+                  <a14:hiddenLine xmlns:a14="http://schemas.microsoft.com/office/drawing/2010/main" xmlns:p14="http://schemas.microsoft.com/office/powerpoint/2010/main" xmlns:a16="http://schemas.microsoft.com/office/drawing/2014/main" xmlns="" w="9525">
                     <a:solidFill>
                       <a:srgbClr val="000000"/>
                     </a:solidFill>
@@ -31386,7 +31296,7 @@
                     <a16:creationId xmlns:a16="http://schemas.microsoft.com/office/drawing/2014/main" id="{89CF17CA-49E3-4B4A-836A-4FD55C67BECE}"/>
                   </a:ext>
                   <a:ext uri="{C183D7F6-B498-43B3-948B-1728B52AA6E4}">
-                    <adec:decorative xmlns:adec="http://schemas.microsoft.com/office/drawing/2017/decorative" val="1"/>
+                    <adec:decorative xmlns:adec="http://schemas.microsoft.com/office/drawing/2017/decorative" xmlns="" val="1"/>
                   </a:ext>
                 </a:extLst>
               </p:cNvPr>
@@ -31443,7 +31353,7 @@
               </a:ln>
               <a:extLst>
                 <a:ext uri="{91240B29-F687-4f45-9708-019B960494DF}">
-                  <a14:hiddenLine xmlns="" xmlns:a16="http://schemas.microsoft.com/office/drawing/2014/main" xmlns:p14="http://schemas.microsoft.com/office/powerpoint/2010/main" xmlns:a14="http://schemas.microsoft.com/office/drawing/2010/main" w="9525">
+                  <a14:hiddenLine xmlns:a14="http://schemas.microsoft.com/office/drawing/2010/main" xmlns:p14="http://schemas.microsoft.com/office/powerpoint/2010/main" xmlns:a16="http://schemas.microsoft.com/office/drawing/2014/main" xmlns="" w="9525">
                     <a:solidFill>
                       <a:srgbClr val="000000"/>
                     </a:solidFill>
@@ -31463,7 +31373,7 @@
                     <a16:creationId xmlns:a16="http://schemas.microsoft.com/office/drawing/2014/main" id="{AB394F2E-F3E7-4CED-84A9-35C47AB287C8}"/>
                   </a:ext>
                   <a:ext uri="{C183D7F6-B498-43B3-948B-1728B52AA6E4}">
-                    <adec:decorative xmlns:adec="http://schemas.microsoft.com/office/drawing/2017/decorative" val="1"/>
+                    <adec:decorative xmlns:adec="http://schemas.microsoft.com/office/drawing/2017/decorative" xmlns="" val="1"/>
                   </a:ext>
                 </a:extLst>
               </p:cNvPr>
@@ -31548,7 +31458,7 @@
               </a:ln>
               <a:extLst>
                 <a:ext uri="{91240B29-F687-4f45-9708-019B960494DF}">
-                  <a14:hiddenLine xmlns="" xmlns:a16="http://schemas.microsoft.com/office/drawing/2014/main" xmlns:p14="http://schemas.microsoft.com/office/powerpoint/2010/main" xmlns:a14="http://schemas.microsoft.com/office/drawing/2010/main" w="9525">
+                  <a14:hiddenLine xmlns:a14="http://schemas.microsoft.com/office/drawing/2010/main" xmlns:p14="http://schemas.microsoft.com/office/powerpoint/2010/main" xmlns:a16="http://schemas.microsoft.com/office/drawing/2014/main" xmlns="" w="9525">
                     <a:solidFill>
                       <a:srgbClr val="000000"/>
                     </a:solidFill>
@@ -31568,7 +31478,7 @@
                     <a16:creationId xmlns:a16="http://schemas.microsoft.com/office/drawing/2014/main" id="{FF816C2F-3999-4A9F-8395-5D68ED33A41E}"/>
                   </a:ext>
                   <a:ext uri="{C183D7F6-B498-43B3-948B-1728B52AA6E4}">
-                    <adec:decorative xmlns:adec="http://schemas.microsoft.com/office/drawing/2017/decorative" val="1"/>
+                    <adec:decorative xmlns:adec="http://schemas.microsoft.com/office/drawing/2017/decorative" xmlns="" val="1"/>
                   </a:ext>
                 </a:extLst>
               </p:cNvPr>
@@ -31653,7 +31563,7 @@
               </a:ln>
               <a:extLst>
                 <a:ext uri="{91240B29-F687-4f45-9708-019B960494DF}">
-                  <a14:hiddenLine xmlns="" xmlns:a16="http://schemas.microsoft.com/office/drawing/2014/main" xmlns:p14="http://schemas.microsoft.com/office/powerpoint/2010/main" xmlns:a14="http://schemas.microsoft.com/office/drawing/2010/main" w="9525">
+                  <a14:hiddenLine xmlns:a14="http://schemas.microsoft.com/office/drawing/2010/main" xmlns:p14="http://schemas.microsoft.com/office/powerpoint/2010/main" xmlns:a16="http://schemas.microsoft.com/office/drawing/2014/main" xmlns="" w="9525">
                     <a:solidFill>
                       <a:srgbClr val="000000"/>
                     </a:solidFill>
@@ -31673,7 +31583,7 @@
                     <a16:creationId xmlns:a16="http://schemas.microsoft.com/office/drawing/2014/main" id="{82AD6AC6-71D5-4BD8-9185-D3062968B57E}"/>
                   </a:ext>
                   <a:ext uri="{C183D7F6-B498-43B3-948B-1728B52AA6E4}">
-                    <adec:decorative xmlns:adec="http://schemas.microsoft.com/office/drawing/2017/decorative" val="1"/>
+                    <adec:decorative xmlns:adec="http://schemas.microsoft.com/office/drawing/2017/decorative" xmlns="" val="1"/>
                   </a:ext>
                 </a:extLst>
               </p:cNvPr>
@@ -31733,7 +31643,7 @@
               </a:ln>
               <a:extLst>
                 <a:ext uri="{91240B29-F687-4f45-9708-019B960494DF}">
-                  <a14:hiddenLine xmlns="" xmlns:a16="http://schemas.microsoft.com/office/drawing/2014/main" xmlns:p14="http://schemas.microsoft.com/office/powerpoint/2010/main" xmlns:a14="http://schemas.microsoft.com/office/drawing/2010/main" w="9525">
+                  <a14:hiddenLine xmlns:a14="http://schemas.microsoft.com/office/drawing/2010/main" xmlns:p14="http://schemas.microsoft.com/office/powerpoint/2010/main" xmlns:a16="http://schemas.microsoft.com/office/drawing/2014/main" xmlns="" w="9525">
                     <a:solidFill>
                       <a:srgbClr val="000000"/>
                     </a:solidFill>
@@ -31753,7 +31663,7 @@
                     <a16:creationId xmlns:a16="http://schemas.microsoft.com/office/drawing/2014/main" id="{743A50C2-65CF-4F4C-B412-6149A93ACFE5}"/>
                   </a:ext>
                   <a:ext uri="{C183D7F6-B498-43B3-948B-1728B52AA6E4}">
-                    <adec:decorative xmlns:adec="http://schemas.microsoft.com/office/drawing/2017/decorative" val="1"/>
+                    <adec:decorative xmlns:adec="http://schemas.microsoft.com/office/drawing/2017/decorative" xmlns="" val="1"/>
                   </a:ext>
                 </a:extLst>
               </p:cNvPr>
@@ -31868,7 +31778,7 @@
               </a:ln>
               <a:extLst>
                 <a:ext uri="{91240B29-F687-4f45-9708-019B960494DF}">
-                  <a14:hiddenLine xmlns="" xmlns:a16="http://schemas.microsoft.com/office/drawing/2014/main" xmlns:p14="http://schemas.microsoft.com/office/powerpoint/2010/main" xmlns:a14="http://schemas.microsoft.com/office/drawing/2010/main" w="9525">
+                  <a14:hiddenLine xmlns:a14="http://schemas.microsoft.com/office/drawing/2010/main" xmlns:p14="http://schemas.microsoft.com/office/powerpoint/2010/main" xmlns:a16="http://schemas.microsoft.com/office/drawing/2014/main" xmlns="" w="9525">
                     <a:solidFill>
                       <a:srgbClr val="000000"/>
                     </a:solidFill>
@@ -31889,7 +31799,7 @@
                   <a16:creationId xmlns:a16="http://schemas.microsoft.com/office/drawing/2014/main" id="{6C0E7A88-FEDF-4C4F-A6B4-F7DDE9DE926A}"/>
                 </a:ext>
                 <a:ext uri="{C183D7F6-B498-43B3-948B-1728B52AA6E4}">
-                  <adec:decorative xmlns:adec="http://schemas.microsoft.com/office/drawing/2017/decorative" val="1"/>
+                  <adec:decorative xmlns:adec="http://schemas.microsoft.com/office/drawing/2017/decorative" xmlns="" val="1"/>
                 </a:ext>
               </a:extLst>
             </p:cNvPr>
@@ -31933,7 +31843,7 @@
                     <a16:creationId xmlns:a16="http://schemas.microsoft.com/office/drawing/2014/main" id="{AE94B3EE-D5C0-4BDE-B6AA-7599F0486EA5}"/>
                   </a:ext>
                   <a:ext uri="{C183D7F6-B498-43B3-948B-1728B52AA6E4}">
-                    <adec:decorative xmlns:adec="http://schemas.microsoft.com/office/drawing/2017/decorative" val="1"/>
+                    <adec:decorative xmlns:adec="http://schemas.microsoft.com/office/drawing/2017/decorative" xmlns="" val="1"/>
                   </a:ext>
                 </a:extLst>
               </p:cNvPr>
@@ -31993,7 +31903,7 @@
               </a:ln>
               <a:extLst>
                 <a:ext uri="{91240B29-F687-4f45-9708-019B960494DF}">
-                  <a14:hiddenLine xmlns="" xmlns:a16="http://schemas.microsoft.com/office/drawing/2014/main" xmlns:p14="http://schemas.microsoft.com/office/powerpoint/2010/main" xmlns:a14="http://schemas.microsoft.com/office/drawing/2010/main" w="9525">
+                  <a14:hiddenLine xmlns:a14="http://schemas.microsoft.com/office/drawing/2010/main" xmlns:p14="http://schemas.microsoft.com/office/powerpoint/2010/main" xmlns:a16="http://schemas.microsoft.com/office/drawing/2014/main" xmlns="" w="9525">
                     <a:solidFill>
                       <a:srgbClr val="000000"/>
                     </a:solidFill>
@@ -32013,7 +31923,7 @@
                     <a16:creationId xmlns:a16="http://schemas.microsoft.com/office/drawing/2014/main" id="{5EF110E8-C00D-454E-8F3A-ECF2D356676F}"/>
                   </a:ext>
                   <a:ext uri="{C183D7F6-B498-43B3-948B-1728B52AA6E4}">
-                    <adec:decorative xmlns:adec="http://schemas.microsoft.com/office/drawing/2017/decorative" val="1"/>
+                    <adec:decorative xmlns:adec="http://schemas.microsoft.com/office/drawing/2017/decorative" xmlns="" val="1"/>
                   </a:ext>
                 </a:extLst>
               </p:cNvPr>
@@ -32123,7 +32033,7 @@
               </a:ln>
               <a:extLst>
                 <a:ext uri="{91240B29-F687-4f45-9708-019B960494DF}">
-                  <a14:hiddenLine xmlns="" xmlns:a16="http://schemas.microsoft.com/office/drawing/2014/main" xmlns:p14="http://schemas.microsoft.com/office/powerpoint/2010/main" xmlns:a14="http://schemas.microsoft.com/office/drawing/2010/main" w="9525">
+                  <a14:hiddenLine xmlns:a14="http://schemas.microsoft.com/office/drawing/2010/main" xmlns:p14="http://schemas.microsoft.com/office/powerpoint/2010/main" xmlns:a16="http://schemas.microsoft.com/office/drawing/2014/main" xmlns="" w="9525">
                     <a:solidFill>
                       <a:srgbClr val="000000"/>
                     </a:solidFill>
@@ -32143,7 +32053,7 @@
                     <a16:creationId xmlns:a16="http://schemas.microsoft.com/office/drawing/2014/main" id="{BFC5F327-6927-4F35-9AF6-C45527BB4512}"/>
                   </a:ext>
                   <a:ext uri="{C183D7F6-B498-43B3-948B-1728B52AA6E4}">
-                    <adec:decorative xmlns:adec="http://schemas.microsoft.com/office/drawing/2017/decorative" val="1"/>
+                    <adec:decorative xmlns:adec="http://schemas.microsoft.com/office/drawing/2017/decorative" xmlns="" val="1"/>
                   </a:ext>
                 </a:extLst>
               </p:cNvPr>
@@ -32228,7 +32138,7 @@
               </a:ln>
               <a:extLst>
                 <a:ext uri="{91240B29-F687-4f45-9708-019B960494DF}">
-                  <a14:hiddenLine xmlns="" xmlns:a16="http://schemas.microsoft.com/office/drawing/2014/main" xmlns:p14="http://schemas.microsoft.com/office/powerpoint/2010/main" xmlns:a14="http://schemas.microsoft.com/office/drawing/2010/main" w="9525">
+                  <a14:hiddenLine xmlns:a14="http://schemas.microsoft.com/office/drawing/2010/main" xmlns:p14="http://schemas.microsoft.com/office/powerpoint/2010/main" xmlns:a16="http://schemas.microsoft.com/office/drawing/2014/main" xmlns="" w="9525">
                     <a:solidFill>
                       <a:srgbClr val="000000"/>
                     </a:solidFill>
@@ -32248,7 +32158,7 @@
                     <a16:creationId xmlns:a16="http://schemas.microsoft.com/office/drawing/2014/main" id="{BF2D314D-AEDE-418D-9702-D3CDB98C30FB}"/>
                   </a:ext>
                   <a:ext uri="{C183D7F6-B498-43B3-948B-1728B52AA6E4}">
-                    <adec:decorative xmlns:adec="http://schemas.microsoft.com/office/drawing/2017/decorative" val="1"/>
+                    <adec:decorative xmlns:adec="http://schemas.microsoft.com/office/drawing/2017/decorative" xmlns="" val="1"/>
                   </a:ext>
                 </a:extLst>
               </p:cNvPr>
@@ -32308,7 +32218,7 @@
               </a:ln>
               <a:extLst>
                 <a:ext uri="{91240B29-F687-4f45-9708-019B960494DF}">
-                  <a14:hiddenLine xmlns="" xmlns:a16="http://schemas.microsoft.com/office/drawing/2014/main" xmlns:p14="http://schemas.microsoft.com/office/powerpoint/2010/main" xmlns:a14="http://schemas.microsoft.com/office/drawing/2010/main" w="9525">
+                  <a14:hiddenLine xmlns:a14="http://schemas.microsoft.com/office/drawing/2010/main" xmlns:p14="http://schemas.microsoft.com/office/powerpoint/2010/main" xmlns:a16="http://schemas.microsoft.com/office/drawing/2014/main" xmlns="" w="9525">
                     <a:solidFill>
                       <a:srgbClr val="000000"/>
                     </a:solidFill>
@@ -32328,7 +32238,7 @@
                     <a16:creationId xmlns:a16="http://schemas.microsoft.com/office/drawing/2014/main" id="{64FD07F8-3CA6-4209-9A9E-30609FE9A36D}"/>
                   </a:ext>
                   <a:ext uri="{C183D7F6-B498-43B3-948B-1728B52AA6E4}">
-                    <adec:decorative xmlns:adec="http://schemas.microsoft.com/office/drawing/2017/decorative" val="1"/>
+                    <adec:decorative xmlns:adec="http://schemas.microsoft.com/office/drawing/2017/decorative" xmlns="" val="1"/>
                   </a:ext>
                 </a:extLst>
               </p:cNvPr>
@@ -32413,7 +32323,7 @@
               </a:ln>
               <a:extLst>
                 <a:ext uri="{91240B29-F687-4f45-9708-019B960494DF}">
-                  <a14:hiddenLine xmlns="" xmlns:a16="http://schemas.microsoft.com/office/drawing/2014/main" xmlns:p14="http://schemas.microsoft.com/office/powerpoint/2010/main" xmlns:a14="http://schemas.microsoft.com/office/drawing/2010/main" w="9525">
+                  <a14:hiddenLine xmlns:a14="http://schemas.microsoft.com/office/drawing/2010/main" xmlns:p14="http://schemas.microsoft.com/office/powerpoint/2010/main" xmlns:a16="http://schemas.microsoft.com/office/drawing/2014/main" xmlns="" w="9525">
                     <a:solidFill>
                       <a:srgbClr val="000000"/>
                     </a:solidFill>
@@ -32433,7 +32343,7 @@
                     <a16:creationId xmlns:a16="http://schemas.microsoft.com/office/drawing/2014/main" id="{AB0AE24D-CD49-4B57-82E0-780F62AE4FDE}"/>
                   </a:ext>
                   <a:ext uri="{C183D7F6-B498-43B3-948B-1728B52AA6E4}">
-                    <adec:decorative xmlns:adec="http://schemas.microsoft.com/office/drawing/2017/decorative" val="1"/>
+                    <adec:decorative xmlns:adec="http://schemas.microsoft.com/office/drawing/2017/decorative" xmlns="" val="1"/>
                   </a:ext>
                 </a:extLst>
               </p:cNvPr>
@@ -32496,7 +32406,7 @@
               </a:ln>
               <a:extLst>
                 <a:ext uri="{91240B29-F687-4f45-9708-019B960494DF}">
-                  <a14:hiddenLine xmlns="" xmlns:a16="http://schemas.microsoft.com/office/drawing/2014/main" xmlns:p14="http://schemas.microsoft.com/office/powerpoint/2010/main" xmlns:a14="http://schemas.microsoft.com/office/drawing/2010/main" w="9525">
+                  <a14:hiddenLine xmlns:a14="http://schemas.microsoft.com/office/drawing/2010/main" xmlns:p14="http://schemas.microsoft.com/office/powerpoint/2010/main" xmlns:a16="http://schemas.microsoft.com/office/drawing/2014/main" xmlns="" w="9525">
                     <a:solidFill>
                       <a:srgbClr val="000000"/>
                     </a:solidFill>
@@ -32516,7 +32426,7 @@
                     <a16:creationId xmlns:a16="http://schemas.microsoft.com/office/drawing/2014/main" id="{66803AF8-6368-45E6-A0B7-C0C4CFFEEB51}"/>
                   </a:ext>
                   <a:ext uri="{C183D7F6-B498-43B3-948B-1728B52AA6E4}">
-                    <adec:decorative xmlns:adec="http://schemas.microsoft.com/office/drawing/2017/decorative" val="1"/>
+                    <adec:decorative xmlns:adec="http://schemas.microsoft.com/office/drawing/2017/decorative" xmlns="" val="1"/>
                   </a:ext>
                 </a:extLst>
               </p:cNvPr>
@@ -32601,7 +32511,7 @@
               </a:ln>
               <a:extLst>
                 <a:ext uri="{91240B29-F687-4f45-9708-019B960494DF}">
-                  <a14:hiddenLine xmlns="" xmlns:a16="http://schemas.microsoft.com/office/drawing/2014/main" xmlns:p14="http://schemas.microsoft.com/office/powerpoint/2010/main" xmlns:a14="http://schemas.microsoft.com/office/drawing/2010/main" w="9525">
+                  <a14:hiddenLine xmlns:a14="http://schemas.microsoft.com/office/drawing/2010/main" xmlns:p14="http://schemas.microsoft.com/office/powerpoint/2010/main" xmlns:a16="http://schemas.microsoft.com/office/drawing/2014/main" xmlns="" w="9525">
                     <a:solidFill>
                       <a:srgbClr val="000000"/>
                     </a:solidFill>
@@ -32621,7 +32531,7 @@
                     <a16:creationId xmlns:a16="http://schemas.microsoft.com/office/drawing/2014/main" id="{B4761E05-2792-472B-A814-9616151CF305}"/>
                   </a:ext>
                   <a:ext uri="{C183D7F6-B498-43B3-948B-1728B52AA6E4}">
-                    <adec:decorative xmlns:adec="http://schemas.microsoft.com/office/drawing/2017/decorative" val="1"/>
+                    <adec:decorative xmlns:adec="http://schemas.microsoft.com/office/drawing/2017/decorative" xmlns="" val="1"/>
                   </a:ext>
                 </a:extLst>
               </p:cNvPr>
@@ -32684,7 +32594,7 @@
               </a:ln>
               <a:extLst>
                 <a:ext uri="{91240B29-F687-4f45-9708-019B960494DF}">
-                  <a14:hiddenLine xmlns="" xmlns:a16="http://schemas.microsoft.com/office/drawing/2014/main" xmlns:p14="http://schemas.microsoft.com/office/powerpoint/2010/main" xmlns:a14="http://schemas.microsoft.com/office/drawing/2010/main" w="9525">
+                  <a14:hiddenLine xmlns:a14="http://schemas.microsoft.com/office/drawing/2010/main" xmlns:p14="http://schemas.microsoft.com/office/powerpoint/2010/main" xmlns:a16="http://schemas.microsoft.com/office/drawing/2014/main" xmlns="" w="9525">
                     <a:solidFill>
                       <a:srgbClr val="000000"/>
                     </a:solidFill>
@@ -32704,7 +32614,7 @@
                     <a16:creationId xmlns:a16="http://schemas.microsoft.com/office/drawing/2014/main" id="{40B6A261-9427-4E70-9564-048AD009BD83}"/>
                   </a:ext>
                   <a:ext uri="{C183D7F6-B498-43B3-948B-1728B52AA6E4}">
-                    <adec:decorative xmlns:adec="http://schemas.microsoft.com/office/drawing/2017/decorative" val="1"/>
+                    <adec:decorative xmlns:adec="http://schemas.microsoft.com/office/drawing/2017/decorative" xmlns="" val="1"/>
                   </a:ext>
                 </a:extLst>
               </p:cNvPr>
@@ -32789,7 +32699,7 @@
               </a:ln>
               <a:extLst>
                 <a:ext uri="{91240B29-F687-4f45-9708-019B960494DF}">
-                  <a14:hiddenLine xmlns="" xmlns:a16="http://schemas.microsoft.com/office/drawing/2014/main" xmlns:p14="http://schemas.microsoft.com/office/powerpoint/2010/main" xmlns:a14="http://schemas.microsoft.com/office/drawing/2010/main" w="9525">
+                  <a14:hiddenLine xmlns:a14="http://schemas.microsoft.com/office/drawing/2010/main" xmlns:p14="http://schemas.microsoft.com/office/powerpoint/2010/main" xmlns:a16="http://schemas.microsoft.com/office/drawing/2014/main" xmlns="" w="9525">
                     <a:solidFill>
                       <a:srgbClr val="000000"/>
                     </a:solidFill>
@@ -32809,7 +32719,7 @@
                     <a16:creationId xmlns:a16="http://schemas.microsoft.com/office/drawing/2014/main" id="{68BFDFBE-2286-4123-9436-E1DF84AF494F}"/>
                   </a:ext>
                   <a:ext uri="{C183D7F6-B498-43B3-948B-1728B52AA6E4}">
-                    <adec:decorative xmlns:adec="http://schemas.microsoft.com/office/drawing/2017/decorative" val="1"/>
+                    <adec:decorative xmlns:adec="http://schemas.microsoft.com/office/drawing/2017/decorative" xmlns="" val="1"/>
                   </a:ext>
                 </a:extLst>
               </p:cNvPr>
@@ -32838,7 +32748,7 @@
               </a:ln>
               <a:extLst>
                 <a:ext uri="{91240B29-F687-4f45-9708-019B960494DF}">
-                  <a14:hiddenLine xmlns="" xmlns:a16="http://schemas.microsoft.com/office/drawing/2014/main" xmlns:p14="http://schemas.microsoft.com/office/powerpoint/2010/main" xmlns:a14="http://schemas.microsoft.com/office/drawing/2010/main" w="9525">
+                  <a14:hiddenLine xmlns:a14="http://schemas.microsoft.com/office/drawing/2010/main" xmlns:p14="http://schemas.microsoft.com/office/powerpoint/2010/main" xmlns:a16="http://schemas.microsoft.com/office/drawing/2014/main" xmlns="" w="9525">
                     <a:solidFill>
                       <a:srgbClr val="000000"/>
                     </a:solidFill>
@@ -32860,7 +32770,7 @@
                 <a16:creationId xmlns:a16="http://schemas.microsoft.com/office/drawing/2014/main" id="{5B3DE270-418F-47A7-B311-C4D876041DC6}"/>
               </a:ext>
               <a:ext uri="{C183D7F6-B498-43B3-948B-1728B52AA6E4}">
-                <adec:decorative xmlns:adec="http://schemas.microsoft.com/office/drawing/2017/decorative" val="1"/>
+                <adec:decorative xmlns:adec="http://schemas.microsoft.com/office/drawing/2017/decorative" xmlns="" val="1"/>
               </a:ext>
             </a:extLst>
           </p:cNvPr>
@@ -32900,7 +32810,7 @@
           <a:noFill/>
           <a:extLst>
             <a:ext uri="{909E8E84-426E-40dd-AFC4-6F175D3DCCD1}">
-              <a14:hiddenFill xmlns="" xmlns:a16="http://schemas.microsoft.com/office/drawing/2014/main" xmlns:p14="http://schemas.microsoft.com/office/powerpoint/2010/main" xmlns:a14="http://schemas.microsoft.com/office/drawing/2010/main">
+              <a14:hiddenFill xmlns:a14="http://schemas.microsoft.com/office/drawing/2010/main" xmlns:p14="http://schemas.microsoft.com/office/powerpoint/2010/main" xmlns:a16="http://schemas.microsoft.com/office/drawing/2014/main" xmlns="">
                 <a:solidFill>
                   <a:srgbClr val="FFFFFF"/>
                 </a:solidFill>
@@ -32961,7 +32871,7 @@
                 <a16:creationId xmlns:a16="http://schemas.microsoft.com/office/drawing/2014/main" id="{A1351C6B-7343-451F-AB4A-1CE294A4E927}"/>
               </a:ext>
               <a:ext uri="{C183D7F6-B498-43B3-948B-1728B52AA6E4}">
-                <adec:decorative xmlns:adec="http://schemas.microsoft.com/office/drawing/2017/decorative" val="1"/>
+                <adec:decorative xmlns:adec="http://schemas.microsoft.com/office/drawing/2017/decorative" xmlns="" val="1"/>
               </a:ext>
             </a:extLst>
           </p:cNvPr>
@@ -34005,142 +33915,6 @@
 <file path=ppt/slides/slide3.xml><?xml version="1.0" encoding="utf-8"?>
 <p:sld xmlns:a="http://schemas.openxmlformats.org/drawingml/2006/main" xmlns:r="http://schemas.openxmlformats.org/officeDocument/2006/relationships" xmlns:p="http://schemas.openxmlformats.org/presentationml/2006/main">
   <p:cSld>
-    <p:spTree>
-      <p:nvGrpSpPr>
-        <p:cNvPr id="1" name=""/>
-        <p:cNvGrpSpPr/>
-        <p:nvPr/>
-      </p:nvGrpSpPr>
-      <p:grpSpPr>
-        <a:xfrm>
-          <a:off x="0" y="0"/>
-          <a:ext cx="0" cy="0"/>
-          <a:chOff x="0" y="0"/>
-          <a:chExt cx="0" cy="0"/>
-        </a:xfrm>
-      </p:grpSpPr>
-      <p:sp>
-        <p:nvSpPr>
-          <p:cNvPr id="4" name="Título 3">
-            <a:extLst>
-              <a:ext uri="{FF2B5EF4-FFF2-40B4-BE49-F238E27FC236}">
-                <a16:creationId xmlns:a16="http://schemas.microsoft.com/office/drawing/2014/main" id="{1506D1A8-888C-4B7A-9C63-5C9B66E5C3F8}"/>
-              </a:ext>
-            </a:extLst>
-          </p:cNvPr>
-          <p:cNvSpPr>
-            <a:spLocks noGrp="1"/>
-          </p:cNvSpPr>
-          <p:nvPr>
-            <p:ph type="title"/>
-          </p:nvPr>
-        </p:nvSpPr>
-        <p:spPr>
-          <a:xfrm>
-            <a:off x="2318100" y="113175"/>
-            <a:ext cx="4507800" cy="460336"/>
-          </a:xfrm>
-        </p:spPr>
-        <p:txBody>
-          <a:bodyPr/>
-          <a:lstStyle/>
-          <a:p>
-            <a:r>
-              <a:rPr lang="es-EC" dirty="0"/>
-              <a:t>PROPUESTA DE </a:t>
-            </a:r>
-            <a:r>
-              <a:rPr lang="es-EC" dirty="0" err="1"/>
-              <a:t>SOLUcIÓN</a:t>
-            </a:r>
-            <a:endParaRPr lang="es-EC" dirty="0"/>
-          </a:p>
-        </p:txBody>
-      </p:sp>
-      <p:sp>
-        <p:nvSpPr>
-          <p:cNvPr id="5" name="Marcador de número de diapositiva 4">
-            <a:extLst>
-              <a:ext uri="{FF2B5EF4-FFF2-40B4-BE49-F238E27FC236}">
-                <a16:creationId xmlns:a16="http://schemas.microsoft.com/office/drawing/2014/main" id="{B75E5717-7B56-4EE1-AE42-87710D53EF87}"/>
-              </a:ext>
-            </a:extLst>
-          </p:cNvPr>
-          <p:cNvSpPr>
-            <a:spLocks noGrp="1"/>
-          </p:cNvSpPr>
-          <p:nvPr>
-            <p:ph type="sldNum" idx="12"/>
-          </p:nvPr>
-        </p:nvSpPr>
-        <p:spPr/>
-        <p:txBody>
-          <a:bodyPr/>
-          <a:lstStyle/>
-          <a:p>
-            <a:pPr marL="0" lvl="0" indent="0" algn="ctr" rtl="0">
-              <a:spcBef>
-                <a:spcPts val="0"/>
-              </a:spcBef>
-              <a:spcAft>
-                <a:spcPts val="0"/>
-              </a:spcAft>
-              <a:buNone/>
-            </a:pPr>
-            <a:fld id="{00000000-1234-1234-1234-123412341234}" type="slidenum">
-              <a:rPr lang="es-EC" smtClean="0"/>
-              <a:t>3</a:t>
-            </a:fld>
-            <a:endParaRPr lang="es-EC"/>
-          </a:p>
-        </p:txBody>
-      </p:sp>
-      <p:pic>
-        <p:nvPicPr>
-          <p:cNvPr id="8" name="Imagen 7">
-            <a:extLst>
-              <a:ext uri="{FF2B5EF4-FFF2-40B4-BE49-F238E27FC236}">
-                <a16:creationId xmlns:a16="http://schemas.microsoft.com/office/drawing/2014/main" id="{512A6AB9-94CD-4E99-B1D0-190C61BEE515}"/>
-              </a:ext>
-            </a:extLst>
-          </p:cNvPr>
-          <p:cNvPicPr>
-            <a:picLocks noChangeAspect="1"/>
-          </p:cNvPicPr>
-          <p:nvPr/>
-        </p:nvPicPr>
-        <p:blipFill>
-          <a:blip r:embed="rId2"/>
-          <a:stretch>
-            <a:fillRect/>
-          </a:stretch>
-        </p:blipFill>
-        <p:spPr>
-          <a:xfrm>
-            <a:off x="0" y="573511"/>
-            <a:ext cx="9144000" cy="4569940"/>
-          </a:xfrm>
-          <a:prstGeom prst="rect">
-            <a:avLst/>
-          </a:prstGeom>
-        </p:spPr>
-      </p:pic>
-    </p:spTree>
-    <p:extLst>
-      <p:ext uri="{BB962C8B-B14F-4D97-AF65-F5344CB8AC3E}">
-        <p14:creationId xmlns:p14="http://schemas.microsoft.com/office/powerpoint/2010/main" val="4143090709"/>
-      </p:ext>
-    </p:extLst>
-  </p:cSld>
-  <p:clrMapOvr>
-    <a:masterClrMapping/>
-  </p:clrMapOvr>
-</p:sld>
-</file>
-
-<file path=ppt/slides/slide4.xml><?xml version="1.0" encoding="utf-8"?>
-<p:sld xmlns:a="http://schemas.openxmlformats.org/drawingml/2006/main" xmlns:r="http://schemas.openxmlformats.org/officeDocument/2006/relationships" xmlns:p="http://schemas.openxmlformats.org/presentationml/2006/main">
-  <p:cSld>
     <p:bg>
       <p:bgPr>
         <a:solidFill>
@@ -34290,7 +34064,7 @@
                 <a:tabLst/>
                 <a:defRPr/>
               </a:pPr>
-              <a:t>4</a:t>
+              <a:t>3</a:t>
             </a:fld>
             <a:endParaRPr kumimoji="0" sz="1300" b="0" i="0" u="none" strike="noStrike" kern="0" cap="none" spc="0" normalizeH="0" baseline="0" noProof="0">
               <a:ln>
@@ -34658,20 +34432,12 @@
 </p:sld>
 </file>
 
-<file path=ppt/slides/slide5.xml><?xml version="1.0" encoding="utf-8"?>
+<file path=ppt/slides/slide4.xml><?xml version="1.0" encoding="utf-8"?>
 <p:sld xmlns:a="http://schemas.openxmlformats.org/drawingml/2006/main" xmlns:r="http://schemas.openxmlformats.org/officeDocument/2006/relationships" xmlns:p="http://schemas.openxmlformats.org/presentationml/2006/main">
   <p:cSld>
-    <p:bg>
-      <p:bgPr>
-        <a:solidFill>
-          <a:srgbClr val="FFFFFF"/>
-        </a:solidFill>
-        <a:effectLst/>
-      </p:bgPr>
-    </p:bg>
     <p:spTree>
       <p:nvGrpSpPr>
-        <p:cNvPr id="1" name="Shape 348"/>
+        <p:cNvPr id="1" name=""/>
         <p:cNvGrpSpPr/>
         <p:nvPr/>
       </p:nvGrpSpPr>
@@ -34685,8 +34451,14 @@
       </p:grpSpPr>
       <p:sp>
         <p:nvSpPr>
-          <p:cNvPr id="349" name="Google Shape;349;p35"/>
-          <p:cNvSpPr txBox="1">
+          <p:cNvPr id="4" name="Título 3">
+            <a:extLst>
+              <a:ext uri="{FF2B5EF4-FFF2-40B4-BE49-F238E27FC236}">
+                <a16:creationId xmlns:a16="http://schemas.microsoft.com/office/drawing/2014/main" id="{1506D1A8-888C-4B7A-9C63-5C9B66E5C3F8}"/>
+              </a:ext>
+            </a:extLst>
+          </p:cNvPr>
+          <p:cNvSpPr>
             <a:spLocks noGrp="1"/>
           </p:cNvSpPr>
           <p:nvPr>
@@ -34695,146 +34467,83 @@
         </p:nvSpPr>
         <p:spPr>
           <a:xfrm>
-            <a:off x="899591" y="113175"/>
-            <a:ext cx="7434783" cy="857400"/>
+            <a:off x="2318100" y="113175"/>
+            <a:ext cx="4507800" cy="460336"/>
           </a:xfrm>
-          <a:prstGeom prst="rect">
-            <a:avLst/>
-          </a:prstGeom>
         </p:spPr>
         <p:txBody>
-          <a:bodyPr spcFirstLastPara="1" wrap="square" lIns="91425" tIns="91425" rIns="91425" bIns="91425" anchor="ctr" anchorCtr="0">
-            <a:noAutofit/>
-          </a:bodyPr>
+          <a:bodyPr/>
           <a:lstStyle/>
           <a:p>
-            <a:pPr lvl="0"/>
             <a:r>
-              <a:rPr lang="es-EC" dirty="0">
-                <a:solidFill>
-                  <a:schemeClr val="bg1"/>
-                </a:solidFill>
-              </a:rPr>
-              <a:t>ESQUEMA DE FUNCIOAMIENTO DE LA PROPUESTA</a:t>
+              <a:rPr lang="es-EC" dirty="0"/>
+              <a:t>PROPUESTA DE SOLUcIÓN</a:t>
             </a:r>
           </a:p>
         </p:txBody>
       </p:sp>
       <p:sp>
         <p:nvSpPr>
-          <p:cNvPr id="352" name="Google Shape;352;p35"/>
-          <p:cNvSpPr txBox="1">
+          <p:cNvPr id="5" name="Marcador de número de diapositiva 4">
+            <a:extLst>
+              <a:ext uri="{FF2B5EF4-FFF2-40B4-BE49-F238E27FC236}">
+                <a16:creationId xmlns:a16="http://schemas.microsoft.com/office/drawing/2014/main" id="{B75E5717-7B56-4EE1-AE42-87710D53EF87}"/>
+              </a:ext>
+            </a:extLst>
+          </p:cNvPr>
+          <p:cNvSpPr>
             <a:spLocks noGrp="1"/>
           </p:cNvSpPr>
           <p:nvPr>
             <p:ph type="sldNum" idx="12"/>
           </p:nvPr>
         </p:nvSpPr>
-        <p:spPr>
-          <a:prstGeom prst="rect">
-            <a:avLst/>
-          </a:prstGeom>
-        </p:spPr>
+        <p:spPr/>
         <p:txBody>
-          <a:bodyPr spcFirstLastPara="1" wrap="square" lIns="91425" tIns="91425" rIns="91425" bIns="91425" anchor="t" anchorCtr="0">
-            <a:noAutofit/>
-          </a:bodyPr>
+          <a:bodyPr/>
           <a:lstStyle/>
           <a:p>
-            <a:pPr marL="0" marR="0" lvl="0" indent="0" algn="ctr" defTabSz="914400" rtl="0" eaLnBrk="1" fontAlgn="auto" latinLnBrk="0" hangingPunct="1">
-              <a:lnSpc>
-                <a:spcPct val="100000"/>
-              </a:lnSpc>
+            <a:pPr marL="0" lvl="0" indent="0" algn="ctr" rtl="0">
               <a:spcBef>
                 <a:spcPts val="0"/>
               </a:spcBef>
               <a:spcAft>
                 <a:spcPts val="0"/>
               </a:spcAft>
-              <a:buClr>
-                <a:srgbClr val="000000"/>
-              </a:buClr>
-              <a:buSzTx/>
-              <a:buFont typeface="Arial"/>
               <a:buNone/>
-              <a:tabLst/>
-              <a:defRPr/>
             </a:pPr>
             <a:fld id="{00000000-1234-1234-1234-123412341234}" type="slidenum">
-              <a:rPr kumimoji="0" lang="en" sz="1300" b="0" i="0" u="none" strike="noStrike" kern="0" cap="none" spc="0" normalizeH="0" baseline="0" noProof="0">
-                <a:ln>
-                  <a:noFill/>
-                </a:ln>
-                <a:solidFill>
-                  <a:srgbClr val="8F7B87"/>
-                </a:solidFill>
-                <a:effectLst/>
-                <a:uLnTx/>
-                <a:uFillTx/>
-                <a:latin typeface="PT Serif"/>
-                <a:sym typeface="PT Serif"/>
-              </a:rPr>
-              <a:pPr marL="0" marR="0" lvl="0" indent="0" algn="ctr" defTabSz="914400" rtl="0" eaLnBrk="1" fontAlgn="auto" latinLnBrk="0" hangingPunct="1">
-                <a:lnSpc>
-                  <a:spcPct val="100000"/>
-                </a:lnSpc>
-                <a:spcBef>
-                  <a:spcPts val="0"/>
-                </a:spcBef>
-                <a:spcAft>
-                  <a:spcPts val="0"/>
-                </a:spcAft>
-                <a:buClr>
-                  <a:srgbClr val="000000"/>
-                </a:buClr>
-                <a:buSzTx/>
-                <a:buFont typeface="Arial"/>
-                <a:buNone/>
-                <a:tabLst/>
-                <a:defRPr/>
-              </a:pPr>
-              <a:t>5</a:t>
+              <a:rPr lang="es-EC" smtClean="0"/>
+              <a:t>4</a:t>
             </a:fld>
-            <a:endParaRPr kumimoji="0" sz="1300" b="0" i="0" u="none" strike="noStrike" kern="0" cap="none" spc="0" normalizeH="0" baseline="0" noProof="0">
-              <a:ln>
-                <a:noFill/>
-              </a:ln>
-              <a:solidFill>
-                <a:srgbClr val="8F7B87"/>
-              </a:solidFill>
-              <a:effectLst/>
-              <a:uLnTx/>
-              <a:uFillTx/>
-              <a:latin typeface="PT Serif"/>
-              <a:sym typeface="PT Serif"/>
-            </a:endParaRPr>
+            <a:endParaRPr lang="es-EC"/>
           </a:p>
         </p:txBody>
       </p:sp>
       <p:pic>
         <p:nvPicPr>
-          <p:cNvPr id="2" name="Imagen 1"/>
+          <p:cNvPr id="8" name="Imagen 7">
+            <a:extLst>
+              <a:ext uri="{FF2B5EF4-FFF2-40B4-BE49-F238E27FC236}">
+                <a16:creationId xmlns:a16="http://schemas.microsoft.com/office/drawing/2014/main" id="{512A6AB9-94CD-4E99-B1D0-190C61BEE515}"/>
+              </a:ext>
+            </a:extLst>
+          </p:cNvPr>
           <p:cNvPicPr>
             <a:picLocks noChangeAspect="1"/>
           </p:cNvPicPr>
           <p:nvPr/>
         </p:nvPicPr>
         <p:blipFill>
-          <a:blip r:embed="rId3">
-            <a:extLst>
-              <a:ext uri="{28A0092B-C50C-407E-A947-70E740481C1C}">
-                <a14:useLocalDpi xmlns:a14="http://schemas.microsoft.com/office/drawing/2010/main" val="0"/>
-              </a:ext>
-            </a:extLst>
-          </a:blip>
+          <a:blip r:embed="rId2"/>
           <a:stretch>
             <a:fillRect/>
           </a:stretch>
         </p:blipFill>
         <p:spPr>
           <a:xfrm>
-            <a:off x="809625" y="1059582"/>
-            <a:ext cx="7524750" cy="3512418"/>
+            <a:off x="0" y="573511"/>
+            <a:ext cx="9144000" cy="4569940"/>
           </a:xfrm>
           <a:prstGeom prst="rect">
             <a:avLst/>
@@ -34844,7 +34553,7 @@
     </p:spTree>
     <p:extLst>
       <p:ext uri="{BB962C8B-B14F-4D97-AF65-F5344CB8AC3E}">
-        <p14:creationId xmlns:p14="http://schemas.microsoft.com/office/powerpoint/2010/main" val="2322580483"/>
+        <p14:creationId xmlns:p14="http://schemas.microsoft.com/office/powerpoint/2010/main" val="4143090709"/>
       </p:ext>
     </p:extLst>
   </p:cSld>
